--- a/sprint boot.pptx
+++ b/sprint boot.pptx
@@ -7,22 +7,27 @@
     <p:sldMasterId id="2147483673" r:id="rId3"/>
   </p:sldMasterIdLst>
   <p:notesMasterIdLst>
-    <p:notesMasterId r:id="rId14"/>
+    <p:notesMasterId r:id="rId19"/>
   </p:notesMasterIdLst>
   <p:handoutMasterIdLst>
-    <p:handoutMasterId r:id="rId15"/>
+    <p:handoutMasterId r:id="rId20"/>
   </p:handoutMasterIdLst>
   <p:sldIdLst>
     <p:sldId id="344" r:id="rId4"/>
     <p:sldId id="347" r:id="rId5"/>
-    <p:sldId id="348" r:id="rId6"/>
-    <p:sldId id="353" r:id="rId7"/>
-    <p:sldId id="307" r:id="rId8"/>
-    <p:sldId id="351" r:id="rId9"/>
-    <p:sldId id="259" r:id="rId10"/>
-    <p:sldId id="298" r:id="rId11"/>
-    <p:sldId id="352" r:id="rId12"/>
-    <p:sldId id="349" r:id="rId13"/>
+    <p:sldId id="354" r:id="rId6"/>
+    <p:sldId id="348" r:id="rId7"/>
+    <p:sldId id="353" r:id="rId8"/>
+    <p:sldId id="307" r:id="rId9"/>
+    <p:sldId id="355" r:id="rId10"/>
+    <p:sldId id="351" r:id="rId11"/>
+    <p:sldId id="259" r:id="rId12"/>
+    <p:sldId id="356" r:id="rId13"/>
+    <p:sldId id="298" r:id="rId14"/>
+    <p:sldId id="352" r:id="rId15"/>
+    <p:sldId id="358" r:id="rId16"/>
+    <p:sldId id="357" r:id="rId17"/>
+    <p:sldId id="349" r:id="rId18"/>
   </p:sldIdLst>
   <p:sldSz cx="12192000" cy="6858000"/>
   <p:notesSz cx="6858000" cy="9144000"/>
@@ -225,7 +230,7 @@
           <a:p>
             <a:fld id="{C00717B2-72F6-489A-9A68-CB4CDD37CF53}" type="datetimeFigureOut">
               <a:rPr lang="fr-FR" smtClean="0"/>
-              <a:t>26/07/2024</a:t>
+              <a:t>29/07/2024</a:t>
             </a:fld>
             <a:endParaRPr lang="fr-FR"/>
           </a:p>
@@ -390,7 +395,7 @@
           <a:p>
             <a:fld id="{4AAAF045-FEF6-43EA-9CDC-C84FC3F85E9C}" type="datetimeFigureOut">
               <a:rPr lang="en-US" smtClean="0"/>
-              <a:t>7/26/2024</a:t>
+              <a:t>7/29/2024</a:t>
             </a:fld>
             <a:endParaRPr lang="en-US"/>
           </a:p>
@@ -906,7 +911,7 @@
           <a:p>
             <a:fld id="{652F1279-6CE4-4169-83D3-4483097B6907}" type="slidenum">
               <a:rPr lang="en-US" smtClean="0"/>
-              <a:t>3</a:t>
+              <a:t>4</a:t>
             </a:fld>
             <a:endParaRPr lang="en-US"/>
           </a:p>
@@ -1090,7 +1095,7 @@
           <a:p>
             <a:fld id="{652F1279-6CE4-4169-83D3-4483097B6907}" type="slidenum">
               <a:rPr lang="en-US" smtClean="0"/>
-              <a:t>4</a:t>
+              <a:t>5</a:t>
             </a:fld>
             <a:endParaRPr lang="en-US"/>
           </a:p>
@@ -1174,7 +1179,7 @@
           <a:p>
             <a:fld id="{652F1279-6CE4-4169-83D3-4483097B6907}" type="slidenum">
               <a:rPr lang="en-US" smtClean="0"/>
-              <a:t>5</a:t>
+              <a:t>6</a:t>
             </a:fld>
             <a:endParaRPr lang="en-US"/>
           </a:p>
@@ -1258,7 +1263,7 @@
           <a:p>
             <a:fld id="{652F1279-6CE4-4169-83D3-4483097B6907}" type="slidenum">
               <a:rPr lang="en-US" smtClean="0"/>
-              <a:t>7</a:t>
+              <a:t>9</a:t>
             </a:fld>
             <a:endParaRPr lang="en-US"/>
           </a:p>
@@ -1342,7 +1347,7 @@
           <a:p>
             <a:fld id="{652F1279-6CE4-4169-83D3-4483097B6907}" type="slidenum">
               <a:rPr lang="en-US" smtClean="0"/>
-              <a:t>8</a:t>
+              <a:t>11</a:t>
             </a:fld>
             <a:endParaRPr lang="en-US"/>
           </a:p>
@@ -1426,7 +1431,7 @@
           <a:p>
             <a:fld id="{652F1279-6CE4-4169-83D3-4483097B6907}" type="slidenum">
               <a:rPr lang="en-US" smtClean="0"/>
-              <a:t>10</a:t>
+              <a:t>15</a:t>
             </a:fld>
             <a:endParaRPr lang="en-US"/>
           </a:p>
@@ -1847,7 +1852,7 @@
           <p:cNvPr id="10" name="Group 9">
             <a:extLst>
               <a:ext uri="{FF2B5EF4-FFF2-40B4-BE49-F238E27FC236}">
-                <a16:creationId xmlns:a16="http://schemas.microsoft.com/office/drawing/2014/main" xmlns="" id="{ABD26266-8DF8-4F9E-8108-90547D7F6DB4}"/>
+                <a16:creationId xmlns:a16="http://schemas.microsoft.com/office/drawing/2014/main" id="{ABD26266-8DF8-4F9E-8108-90547D7F6DB4}"/>
               </a:ext>
             </a:extLst>
           </p:cNvPr>
@@ -1867,7 +1872,7 @@
             <p:cNvPr id="11" name="Freeform: Shape 10">
               <a:extLst>
                 <a:ext uri="{FF2B5EF4-FFF2-40B4-BE49-F238E27FC236}">
-                  <a16:creationId xmlns:a16="http://schemas.microsoft.com/office/drawing/2014/main" xmlns="" id="{27F633FE-376E-404F-91E4-885447763090}"/>
+                  <a16:creationId xmlns:a16="http://schemas.microsoft.com/office/drawing/2014/main" id="{27F633FE-376E-404F-91E4-885447763090}"/>
                 </a:ext>
               </a:extLst>
             </p:cNvPr>
@@ -2029,7 +2034,7 @@
             <p:cNvPr id="12" name="Freeform: Shape 11">
               <a:extLst>
                 <a:ext uri="{FF2B5EF4-FFF2-40B4-BE49-F238E27FC236}">
-                  <a16:creationId xmlns:a16="http://schemas.microsoft.com/office/drawing/2014/main" xmlns="" id="{400AA72A-9E73-4E92-9A24-FC8789F6DFA4}"/>
+                  <a16:creationId xmlns:a16="http://schemas.microsoft.com/office/drawing/2014/main" id="{400AA72A-9E73-4E92-9A24-FC8789F6DFA4}"/>
                 </a:ext>
               </a:extLst>
             </p:cNvPr>
@@ -2149,7 +2154,7 @@
             <p:cNvPr id="13" name="Freeform: Shape 12">
               <a:extLst>
                 <a:ext uri="{FF2B5EF4-FFF2-40B4-BE49-F238E27FC236}">
-                  <a16:creationId xmlns:a16="http://schemas.microsoft.com/office/drawing/2014/main" xmlns="" id="{46BD5C51-A833-433E-BB70-71DFE09A603C}"/>
+                  <a16:creationId xmlns:a16="http://schemas.microsoft.com/office/drawing/2014/main" id="{46BD5C51-A833-433E-BB70-71DFE09A603C}"/>
                 </a:ext>
               </a:extLst>
             </p:cNvPr>
@@ -2259,7 +2264,7 @@
             <p:cNvPr id="14" name="Freeform: Shape 13">
               <a:extLst>
                 <a:ext uri="{FF2B5EF4-FFF2-40B4-BE49-F238E27FC236}">
-                  <a16:creationId xmlns:a16="http://schemas.microsoft.com/office/drawing/2014/main" xmlns="" id="{F38E9B8E-66AA-4D07-8C4F-4CA5F0182522}"/>
+                  <a16:creationId xmlns:a16="http://schemas.microsoft.com/office/drawing/2014/main" id="{F38E9B8E-66AA-4D07-8C4F-4CA5F0182522}"/>
                 </a:ext>
               </a:extLst>
             </p:cNvPr>
@@ -2386,7 +2391,7 @@
             <p:cNvPr id="15" name="Freeform: Shape 14">
               <a:extLst>
                 <a:ext uri="{FF2B5EF4-FFF2-40B4-BE49-F238E27FC236}">
-                  <a16:creationId xmlns:a16="http://schemas.microsoft.com/office/drawing/2014/main" xmlns="" id="{3BC8E66A-1394-4D3C-B2E0-334A1F599DAF}"/>
+                  <a16:creationId xmlns:a16="http://schemas.microsoft.com/office/drawing/2014/main" id="{3BC8E66A-1394-4D3C-B2E0-334A1F599DAF}"/>
                 </a:ext>
               </a:extLst>
             </p:cNvPr>
@@ -2490,7 +2495,7 @@
             <p:cNvPr id="16" name="Freeform: Shape 15">
               <a:extLst>
                 <a:ext uri="{FF2B5EF4-FFF2-40B4-BE49-F238E27FC236}">
-                  <a16:creationId xmlns:a16="http://schemas.microsoft.com/office/drawing/2014/main" xmlns="" id="{BD4802E1-A5FC-45E8-8180-8E940D832B5F}"/>
+                  <a16:creationId xmlns:a16="http://schemas.microsoft.com/office/drawing/2014/main" id="{BD4802E1-A5FC-45E8-8180-8E940D832B5F}"/>
                 </a:ext>
               </a:extLst>
             </p:cNvPr>
@@ -2572,7 +2577,7 @@
             <p:cNvPr id="17" name="Freeform: Shape 16">
               <a:extLst>
                 <a:ext uri="{FF2B5EF4-FFF2-40B4-BE49-F238E27FC236}">
-                  <a16:creationId xmlns:a16="http://schemas.microsoft.com/office/drawing/2014/main" xmlns="" id="{92825B71-4111-4DEB-8EF4-3C86689A682C}"/>
+                  <a16:creationId xmlns:a16="http://schemas.microsoft.com/office/drawing/2014/main" id="{92825B71-4111-4DEB-8EF4-3C86689A682C}"/>
                 </a:ext>
               </a:extLst>
             </p:cNvPr>
@@ -2684,7 +2689,7 @@
           <p:cNvPr id="18" name="Rectangle 17">
             <a:extLst>
               <a:ext uri="{FF2B5EF4-FFF2-40B4-BE49-F238E27FC236}">
-                <a16:creationId xmlns:a16="http://schemas.microsoft.com/office/drawing/2014/main" xmlns="" id="{23A80384-9207-4A80-9B70-A1F7CDE8F6C3}"/>
+                <a16:creationId xmlns:a16="http://schemas.microsoft.com/office/drawing/2014/main" id="{23A80384-9207-4A80-9B70-A1F7CDE8F6C3}"/>
               </a:ext>
             </a:extLst>
           </p:cNvPr>
@@ -2744,7 +2749,7 @@
           <p:cNvPr id="19" name="Oval 18">
             <a:extLst>
               <a:ext uri="{FF2B5EF4-FFF2-40B4-BE49-F238E27FC236}">
-                <a16:creationId xmlns:a16="http://schemas.microsoft.com/office/drawing/2014/main" xmlns="" id="{4C416A75-B8CF-4929-BC37-2BBFEDC80AA1}"/>
+                <a16:creationId xmlns:a16="http://schemas.microsoft.com/office/drawing/2014/main" id="{4C416A75-B8CF-4929-BC37-2BBFEDC80AA1}"/>
               </a:ext>
             </a:extLst>
           </p:cNvPr>
@@ -2801,7 +2806,7 @@
           <p:cNvPr id="21" name="Oval 9">
             <a:extLst>
               <a:ext uri="{FF2B5EF4-FFF2-40B4-BE49-F238E27FC236}">
-                <a16:creationId xmlns:a16="http://schemas.microsoft.com/office/drawing/2014/main" xmlns="" id="{01AED590-6033-41B9-B612-A655FC2D2471}"/>
+                <a16:creationId xmlns:a16="http://schemas.microsoft.com/office/drawing/2014/main" id="{01AED590-6033-41B9-B612-A655FC2D2471}"/>
               </a:ext>
             </a:extLst>
           </p:cNvPr>
@@ -2855,7 +2860,7 @@
           <p:cNvPr id="22" name="Picture Placeholder 2">
             <a:extLst>
               <a:ext uri="{FF2B5EF4-FFF2-40B4-BE49-F238E27FC236}">
-                <a16:creationId xmlns:a16="http://schemas.microsoft.com/office/drawing/2014/main" xmlns="" id="{4BA74944-B383-469B-9810-16FAA4736103}"/>
+                <a16:creationId xmlns:a16="http://schemas.microsoft.com/office/drawing/2014/main" id="{4BA74944-B383-469B-9810-16FAA4736103}"/>
               </a:ext>
             </a:extLst>
           </p:cNvPr>
@@ -2940,7 +2945,7 @@
           <p:cNvPr id="23" name="Group 20">
             <a:extLst>
               <a:ext uri="{FF2B5EF4-FFF2-40B4-BE49-F238E27FC236}">
-                <a16:creationId xmlns:a16="http://schemas.microsoft.com/office/drawing/2014/main" xmlns="" id="{73844864-235F-4E14-9FBA-EB17CB8C013A}"/>
+                <a16:creationId xmlns:a16="http://schemas.microsoft.com/office/drawing/2014/main" id="{73844864-235F-4E14-9FBA-EB17CB8C013A}"/>
               </a:ext>
             </a:extLst>
           </p:cNvPr>
@@ -2960,7 +2965,7 @@
             <p:cNvPr id="24" name="Rounded Rectangle 21">
               <a:extLst>
                 <a:ext uri="{FF2B5EF4-FFF2-40B4-BE49-F238E27FC236}">
-                  <a16:creationId xmlns:a16="http://schemas.microsoft.com/office/drawing/2014/main" xmlns="" id="{A0C7D66C-8C6F-4B9E-8DC1-072BF2073C6A}"/>
+                  <a16:creationId xmlns:a16="http://schemas.microsoft.com/office/drawing/2014/main" id="{A0C7D66C-8C6F-4B9E-8DC1-072BF2073C6A}"/>
                 </a:ext>
               </a:extLst>
             </p:cNvPr>
@@ -3025,7 +3030,7 @@
             <p:cNvPr id="25" name="Rectangle 22">
               <a:extLst>
                 <a:ext uri="{FF2B5EF4-FFF2-40B4-BE49-F238E27FC236}">
-                  <a16:creationId xmlns:a16="http://schemas.microsoft.com/office/drawing/2014/main" xmlns="" id="{764ECC13-9256-4F74-B289-1001D8F2747F}"/>
+                  <a16:creationId xmlns:a16="http://schemas.microsoft.com/office/drawing/2014/main" id="{764ECC13-9256-4F74-B289-1001D8F2747F}"/>
                 </a:ext>
               </a:extLst>
             </p:cNvPr>
@@ -3079,7 +3084,7 @@
             <p:cNvPr id="26" name="Group 23">
               <a:extLst>
                 <a:ext uri="{FF2B5EF4-FFF2-40B4-BE49-F238E27FC236}">
-                  <a16:creationId xmlns:a16="http://schemas.microsoft.com/office/drawing/2014/main" xmlns="" id="{808E2BAA-465D-4C79-8B44-51C252EE8A0B}"/>
+                  <a16:creationId xmlns:a16="http://schemas.microsoft.com/office/drawing/2014/main" id="{808E2BAA-465D-4C79-8B44-51C252EE8A0B}"/>
                 </a:ext>
               </a:extLst>
             </p:cNvPr>
@@ -3099,7 +3104,7 @@
               <p:cNvPr id="27" name="Oval 24">
                 <a:extLst>
                   <a:ext uri="{FF2B5EF4-FFF2-40B4-BE49-F238E27FC236}">
-                    <a16:creationId xmlns:a16="http://schemas.microsoft.com/office/drawing/2014/main" xmlns="" id="{2402E4F7-C37D-4790-B616-737E2810F7FC}"/>
+                    <a16:creationId xmlns:a16="http://schemas.microsoft.com/office/drawing/2014/main" id="{2402E4F7-C37D-4790-B616-737E2810F7FC}"/>
                   </a:ext>
                 </a:extLst>
               </p:cNvPr>
@@ -3188,7 +3193,7 @@
               <p:cNvPr id="28" name="Rounded Rectangle 25">
                 <a:extLst>
                   <a:ext uri="{FF2B5EF4-FFF2-40B4-BE49-F238E27FC236}">
-                    <a16:creationId xmlns:a16="http://schemas.microsoft.com/office/drawing/2014/main" xmlns="" id="{76D07C3D-86F4-43C7-B719-BBBFD744E107}"/>
+                    <a16:creationId xmlns:a16="http://schemas.microsoft.com/office/drawing/2014/main" id="{76D07C3D-86F4-43C7-B719-BBBFD744E107}"/>
                   </a:ext>
                 </a:extLst>
               </p:cNvPr>
@@ -3246,7 +3251,7 @@
           <p:cNvPr id="29" name="Picture Placeholder 2">
             <a:extLst>
               <a:ext uri="{FF2B5EF4-FFF2-40B4-BE49-F238E27FC236}">
-                <a16:creationId xmlns:a16="http://schemas.microsoft.com/office/drawing/2014/main" xmlns="" id="{1B67B68D-FEC5-42A8-B837-0016014A5CE9}"/>
+                <a16:creationId xmlns:a16="http://schemas.microsoft.com/office/drawing/2014/main" id="{1B67B68D-FEC5-42A8-B837-0016014A5CE9}"/>
               </a:ext>
             </a:extLst>
           </p:cNvPr>
@@ -3331,7 +3336,7 @@
           <p:cNvPr id="30" name="Text Placeholder 9">
             <a:extLst>
               <a:ext uri="{FF2B5EF4-FFF2-40B4-BE49-F238E27FC236}">
-                <a16:creationId xmlns:a16="http://schemas.microsoft.com/office/drawing/2014/main" xmlns="" id="{16F402C5-963E-430D-8D32-CCEA9657B818}"/>
+                <a16:creationId xmlns:a16="http://schemas.microsoft.com/office/drawing/2014/main" id="{16F402C5-963E-430D-8D32-CCEA9657B818}"/>
               </a:ext>
             </a:extLst>
           </p:cNvPr>
@@ -3857,7 +3862,7 @@
           <p:cNvPr id="2" name="Picture Placeholder 22">
             <a:extLst>
               <a:ext uri="{FF2B5EF4-FFF2-40B4-BE49-F238E27FC236}">
-                <a16:creationId xmlns:a16="http://schemas.microsoft.com/office/drawing/2014/main" xmlns="" id="{E58C46AB-72B0-452F-8968-7F13D6C69330}"/>
+                <a16:creationId xmlns:a16="http://schemas.microsoft.com/office/drawing/2014/main" id="{E58C46AB-72B0-452F-8968-7F13D6C69330}"/>
               </a:ext>
             </a:extLst>
           </p:cNvPr>
@@ -4445,7 +4450,7 @@
           <p:cNvPr id="2" name="Rectangle 1">
             <a:extLst>
               <a:ext uri="{FF2B5EF4-FFF2-40B4-BE49-F238E27FC236}">
-                <a16:creationId xmlns:a16="http://schemas.microsoft.com/office/drawing/2014/main" xmlns="" id="{30AE252F-2F95-498B-9748-639B6E785753}"/>
+                <a16:creationId xmlns:a16="http://schemas.microsoft.com/office/drawing/2014/main" id="{30AE252F-2F95-498B-9748-639B6E785753}"/>
               </a:ext>
             </a:extLst>
           </p:cNvPr>
@@ -4494,7 +4499,7 @@
           <p:cNvPr id="3" name="Picture Placeholder 2">
             <a:extLst>
               <a:ext uri="{FF2B5EF4-FFF2-40B4-BE49-F238E27FC236}">
-                <a16:creationId xmlns:a16="http://schemas.microsoft.com/office/drawing/2014/main" xmlns="" id="{2000EF3A-BE58-433D-9D14-B9221C51EC72}"/>
+                <a16:creationId xmlns:a16="http://schemas.microsoft.com/office/drawing/2014/main" id="{2000EF3A-BE58-433D-9D14-B9221C51EC72}"/>
               </a:ext>
             </a:extLst>
           </p:cNvPr>
@@ -5979,7 +5984,7 @@
           <p:cNvPr id="58" name="TextBox 57">
             <a:extLst>
               <a:ext uri="{FF2B5EF4-FFF2-40B4-BE49-F238E27FC236}">
-                <a16:creationId xmlns:a16="http://schemas.microsoft.com/office/drawing/2014/main" xmlns="" id="{5644E8BB-F13A-4AE0-889E-633DE4143787}"/>
+                <a16:creationId xmlns:a16="http://schemas.microsoft.com/office/drawing/2014/main" id="{5644E8BB-F13A-4AE0-889E-633DE4143787}"/>
               </a:ext>
             </a:extLst>
           </p:cNvPr>
@@ -6027,7 +6032,7 @@
           <p:cNvPr id="59" name="TextBox 58">
             <a:extLst>
               <a:ext uri="{FF2B5EF4-FFF2-40B4-BE49-F238E27FC236}">
-                <a16:creationId xmlns:a16="http://schemas.microsoft.com/office/drawing/2014/main" xmlns="" id="{F2CE2B8B-ED32-491A-95B2-D28904BC432C}"/>
+                <a16:creationId xmlns:a16="http://schemas.microsoft.com/office/drawing/2014/main" id="{F2CE2B8B-ED32-491A-95B2-D28904BC432C}"/>
               </a:ext>
             </a:extLst>
           </p:cNvPr>
@@ -6087,7 +6092,7 @@
           <p:cNvPr id="60" name="TextBox 59">
             <a:extLst>
               <a:ext uri="{FF2B5EF4-FFF2-40B4-BE49-F238E27FC236}">
-                <a16:creationId xmlns:a16="http://schemas.microsoft.com/office/drawing/2014/main" xmlns="" id="{962A52DF-2523-4479-BFA3-B5ACE9887E1C}"/>
+                <a16:creationId xmlns:a16="http://schemas.microsoft.com/office/drawing/2014/main" id="{962A52DF-2523-4479-BFA3-B5ACE9887E1C}"/>
               </a:ext>
             </a:extLst>
           </p:cNvPr>
@@ -6136,7 +6141,7 @@
           <p:cNvPr id="61" name="TextBox 60">
             <a:extLst>
               <a:ext uri="{FF2B5EF4-FFF2-40B4-BE49-F238E27FC236}">
-                <a16:creationId xmlns:a16="http://schemas.microsoft.com/office/drawing/2014/main" xmlns="" id="{BAAC314F-E96A-4408-95DE-A70E9ED054AF}"/>
+                <a16:creationId xmlns:a16="http://schemas.microsoft.com/office/drawing/2014/main" id="{BAAC314F-E96A-4408-95DE-A70E9ED054AF}"/>
               </a:ext>
             </a:extLst>
           </p:cNvPr>
@@ -16057,7 +16062,7 @@
           <p:cNvPr id="2" name="Text Placeholder 9">
             <a:extLst>
               <a:ext uri="{FF2B5EF4-FFF2-40B4-BE49-F238E27FC236}">
-                <a16:creationId xmlns:a16="http://schemas.microsoft.com/office/drawing/2014/main" xmlns="" id="{23DE32A5-6181-4C51-AD5C-3F1A448478A1}"/>
+                <a16:creationId xmlns:a16="http://schemas.microsoft.com/office/drawing/2014/main" id="{23DE32A5-6181-4C51-AD5C-3F1A448478A1}"/>
               </a:ext>
             </a:extLst>
           </p:cNvPr>
@@ -21496,7 +21501,7 @@
           <p:cNvPr id="3" name="Text Placeholder 9">
             <a:extLst>
               <a:ext uri="{FF2B5EF4-FFF2-40B4-BE49-F238E27FC236}">
-                <a16:creationId xmlns:a16="http://schemas.microsoft.com/office/drawing/2014/main" xmlns="" id="{EF70765A-4598-4D75-8EBE-B820808F6559}"/>
+                <a16:creationId xmlns:a16="http://schemas.microsoft.com/office/drawing/2014/main" id="{EF70765A-4598-4D75-8EBE-B820808F6559}"/>
               </a:ext>
             </a:extLst>
           </p:cNvPr>
@@ -21547,7 +21552,7 @@
           <p:cNvPr id="4" name="Picture Placeholder 2">
             <a:extLst>
               <a:ext uri="{FF2B5EF4-FFF2-40B4-BE49-F238E27FC236}">
-                <a16:creationId xmlns:a16="http://schemas.microsoft.com/office/drawing/2014/main" xmlns="" id="{CA1A6E33-8A0F-4192-83F6-2FB90AE8DE70}"/>
+                <a16:creationId xmlns:a16="http://schemas.microsoft.com/office/drawing/2014/main" id="{CA1A6E33-8A0F-4192-83F6-2FB90AE8DE70}"/>
               </a:ext>
             </a:extLst>
           </p:cNvPr>
@@ -21632,7 +21637,7 @@
           <p:cNvPr id="5" name="Picture Placeholder 2">
             <a:extLst>
               <a:ext uri="{FF2B5EF4-FFF2-40B4-BE49-F238E27FC236}">
-                <a16:creationId xmlns:a16="http://schemas.microsoft.com/office/drawing/2014/main" xmlns="" id="{B7332FD6-4CCE-4EA6-A914-847EA767CDE7}"/>
+                <a16:creationId xmlns:a16="http://schemas.microsoft.com/office/drawing/2014/main" id="{B7332FD6-4CCE-4EA6-A914-847EA767CDE7}"/>
               </a:ext>
             </a:extLst>
           </p:cNvPr>
@@ -21717,7 +21722,7 @@
           <p:cNvPr id="6" name="Picture Placeholder 2">
             <a:extLst>
               <a:ext uri="{FF2B5EF4-FFF2-40B4-BE49-F238E27FC236}">
-                <a16:creationId xmlns:a16="http://schemas.microsoft.com/office/drawing/2014/main" xmlns="" id="{5A41DCAB-7A97-4D72-8703-2A5EBB6B4047}"/>
+                <a16:creationId xmlns:a16="http://schemas.microsoft.com/office/drawing/2014/main" id="{5A41DCAB-7A97-4D72-8703-2A5EBB6B4047}"/>
               </a:ext>
             </a:extLst>
           </p:cNvPr>
@@ -21802,7 +21807,7 @@
           <p:cNvPr id="7" name="Picture Placeholder 2">
             <a:extLst>
               <a:ext uri="{FF2B5EF4-FFF2-40B4-BE49-F238E27FC236}">
-                <a16:creationId xmlns:a16="http://schemas.microsoft.com/office/drawing/2014/main" xmlns="" id="{DE59F880-57D5-4D69-ADDA-A3030C94684E}"/>
+                <a16:creationId xmlns:a16="http://schemas.microsoft.com/office/drawing/2014/main" id="{DE59F880-57D5-4D69-ADDA-A3030C94684E}"/>
               </a:ext>
             </a:extLst>
           </p:cNvPr>
@@ -22128,7 +22133,7 @@
           <p:cNvPr id="4" name="Rectangle 3">
             <a:extLst>
               <a:ext uri="{FF2B5EF4-FFF2-40B4-BE49-F238E27FC236}">
-                <a16:creationId xmlns:a16="http://schemas.microsoft.com/office/drawing/2014/main" xmlns="" id="{5343D5AB-FDE8-4863-8B0B-FF0EDBC68861}"/>
+                <a16:creationId xmlns:a16="http://schemas.microsoft.com/office/drawing/2014/main" id="{5343D5AB-FDE8-4863-8B0B-FF0EDBC68861}"/>
               </a:ext>
             </a:extLst>
           </p:cNvPr>
@@ -22182,7 +22187,7 @@
           <p:cNvPr id="5" name="Rectangle 4">
             <a:extLst>
               <a:ext uri="{FF2B5EF4-FFF2-40B4-BE49-F238E27FC236}">
-                <a16:creationId xmlns:a16="http://schemas.microsoft.com/office/drawing/2014/main" xmlns="" id="{A0C96F43-3876-47CC-B363-9FBE2E05752F}"/>
+                <a16:creationId xmlns:a16="http://schemas.microsoft.com/office/drawing/2014/main" id="{A0C96F43-3876-47CC-B363-9FBE2E05752F}"/>
               </a:ext>
             </a:extLst>
           </p:cNvPr>
@@ -22236,7 +22241,7 @@
           <p:cNvPr id="6" name="Rectangle 5">
             <a:extLst>
               <a:ext uri="{FF2B5EF4-FFF2-40B4-BE49-F238E27FC236}">
-                <a16:creationId xmlns:a16="http://schemas.microsoft.com/office/drawing/2014/main" xmlns="" id="{E4127DCA-3196-491D-86F7-98470FD4534B}"/>
+                <a16:creationId xmlns:a16="http://schemas.microsoft.com/office/drawing/2014/main" id="{E4127DCA-3196-491D-86F7-98470FD4534B}"/>
               </a:ext>
             </a:extLst>
           </p:cNvPr>
@@ -22290,7 +22295,7 @@
           <p:cNvPr id="7" name="Rectangle 6">
             <a:extLst>
               <a:ext uri="{FF2B5EF4-FFF2-40B4-BE49-F238E27FC236}">
-                <a16:creationId xmlns:a16="http://schemas.microsoft.com/office/drawing/2014/main" xmlns="" id="{C0F3D9F4-8CA6-4676-B29C-CF1677EB90FF}"/>
+                <a16:creationId xmlns:a16="http://schemas.microsoft.com/office/drawing/2014/main" id="{C0F3D9F4-8CA6-4676-B29C-CF1677EB90FF}"/>
               </a:ext>
             </a:extLst>
           </p:cNvPr>
@@ -22341,7 +22346,7 @@
           <p:cNvPr id="2" name="그림 개체 틀 2">
             <a:extLst>
               <a:ext uri="{FF2B5EF4-FFF2-40B4-BE49-F238E27FC236}">
-                <a16:creationId xmlns:a16="http://schemas.microsoft.com/office/drawing/2014/main" xmlns="" id="{BCD635CC-1412-43AB-9F1C-D19087A8B8A1}"/>
+                <a16:creationId xmlns:a16="http://schemas.microsoft.com/office/drawing/2014/main" id="{BCD635CC-1412-43AB-9F1C-D19087A8B8A1}"/>
               </a:ext>
             </a:extLst>
           </p:cNvPr>
@@ -22396,7 +22401,7 @@
           <p:cNvPr id="3" name="Text Placeholder 9">
             <a:extLst>
               <a:ext uri="{FF2B5EF4-FFF2-40B4-BE49-F238E27FC236}">
-                <a16:creationId xmlns:a16="http://schemas.microsoft.com/office/drawing/2014/main" xmlns="" id="{A92F2F0B-AB18-4F91-BFCD-5E07920CEC1B}"/>
+                <a16:creationId xmlns:a16="http://schemas.microsoft.com/office/drawing/2014/main" id="{A92F2F0B-AB18-4F91-BFCD-5E07920CEC1B}"/>
               </a:ext>
             </a:extLst>
           </p:cNvPr>
@@ -22951,7 +22956,7 @@
           <p:cNvPr id="22" name="Picture Placeholder 21">
             <a:extLst>
               <a:ext uri="{FF2B5EF4-FFF2-40B4-BE49-F238E27FC236}">
-                <a16:creationId xmlns:a16="http://schemas.microsoft.com/office/drawing/2014/main" xmlns="" id="{FB08BDAF-A042-4560-BBD8-F1CA5D9DB155}"/>
+                <a16:creationId xmlns:a16="http://schemas.microsoft.com/office/drawing/2014/main" id="{FB08BDAF-A042-4560-BBD8-F1CA5D9DB155}"/>
               </a:ext>
             </a:extLst>
           </p:cNvPr>
@@ -23050,7 +23055,7 @@
           <p:cNvPr id="20" name="Picture Placeholder 19">
             <a:extLst>
               <a:ext uri="{FF2B5EF4-FFF2-40B4-BE49-F238E27FC236}">
-                <a16:creationId xmlns:a16="http://schemas.microsoft.com/office/drawing/2014/main" xmlns="" id="{E375B096-EBDB-4C71-BACA-9F780BF70233}"/>
+                <a16:creationId xmlns:a16="http://schemas.microsoft.com/office/drawing/2014/main" id="{E375B096-EBDB-4C71-BACA-9F780BF70233}"/>
               </a:ext>
             </a:extLst>
           </p:cNvPr>
@@ -23157,7 +23162,7 @@
           <p:cNvPr id="19" name="Picture Placeholder 18">
             <a:extLst>
               <a:ext uri="{FF2B5EF4-FFF2-40B4-BE49-F238E27FC236}">
-                <a16:creationId xmlns:a16="http://schemas.microsoft.com/office/drawing/2014/main" xmlns="" id="{31F3A08B-34AD-476C-9953-B19BAF7F628C}"/>
+                <a16:creationId xmlns:a16="http://schemas.microsoft.com/office/drawing/2014/main" id="{31F3A08B-34AD-476C-9953-B19BAF7F628C}"/>
               </a:ext>
             </a:extLst>
           </p:cNvPr>
@@ -23256,7 +23261,7 @@
           <p:cNvPr id="18" name="Picture Placeholder 17">
             <a:extLst>
               <a:ext uri="{FF2B5EF4-FFF2-40B4-BE49-F238E27FC236}">
-                <a16:creationId xmlns:a16="http://schemas.microsoft.com/office/drawing/2014/main" xmlns="" id="{164DE5B1-7A92-485E-BF4B-DC34DB0ECFFE}"/>
+                <a16:creationId xmlns:a16="http://schemas.microsoft.com/office/drawing/2014/main" id="{164DE5B1-7A92-485E-BF4B-DC34DB0ECFFE}"/>
               </a:ext>
             </a:extLst>
           </p:cNvPr>
@@ -23355,7 +23360,7 @@
           <p:cNvPr id="6" name="Freeform: Shape 5">
             <a:extLst>
               <a:ext uri="{FF2B5EF4-FFF2-40B4-BE49-F238E27FC236}">
-                <a16:creationId xmlns:a16="http://schemas.microsoft.com/office/drawing/2014/main" xmlns="" id="{D6D283E2-312F-41C5-9422-DB6C85B4455D}"/>
+                <a16:creationId xmlns:a16="http://schemas.microsoft.com/office/drawing/2014/main" id="{D6D283E2-312F-41C5-9422-DB6C85B4455D}"/>
               </a:ext>
             </a:extLst>
           </p:cNvPr>
@@ -23450,7 +23455,7 @@
           <p:cNvPr id="13" name="Freeform: Shape 12">
             <a:extLst>
               <a:ext uri="{FF2B5EF4-FFF2-40B4-BE49-F238E27FC236}">
-                <a16:creationId xmlns:a16="http://schemas.microsoft.com/office/drawing/2014/main" xmlns="" id="{B1AAC7CE-37C6-4882-8A2F-D617C7403A00}"/>
+                <a16:creationId xmlns:a16="http://schemas.microsoft.com/office/drawing/2014/main" id="{B1AAC7CE-37C6-4882-8A2F-D617C7403A00}"/>
               </a:ext>
             </a:extLst>
           </p:cNvPr>
@@ -24863,7 +24868,7 @@
           <p:cNvPr id="6" name="TextBox 7">
             <a:extLst>
               <a:ext uri="{FF2B5EF4-FFF2-40B4-BE49-F238E27FC236}">
-                <a16:creationId xmlns:a16="http://schemas.microsoft.com/office/drawing/2014/main" xmlns="" id="{03B4C724-0776-4328-8F0A-B72DA1579537}"/>
+                <a16:creationId xmlns:a16="http://schemas.microsoft.com/office/drawing/2014/main" id="{03B4C724-0776-4328-8F0A-B72DA1579537}"/>
               </a:ext>
             </a:extLst>
           </p:cNvPr>
@@ -24983,6 +24988,1411 @@
       </p:sp>
       <p:sp>
         <p:nvSpPr>
+          <p:cNvPr id="3" name="TextBox 3">
+            <a:extLst>
+              <a:ext uri="{FF2B5EF4-FFF2-40B4-BE49-F238E27FC236}">
+                <a16:creationId xmlns:a16="http://schemas.microsoft.com/office/drawing/2014/main" id="{15A4BDA0-C270-4764-9C18-A593BCE2C965}"/>
+              </a:ext>
+            </a:extLst>
+          </p:cNvPr>
+          <p:cNvSpPr txBox="1"/>
+          <p:nvPr/>
+        </p:nvSpPr>
+        <p:spPr>
+          <a:xfrm>
+            <a:off x="1079477" y="623463"/>
+            <a:ext cx="6862740" cy="646331"/>
+          </a:xfrm>
+          <a:prstGeom prst="rect">
+            <a:avLst/>
+          </a:prstGeom>
+          <a:noFill/>
+        </p:spPr>
+        <p:txBody>
+          <a:bodyPr wrap="square" rtlCol="0" anchor="ctr">
+            <a:spAutoFit/>
+          </a:bodyPr>
+          <a:lstStyle/>
+          <a:p>
+            <a:r>
+              <a:rPr lang="en-US" altLang="ko-KR" sz="3600" dirty="0" smtClean="0">
+                <a:solidFill>
+                  <a:schemeClr val="tx1">
+                    <a:lumMod val="85000"/>
+                    <a:lumOff val="15000"/>
+                  </a:schemeClr>
+                </a:solidFill>
+                <a:latin typeface="Candara" panose="020E0502030303020204" pitchFamily="34" charset="0"/>
+                <a:cs typeface="Arial" pitchFamily="34" charset="0"/>
+              </a:rPr>
+              <a:t>Structure d’un project spring boot </a:t>
+            </a:r>
+            <a:endParaRPr lang="ko-KR" altLang="en-US" sz="3600" dirty="0">
+              <a:solidFill>
+                <a:schemeClr val="tx1">
+                  <a:lumMod val="85000"/>
+                  <a:lumOff val="15000"/>
+                </a:schemeClr>
+              </a:solidFill>
+              <a:latin typeface="Candara" panose="020E0502030303020204" pitchFamily="34" charset="0"/>
+              <a:cs typeface="Arial" pitchFamily="34" charset="0"/>
+            </a:endParaRPr>
+          </a:p>
+        </p:txBody>
+      </p:sp>
+    </p:spTree>
+    <p:extLst>
+      <p:ext uri="{BB962C8B-B14F-4D97-AF65-F5344CB8AC3E}">
+        <p14:creationId xmlns:p14="http://schemas.microsoft.com/office/powerpoint/2010/main" val="822031526"/>
+      </p:ext>
+    </p:extLst>
+  </p:cSld>
+  <p:clrMapOvr>
+    <a:masterClrMapping/>
+  </p:clrMapOvr>
+</p:sld>
+</file>
+
+<file path=ppt/slides/slide11.xml><?xml version="1.0" encoding="utf-8"?>
+<p:sld xmlns:a="http://schemas.openxmlformats.org/drawingml/2006/main" xmlns:r="http://schemas.openxmlformats.org/officeDocument/2006/relationships" xmlns:p="http://schemas.openxmlformats.org/presentationml/2006/main">
+  <p:cSld>
+    <p:spTree>
+      <p:nvGrpSpPr>
+        <p:cNvPr id="1" name=""/>
+        <p:cNvGrpSpPr/>
+        <p:nvPr/>
+      </p:nvGrpSpPr>
+      <p:grpSpPr>
+        <a:xfrm>
+          <a:off x="0" y="0"/>
+          <a:ext cx="0" cy="0"/>
+          <a:chOff x="0" y="0"/>
+          <a:chExt cx="0" cy="0"/>
+        </a:xfrm>
+      </p:grpSpPr>
+      <p:sp>
+        <p:nvSpPr>
+          <p:cNvPr id="28" name="Espace réservé du numéro de diapositive 27"/>
+          <p:cNvSpPr>
+            <a:spLocks noGrp="1"/>
+          </p:cNvSpPr>
+          <p:nvPr>
+            <p:ph type="sldNum" sz="quarter" idx="11"/>
+          </p:nvPr>
+        </p:nvSpPr>
+        <p:spPr>
+          <a:xfrm>
+            <a:off x="8737209" y="7129489"/>
+            <a:ext cx="2743200" cy="262037"/>
+          </a:xfrm>
+        </p:spPr>
+        <p:txBody>
+          <a:bodyPr/>
+          <a:lstStyle/>
+          <a:p>
+            <a:fld id="{4B598DDB-A902-48C8-9CD3-58F7F0DA2EE5}" type="slidenum">
+              <a:rPr lang="fr-FR" smtClean="0"/>
+              <a:pPr/>
+              <a:t>11</a:t>
+            </a:fld>
+            <a:endParaRPr lang="fr-FR" dirty="0"/>
+          </a:p>
+        </p:txBody>
+      </p:sp>
+      <p:sp>
+        <p:nvSpPr>
+          <p:cNvPr id="29" name="Text Placeholder 1">
+            <a:extLst>
+              <a:ext uri="{FF2B5EF4-FFF2-40B4-BE49-F238E27FC236}">
+                <a16:creationId xmlns:a16="http://schemas.microsoft.com/office/drawing/2014/main" id="{D735F7F3-C1B5-4B60-A00A-4EB618DDFB5A}"/>
+              </a:ext>
+            </a:extLst>
+          </p:cNvPr>
+          <p:cNvSpPr txBox="1">
+            <a:spLocks/>
+          </p:cNvSpPr>
+          <p:nvPr/>
+        </p:nvSpPr>
+        <p:spPr>
+          <a:xfrm>
+            <a:off x="465070" y="1087157"/>
+            <a:ext cx="10409129" cy="1333793"/>
+          </a:xfrm>
+          <a:prstGeom prst="rect">
+            <a:avLst/>
+          </a:prstGeom>
+        </p:spPr>
+        <p:txBody>
+          <a:bodyPr anchor="ctr"/>
+          <a:lstStyle>
+            <a:lvl1pPr marL="0" indent="0" algn="ctr" defTabSz="914400" rtl="0" eaLnBrk="1" latinLnBrk="0" hangingPunct="1">
+              <a:lnSpc>
+                <a:spcPct val="90000"/>
+              </a:lnSpc>
+              <a:spcBef>
+                <a:spcPts val="1000"/>
+              </a:spcBef>
+              <a:buFont typeface="Arial" panose="020B0604020202020204" pitchFamily="34" charset="0"/>
+              <a:buNone/>
+              <a:defRPr sz="5400" b="0" kern="1200" baseline="0">
+                <a:solidFill>
+                  <a:schemeClr val="tx1">
+                    <a:lumMod val="85000"/>
+                    <a:lumOff val="15000"/>
+                  </a:schemeClr>
+                </a:solidFill>
+                <a:latin typeface="Candara" panose="020E0502030303020204" pitchFamily="34" charset="0"/>
+                <a:ea typeface="+mn-ea"/>
+                <a:cs typeface="Arial" pitchFamily="34" charset="0"/>
+              </a:defRPr>
+            </a:lvl1pPr>
+            <a:lvl2pPr marL="685800" indent="-228600" algn="l" defTabSz="914400" rtl="0" eaLnBrk="1" latinLnBrk="0" hangingPunct="1">
+              <a:lnSpc>
+                <a:spcPct val="90000"/>
+              </a:lnSpc>
+              <a:spcBef>
+                <a:spcPts val="500"/>
+              </a:spcBef>
+              <a:buFont typeface="Arial" panose="020B0604020202020204" pitchFamily="34" charset="0"/>
+              <a:buChar char="•"/>
+              <a:defRPr sz="2400" kern="1200">
+                <a:solidFill>
+                  <a:schemeClr val="tx1"/>
+                </a:solidFill>
+                <a:latin typeface="+mn-lt"/>
+                <a:ea typeface="+mn-ea"/>
+                <a:cs typeface="+mn-cs"/>
+              </a:defRPr>
+            </a:lvl2pPr>
+            <a:lvl3pPr marL="1143000" indent="-228600" algn="l" defTabSz="914400" rtl="0" eaLnBrk="1" latinLnBrk="0" hangingPunct="1">
+              <a:lnSpc>
+                <a:spcPct val="90000"/>
+              </a:lnSpc>
+              <a:spcBef>
+                <a:spcPts val="500"/>
+              </a:spcBef>
+              <a:buFont typeface="Arial" panose="020B0604020202020204" pitchFamily="34" charset="0"/>
+              <a:buChar char="•"/>
+              <a:defRPr sz="2000" kern="1200">
+                <a:solidFill>
+                  <a:schemeClr val="tx1"/>
+                </a:solidFill>
+                <a:latin typeface="+mn-lt"/>
+                <a:ea typeface="+mn-ea"/>
+                <a:cs typeface="+mn-cs"/>
+              </a:defRPr>
+            </a:lvl3pPr>
+            <a:lvl4pPr marL="1600200" indent="-228600" algn="l" defTabSz="914400" rtl="0" eaLnBrk="1" latinLnBrk="0" hangingPunct="1">
+              <a:lnSpc>
+                <a:spcPct val="90000"/>
+              </a:lnSpc>
+              <a:spcBef>
+                <a:spcPts val="500"/>
+              </a:spcBef>
+              <a:buFont typeface="Arial" panose="020B0604020202020204" pitchFamily="34" charset="0"/>
+              <a:buChar char="•"/>
+              <a:defRPr sz="1800" kern="1200">
+                <a:solidFill>
+                  <a:schemeClr val="tx1"/>
+                </a:solidFill>
+                <a:latin typeface="+mn-lt"/>
+                <a:ea typeface="+mn-ea"/>
+                <a:cs typeface="+mn-cs"/>
+              </a:defRPr>
+            </a:lvl4pPr>
+            <a:lvl5pPr marL="2057400" indent="-228600" algn="l" defTabSz="914400" rtl="0" eaLnBrk="1" latinLnBrk="0" hangingPunct="1">
+              <a:lnSpc>
+                <a:spcPct val="90000"/>
+              </a:lnSpc>
+              <a:spcBef>
+                <a:spcPts val="500"/>
+              </a:spcBef>
+              <a:buFont typeface="Arial" panose="020B0604020202020204" pitchFamily="34" charset="0"/>
+              <a:buChar char="•"/>
+              <a:defRPr sz="1800" kern="1200">
+                <a:solidFill>
+                  <a:schemeClr val="tx1"/>
+                </a:solidFill>
+                <a:latin typeface="+mn-lt"/>
+                <a:ea typeface="+mn-ea"/>
+                <a:cs typeface="+mn-cs"/>
+              </a:defRPr>
+            </a:lvl5pPr>
+            <a:lvl6pPr marL="2514600" indent="-228600" algn="l" defTabSz="914400" rtl="0" eaLnBrk="1" latinLnBrk="0" hangingPunct="1">
+              <a:lnSpc>
+                <a:spcPct val="90000"/>
+              </a:lnSpc>
+              <a:spcBef>
+                <a:spcPts val="500"/>
+              </a:spcBef>
+              <a:buFont typeface="Arial" panose="020B0604020202020204" pitchFamily="34" charset="0"/>
+              <a:buChar char="•"/>
+              <a:defRPr sz="1800" kern="1200">
+                <a:solidFill>
+                  <a:schemeClr val="tx1"/>
+                </a:solidFill>
+                <a:latin typeface="+mn-lt"/>
+                <a:ea typeface="+mn-ea"/>
+                <a:cs typeface="+mn-cs"/>
+              </a:defRPr>
+            </a:lvl6pPr>
+            <a:lvl7pPr marL="2971800" indent="-228600" algn="l" defTabSz="914400" rtl="0" eaLnBrk="1" latinLnBrk="0" hangingPunct="1">
+              <a:lnSpc>
+                <a:spcPct val="90000"/>
+              </a:lnSpc>
+              <a:spcBef>
+                <a:spcPts val="500"/>
+              </a:spcBef>
+              <a:buFont typeface="Arial" panose="020B0604020202020204" pitchFamily="34" charset="0"/>
+              <a:buChar char="•"/>
+              <a:defRPr sz="1800" kern="1200">
+                <a:solidFill>
+                  <a:schemeClr val="tx1"/>
+                </a:solidFill>
+                <a:latin typeface="+mn-lt"/>
+                <a:ea typeface="+mn-ea"/>
+                <a:cs typeface="+mn-cs"/>
+              </a:defRPr>
+            </a:lvl7pPr>
+            <a:lvl8pPr marL="3429000" indent="-228600" algn="l" defTabSz="914400" rtl="0" eaLnBrk="1" latinLnBrk="0" hangingPunct="1">
+              <a:lnSpc>
+                <a:spcPct val="90000"/>
+              </a:lnSpc>
+              <a:spcBef>
+                <a:spcPts val="500"/>
+              </a:spcBef>
+              <a:buFont typeface="Arial" panose="020B0604020202020204" pitchFamily="34" charset="0"/>
+              <a:buChar char="•"/>
+              <a:defRPr sz="1800" kern="1200">
+                <a:solidFill>
+                  <a:schemeClr val="tx1"/>
+                </a:solidFill>
+                <a:latin typeface="+mn-lt"/>
+                <a:ea typeface="+mn-ea"/>
+                <a:cs typeface="+mn-cs"/>
+              </a:defRPr>
+            </a:lvl8pPr>
+            <a:lvl9pPr marL="3886200" indent="-228600" algn="l" defTabSz="914400" rtl="0" eaLnBrk="1" latinLnBrk="0" hangingPunct="1">
+              <a:lnSpc>
+                <a:spcPct val="90000"/>
+              </a:lnSpc>
+              <a:spcBef>
+                <a:spcPts val="500"/>
+              </a:spcBef>
+              <a:buFont typeface="Arial" panose="020B0604020202020204" pitchFamily="34" charset="0"/>
+              <a:buChar char="•"/>
+              <a:defRPr sz="1800" kern="1200">
+                <a:solidFill>
+                  <a:schemeClr val="tx1"/>
+                </a:solidFill>
+                <a:latin typeface="+mn-lt"/>
+                <a:ea typeface="+mn-ea"/>
+                <a:cs typeface="+mn-cs"/>
+              </a:defRPr>
+            </a:lvl9pPr>
+          </a:lstStyle>
+          <a:p>
+            <a:r>
+              <a:rPr lang="en-US" dirty="0" smtClean="0"/>
+              <a:t>Comment executer un project spring boot</a:t>
+            </a:r>
+            <a:endParaRPr lang="en-US" dirty="0"/>
+          </a:p>
+        </p:txBody>
+      </p:sp>
+      <p:sp>
+        <p:nvSpPr>
+          <p:cNvPr id="61" name="Espace réservé du numéro de diapositive 37"/>
+          <p:cNvSpPr txBox="1">
+            <a:spLocks/>
+          </p:cNvSpPr>
+          <p:nvPr/>
+        </p:nvSpPr>
+        <p:spPr>
+          <a:xfrm>
+            <a:off x="8889609" y="7281889"/>
+            <a:ext cx="2743200" cy="262037"/>
+          </a:xfrm>
+          <a:prstGeom prst="rect">
+            <a:avLst/>
+          </a:prstGeom>
+        </p:spPr>
+        <p:txBody>
+          <a:bodyPr vert="horz" lIns="91440" tIns="45720" rIns="91440" bIns="45720" rtlCol="0" anchor="ctr"/>
+          <a:lstStyle>
+            <a:defPPr>
+              <a:defRPr lang="en-US"/>
+            </a:defPPr>
+            <a:lvl1pPr marL="0" algn="r" defTabSz="914400" rtl="0" eaLnBrk="1" latinLnBrk="0" hangingPunct="1">
+              <a:defRPr sz="1200" b="1" kern="1200">
+                <a:solidFill>
+                  <a:schemeClr val="bg1"/>
+                </a:solidFill>
+                <a:latin typeface="Candara" panose="020E0502030303020204" pitchFamily="34" charset="0"/>
+                <a:ea typeface="+mn-ea"/>
+                <a:cs typeface="+mn-cs"/>
+              </a:defRPr>
+            </a:lvl1pPr>
+            <a:lvl2pPr marL="457200" algn="l" defTabSz="914400" rtl="0" eaLnBrk="1" latinLnBrk="0" hangingPunct="1">
+              <a:defRPr sz="1800" kern="1200">
+                <a:solidFill>
+                  <a:schemeClr val="tx1"/>
+                </a:solidFill>
+                <a:latin typeface="+mn-lt"/>
+                <a:ea typeface="+mn-ea"/>
+                <a:cs typeface="+mn-cs"/>
+              </a:defRPr>
+            </a:lvl2pPr>
+            <a:lvl3pPr marL="914400" algn="l" defTabSz="914400" rtl="0" eaLnBrk="1" latinLnBrk="0" hangingPunct="1">
+              <a:defRPr sz="1800" kern="1200">
+                <a:solidFill>
+                  <a:schemeClr val="tx1"/>
+                </a:solidFill>
+                <a:latin typeface="+mn-lt"/>
+                <a:ea typeface="+mn-ea"/>
+                <a:cs typeface="+mn-cs"/>
+              </a:defRPr>
+            </a:lvl3pPr>
+            <a:lvl4pPr marL="1371600" algn="l" defTabSz="914400" rtl="0" eaLnBrk="1" latinLnBrk="0" hangingPunct="1">
+              <a:defRPr sz="1800" kern="1200">
+                <a:solidFill>
+                  <a:schemeClr val="tx1"/>
+                </a:solidFill>
+                <a:latin typeface="+mn-lt"/>
+                <a:ea typeface="+mn-ea"/>
+                <a:cs typeface="+mn-cs"/>
+              </a:defRPr>
+            </a:lvl4pPr>
+            <a:lvl5pPr marL="1828800" algn="l" defTabSz="914400" rtl="0" eaLnBrk="1" latinLnBrk="0" hangingPunct="1">
+              <a:defRPr sz="1800" kern="1200">
+                <a:solidFill>
+                  <a:schemeClr val="tx1"/>
+                </a:solidFill>
+                <a:latin typeface="+mn-lt"/>
+                <a:ea typeface="+mn-ea"/>
+                <a:cs typeface="+mn-cs"/>
+              </a:defRPr>
+            </a:lvl5pPr>
+            <a:lvl6pPr marL="2286000" algn="l" defTabSz="914400" rtl="0" eaLnBrk="1" latinLnBrk="0" hangingPunct="1">
+              <a:defRPr sz="1800" kern="1200">
+                <a:solidFill>
+                  <a:schemeClr val="tx1"/>
+                </a:solidFill>
+                <a:latin typeface="+mn-lt"/>
+                <a:ea typeface="+mn-ea"/>
+                <a:cs typeface="+mn-cs"/>
+              </a:defRPr>
+            </a:lvl6pPr>
+            <a:lvl7pPr marL="2743200" algn="l" defTabSz="914400" rtl="0" eaLnBrk="1" latinLnBrk="0" hangingPunct="1">
+              <a:defRPr sz="1800" kern="1200">
+                <a:solidFill>
+                  <a:schemeClr val="tx1"/>
+                </a:solidFill>
+                <a:latin typeface="+mn-lt"/>
+                <a:ea typeface="+mn-ea"/>
+                <a:cs typeface="+mn-cs"/>
+              </a:defRPr>
+            </a:lvl7pPr>
+            <a:lvl8pPr marL="3200400" algn="l" defTabSz="914400" rtl="0" eaLnBrk="1" latinLnBrk="0" hangingPunct="1">
+              <a:defRPr sz="1800" kern="1200">
+                <a:solidFill>
+                  <a:schemeClr val="tx1"/>
+                </a:solidFill>
+                <a:latin typeface="+mn-lt"/>
+                <a:ea typeface="+mn-ea"/>
+                <a:cs typeface="+mn-cs"/>
+              </a:defRPr>
+            </a:lvl8pPr>
+            <a:lvl9pPr marL="3657600" algn="l" defTabSz="914400" rtl="0" eaLnBrk="1" latinLnBrk="0" hangingPunct="1">
+              <a:defRPr sz="1800" kern="1200">
+                <a:solidFill>
+                  <a:schemeClr val="tx1"/>
+                </a:solidFill>
+                <a:latin typeface="+mn-lt"/>
+                <a:ea typeface="+mn-ea"/>
+                <a:cs typeface="+mn-cs"/>
+              </a:defRPr>
+            </a:lvl9pPr>
+          </a:lstStyle>
+          <a:p>
+            <a:fld id="{4B598DDB-A902-48C8-9CD3-58F7F0DA2EE5}" type="slidenum">
+              <a:rPr lang="fr-FR" smtClean="0"/>
+              <a:pPr/>
+              <a:t>11</a:t>
+            </a:fld>
+            <a:endParaRPr lang="fr-FR" dirty="0"/>
+          </a:p>
+        </p:txBody>
+      </p:sp>
+      <p:sp>
+        <p:nvSpPr>
+          <p:cNvPr id="68" name="Rectangle 14"/>
+          <p:cNvSpPr>
+            <a:spLocks noChangeArrowheads="1"/>
+          </p:cNvSpPr>
+          <p:nvPr/>
+        </p:nvSpPr>
+        <p:spPr bwMode="auto">
+          <a:xfrm>
+            <a:off x="1211060937" y="42212"/>
+            <a:ext cx="1784350" cy="0"/>
+          </a:xfrm>
+          <a:prstGeom prst="rect">
+            <a:avLst/>
+          </a:prstGeom>
+          <a:solidFill>
+            <a:srgbClr val="1E1E1E"/>
+          </a:solidFill>
+          <a:ln>
+            <a:noFill/>
+          </a:ln>
+          <a:effectLst/>
+          <a:extLst>
+            <a:ext uri="{91240B29-F687-4F45-9708-019B960494DF}">
+              <a14:hiddenLine xmlns:a14="http://schemas.microsoft.com/office/drawing/2010/main" w="9525">
+                <a:solidFill>
+                  <a:schemeClr val="tx1"/>
+                </a:solidFill>
+                <a:miter lim="800000"/>
+                <a:headEnd/>
+                <a:tailEnd/>
+              </a14:hiddenLine>
+            </a:ext>
+            <a:ext uri="{AF507438-7753-43E0-B8FC-AC1667EBCBE1}">
+              <a14:hiddenEffects xmlns:a14="http://schemas.microsoft.com/office/drawing/2010/main">
+                <a:effectLst>
+                  <a:outerShdw dist="35921" dir="2700000" algn="ctr" rotWithShape="0">
+                    <a:schemeClr val="bg2"/>
+                  </a:outerShdw>
+                </a:effectLst>
+              </a14:hiddenEffects>
+            </a:ext>
+          </a:extLst>
+        </p:spPr>
+        <p:txBody>
+          <a:bodyPr vert="horz" wrap="square" lIns="91440" tIns="53958" rIns="91440" bIns="45720" numCol="1" anchor="ctr" anchorCtr="0" compatLnSpc="1">
+            <a:prstTxWarp prst="textNoShape">
+              <a:avLst/>
+            </a:prstTxWarp>
+            <a:spAutoFit/>
+          </a:bodyPr>
+          <a:lstStyle>
+            <a:lvl1pPr eaLnBrk="0" fontAlgn="base" hangingPunct="0">
+              <a:spcBef>
+                <a:spcPct val="0"/>
+              </a:spcBef>
+              <a:spcAft>
+                <a:spcPct val="0"/>
+              </a:spcAft>
+              <a:defRPr>
+                <a:solidFill>
+                  <a:schemeClr val="tx1"/>
+                </a:solidFill>
+                <a:latin typeface="Arial" panose="020B0604020202020204" pitchFamily="34" charset="0"/>
+              </a:defRPr>
+            </a:lvl1pPr>
+            <a:lvl2pPr eaLnBrk="0" fontAlgn="base" hangingPunct="0">
+              <a:spcBef>
+                <a:spcPct val="0"/>
+              </a:spcBef>
+              <a:spcAft>
+                <a:spcPct val="0"/>
+              </a:spcAft>
+              <a:defRPr>
+                <a:solidFill>
+                  <a:schemeClr val="tx1"/>
+                </a:solidFill>
+                <a:latin typeface="Arial" panose="020B0604020202020204" pitchFamily="34" charset="0"/>
+              </a:defRPr>
+            </a:lvl2pPr>
+            <a:lvl3pPr eaLnBrk="0" fontAlgn="base" hangingPunct="0">
+              <a:spcBef>
+                <a:spcPct val="0"/>
+              </a:spcBef>
+              <a:spcAft>
+                <a:spcPct val="0"/>
+              </a:spcAft>
+              <a:defRPr>
+                <a:solidFill>
+                  <a:schemeClr val="tx1"/>
+                </a:solidFill>
+                <a:latin typeface="Arial" panose="020B0604020202020204" pitchFamily="34" charset="0"/>
+              </a:defRPr>
+            </a:lvl3pPr>
+            <a:lvl4pPr eaLnBrk="0" fontAlgn="base" hangingPunct="0">
+              <a:spcBef>
+                <a:spcPct val="0"/>
+              </a:spcBef>
+              <a:spcAft>
+                <a:spcPct val="0"/>
+              </a:spcAft>
+              <a:defRPr>
+                <a:solidFill>
+                  <a:schemeClr val="tx1"/>
+                </a:solidFill>
+                <a:latin typeface="Arial" panose="020B0604020202020204" pitchFamily="34" charset="0"/>
+              </a:defRPr>
+            </a:lvl4pPr>
+            <a:lvl5pPr eaLnBrk="0" fontAlgn="base" hangingPunct="0">
+              <a:spcBef>
+                <a:spcPct val="0"/>
+              </a:spcBef>
+              <a:spcAft>
+                <a:spcPct val="0"/>
+              </a:spcAft>
+              <a:defRPr>
+                <a:solidFill>
+                  <a:schemeClr val="tx1"/>
+                </a:solidFill>
+                <a:latin typeface="Arial" panose="020B0604020202020204" pitchFamily="34" charset="0"/>
+              </a:defRPr>
+            </a:lvl5pPr>
+            <a:lvl6pPr eaLnBrk="0" fontAlgn="base" hangingPunct="0">
+              <a:spcBef>
+                <a:spcPct val="0"/>
+              </a:spcBef>
+              <a:spcAft>
+                <a:spcPct val="0"/>
+              </a:spcAft>
+              <a:defRPr>
+                <a:solidFill>
+                  <a:schemeClr val="tx1"/>
+                </a:solidFill>
+                <a:latin typeface="Arial" panose="020B0604020202020204" pitchFamily="34" charset="0"/>
+              </a:defRPr>
+            </a:lvl6pPr>
+            <a:lvl7pPr eaLnBrk="0" fontAlgn="base" hangingPunct="0">
+              <a:spcBef>
+                <a:spcPct val="0"/>
+              </a:spcBef>
+              <a:spcAft>
+                <a:spcPct val="0"/>
+              </a:spcAft>
+              <a:defRPr>
+                <a:solidFill>
+                  <a:schemeClr val="tx1"/>
+                </a:solidFill>
+                <a:latin typeface="Arial" panose="020B0604020202020204" pitchFamily="34" charset="0"/>
+              </a:defRPr>
+            </a:lvl7pPr>
+            <a:lvl8pPr eaLnBrk="0" fontAlgn="base" hangingPunct="0">
+              <a:spcBef>
+                <a:spcPct val="0"/>
+              </a:spcBef>
+              <a:spcAft>
+                <a:spcPct val="0"/>
+              </a:spcAft>
+              <a:defRPr>
+                <a:solidFill>
+                  <a:schemeClr val="tx1"/>
+                </a:solidFill>
+                <a:latin typeface="Arial" panose="020B0604020202020204" pitchFamily="34" charset="0"/>
+              </a:defRPr>
+            </a:lvl8pPr>
+            <a:lvl9pPr eaLnBrk="0" fontAlgn="base" hangingPunct="0">
+              <a:spcBef>
+                <a:spcPct val="0"/>
+              </a:spcBef>
+              <a:spcAft>
+                <a:spcPct val="0"/>
+              </a:spcAft>
+              <a:defRPr>
+                <a:solidFill>
+                  <a:schemeClr val="tx1"/>
+                </a:solidFill>
+                <a:latin typeface="Arial" panose="020B0604020202020204" pitchFamily="34" charset="0"/>
+              </a:defRPr>
+            </a:lvl9pPr>
+          </a:lstStyle>
+          <a:p>
+            <a:pPr marL="0" marR="0" lvl="0" indent="0" algn="l" defTabSz="914400" rtl="0" eaLnBrk="0" fontAlgn="base" latinLnBrk="0" hangingPunct="0">
+              <a:lnSpc>
+                <a:spcPct val="100000"/>
+              </a:lnSpc>
+              <a:spcBef>
+                <a:spcPct val="0"/>
+              </a:spcBef>
+              <a:spcAft>
+                <a:spcPct val="0"/>
+              </a:spcAft>
+              <a:buClrTx/>
+              <a:buSzTx/>
+              <a:buFontTx/>
+              <a:buNone/>
+              <a:tabLst/>
+            </a:pPr>
+            <a:r>
+              <a:rPr kumimoji="0" lang="fr-FR" sz="900" b="0" i="0" u="none" strike="noStrike" cap="none" normalizeH="0" baseline="0" smtClean="0">
+                <a:ln>
+                  <a:noFill/>
+                </a:ln>
+                <a:solidFill>
+                  <a:srgbClr val="BDBDBD"/>
+                </a:solidFill>
+                <a:effectLst/>
+                <a:latin typeface="Roboto"/>
+                <a:hlinkClick r:id="rId3"/>
+              </a:rPr>
+              <a:t>  </a:t>
+            </a:r>
+            <a:r>
+              <a:rPr kumimoji="0" lang="fr-FR" sz="700" b="0" i="0" u="none" strike="noStrike" cap="none" normalizeH="0" baseline="0" smtClean="0">
+                <a:ln>
+                  <a:noFill/>
+                </a:ln>
+                <a:solidFill>
+                  <a:srgbClr val="BDBDBD"/>
+                </a:solidFill>
+                <a:effectLst/>
+                <a:latin typeface="Roboto"/>
+              </a:rPr>
+              <a:t> </a:t>
+            </a:r>
+            <a:r>
+              <a:rPr kumimoji="0" lang="fr-FR" sz="900" b="0" i="0" u="none" strike="noStrike" cap="none" normalizeH="0" baseline="0" smtClean="0">
+                <a:ln>
+                  <a:noFill/>
+                </a:ln>
+                <a:solidFill>
+                  <a:srgbClr val="BDBDBD"/>
+                </a:solidFill>
+                <a:effectLst/>
+                <a:latin typeface="Roboto"/>
+              </a:rPr>
+              <a:t>    Fr</a:t>
+            </a:r>
+            <a:r>
+              <a:rPr kumimoji="0" lang="fr-FR" sz="900" b="0" i="0" u="none" strike="noStrike" cap="none" normalizeH="0" baseline="0" smtClean="0">
+                <a:ln>
+                  <a:noFill/>
+                </a:ln>
+                <a:solidFill>
+                  <a:srgbClr val="BDBDBD"/>
+                </a:solidFill>
+                <a:effectLst/>
+                <a:latin typeface="Roboto"/>
+                <a:hlinkClick r:id="rId3"/>
+              </a:rPr>
+              <a:t>ançais</a:t>
+            </a:r>
+            <a:endParaRPr kumimoji="0" lang="fr-FR" sz="1100" b="0" i="0" u="none" strike="noStrike" cap="none" normalizeH="0" baseline="0" smtClean="0">
+              <a:ln>
+                <a:noFill/>
+              </a:ln>
+              <a:solidFill>
+                <a:schemeClr val="tx1"/>
+              </a:solidFill>
+              <a:effectLst/>
+            </a:endParaRPr>
+          </a:p>
+          <a:p>
+            <a:pPr marL="0" marR="0" lvl="0" indent="0" algn="l" defTabSz="914400" rtl="0" eaLnBrk="0" fontAlgn="base" latinLnBrk="0" hangingPunct="0">
+              <a:lnSpc>
+                <a:spcPct val="100000"/>
+              </a:lnSpc>
+              <a:spcBef>
+                <a:spcPct val="0"/>
+              </a:spcBef>
+              <a:spcAft>
+                <a:spcPct val="0"/>
+              </a:spcAft>
+              <a:buClrTx/>
+              <a:buSzTx/>
+              <a:buFontTx/>
+              <a:buNone/>
+              <a:tabLst/>
+            </a:pPr>
+            <a:r>
+              <a:rPr kumimoji="0" lang="fr-FR" sz="900" b="0" i="0" u="none" strike="noStrike" cap="none" normalizeH="0" baseline="0" smtClean="0">
+                <a:ln>
+                  <a:noFill/>
+                </a:ln>
+                <a:solidFill>
+                  <a:srgbClr val="BDBDBD"/>
+                </a:solidFill>
+                <a:effectLst/>
+                <a:latin typeface="Roboto"/>
+              </a:rPr>
+              <a:t/>
+            </a:r>
+            <a:br>
+              <a:rPr kumimoji="0" lang="fr-FR" sz="900" b="0" i="0" u="none" strike="noStrike" cap="none" normalizeH="0" baseline="0" smtClean="0">
+                <a:ln>
+                  <a:noFill/>
+                </a:ln>
+                <a:solidFill>
+                  <a:srgbClr val="BDBDBD"/>
+                </a:solidFill>
+                <a:effectLst/>
+                <a:latin typeface="Roboto"/>
+              </a:rPr>
+            </a:br>
+            <a:endParaRPr kumimoji="0" lang="fr-FR" sz="900" b="0" i="0" u="none" strike="noStrike" cap="none" normalizeH="0" baseline="0" smtClean="0">
+              <a:ln>
+                <a:noFill/>
+              </a:ln>
+              <a:solidFill>
+                <a:srgbClr val="BDBDBD"/>
+              </a:solidFill>
+              <a:effectLst/>
+              <a:latin typeface="Roboto"/>
+            </a:endParaRPr>
+          </a:p>
+        </p:txBody>
+      </p:sp>
+      <p:sp>
+        <p:nvSpPr>
+          <p:cNvPr id="43" name="TextBox 18">
+            <a:extLst>
+              <a:ext uri="{FF2B5EF4-FFF2-40B4-BE49-F238E27FC236}">
+                <a16:creationId xmlns:a16="http://schemas.microsoft.com/office/drawing/2014/main" id="{2106AE42-381B-4181-99FF-C01ED1B820A7}"/>
+              </a:ext>
+            </a:extLst>
+          </p:cNvPr>
+          <p:cNvSpPr txBox="1"/>
+          <p:nvPr/>
+        </p:nvSpPr>
+        <p:spPr>
+          <a:xfrm>
+            <a:off x="2027617" y="4875538"/>
+            <a:ext cx="4101573" cy="461665"/>
+          </a:xfrm>
+          <a:prstGeom prst="rect">
+            <a:avLst/>
+          </a:prstGeom>
+          <a:noFill/>
+        </p:spPr>
+        <p:txBody>
+          <a:bodyPr wrap="square" rtlCol="0">
+            <a:spAutoFit/>
+          </a:bodyPr>
+          <a:lstStyle/>
+          <a:p>
+            <a:r>
+              <a:rPr lang="en-US" altLang="ko-KR" sz="1200" dirty="0" smtClean="0">
+                <a:solidFill>
+                  <a:schemeClr val="tx1">
+                    <a:lumMod val="75000"/>
+                    <a:lumOff val="25000"/>
+                  </a:schemeClr>
+                </a:solidFill>
+                <a:latin typeface="Candara" panose="020E0502030303020204" pitchFamily="34" charset="0"/>
+                <a:cs typeface="Arial" pitchFamily="34" charset="0"/>
+              </a:rPr>
+              <a:t>pour </a:t>
+            </a:r>
+            <a:r>
+              <a:rPr lang="en-US" altLang="ko-KR" sz="1200" dirty="0" err="1" smtClean="0">
+                <a:solidFill>
+                  <a:schemeClr val="tx1">
+                    <a:lumMod val="75000"/>
+                    <a:lumOff val="25000"/>
+                  </a:schemeClr>
+                </a:solidFill>
+                <a:latin typeface="Candara" panose="020E0502030303020204" pitchFamily="34" charset="0"/>
+                <a:cs typeface="Arial" pitchFamily="34" charset="0"/>
+              </a:rPr>
+              <a:t>arrete</a:t>
+            </a:r>
+            <a:r>
+              <a:rPr lang="en-US" altLang="ko-KR" sz="1200" dirty="0" smtClean="0">
+                <a:solidFill>
+                  <a:schemeClr val="tx1">
+                    <a:lumMod val="75000"/>
+                    <a:lumOff val="25000"/>
+                  </a:schemeClr>
+                </a:solidFill>
+                <a:latin typeface="Candara" panose="020E0502030303020204" pitchFamily="34" charset="0"/>
+                <a:cs typeface="Arial" pitchFamily="34" charset="0"/>
+              </a:rPr>
+              <a:t> le server </a:t>
+            </a:r>
+            <a:r>
+              <a:rPr lang="en-US" altLang="ko-KR" sz="1200" dirty="0" err="1" smtClean="0">
+                <a:solidFill>
+                  <a:schemeClr val="tx1">
+                    <a:lumMod val="75000"/>
+                    <a:lumOff val="25000"/>
+                  </a:schemeClr>
+                </a:solidFill>
+                <a:latin typeface="Candara" panose="020E0502030303020204" pitchFamily="34" charset="0"/>
+                <a:cs typeface="Arial" pitchFamily="34" charset="0"/>
+              </a:rPr>
+              <a:t>il</a:t>
+            </a:r>
+            <a:r>
+              <a:rPr lang="en-US" altLang="ko-KR" sz="1200" dirty="0" smtClean="0">
+                <a:solidFill>
+                  <a:schemeClr val="tx1">
+                    <a:lumMod val="75000"/>
+                    <a:lumOff val="25000"/>
+                  </a:schemeClr>
+                </a:solidFill>
+                <a:latin typeface="Candara" panose="020E0502030303020204" pitchFamily="34" charset="0"/>
+                <a:cs typeface="Arial" pitchFamily="34" charset="0"/>
+              </a:rPr>
+              <a:t> </a:t>
+            </a:r>
+            <a:r>
+              <a:rPr lang="en-US" altLang="ko-KR" sz="1200" dirty="0" err="1" smtClean="0">
+                <a:solidFill>
+                  <a:schemeClr val="tx1">
+                    <a:lumMod val="75000"/>
+                    <a:lumOff val="25000"/>
+                  </a:schemeClr>
+                </a:solidFill>
+                <a:latin typeface="Candara" panose="020E0502030303020204" pitchFamily="34" charset="0"/>
+                <a:cs typeface="Arial" pitchFamily="34" charset="0"/>
+              </a:rPr>
+              <a:t>faut</a:t>
+            </a:r>
+            <a:r>
+              <a:rPr lang="en-US" altLang="ko-KR" sz="1200" dirty="0" smtClean="0">
+                <a:solidFill>
+                  <a:schemeClr val="tx1">
+                    <a:lumMod val="75000"/>
+                    <a:lumOff val="25000"/>
+                  </a:schemeClr>
+                </a:solidFill>
+                <a:latin typeface="Candara" panose="020E0502030303020204" pitchFamily="34" charset="0"/>
+                <a:cs typeface="Arial" pitchFamily="34" charset="0"/>
+              </a:rPr>
+              <a:t> </a:t>
+            </a:r>
+            <a:r>
+              <a:rPr lang="en-US" altLang="ko-KR" sz="1200" dirty="0" err="1" smtClean="0">
+                <a:solidFill>
+                  <a:schemeClr val="tx1">
+                    <a:lumMod val="75000"/>
+                    <a:lumOff val="25000"/>
+                  </a:schemeClr>
+                </a:solidFill>
+                <a:latin typeface="Candara" panose="020E0502030303020204" pitchFamily="34" charset="0"/>
+                <a:cs typeface="Arial" pitchFamily="34" charset="0"/>
+              </a:rPr>
+              <a:t>aller</a:t>
+            </a:r>
+            <a:r>
+              <a:rPr lang="en-US" altLang="ko-KR" sz="1200" dirty="0" smtClean="0">
+                <a:solidFill>
+                  <a:schemeClr val="tx1">
+                    <a:lumMod val="75000"/>
+                    <a:lumOff val="25000"/>
+                  </a:schemeClr>
+                </a:solidFill>
+                <a:latin typeface="Candara" panose="020E0502030303020204" pitchFamily="34" charset="0"/>
+                <a:cs typeface="Arial" pitchFamily="34" charset="0"/>
+              </a:rPr>
+              <a:t> </a:t>
+            </a:r>
+            <a:r>
+              <a:rPr lang="en-US" altLang="ko-KR" sz="1200" dirty="0" err="1" smtClean="0">
+                <a:solidFill>
+                  <a:schemeClr val="tx1">
+                    <a:lumMod val="75000"/>
+                    <a:lumOff val="25000"/>
+                  </a:schemeClr>
+                </a:solidFill>
+                <a:latin typeface="Candara" panose="020E0502030303020204" pitchFamily="34" charset="0"/>
+                <a:cs typeface="Arial" pitchFamily="34" charset="0"/>
+              </a:rPr>
+              <a:t>dans</a:t>
+            </a:r>
+            <a:r>
+              <a:rPr lang="en-US" altLang="ko-KR" sz="1200" dirty="0" smtClean="0">
+                <a:solidFill>
+                  <a:schemeClr val="tx1">
+                    <a:lumMod val="75000"/>
+                    <a:lumOff val="25000"/>
+                  </a:schemeClr>
+                </a:solidFill>
+                <a:latin typeface="Candara" panose="020E0502030303020204" pitchFamily="34" charset="0"/>
+                <a:cs typeface="Arial" pitchFamily="34" charset="0"/>
+              </a:rPr>
+              <a:t> le </a:t>
+            </a:r>
+            <a:r>
+              <a:rPr lang="en-US" altLang="ko-KR" sz="1200" dirty="0" err="1" smtClean="0">
+                <a:solidFill>
+                  <a:schemeClr val="tx1">
+                    <a:lumMod val="75000"/>
+                    <a:lumOff val="25000"/>
+                  </a:schemeClr>
+                </a:solidFill>
+                <a:latin typeface="Candara" panose="020E0502030303020204" pitchFamily="34" charset="0"/>
+                <a:cs typeface="Arial" pitchFamily="34" charset="0"/>
+              </a:rPr>
+              <a:t>terminale</a:t>
+            </a:r>
+            <a:r>
+              <a:rPr lang="en-US" altLang="ko-KR" sz="1200" dirty="0" smtClean="0">
+                <a:solidFill>
+                  <a:schemeClr val="tx1">
+                    <a:lumMod val="75000"/>
+                    <a:lumOff val="25000"/>
+                  </a:schemeClr>
+                </a:solidFill>
+                <a:latin typeface="Candara" panose="020E0502030303020204" pitchFamily="34" charset="0"/>
+                <a:cs typeface="Arial" pitchFamily="34" charset="0"/>
+              </a:rPr>
+              <a:t> et executer </a:t>
+            </a:r>
+            <a:r>
+              <a:rPr lang="en-US" altLang="ko-KR" sz="1200" dirty="0" err="1" smtClean="0">
+                <a:solidFill>
+                  <a:schemeClr val="tx1">
+                    <a:lumMod val="75000"/>
+                    <a:lumOff val="25000"/>
+                  </a:schemeClr>
+                </a:solidFill>
+                <a:latin typeface="Candara" panose="020E0502030303020204" pitchFamily="34" charset="0"/>
+                <a:cs typeface="Arial" pitchFamily="34" charset="0"/>
+              </a:rPr>
+              <a:t>controle</a:t>
+            </a:r>
+            <a:r>
+              <a:rPr lang="en-US" altLang="ko-KR" sz="1200" dirty="0" smtClean="0">
+                <a:solidFill>
+                  <a:schemeClr val="tx1">
+                    <a:lumMod val="75000"/>
+                    <a:lumOff val="25000"/>
+                  </a:schemeClr>
+                </a:solidFill>
+                <a:latin typeface="Candara" panose="020E0502030303020204" pitchFamily="34" charset="0"/>
+                <a:cs typeface="Arial" pitchFamily="34" charset="0"/>
+              </a:rPr>
+              <a:t> c</a:t>
+            </a:r>
+            <a:endParaRPr lang="en-US" altLang="ko-KR" sz="1200" dirty="0">
+              <a:solidFill>
+                <a:schemeClr val="tx1">
+                  <a:lumMod val="75000"/>
+                  <a:lumOff val="25000"/>
+                </a:schemeClr>
+              </a:solidFill>
+              <a:latin typeface="Candara" panose="020E0502030303020204" pitchFamily="34" charset="0"/>
+              <a:cs typeface="Arial" pitchFamily="34" charset="0"/>
+            </a:endParaRPr>
+          </a:p>
+        </p:txBody>
+      </p:sp>
+    </p:spTree>
+    <p:extLst>
+      <p:ext uri="{BB962C8B-B14F-4D97-AF65-F5344CB8AC3E}">
+        <p14:creationId xmlns:p14="http://schemas.microsoft.com/office/powerpoint/2010/main" val="2737942562"/>
+      </p:ext>
+    </p:extLst>
+  </p:cSld>
+  <p:clrMapOvr>
+    <a:masterClrMapping/>
+  </p:clrMapOvr>
+  <p:timing>
+    <p:tnLst>
+      <p:par>
+        <p:cTn id="1" dur="indefinite" restart="never" nodeType="tmRoot"/>
+      </p:par>
+    </p:tnLst>
+  </p:timing>
+</p:sld>
+</file>
+
+<file path=ppt/slides/slide12.xml><?xml version="1.0" encoding="utf-8"?>
+<p:sld xmlns:a="http://schemas.openxmlformats.org/drawingml/2006/main" xmlns:r="http://schemas.openxmlformats.org/officeDocument/2006/relationships" xmlns:p="http://schemas.openxmlformats.org/presentationml/2006/main">
+  <p:cSld>
+    <p:spTree>
+      <p:nvGrpSpPr>
+        <p:cNvPr id="1" name=""/>
+        <p:cNvGrpSpPr/>
+        <p:nvPr/>
+      </p:nvGrpSpPr>
+      <p:grpSpPr>
+        <a:xfrm>
+          <a:off x="0" y="0"/>
+          <a:ext cx="0" cy="0"/>
+          <a:chOff x="0" y="0"/>
+          <a:chExt cx="0" cy="0"/>
+        </a:xfrm>
+      </p:grpSpPr>
+      <p:sp>
+        <p:nvSpPr>
+          <p:cNvPr id="2" name="Espace réservé du texte 1"/>
+          <p:cNvSpPr>
+            <a:spLocks noGrp="1"/>
+          </p:cNvSpPr>
+          <p:nvPr>
+            <p:ph type="body" sz="quarter" idx="10"/>
+          </p:nvPr>
+        </p:nvSpPr>
+        <p:spPr>
+          <a:xfrm>
+            <a:off x="135639" y="414665"/>
+            <a:ext cx="11573197" cy="2015384"/>
+          </a:xfrm>
+        </p:spPr>
+        <p:txBody>
+          <a:bodyPr/>
+          <a:lstStyle/>
+          <a:p>
+            <a:r>
+              <a:rPr lang="fr-FR" dirty="0" smtClean="0"/>
+              <a:t>STRUCTURE FONCTIONNELLE DE SPRING BOOT</a:t>
+            </a:r>
+            <a:endParaRPr lang="fr-FR" dirty="0"/>
+          </a:p>
+        </p:txBody>
+      </p:sp>
+      <p:sp>
+        <p:nvSpPr>
+          <p:cNvPr id="3" name="Espace réservé du numéro de diapositive 2"/>
+          <p:cNvSpPr>
+            <a:spLocks noGrp="1"/>
+          </p:cNvSpPr>
+          <p:nvPr>
+            <p:ph type="sldNum" sz="quarter" idx="11"/>
+          </p:nvPr>
+        </p:nvSpPr>
+        <p:spPr/>
+        <p:txBody>
+          <a:bodyPr/>
+          <a:lstStyle/>
+          <a:p>
+            <a:fld id="{4B598DDB-A902-48C8-9CD3-58F7F0DA2EE5}" type="slidenum">
+              <a:rPr lang="fr-FR" smtClean="0"/>
+              <a:pPr/>
+              <a:t>12</a:t>
+            </a:fld>
+            <a:endParaRPr lang="fr-FR" dirty="0"/>
+          </a:p>
+        </p:txBody>
+      </p:sp>
+      <p:pic>
+        <p:nvPicPr>
+          <p:cNvPr id="5" name="Image 4"/>
+          <p:cNvPicPr>
+            <a:picLocks noChangeAspect="1"/>
+          </p:cNvPicPr>
+          <p:nvPr/>
+        </p:nvPicPr>
+        <p:blipFill>
+          <a:blip r:embed="rId2">
+            <a:extLst>
+              <a:ext uri="{28A0092B-C50C-407E-A947-70E740481C1C}">
+                <a14:useLocalDpi xmlns:a14="http://schemas.microsoft.com/office/drawing/2010/main" val="0"/>
+              </a:ext>
+            </a:extLst>
+          </a:blip>
+          <a:stretch>
+            <a:fillRect/>
+          </a:stretch>
+        </p:blipFill>
+        <p:spPr>
+          <a:xfrm>
+            <a:off x="1931703" y="2138182"/>
+            <a:ext cx="7487869" cy="3761577"/>
+          </a:xfrm>
+          <a:prstGeom prst="rect">
+            <a:avLst/>
+          </a:prstGeom>
+        </p:spPr>
+      </p:pic>
+    </p:spTree>
+    <p:extLst>
+      <p:ext uri="{BB962C8B-B14F-4D97-AF65-F5344CB8AC3E}">
+        <p14:creationId xmlns:p14="http://schemas.microsoft.com/office/powerpoint/2010/main" val="352002629"/>
+      </p:ext>
+    </p:extLst>
+  </p:cSld>
+  <p:clrMapOvr>
+    <a:masterClrMapping/>
+  </p:clrMapOvr>
+</p:sld>
+</file>
+
+<file path=ppt/slides/slide13.xml><?xml version="1.0" encoding="utf-8"?>
+<p:sld xmlns:a="http://schemas.openxmlformats.org/drawingml/2006/main" xmlns:r="http://schemas.openxmlformats.org/officeDocument/2006/relationships" xmlns:p="http://schemas.openxmlformats.org/presentationml/2006/main">
+  <p:cSld>
+    <p:spTree>
+      <p:nvGrpSpPr>
+        <p:cNvPr id="1" name=""/>
+        <p:cNvGrpSpPr/>
+        <p:nvPr/>
+      </p:nvGrpSpPr>
+      <p:grpSpPr>
+        <a:xfrm>
+          <a:off x="0" y="0"/>
+          <a:ext cx="0" cy="0"/>
+          <a:chOff x="0" y="0"/>
+          <a:chExt cx="0" cy="0"/>
+        </a:xfrm>
+      </p:grpSpPr>
+      <p:sp>
+        <p:nvSpPr>
+          <p:cNvPr id="2" name="Espace réservé du numéro de diapositive 1"/>
+          <p:cNvSpPr>
+            <a:spLocks noGrp="1"/>
+          </p:cNvSpPr>
+          <p:nvPr>
+            <p:ph type="sldNum" sz="quarter" idx="10"/>
+          </p:nvPr>
+        </p:nvSpPr>
+        <p:spPr/>
+        <p:txBody>
+          <a:bodyPr/>
+          <a:lstStyle/>
+          <a:p>
+            <a:fld id="{4B598DDB-A902-48C8-9CD3-58F7F0DA2EE5}" type="slidenum">
+              <a:rPr lang="fr-FR" smtClean="0"/>
+              <a:pPr/>
+              <a:t>13</a:t>
+            </a:fld>
+            <a:endParaRPr lang="fr-FR" dirty="0"/>
+          </a:p>
+        </p:txBody>
+      </p:sp>
+      <p:sp>
+        <p:nvSpPr>
+          <p:cNvPr id="3" name="TextBox 3">
+            <a:extLst>
+              <a:ext uri="{FF2B5EF4-FFF2-40B4-BE49-F238E27FC236}">
+                <a16:creationId xmlns:a16="http://schemas.microsoft.com/office/drawing/2014/main" id="{15A4BDA0-C270-4764-9C18-A593BCE2C965}"/>
+              </a:ext>
+            </a:extLst>
+          </p:cNvPr>
+          <p:cNvSpPr txBox="1"/>
+          <p:nvPr/>
+        </p:nvSpPr>
+        <p:spPr>
+          <a:xfrm>
+            <a:off x="1079477" y="346464"/>
+            <a:ext cx="4494605" cy="1200329"/>
+          </a:xfrm>
+          <a:prstGeom prst="rect">
+            <a:avLst/>
+          </a:prstGeom>
+          <a:noFill/>
+        </p:spPr>
+        <p:txBody>
+          <a:bodyPr wrap="square" rtlCol="0" anchor="ctr">
+            <a:spAutoFit/>
+          </a:bodyPr>
+          <a:lstStyle/>
+          <a:p>
+            <a:r>
+              <a:rPr lang="en-US" altLang="ko-KR" sz="3600" dirty="0" smtClean="0">
+                <a:solidFill>
+                  <a:schemeClr val="tx1">
+                    <a:lumMod val="85000"/>
+                    <a:lumOff val="15000"/>
+                  </a:schemeClr>
+                </a:solidFill>
+                <a:latin typeface="Candara" panose="020E0502030303020204" pitchFamily="34" charset="0"/>
+                <a:cs typeface="Arial" pitchFamily="34" charset="0"/>
+              </a:rPr>
+              <a:t>Les </a:t>
+            </a:r>
+            <a:r>
+              <a:rPr lang="en-US" altLang="ko-KR" sz="3600" dirty="0" err="1" smtClean="0">
+                <a:solidFill>
+                  <a:schemeClr val="tx1">
+                    <a:lumMod val="85000"/>
+                    <a:lumOff val="15000"/>
+                  </a:schemeClr>
+                </a:solidFill>
+                <a:latin typeface="Candara" panose="020E0502030303020204" pitchFamily="34" charset="0"/>
+                <a:cs typeface="Arial" pitchFamily="34" charset="0"/>
+              </a:rPr>
+              <a:t>limites</a:t>
+            </a:r>
+            <a:r>
+              <a:rPr lang="en-US" altLang="ko-KR" sz="3600" dirty="0" smtClean="0">
+                <a:solidFill>
+                  <a:schemeClr val="tx1">
+                    <a:lumMod val="85000"/>
+                    <a:lumOff val="15000"/>
+                  </a:schemeClr>
+                </a:solidFill>
+                <a:latin typeface="Candara" panose="020E0502030303020204" pitchFamily="34" charset="0"/>
+                <a:cs typeface="Arial" pitchFamily="34" charset="0"/>
+              </a:rPr>
+              <a:t> du framework </a:t>
+            </a:r>
+            <a:endParaRPr lang="ko-KR" altLang="en-US" sz="3600" dirty="0">
+              <a:solidFill>
+                <a:schemeClr val="tx1">
+                  <a:lumMod val="85000"/>
+                  <a:lumOff val="15000"/>
+                </a:schemeClr>
+              </a:solidFill>
+              <a:latin typeface="Candara" panose="020E0502030303020204" pitchFamily="34" charset="0"/>
+              <a:cs typeface="Arial" pitchFamily="34" charset="0"/>
+            </a:endParaRPr>
+          </a:p>
+        </p:txBody>
+      </p:sp>
+    </p:spTree>
+    <p:extLst>
+      <p:ext uri="{BB962C8B-B14F-4D97-AF65-F5344CB8AC3E}">
+        <p14:creationId xmlns:p14="http://schemas.microsoft.com/office/powerpoint/2010/main" val="3992019608"/>
+      </p:ext>
+    </p:extLst>
+  </p:cSld>
+  <p:clrMapOvr>
+    <a:masterClrMapping/>
+  </p:clrMapOvr>
+</p:sld>
+</file>
+
+<file path=ppt/slides/slide14.xml><?xml version="1.0" encoding="utf-8"?>
+<p:sld xmlns:a="http://schemas.openxmlformats.org/drawingml/2006/main" xmlns:r="http://schemas.openxmlformats.org/officeDocument/2006/relationships" xmlns:p="http://schemas.openxmlformats.org/presentationml/2006/main">
+  <p:cSld>
+    <p:spTree>
+      <p:nvGrpSpPr>
+        <p:cNvPr id="1" name=""/>
+        <p:cNvGrpSpPr/>
+        <p:nvPr/>
+      </p:nvGrpSpPr>
+      <p:grpSpPr>
+        <a:xfrm>
+          <a:off x="0" y="0"/>
+          <a:ext cx="0" cy="0"/>
+          <a:chOff x="0" y="0"/>
+          <a:chExt cx="0" cy="0"/>
+        </a:xfrm>
+      </p:grpSpPr>
+      <p:sp>
+        <p:nvSpPr>
+          <p:cNvPr id="2" name="Espace réservé du numéro de diapositive 1"/>
+          <p:cNvSpPr>
+            <a:spLocks noGrp="1"/>
+          </p:cNvSpPr>
+          <p:nvPr>
+            <p:ph type="sldNum" sz="quarter" idx="10"/>
+          </p:nvPr>
+        </p:nvSpPr>
+        <p:spPr/>
+        <p:txBody>
+          <a:bodyPr/>
+          <a:lstStyle/>
+          <a:p>
+            <a:fld id="{4B598DDB-A902-48C8-9CD3-58F7F0DA2EE5}" type="slidenum">
+              <a:rPr lang="fr-FR" smtClean="0"/>
+              <a:pPr/>
+              <a:t>14</a:t>
+            </a:fld>
+            <a:endParaRPr lang="fr-FR" dirty="0"/>
+          </a:p>
+        </p:txBody>
+      </p:sp>
+      <p:sp>
+        <p:nvSpPr>
+          <p:cNvPr id="3" name="TextBox 3">
+            <a:extLst>
+              <a:ext uri="{FF2B5EF4-FFF2-40B4-BE49-F238E27FC236}">
+                <a16:creationId xmlns:a16="http://schemas.microsoft.com/office/drawing/2014/main" id="{15A4BDA0-C270-4764-9C18-A593BCE2C965}"/>
+              </a:ext>
+            </a:extLst>
+          </p:cNvPr>
+          <p:cNvSpPr txBox="1"/>
+          <p:nvPr/>
+        </p:nvSpPr>
+        <p:spPr>
+          <a:xfrm>
+            <a:off x="1079477" y="623463"/>
+            <a:ext cx="4494605" cy="646331"/>
+          </a:xfrm>
+          <a:prstGeom prst="rect">
+            <a:avLst/>
+          </a:prstGeom>
+          <a:noFill/>
+        </p:spPr>
+        <p:txBody>
+          <a:bodyPr wrap="square" rtlCol="0" anchor="ctr">
+            <a:spAutoFit/>
+          </a:bodyPr>
+          <a:lstStyle/>
+          <a:p>
+            <a:r>
+              <a:rPr lang="en-US" altLang="ko-KR" sz="3600" dirty="0" smtClean="0">
+                <a:solidFill>
+                  <a:schemeClr val="tx1">
+                    <a:lumMod val="85000"/>
+                    <a:lumOff val="15000"/>
+                  </a:schemeClr>
+                </a:solidFill>
+                <a:latin typeface="Candara" panose="020E0502030303020204" pitchFamily="34" charset="0"/>
+                <a:cs typeface="Arial" pitchFamily="34" charset="0"/>
+              </a:rPr>
+              <a:t>conclusion</a:t>
+            </a:r>
+            <a:endParaRPr lang="ko-KR" altLang="en-US" sz="3600" dirty="0">
+              <a:solidFill>
+                <a:schemeClr val="tx1">
+                  <a:lumMod val="85000"/>
+                  <a:lumOff val="15000"/>
+                </a:schemeClr>
+              </a:solidFill>
+              <a:latin typeface="Candara" panose="020E0502030303020204" pitchFamily="34" charset="0"/>
+              <a:cs typeface="Arial" pitchFamily="34" charset="0"/>
+            </a:endParaRPr>
+          </a:p>
+        </p:txBody>
+      </p:sp>
+    </p:spTree>
+    <p:extLst>
+      <p:ext uri="{BB962C8B-B14F-4D97-AF65-F5344CB8AC3E}">
+        <p14:creationId xmlns:p14="http://schemas.microsoft.com/office/powerpoint/2010/main" val="1913004989"/>
+      </p:ext>
+    </p:extLst>
+  </p:cSld>
+  <p:clrMapOvr>
+    <a:masterClrMapping/>
+  </p:clrMapOvr>
+</p:sld>
+</file>
+
+<file path=ppt/slides/slide15.xml><?xml version="1.0" encoding="utf-8"?>
+<p:sld xmlns:a="http://schemas.openxmlformats.org/drawingml/2006/main" xmlns:r="http://schemas.openxmlformats.org/officeDocument/2006/relationships" xmlns:p="http://schemas.openxmlformats.org/presentationml/2006/main">
+  <p:cSld>
+    <p:spTree>
+      <p:nvGrpSpPr>
+        <p:cNvPr id="1" name=""/>
+        <p:cNvGrpSpPr/>
+        <p:nvPr/>
+      </p:nvGrpSpPr>
+      <p:grpSpPr>
+        <a:xfrm>
+          <a:off x="0" y="0"/>
+          <a:ext cx="0" cy="0"/>
+          <a:chOff x="0" y="0"/>
+          <a:chExt cx="0" cy="0"/>
+        </a:xfrm>
+      </p:grpSpPr>
+      <p:sp>
+        <p:nvSpPr>
+          <p:cNvPr id="2" name="Espace réservé du numéro de diapositive 1"/>
+          <p:cNvSpPr>
+            <a:spLocks noGrp="1"/>
+          </p:cNvSpPr>
+          <p:nvPr>
+            <p:ph type="sldNum" sz="quarter" idx="10"/>
+          </p:nvPr>
+        </p:nvSpPr>
+        <p:spPr/>
+        <p:txBody>
+          <a:bodyPr/>
+          <a:lstStyle/>
+          <a:p>
+            <a:fld id="{4B598DDB-A902-48C8-9CD3-58F7F0DA2EE5}" type="slidenum">
+              <a:rPr lang="fr-FR" smtClean="0"/>
+              <a:pPr/>
+              <a:t>15</a:t>
+            </a:fld>
+            <a:endParaRPr lang="fr-FR" dirty="0"/>
+          </a:p>
+        </p:txBody>
+      </p:sp>
+      <p:sp>
+        <p:nvSpPr>
           <p:cNvPr id="20" name="Espace réservé du numéro de diapositive 38"/>
           <p:cNvSpPr txBox="1">
             <a:spLocks/>
@@ -25099,7 +26509,7 @@
             <a:fld id="{4B598DDB-A902-48C8-9CD3-58F7F0DA2EE5}" type="slidenum">
               <a:rPr lang="fr-FR" smtClean="0"/>
               <a:pPr/>
-              <a:t>10</a:t>
+              <a:t>15</a:t>
             </a:fld>
             <a:endParaRPr lang="fr-FR" dirty="0"/>
           </a:p>
@@ -25110,7 +26520,7 @@
           <p:cNvPr id="50" name="TextBox 3">
             <a:extLst>
               <a:ext uri="{FF2B5EF4-FFF2-40B4-BE49-F238E27FC236}">
-                <a16:creationId xmlns="" xmlns:a16="http://schemas.microsoft.com/office/drawing/2014/main" id="{1DF8EF26-7AD5-4E7F-95B3-9A57CF80C483}"/>
+                <a16:creationId xmlns:a16="http://schemas.microsoft.com/office/drawing/2014/main" id="{1DF8EF26-7AD5-4E7F-95B3-9A57CF80C483}"/>
               </a:ext>
             </a:extLst>
           </p:cNvPr>
@@ -25153,7 +26563,7 @@
           <p:cNvPr id="51" name="TextBox 4">
             <a:extLst>
               <a:ext uri="{FF2B5EF4-FFF2-40B4-BE49-F238E27FC236}">
-                <a16:creationId xmlns="" xmlns:a16="http://schemas.microsoft.com/office/drawing/2014/main" id="{BADEB2CA-D11F-4CA5-BC5A-6C38FF4BF392}"/>
+                <a16:creationId xmlns:a16="http://schemas.microsoft.com/office/drawing/2014/main" id="{BADEB2CA-D11F-4CA5-BC5A-6C38FF4BF392}"/>
               </a:ext>
             </a:extLst>
           </p:cNvPr>
@@ -25411,7 +26821,7 @@
           <p:cNvPr id="4" name="TextBox 3">
             <a:extLst>
               <a:ext uri="{FF2B5EF4-FFF2-40B4-BE49-F238E27FC236}">
-                <a16:creationId xmlns:a16="http://schemas.microsoft.com/office/drawing/2014/main" xmlns="" id="{15A4BDA0-C270-4764-9C18-A593BCE2C965}"/>
+                <a16:creationId xmlns:a16="http://schemas.microsoft.com/office/drawing/2014/main" id="{15A4BDA0-C270-4764-9C18-A593BCE2C965}"/>
               </a:ext>
             </a:extLst>
           </p:cNvPr>
@@ -25465,7 +26875,7 @@
           <p:cNvPr id="6" name="TextBox 5">
             <a:extLst>
               <a:ext uri="{FF2B5EF4-FFF2-40B4-BE49-F238E27FC236}">
-                <a16:creationId xmlns:a16="http://schemas.microsoft.com/office/drawing/2014/main" xmlns="" id="{3244FF3C-3C21-45F4-A24E-520682D6B409}"/>
+                <a16:creationId xmlns:a16="http://schemas.microsoft.com/office/drawing/2014/main" id="{3244FF3C-3C21-45F4-A24E-520682D6B409}"/>
               </a:ext>
             </a:extLst>
           </p:cNvPr>
@@ -25475,7 +26885,7 @@
         <p:spPr>
           <a:xfrm>
             <a:off x="1570030" y="1526929"/>
-            <a:ext cx="4104260" cy="830997"/>
+            <a:ext cx="2100633" cy="369332"/>
           </a:xfrm>
           <a:prstGeom prst="rect">
             <a:avLst/>
@@ -25489,24 +26899,63 @@
           <a:lstStyle/>
           <a:p>
             <a:r>
-              <a:rPr lang="en-US" altLang="ko-KR" sz="2400" b="1" dirty="0" smtClean="0">
+              <a:rPr lang="fr-FR" altLang="ko-KR" b="1" dirty="0" smtClean="0">
                 <a:solidFill>
                   <a:schemeClr val="accent1"/>
                 </a:solidFill>
                 <a:latin typeface="Candara" panose="020E0502030303020204" pitchFamily="34" charset="0"/>
                 <a:cs typeface="Arial" pitchFamily="34" charset="0"/>
               </a:rPr>
-              <a:t>Presentation </a:t>
-            </a:r>
-            <a:r>
-              <a:rPr lang="en-US" altLang="ko-KR" sz="2400" b="1" dirty="0" smtClean="0">
+              <a:t>introduction</a:t>
+            </a:r>
+            <a:endParaRPr lang="ko-KR" altLang="en-US" b="1" dirty="0">
+              <a:solidFill>
+                <a:schemeClr val="accent1"/>
+              </a:solidFill>
+              <a:latin typeface="Candara" panose="020E0502030303020204" pitchFamily="34" charset="0"/>
+              <a:cs typeface="Arial" pitchFamily="34" charset="0"/>
+            </a:endParaRPr>
+          </a:p>
+        </p:txBody>
+      </p:sp>
+      <p:sp>
+        <p:nvSpPr>
+          <p:cNvPr id="7" name="TextBox 6">
+            <a:extLst>
+              <a:ext uri="{FF2B5EF4-FFF2-40B4-BE49-F238E27FC236}">
+                <a16:creationId xmlns:a16="http://schemas.microsoft.com/office/drawing/2014/main" id="{CD4C4ACE-3F27-4618-8225-64966A7DFEEF}"/>
+              </a:ext>
+            </a:extLst>
+          </p:cNvPr>
+          <p:cNvSpPr txBox="1"/>
+          <p:nvPr/>
+        </p:nvSpPr>
+        <p:spPr>
+          <a:xfrm>
+            <a:off x="588924" y="1449264"/>
+            <a:ext cx="981106" cy="461665"/>
+          </a:xfrm>
+          <a:prstGeom prst="rect">
+            <a:avLst/>
+          </a:prstGeom>
+          <a:noFill/>
+        </p:spPr>
+        <p:txBody>
+          <a:bodyPr wrap="square" lIns="108000" rIns="108000" rtlCol="0">
+            <a:spAutoFit/>
+          </a:bodyPr>
+          <a:lstStyle/>
+          <a:p>
+            <a:pPr algn="ctr"/>
+            <a:r>
+              <a:rPr lang="fr-FR" altLang="ko-KR" sz="2400" b="1" dirty="0" smtClean="0">
                 <a:solidFill>
                   <a:schemeClr val="accent1"/>
                 </a:solidFill>
                 <a:latin typeface="Candara" panose="020E0502030303020204" pitchFamily="34" charset="0"/>
                 <a:cs typeface="Arial" pitchFamily="34" charset="0"/>
               </a:rPr>
-              <a:t>De sprint framework et de spring boot</a:t>
+              <a:t>01</a:t>
             </a:r>
             <a:endParaRPr lang="ko-KR" altLang="en-US" sz="2400" b="1" dirty="0">
               <a:solidFill>
@@ -25520,10 +26969,10 @@
       </p:sp>
       <p:sp>
         <p:nvSpPr>
-          <p:cNvPr id="7" name="TextBox 6">
+          <p:cNvPr id="9" name="TextBox 8">
             <a:extLst>
               <a:ext uri="{FF2B5EF4-FFF2-40B4-BE49-F238E27FC236}">
-                <a16:creationId xmlns:a16="http://schemas.microsoft.com/office/drawing/2014/main" xmlns="" id="{CD4C4ACE-3F27-4618-8225-64966A7DFEEF}"/>
+                <a16:creationId xmlns:a16="http://schemas.microsoft.com/office/drawing/2014/main" id="{AC53B904-CB74-4663-9900-63BB6CC8384D}"/>
               </a:ext>
             </a:extLst>
           </p:cNvPr>
@@ -25532,8 +26981,8 @@
         </p:nvSpPr>
         <p:spPr>
           <a:xfrm>
-            <a:off x="588924" y="1554084"/>
-            <a:ext cx="981106" cy="461665"/>
+            <a:off x="1553913" y="2385957"/>
+            <a:ext cx="3565688" cy="646331"/>
           </a:xfrm>
           <a:prstGeom prst="rect">
             <a:avLst/>
@@ -25546,16 +26995,429 @@
           </a:bodyPr>
           <a:lstStyle/>
           <a:p>
-            <a:pPr algn="ctr"/>
-            <a:r>
-              <a:rPr lang="fr-FR" altLang="ko-KR" sz="2400" b="1" dirty="0" smtClean="0">
-                <a:solidFill>
-                  <a:schemeClr val="accent1"/>
+            <a:r>
+              <a:rPr lang="fr-FR" altLang="ko-KR" b="1" dirty="0" smtClean="0">
+                <a:solidFill>
+                  <a:schemeClr val="accent3"/>
                 </a:solidFill>
                 <a:latin typeface="Candara" panose="020E0502030303020204" pitchFamily="34" charset="0"/>
                 <a:cs typeface="Arial" pitchFamily="34" charset="0"/>
               </a:rPr>
-              <a:t>01</a:t>
+              <a:t>Les outil nécessaire pour utiliser Springs boot</a:t>
+            </a:r>
+            <a:endParaRPr lang="ko-KR" altLang="en-US" b="1" dirty="0">
+              <a:solidFill>
+                <a:schemeClr val="accent3"/>
+              </a:solidFill>
+              <a:latin typeface="Candara" panose="020E0502030303020204" pitchFamily="34" charset="0"/>
+              <a:cs typeface="Arial" pitchFamily="34" charset="0"/>
+            </a:endParaRPr>
+          </a:p>
+        </p:txBody>
+      </p:sp>
+      <p:sp>
+        <p:nvSpPr>
+          <p:cNvPr id="10" name="TextBox 9">
+            <a:extLst>
+              <a:ext uri="{FF2B5EF4-FFF2-40B4-BE49-F238E27FC236}">
+                <a16:creationId xmlns:a16="http://schemas.microsoft.com/office/drawing/2014/main" id="{40189558-D3E9-45E5-8373-2A6E17C0C54B}"/>
+              </a:ext>
+            </a:extLst>
+          </p:cNvPr>
+          <p:cNvSpPr txBox="1"/>
+          <p:nvPr/>
+        </p:nvSpPr>
+        <p:spPr>
+          <a:xfrm>
+            <a:off x="520560" y="2308282"/>
+            <a:ext cx="981106" cy="369332"/>
+          </a:xfrm>
+          <a:prstGeom prst="rect">
+            <a:avLst/>
+          </a:prstGeom>
+          <a:noFill/>
+        </p:spPr>
+        <p:txBody>
+          <a:bodyPr wrap="square" lIns="108000" rIns="108000" rtlCol="0">
+            <a:spAutoFit/>
+          </a:bodyPr>
+          <a:lstStyle/>
+          <a:p>
+            <a:pPr algn="ctr"/>
+            <a:r>
+              <a:rPr lang="en-US" altLang="ko-KR" b="1" dirty="0" smtClean="0">
+                <a:solidFill>
+                  <a:schemeClr val="accent3"/>
+                </a:solidFill>
+                <a:latin typeface="Candara" panose="020E0502030303020204" pitchFamily="34" charset="0"/>
+                <a:cs typeface="Arial" pitchFamily="34" charset="0"/>
+              </a:rPr>
+              <a:t>03</a:t>
+            </a:r>
+            <a:endParaRPr lang="ko-KR" altLang="en-US" b="1" dirty="0">
+              <a:solidFill>
+                <a:schemeClr val="accent3"/>
+              </a:solidFill>
+              <a:latin typeface="Candara" panose="020E0502030303020204" pitchFamily="34" charset="0"/>
+              <a:cs typeface="Arial" pitchFamily="34" charset="0"/>
+            </a:endParaRPr>
+          </a:p>
+        </p:txBody>
+      </p:sp>
+      <p:sp>
+        <p:nvSpPr>
+          <p:cNvPr id="12" name="TextBox 11">
+            <a:extLst>
+              <a:ext uri="{FF2B5EF4-FFF2-40B4-BE49-F238E27FC236}">
+                <a16:creationId xmlns:a16="http://schemas.microsoft.com/office/drawing/2014/main" id="{818E633C-C5FB-4D08-A4DB-8F3E9577A72E}"/>
+              </a:ext>
+            </a:extLst>
+          </p:cNvPr>
+          <p:cNvSpPr txBox="1"/>
+          <p:nvPr/>
+        </p:nvSpPr>
+        <p:spPr>
+          <a:xfrm>
+            <a:off x="1570030" y="3099603"/>
+            <a:ext cx="3565688" cy="1015663"/>
+          </a:xfrm>
+          <a:prstGeom prst="rect">
+            <a:avLst/>
+          </a:prstGeom>
+          <a:noFill/>
+        </p:spPr>
+        <p:txBody>
+          <a:bodyPr wrap="square" lIns="108000" rIns="108000" rtlCol="0">
+            <a:spAutoFit/>
+          </a:bodyPr>
+          <a:lstStyle/>
+          <a:p>
+            <a:r>
+              <a:rPr lang="en-US" altLang="ko-KR" sz="2000" b="1" dirty="0" smtClean="0">
+                <a:solidFill>
+                  <a:schemeClr val="accent3"/>
+                </a:solidFill>
+                <a:latin typeface="Candara" panose="020E0502030303020204" pitchFamily="34" charset="0"/>
+                <a:cs typeface="Arial" pitchFamily="34" charset="0"/>
+              </a:rPr>
+              <a:t>Installation, creation structure et </a:t>
+            </a:r>
+            <a:r>
+              <a:rPr lang="en-US" altLang="ko-KR" b="1" dirty="0" smtClean="0">
+                <a:solidFill>
+                  <a:schemeClr val="accent3"/>
+                </a:solidFill>
+                <a:latin typeface="Candara" panose="020E0502030303020204" pitchFamily="34" charset="0"/>
+                <a:cs typeface="Arial" pitchFamily="34" charset="0"/>
+              </a:rPr>
+              <a:t>execution</a:t>
+            </a:r>
+            <a:r>
+              <a:rPr lang="en-US" altLang="ko-KR" sz="2000" b="1" dirty="0" smtClean="0">
+                <a:solidFill>
+                  <a:schemeClr val="accent3"/>
+                </a:solidFill>
+                <a:latin typeface="Candara" panose="020E0502030303020204" pitchFamily="34" charset="0"/>
+                <a:cs typeface="Arial" pitchFamily="34" charset="0"/>
+              </a:rPr>
+              <a:t> d’un project sprint boot</a:t>
+            </a:r>
+            <a:endParaRPr lang="ko-KR" altLang="en-US" sz="2000" b="1" dirty="0">
+              <a:solidFill>
+                <a:schemeClr val="accent3"/>
+              </a:solidFill>
+              <a:latin typeface="Candara" panose="020E0502030303020204" pitchFamily="34" charset="0"/>
+              <a:cs typeface="Arial" pitchFamily="34" charset="0"/>
+            </a:endParaRPr>
+          </a:p>
+        </p:txBody>
+      </p:sp>
+      <p:sp>
+        <p:nvSpPr>
+          <p:cNvPr id="13" name="TextBox 12">
+            <a:extLst>
+              <a:ext uri="{FF2B5EF4-FFF2-40B4-BE49-F238E27FC236}">
+                <a16:creationId xmlns:a16="http://schemas.microsoft.com/office/drawing/2014/main" id="{6115B1EE-FC1C-460C-8ED3-983AEC8275F2}"/>
+              </a:ext>
+            </a:extLst>
+          </p:cNvPr>
+          <p:cNvSpPr txBox="1"/>
+          <p:nvPr/>
+        </p:nvSpPr>
+        <p:spPr>
+          <a:xfrm>
+            <a:off x="573942" y="3227500"/>
+            <a:ext cx="981106" cy="461665"/>
+          </a:xfrm>
+          <a:prstGeom prst="rect">
+            <a:avLst/>
+          </a:prstGeom>
+          <a:noFill/>
+        </p:spPr>
+        <p:txBody>
+          <a:bodyPr wrap="square" lIns="108000" rIns="108000" rtlCol="0">
+            <a:spAutoFit/>
+          </a:bodyPr>
+          <a:lstStyle/>
+          <a:p>
+            <a:pPr algn="ctr"/>
+            <a:r>
+              <a:rPr lang="en-US" altLang="ko-KR" sz="2400" b="1" dirty="0" smtClean="0">
+                <a:solidFill>
+                  <a:schemeClr val="accent3"/>
+                </a:solidFill>
+                <a:latin typeface="Candara" panose="020E0502030303020204" pitchFamily="34" charset="0"/>
+                <a:cs typeface="Arial" pitchFamily="34" charset="0"/>
+              </a:rPr>
+              <a:t>04</a:t>
+            </a:r>
+            <a:endParaRPr lang="ko-KR" altLang="en-US" sz="2400" b="1" dirty="0">
+              <a:solidFill>
+                <a:schemeClr val="accent3"/>
+              </a:solidFill>
+              <a:latin typeface="Candara" panose="020E0502030303020204" pitchFamily="34" charset="0"/>
+              <a:cs typeface="Arial" pitchFamily="34" charset="0"/>
+            </a:endParaRPr>
+          </a:p>
+        </p:txBody>
+      </p:sp>
+      <p:sp>
+        <p:nvSpPr>
+          <p:cNvPr id="15" name="TextBox 14">
+            <a:extLst>
+              <a:ext uri="{FF2B5EF4-FFF2-40B4-BE49-F238E27FC236}">
+                <a16:creationId xmlns:a16="http://schemas.microsoft.com/office/drawing/2014/main" id="{828E1A24-BAD6-4EDF-ABEB-029F5E5FD934}"/>
+              </a:ext>
+            </a:extLst>
+          </p:cNvPr>
+          <p:cNvSpPr txBox="1"/>
+          <p:nvPr/>
+        </p:nvSpPr>
+        <p:spPr>
+          <a:xfrm>
+            <a:off x="1626904" y="4099923"/>
+            <a:ext cx="3973244" cy="369332"/>
+          </a:xfrm>
+          <a:prstGeom prst="rect">
+            <a:avLst/>
+          </a:prstGeom>
+          <a:noFill/>
+        </p:spPr>
+        <p:txBody>
+          <a:bodyPr wrap="square" lIns="108000" rIns="108000" rtlCol="0">
+            <a:spAutoFit/>
+          </a:bodyPr>
+          <a:lstStyle/>
+          <a:p>
+            <a:r>
+              <a:rPr lang="en-US" altLang="ko-KR" b="1" dirty="0" smtClean="0">
+                <a:solidFill>
+                  <a:schemeClr val="accent4"/>
+                </a:solidFill>
+                <a:latin typeface="Candara" panose="020E0502030303020204" pitchFamily="34" charset="0"/>
+                <a:cs typeface="Arial" pitchFamily="34" charset="0"/>
+              </a:rPr>
+              <a:t>Structure </a:t>
+            </a:r>
+            <a:r>
+              <a:rPr lang="en-US" altLang="ko-KR" b="1" dirty="0" err="1" smtClean="0">
+                <a:solidFill>
+                  <a:schemeClr val="accent4"/>
+                </a:solidFill>
+                <a:latin typeface="Candara" panose="020E0502030303020204" pitchFamily="34" charset="0"/>
+                <a:cs typeface="Arial" pitchFamily="34" charset="0"/>
+              </a:rPr>
+              <a:t>fonctionnelle</a:t>
+            </a:r>
+            <a:r>
+              <a:rPr lang="en-US" altLang="ko-KR" b="1" dirty="0" smtClean="0">
+                <a:solidFill>
+                  <a:schemeClr val="accent4"/>
+                </a:solidFill>
+                <a:latin typeface="Candara" panose="020E0502030303020204" pitchFamily="34" charset="0"/>
+                <a:cs typeface="Arial" pitchFamily="34" charset="0"/>
+              </a:rPr>
+              <a:t> de spring boot</a:t>
+            </a:r>
+            <a:endParaRPr lang="ko-KR" altLang="en-US" b="1" dirty="0">
+              <a:solidFill>
+                <a:schemeClr val="accent4"/>
+              </a:solidFill>
+              <a:latin typeface="Candara" panose="020E0502030303020204" pitchFamily="34" charset="0"/>
+              <a:cs typeface="Arial" pitchFamily="34" charset="0"/>
+            </a:endParaRPr>
+          </a:p>
+        </p:txBody>
+      </p:sp>
+      <p:sp>
+        <p:nvSpPr>
+          <p:cNvPr id="16" name="TextBox 15">
+            <a:extLst>
+              <a:ext uri="{FF2B5EF4-FFF2-40B4-BE49-F238E27FC236}">
+                <a16:creationId xmlns:a16="http://schemas.microsoft.com/office/drawing/2014/main" id="{F7DC8A90-E6E2-412C-A109-930F530FDFAE}"/>
+              </a:ext>
+            </a:extLst>
+          </p:cNvPr>
+          <p:cNvSpPr txBox="1"/>
+          <p:nvPr/>
+        </p:nvSpPr>
+        <p:spPr>
+          <a:xfrm>
+            <a:off x="560487" y="4141012"/>
+            <a:ext cx="981106" cy="461665"/>
+          </a:xfrm>
+          <a:prstGeom prst="rect">
+            <a:avLst/>
+          </a:prstGeom>
+          <a:noFill/>
+        </p:spPr>
+        <p:txBody>
+          <a:bodyPr wrap="square" lIns="108000" rIns="108000" rtlCol="0">
+            <a:spAutoFit/>
+          </a:bodyPr>
+          <a:lstStyle/>
+          <a:p>
+            <a:pPr algn="ctr"/>
+            <a:r>
+              <a:rPr lang="en-US" altLang="ko-KR" sz="2400" b="1" dirty="0" smtClean="0">
+                <a:solidFill>
+                  <a:schemeClr val="accent4"/>
+                </a:solidFill>
+                <a:latin typeface="Candara" panose="020E0502030303020204" pitchFamily="34" charset="0"/>
+                <a:cs typeface="Arial" pitchFamily="34" charset="0"/>
+              </a:rPr>
+              <a:t>05</a:t>
+            </a:r>
+            <a:endParaRPr lang="ko-KR" altLang="en-US" sz="2400" b="1" dirty="0">
+              <a:solidFill>
+                <a:schemeClr val="accent4"/>
+              </a:solidFill>
+              <a:latin typeface="Candara" panose="020E0502030303020204" pitchFamily="34" charset="0"/>
+              <a:cs typeface="Arial" pitchFamily="34" charset="0"/>
+            </a:endParaRPr>
+          </a:p>
+        </p:txBody>
+      </p:sp>
+      <p:sp>
+        <p:nvSpPr>
+          <p:cNvPr id="2" name="Espace réservé du numéro de diapositive 1"/>
+          <p:cNvSpPr>
+            <a:spLocks noGrp="1"/>
+          </p:cNvSpPr>
+          <p:nvPr>
+            <p:ph type="sldNum" sz="quarter" idx="10"/>
+          </p:nvPr>
+        </p:nvSpPr>
+        <p:spPr/>
+        <p:txBody>
+          <a:bodyPr/>
+          <a:lstStyle/>
+          <a:p>
+            <a:fld id="{4B598DDB-A902-48C8-9CD3-58F7F0DA2EE5}" type="slidenum">
+              <a:rPr lang="fr-FR" smtClean="0"/>
+              <a:pPr/>
+              <a:t>2</a:t>
+            </a:fld>
+            <a:endParaRPr lang="fr-FR"/>
+          </a:p>
+        </p:txBody>
+      </p:sp>
+      <p:sp>
+        <p:nvSpPr>
+          <p:cNvPr id="19" name="TextBox 5">
+            <a:extLst>
+              <a:ext uri="{FF2B5EF4-FFF2-40B4-BE49-F238E27FC236}">
+                <a16:creationId xmlns:a16="http://schemas.microsoft.com/office/drawing/2014/main" id="{3244FF3C-3C21-45F4-A24E-520682D6B409}"/>
+              </a:ext>
+            </a:extLst>
+          </p:cNvPr>
+          <p:cNvSpPr txBox="1"/>
+          <p:nvPr/>
+        </p:nvSpPr>
+        <p:spPr>
+          <a:xfrm>
+            <a:off x="1755779" y="4751227"/>
+            <a:ext cx="3848669" cy="369332"/>
+          </a:xfrm>
+          <a:prstGeom prst="rect">
+            <a:avLst/>
+          </a:prstGeom>
+          <a:noFill/>
+        </p:spPr>
+        <p:txBody>
+          <a:bodyPr wrap="square" lIns="108000" rIns="108000" rtlCol="0">
+            <a:spAutoFit/>
+          </a:bodyPr>
+          <a:lstStyle/>
+          <a:p>
+            <a:r>
+              <a:rPr lang="en-US" altLang="ko-KR" b="1" dirty="0" err="1" smtClean="0">
+                <a:solidFill>
+                  <a:schemeClr val="accent1"/>
+                </a:solidFill>
+                <a:latin typeface="Candara" panose="020E0502030303020204" pitchFamily="34" charset="0"/>
+                <a:cs typeface="Arial" pitchFamily="34" charset="0"/>
+              </a:rPr>
+              <a:t>limite</a:t>
+            </a:r>
+            <a:r>
+              <a:rPr lang="en-US" altLang="ko-KR" b="1" dirty="0" smtClean="0">
+                <a:solidFill>
+                  <a:schemeClr val="accent1"/>
+                </a:solidFill>
+                <a:latin typeface="Candara" panose="020E0502030303020204" pitchFamily="34" charset="0"/>
+                <a:cs typeface="Arial" pitchFamily="34" charset="0"/>
+              </a:rPr>
+              <a:t> spring boot</a:t>
+            </a:r>
+            <a:endParaRPr lang="ko-KR" altLang="en-US" b="1" dirty="0">
+              <a:solidFill>
+                <a:schemeClr val="accent1"/>
+              </a:solidFill>
+              <a:latin typeface="Candara" panose="020E0502030303020204" pitchFamily="34" charset="0"/>
+              <a:cs typeface="Arial" pitchFamily="34" charset="0"/>
+            </a:endParaRPr>
+          </a:p>
+        </p:txBody>
+      </p:sp>
+      <p:sp>
+        <p:nvSpPr>
+          <p:cNvPr id="20" name="TextBox 6">
+            <a:extLst>
+              <a:ext uri="{FF2B5EF4-FFF2-40B4-BE49-F238E27FC236}">
+                <a16:creationId xmlns:a16="http://schemas.microsoft.com/office/drawing/2014/main" id="{CD4C4ACE-3F27-4618-8225-64966A7DFEEF}"/>
+              </a:ext>
+            </a:extLst>
+          </p:cNvPr>
+          <p:cNvSpPr txBox="1"/>
+          <p:nvPr/>
+        </p:nvSpPr>
+        <p:spPr>
+          <a:xfrm>
+            <a:off x="572807" y="4807809"/>
+            <a:ext cx="981106" cy="461665"/>
+          </a:xfrm>
+          <a:prstGeom prst="rect">
+            <a:avLst/>
+          </a:prstGeom>
+          <a:noFill/>
+        </p:spPr>
+        <p:txBody>
+          <a:bodyPr wrap="square" lIns="108000" rIns="108000" rtlCol="0">
+            <a:spAutoFit/>
+          </a:bodyPr>
+          <a:lstStyle/>
+          <a:p>
+            <a:pPr algn="ctr"/>
+            <a:r>
+              <a:rPr lang="fr-FR" altLang="ko-KR" sz="2400" b="1" dirty="0" smtClean="0">
+                <a:solidFill>
+                  <a:schemeClr val="accent1"/>
+                </a:solidFill>
+                <a:latin typeface="Candara" panose="020E0502030303020204" pitchFamily="34" charset="0"/>
+                <a:cs typeface="Arial" pitchFamily="34" charset="0"/>
+              </a:rPr>
+              <a:t>06</a:t>
             </a:r>
             <a:endParaRPr lang="ko-KR" altLang="en-US" sz="2400" b="1" dirty="0">
               <a:solidFill>
@@ -25569,10 +27431,10 @@
       </p:sp>
       <p:sp>
         <p:nvSpPr>
-          <p:cNvPr id="9" name="TextBox 8">
+          <p:cNvPr id="21" name="TextBox 8">
             <a:extLst>
               <a:ext uri="{FF2B5EF4-FFF2-40B4-BE49-F238E27FC236}">
-                <a16:creationId xmlns:a16="http://schemas.microsoft.com/office/drawing/2014/main" xmlns="" id="{AC53B904-CB74-4663-9900-63BB6CC8384D}"/>
+                <a16:creationId xmlns:a16="http://schemas.microsoft.com/office/drawing/2014/main" id="{AC53B904-CB74-4663-9900-63BB6CC8384D}"/>
               </a:ext>
             </a:extLst>
           </p:cNvPr>
@@ -25581,8 +27443,8 @@
         </p:nvSpPr>
         <p:spPr>
           <a:xfrm>
-            <a:off x="1553913" y="2385957"/>
-            <a:ext cx="3565688" cy="830997"/>
+            <a:off x="1543935" y="5615540"/>
+            <a:ext cx="3565688" cy="369332"/>
           </a:xfrm>
           <a:prstGeom prst="rect">
             <a:avLst/>
@@ -25596,64 +27458,63 @@
           <a:lstStyle/>
           <a:p>
             <a:r>
-              <a:rPr lang="fr-FR" altLang="ko-KR" sz="2400" b="1" dirty="0" smtClean="0">
+              <a:rPr lang="fr-FR" altLang="ko-KR" b="1" dirty="0" smtClean="0">
                 <a:solidFill>
                   <a:schemeClr val="accent2"/>
                 </a:solidFill>
                 <a:latin typeface="Candara" panose="020E0502030303020204" pitchFamily="34" charset="0"/>
                 <a:cs typeface="Arial" pitchFamily="34" charset="0"/>
               </a:rPr>
-              <a:t>Les outil </a:t>
-            </a:r>
-            <a:r>
-              <a:rPr lang="fr-FR" altLang="ko-KR" sz="2400" b="1" dirty="0" err="1" smtClean="0">
+              <a:t>conclusion</a:t>
+            </a:r>
+            <a:endParaRPr lang="ko-KR" altLang="en-US" b="1" dirty="0">
+              <a:solidFill>
+                <a:schemeClr val="accent2"/>
+              </a:solidFill>
+              <a:latin typeface="Candara" panose="020E0502030303020204" pitchFamily="34" charset="0"/>
+              <a:cs typeface="Arial" pitchFamily="34" charset="0"/>
+            </a:endParaRPr>
+          </a:p>
+        </p:txBody>
+      </p:sp>
+      <p:sp>
+        <p:nvSpPr>
+          <p:cNvPr id="22" name="TextBox 9">
+            <a:extLst>
+              <a:ext uri="{FF2B5EF4-FFF2-40B4-BE49-F238E27FC236}">
+                <a16:creationId xmlns:a16="http://schemas.microsoft.com/office/drawing/2014/main" id="{40189558-D3E9-45E5-8373-2A6E17C0C54B}"/>
+              </a:ext>
+            </a:extLst>
+          </p:cNvPr>
+          <p:cNvSpPr txBox="1"/>
+          <p:nvPr/>
+        </p:nvSpPr>
+        <p:spPr>
+          <a:xfrm>
+            <a:off x="645798" y="5548225"/>
+            <a:ext cx="981106" cy="461665"/>
+          </a:xfrm>
+          <a:prstGeom prst="rect">
+            <a:avLst/>
+          </a:prstGeom>
+          <a:noFill/>
+        </p:spPr>
+        <p:txBody>
+          <a:bodyPr wrap="square" lIns="108000" rIns="108000" rtlCol="0">
+            <a:spAutoFit/>
+          </a:bodyPr>
+          <a:lstStyle/>
+          <a:p>
+            <a:pPr algn="ctr"/>
+            <a:r>
+              <a:rPr lang="en-US" altLang="ko-KR" sz="2400" b="1" dirty="0" smtClean="0">
                 <a:solidFill>
                   <a:schemeClr val="accent2"/>
                 </a:solidFill>
                 <a:latin typeface="Candara" panose="020E0502030303020204" pitchFamily="34" charset="0"/>
                 <a:cs typeface="Arial" pitchFamily="34" charset="0"/>
               </a:rPr>
-              <a:t>naicessaire</a:t>
-            </a:r>
-            <a:r>
-              <a:rPr lang="fr-FR" altLang="ko-KR" sz="2400" b="1" dirty="0" smtClean="0">
-                <a:solidFill>
-                  <a:schemeClr val="accent2"/>
-                </a:solidFill>
-                <a:latin typeface="Candara" panose="020E0502030303020204" pitchFamily="34" charset="0"/>
-                <a:cs typeface="Arial" pitchFamily="34" charset="0"/>
-              </a:rPr>
-              <a:t> pour </a:t>
-            </a:r>
-            <a:r>
-              <a:rPr lang="fr-FR" altLang="ko-KR" sz="2400" b="1" dirty="0" smtClean="0">
-                <a:solidFill>
-                  <a:schemeClr val="accent2"/>
-                </a:solidFill>
-                <a:latin typeface="Candara" panose="020E0502030303020204" pitchFamily="34" charset="0"/>
-                <a:cs typeface="Arial" pitchFamily="34" charset="0"/>
-              </a:rPr>
-              <a:t>utiliser </a:t>
-            </a:r>
-            <a:r>
-              <a:rPr lang="fr-FR" altLang="ko-KR" sz="2400" b="1" dirty="0" err="1" smtClean="0">
-                <a:solidFill>
-                  <a:schemeClr val="accent2"/>
-                </a:solidFill>
-                <a:latin typeface="Candara" panose="020E0502030303020204" pitchFamily="34" charset="0"/>
-                <a:cs typeface="Arial" pitchFamily="34" charset="0"/>
-              </a:rPr>
-              <a:t>spring</a:t>
-            </a:r>
-            <a:r>
-              <a:rPr lang="fr-FR" altLang="ko-KR" sz="2400" b="1" dirty="0" smtClean="0">
-                <a:solidFill>
-                  <a:schemeClr val="accent2"/>
-                </a:solidFill>
-                <a:latin typeface="Candara" panose="020E0502030303020204" pitchFamily="34" charset="0"/>
-                <a:cs typeface="Arial" pitchFamily="34" charset="0"/>
-              </a:rPr>
-              <a:t> boot</a:t>
+              <a:t>07</a:t>
             </a:r>
             <a:endParaRPr lang="ko-KR" altLang="en-US" sz="2400" b="1" dirty="0">
               <a:solidFill>
@@ -25667,10 +27528,10 @@
       </p:sp>
       <p:sp>
         <p:nvSpPr>
-          <p:cNvPr id="10" name="TextBox 9">
+          <p:cNvPr id="17" name="TextBox 5">
             <a:extLst>
               <a:ext uri="{FF2B5EF4-FFF2-40B4-BE49-F238E27FC236}">
-                <a16:creationId xmlns:a16="http://schemas.microsoft.com/office/drawing/2014/main" xmlns="" id="{40189558-D3E9-45E5-8373-2A6E17C0C54B}"/>
+                <a16:creationId xmlns:a16="http://schemas.microsoft.com/office/drawing/2014/main" id="{3244FF3C-3C21-45F4-A24E-520682D6B409}"/>
               </a:ext>
             </a:extLst>
           </p:cNvPr>
@@ -25679,8 +27540,8 @@
         </p:nvSpPr>
         <p:spPr>
           <a:xfrm>
-            <a:off x="520560" y="2308282"/>
-            <a:ext cx="981106" cy="461665"/>
+            <a:off x="1579481" y="1878286"/>
+            <a:ext cx="2100633" cy="369332"/>
           </a:xfrm>
           <a:prstGeom prst="rect">
             <a:avLst/>
@@ -25693,18 +27554,17 @@
           </a:bodyPr>
           <a:lstStyle/>
           <a:p>
-            <a:pPr algn="ctr"/>
-            <a:r>
-              <a:rPr lang="en-US" altLang="ko-KR" sz="2400" b="1" dirty="0">
+            <a:r>
+              <a:rPr lang="en-US" altLang="ko-KR" b="1" dirty="0" smtClean="0">
                 <a:solidFill>
                   <a:schemeClr val="accent2"/>
                 </a:solidFill>
                 <a:latin typeface="Candara" panose="020E0502030303020204" pitchFamily="34" charset="0"/>
                 <a:cs typeface="Arial" pitchFamily="34" charset="0"/>
               </a:rPr>
-              <a:t>02</a:t>
-            </a:r>
-            <a:endParaRPr lang="ko-KR" altLang="en-US" sz="2400" b="1" dirty="0">
+              <a:t>Presentation</a:t>
+            </a:r>
+            <a:endParaRPr lang="ko-KR" altLang="en-US" b="1" dirty="0">
               <a:solidFill>
                 <a:schemeClr val="accent2"/>
               </a:solidFill>
@@ -25716,10 +27576,10 @@
       </p:sp>
       <p:sp>
         <p:nvSpPr>
-          <p:cNvPr id="12" name="TextBox 11">
+          <p:cNvPr id="18" name="TextBox 6">
             <a:extLst>
               <a:ext uri="{FF2B5EF4-FFF2-40B4-BE49-F238E27FC236}">
-                <a16:creationId xmlns:a16="http://schemas.microsoft.com/office/drawing/2014/main" xmlns="" id="{818E633C-C5FB-4D08-A4DB-8F3E9577A72E}"/>
+                <a16:creationId xmlns:a16="http://schemas.microsoft.com/office/drawing/2014/main" id="{CD4C4ACE-3F27-4618-8225-64966A7DFEEF}"/>
               </a:ext>
             </a:extLst>
           </p:cNvPr>
@@ -25728,8 +27588,8 @@
         </p:nvSpPr>
         <p:spPr>
           <a:xfrm>
-            <a:off x="1570030" y="3265602"/>
-            <a:ext cx="3565688" cy="400110"/>
+            <a:off x="598375" y="1905441"/>
+            <a:ext cx="981106" cy="461665"/>
           </a:xfrm>
           <a:prstGeom prst="rect">
             <a:avLst/>
@@ -25742,449 +27602,16 @@
           </a:bodyPr>
           <a:lstStyle/>
           <a:p>
-            <a:r>
-              <a:rPr lang="en-US" altLang="ko-KR" sz="2000" b="1" dirty="0" smtClean="0">
-                <a:solidFill>
-                  <a:schemeClr val="accent3"/>
+            <a:pPr algn="ctr"/>
+            <a:r>
+              <a:rPr lang="fr-FR" altLang="ko-KR" sz="2400" b="1" dirty="0" smtClean="0">
+                <a:solidFill>
+                  <a:schemeClr val="accent2"/>
                 </a:solidFill>
                 <a:latin typeface="Candara" panose="020E0502030303020204" pitchFamily="34" charset="0"/>
                 <a:cs typeface="Arial" pitchFamily="34" charset="0"/>
               </a:rPr>
-              <a:t>Comment installer </a:t>
-            </a:r>
-            <a:r>
-              <a:rPr lang="en-US" altLang="ko-KR" sz="2000" b="1" dirty="0" smtClean="0">
-                <a:solidFill>
-                  <a:schemeClr val="accent3"/>
-                </a:solidFill>
-                <a:latin typeface="Candara" panose="020E0502030303020204" pitchFamily="34" charset="0"/>
-                <a:cs typeface="Arial" pitchFamily="34" charset="0"/>
-              </a:rPr>
-              <a:t>sprint boot</a:t>
-            </a:r>
-            <a:endParaRPr lang="ko-KR" altLang="en-US" sz="2000" b="1" dirty="0">
-              <a:solidFill>
-                <a:schemeClr val="accent3"/>
-              </a:solidFill>
-              <a:latin typeface="Candara" panose="020E0502030303020204" pitchFamily="34" charset="0"/>
-              <a:cs typeface="Arial" pitchFamily="34" charset="0"/>
-            </a:endParaRPr>
-          </a:p>
-        </p:txBody>
-      </p:sp>
-      <p:sp>
-        <p:nvSpPr>
-          <p:cNvPr id="13" name="TextBox 12">
-            <a:extLst>
-              <a:ext uri="{FF2B5EF4-FFF2-40B4-BE49-F238E27FC236}">
-                <a16:creationId xmlns:a16="http://schemas.microsoft.com/office/drawing/2014/main" xmlns="" id="{6115B1EE-FC1C-460C-8ED3-983AEC8275F2}"/>
-              </a:ext>
-            </a:extLst>
-          </p:cNvPr>
-          <p:cNvSpPr txBox="1"/>
-          <p:nvPr/>
-        </p:nvSpPr>
-        <p:spPr>
-          <a:xfrm>
-            <a:off x="573942" y="3227500"/>
-            <a:ext cx="981106" cy="461665"/>
-          </a:xfrm>
-          <a:prstGeom prst="rect">
-            <a:avLst/>
-          </a:prstGeom>
-          <a:noFill/>
-        </p:spPr>
-        <p:txBody>
-          <a:bodyPr wrap="square" lIns="108000" rIns="108000" rtlCol="0">
-            <a:spAutoFit/>
-          </a:bodyPr>
-          <a:lstStyle/>
-          <a:p>
-            <a:pPr algn="ctr"/>
-            <a:r>
-              <a:rPr lang="en-US" altLang="ko-KR" sz="2400" b="1" dirty="0">
-                <a:solidFill>
-                  <a:schemeClr val="accent3"/>
-                </a:solidFill>
-                <a:latin typeface="Candara" panose="020E0502030303020204" pitchFamily="34" charset="0"/>
-                <a:cs typeface="Arial" pitchFamily="34" charset="0"/>
-              </a:rPr>
-              <a:t>03</a:t>
-            </a:r>
-            <a:endParaRPr lang="ko-KR" altLang="en-US" sz="2400" b="1" dirty="0">
-              <a:solidFill>
-                <a:schemeClr val="accent3"/>
-              </a:solidFill>
-              <a:latin typeface="Candara" panose="020E0502030303020204" pitchFamily="34" charset="0"/>
-              <a:cs typeface="Arial" pitchFamily="34" charset="0"/>
-            </a:endParaRPr>
-          </a:p>
-        </p:txBody>
-      </p:sp>
-      <p:sp>
-        <p:nvSpPr>
-          <p:cNvPr id="15" name="TextBox 14">
-            <a:extLst>
-              <a:ext uri="{FF2B5EF4-FFF2-40B4-BE49-F238E27FC236}">
-                <a16:creationId xmlns:a16="http://schemas.microsoft.com/office/drawing/2014/main" xmlns="" id="{828E1A24-BAD6-4EDF-ABEB-029F5E5FD934}"/>
-              </a:ext>
-            </a:extLst>
-          </p:cNvPr>
-          <p:cNvSpPr txBox="1"/>
-          <p:nvPr/>
-        </p:nvSpPr>
-        <p:spPr>
-          <a:xfrm>
-            <a:off x="1570030" y="3904055"/>
-            <a:ext cx="3973244" cy="707886"/>
-          </a:xfrm>
-          <a:prstGeom prst="rect">
-            <a:avLst/>
-          </a:prstGeom>
-          <a:noFill/>
-        </p:spPr>
-        <p:txBody>
-          <a:bodyPr wrap="square" lIns="108000" rIns="108000" rtlCol="0">
-            <a:spAutoFit/>
-          </a:bodyPr>
-          <a:lstStyle/>
-          <a:p>
-            <a:r>
-              <a:rPr lang="en-US" altLang="ko-KR" sz="2000" b="1" dirty="0" smtClean="0">
-                <a:solidFill>
-                  <a:schemeClr val="accent4"/>
-                </a:solidFill>
-                <a:latin typeface="Candara" panose="020E0502030303020204" pitchFamily="34" charset="0"/>
-                <a:cs typeface="Arial" pitchFamily="34" charset="0"/>
-              </a:rPr>
-              <a:t>Creation et Structure d’un </a:t>
-            </a:r>
-            <a:r>
-              <a:rPr lang="en-US" altLang="ko-KR" sz="2000" b="1" dirty="0" err="1" smtClean="0">
-                <a:solidFill>
-                  <a:schemeClr val="accent4"/>
-                </a:solidFill>
-                <a:latin typeface="Candara" panose="020E0502030303020204" pitchFamily="34" charset="0"/>
-                <a:cs typeface="Arial" pitchFamily="34" charset="0"/>
-              </a:rPr>
-              <a:t>projet</a:t>
-            </a:r>
-            <a:r>
-              <a:rPr lang="en-US" altLang="ko-KR" sz="2000" b="1" dirty="0" smtClean="0">
-                <a:solidFill>
-                  <a:schemeClr val="accent4"/>
-                </a:solidFill>
-                <a:latin typeface="Candara" panose="020E0502030303020204" pitchFamily="34" charset="0"/>
-                <a:cs typeface="Arial" pitchFamily="34" charset="0"/>
-              </a:rPr>
-              <a:t> </a:t>
-            </a:r>
-            <a:r>
-              <a:rPr lang="en-US" altLang="ko-KR" sz="2000" b="1" dirty="0" smtClean="0">
-                <a:solidFill>
-                  <a:schemeClr val="accent4"/>
-                </a:solidFill>
-                <a:latin typeface="Candara" panose="020E0502030303020204" pitchFamily="34" charset="0"/>
-                <a:cs typeface="Arial" pitchFamily="34" charset="0"/>
-              </a:rPr>
-              <a:t>spring boot</a:t>
-            </a:r>
-            <a:endParaRPr lang="ko-KR" altLang="en-US" sz="2000" b="1" dirty="0">
-              <a:solidFill>
-                <a:schemeClr val="accent4"/>
-              </a:solidFill>
-              <a:latin typeface="Candara" panose="020E0502030303020204" pitchFamily="34" charset="0"/>
-              <a:cs typeface="Arial" pitchFamily="34" charset="0"/>
-            </a:endParaRPr>
-          </a:p>
-        </p:txBody>
-      </p:sp>
-      <p:sp>
-        <p:nvSpPr>
-          <p:cNvPr id="16" name="TextBox 15">
-            <a:extLst>
-              <a:ext uri="{FF2B5EF4-FFF2-40B4-BE49-F238E27FC236}">
-                <a16:creationId xmlns:a16="http://schemas.microsoft.com/office/drawing/2014/main" xmlns="" id="{F7DC8A90-E6E2-412C-A109-930F530FDFAE}"/>
-              </a:ext>
-            </a:extLst>
-          </p:cNvPr>
-          <p:cNvSpPr txBox="1"/>
-          <p:nvPr/>
-        </p:nvSpPr>
-        <p:spPr>
-          <a:xfrm>
-            <a:off x="572807" y="3833044"/>
-            <a:ext cx="981106" cy="461665"/>
-          </a:xfrm>
-          <a:prstGeom prst="rect">
-            <a:avLst/>
-          </a:prstGeom>
-          <a:noFill/>
-        </p:spPr>
-        <p:txBody>
-          <a:bodyPr wrap="square" lIns="108000" rIns="108000" rtlCol="0">
-            <a:spAutoFit/>
-          </a:bodyPr>
-          <a:lstStyle/>
-          <a:p>
-            <a:pPr algn="ctr"/>
-            <a:r>
-              <a:rPr lang="en-US" altLang="ko-KR" sz="2400" b="1" dirty="0">
-                <a:solidFill>
-                  <a:schemeClr val="accent4"/>
-                </a:solidFill>
-                <a:latin typeface="Candara" panose="020E0502030303020204" pitchFamily="34" charset="0"/>
-                <a:cs typeface="Arial" pitchFamily="34" charset="0"/>
-              </a:rPr>
-              <a:t>04</a:t>
-            </a:r>
-            <a:endParaRPr lang="ko-KR" altLang="en-US" sz="2400" b="1" dirty="0">
-              <a:solidFill>
-                <a:schemeClr val="accent4"/>
-              </a:solidFill>
-              <a:latin typeface="Candara" panose="020E0502030303020204" pitchFamily="34" charset="0"/>
-              <a:cs typeface="Arial" pitchFamily="34" charset="0"/>
-            </a:endParaRPr>
-          </a:p>
-        </p:txBody>
-      </p:sp>
-      <p:sp>
-        <p:nvSpPr>
-          <p:cNvPr id="2" name="Espace réservé du numéro de diapositive 1"/>
-          <p:cNvSpPr>
-            <a:spLocks noGrp="1"/>
-          </p:cNvSpPr>
-          <p:nvPr>
-            <p:ph type="sldNum" sz="quarter" idx="10"/>
-          </p:nvPr>
-        </p:nvSpPr>
-        <p:spPr/>
-        <p:txBody>
-          <a:bodyPr/>
-          <a:lstStyle/>
-          <a:p>
-            <a:fld id="{4B598DDB-A902-48C8-9CD3-58F7F0DA2EE5}" type="slidenum">
-              <a:rPr lang="fr-FR" smtClean="0"/>
-              <a:pPr/>
-              <a:t>2</a:t>
-            </a:fld>
-            <a:endParaRPr lang="fr-FR"/>
-          </a:p>
-        </p:txBody>
-      </p:sp>
-      <p:sp>
-        <p:nvSpPr>
-          <p:cNvPr id="19" name="TextBox 5">
-            <a:extLst>
-              <a:ext uri="{FF2B5EF4-FFF2-40B4-BE49-F238E27FC236}">
-                <a16:creationId xmlns:a16="http://schemas.microsoft.com/office/drawing/2014/main" xmlns="" id="{3244FF3C-3C21-45F4-A24E-520682D6B409}"/>
-              </a:ext>
-            </a:extLst>
-          </p:cNvPr>
-          <p:cNvSpPr txBox="1"/>
-          <p:nvPr/>
-        </p:nvSpPr>
-        <p:spPr>
-          <a:xfrm>
-            <a:off x="1553913" y="4784277"/>
-            <a:ext cx="3848669" cy="707886"/>
-          </a:xfrm>
-          <a:prstGeom prst="rect">
-            <a:avLst/>
-          </a:prstGeom>
-          <a:noFill/>
-        </p:spPr>
-        <p:txBody>
-          <a:bodyPr wrap="square" lIns="108000" rIns="108000" rtlCol="0">
-            <a:spAutoFit/>
-          </a:bodyPr>
-          <a:lstStyle/>
-          <a:p>
-            <a:r>
-              <a:rPr lang="en-US" altLang="ko-KR" sz="2000" b="1" dirty="0" smtClean="0">
-                <a:solidFill>
-                  <a:schemeClr val="accent1"/>
-                </a:solidFill>
-                <a:latin typeface="Candara" panose="020E0502030303020204" pitchFamily="34" charset="0"/>
-                <a:cs typeface="Arial" pitchFamily="34" charset="0"/>
-              </a:rPr>
-              <a:t>Comment executer un </a:t>
-            </a:r>
-            <a:r>
-              <a:rPr lang="en-US" altLang="ko-KR" sz="2000" b="1" dirty="0" err="1" smtClean="0">
-                <a:solidFill>
-                  <a:schemeClr val="accent1"/>
-                </a:solidFill>
-                <a:latin typeface="Candara" panose="020E0502030303020204" pitchFamily="34" charset="0"/>
-                <a:cs typeface="Arial" pitchFamily="34" charset="0"/>
-              </a:rPr>
-              <a:t>projet</a:t>
-            </a:r>
-            <a:r>
-              <a:rPr lang="en-US" altLang="ko-KR" sz="2000" b="1" dirty="0" smtClean="0">
-                <a:solidFill>
-                  <a:schemeClr val="accent1"/>
-                </a:solidFill>
-                <a:latin typeface="Candara" panose="020E0502030303020204" pitchFamily="34" charset="0"/>
-                <a:cs typeface="Arial" pitchFamily="34" charset="0"/>
-              </a:rPr>
-              <a:t> spring boot</a:t>
-            </a:r>
-            <a:endParaRPr lang="ko-KR" altLang="en-US" sz="2000" b="1" dirty="0">
-              <a:solidFill>
-                <a:schemeClr val="accent1"/>
-              </a:solidFill>
-              <a:latin typeface="Candara" panose="020E0502030303020204" pitchFamily="34" charset="0"/>
-              <a:cs typeface="Arial" pitchFamily="34" charset="0"/>
-            </a:endParaRPr>
-          </a:p>
-        </p:txBody>
-      </p:sp>
-      <p:sp>
-        <p:nvSpPr>
-          <p:cNvPr id="20" name="TextBox 6">
-            <a:extLst>
-              <a:ext uri="{FF2B5EF4-FFF2-40B4-BE49-F238E27FC236}">
-                <a16:creationId xmlns:a16="http://schemas.microsoft.com/office/drawing/2014/main" xmlns="" id="{CD4C4ACE-3F27-4618-8225-64966A7DFEEF}"/>
-              </a:ext>
-            </a:extLst>
-          </p:cNvPr>
-          <p:cNvSpPr txBox="1"/>
-          <p:nvPr/>
-        </p:nvSpPr>
-        <p:spPr>
-          <a:xfrm>
-            <a:off x="572807" y="4807809"/>
-            <a:ext cx="981106" cy="461665"/>
-          </a:xfrm>
-          <a:prstGeom prst="rect">
-            <a:avLst/>
-          </a:prstGeom>
-          <a:noFill/>
-        </p:spPr>
-        <p:txBody>
-          <a:bodyPr wrap="square" lIns="108000" rIns="108000" rtlCol="0">
-            <a:spAutoFit/>
-          </a:bodyPr>
-          <a:lstStyle/>
-          <a:p>
-            <a:pPr algn="ctr"/>
-            <a:r>
-              <a:rPr lang="fr-FR" altLang="ko-KR" sz="2400" b="1" dirty="0" smtClean="0">
-                <a:solidFill>
-                  <a:schemeClr val="accent1"/>
-                </a:solidFill>
-                <a:latin typeface="Candara" panose="020E0502030303020204" pitchFamily="34" charset="0"/>
-                <a:cs typeface="Arial" pitchFamily="34" charset="0"/>
-              </a:rPr>
-              <a:t>05</a:t>
-            </a:r>
-            <a:endParaRPr lang="ko-KR" altLang="en-US" sz="2400" b="1" dirty="0">
-              <a:solidFill>
-                <a:schemeClr val="accent1"/>
-              </a:solidFill>
-              <a:latin typeface="Candara" panose="020E0502030303020204" pitchFamily="34" charset="0"/>
-              <a:cs typeface="Arial" pitchFamily="34" charset="0"/>
-            </a:endParaRPr>
-          </a:p>
-        </p:txBody>
-      </p:sp>
-      <p:sp>
-        <p:nvSpPr>
-          <p:cNvPr id="21" name="TextBox 8">
-            <a:extLst>
-              <a:ext uri="{FF2B5EF4-FFF2-40B4-BE49-F238E27FC236}">
-                <a16:creationId xmlns:a16="http://schemas.microsoft.com/office/drawing/2014/main" xmlns="" id="{AC53B904-CB74-4663-9900-63BB6CC8384D}"/>
-              </a:ext>
-            </a:extLst>
-          </p:cNvPr>
-          <p:cNvSpPr txBox="1"/>
-          <p:nvPr/>
-        </p:nvSpPr>
-        <p:spPr>
-          <a:xfrm>
-            <a:off x="1543935" y="5615540"/>
-            <a:ext cx="3565688" cy="707886"/>
-          </a:xfrm>
-          <a:prstGeom prst="rect">
-            <a:avLst/>
-          </a:prstGeom>
-          <a:noFill/>
-        </p:spPr>
-        <p:txBody>
-          <a:bodyPr wrap="square" lIns="108000" rIns="108000" rtlCol="0">
-            <a:spAutoFit/>
-          </a:bodyPr>
-          <a:lstStyle/>
-          <a:p>
-            <a:r>
-              <a:rPr lang="fr-FR" altLang="ko-KR" sz="2000" b="1" dirty="0" smtClean="0">
-                <a:solidFill>
-                  <a:schemeClr val="accent2"/>
-                </a:solidFill>
-                <a:latin typeface="Candara" panose="020E0502030303020204" pitchFamily="34" charset="0"/>
-                <a:cs typeface="Arial" pitchFamily="34" charset="0"/>
-              </a:rPr>
-              <a:t>STRUCTURE FONCTIONNEL DE </a:t>
-            </a:r>
-            <a:r>
-              <a:rPr lang="fr-FR" altLang="ko-KR" sz="2000" b="1" dirty="0" smtClean="0">
-                <a:solidFill>
-                  <a:schemeClr val="accent2"/>
-                </a:solidFill>
-                <a:latin typeface="Candara" panose="020E0502030303020204" pitchFamily="34" charset="0"/>
-                <a:cs typeface="Arial" pitchFamily="34" charset="0"/>
-              </a:rPr>
-              <a:t>sprint boot</a:t>
-            </a:r>
-            <a:endParaRPr lang="ko-KR" altLang="en-US" sz="2000" b="1" dirty="0">
-              <a:solidFill>
-                <a:schemeClr val="accent2"/>
-              </a:solidFill>
-              <a:latin typeface="Candara" panose="020E0502030303020204" pitchFamily="34" charset="0"/>
-              <a:cs typeface="Arial" pitchFamily="34" charset="0"/>
-            </a:endParaRPr>
-          </a:p>
-        </p:txBody>
-      </p:sp>
-      <p:sp>
-        <p:nvSpPr>
-          <p:cNvPr id="22" name="TextBox 9">
-            <a:extLst>
-              <a:ext uri="{FF2B5EF4-FFF2-40B4-BE49-F238E27FC236}">
-                <a16:creationId xmlns:a16="http://schemas.microsoft.com/office/drawing/2014/main" xmlns="" id="{40189558-D3E9-45E5-8373-2A6E17C0C54B}"/>
-              </a:ext>
-            </a:extLst>
-          </p:cNvPr>
-          <p:cNvSpPr txBox="1"/>
-          <p:nvPr/>
-        </p:nvSpPr>
-        <p:spPr>
-          <a:xfrm>
-            <a:off x="645798" y="5548225"/>
-            <a:ext cx="981106" cy="461665"/>
-          </a:xfrm>
-          <a:prstGeom prst="rect">
-            <a:avLst/>
-          </a:prstGeom>
-          <a:noFill/>
-        </p:spPr>
-        <p:txBody>
-          <a:bodyPr wrap="square" lIns="108000" rIns="108000" rtlCol="0">
-            <a:spAutoFit/>
-          </a:bodyPr>
-          <a:lstStyle/>
-          <a:p>
-            <a:pPr algn="ctr"/>
-            <a:r>
-              <a:rPr lang="en-US" altLang="ko-KR" sz="2400" b="1" dirty="0" smtClean="0">
-                <a:solidFill>
-                  <a:schemeClr val="accent2"/>
-                </a:solidFill>
-                <a:latin typeface="Candara" panose="020E0502030303020204" pitchFamily="34" charset="0"/>
-                <a:cs typeface="Arial" pitchFamily="34" charset="0"/>
-              </a:rPr>
-              <a:t>06</a:t>
+              <a:t>02</a:t>
             </a:r>
             <a:endParaRPr lang="ko-KR" altLang="en-US" sz="2400" b="1" dirty="0">
               <a:solidFill>
@@ -26235,10 +27662,118 @@
       </p:grpSpPr>
       <p:sp>
         <p:nvSpPr>
+          <p:cNvPr id="2" name="Espace réservé du numéro de diapositive 1"/>
+          <p:cNvSpPr>
+            <a:spLocks noGrp="1"/>
+          </p:cNvSpPr>
+          <p:nvPr>
+            <p:ph type="sldNum" sz="quarter" idx="10"/>
+          </p:nvPr>
+        </p:nvSpPr>
+        <p:spPr/>
+        <p:txBody>
+          <a:bodyPr/>
+          <a:lstStyle/>
+          <a:p>
+            <a:fld id="{4B598DDB-A902-48C8-9CD3-58F7F0DA2EE5}" type="slidenum">
+              <a:rPr lang="fr-FR" smtClean="0"/>
+              <a:pPr/>
+              <a:t>3</a:t>
+            </a:fld>
+            <a:endParaRPr lang="fr-FR" dirty="0"/>
+          </a:p>
+        </p:txBody>
+      </p:sp>
+      <p:sp>
+        <p:nvSpPr>
+          <p:cNvPr id="3" name="TextBox 3">
+            <a:extLst>
+              <a:ext uri="{FF2B5EF4-FFF2-40B4-BE49-F238E27FC236}">
+                <a16:creationId xmlns:a16="http://schemas.microsoft.com/office/drawing/2014/main" id="{15A4BDA0-C270-4764-9C18-A593BCE2C965}"/>
+              </a:ext>
+            </a:extLst>
+          </p:cNvPr>
+          <p:cNvSpPr txBox="1"/>
+          <p:nvPr/>
+        </p:nvSpPr>
+        <p:spPr>
+          <a:xfrm>
+            <a:off x="1079477" y="623463"/>
+            <a:ext cx="4494605" cy="646331"/>
+          </a:xfrm>
+          <a:prstGeom prst="rect">
+            <a:avLst/>
+          </a:prstGeom>
+          <a:noFill/>
+        </p:spPr>
+        <p:txBody>
+          <a:bodyPr wrap="square" rtlCol="0" anchor="ctr">
+            <a:spAutoFit/>
+          </a:bodyPr>
+          <a:lstStyle/>
+          <a:p>
+            <a:r>
+              <a:rPr lang="fr-FR" altLang="ko-KR" sz="3600" dirty="0" smtClean="0">
+                <a:solidFill>
+                  <a:schemeClr val="tx1">
+                    <a:lumMod val="85000"/>
+                    <a:lumOff val="15000"/>
+                  </a:schemeClr>
+                </a:solidFill>
+                <a:latin typeface="Candara" panose="020E0502030303020204" pitchFamily="34" charset="0"/>
+                <a:cs typeface="Arial" pitchFamily="34" charset="0"/>
+              </a:rPr>
+              <a:t>introduction</a:t>
+            </a:r>
+            <a:endParaRPr lang="ko-KR" altLang="en-US" sz="3600" dirty="0">
+              <a:solidFill>
+                <a:schemeClr val="tx1">
+                  <a:lumMod val="85000"/>
+                  <a:lumOff val="15000"/>
+                </a:schemeClr>
+              </a:solidFill>
+              <a:latin typeface="Candara" panose="020E0502030303020204" pitchFamily="34" charset="0"/>
+              <a:cs typeface="Arial" pitchFamily="34" charset="0"/>
+            </a:endParaRPr>
+          </a:p>
+        </p:txBody>
+      </p:sp>
+    </p:spTree>
+    <p:extLst>
+      <p:ext uri="{BB962C8B-B14F-4D97-AF65-F5344CB8AC3E}">
+        <p14:creationId xmlns:p14="http://schemas.microsoft.com/office/powerpoint/2010/main" val="1419626420"/>
+      </p:ext>
+    </p:extLst>
+  </p:cSld>
+  <p:clrMapOvr>
+    <a:masterClrMapping/>
+  </p:clrMapOvr>
+</p:sld>
+</file>
+
+<file path=ppt/slides/slide4.xml><?xml version="1.0" encoding="utf-8"?>
+<p:sld xmlns:a="http://schemas.openxmlformats.org/drawingml/2006/main" xmlns:r="http://schemas.openxmlformats.org/officeDocument/2006/relationships" xmlns:p="http://schemas.openxmlformats.org/presentationml/2006/main">
+  <p:cSld>
+    <p:spTree>
+      <p:nvGrpSpPr>
+        <p:cNvPr id="1" name=""/>
+        <p:cNvGrpSpPr/>
+        <p:nvPr/>
+      </p:nvGrpSpPr>
+      <p:grpSpPr>
+        <a:xfrm>
+          <a:off x="0" y="0"/>
+          <a:ext cx="0" cy="0"/>
+          <a:chOff x="0" y="0"/>
+          <a:chExt cx="0" cy="0"/>
+        </a:xfrm>
+      </p:grpSpPr>
+      <p:sp>
+        <p:nvSpPr>
           <p:cNvPr id="10" name="TextBox 8">
             <a:extLst>
               <a:ext uri="{FF2B5EF4-FFF2-40B4-BE49-F238E27FC236}">
-                <a16:creationId xmlns:a16="http://schemas.microsoft.com/office/drawing/2014/main" xmlns="" id="{C062103B-F514-4BE9-B5B2-C13878D2FE7C}"/>
+                <a16:creationId xmlns:a16="http://schemas.microsoft.com/office/drawing/2014/main" id="{C062103B-F514-4BE9-B5B2-C13878D2FE7C}"/>
               </a:ext>
             </a:extLst>
           </p:cNvPr>
@@ -26381,7 +27916,7 @@
             <a:fld id="{EEDE65BD-EB93-4D42-8B7F-BC51D001135F}" type="slidenum">
               <a:rPr lang="fr-FR" smtClean="0"/>
               <a:pPr/>
-              <a:t>3</a:t>
+              <a:t>4</a:t>
             </a:fld>
             <a:endParaRPr lang="fr-FR"/>
           </a:p>
@@ -26392,7 +27927,7 @@
           <p:cNvPr id="8" name="TextBox 7">
             <a:extLst>
               <a:ext uri="{FF2B5EF4-FFF2-40B4-BE49-F238E27FC236}">
-                <a16:creationId xmlns:a16="http://schemas.microsoft.com/office/drawing/2014/main" xmlns="" id="{5CF5BDA4-10C7-46A6-AC30-523A3FC438AC}"/>
+                <a16:creationId xmlns:a16="http://schemas.microsoft.com/office/drawing/2014/main" id="{5CF5BDA4-10C7-46A6-AC30-523A3FC438AC}"/>
               </a:ext>
             </a:extLst>
           </p:cNvPr>
@@ -26491,7 +28026,7 @@
 </p:sld>
 </file>
 
-<file path=ppt/slides/slide4.xml><?xml version="1.0" encoding="utf-8"?>
+<file path=ppt/slides/slide5.xml><?xml version="1.0" encoding="utf-8"?>
 <p:sld xmlns:a="http://schemas.openxmlformats.org/drawingml/2006/main" xmlns:r="http://schemas.openxmlformats.org/officeDocument/2006/relationships" xmlns:p="http://schemas.openxmlformats.org/presentationml/2006/main">
   <p:cSld>
     <p:spTree>
@@ -26526,7 +28061,7 @@
             <a:fld id="{EEDE65BD-EB93-4D42-8B7F-BC51D001135F}" type="slidenum">
               <a:rPr lang="fr-FR" smtClean="0"/>
               <a:pPr/>
-              <a:t>4</a:t>
+              <a:t>5</a:t>
             </a:fld>
             <a:endParaRPr lang="fr-FR" dirty="0"/>
           </a:p>
@@ -26567,7 +28102,7 @@
           <p:cNvPr id="5" name="TextBox 7">
             <a:extLst>
               <a:ext uri="{FF2B5EF4-FFF2-40B4-BE49-F238E27FC236}">
-                <a16:creationId xmlns:a16="http://schemas.microsoft.com/office/drawing/2014/main" xmlns="" id="{5CF5BDA4-10C7-46A6-AC30-523A3FC438AC}"/>
+                <a16:creationId xmlns:a16="http://schemas.microsoft.com/office/drawing/2014/main" id="{5CF5BDA4-10C7-46A6-AC30-523A3FC438AC}"/>
               </a:ext>
             </a:extLst>
           </p:cNvPr>
@@ -26621,7 +28156,7 @@
           <p:cNvPr id="6" name="Rectangle 5">
             <a:extLst>
               <a:ext uri="{FF2B5EF4-FFF2-40B4-BE49-F238E27FC236}">
-                <a16:creationId xmlns="" xmlns:a16="http://schemas.microsoft.com/office/drawing/2014/main" id="{6D0FDF8F-D25E-4CB0-8E60-C13C20A472F5}"/>
+                <a16:creationId xmlns:a16="http://schemas.microsoft.com/office/drawing/2014/main" id="{6D0FDF8F-D25E-4CB0-8E60-C13C20A472F5}"/>
               </a:ext>
             </a:extLst>
           </p:cNvPr>
@@ -26683,7 +28218,7 @@
           <p:cNvPr id="7" name="Pentagon 14">
             <a:extLst>
               <a:ext uri="{FF2B5EF4-FFF2-40B4-BE49-F238E27FC236}">
-                <a16:creationId xmlns="" xmlns:a16="http://schemas.microsoft.com/office/drawing/2014/main" id="{8D0EAD2F-CF67-4591-BB34-B59CCA0D3581}"/>
+                <a16:creationId xmlns:a16="http://schemas.microsoft.com/office/drawing/2014/main" id="{8D0EAD2F-CF67-4591-BB34-B59CCA0D3581}"/>
               </a:ext>
             </a:extLst>
           </p:cNvPr>
@@ -26739,7 +28274,7 @@
           <p:cNvPr id="8" name="Pentagon 14">
             <a:extLst>
               <a:ext uri="{FF2B5EF4-FFF2-40B4-BE49-F238E27FC236}">
-                <a16:creationId xmlns="" xmlns:a16="http://schemas.microsoft.com/office/drawing/2014/main" id="{8D0EAD2F-CF67-4591-BB34-B59CCA0D3581}"/>
+                <a16:creationId xmlns:a16="http://schemas.microsoft.com/office/drawing/2014/main" id="{8D0EAD2F-CF67-4591-BB34-B59CCA0D3581}"/>
               </a:ext>
             </a:extLst>
           </p:cNvPr>
@@ -26795,7 +28330,7 @@
           <p:cNvPr id="9" name="TextBox 32">
             <a:extLst>
               <a:ext uri="{FF2B5EF4-FFF2-40B4-BE49-F238E27FC236}">
-                <a16:creationId xmlns="" xmlns:a16="http://schemas.microsoft.com/office/drawing/2014/main" id="{3D68DC4F-6C57-4033-AD85-E705874ADB27}"/>
+                <a16:creationId xmlns:a16="http://schemas.microsoft.com/office/drawing/2014/main" id="{3D68DC4F-6C57-4033-AD85-E705874ADB27}"/>
               </a:ext>
             </a:extLst>
           </p:cNvPr>
@@ -26804,7 +28339,7 @@
         </p:nvSpPr>
         <p:spPr>
           <a:xfrm>
-            <a:off x="6839210" y="4010793"/>
+            <a:off x="6910071" y="3970424"/>
             <a:ext cx="2993720" cy="307777"/>
           </a:xfrm>
           <a:prstGeom prst="rect">
@@ -26863,7 +28398,7 @@
           <p:cNvPr id="10" name="TextBox 32">
             <a:extLst>
               <a:ext uri="{FF2B5EF4-FFF2-40B4-BE49-F238E27FC236}">
-                <a16:creationId xmlns="" xmlns:a16="http://schemas.microsoft.com/office/drawing/2014/main" id="{3D68DC4F-6C57-4033-AD85-E705874ADB27}"/>
+                <a16:creationId xmlns:a16="http://schemas.microsoft.com/office/drawing/2014/main" id="{3D68DC4F-6C57-4033-AD85-E705874ADB27}"/>
               </a:ext>
             </a:extLst>
           </p:cNvPr>
@@ -26896,12 +28431,6 @@
               </a:rPr>
               <a:t>Approche directive de la configuration</a:t>
             </a:r>
-            <a:endParaRPr lang="fr-FR" sz="1400" dirty="0">
-              <a:solidFill>
-                <a:srgbClr val="161616"/>
-              </a:solidFill>
-              <a:latin typeface="inherit"/>
-            </a:endParaRPr>
           </a:p>
         </p:txBody>
       </p:sp>
@@ -26910,7 +28439,7 @@
           <p:cNvPr id="11" name="TextBox 6">
             <a:extLst>
               <a:ext uri="{FF2B5EF4-FFF2-40B4-BE49-F238E27FC236}">
-                <a16:creationId xmlns:a16="http://schemas.microsoft.com/office/drawing/2014/main" xmlns="" id="{CD4C4ACE-3F27-4618-8225-64966A7DFEEF}"/>
+                <a16:creationId xmlns:a16="http://schemas.microsoft.com/office/drawing/2014/main" id="{CD4C4ACE-3F27-4618-8225-64966A7DFEEF}"/>
               </a:ext>
             </a:extLst>
           </p:cNvPr>
@@ -26959,7 +28488,7 @@
           <p:cNvPr id="12" name="TextBox 6">
             <a:extLst>
               <a:ext uri="{FF2B5EF4-FFF2-40B4-BE49-F238E27FC236}">
-                <a16:creationId xmlns:a16="http://schemas.microsoft.com/office/drawing/2014/main" xmlns="" id="{CD4C4ACE-3F27-4618-8225-64966A7DFEEF}"/>
+                <a16:creationId xmlns:a16="http://schemas.microsoft.com/office/drawing/2014/main" id="{CD4C4ACE-3F27-4618-8225-64966A7DFEEF}"/>
               </a:ext>
             </a:extLst>
           </p:cNvPr>
@@ -27008,7 +28537,7 @@
           <p:cNvPr id="13" name="Pentagon 14">
             <a:extLst>
               <a:ext uri="{FF2B5EF4-FFF2-40B4-BE49-F238E27FC236}">
-                <a16:creationId xmlns="" xmlns:a16="http://schemas.microsoft.com/office/drawing/2014/main" id="{8D0EAD2F-CF67-4591-BB34-B59CCA0D3581}"/>
+                <a16:creationId xmlns:a16="http://schemas.microsoft.com/office/drawing/2014/main" id="{8D0EAD2F-CF67-4591-BB34-B59CCA0D3581}"/>
               </a:ext>
             </a:extLst>
           </p:cNvPr>
@@ -27071,12 +28600,6 @@
               </a:rPr>
               <a:t>de créer des applications autonomes</a:t>
             </a:r>
-            <a:endParaRPr lang="fr-FR" sz="1400" dirty="0">
-              <a:solidFill>
-                <a:srgbClr val="161616"/>
-              </a:solidFill>
-              <a:latin typeface="inherit"/>
-            </a:endParaRPr>
           </a:p>
         </p:txBody>
       </p:sp>
@@ -27085,7 +28608,7 @@
           <p:cNvPr id="15" name="TextBox 6">
             <a:extLst>
               <a:ext uri="{FF2B5EF4-FFF2-40B4-BE49-F238E27FC236}">
-                <a16:creationId xmlns:a16="http://schemas.microsoft.com/office/drawing/2014/main" xmlns="" id="{CD4C4ACE-3F27-4618-8225-64966A7DFEEF}"/>
+                <a16:creationId xmlns:a16="http://schemas.microsoft.com/office/drawing/2014/main" id="{CD4C4ACE-3F27-4618-8225-64966A7DFEEF}"/>
               </a:ext>
             </a:extLst>
           </p:cNvPr>
@@ -27142,7 +28665,7 @@
 </p:sld>
 </file>
 
-<file path=ppt/slides/slide5.xml><?xml version="1.0" encoding="utf-8"?>
+<file path=ppt/slides/slide6.xml><?xml version="1.0" encoding="utf-8"?>
 <p:sld xmlns:a="http://schemas.openxmlformats.org/drawingml/2006/main" xmlns:r="http://schemas.openxmlformats.org/officeDocument/2006/relationships" xmlns:p="http://schemas.openxmlformats.org/presentationml/2006/main">
   <p:cSld>
     <p:spTree>
@@ -27164,7 +28687,7 @@
           <p:cNvPr id="2" name="Text Placeholder 1">
             <a:extLst>
               <a:ext uri="{FF2B5EF4-FFF2-40B4-BE49-F238E27FC236}">
-                <a16:creationId xmlns:a16="http://schemas.microsoft.com/office/drawing/2014/main" xmlns="" id="{D735F7F3-C1B5-4B60-A00A-4EB618DDFB5A}"/>
+                <a16:creationId xmlns:a16="http://schemas.microsoft.com/office/drawing/2014/main" id="{D735F7F3-C1B5-4B60-A00A-4EB618DDFB5A}"/>
               </a:ext>
             </a:extLst>
           </p:cNvPr>
@@ -27181,20 +28704,8 @@
           <a:lstStyle/>
           <a:p>
             <a:r>
-              <a:rPr lang="en-US" dirty="0" err="1" smtClean="0"/>
-              <a:t>outils</a:t>
-            </a:r>
-            <a:r>
               <a:rPr lang="en-US" dirty="0" smtClean="0"/>
-              <a:t> </a:t>
-            </a:r>
-            <a:r>
-              <a:rPr lang="en-US" dirty="0" err="1" smtClean="0"/>
-              <a:t>naicessaires</a:t>
-            </a:r>
-            <a:r>
-              <a:rPr lang="en-US" dirty="0" smtClean="0"/>
-              <a:t> </a:t>
+              <a:t>outies necessaires </a:t>
             </a:r>
             <a:endParaRPr lang="en-US" dirty="0">
               <a:latin typeface="Candara" panose="020E0502030303020204" pitchFamily="34" charset="0"/>
@@ -27207,7 +28718,7 @@
           <p:cNvPr id="8" name="TextBox 7">
             <a:extLst>
               <a:ext uri="{FF2B5EF4-FFF2-40B4-BE49-F238E27FC236}">
-                <a16:creationId xmlns:a16="http://schemas.microsoft.com/office/drawing/2014/main" xmlns="" id="{A43997AA-366C-4002-B0FD-967BCBDAA30B}"/>
+                <a16:creationId xmlns:a16="http://schemas.microsoft.com/office/drawing/2014/main" id="{A43997AA-366C-4002-B0FD-967BCBDAA30B}"/>
               </a:ext>
             </a:extLst>
           </p:cNvPr>
@@ -27269,7 +28780,7 @@
           <p:cNvPr id="18" name="Group 17">
             <a:extLst>
               <a:ext uri="{FF2B5EF4-FFF2-40B4-BE49-F238E27FC236}">
-                <a16:creationId xmlns:a16="http://schemas.microsoft.com/office/drawing/2014/main" xmlns="" id="{AF125DDF-54C0-44F1-9312-CC567147E6D6}"/>
+                <a16:creationId xmlns:a16="http://schemas.microsoft.com/office/drawing/2014/main" id="{AF125DDF-54C0-44F1-9312-CC567147E6D6}"/>
               </a:ext>
             </a:extLst>
           </p:cNvPr>
@@ -27295,7 +28806,7 @@
             <p:cNvPr id="19" name="Oval 18">
               <a:extLst>
                 <a:ext uri="{FF2B5EF4-FFF2-40B4-BE49-F238E27FC236}">
-                  <a16:creationId xmlns:a16="http://schemas.microsoft.com/office/drawing/2014/main" xmlns="" id="{D4F344A5-D92C-4603-A473-E966BA62A68D}"/>
+                  <a16:creationId xmlns:a16="http://schemas.microsoft.com/office/drawing/2014/main" id="{D4F344A5-D92C-4603-A473-E966BA62A68D}"/>
                 </a:ext>
               </a:extLst>
             </p:cNvPr>
@@ -27365,7 +28876,7 @@
             <p:cNvPr id="20" name="Oval 19">
               <a:extLst>
                 <a:ext uri="{FF2B5EF4-FFF2-40B4-BE49-F238E27FC236}">
-                  <a16:creationId xmlns:a16="http://schemas.microsoft.com/office/drawing/2014/main" xmlns="" id="{C3D9F7C8-DFDE-4FE7-9999-7B888487F58A}"/>
+                  <a16:creationId xmlns:a16="http://schemas.microsoft.com/office/drawing/2014/main" id="{C3D9F7C8-DFDE-4FE7-9999-7B888487F58A}"/>
                 </a:ext>
               </a:extLst>
             </p:cNvPr>
@@ -27435,7 +28946,7 @@
             <p:cNvPr id="21" name="Oval 20">
               <a:extLst>
                 <a:ext uri="{FF2B5EF4-FFF2-40B4-BE49-F238E27FC236}">
-                  <a16:creationId xmlns:a16="http://schemas.microsoft.com/office/drawing/2014/main" xmlns="" id="{4D964D23-0A44-4C3A-8202-130EAAE36554}"/>
+                  <a16:creationId xmlns:a16="http://schemas.microsoft.com/office/drawing/2014/main" id="{4D964D23-0A44-4C3A-8202-130EAAE36554}"/>
                 </a:ext>
               </a:extLst>
             </p:cNvPr>
@@ -27506,7 +29017,7 @@
           <p:cNvPr id="22" name="Rectangle 21">
             <a:extLst>
               <a:ext uri="{FF2B5EF4-FFF2-40B4-BE49-F238E27FC236}">
-                <a16:creationId xmlns:a16="http://schemas.microsoft.com/office/drawing/2014/main" xmlns="" id="{9F42F8BA-36EB-4CDA-9C34-2FBFA3D0D547}"/>
+                <a16:creationId xmlns:a16="http://schemas.microsoft.com/office/drawing/2014/main" id="{9F42F8BA-36EB-4CDA-9C34-2FBFA3D0D547}"/>
               </a:ext>
             </a:extLst>
           </p:cNvPr>
@@ -27560,7 +29071,7 @@
           <p:cNvPr id="23" name="Rectangle 22">
             <a:extLst>
               <a:ext uri="{FF2B5EF4-FFF2-40B4-BE49-F238E27FC236}">
-                <a16:creationId xmlns:a16="http://schemas.microsoft.com/office/drawing/2014/main" xmlns="" id="{F0270141-EAEF-4DB8-BE02-068A9E67E9FC}"/>
+                <a16:creationId xmlns:a16="http://schemas.microsoft.com/office/drawing/2014/main" id="{F0270141-EAEF-4DB8-BE02-068A9E67E9FC}"/>
               </a:ext>
             </a:extLst>
           </p:cNvPr>
@@ -27614,7 +29125,7 @@
           <p:cNvPr id="24" name="Rectangle 23">
             <a:extLst>
               <a:ext uri="{FF2B5EF4-FFF2-40B4-BE49-F238E27FC236}">
-                <a16:creationId xmlns:a16="http://schemas.microsoft.com/office/drawing/2014/main" xmlns="" id="{B8E337CC-A763-4D05-9509-C4A9D2828580}"/>
+                <a16:creationId xmlns:a16="http://schemas.microsoft.com/office/drawing/2014/main" id="{B8E337CC-A763-4D05-9509-C4A9D2828580}"/>
               </a:ext>
             </a:extLst>
           </p:cNvPr>
@@ -27668,7 +29179,7 @@
           <p:cNvPr id="25" name="Parallelogram 24">
             <a:extLst>
               <a:ext uri="{FF2B5EF4-FFF2-40B4-BE49-F238E27FC236}">
-                <a16:creationId xmlns:a16="http://schemas.microsoft.com/office/drawing/2014/main" xmlns="" id="{3BE05377-4603-403A-A13B-77D1DF41A42C}"/>
+                <a16:creationId xmlns:a16="http://schemas.microsoft.com/office/drawing/2014/main" id="{3BE05377-4603-403A-A13B-77D1DF41A42C}"/>
               </a:ext>
             </a:extLst>
           </p:cNvPr>
@@ -27724,7 +29235,7 @@
           <p:cNvPr id="26" name="Rectangle 25">
             <a:extLst>
               <a:ext uri="{FF2B5EF4-FFF2-40B4-BE49-F238E27FC236}">
-                <a16:creationId xmlns:a16="http://schemas.microsoft.com/office/drawing/2014/main" xmlns="" id="{1B20DF86-2CE8-449A-9346-3AA4C54078C2}"/>
+                <a16:creationId xmlns:a16="http://schemas.microsoft.com/office/drawing/2014/main" id="{1B20DF86-2CE8-449A-9346-3AA4C54078C2}"/>
               </a:ext>
             </a:extLst>
           </p:cNvPr>
@@ -27778,7 +29289,7 @@
           <p:cNvPr id="27" name="Rectangle 26">
             <a:extLst>
               <a:ext uri="{FF2B5EF4-FFF2-40B4-BE49-F238E27FC236}">
-                <a16:creationId xmlns:a16="http://schemas.microsoft.com/office/drawing/2014/main" xmlns="" id="{9AD4AE32-2565-486C-BF53-0B038014A932}"/>
+                <a16:creationId xmlns:a16="http://schemas.microsoft.com/office/drawing/2014/main" id="{9AD4AE32-2565-486C-BF53-0B038014A932}"/>
               </a:ext>
             </a:extLst>
           </p:cNvPr>
@@ -27835,7 +29346,7 @@
           <p:cNvPr id="33" name="Rectangle 32">
             <a:extLst>
               <a:ext uri="{FF2B5EF4-FFF2-40B4-BE49-F238E27FC236}">
-                <a16:creationId xmlns:a16="http://schemas.microsoft.com/office/drawing/2014/main" xmlns="" id="{E84459F8-5881-4DEB-8A81-B89DA92F1CB7}"/>
+                <a16:creationId xmlns:a16="http://schemas.microsoft.com/office/drawing/2014/main" id="{E84459F8-5881-4DEB-8A81-B89DA92F1CB7}"/>
               </a:ext>
             </a:extLst>
           </p:cNvPr>
@@ -27889,7 +29400,7 @@
           <p:cNvPr id="34" name="Rectangle 33">
             <a:extLst>
               <a:ext uri="{FF2B5EF4-FFF2-40B4-BE49-F238E27FC236}">
-                <a16:creationId xmlns:a16="http://schemas.microsoft.com/office/drawing/2014/main" xmlns="" id="{249C4E87-AE40-4F8D-B76D-0F3FE3C5E753}"/>
+                <a16:creationId xmlns:a16="http://schemas.microsoft.com/office/drawing/2014/main" id="{249C4E87-AE40-4F8D-B76D-0F3FE3C5E753}"/>
               </a:ext>
             </a:extLst>
           </p:cNvPr>
@@ -27943,7 +29454,7 @@
           <p:cNvPr id="35" name="Rectangle 34">
             <a:extLst>
               <a:ext uri="{FF2B5EF4-FFF2-40B4-BE49-F238E27FC236}">
-                <a16:creationId xmlns:a16="http://schemas.microsoft.com/office/drawing/2014/main" xmlns="" id="{DCEBC72B-82D4-4B5A-9E29-9A6C7DF9679D}"/>
+                <a16:creationId xmlns:a16="http://schemas.microsoft.com/office/drawing/2014/main" id="{DCEBC72B-82D4-4B5A-9E29-9A6C7DF9679D}"/>
               </a:ext>
             </a:extLst>
           </p:cNvPr>
@@ -27999,7 +29510,7 @@
           <p:cNvPr id="36" name="Rectangle 35">
             <a:extLst>
               <a:ext uri="{FF2B5EF4-FFF2-40B4-BE49-F238E27FC236}">
-                <a16:creationId xmlns:a16="http://schemas.microsoft.com/office/drawing/2014/main" xmlns="" id="{8F5405A9-7AFD-4CD6-895B-4CC9E600198B}"/>
+                <a16:creationId xmlns:a16="http://schemas.microsoft.com/office/drawing/2014/main" id="{8F5405A9-7AFD-4CD6-895B-4CC9E600198B}"/>
               </a:ext>
             </a:extLst>
           </p:cNvPr>
@@ -28053,7 +29564,7 @@
           <p:cNvPr id="37" name="Rectangle 36">
             <a:extLst>
               <a:ext uri="{FF2B5EF4-FFF2-40B4-BE49-F238E27FC236}">
-                <a16:creationId xmlns:a16="http://schemas.microsoft.com/office/drawing/2014/main" xmlns="" id="{E68A8935-BBBB-4065-80B9-2A9DD8DE3D40}"/>
+                <a16:creationId xmlns:a16="http://schemas.microsoft.com/office/drawing/2014/main" id="{E68A8935-BBBB-4065-80B9-2A9DD8DE3D40}"/>
               </a:ext>
             </a:extLst>
           </p:cNvPr>
@@ -28107,7 +29618,7 @@
           <p:cNvPr id="38" name="Group 37">
             <a:extLst>
               <a:ext uri="{FF2B5EF4-FFF2-40B4-BE49-F238E27FC236}">
-                <a16:creationId xmlns:a16="http://schemas.microsoft.com/office/drawing/2014/main" xmlns="" id="{233B169F-B6F7-48B5-B5C3-3FAAAF1B142C}"/>
+                <a16:creationId xmlns:a16="http://schemas.microsoft.com/office/drawing/2014/main" id="{233B169F-B6F7-48B5-B5C3-3FAAAF1B142C}"/>
               </a:ext>
             </a:extLst>
           </p:cNvPr>
@@ -28127,7 +29638,7 @@
             <p:cNvPr id="39" name="Rectangle 34">
               <a:extLst>
                 <a:ext uri="{FF2B5EF4-FFF2-40B4-BE49-F238E27FC236}">
-                  <a16:creationId xmlns:a16="http://schemas.microsoft.com/office/drawing/2014/main" xmlns="" id="{61085DFF-D2A6-4757-BC9C-B6911BE3148F}"/>
+                  <a16:creationId xmlns:a16="http://schemas.microsoft.com/office/drawing/2014/main" id="{61085DFF-D2A6-4757-BC9C-B6911BE3148F}"/>
                 </a:ext>
               </a:extLst>
             </p:cNvPr>
@@ -28204,7 +29715,7 @@
             <p:cNvPr id="40" name="Group 39">
               <a:extLst>
                 <a:ext uri="{FF2B5EF4-FFF2-40B4-BE49-F238E27FC236}">
-                  <a16:creationId xmlns:a16="http://schemas.microsoft.com/office/drawing/2014/main" xmlns="" id="{3C5EDA7E-EAC2-42DC-BA31-82F98D89F64F}"/>
+                  <a16:creationId xmlns:a16="http://schemas.microsoft.com/office/drawing/2014/main" id="{3C5EDA7E-EAC2-42DC-BA31-82F98D89F64F}"/>
                 </a:ext>
               </a:extLst>
             </p:cNvPr>
@@ -28224,7 +29735,7 @@
               <p:cNvPr id="41" name="Parallelogram 40">
                 <a:extLst>
                   <a:ext uri="{FF2B5EF4-FFF2-40B4-BE49-F238E27FC236}">
-                    <a16:creationId xmlns:a16="http://schemas.microsoft.com/office/drawing/2014/main" xmlns="" id="{3DD0C1A1-1C2E-4ABE-8BA7-25BE1B74C75A}"/>
+                    <a16:creationId xmlns:a16="http://schemas.microsoft.com/office/drawing/2014/main" id="{3DD0C1A1-1C2E-4ABE-8BA7-25BE1B74C75A}"/>
                   </a:ext>
                 </a:extLst>
               </p:cNvPr>
@@ -28280,7 +29791,7 @@
               <p:cNvPr id="42" name="Parallelogram 41">
                 <a:extLst>
                   <a:ext uri="{FF2B5EF4-FFF2-40B4-BE49-F238E27FC236}">
-                    <a16:creationId xmlns:a16="http://schemas.microsoft.com/office/drawing/2014/main" xmlns="" id="{FAA098A8-6698-44B6-8D31-46D25DF7D96F}"/>
+                    <a16:creationId xmlns:a16="http://schemas.microsoft.com/office/drawing/2014/main" id="{FAA098A8-6698-44B6-8D31-46D25DF7D96F}"/>
                   </a:ext>
                 </a:extLst>
               </p:cNvPr>
@@ -28336,7 +29847,7 @@
               <p:cNvPr id="43" name="Group 42">
                 <a:extLst>
                   <a:ext uri="{FF2B5EF4-FFF2-40B4-BE49-F238E27FC236}">
-                    <a16:creationId xmlns:a16="http://schemas.microsoft.com/office/drawing/2014/main" xmlns="" id="{AFF4B2DD-ACCF-4187-A0B1-2C8698891D41}"/>
+                    <a16:creationId xmlns:a16="http://schemas.microsoft.com/office/drawing/2014/main" id="{AFF4B2DD-ACCF-4187-A0B1-2C8698891D41}"/>
                   </a:ext>
                 </a:extLst>
               </p:cNvPr>
@@ -28356,7 +29867,7 @@
                 <p:cNvPr id="45" name="Trapezoid 33">
                   <a:extLst>
                     <a:ext uri="{FF2B5EF4-FFF2-40B4-BE49-F238E27FC236}">
-                      <a16:creationId xmlns:a16="http://schemas.microsoft.com/office/drawing/2014/main" xmlns="" id="{8F03E05A-CFBC-4422-8C99-19A95C4DDBD0}"/>
+                      <a16:creationId xmlns:a16="http://schemas.microsoft.com/office/drawing/2014/main" id="{8F03E05A-CFBC-4422-8C99-19A95C4DDBD0}"/>
                     </a:ext>
                   </a:extLst>
                 </p:cNvPr>
@@ -28433,7 +29944,7 @@
                 <p:cNvPr id="46" name="Chord 45">
                   <a:extLst>
                     <a:ext uri="{FF2B5EF4-FFF2-40B4-BE49-F238E27FC236}">
-                      <a16:creationId xmlns:a16="http://schemas.microsoft.com/office/drawing/2014/main" xmlns="" id="{4211E5DD-CA5C-4F4B-9DE5-AD3F17D00AC0}"/>
+                      <a16:creationId xmlns:a16="http://schemas.microsoft.com/office/drawing/2014/main" id="{4211E5DD-CA5C-4F4B-9DE5-AD3F17D00AC0}"/>
                     </a:ext>
                   </a:extLst>
                 </p:cNvPr>
@@ -28490,7 +30001,7 @@
                 <p:cNvPr id="47" name="Trapezoid 37">
                   <a:extLst>
                     <a:ext uri="{FF2B5EF4-FFF2-40B4-BE49-F238E27FC236}">
-                      <a16:creationId xmlns:a16="http://schemas.microsoft.com/office/drawing/2014/main" xmlns="" id="{78B7AA01-3133-49A1-9E4E-2400AFB045CD}"/>
+                      <a16:creationId xmlns:a16="http://schemas.microsoft.com/office/drawing/2014/main" id="{78B7AA01-3133-49A1-9E4E-2400AFB045CD}"/>
                     </a:ext>
                   </a:extLst>
                 </p:cNvPr>
@@ -28568,7 +30079,7 @@
               <p:cNvPr id="44" name="Parallelogram 43">
                 <a:extLst>
                   <a:ext uri="{FF2B5EF4-FFF2-40B4-BE49-F238E27FC236}">
-                    <a16:creationId xmlns:a16="http://schemas.microsoft.com/office/drawing/2014/main" xmlns="" id="{939CEFD3-3525-43BA-AE9D-63D482D72FEB}"/>
+                    <a16:creationId xmlns:a16="http://schemas.microsoft.com/office/drawing/2014/main" id="{939CEFD3-3525-43BA-AE9D-63D482D72FEB}"/>
                   </a:ext>
                 </a:extLst>
               </p:cNvPr>
@@ -28626,7 +30137,7 @@
           <p:cNvPr id="48" name="Freeform 47">
             <a:extLst>
               <a:ext uri="{FF2B5EF4-FFF2-40B4-BE49-F238E27FC236}">
-                <a16:creationId xmlns:a16="http://schemas.microsoft.com/office/drawing/2014/main" xmlns="" id="{643D6B73-DCC6-4A78-BDBC-0C65DE1E5B09}"/>
+                <a16:creationId xmlns:a16="http://schemas.microsoft.com/office/drawing/2014/main" id="{643D6B73-DCC6-4A78-BDBC-0C65DE1E5B09}"/>
               </a:ext>
             </a:extLst>
           </p:cNvPr>
@@ -28866,7 +30377,7 @@
           <p:cNvPr id="49" name="Freeform 48">
             <a:extLst>
               <a:ext uri="{FF2B5EF4-FFF2-40B4-BE49-F238E27FC236}">
-                <a16:creationId xmlns:a16="http://schemas.microsoft.com/office/drawing/2014/main" xmlns="" id="{57802457-5DD1-4216-8401-316524397E6E}"/>
+                <a16:creationId xmlns:a16="http://schemas.microsoft.com/office/drawing/2014/main" id="{57802457-5DD1-4216-8401-316524397E6E}"/>
               </a:ext>
             </a:extLst>
           </p:cNvPr>
@@ -29075,7 +30586,7 @@
           <p:cNvPr id="50" name="Freeform 49">
             <a:extLst>
               <a:ext uri="{FF2B5EF4-FFF2-40B4-BE49-F238E27FC236}">
-                <a16:creationId xmlns:a16="http://schemas.microsoft.com/office/drawing/2014/main" xmlns="" id="{FC68CD52-4B81-4454-BCA7-8BFFCA054C31}"/>
+                <a16:creationId xmlns:a16="http://schemas.microsoft.com/office/drawing/2014/main" id="{FC68CD52-4B81-4454-BCA7-8BFFCA054C31}"/>
               </a:ext>
             </a:extLst>
           </p:cNvPr>
@@ -29338,7 +30849,7 @@
           <p:cNvPr id="51" name="Freeform 50">
             <a:extLst>
               <a:ext uri="{FF2B5EF4-FFF2-40B4-BE49-F238E27FC236}">
-                <a16:creationId xmlns:a16="http://schemas.microsoft.com/office/drawing/2014/main" xmlns="" id="{AD71E514-6F35-43AD-8232-E968ACC620EA}"/>
+                <a16:creationId xmlns:a16="http://schemas.microsoft.com/office/drawing/2014/main" id="{AD71E514-6F35-43AD-8232-E968ACC620EA}"/>
               </a:ext>
             </a:extLst>
           </p:cNvPr>
@@ -29645,7 +31156,7 @@
           <p:cNvPr id="52" name="Freeform 51">
             <a:extLst>
               <a:ext uri="{FF2B5EF4-FFF2-40B4-BE49-F238E27FC236}">
-                <a16:creationId xmlns:a16="http://schemas.microsoft.com/office/drawing/2014/main" xmlns="" id="{2CAE076D-7406-4897-B4DC-790DECC79ACC}"/>
+                <a16:creationId xmlns:a16="http://schemas.microsoft.com/office/drawing/2014/main" id="{2CAE076D-7406-4897-B4DC-790DECC79ACC}"/>
               </a:ext>
             </a:extLst>
           </p:cNvPr>
@@ -29867,7 +31378,7 @@
             <a:fld id="{4B598DDB-A902-48C8-9CD3-58F7F0DA2EE5}" type="slidenum">
               <a:rPr lang="fr-FR" smtClean="0"/>
               <a:pPr/>
-              <a:t>5</a:t>
+              <a:t>6</a:t>
             </a:fld>
             <a:endParaRPr lang="fr-FR" dirty="0"/>
           </a:p>
@@ -30203,1141 +31714,6 @@
 </p:sld>
 </file>
 
-<file path=ppt/slides/slide6.xml><?xml version="1.0" encoding="utf-8"?>
-<p:sld xmlns:a="http://schemas.openxmlformats.org/drawingml/2006/main" xmlns:r="http://schemas.openxmlformats.org/officeDocument/2006/relationships" xmlns:p="http://schemas.openxmlformats.org/presentationml/2006/main">
-  <p:cSld>
-    <p:spTree>
-      <p:nvGrpSpPr>
-        <p:cNvPr id="1" name=""/>
-        <p:cNvGrpSpPr/>
-        <p:nvPr/>
-      </p:nvGrpSpPr>
-      <p:grpSpPr>
-        <a:xfrm>
-          <a:off x="0" y="0"/>
-          <a:ext cx="0" cy="0"/>
-          <a:chOff x="0" y="0"/>
-          <a:chExt cx="0" cy="0"/>
-        </a:xfrm>
-      </p:grpSpPr>
-      <p:sp>
-        <p:nvSpPr>
-          <p:cNvPr id="2" name="Espace réservé du numéro de diapositive 1"/>
-          <p:cNvSpPr>
-            <a:spLocks noGrp="1"/>
-          </p:cNvSpPr>
-          <p:nvPr>
-            <p:ph type="sldNum" sz="quarter" idx="10"/>
-          </p:nvPr>
-        </p:nvSpPr>
-        <p:spPr/>
-        <p:txBody>
-          <a:bodyPr/>
-          <a:lstStyle/>
-          <a:p>
-            <a:fld id="{4B598DDB-A902-48C8-9CD3-58F7F0DA2EE5}" type="slidenum">
-              <a:rPr lang="fr-FR" smtClean="0"/>
-              <a:pPr/>
-              <a:t>6</a:t>
-            </a:fld>
-            <a:endParaRPr lang="fr-FR" dirty="0"/>
-          </a:p>
-        </p:txBody>
-      </p:sp>
-      <p:sp>
-        <p:nvSpPr>
-          <p:cNvPr id="3" name="TextBox 7">
-            <a:extLst>
-              <a:ext uri="{FF2B5EF4-FFF2-40B4-BE49-F238E27FC236}">
-                <a16:creationId xmlns:a16="http://schemas.microsoft.com/office/drawing/2014/main" xmlns="" id="{5CF5BDA4-10C7-46A6-AC30-523A3FC438AC}"/>
-              </a:ext>
-            </a:extLst>
-          </p:cNvPr>
-          <p:cNvSpPr txBox="1"/>
-          <p:nvPr/>
-        </p:nvSpPr>
-        <p:spPr>
-          <a:xfrm>
-            <a:off x="1127342" y="611788"/>
-            <a:ext cx="8968636" cy="830997"/>
-          </a:xfrm>
-          <a:prstGeom prst="rect">
-            <a:avLst/>
-          </a:prstGeom>
-          <a:noFill/>
-        </p:spPr>
-        <p:txBody>
-          <a:bodyPr wrap="square" rtlCol="0" anchor="ctr">
-            <a:spAutoFit/>
-          </a:bodyPr>
-          <a:lstStyle/>
-          <a:p>
-            <a:r>
-              <a:rPr lang="en-US" altLang="ko-KR" sz="4800" b="1" dirty="0" smtClean="0">
-                <a:solidFill>
-                  <a:schemeClr val="tx1">
-                    <a:lumMod val="85000"/>
-                    <a:lumOff val="15000"/>
-                  </a:schemeClr>
-                </a:solidFill>
-                <a:latin typeface="Candara" panose="020E0502030303020204" pitchFamily="34" charset="0"/>
-                <a:cs typeface="Arial" pitchFamily="34" charset="0"/>
-              </a:rPr>
-              <a:t>COMMENT INSTALLER </a:t>
-            </a:r>
-            <a:r>
-              <a:rPr lang="en-US" altLang="ko-KR" sz="4800" b="1" dirty="0" smtClean="0">
-                <a:solidFill>
-                  <a:schemeClr val="tx1">
-                    <a:lumMod val="85000"/>
-                    <a:lumOff val="15000"/>
-                  </a:schemeClr>
-                </a:solidFill>
-                <a:latin typeface="Candara" panose="020E0502030303020204" pitchFamily="34" charset="0"/>
-                <a:cs typeface="Arial" pitchFamily="34" charset="0"/>
-              </a:rPr>
-              <a:t>SPRING</a:t>
-            </a:r>
-            <a:endParaRPr lang="ko-KR" altLang="en-US" sz="4800" b="1" dirty="0">
-              <a:solidFill>
-                <a:schemeClr val="tx1">
-                  <a:lumMod val="85000"/>
-                  <a:lumOff val="15000"/>
-                </a:schemeClr>
-              </a:solidFill>
-              <a:latin typeface="Candara" panose="020E0502030303020204" pitchFamily="34" charset="0"/>
-              <a:cs typeface="Arial" pitchFamily="34" charset="0"/>
-            </a:endParaRPr>
-          </a:p>
-        </p:txBody>
-      </p:sp>
-      <p:sp>
-        <p:nvSpPr>
-          <p:cNvPr id="4" name="Rectangle 3">
-            <a:extLst>
-              <a:ext uri="{FF2B5EF4-FFF2-40B4-BE49-F238E27FC236}">
-                <a16:creationId xmlns="" xmlns:a16="http://schemas.microsoft.com/office/drawing/2014/main" id="{6D0FDF8F-D25E-4CB0-8E60-C13C20A472F5}"/>
-              </a:ext>
-            </a:extLst>
-          </p:cNvPr>
-          <p:cNvSpPr/>
-          <p:nvPr/>
-        </p:nvSpPr>
-        <p:spPr>
-          <a:xfrm>
-            <a:off x="1019342" y="2915765"/>
-            <a:ext cx="108000" cy="3155114"/>
-          </a:xfrm>
-          <a:prstGeom prst="rect">
-            <a:avLst/>
-          </a:prstGeom>
-          <a:solidFill>
-            <a:schemeClr val="tx1">
-              <a:lumMod val="75000"/>
-              <a:lumOff val="25000"/>
-            </a:schemeClr>
-          </a:solidFill>
-          <a:ln>
-            <a:noFill/>
-          </a:ln>
-        </p:spPr>
-        <p:style>
-          <a:lnRef idx="2">
-            <a:schemeClr val="accent1">
-              <a:shade val="50000"/>
-            </a:schemeClr>
-          </a:lnRef>
-          <a:fillRef idx="1">
-            <a:schemeClr val="accent1"/>
-          </a:fillRef>
-          <a:effectRef idx="0">
-            <a:schemeClr val="accent1"/>
-          </a:effectRef>
-          <a:fontRef idx="minor">
-            <a:schemeClr val="lt1"/>
-          </a:fontRef>
-        </p:style>
-        <p:txBody>
-          <a:bodyPr rot="0" spcFirstLastPara="0" vertOverflow="overflow" horzOverflow="overflow" vert="horz" wrap="square" lIns="91440" tIns="45720" rIns="91440" bIns="45720" numCol="1" spcCol="0" rtlCol="0" fromWordArt="0" anchor="ctr" anchorCtr="0" forceAA="0" compatLnSpc="1">
-            <a:prstTxWarp prst="textNoShape">
-              <a:avLst/>
-            </a:prstTxWarp>
-            <a:noAutofit/>
-          </a:bodyPr>
-          <a:lstStyle/>
-          <a:p>
-            <a:pPr algn="ctr"/>
-            <a:endParaRPr lang="ko-KR" altLang="en-US" sz="2700">
-              <a:latin typeface="Candara" panose="020E0502030303020204" pitchFamily="34" charset="0"/>
-            </a:endParaRPr>
-          </a:p>
-        </p:txBody>
-      </p:sp>
-      <p:sp>
-        <p:nvSpPr>
-          <p:cNvPr id="5" name="Pentagon 14">
-            <a:extLst>
-              <a:ext uri="{FF2B5EF4-FFF2-40B4-BE49-F238E27FC236}">
-                <a16:creationId xmlns="" xmlns:a16="http://schemas.microsoft.com/office/drawing/2014/main" id="{8D0EAD2F-CF67-4591-BB34-B59CCA0D3581}"/>
-              </a:ext>
-            </a:extLst>
-          </p:cNvPr>
-          <p:cNvSpPr/>
-          <p:nvPr/>
-        </p:nvSpPr>
-        <p:spPr>
-          <a:xfrm>
-            <a:off x="1127342" y="3390645"/>
-            <a:ext cx="4003595" cy="854569"/>
-          </a:xfrm>
-          <a:prstGeom prst="homePlate">
-            <a:avLst/>
-          </a:prstGeom>
-          <a:solidFill>
-            <a:schemeClr val="bg1"/>
-          </a:solidFill>
-          <a:ln w="38100">
-            <a:solidFill>
-              <a:schemeClr val="accent4"/>
-            </a:solidFill>
-          </a:ln>
-        </p:spPr>
-        <p:style>
-          <a:lnRef idx="2">
-            <a:schemeClr val="accent1">
-              <a:shade val="50000"/>
-            </a:schemeClr>
-          </a:lnRef>
-          <a:fillRef idx="1">
-            <a:schemeClr val="accent1"/>
-          </a:fillRef>
-          <a:effectRef idx="0">
-            <a:schemeClr val="accent1"/>
-          </a:effectRef>
-          <a:fontRef idx="minor">
-            <a:schemeClr val="lt1"/>
-          </a:fontRef>
-        </p:style>
-        <p:txBody>
-          <a:bodyPr rtlCol="0" anchor="ctr"/>
-          <a:lstStyle/>
-          <a:p>
-            <a:pPr algn="ctr"/>
-            <a:endParaRPr lang="ko-KR" altLang="en-US" sz="2700">
-              <a:latin typeface="Candara" panose="020E0502030303020204" pitchFamily="34" charset="0"/>
-            </a:endParaRPr>
-          </a:p>
-        </p:txBody>
-      </p:sp>
-      <p:sp>
-        <p:nvSpPr>
-          <p:cNvPr id="7" name="Pentagon 14">
-            <a:extLst>
-              <a:ext uri="{FF2B5EF4-FFF2-40B4-BE49-F238E27FC236}">
-                <a16:creationId xmlns="" xmlns:a16="http://schemas.microsoft.com/office/drawing/2014/main" id="{8D0EAD2F-CF67-4591-BB34-B59CCA0D3581}"/>
-              </a:ext>
-            </a:extLst>
-          </p:cNvPr>
-          <p:cNvSpPr/>
-          <p:nvPr/>
-        </p:nvSpPr>
-        <p:spPr>
-          <a:xfrm>
-            <a:off x="1127342" y="4820477"/>
-            <a:ext cx="4166435" cy="845674"/>
-          </a:xfrm>
-          <a:prstGeom prst="homePlate">
-            <a:avLst/>
-          </a:prstGeom>
-          <a:solidFill>
-            <a:schemeClr val="bg1"/>
-          </a:solidFill>
-          <a:ln w="38100">
-            <a:solidFill>
-              <a:schemeClr val="accent4"/>
-            </a:solidFill>
-          </a:ln>
-        </p:spPr>
-        <p:style>
-          <a:lnRef idx="2">
-            <a:schemeClr val="accent1">
-              <a:shade val="50000"/>
-            </a:schemeClr>
-          </a:lnRef>
-          <a:fillRef idx="1">
-            <a:schemeClr val="accent1"/>
-          </a:fillRef>
-          <a:effectRef idx="0">
-            <a:schemeClr val="accent1"/>
-          </a:effectRef>
-          <a:fontRef idx="minor">
-            <a:schemeClr val="lt1"/>
-          </a:fontRef>
-        </p:style>
-        <p:txBody>
-          <a:bodyPr rtlCol="0" anchor="ctr"/>
-          <a:lstStyle/>
-          <a:p>
-            <a:pPr algn="ctr"/>
-            <a:endParaRPr lang="ko-KR" altLang="en-US" sz="2700">
-              <a:latin typeface="Candara" panose="020E0502030303020204" pitchFamily="34" charset="0"/>
-            </a:endParaRPr>
-          </a:p>
-        </p:txBody>
-      </p:sp>
-      <p:sp>
-        <p:nvSpPr>
-          <p:cNvPr id="8" name="TextBox 32">
-            <a:extLst>
-              <a:ext uri="{FF2B5EF4-FFF2-40B4-BE49-F238E27FC236}">
-                <a16:creationId xmlns="" xmlns:a16="http://schemas.microsoft.com/office/drawing/2014/main" id="{3D68DC4F-6C57-4033-AD85-E705874ADB27}"/>
-              </a:ext>
-            </a:extLst>
-          </p:cNvPr>
-          <p:cNvSpPr txBox="1"/>
-          <p:nvPr/>
-        </p:nvSpPr>
-        <p:spPr>
-          <a:xfrm>
-            <a:off x="2094136" y="1864159"/>
-            <a:ext cx="8001842" cy="307777"/>
-          </a:xfrm>
-          <a:prstGeom prst="rect">
-            <a:avLst/>
-          </a:prstGeom>
-          <a:noFill/>
-        </p:spPr>
-        <p:txBody>
-          <a:bodyPr wrap="square" rtlCol="0">
-            <a:spAutoFit/>
-          </a:bodyPr>
-          <a:lstStyle/>
-          <a:p>
-            <a:pPr algn="ctr"/>
-            <a:r>
-              <a:rPr lang="en-US" altLang="ko-KR" sz="1400" b="1" dirty="0" err="1" smtClean="0">
-                <a:solidFill>
-                  <a:schemeClr val="tx1">
-                    <a:lumMod val="75000"/>
-                    <a:lumOff val="25000"/>
-                  </a:schemeClr>
-                </a:solidFill>
-                <a:latin typeface="Candara" panose="020E0502030303020204" pitchFamily="34" charset="0"/>
-                <a:cs typeface="Arial" pitchFamily="34" charset="0"/>
-              </a:rPr>
-              <a:t>Aller</a:t>
-            </a:r>
-            <a:r>
-              <a:rPr lang="en-US" altLang="ko-KR" sz="1400" b="1" dirty="0" smtClean="0">
-                <a:solidFill>
-                  <a:schemeClr val="tx1">
-                    <a:lumMod val="75000"/>
-                    <a:lumOff val="25000"/>
-                  </a:schemeClr>
-                </a:solidFill>
-                <a:latin typeface="Candara" panose="020E0502030303020204" pitchFamily="34" charset="0"/>
-                <a:cs typeface="Arial" pitchFamily="34" charset="0"/>
-              </a:rPr>
-              <a:t> sur </a:t>
-            </a:r>
-            <a:r>
-              <a:rPr lang="en-US" altLang="ko-KR" sz="1400" b="1" dirty="0" smtClean="0">
-                <a:solidFill>
-                  <a:schemeClr val="tx1">
-                    <a:lumMod val="75000"/>
-                    <a:lumOff val="25000"/>
-                  </a:schemeClr>
-                </a:solidFill>
-                <a:latin typeface="Candara" panose="020E0502030303020204" pitchFamily="34" charset="0"/>
-                <a:cs typeface="Arial" pitchFamily="34" charset="0"/>
-              </a:rPr>
-              <a:t>le lien (Spring </a:t>
-            </a:r>
-            <a:r>
-              <a:rPr lang="en-US" altLang="ko-KR" sz="1400" b="1" dirty="0" err="1" smtClean="0">
-                <a:solidFill>
-                  <a:schemeClr val="tx1">
-                    <a:lumMod val="75000"/>
-                    <a:lumOff val="25000"/>
-                  </a:schemeClr>
-                </a:solidFill>
-                <a:latin typeface="Candara" panose="020E0502030303020204" pitchFamily="34" charset="0"/>
-                <a:cs typeface="Arial" pitchFamily="34" charset="0"/>
-              </a:rPr>
-              <a:t>Initialzr</a:t>
-            </a:r>
-            <a:r>
-              <a:rPr lang="en-US" altLang="ko-KR" sz="1400" b="1" dirty="0" smtClean="0">
-                <a:solidFill>
-                  <a:schemeClr val="tx1">
-                    <a:lumMod val="75000"/>
-                    <a:lumOff val="25000"/>
-                  </a:schemeClr>
-                </a:solidFill>
-                <a:latin typeface="Candara" panose="020E0502030303020204" pitchFamily="34" charset="0"/>
-                <a:cs typeface="Arial" pitchFamily="34" charset="0"/>
-              </a:rPr>
-              <a:t>) et </a:t>
-            </a:r>
-            <a:endParaRPr lang="ko-KR" altLang="en-US" sz="1400" b="1" dirty="0">
-              <a:solidFill>
-                <a:schemeClr val="tx1">
-                  <a:lumMod val="75000"/>
-                  <a:lumOff val="25000"/>
-                </a:schemeClr>
-              </a:solidFill>
-              <a:latin typeface="Candara" panose="020E0502030303020204" pitchFamily="34" charset="0"/>
-              <a:cs typeface="Arial" pitchFamily="34" charset="0"/>
-            </a:endParaRPr>
-          </a:p>
-        </p:txBody>
-      </p:sp>
-      <p:sp>
-        <p:nvSpPr>
-          <p:cNvPr id="10" name="TextBox 32">
-            <a:extLst>
-              <a:ext uri="{FF2B5EF4-FFF2-40B4-BE49-F238E27FC236}">
-                <a16:creationId xmlns="" xmlns:a16="http://schemas.microsoft.com/office/drawing/2014/main" id="{3D68DC4F-6C57-4033-AD85-E705874ADB27}"/>
-              </a:ext>
-            </a:extLst>
-          </p:cNvPr>
-          <p:cNvSpPr txBox="1"/>
-          <p:nvPr/>
-        </p:nvSpPr>
-        <p:spPr>
-          <a:xfrm>
-            <a:off x="1540699" y="3711069"/>
-            <a:ext cx="2292262" cy="307777"/>
-          </a:xfrm>
-          <a:prstGeom prst="rect">
-            <a:avLst/>
-          </a:prstGeom>
-          <a:noFill/>
-        </p:spPr>
-        <p:txBody>
-          <a:bodyPr wrap="square" rtlCol="0">
-            <a:spAutoFit/>
-          </a:bodyPr>
-          <a:lstStyle/>
-          <a:p>
-            <a:pPr algn="ctr"/>
-            <a:r>
-              <a:rPr lang="en-US" altLang="ko-KR" sz="1400" b="1" dirty="0" smtClean="0">
-                <a:solidFill>
-                  <a:schemeClr val="tx1">
-                    <a:lumMod val="75000"/>
-                    <a:lumOff val="25000"/>
-                  </a:schemeClr>
-                </a:solidFill>
-                <a:latin typeface="Candara" panose="020E0502030303020204" pitchFamily="34" charset="0"/>
-                <a:cs typeface="Arial" pitchFamily="34" charset="0"/>
-              </a:rPr>
-              <a:t>Installer </a:t>
-            </a:r>
-            <a:r>
-              <a:rPr lang="en-US" altLang="ko-KR" sz="1400" b="1" dirty="0" smtClean="0">
-                <a:solidFill>
-                  <a:schemeClr val="tx1">
-                    <a:lumMod val="75000"/>
-                    <a:lumOff val="25000"/>
-                  </a:schemeClr>
-                </a:solidFill>
-                <a:latin typeface="Candara" panose="020E0502030303020204" pitchFamily="34" charset="0"/>
-                <a:cs typeface="Arial" pitchFamily="34" charset="0"/>
-              </a:rPr>
-              <a:t>SPRING</a:t>
-            </a:r>
-            <a:endParaRPr lang="ko-KR" altLang="en-US" sz="1400" b="1" dirty="0">
-              <a:solidFill>
-                <a:schemeClr val="tx1">
-                  <a:lumMod val="75000"/>
-                  <a:lumOff val="25000"/>
-                </a:schemeClr>
-              </a:solidFill>
-              <a:latin typeface="Candara" panose="020E0502030303020204" pitchFamily="34" charset="0"/>
-              <a:cs typeface="Arial" pitchFamily="34" charset="0"/>
-            </a:endParaRPr>
-          </a:p>
-        </p:txBody>
-      </p:sp>
-      <p:sp>
-        <p:nvSpPr>
-          <p:cNvPr id="12" name="TextBox 32">
-            <a:extLst>
-              <a:ext uri="{FF2B5EF4-FFF2-40B4-BE49-F238E27FC236}">
-                <a16:creationId xmlns="" xmlns:a16="http://schemas.microsoft.com/office/drawing/2014/main" id="{3D68DC4F-6C57-4033-AD85-E705874ADB27}"/>
-              </a:ext>
-            </a:extLst>
-          </p:cNvPr>
-          <p:cNvSpPr txBox="1"/>
-          <p:nvPr/>
-        </p:nvSpPr>
-        <p:spPr>
-          <a:xfrm>
-            <a:off x="1540699" y="4979532"/>
-            <a:ext cx="3475974" cy="523220"/>
-          </a:xfrm>
-          <a:prstGeom prst="rect">
-            <a:avLst/>
-          </a:prstGeom>
-          <a:noFill/>
-        </p:spPr>
-        <p:txBody>
-          <a:bodyPr wrap="square" rtlCol="0">
-            <a:spAutoFit/>
-          </a:bodyPr>
-          <a:lstStyle/>
-          <a:p>
-            <a:pPr algn="ctr"/>
-            <a:r>
-              <a:rPr lang="en-US" altLang="ko-KR" sz="1400" b="1" dirty="0" smtClean="0">
-                <a:solidFill>
-                  <a:schemeClr val="tx1">
-                    <a:lumMod val="75000"/>
-                    <a:lumOff val="25000"/>
-                  </a:schemeClr>
-                </a:solidFill>
-                <a:latin typeface="Candara" panose="020E0502030303020204" pitchFamily="34" charset="0"/>
-                <a:cs typeface="Arial" pitchFamily="34" charset="0"/>
-              </a:rPr>
-              <a:t>Cree </a:t>
-            </a:r>
-            <a:r>
-              <a:rPr lang="en-US" altLang="ko-KR" sz="1400" b="1" dirty="0" err="1" smtClean="0">
-                <a:solidFill>
-                  <a:schemeClr val="tx1">
-                    <a:lumMod val="75000"/>
-                    <a:lumOff val="25000"/>
-                  </a:schemeClr>
-                </a:solidFill>
-                <a:latin typeface="Candara" panose="020E0502030303020204" pitchFamily="34" charset="0"/>
-                <a:cs typeface="Arial" pitchFamily="34" charset="0"/>
-              </a:rPr>
-              <a:t>directement</a:t>
-            </a:r>
-            <a:r>
-              <a:rPr lang="en-US" altLang="ko-KR" sz="1400" b="1" dirty="0" smtClean="0">
-                <a:solidFill>
-                  <a:schemeClr val="tx1">
-                    <a:lumMod val="75000"/>
-                    <a:lumOff val="25000"/>
-                  </a:schemeClr>
-                </a:solidFill>
-                <a:latin typeface="Candara" panose="020E0502030303020204" pitchFamily="34" charset="0"/>
-                <a:cs typeface="Arial" pitchFamily="34" charset="0"/>
-              </a:rPr>
-              <a:t> un </a:t>
-            </a:r>
-            <a:r>
-              <a:rPr lang="en-US" altLang="ko-KR" sz="1400" b="1" dirty="0" err="1" smtClean="0">
-                <a:solidFill>
-                  <a:schemeClr val="tx1">
-                    <a:lumMod val="75000"/>
-                    <a:lumOff val="25000"/>
-                  </a:schemeClr>
-                </a:solidFill>
-                <a:latin typeface="Candara" panose="020E0502030303020204" pitchFamily="34" charset="0"/>
-                <a:cs typeface="Arial" pitchFamily="34" charset="0"/>
-              </a:rPr>
-              <a:t>projet</a:t>
-            </a:r>
-            <a:r>
-              <a:rPr lang="en-US" altLang="ko-KR" sz="1400" b="1" dirty="0" smtClean="0">
-                <a:solidFill>
-                  <a:schemeClr val="tx1">
-                    <a:lumMod val="75000"/>
-                    <a:lumOff val="25000"/>
-                  </a:schemeClr>
-                </a:solidFill>
-                <a:latin typeface="Candara" panose="020E0502030303020204" pitchFamily="34" charset="0"/>
-                <a:cs typeface="Arial" pitchFamily="34" charset="0"/>
-              </a:rPr>
-              <a:t> symphony a </a:t>
-            </a:r>
-            <a:r>
-              <a:rPr lang="en-US" altLang="ko-KR" sz="1400" b="1" dirty="0" err="1" smtClean="0">
-                <a:solidFill>
-                  <a:schemeClr val="tx1">
-                    <a:lumMod val="75000"/>
-                    <a:lumOff val="25000"/>
-                  </a:schemeClr>
-                </a:solidFill>
-                <a:latin typeface="Candara" panose="020E0502030303020204" pitchFamily="34" charset="0"/>
-                <a:cs typeface="Arial" pitchFamily="34" charset="0"/>
-              </a:rPr>
-              <a:t>partie</a:t>
-            </a:r>
-            <a:r>
-              <a:rPr lang="en-US" altLang="ko-KR" sz="1400" b="1" dirty="0" smtClean="0">
-                <a:solidFill>
-                  <a:schemeClr val="tx1">
-                    <a:lumMod val="75000"/>
-                    <a:lumOff val="25000"/>
-                  </a:schemeClr>
-                </a:solidFill>
-                <a:latin typeface="Candara" panose="020E0502030303020204" pitchFamily="34" charset="0"/>
-                <a:cs typeface="Arial" pitchFamily="34" charset="0"/>
-              </a:rPr>
-              <a:t> composer</a:t>
-            </a:r>
-            <a:endParaRPr lang="ko-KR" altLang="en-US" sz="1400" b="1" dirty="0">
-              <a:solidFill>
-                <a:schemeClr val="tx1">
-                  <a:lumMod val="75000"/>
-                  <a:lumOff val="25000"/>
-                </a:schemeClr>
-              </a:solidFill>
-              <a:latin typeface="Candara" panose="020E0502030303020204" pitchFamily="34" charset="0"/>
-              <a:cs typeface="Arial" pitchFamily="34" charset="0"/>
-            </a:endParaRPr>
-          </a:p>
-        </p:txBody>
-      </p:sp>
-      <p:sp>
-        <p:nvSpPr>
-          <p:cNvPr id="13" name="TextBox 6">
-            <a:extLst>
-              <a:ext uri="{FF2B5EF4-FFF2-40B4-BE49-F238E27FC236}">
-                <a16:creationId xmlns:a16="http://schemas.microsoft.com/office/drawing/2014/main" xmlns="" id="{CD4C4ACE-3F27-4618-8225-64966A7DFEEF}"/>
-              </a:ext>
-            </a:extLst>
-          </p:cNvPr>
-          <p:cNvSpPr txBox="1"/>
-          <p:nvPr/>
-        </p:nvSpPr>
-        <p:spPr>
-          <a:xfrm>
-            <a:off x="1235342" y="3587096"/>
-            <a:ext cx="480724" cy="400110"/>
-          </a:xfrm>
-          <a:prstGeom prst="rect">
-            <a:avLst/>
-          </a:prstGeom>
-          <a:noFill/>
-        </p:spPr>
-        <p:txBody>
-          <a:bodyPr wrap="square" lIns="108000" rIns="108000" rtlCol="0">
-            <a:spAutoFit/>
-          </a:bodyPr>
-          <a:lstStyle/>
-          <a:p>
-            <a:pPr algn="ctr"/>
-            <a:r>
-              <a:rPr lang="fr-FR" altLang="ko-KR" sz="2000" b="1" dirty="0" smtClean="0">
-                <a:solidFill>
-                  <a:schemeClr val="accent1"/>
-                </a:solidFill>
-                <a:latin typeface="Candara" panose="020E0502030303020204" pitchFamily="34" charset="0"/>
-                <a:cs typeface="Arial" pitchFamily="34" charset="0"/>
-              </a:rPr>
-              <a:t>01</a:t>
-            </a:r>
-            <a:endParaRPr lang="ko-KR" altLang="en-US" sz="2000" b="1" dirty="0">
-              <a:solidFill>
-                <a:schemeClr val="accent1"/>
-              </a:solidFill>
-              <a:latin typeface="Candara" panose="020E0502030303020204" pitchFamily="34" charset="0"/>
-              <a:cs typeface="Arial" pitchFamily="34" charset="0"/>
-            </a:endParaRPr>
-          </a:p>
-        </p:txBody>
-      </p:sp>
-      <p:sp>
-        <p:nvSpPr>
-          <p:cNvPr id="14" name="TextBox 6">
-            <a:extLst>
-              <a:ext uri="{FF2B5EF4-FFF2-40B4-BE49-F238E27FC236}">
-                <a16:creationId xmlns:a16="http://schemas.microsoft.com/office/drawing/2014/main" xmlns="" id="{CD4C4ACE-3F27-4618-8225-64966A7DFEEF}"/>
-              </a:ext>
-            </a:extLst>
-          </p:cNvPr>
-          <p:cNvSpPr txBox="1"/>
-          <p:nvPr/>
-        </p:nvSpPr>
-        <p:spPr>
-          <a:xfrm>
-            <a:off x="1210290" y="5055903"/>
-            <a:ext cx="480724" cy="400110"/>
-          </a:xfrm>
-          <a:prstGeom prst="rect">
-            <a:avLst/>
-          </a:prstGeom>
-          <a:noFill/>
-        </p:spPr>
-        <p:txBody>
-          <a:bodyPr wrap="square" lIns="108000" rIns="108000" rtlCol="0">
-            <a:spAutoFit/>
-          </a:bodyPr>
-          <a:lstStyle/>
-          <a:p>
-            <a:pPr algn="ctr"/>
-            <a:r>
-              <a:rPr lang="fr-FR" altLang="ko-KR" sz="2000" b="1" dirty="0" smtClean="0">
-                <a:solidFill>
-                  <a:schemeClr val="accent1"/>
-                </a:solidFill>
-                <a:latin typeface="Candara" panose="020E0502030303020204" pitchFamily="34" charset="0"/>
-                <a:cs typeface="Arial" pitchFamily="34" charset="0"/>
-              </a:rPr>
-              <a:t>02</a:t>
-            </a:r>
-            <a:endParaRPr lang="ko-KR" altLang="en-US" sz="2000" b="1" dirty="0">
-              <a:solidFill>
-                <a:schemeClr val="accent1"/>
-              </a:solidFill>
-              <a:latin typeface="Candara" panose="020E0502030303020204" pitchFamily="34" charset="0"/>
-              <a:cs typeface="Arial" pitchFamily="34" charset="0"/>
-            </a:endParaRPr>
-          </a:p>
-        </p:txBody>
-      </p:sp>
-      <p:sp>
-        <p:nvSpPr>
-          <p:cNvPr id="16" name="TextBox 32">
-            <a:extLst>
-              <a:ext uri="{FF2B5EF4-FFF2-40B4-BE49-F238E27FC236}">
-                <a16:creationId xmlns="" xmlns:a16="http://schemas.microsoft.com/office/drawing/2014/main" id="{3D68DC4F-6C57-4033-AD85-E705874ADB27}"/>
-              </a:ext>
-            </a:extLst>
-          </p:cNvPr>
-          <p:cNvSpPr txBox="1"/>
-          <p:nvPr/>
-        </p:nvSpPr>
-        <p:spPr>
-          <a:xfrm>
-            <a:off x="5130937" y="5502752"/>
-            <a:ext cx="3344800" cy="307777"/>
-          </a:xfrm>
-          <a:prstGeom prst="rect">
-            <a:avLst/>
-          </a:prstGeom>
-          <a:noFill/>
-        </p:spPr>
-        <p:txBody>
-          <a:bodyPr wrap="square" rtlCol="0">
-            <a:spAutoFit/>
-          </a:bodyPr>
-          <a:lstStyle/>
-          <a:p>
-            <a:pPr algn="ctr"/>
-            <a:r>
-              <a:rPr lang="en-US" altLang="ko-KR" sz="1400" b="1" dirty="0" err="1" smtClean="0">
-                <a:solidFill>
-                  <a:schemeClr val="tx1">
-                    <a:lumMod val="75000"/>
-                    <a:lumOff val="25000"/>
-                  </a:schemeClr>
-                </a:solidFill>
-                <a:latin typeface="Candara" panose="020E0502030303020204" pitchFamily="34" charset="0"/>
-                <a:cs typeface="Arial" pitchFamily="34" charset="0"/>
-              </a:rPr>
-              <a:t>en</a:t>
-            </a:r>
-            <a:r>
-              <a:rPr lang="en-US" altLang="ko-KR" sz="1400" b="1" dirty="0" smtClean="0">
-                <a:solidFill>
-                  <a:schemeClr val="tx1">
-                    <a:lumMod val="75000"/>
-                    <a:lumOff val="25000"/>
-                  </a:schemeClr>
-                </a:solidFill>
-                <a:latin typeface="Candara" panose="020E0502030303020204" pitchFamily="34" charset="0"/>
-                <a:cs typeface="Arial" pitchFamily="34" charset="0"/>
-              </a:rPr>
-              <a:t> </a:t>
-            </a:r>
-            <a:r>
-              <a:rPr lang="en-US" altLang="ko-KR" sz="1400" b="1" dirty="0" err="1" smtClean="0">
-                <a:solidFill>
-                  <a:schemeClr val="tx1">
-                    <a:lumMod val="75000"/>
-                    <a:lumOff val="25000"/>
-                  </a:schemeClr>
-                </a:solidFill>
-                <a:latin typeface="Candara" panose="020E0502030303020204" pitchFamily="34" charset="0"/>
-                <a:cs typeface="Arial" pitchFamily="34" charset="0"/>
-              </a:rPr>
-              <a:t>utilisent</a:t>
-            </a:r>
-            <a:r>
-              <a:rPr lang="en-US" altLang="ko-KR" sz="1400" b="1" dirty="0" smtClean="0">
-                <a:solidFill>
-                  <a:schemeClr val="tx1">
-                    <a:lumMod val="75000"/>
-                    <a:lumOff val="25000"/>
-                  </a:schemeClr>
-                </a:solidFill>
-                <a:latin typeface="Candara" panose="020E0502030303020204" pitchFamily="34" charset="0"/>
-                <a:cs typeface="Arial" pitchFamily="34" charset="0"/>
-              </a:rPr>
-              <a:t> les </a:t>
-            </a:r>
-            <a:r>
-              <a:rPr lang="en-US" altLang="ko-KR" sz="1400" b="1" dirty="0" err="1" smtClean="0">
-                <a:solidFill>
-                  <a:schemeClr val="tx1">
-                    <a:lumMod val="75000"/>
-                    <a:lumOff val="25000"/>
-                  </a:schemeClr>
-                </a:solidFill>
-                <a:latin typeface="Candara" panose="020E0502030303020204" pitchFamily="34" charset="0"/>
-                <a:cs typeface="Arial" pitchFamily="34" charset="0"/>
-              </a:rPr>
-              <a:t>commende</a:t>
-            </a:r>
-            <a:r>
-              <a:rPr lang="en-US" altLang="ko-KR" sz="1400" b="1" dirty="0" smtClean="0">
-                <a:solidFill>
-                  <a:schemeClr val="tx1">
-                    <a:lumMod val="75000"/>
-                    <a:lumOff val="25000"/>
-                  </a:schemeClr>
-                </a:solidFill>
-                <a:latin typeface="Candara" panose="020E0502030303020204" pitchFamily="34" charset="0"/>
-                <a:cs typeface="Arial" pitchFamily="34" charset="0"/>
-              </a:rPr>
-              <a:t> </a:t>
-            </a:r>
-            <a:endParaRPr lang="ko-KR" altLang="en-US" sz="1400" b="1" dirty="0">
-              <a:solidFill>
-                <a:schemeClr val="tx1">
-                  <a:lumMod val="75000"/>
-                  <a:lumOff val="25000"/>
-                </a:schemeClr>
-              </a:solidFill>
-              <a:latin typeface="Candara" panose="020E0502030303020204" pitchFamily="34" charset="0"/>
-              <a:cs typeface="Arial" pitchFamily="34" charset="0"/>
-            </a:endParaRPr>
-          </a:p>
-        </p:txBody>
-      </p:sp>
-      <p:sp>
-        <p:nvSpPr>
-          <p:cNvPr id="18" name="TextBox 32">
-            <a:extLst>
-              <a:ext uri="{FF2B5EF4-FFF2-40B4-BE49-F238E27FC236}">
-                <a16:creationId xmlns="" xmlns:a16="http://schemas.microsoft.com/office/drawing/2014/main" id="{3D68DC4F-6C57-4033-AD85-E705874ADB27}"/>
-              </a:ext>
-            </a:extLst>
-          </p:cNvPr>
-          <p:cNvSpPr txBox="1"/>
-          <p:nvPr/>
-        </p:nvSpPr>
-        <p:spPr>
-          <a:xfrm>
-            <a:off x="5130937" y="3246267"/>
-            <a:ext cx="3344800" cy="307777"/>
-          </a:xfrm>
-          <a:prstGeom prst="rect">
-            <a:avLst/>
-          </a:prstGeom>
-          <a:noFill/>
-        </p:spPr>
-        <p:txBody>
-          <a:bodyPr wrap="square" rtlCol="0">
-            <a:spAutoFit/>
-          </a:bodyPr>
-          <a:lstStyle/>
-          <a:p>
-            <a:pPr algn="ctr"/>
-            <a:r>
-              <a:rPr lang="en-US" altLang="ko-KR" sz="1400" b="1" dirty="0" err="1" smtClean="0">
-                <a:solidFill>
-                  <a:schemeClr val="tx1">
-                    <a:lumMod val="75000"/>
-                    <a:lumOff val="25000"/>
-                  </a:schemeClr>
-                </a:solidFill>
-                <a:latin typeface="Candara" panose="020E0502030303020204" pitchFamily="34" charset="0"/>
-                <a:cs typeface="Arial" pitchFamily="34" charset="0"/>
-              </a:rPr>
-              <a:t>en</a:t>
-            </a:r>
-            <a:r>
-              <a:rPr lang="en-US" altLang="ko-KR" sz="1400" b="1" dirty="0" smtClean="0">
-                <a:solidFill>
-                  <a:schemeClr val="tx1">
-                    <a:lumMod val="75000"/>
-                    <a:lumOff val="25000"/>
-                  </a:schemeClr>
-                </a:solidFill>
-                <a:latin typeface="Candara" panose="020E0502030303020204" pitchFamily="34" charset="0"/>
-                <a:cs typeface="Arial" pitchFamily="34" charset="0"/>
-              </a:rPr>
-              <a:t> </a:t>
-            </a:r>
-            <a:r>
-              <a:rPr lang="en-US" altLang="ko-KR" sz="1400" b="1" dirty="0" err="1" smtClean="0">
-                <a:solidFill>
-                  <a:schemeClr val="tx1">
-                    <a:lumMod val="75000"/>
-                    <a:lumOff val="25000"/>
-                  </a:schemeClr>
-                </a:solidFill>
-                <a:latin typeface="Candara" panose="020E0502030303020204" pitchFamily="34" charset="0"/>
-                <a:cs typeface="Arial" pitchFamily="34" charset="0"/>
-              </a:rPr>
-              <a:t>utilisent</a:t>
-            </a:r>
-            <a:r>
-              <a:rPr lang="en-US" altLang="ko-KR" sz="1400" b="1" dirty="0" smtClean="0">
-                <a:solidFill>
-                  <a:schemeClr val="tx1">
-                    <a:lumMod val="75000"/>
-                    <a:lumOff val="25000"/>
-                  </a:schemeClr>
-                </a:solidFill>
-                <a:latin typeface="Candara" panose="020E0502030303020204" pitchFamily="34" charset="0"/>
-                <a:cs typeface="Arial" pitchFamily="34" charset="0"/>
-              </a:rPr>
-              <a:t> les </a:t>
-            </a:r>
-            <a:r>
-              <a:rPr lang="en-US" altLang="ko-KR" sz="1400" b="1" dirty="0" err="1" smtClean="0">
-                <a:solidFill>
-                  <a:schemeClr val="tx1">
-                    <a:lumMod val="75000"/>
-                    <a:lumOff val="25000"/>
-                  </a:schemeClr>
-                </a:solidFill>
-                <a:latin typeface="Candara" panose="020E0502030303020204" pitchFamily="34" charset="0"/>
-                <a:cs typeface="Arial" pitchFamily="34" charset="0"/>
-              </a:rPr>
-              <a:t>commende</a:t>
-            </a:r>
-            <a:r>
-              <a:rPr lang="en-US" altLang="ko-KR" sz="1400" b="1" dirty="0" smtClean="0">
-                <a:solidFill>
-                  <a:schemeClr val="tx1">
-                    <a:lumMod val="75000"/>
-                    <a:lumOff val="25000"/>
-                  </a:schemeClr>
-                </a:solidFill>
-                <a:latin typeface="Candara" panose="020E0502030303020204" pitchFamily="34" charset="0"/>
-                <a:cs typeface="Arial" pitchFamily="34" charset="0"/>
-              </a:rPr>
-              <a:t> </a:t>
-            </a:r>
-            <a:endParaRPr lang="ko-KR" altLang="en-US" sz="1400" b="1" dirty="0">
-              <a:solidFill>
-                <a:schemeClr val="tx1">
-                  <a:lumMod val="75000"/>
-                  <a:lumOff val="25000"/>
-                </a:schemeClr>
-              </a:solidFill>
-              <a:latin typeface="Candara" panose="020E0502030303020204" pitchFamily="34" charset="0"/>
-              <a:cs typeface="Arial" pitchFamily="34" charset="0"/>
-            </a:endParaRPr>
-          </a:p>
-        </p:txBody>
-      </p:sp>
-      <p:sp>
-        <p:nvSpPr>
-          <p:cNvPr id="20" name="TextBox 32">
-            <a:extLst>
-              <a:ext uri="{FF2B5EF4-FFF2-40B4-BE49-F238E27FC236}">
-                <a16:creationId xmlns="" xmlns:a16="http://schemas.microsoft.com/office/drawing/2014/main" id="{3D68DC4F-6C57-4033-AD85-E705874ADB27}"/>
-              </a:ext>
-            </a:extLst>
-          </p:cNvPr>
-          <p:cNvSpPr txBox="1"/>
-          <p:nvPr/>
-        </p:nvSpPr>
-        <p:spPr>
-          <a:xfrm>
-            <a:off x="5619453" y="5341662"/>
-            <a:ext cx="3344800" cy="307777"/>
-          </a:xfrm>
-          <a:prstGeom prst="rect">
-            <a:avLst/>
-          </a:prstGeom>
-          <a:noFill/>
-        </p:spPr>
-        <p:txBody>
-          <a:bodyPr wrap="square" rtlCol="0">
-            <a:spAutoFit/>
-          </a:bodyPr>
-          <a:lstStyle/>
-          <a:p>
-            <a:pPr algn="ctr"/>
-            <a:r>
-              <a:rPr lang="en-US" altLang="ko-KR" sz="1400" b="1" dirty="0" smtClean="0">
-                <a:solidFill>
-                  <a:schemeClr val="tx1">
-                    <a:lumMod val="75000"/>
-                    <a:lumOff val="25000"/>
-                  </a:schemeClr>
-                </a:solidFill>
-                <a:latin typeface="Candara" panose="020E0502030303020204" pitchFamily="34" charset="0"/>
-                <a:cs typeface="Arial" pitchFamily="34" charset="0"/>
-              </a:rPr>
-              <a:t> </a:t>
-            </a:r>
-            <a:endParaRPr lang="ko-KR" altLang="en-US" sz="1400" b="1" dirty="0">
-              <a:solidFill>
-                <a:schemeClr val="tx1">
-                  <a:lumMod val="75000"/>
-                  <a:lumOff val="25000"/>
-                </a:schemeClr>
-              </a:solidFill>
-              <a:latin typeface="Candara" panose="020E0502030303020204" pitchFamily="34" charset="0"/>
-              <a:cs typeface="Arial" pitchFamily="34" charset="0"/>
-            </a:endParaRPr>
-          </a:p>
-        </p:txBody>
-      </p:sp>
-      <p:sp>
-        <p:nvSpPr>
-          <p:cNvPr id="25" name="Rectangle 5"/>
-          <p:cNvSpPr>
-            <a:spLocks noChangeArrowheads="1"/>
-          </p:cNvSpPr>
-          <p:nvPr/>
-        </p:nvSpPr>
-        <p:spPr bwMode="auto">
-          <a:xfrm>
-            <a:off x="5724390" y="3833318"/>
-            <a:ext cx="2279741" cy="153888"/>
-          </a:xfrm>
-          <a:prstGeom prst="rect">
-            <a:avLst/>
-          </a:prstGeom>
-          <a:solidFill>
-            <a:schemeClr val="bg1"/>
-          </a:solidFill>
-          <a:ln>
-            <a:noFill/>
-          </a:ln>
-          <a:effectLst/>
-        </p:spPr>
-        <p:txBody>
-          <a:bodyPr vert="horz" wrap="square" lIns="91440" tIns="0" rIns="91440" bIns="0" numCol="1" anchor="ctr" anchorCtr="0" compatLnSpc="1">
-            <a:prstTxWarp prst="textNoShape">
-              <a:avLst/>
-            </a:prstTxWarp>
-            <a:spAutoFit/>
-          </a:bodyPr>
-          <a:lstStyle/>
-          <a:p>
-            <a:pPr marL="0" marR="0" lvl="0" indent="0" algn="l" defTabSz="914400" rtl="0" eaLnBrk="0" fontAlgn="base" latinLnBrk="0" hangingPunct="0">
-              <a:lnSpc>
-                <a:spcPct val="100000"/>
-              </a:lnSpc>
-              <a:spcBef>
-                <a:spcPct val="0"/>
-              </a:spcBef>
-              <a:spcAft>
-                <a:spcPct val="0"/>
-              </a:spcAft>
-              <a:buClrTx/>
-              <a:buSzTx/>
-              <a:buFontTx/>
-              <a:buNone/>
-              <a:tabLst/>
-            </a:pPr>
-            <a:r>
-              <a:rPr kumimoji="0" lang="fr-FR" altLang="fr-FR" sz="1000" b="0" i="0" u="none" strike="noStrike" cap="none" normalizeH="0" baseline="0" dirty="0" smtClean="0">
-                <a:ln>
-                  <a:noFill/>
-                </a:ln>
-                <a:solidFill>
-                  <a:schemeClr val="tx1"/>
-                </a:solidFill>
-                <a:effectLst/>
-                <a:latin typeface="var(--font-family-monospace)"/>
-              </a:rPr>
-              <a:t>scoop </a:t>
-            </a:r>
-            <a:r>
-              <a:rPr kumimoji="0" lang="fr-FR" altLang="fr-FR" sz="1000" b="0" i="0" u="none" strike="noStrike" cap="none" normalizeH="0" baseline="0" dirty="0" err="1" smtClean="0">
-                <a:ln>
-                  <a:noFill/>
-                </a:ln>
-                <a:solidFill>
-                  <a:schemeClr val="tx1"/>
-                </a:solidFill>
-                <a:effectLst/>
-                <a:latin typeface="var(--font-family-monospace)"/>
-              </a:rPr>
-              <a:t>install</a:t>
-            </a:r>
-            <a:r>
-              <a:rPr kumimoji="0" lang="fr-FR" altLang="fr-FR" sz="1000" b="0" i="0" u="none" strike="noStrike" cap="none" normalizeH="0" baseline="0" dirty="0" smtClean="0">
-                <a:ln>
-                  <a:noFill/>
-                </a:ln>
-                <a:solidFill>
-                  <a:schemeClr val="tx1"/>
-                </a:solidFill>
-                <a:effectLst/>
-                <a:latin typeface="var(--font-family-monospace)"/>
-              </a:rPr>
-              <a:t> </a:t>
-            </a:r>
-            <a:r>
-              <a:rPr kumimoji="0" lang="fr-FR" altLang="fr-FR" sz="1000" b="0" i="0" u="none" strike="noStrike" cap="none" normalizeH="0" baseline="0" dirty="0" err="1" smtClean="0">
-                <a:ln>
-                  <a:noFill/>
-                </a:ln>
-                <a:solidFill>
-                  <a:schemeClr val="tx1"/>
-                </a:solidFill>
-                <a:effectLst/>
-                <a:latin typeface="var(--font-family-monospace)"/>
-              </a:rPr>
-              <a:t>symfony</a:t>
-            </a:r>
-            <a:r>
-              <a:rPr kumimoji="0" lang="fr-FR" altLang="fr-FR" sz="1000" b="0" i="0" u="none" strike="noStrike" cap="none" normalizeH="0" baseline="0" dirty="0" smtClean="0">
-                <a:ln>
-                  <a:noFill/>
-                </a:ln>
-                <a:solidFill>
-                  <a:schemeClr val="tx1"/>
-                </a:solidFill>
-                <a:effectLst/>
-                <a:latin typeface="var(--font-family-monospace)"/>
-              </a:rPr>
-              <a:t>-cli</a:t>
-            </a:r>
-            <a:r>
-              <a:rPr kumimoji="0" lang="fr-FR" altLang="fr-FR" sz="1000" b="0" i="0" u="none" strike="noStrike" cap="none" normalizeH="0" baseline="0" dirty="0" smtClean="0">
-                <a:ln>
-                  <a:noFill/>
-                </a:ln>
-                <a:solidFill>
-                  <a:schemeClr val="tx1"/>
-                </a:solidFill>
-                <a:effectLst/>
-              </a:rPr>
-              <a:t> </a:t>
-            </a:r>
-            <a:endParaRPr kumimoji="0" lang="fr-FR" altLang="fr-FR" sz="1800" b="0" i="0" u="none" strike="noStrike" cap="none" normalizeH="0" baseline="0" dirty="0" smtClean="0">
-              <a:ln>
-                <a:noFill/>
-              </a:ln>
-              <a:solidFill>
-                <a:schemeClr val="tx1"/>
-              </a:solidFill>
-              <a:effectLst/>
-              <a:latin typeface="Arial" panose="020B0604020202020204" pitchFamily="34" charset="0"/>
-            </a:endParaRPr>
-          </a:p>
-        </p:txBody>
-      </p:sp>
-    </p:spTree>
-    <p:extLst>
-      <p:ext uri="{BB962C8B-B14F-4D97-AF65-F5344CB8AC3E}">
-        <p14:creationId xmlns:p14="http://schemas.microsoft.com/office/powerpoint/2010/main" val="676794445"/>
-      </p:ext>
-    </p:extLst>
-  </p:cSld>
-  <p:clrMapOvr>
-    <a:masterClrMapping/>
-  </p:clrMapOvr>
-</p:sld>
-</file>
-
 <file path=ppt/slides/slide7.xml><?xml version="1.0" encoding="utf-8"?>
 <p:sld xmlns:a="http://schemas.openxmlformats.org/drawingml/2006/main" xmlns:r="http://schemas.openxmlformats.org/officeDocument/2006/relationships" xmlns:p="http://schemas.openxmlformats.org/presentationml/2006/main">
   <p:cSld>
@@ -31357,64 +31733,12 @@
       </p:grpSpPr>
       <p:sp>
         <p:nvSpPr>
-          <p:cNvPr id="2" name="Text Placeholder 1">
-            <a:extLst>
-              <a:ext uri="{FF2B5EF4-FFF2-40B4-BE49-F238E27FC236}">
-                <a16:creationId xmlns:a16="http://schemas.microsoft.com/office/drawing/2014/main" xmlns="" id="{D9B85F3A-0D98-4AE5-8CED-AA4A4CF82188}"/>
-              </a:ext>
-            </a:extLst>
-          </p:cNvPr>
+          <p:cNvPr id="2" name="Espace réservé du numéro de diapositive 1"/>
           <p:cNvSpPr>
             <a:spLocks noGrp="1"/>
           </p:cNvSpPr>
           <p:nvPr>
-            <p:ph type="body" sz="quarter" idx="10"/>
-          </p:nvPr>
-        </p:nvSpPr>
-        <p:spPr>
-          <a:xfrm>
-            <a:off x="402893" y="783345"/>
-            <a:ext cx="11573197" cy="1217646"/>
-          </a:xfrm>
-        </p:spPr>
-        <p:txBody>
-          <a:bodyPr/>
-          <a:lstStyle/>
-          <a:p>
-            <a:r>
-              <a:rPr lang="en-US" dirty="0" smtClean="0"/>
-              <a:t>Creation et structure </a:t>
-            </a:r>
-            <a:r>
-              <a:rPr lang="en-US" dirty="0" smtClean="0"/>
-              <a:t>d’un </a:t>
-            </a:r>
-            <a:r>
-              <a:rPr lang="en-US" dirty="0" err="1" smtClean="0"/>
-              <a:t>projet</a:t>
-            </a:r>
-            <a:r>
-              <a:rPr lang="en-US" dirty="0"/>
-              <a:t> </a:t>
-            </a:r>
-            <a:r>
-              <a:rPr lang="en-US" dirty="0" smtClean="0"/>
-              <a:t>spring boot</a:t>
-            </a:r>
-            <a:endParaRPr lang="en-US" dirty="0">
-              <a:latin typeface="Candara" panose="020E0502030303020204" pitchFamily="34" charset="0"/>
-            </a:endParaRPr>
-          </a:p>
-        </p:txBody>
-      </p:sp>
-      <p:sp>
-        <p:nvSpPr>
-          <p:cNvPr id="38" name="Espace réservé du numéro de diapositive 37"/>
-          <p:cNvSpPr>
-            <a:spLocks noGrp="1"/>
-          </p:cNvSpPr>
-          <p:nvPr>
-            <p:ph type="sldNum" sz="quarter" idx="11"/>
+            <p:ph type="sldNum" sz="quarter" idx="10"/>
           </p:nvPr>
         </p:nvSpPr>
         <p:spPr/>
@@ -31433,581 +31757,42 @@
       </p:sp>
       <p:sp>
         <p:nvSpPr>
-          <p:cNvPr id="28" name="Folded Corner 2">
-            <a:extLst>
-              <a:ext uri="{FF2B5EF4-FFF2-40B4-BE49-F238E27FC236}">
-                <a16:creationId xmlns:a16="http://schemas.microsoft.com/office/drawing/2014/main" xmlns="" id="{0CA8A798-6BB4-402B-99EC-FDA1B1AF0D7A}"/>
-              </a:ext>
-            </a:extLst>
-          </p:cNvPr>
+          <p:cNvPr id="4" name="Rectangle 3"/>
           <p:cNvSpPr/>
           <p:nvPr/>
         </p:nvSpPr>
         <p:spPr>
           <a:xfrm>
-            <a:off x="994886" y="2601115"/>
-            <a:ext cx="4616764" cy="1060881"/>
-          </a:xfrm>
-          <a:prstGeom prst="foldedCorner">
-            <a:avLst>
-              <a:gd name="adj" fmla="val 30209"/>
-            </a:avLst>
-          </a:prstGeom>
-          <a:solidFill>
-            <a:schemeClr val="accent1"/>
-          </a:solidFill>
-          <a:ln>
-            <a:noFill/>
-          </a:ln>
-        </p:spPr>
-        <p:style>
-          <a:lnRef idx="2">
-            <a:schemeClr val="accent1">
-              <a:shade val="50000"/>
-            </a:schemeClr>
-          </a:lnRef>
-          <a:fillRef idx="1">
-            <a:schemeClr val="accent1"/>
-          </a:fillRef>
-          <a:effectRef idx="0">
-            <a:schemeClr val="accent1"/>
-          </a:effectRef>
-          <a:fontRef idx="minor">
-            <a:schemeClr val="lt1"/>
-          </a:fontRef>
-        </p:style>
-        <p:txBody>
-          <a:bodyPr rtlCol="0" anchor="ctr"/>
-          <a:lstStyle/>
-          <a:p>
-            <a:pPr algn="ctr"/>
-            <a:endParaRPr lang="ko-KR" altLang="en-US" sz="1200">
-              <a:latin typeface="Candara" panose="020E0502030303020204" pitchFamily="34" charset="0"/>
-            </a:endParaRPr>
-          </a:p>
-        </p:txBody>
-      </p:sp>
-      <p:sp>
-        <p:nvSpPr>
-          <p:cNvPr id="29" name="Folded Corner 4">
-            <a:extLst>
-              <a:ext uri="{FF2B5EF4-FFF2-40B4-BE49-F238E27FC236}">
-                <a16:creationId xmlns:a16="http://schemas.microsoft.com/office/drawing/2014/main" xmlns="" id="{0AD1C90D-0FB0-4251-B1ED-E9A90F74ACDF}"/>
-              </a:ext>
-            </a:extLst>
-          </p:cNvPr>
-          <p:cNvSpPr/>
-          <p:nvPr/>
-        </p:nvSpPr>
-        <p:spPr>
-          <a:xfrm>
-            <a:off x="6081492" y="2791255"/>
-            <a:ext cx="5272308" cy="948314"/>
-          </a:xfrm>
-          <a:prstGeom prst="foldedCorner">
-            <a:avLst>
-              <a:gd name="adj" fmla="val 30209"/>
-            </a:avLst>
-          </a:prstGeom>
-          <a:solidFill>
-            <a:schemeClr val="accent2"/>
-          </a:solidFill>
-          <a:ln>
-            <a:noFill/>
-          </a:ln>
-        </p:spPr>
-        <p:style>
-          <a:lnRef idx="2">
-            <a:schemeClr val="accent1">
-              <a:shade val="50000"/>
-            </a:schemeClr>
-          </a:lnRef>
-          <a:fillRef idx="1">
-            <a:schemeClr val="accent1"/>
-          </a:fillRef>
-          <a:effectRef idx="0">
-            <a:schemeClr val="accent1"/>
-          </a:effectRef>
-          <a:fontRef idx="minor">
-            <a:schemeClr val="lt1"/>
-          </a:fontRef>
-        </p:style>
-        <p:txBody>
-          <a:bodyPr rtlCol="0" anchor="ctr"/>
-          <a:lstStyle/>
-          <a:p>
-            <a:pPr algn="ctr"/>
-            <a:endParaRPr lang="ko-KR" altLang="en-US" sz="1200">
-              <a:latin typeface="Candara" panose="020E0502030303020204" pitchFamily="34" charset="0"/>
-            </a:endParaRPr>
-          </a:p>
-        </p:txBody>
-      </p:sp>
-      <p:sp>
-        <p:nvSpPr>
-          <p:cNvPr id="31" name="TextBox 7">
-            <a:extLst>
-              <a:ext uri="{FF2B5EF4-FFF2-40B4-BE49-F238E27FC236}">
-                <a16:creationId xmlns:a16="http://schemas.microsoft.com/office/drawing/2014/main" xmlns="" id="{4E1B38D0-937C-4393-9F6B-0AD6CF9042C0}"/>
-              </a:ext>
-            </a:extLst>
-          </p:cNvPr>
-          <p:cNvSpPr txBox="1"/>
-          <p:nvPr/>
-        </p:nvSpPr>
-        <p:spPr>
-          <a:xfrm>
-            <a:off x="1159693" y="2549195"/>
-            <a:ext cx="3725458" cy="400110"/>
-          </a:xfrm>
-          <a:prstGeom prst="rect">
-            <a:avLst/>
-          </a:prstGeom>
-          <a:noFill/>
-        </p:spPr>
-        <p:txBody>
-          <a:bodyPr wrap="square" rtlCol="0">
+            <a:off x="2398348" y="618385"/>
+            <a:ext cx="8824823" cy="4154984"/>
+          </a:xfrm>
+          <a:prstGeom prst="rect">
+            <a:avLst/>
+          </a:prstGeom>
+        </p:spPr>
+        <p:txBody>
+          <a:bodyPr wrap="square">
             <a:spAutoFit/>
           </a:bodyPr>
           <a:lstStyle/>
           <a:p>
-            <a:pPr algn="ctr"/>
-            <a:r>
-              <a:rPr lang="en-US" altLang="ko-KR" sz="2000" b="1" dirty="0" smtClean="0">
-                <a:solidFill>
-                  <a:schemeClr val="bg1"/>
-                </a:solidFill>
-                <a:latin typeface="Candara" panose="020E0502030303020204" pitchFamily="34" charset="0"/>
-                <a:cs typeface="Arial" pitchFamily="34" charset="0"/>
-              </a:rPr>
-              <a:t>Cree un </a:t>
-            </a:r>
-            <a:r>
-              <a:rPr lang="en-US" altLang="ko-KR" sz="2000" b="1" dirty="0" err="1" smtClean="0">
-                <a:solidFill>
-                  <a:schemeClr val="bg1"/>
-                </a:solidFill>
-                <a:latin typeface="Candara" panose="020E0502030303020204" pitchFamily="34" charset="0"/>
-                <a:cs typeface="Arial" pitchFamily="34" charset="0"/>
-              </a:rPr>
-              <a:t>projet</a:t>
-            </a:r>
-            <a:r>
-              <a:rPr lang="en-US" altLang="ko-KR" sz="2000" b="1" dirty="0" smtClean="0">
-                <a:solidFill>
-                  <a:schemeClr val="bg1"/>
-                </a:solidFill>
-                <a:latin typeface="Candara" panose="020E0502030303020204" pitchFamily="34" charset="0"/>
-                <a:cs typeface="Arial" pitchFamily="34" charset="0"/>
-              </a:rPr>
-              <a:t> </a:t>
-            </a:r>
-            <a:r>
-              <a:rPr lang="en-US" altLang="ko-KR" sz="2000" b="1" dirty="0" smtClean="0">
-                <a:solidFill>
-                  <a:schemeClr val="bg1"/>
-                </a:solidFill>
-                <a:latin typeface="Candara" panose="020E0502030303020204" pitchFamily="34" charset="0"/>
-                <a:cs typeface="Arial" pitchFamily="34" charset="0"/>
-              </a:rPr>
-              <a:t>spring boot</a:t>
-            </a:r>
-            <a:endParaRPr lang="ko-KR" altLang="en-US" sz="2000" b="1" dirty="0">
-              <a:solidFill>
-                <a:schemeClr val="bg1"/>
-              </a:solidFill>
-              <a:latin typeface="Candara" panose="020E0502030303020204" pitchFamily="34" charset="0"/>
-              <a:cs typeface="Arial" pitchFamily="34" charset="0"/>
-            </a:endParaRPr>
-          </a:p>
-        </p:txBody>
-      </p:sp>
-      <p:sp>
-        <p:nvSpPr>
-          <p:cNvPr id="40" name="TextBox 10">
-            <a:extLst>
-              <a:ext uri="{FF2B5EF4-FFF2-40B4-BE49-F238E27FC236}">
-                <a16:creationId xmlns:a16="http://schemas.microsoft.com/office/drawing/2014/main" xmlns="" id="{59F48EFC-0950-4A20-BB51-9C71F2D521A6}"/>
-              </a:ext>
-            </a:extLst>
-          </p:cNvPr>
-          <p:cNvSpPr txBox="1"/>
-          <p:nvPr/>
-        </p:nvSpPr>
-        <p:spPr>
-          <a:xfrm>
-            <a:off x="6189491" y="3034579"/>
-            <a:ext cx="5049941" cy="461665"/>
-          </a:xfrm>
-          <a:prstGeom prst="rect">
-            <a:avLst/>
-          </a:prstGeom>
-          <a:noFill/>
-        </p:spPr>
-        <p:txBody>
-          <a:bodyPr wrap="square" rtlCol="0">
-            <a:spAutoFit/>
-          </a:bodyPr>
-          <a:lstStyle/>
-          <a:p>
-            <a:pPr algn="ctr"/>
-            <a:r>
-              <a:rPr lang="en-US" altLang="ko-KR" sz="2400" b="1" dirty="0" smtClean="0">
-                <a:solidFill>
-                  <a:schemeClr val="bg1"/>
-                </a:solidFill>
-                <a:latin typeface="Candara" panose="020E0502030303020204" pitchFamily="34" charset="0"/>
-                <a:cs typeface="Arial" pitchFamily="34" charset="0"/>
-              </a:rPr>
-              <a:t>Structure d’un </a:t>
-            </a:r>
-            <a:r>
-              <a:rPr lang="en-US" altLang="ko-KR" sz="2400" b="1" dirty="0" err="1" smtClean="0">
-                <a:solidFill>
-                  <a:schemeClr val="bg1"/>
-                </a:solidFill>
-                <a:latin typeface="Candara" panose="020E0502030303020204" pitchFamily="34" charset="0"/>
-                <a:cs typeface="Arial" pitchFamily="34" charset="0"/>
-              </a:rPr>
-              <a:t>projet</a:t>
-            </a:r>
-            <a:r>
-              <a:rPr lang="en-US" altLang="ko-KR" sz="2400" b="1" dirty="0" smtClean="0">
-                <a:solidFill>
-                  <a:schemeClr val="bg1"/>
-                </a:solidFill>
-                <a:latin typeface="Candara" panose="020E0502030303020204" pitchFamily="34" charset="0"/>
-                <a:cs typeface="Arial" pitchFamily="34" charset="0"/>
-              </a:rPr>
-              <a:t> </a:t>
-            </a:r>
-            <a:r>
-              <a:rPr lang="en-US" altLang="ko-KR" sz="2400" b="1" dirty="0" smtClean="0">
-                <a:solidFill>
-                  <a:schemeClr val="bg1"/>
-                </a:solidFill>
-                <a:latin typeface="Candara" panose="020E0502030303020204" pitchFamily="34" charset="0"/>
-                <a:cs typeface="Arial" pitchFamily="34" charset="0"/>
-              </a:rPr>
-              <a:t>spring boot</a:t>
-            </a:r>
-            <a:endParaRPr lang="ko-KR" altLang="en-US" sz="2400" b="1" dirty="0">
-              <a:solidFill>
-                <a:schemeClr val="bg1"/>
-              </a:solidFill>
-              <a:latin typeface="Candara" panose="020E0502030303020204" pitchFamily="34" charset="0"/>
-              <a:cs typeface="Arial" pitchFamily="34" charset="0"/>
-            </a:endParaRPr>
-          </a:p>
-        </p:txBody>
-      </p:sp>
-      <p:sp>
-        <p:nvSpPr>
-          <p:cNvPr id="44" name="Rectangle 43">
-            <a:extLst>
-              <a:ext uri="{FF2B5EF4-FFF2-40B4-BE49-F238E27FC236}">
-                <a16:creationId xmlns:a16="http://schemas.microsoft.com/office/drawing/2014/main" xmlns="" id="{5B9E29C8-3AD5-40A6-AB23-CAA6AF5A80D6}"/>
-              </a:ext>
-            </a:extLst>
-          </p:cNvPr>
-          <p:cNvSpPr/>
-          <p:nvPr/>
-        </p:nvSpPr>
-        <p:spPr>
-          <a:xfrm>
-            <a:off x="6081492" y="3739569"/>
-            <a:ext cx="108000" cy="2664000"/>
-          </a:xfrm>
-          <a:prstGeom prst="rect">
-            <a:avLst/>
-          </a:prstGeom>
-          <a:solidFill>
-            <a:schemeClr val="accent2">
-              <a:lumMod val="75000"/>
-            </a:schemeClr>
-          </a:solidFill>
-          <a:ln>
-            <a:noFill/>
-          </a:ln>
-        </p:spPr>
-        <p:style>
-          <a:lnRef idx="2">
-            <a:schemeClr val="accent1">
-              <a:shade val="50000"/>
-            </a:schemeClr>
-          </a:lnRef>
-          <a:fillRef idx="1">
-            <a:schemeClr val="accent1"/>
-          </a:fillRef>
-          <a:effectRef idx="0">
-            <a:schemeClr val="accent1"/>
-          </a:effectRef>
-          <a:fontRef idx="minor">
-            <a:schemeClr val="lt1"/>
-          </a:fontRef>
-        </p:style>
-        <p:txBody>
-          <a:bodyPr rot="0" spcFirstLastPara="0" vertOverflow="overflow" horzOverflow="overflow" vert="horz" wrap="square" lIns="91440" tIns="45720" rIns="91440" bIns="45720" numCol="1" spcCol="0" rtlCol="0" fromWordArt="0" anchor="ctr" anchorCtr="0" forceAA="0" compatLnSpc="1">
-            <a:prstTxWarp prst="textNoShape">
-              <a:avLst/>
-            </a:prstTxWarp>
-            <a:noAutofit/>
-          </a:bodyPr>
-          <a:lstStyle/>
-          <a:p>
-            <a:pPr algn="ctr"/>
-            <a:endParaRPr lang="ko-KR" altLang="en-US" sz="1200">
-              <a:solidFill>
-                <a:schemeClr val="tx1"/>
-              </a:solidFill>
-              <a:latin typeface="Candara" panose="020E0502030303020204" pitchFamily="34" charset="0"/>
-            </a:endParaRPr>
-          </a:p>
-        </p:txBody>
-      </p:sp>
-      <p:sp>
-        <p:nvSpPr>
-          <p:cNvPr id="45" name="Rectangle 44">
-            <a:extLst>
-              <a:ext uri="{FF2B5EF4-FFF2-40B4-BE49-F238E27FC236}">
-                <a16:creationId xmlns:a16="http://schemas.microsoft.com/office/drawing/2014/main" xmlns="" id="{77E94344-11F7-4F72-8E6B-827D2E8E3B21}"/>
-              </a:ext>
-            </a:extLst>
-          </p:cNvPr>
-          <p:cNvSpPr/>
-          <p:nvPr/>
-        </p:nvSpPr>
-        <p:spPr>
-          <a:xfrm>
-            <a:off x="994886" y="3631084"/>
-            <a:ext cx="108000" cy="2664000"/>
-          </a:xfrm>
-          <a:prstGeom prst="rect">
-            <a:avLst/>
-          </a:prstGeom>
-          <a:solidFill>
-            <a:schemeClr val="accent1">
-              <a:lumMod val="75000"/>
-            </a:schemeClr>
-          </a:solidFill>
-          <a:ln>
-            <a:noFill/>
-          </a:ln>
-        </p:spPr>
-        <p:style>
-          <a:lnRef idx="2">
-            <a:schemeClr val="accent1">
-              <a:shade val="50000"/>
-            </a:schemeClr>
-          </a:lnRef>
-          <a:fillRef idx="1">
-            <a:schemeClr val="accent1"/>
-          </a:fillRef>
-          <a:effectRef idx="0">
-            <a:schemeClr val="accent1"/>
-          </a:effectRef>
-          <a:fontRef idx="minor">
-            <a:schemeClr val="lt1"/>
-          </a:fontRef>
-        </p:style>
-        <p:txBody>
-          <a:bodyPr rot="0" spcFirstLastPara="0" vertOverflow="overflow" horzOverflow="overflow" vert="horz" wrap="square" lIns="91440" tIns="45720" rIns="91440" bIns="45720" numCol="1" spcCol="0" rtlCol="0" fromWordArt="0" anchor="ctr" anchorCtr="0" forceAA="0" compatLnSpc="1">
-            <a:prstTxWarp prst="textNoShape">
-              <a:avLst/>
-            </a:prstTxWarp>
-            <a:noAutofit/>
-          </a:bodyPr>
-          <a:lstStyle/>
-          <a:p>
-            <a:pPr algn="ctr"/>
-            <a:endParaRPr lang="ko-KR" altLang="en-US" sz="1200">
-              <a:solidFill>
-                <a:schemeClr val="tx1"/>
-              </a:solidFill>
-              <a:latin typeface="Candara" panose="020E0502030303020204" pitchFamily="34" charset="0"/>
-            </a:endParaRPr>
-          </a:p>
-        </p:txBody>
-      </p:sp>
-      <p:sp>
-        <p:nvSpPr>
-          <p:cNvPr id="47" name="TextBox 18">
-            <a:extLst>
-              <a:ext uri="{FF2B5EF4-FFF2-40B4-BE49-F238E27FC236}">
-                <a16:creationId xmlns:a16="http://schemas.microsoft.com/office/drawing/2014/main" xmlns="" id="{2106AE42-381B-4181-99FF-C01ED1B820A7}"/>
-              </a:ext>
-            </a:extLst>
-          </p:cNvPr>
-          <p:cNvSpPr txBox="1"/>
-          <p:nvPr/>
-        </p:nvSpPr>
-        <p:spPr>
-          <a:xfrm>
-            <a:off x="1652455" y="6594908"/>
-            <a:ext cx="2911761" cy="276999"/>
-          </a:xfrm>
-          <a:prstGeom prst="rect">
-            <a:avLst/>
-          </a:prstGeom>
-          <a:solidFill>
-            <a:schemeClr val="bg1"/>
-          </a:solidFill>
-        </p:spPr>
-        <p:txBody>
-          <a:bodyPr wrap="square" rtlCol="0">
-            <a:spAutoFit/>
-          </a:bodyPr>
-          <a:lstStyle/>
-          <a:p>
-            <a:endParaRPr lang="en-US" altLang="ko-KR" sz="1200" dirty="0">
-              <a:solidFill>
-                <a:schemeClr val="tx1">
-                  <a:lumMod val="75000"/>
-                  <a:lumOff val="25000"/>
-                </a:schemeClr>
-              </a:solidFill>
-              <a:latin typeface="Candara" panose="020E0502030303020204" pitchFamily="34" charset="0"/>
-              <a:cs typeface="Arial" pitchFamily="34" charset="0"/>
-            </a:endParaRPr>
-          </a:p>
-        </p:txBody>
-      </p:sp>
-      <p:sp>
-        <p:nvSpPr>
-          <p:cNvPr id="48" name="TextBox 18">
-            <a:extLst>
-              <a:ext uri="{FF2B5EF4-FFF2-40B4-BE49-F238E27FC236}">
-                <a16:creationId xmlns:a16="http://schemas.microsoft.com/office/drawing/2014/main" xmlns="" id="{2106AE42-381B-4181-99FF-C01ED1B820A7}"/>
-              </a:ext>
-            </a:extLst>
-          </p:cNvPr>
-          <p:cNvSpPr txBox="1"/>
-          <p:nvPr/>
-        </p:nvSpPr>
-        <p:spPr>
-          <a:xfrm>
-            <a:off x="1566541" y="4527254"/>
-            <a:ext cx="2911761" cy="1015663"/>
-          </a:xfrm>
-          <a:prstGeom prst="rect">
-            <a:avLst/>
-          </a:prstGeom>
-          <a:noFill/>
-        </p:spPr>
-        <p:txBody>
-          <a:bodyPr wrap="square" rtlCol="0">
-            <a:spAutoFit/>
-          </a:bodyPr>
-          <a:lstStyle/>
-          <a:p>
-            <a:r>
-              <a:rPr lang="en-US" altLang="ko-KR" sz="2000" b="1" dirty="0" err="1">
-                <a:solidFill>
-                  <a:schemeClr val="tx1">
-                    <a:lumMod val="75000"/>
-                    <a:lumOff val="25000"/>
-                  </a:schemeClr>
-                </a:solidFill>
-                <a:latin typeface="Candara" panose="020E0502030303020204" pitchFamily="34" charset="0"/>
-                <a:cs typeface="Arial" pitchFamily="34" charset="0"/>
-              </a:rPr>
-              <a:t>Aller</a:t>
-            </a:r>
-            <a:r>
-              <a:rPr lang="en-US" altLang="ko-KR" sz="2000" b="1" dirty="0">
-                <a:solidFill>
-                  <a:schemeClr val="tx1">
-                    <a:lumMod val="75000"/>
-                    <a:lumOff val="25000"/>
-                  </a:schemeClr>
-                </a:solidFill>
-                <a:latin typeface="Candara" panose="020E0502030303020204" pitchFamily="34" charset="0"/>
-                <a:cs typeface="Arial" pitchFamily="34" charset="0"/>
-              </a:rPr>
-              <a:t> sur le lien (Spring </a:t>
-            </a:r>
-            <a:r>
-              <a:rPr lang="en-US" altLang="ko-KR" sz="2000" b="1" dirty="0" err="1">
-                <a:solidFill>
-                  <a:schemeClr val="tx1">
-                    <a:lumMod val="75000"/>
-                    <a:lumOff val="25000"/>
-                  </a:schemeClr>
-                </a:solidFill>
-                <a:latin typeface="Candara" panose="020E0502030303020204" pitchFamily="34" charset="0"/>
-                <a:cs typeface="Arial" pitchFamily="34" charset="0"/>
-              </a:rPr>
-              <a:t>Initialzr</a:t>
-            </a:r>
-            <a:r>
-              <a:rPr lang="en-US" altLang="ko-KR" sz="2000" b="1" dirty="0" smtClean="0">
-                <a:solidFill>
-                  <a:schemeClr val="tx1">
-                    <a:lumMod val="75000"/>
-                    <a:lumOff val="25000"/>
-                  </a:schemeClr>
-                </a:solidFill>
-                <a:latin typeface="Candara" panose="020E0502030303020204" pitchFamily="34" charset="0"/>
-                <a:cs typeface="Arial" pitchFamily="34" charset="0"/>
-              </a:rPr>
-              <a:t>) et configure le </a:t>
-            </a:r>
-            <a:r>
-              <a:rPr lang="en-US" altLang="ko-KR" sz="2000" b="1" dirty="0" err="1" smtClean="0">
-                <a:solidFill>
-                  <a:schemeClr val="tx1">
-                    <a:lumMod val="75000"/>
-                    <a:lumOff val="25000"/>
-                  </a:schemeClr>
-                </a:solidFill>
-                <a:latin typeface="Candara" panose="020E0502030303020204" pitchFamily="34" charset="0"/>
-                <a:cs typeface="Arial" pitchFamily="34" charset="0"/>
-              </a:rPr>
-              <a:t>projet</a:t>
-            </a:r>
-            <a:r>
-              <a:rPr lang="en-US" altLang="ko-KR" sz="2000" b="1" dirty="0" smtClean="0">
-                <a:solidFill>
-                  <a:schemeClr val="tx1">
-                    <a:lumMod val="75000"/>
-                    <a:lumOff val="25000"/>
-                  </a:schemeClr>
-                </a:solidFill>
-                <a:latin typeface="Candara" panose="020E0502030303020204" pitchFamily="34" charset="0"/>
-                <a:cs typeface="Arial" pitchFamily="34" charset="0"/>
-              </a:rPr>
-              <a:t> sprint boot</a:t>
-            </a:r>
-            <a:endParaRPr lang="en-US" altLang="ko-KR" sz="2000" dirty="0">
-              <a:solidFill>
-                <a:schemeClr val="tx1">
-                  <a:lumMod val="75000"/>
-                  <a:lumOff val="25000"/>
-                </a:schemeClr>
-              </a:solidFill>
-              <a:latin typeface="Candara" panose="020E0502030303020204" pitchFamily="34" charset="0"/>
-              <a:cs typeface="Arial" pitchFamily="34" charset="0"/>
-            </a:endParaRPr>
+            <a:r>
+              <a:rPr lang="en-US" sz="6600" dirty="0"/>
+              <a:t>https://objis.com/votre-premiere-application-spring-avec-spring-boot/</a:t>
+            </a:r>
           </a:p>
         </p:txBody>
       </p:sp>
     </p:spTree>
     <p:extLst>
       <p:ext uri="{BB962C8B-B14F-4D97-AF65-F5344CB8AC3E}">
-        <p14:creationId xmlns:p14="http://schemas.microsoft.com/office/powerpoint/2010/main" val="3979649407"/>
+        <p14:creationId xmlns:p14="http://schemas.microsoft.com/office/powerpoint/2010/main" val="3943386361"/>
       </p:ext>
     </p:extLst>
   </p:cSld>
   <p:clrMapOvr>
     <a:masterClrMapping/>
   </p:clrMapOvr>
-  <p:timing>
-    <p:tnLst>
-      <p:par>
-        <p:cTn id="1" dur="indefinite" restart="never" nodeType="tmRoot"/>
-      </p:par>
-    </p:tnLst>
-  </p:timing>
 </p:sld>
 </file>
 
@@ -32030,20 +31815,15 @@
       </p:grpSpPr>
       <p:sp>
         <p:nvSpPr>
-          <p:cNvPr id="28" name="Espace réservé du numéro de diapositive 27"/>
+          <p:cNvPr id="2" name="Espace réservé du numéro de diapositive 1"/>
           <p:cNvSpPr>
             <a:spLocks noGrp="1"/>
           </p:cNvSpPr>
           <p:nvPr>
-            <p:ph type="sldNum" sz="quarter" idx="11"/>
+            <p:ph type="sldNum" sz="quarter" idx="10"/>
           </p:nvPr>
         </p:nvSpPr>
-        <p:spPr>
-          <a:xfrm>
-            <a:off x="8737209" y="7129489"/>
-            <a:ext cx="2743200" cy="262037"/>
-          </a:xfrm>
-        </p:spPr>
+        <p:spPr/>
         <p:txBody>
           <a:bodyPr/>
           <a:lstStyle/>
@@ -32059,663 +31839,10 @@
       </p:sp>
       <p:sp>
         <p:nvSpPr>
-          <p:cNvPr id="29" name="Text Placeholder 1">
+          <p:cNvPr id="3" name="TextBox 7">
             <a:extLst>
               <a:ext uri="{FF2B5EF4-FFF2-40B4-BE49-F238E27FC236}">
-                <a16:creationId xmlns="" xmlns:a16="http://schemas.microsoft.com/office/drawing/2014/main" id="{D735F7F3-C1B5-4B60-A00A-4EB618DDFB5A}"/>
-              </a:ext>
-            </a:extLst>
-          </p:cNvPr>
-          <p:cNvSpPr txBox="1">
-            <a:spLocks/>
-          </p:cNvSpPr>
-          <p:nvPr/>
-        </p:nvSpPr>
-        <p:spPr>
-          <a:xfrm>
-            <a:off x="465070" y="1087157"/>
-            <a:ext cx="10409129" cy="1333793"/>
-          </a:xfrm>
-          <a:prstGeom prst="rect">
-            <a:avLst/>
-          </a:prstGeom>
-        </p:spPr>
-        <p:txBody>
-          <a:bodyPr anchor="ctr"/>
-          <a:lstStyle>
-            <a:lvl1pPr marL="0" indent="0" algn="ctr" defTabSz="914400" rtl="0" eaLnBrk="1" latinLnBrk="0" hangingPunct="1">
-              <a:lnSpc>
-                <a:spcPct val="90000"/>
-              </a:lnSpc>
-              <a:spcBef>
-                <a:spcPts val="1000"/>
-              </a:spcBef>
-              <a:buFont typeface="Arial" panose="020B0604020202020204" pitchFamily="34" charset="0"/>
-              <a:buNone/>
-              <a:defRPr sz="5400" b="0" kern="1200" baseline="0">
-                <a:solidFill>
-                  <a:schemeClr val="tx1">
-                    <a:lumMod val="85000"/>
-                    <a:lumOff val="15000"/>
-                  </a:schemeClr>
-                </a:solidFill>
-                <a:latin typeface="Candara" panose="020E0502030303020204" pitchFamily="34" charset="0"/>
-                <a:ea typeface="+mn-ea"/>
-                <a:cs typeface="Arial" pitchFamily="34" charset="0"/>
-              </a:defRPr>
-            </a:lvl1pPr>
-            <a:lvl2pPr marL="685800" indent="-228600" algn="l" defTabSz="914400" rtl="0" eaLnBrk="1" latinLnBrk="0" hangingPunct="1">
-              <a:lnSpc>
-                <a:spcPct val="90000"/>
-              </a:lnSpc>
-              <a:spcBef>
-                <a:spcPts val="500"/>
-              </a:spcBef>
-              <a:buFont typeface="Arial" panose="020B0604020202020204" pitchFamily="34" charset="0"/>
-              <a:buChar char="•"/>
-              <a:defRPr sz="2400" kern="1200">
-                <a:solidFill>
-                  <a:schemeClr val="tx1"/>
-                </a:solidFill>
-                <a:latin typeface="+mn-lt"/>
-                <a:ea typeface="+mn-ea"/>
-                <a:cs typeface="+mn-cs"/>
-              </a:defRPr>
-            </a:lvl2pPr>
-            <a:lvl3pPr marL="1143000" indent="-228600" algn="l" defTabSz="914400" rtl="0" eaLnBrk="1" latinLnBrk="0" hangingPunct="1">
-              <a:lnSpc>
-                <a:spcPct val="90000"/>
-              </a:lnSpc>
-              <a:spcBef>
-                <a:spcPts val="500"/>
-              </a:spcBef>
-              <a:buFont typeface="Arial" panose="020B0604020202020204" pitchFamily="34" charset="0"/>
-              <a:buChar char="•"/>
-              <a:defRPr sz="2000" kern="1200">
-                <a:solidFill>
-                  <a:schemeClr val="tx1"/>
-                </a:solidFill>
-                <a:latin typeface="+mn-lt"/>
-                <a:ea typeface="+mn-ea"/>
-                <a:cs typeface="+mn-cs"/>
-              </a:defRPr>
-            </a:lvl3pPr>
-            <a:lvl4pPr marL="1600200" indent="-228600" algn="l" defTabSz="914400" rtl="0" eaLnBrk="1" latinLnBrk="0" hangingPunct="1">
-              <a:lnSpc>
-                <a:spcPct val="90000"/>
-              </a:lnSpc>
-              <a:spcBef>
-                <a:spcPts val="500"/>
-              </a:spcBef>
-              <a:buFont typeface="Arial" panose="020B0604020202020204" pitchFamily="34" charset="0"/>
-              <a:buChar char="•"/>
-              <a:defRPr sz="1800" kern="1200">
-                <a:solidFill>
-                  <a:schemeClr val="tx1"/>
-                </a:solidFill>
-                <a:latin typeface="+mn-lt"/>
-                <a:ea typeface="+mn-ea"/>
-                <a:cs typeface="+mn-cs"/>
-              </a:defRPr>
-            </a:lvl4pPr>
-            <a:lvl5pPr marL="2057400" indent="-228600" algn="l" defTabSz="914400" rtl="0" eaLnBrk="1" latinLnBrk="0" hangingPunct="1">
-              <a:lnSpc>
-                <a:spcPct val="90000"/>
-              </a:lnSpc>
-              <a:spcBef>
-                <a:spcPts val="500"/>
-              </a:spcBef>
-              <a:buFont typeface="Arial" panose="020B0604020202020204" pitchFamily="34" charset="0"/>
-              <a:buChar char="•"/>
-              <a:defRPr sz="1800" kern="1200">
-                <a:solidFill>
-                  <a:schemeClr val="tx1"/>
-                </a:solidFill>
-                <a:latin typeface="+mn-lt"/>
-                <a:ea typeface="+mn-ea"/>
-                <a:cs typeface="+mn-cs"/>
-              </a:defRPr>
-            </a:lvl5pPr>
-            <a:lvl6pPr marL="2514600" indent="-228600" algn="l" defTabSz="914400" rtl="0" eaLnBrk="1" latinLnBrk="0" hangingPunct="1">
-              <a:lnSpc>
-                <a:spcPct val="90000"/>
-              </a:lnSpc>
-              <a:spcBef>
-                <a:spcPts val="500"/>
-              </a:spcBef>
-              <a:buFont typeface="Arial" panose="020B0604020202020204" pitchFamily="34" charset="0"/>
-              <a:buChar char="•"/>
-              <a:defRPr sz="1800" kern="1200">
-                <a:solidFill>
-                  <a:schemeClr val="tx1"/>
-                </a:solidFill>
-                <a:latin typeface="+mn-lt"/>
-                <a:ea typeface="+mn-ea"/>
-                <a:cs typeface="+mn-cs"/>
-              </a:defRPr>
-            </a:lvl6pPr>
-            <a:lvl7pPr marL="2971800" indent="-228600" algn="l" defTabSz="914400" rtl="0" eaLnBrk="1" latinLnBrk="0" hangingPunct="1">
-              <a:lnSpc>
-                <a:spcPct val="90000"/>
-              </a:lnSpc>
-              <a:spcBef>
-                <a:spcPts val="500"/>
-              </a:spcBef>
-              <a:buFont typeface="Arial" panose="020B0604020202020204" pitchFamily="34" charset="0"/>
-              <a:buChar char="•"/>
-              <a:defRPr sz="1800" kern="1200">
-                <a:solidFill>
-                  <a:schemeClr val="tx1"/>
-                </a:solidFill>
-                <a:latin typeface="+mn-lt"/>
-                <a:ea typeface="+mn-ea"/>
-                <a:cs typeface="+mn-cs"/>
-              </a:defRPr>
-            </a:lvl7pPr>
-            <a:lvl8pPr marL="3429000" indent="-228600" algn="l" defTabSz="914400" rtl="0" eaLnBrk="1" latinLnBrk="0" hangingPunct="1">
-              <a:lnSpc>
-                <a:spcPct val="90000"/>
-              </a:lnSpc>
-              <a:spcBef>
-                <a:spcPts val="500"/>
-              </a:spcBef>
-              <a:buFont typeface="Arial" panose="020B0604020202020204" pitchFamily="34" charset="0"/>
-              <a:buChar char="•"/>
-              <a:defRPr sz="1800" kern="1200">
-                <a:solidFill>
-                  <a:schemeClr val="tx1"/>
-                </a:solidFill>
-                <a:latin typeface="+mn-lt"/>
-                <a:ea typeface="+mn-ea"/>
-                <a:cs typeface="+mn-cs"/>
-              </a:defRPr>
-            </a:lvl8pPr>
-            <a:lvl9pPr marL="3886200" indent="-228600" algn="l" defTabSz="914400" rtl="0" eaLnBrk="1" latinLnBrk="0" hangingPunct="1">
-              <a:lnSpc>
-                <a:spcPct val="90000"/>
-              </a:lnSpc>
-              <a:spcBef>
-                <a:spcPts val="500"/>
-              </a:spcBef>
-              <a:buFont typeface="Arial" panose="020B0604020202020204" pitchFamily="34" charset="0"/>
-              <a:buChar char="•"/>
-              <a:defRPr sz="1800" kern="1200">
-                <a:solidFill>
-                  <a:schemeClr val="tx1"/>
-                </a:solidFill>
-                <a:latin typeface="+mn-lt"/>
-                <a:ea typeface="+mn-ea"/>
-                <a:cs typeface="+mn-cs"/>
-              </a:defRPr>
-            </a:lvl9pPr>
-          </a:lstStyle>
-          <a:p>
-            <a:r>
-              <a:rPr lang="en-US" dirty="0" smtClean="0"/>
-              <a:t>Comment executer un </a:t>
-            </a:r>
-            <a:r>
-              <a:rPr lang="en-US" dirty="0" err="1" smtClean="0"/>
-              <a:t>projet</a:t>
-            </a:r>
-            <a:r>
-              <a:rPr lang="en-US" dirty="0" smtClean="0"/>
-              <a:t> </a:t>
-            </a:r>
-            <a:r>
-              <a:rPr lang="en-US" dirty="0" smtClean="0"/>
-              <a:t>spring boot</a:t>
-            </a:r>
-            <a:endParaRPr lang="en-US" dirty="0"/>
-          </a:p>
-        </p:txBody>
-      </p:sp>
-      <p:sp>
-        <p:nvSpPr>
-          <p:cNvPr id="61" name="Espace réservé du numéro de diapositive 37"/>
-          <p:cNvSpPr txBox="1">
-            <a:spLocks/>
-          </p:cNvSpPr>
-          <p:nvPr/>
-        </p:nvSpPr>
-        <p:spPr>
-          <a:xfrm>
-            <a:off x="8889609" y="7281889"/>
-            <a:ext cx="2743200" cy="262037"/>
-          </a:xfrm>
-          <a:prstGeom prst="rect">
-            <a:avLst/>
-          </a:prstGeom>
-        </p:spPr>
-        <p:txBody>
-          <a:bodyPr vert="horz" lIns="91440" tIns="45720" rIns="91440" bIns="45720" rtlCol="0" anchor="ctr"/>
-          <a:lstStyle>
-            <a:defPPr>
-              <a:defRPr lang="en-US"/>
-            </a:defPPr>
-            <a:lvl1pPr marL="0" algn="r" defTabSz="914400" rtl="0" eaLnBrk="1" latinLnBrk="0" hangingPunct="1">
-              <a:defRPr sz="1200" b="1" kern="1200">
-                <a:solidFill>
-                  <a:schemeClr val="bg1"/>
-                </a:solidFill>
-                <a:latin typeface="Candara" panose="020E0502030303020204" pitchFamily="34" charset="0"/>
-                <a:ea typeface="+mn-ea"/>
-                <a:cs typeface="+mn-cs"/>
-              </a:defRPr>
-            </a:lvl1pPr>
-            <a:lvl2pPr marL="457200" algn="l" defTabSz="914400" rtl="0" eaLnBrk="1" latinLnBrk="0" hangingPunct="1">
-              <a:defRPr sz="1800" kern="1200">
-                <a:solidFill>
-                  <a:schemeClr val="tx1"/>
-                </a:solidFill>
-                <a:latin typeface="+mn-lt"/>
-                <a:ea typeface="+mn-ea"/>
-                <a:cs typeface="+mn-cs"/>
-              </a:defRPr>
-            </a:lvl2pPr>
-            <a:lvl3pPr marL="914400" algn="l" defTabSz="914400" rtl="0" eaLnBrk="1" latinLnBrk="0" hangingPunct="1">
-              <a:defRPr sz="1800" kern="1200">
-                <a:solidFill>
-                  <a:schemeClr val="tx1"/>
-                </a:solidFill>
-                <a:latin typeface="+mn-lt"/>
-                <a:ea typeface="+mn-ea"/>
-                <a:cs typeface="+mn-cs"/>
-              </a:defRPr>
-            </a:lvl3pPr>
-            <a:lvl4pPr marL="1371600" algn="l" defTabSz="914400" rtl="0" eaLnBrk="1" latinLnBrk="0" hangingPunct="1">
-              <a:defRPr sz="1800" kern="1200">
-                <a:solidFill>
-                  <a:schemeClr val="tx1"/>
-                </a:solidFill>
-                <a:latin typeface="+mn-lt"/>
-                <a:ea typeface="+mn-ea"/>
-                <a:cs typeface="+mn-cs"/>
-              </a:defRPr>
-            </a:lvl4pPr>
-            <a:lvl5pPr marL="1828800" algn="l" defTabSz="914400" rtl="0" eaLnBrk="1" latinLnBrk="0" hangingPunct="1">
-              <a:defRPr sz="1800" kern="1200">
-                <a:solidFill>
-                  <a:schemeClr val="tx1"/>
-                </a:solidFill>
-                <a:latin typeface="+mn-lt"/>
-                <a:ea typeface="+mn-ea"/>
-                <a:cs typeface="+mn-cs"/>
-              </a:defRPr>
-            </a:lvl5pPr>
-            <a:lvl6pPr marL="2286000" algn="l" defTabSz="914400" rtl="0" eaLnBrk="1" latinLnBrk="0" hangingPunct="1">
-              <a:defRPr sz="1800" kern="1200">
-                <a:solidFill>
-                  <a:schemeClr val="tx1"/>
-                </a:solidFill>
-                <a:latin typeface="+mn-lt"/>
-                <a:ea typeface="+mn-ea"/>
-                <a:cs typeface="+mn-cs"/>
-              </a:defRPr>
-            </a:lvl6pPr>
-            <a:lvl7pPr marL="2743200" algn="l" defTabSz="914400" rtl="0" eaLnBrk="1" latinLnBrk="0" hangingPunct="1">
-              <a:defRPr sz="1800" kern="1200">
-                <a:solidFill>
-                  <a:schemeClr val="tx1"/>
-                </a:solidFill>
-                <a:latin typeface="+mn-lt"/>
-                <a:ea typeface="+mn-ea"/>
-                <a:cs typeface="+mn-cs"/>
-              </a:defRPr>
-            </a:lvl7pPr>
-            <a:lvl8pPr marL="3200400" algn="l" defTabSz="914400" rtl="0" eaLnBrk="1" latinLnBrk="0" hangingPunct="1">
-              <a:defRPr sz="1800" kern="1200">
-                <a:solidFill>
-                  <a:schemeClr val="tx1"/>
-                </a:solidFill>
-                <a:latin typeface="+mn-lt"/>
-                <a:ea typeface="+mn-ea"/>
-                <a:cs typeface="+mn-cs"/>
-              </a:defRPr>
-            </a:lvl8pPr>
-            <a:lvl9pPr marL="3657600" algn="l" defTabSz="914400" rtl="0" eaLnBrk="1" latinLnBrk="0" hangingPunct="1">
-              <a:defRPr sz="1800" kern="1200">
-                <a:solidFill>
-                  <a:schemeClr val="tx1"/>
-                </a:solidFill>
-                <a:latin typeface="+mn-lt"/>
-                <a:ea typeface="+mn-ea"/>
-                <a:cs typeface="+mn-cs"/>
-              </a:defRPr>
-            </a:lvl9pPr>
-          </a:lstStyle>
-          <a:p>
-            <a:fld id="{4B598DDB-A902-48C8-9CD3-58F7F0DA2EE5}" type="slidenum">
-              <a:rPr lang="fr-FR" smtClean="0"/>
-              <a:pPr/>
-              <a:t>8</a:t>
-            </a:fld>
-            <a:endParaRPr lang="fr-FR" dirty="0"/>
-          </a:p>
-        </p:txBody>
-      </p:sp>
-      <p:sp>
-        <p:nvSpPr>
-          <p:cNvPr id="68" name="Rectangle 14"/>
-          <p:cNvSpPr>
-            <a:spLocks noChangeArrowheads="1"/>
-          </p:cNvSpPr>
-          <p:nvPr/>
-        </p:nvSpPr>
-        <p:spPr bwMode="auto">
-          <a:xfrm>
-            <a:off x="1211060937" y="42212"/>
-            <a:ext cx="1784350" cy="0"/>
-          </a:xfrm>
-          <a:prstGeom prst="rect">
-            <a:avLst/>
-          </a:prstGeom>
-          <a:solidFill>
-            <a:srgbClr val="1E1E1E"/>
-          </a:solidFill>
-          <a:ln>
-            <a:noFill/>
-          </a:ln>
-          <a:effectLst/>
-          <a:extLst>
-            <a:ext uri="{91240B29-F687-4F45-9708-019B960494DF}">
-              <a14:hiddenLine xmlns:a14="http://schemas.microsoft.com/office/drawing/2010/main" w="9525">
-                <a:solidFill>
-                  <a:schemeClr val="tx1"/>
-                </a:solidFill>
-                <a:miter lim="800000"/>
-                <a:headEnd/>
-                <a:tailEnd/>
-              </a14:hiddenLine>
-            </a:ext>
-            <a:ext uri="{AF507438-7753-43E0-B8FC-AC1667EBCBE1}">
-              <a14:hiddenEffects xmlns:a14="http://schemas.microsoft.com/office/drawing/2010/main">
-                <a:effectLst>
-                  <a:outerShdw dist="35921" dir="2700000" algn="ctr" rotWithShape="0">
-                    <a:schemeClr val="bg2"/>
-                  </a:outerShdw>
-                </a:effectLst>
-              </a14:hiddenEffects>
-            </a:ext>
-          </a:extLst>
-        </p:spPr>
-        <p:txBody>
-          <a:bodyPr vert="horz" wrap="square" lIns="91440" tIns="53958" rIns="91440" bIns="45720" numCol="1" anchor="ctr" anchorCtr="0" compatLnSpc="1">
-            <a:prstTxWarp prst="textNoShape">
-              <a:avLst/>
-            </a:prstTxWarp>
-            <a:spAutoFit/>
-          </a:bodyPr>
-          <a:lstStyle>
-            <a:lvl1pPr eaLnBrk="0" fontAlgn="base" hangingPunct="0">
-              <a:spcBef>
-                <a:spcPct val="0"/>
-              </a:spcBef>
-              <a:spcAft>
-                <a:spcPct val="0"/>
-              </a:spcAft>
-              <a:defRPr>
-                <a:solidFill>
-                  <a:schemeClr val="tx1"/>
-                </a:solidFill>
-                <a:latin typeface="Arial" panose="020B0604020202020204" pitchFamily="34" charset="0"/>
-              </a:defRPr>
-            </a:lvl1pPr>
-            <a:lvl2pPr eaLnBrk="0" fontAlgn="base" hangingPunct="0">
-              <a:spcBef>
-                <a:spcPct val="0"/>
-              </a:spcBef>
-              <a:spcAft>
-                <a:spcPct val="0"/>
-              </a:spcAft>
-              <a:defRPr>
-                <a:solidFill>
-                  <a:schemeClr val="tx1"/>
-                </a:solidFill>
-                <a:latin typeface="Arial" panose="020B0604020202020204" pitchFamily="34" charset="0"/>
-              </a:defRPr>
-            </a:lvl2pPr>
-            <a:lvl3pPr eaLnBrk="0" fontAlgn="base" hangingPunct="0">
-              <a:spcBef>
-                <a:spcPct val="0"/>
-              </a:spcBef>
-              <a:spcAft>
-                <a:spcPct val="0"/>
-              </a:spcAft>
-              <a:defRPr>
-                <a:solidFill>
-                  <a:schemeClr val="tx1"/>
-                </a:solidFill>
-                <a:latin typeface="Arial" panose="020B0604020202020204" pitchFamily="34" charset="0"/>
-              </a:defRPr>
-            </a:lvl3pPr>
-            <a:lvl4pPr eaLnBrk="0" fontAlgn="base" hangingPunct="0">
-              <a:spcBef>
-                <a:spcPct val="0"/>
-              </a:spcBef>
-              <a:spcAft>
-                <a:spcPct val="0"/>
-              </a:spcAft>
-              <a:defRPr>
-                <a:solidFill>
-                  <a:schemeClr val="tx1"/>
-                </a:solidFill>
-                <a:latin typeface="Arial" panose="020B0604020202020204" pitchFamily="34" charset="0"/>
-              </a:defRPr>
-            </a:lvl4pPr>
-            <a:lvl5pPr eaLnBrk="0" fontAlgn="base" hangingPunct="0">
-              <a:spcBef>
-                <a:spcPct val="0"/>
-              </a:spcBef>
-              <a:spcAft>
-                <a:spcPct val="0"/>
-              </a:spcAft>
-              <a:defRPr>
-                <a:solidFill>
-                  <a:schemeClr val="tx1"/>
-                </a:solidFill>
-                <a:latin typeface="Arial" panose="020B0604020202020204" pitchFamily="34" charset="0"/>
-              </a:defRPr>
-            </a:lvl5pPr>
-            <a:lvl6pPr eaLnBrk="0" fontAlgn="base" hangingPunct="0">
-              <a:spcBef>
-                <a:spcPct val="0"/>
-              </a:spcBef>
-              <a:spcAft>
-                <a:spcPct val="0"/>
-              </a:spcAft>
-              <a:defRPr>
-                <a:solidFill>
-                  <a:schemeClr val="tx1"/>
-                </a:solidFill>
-                <a:latin typeface="Arial" panose="020B0604020202020204" pitchFamily="34" charset="0"/>
-              </a:defRPr>
-            </a:lvl6pPr>
-            <a:lvl7pPr eaLnBrk="0" fontAlgn="base" hangingPunct="0">
-              <a:spcBef>
-                <a:spcPct val="0"/>
-              </a:spcBef>
-              <a:spcAft>
-                <a:spcPct val="0"/>
-              </a:spcAft>
-              <a:defRPr>
-                <a:solidFill>
-                  <a:schemeClr val="tx1"/>
-                </a:solidFill>
-                <a:latin typeface="Arial" panose="020B0604020202020204" pitchFamily="34" charset="0"/>
-              </a:defRPr>
-            </a:lvl7pPr>
-            <a:lvl8pPr eaLnBrk="0" fontAlgn="base" hangingPunct="0">
-              <a:spcBef>
-                <a:spcPct val="0"/>
-              </a:spcBef>
-              <a:spcAft>
-                <a:spcPct val="0"/>
-              </a:spcAft>
-              <a:defRPr>
-                <a:solidFill>
-                  <a:schemeClr val="tx1"/>
-                </a:solidFill>
-                <a:latin typeface="Arial" panose="020B0604020202020204" pitchFamily="34" charset="0"/>
-              </a:defRPr>
-            </a:lvl8pPr>
-            <a:lvl9pPr eaLnBrk="0" fontAlgn="base" hangingPunct="0">
-              <a:spcBef>
-                <a:spcPct val="0"/>
-              </a:spcBef>
-              <a:spcAft>
-                <a:spcPct val="0"/>
-              </a:spcAft>
-              <a:defRPr>
-                <a:solidFill>
-                  <a:schemeClr val="tx1"/>
-                </a:solidFill>
-                <a:latin typeface="Arial" panose="020B0604020202020204" pitchFamily="34" charset="0"/>
-              </a:defRPr>
-            </a:lvl9pPr>
-          </a:lstStyle>
-          <a:p>
-            <a:pPr marL="0" marR="0" lvl="0" indent="0" algn="l" defTabSz="914400" rtl="0" eaLnBrk="0" fontAlgn="base" latinLnBrk="0" hangingPunct="0">
-              <a:lnSpc>
-                <a:spcPct val="100000"/>
-              </a:lnSpc>
-              <a:spcBef>
-                <a:spcPct val="0"/>
-              </a:spcBef>
-              <a:spcAft>
-                <a:spcPct val="0"/>
-              </a:spcAft>
-              <a:buClrTx/>
-              <a:buSzTx/>
-              <a:buFontTx/>
-              <a:buNone/>
-              <a:tabLst/>
-            </a:pPr>
-            <a:r>
-              <a:rPr kumimoji="0" lang="fr-FR" sz="900" b="0" i="0" u="none" strike="noStrike" cap="none" normalizeH="0" baseline="0" smtClean="0">
-                <a:ln>
-                  <a:noFill/>
-                </a:ln>
-                <a:solidFill>
-                  <a:srgbClr val="BDBDBD"/>
-                </a:solidFill>
-                <a:effectLst/>
-                <a:latin typeface="Roboto"/>
-                <a:hlinkClick r:id="rId3"/>
-              </a:rPr>
-              <a:t>  </a:t>
-            </a:r>
-            <a:r>
-              <a:rPr kumimoji="0" lang="fr-FR" sz="700" b="0" i="0" u="none" strike="noStrike" cap="none" normalizeH="0" baseline="0" smtClean="0">
-                <a:ln>
-                  <a:noFill/>
-                </a:ln>
-                <a:solidFill>
-                  <a:srgbClr val="BDBDBD"/>
-                </a:solidFill>
-                <a:effectLst/>
-                <a:latin typeface="Roboto"/>
-              </a:rPr>
-              <a:t> </a:t>
-            </a:r>
-            <a:r>
-              <a:rPr kumimoji="0" lang="fr-FR" sz="900" b="0" i="0" u="none" strike="noStrike" cap="none" normalizeH="0" baseline="0" smtClean="0">
-                <a:ln>
-                  <a:noFill/>
-                </a:ln>
-                <a:solidFill>
-                  <a:srgbClr val="BDBDBD"/>
-                </a:solidFill>
-                <a:effectLst/>
-                <a:latin typeface="Roboto"/>
-              </a:rPr>
-              <a:t>    Fr</a:t>
-            </a:r>
-            <a:r>
-              <a:rPr kumimoji="0" lang="fr-FR" sz="900" b="0" i="0" u="none" strike="noStrike" cap="none" normalizeH="0" baseline="0" smtClean="0">
-                <a:ln>
-                  <a:noFill/>
-                </a:ln>
-                <a:solidFill>
-                  <a:srgbClr val="BDBDBD"/>
-                </a:solidFill>
-                <a:effectLst/>
-                <a:latin typeface="Roboto"/>
-                <a:hlinkClick r:id="rId3"/>
-              </a:rPr>
-              <a:t>ançais</a:t>
-            </a:r>
-            <a:endParaRPr kumimoji="0" lang="fr-FR" sz="1100" b="0" i="0" u="none" strike="noStrike" cap="none" normalizeH="0" baseline="0" smtClean="0">
-              <a:ln>
-                <a:noFill/>
-              </a:ln>
-              <a:solidFill>
-                <a:schemeClr val="tx1"/>
-              </a:solidFill>
-              <a:effectLst/>
-            </a:endParaRPr>
-          </a:p>
-          <a:p>
-            <a:pPr marL="0" marR="0" lvl="0" indent="0" algn="l" defTabSz="914400" rtl="0" eaLnBrk="0" fontAlgn="base" latinLnBrk="0" hangingPunct="0">
-              <a:lnSpc>
-                <a:spcPct val="100000"/>
-              </a:lnSpc>
-              <a:spcBef>
-                <a:spcPct val="0"/>
-              </a:spcBef>
-              <a:spcAft>
-                <a:spcPct val="0"/>
-              </a:spcAft>
-              <a:buClrTx/>
-              <a:buSzTx/>
-              <a:buFontTx/>
-              <a:buNone/>
-              <a:tabLst/>
-            </a:pPr>
-            <a:r>
-              <a:rPr kumimoji="0" lang="fr-FR" sz="900" b="0" i="0" u="none" strike="noStrike" cap="none" normalizeH="0" baseline="0" smtClean="0">
-                <a:ln>
-                  <a:noFill/>
-                </a:ln>
-                <a:solidFill>
-                  <a:srgbClr val="BDBDBD"/>
-                </a:solidFill>
-                <a:effectLst/>
-                <a:latin typeface="Roboto"/>
-              </a:rPr>
-              <a:t/>
-            </a:r>
-            <a:br>
-              <a:rPr kumimoji="0" lang="fr-FR" sz="900" b="0" i="0" u="none" strike="noStrike" cap="none" normalizeH="0" baseline="0" smtClean="0">
-                <a:ln>
-                  <a:noFill/>
-                </a:ln>
-                <a:solidFill>
-                  <a:srgbClr val="BDBDBD"/>
-                </a:solidFill>
-                <a:effectLst/>
-                <a:latin typeface="Roboto"/>
-              </a:rPr>
-            </a:br>
-            <a:endParaRPr kumimoji="0" lang="fr-FR" sz="900" b="0" i="0" u="none" strike="noStrike" cap="none" normalizeH="0" baseline="0" smtClean="0">
-              <a:ln>
-                <a:noFill/>
-              </a:ln>
-              <a:solidFill>
-                <a:srgbClr val="BDBDBD"/>
-              </a:solidFill>
-              <a:effectLst/>
-              <a:latin typeface="Roboto"/>
-            </a:endParaRPr>
-          </a:p>
-        </p:txBody>
-      </p:sp>
-      <p:sp>
-        <p:nvSpPr>
-          <p:cNvPr id="43" name="TextBox 18">
-            <a:extLst>
-              <a:ext uri="{FF2B5EF4-FFF2-40B4-BE49-F238E27FC236}">
-                <a16:creationId xmlns:a16="http://schemas.microsoft.com/office/drawing/2014/main" xmlns="" id="{2106AE42-381B-4181-99FF-C01ED1B820A7}"/>
+                <a16:creationId xmlns:a16="http://schemas.microsoft.com/office/drawing/2014/main" id="{5CF5BDA4-10C7-46A6-AC30-523A3FC438AC}"/>
               </a:ext>
             </a:extLst>
           </p:cNvPr>
@@ -32724,8 +31851,62 @@
         </p:nvSpPr>
         <p:spPr>
           <a:xfrm>
-            <a:off x="2027617" y="4875538"/>
-            <a:ext cx="4101573" cy="461665"/>
+            <a:off x="1127342" y="611788"/>
+            <a:ext cx="8968636" cy="830997"/>
+          </a:xfrm>
+          <a:prstGeom prst="rect">
+            <a:avLst/>
+          </a:prstGeom>
+          <a:noFill/>
+        </p:spPr>
+        <p:txBody>
+          <a:bodyPr wrap="square" rtlCol="0" anchor="ctr">
+            <a:spAutoFit/>
+          </a:bodyPr>
+          <a:lstStyle/>
+          <a:p>
+            <a:r>
+              <a:rPr lang="en-US" altLang="ko-KR" sz="4800" b="1" dirty="0" smtClean="0">
+                <a:solidFill>
+                  <a:schemeClr val="tx1">
+                    <a:lumMod val="85000"/>
+                    <a:lumOff val="15000"/>
+                  </a:schemeClr>
+                </a:solidFill>
+                <a:latin typeface="Candara" panose="020E0502030303020204" pitchFamily="34" charset="0"/>
+                <a:cs typeface="Arial" pitchFamily="34" charset="0"/>
+              </a:rPr>
+              <a:t>COMMENT INSTALLER SPRING</a:t>
+            </a:r>
+            <a:endParaRPr lang="ko-KR" altLang="en-US" sz="4800" b="1" dirty="0">
+              <a:solidFill>
+                <a:schemeClr val="tx1">
+                  <a:lumMod val="85000"/>
+                  <a:lumOff val="15000"/>
+                </a:schemeClr>
+              </a:solidFill>
+              <a:latin typeface="Candara" panose="020E0502030303020204" pitchFamily="34" charset="0"/>
+              <a:cs typeface="Arial" pitchFamily="34" charset="0"/>
+            </a:endParaRPr>
+          </a:p>
+        </p:txBody>
+      </p:sp>
+      <p:sp>
+        <p:nvSpPr>
+          <p:cNvPr id="8" name="TextBox 32">
+            <a:extLst>
+              <a:ext uri="{FF2B5EF4-FFF2-40B4-BE49-F238E27FC236}">
+                <a16:creationId xmlns:a16="http://schemas.microsoft.com/office/drawing/2014/main" id="{3D68DC4F-6C57-4033-AD85-E705874ADB27}"/>
+              </a:ext>
+            </a:extLst>
+          </p:cNvPr>
+          <p:cNvSpPr txBox="1"/>
+          <p:nvPr/>
+        </p:nvSpPr>
+        <p:spPr>
+          <a:xfrm>
+            <a:off x="2094136" y="1864159"/>
+            <a:ext cx="8001842" cy="307777"/>
           </a:xfrm>
           <a:prstGeom prst="rect">
             <a:avLst/>
@@ -32738,8 +31919,9 @@
           </a:bodyPr>
           <a:lstStyle/>
           <a:p>
-            <a:r>
-              <a:rPr lang="en-US" altLang="ko-KR" sz="1200" dirty="0" smtClean="0">
+            <a:pPr algn="ctr"/>
+            <a:r>
+              <a:rPr lang="en-US" altLang="ko-KR" sz="1400" b="1" dirty="0" err="1" smtClean="0">
                 <a:solidFill>
                   <a:schemeClr val="tx1">
                     <a:lumMod val="75000"/>
@@ -32749,10 +31931,10 @@
                 <a:latin typeface="Candara" panose="020E0502030303020204" pitchFamily="34" charset="0"/>
                 <a:cs typeface="Arial" pitchFamily="34" charset="0"/>
               </a:rPr>
-              <a:t>pour </a:t>
-            </a:r>
-            <a:r>
-              <a:rPr lang="en-US" altLang="ko-KR" sz="1200" dirty="0" err="1" smtClean="0">
+              <a:t>Aller</a:t>
+            </a:r>
+            <a:r>
+              <a:rPr lang="en-US" altLang="ko-KR" sz="1400" b="1" dirty="0" smtClean="0">
                 <a:solidFill>
                   <a:schemeClr val="tx1">
                     <a:lumMod val="75000"/>
@@ -32762,10 +31944,10 @@
                 <a:latin typeface="Candara" panose="020E0502030303020204" pitchFamily="34" charset="0"/>
                 <a:cs typeface="Arial" pitchFamily="34" charset="0"/>
               </a:rPr>
-              <a:t>arrete</a:t>
-            </a:r>
-            <a:r>
-              <a:rPr lang="en-US" altLang="ko-KR" sz="1200" dirty="0" smtClean="0">
+              <a:t> sur le lien (Spring </a:t>
+            </a:r>
+            <a:r>
+              <a:rPr lang="en-US" altLang="ko-KR" sz="1400" b="1" dirty="0" err="1" smtClean="0">
                 <a:solidFill>
                   <a:schemeClr val="tx1">
                     <a:lumMod val="75000"/>
@@ -32775,10 +31957,10 @@
                 <a:latin typeface="Candara" panose="020E0502030303020204" pitchFamily="34" charset="0"/>
                 <a:cs typeface="Arial" pitchFamily="34" charset="0"/>
               </a:rPr>
-              <a:t> le server </a:t>
-            </a:r>
-            <a:r>
-              <a:rPr lang="en-US" altLang="ko-KR" sz="1200" dirty="0" err="1" smtClean="0">
+              <a:t>Initialzr</a:t>
+            </a:r>
+            <a:r>
+              <a:rPr lang="en-US" altLang="ko-KR" sz="1400" b="1" dirty="0" smtClean="0">
                 <a:solidFill>
                   <a:schemeClr val="tx1">
                     <a:lumMod val="75000"/>
@@ -32788,152 +31970,9 @@
                 <a:latin typeface="Candara" panose="020E0502030303020204" pitchFamily="34" charset="0"/>
                 <a:cs typeface="Arial" pitchFamily="34" charset="0"/>
               </a:rPr>
-              <a:t>il</a:t>
-            </a:r>
-            <a:r>
-              <a:rPr lang="en-US" altLang="ko-KR" sz="1200" dirty="0" smtClean="0">
-                <a:solidFill>
-                  <a:schemeClr val="tx1">
-                    <a:lumMod val="75000"/>
-                    <a:lumOff val="25000"/>
-                  </a:schemeClr>
-                </a:solidFill>
-                <a:latin typeface="Candara" panose="020E0502030303020204" pitchFamily="34" charset="0"/>
-                <a:cs typeface="Arial" pitchFamily="34" charset="0"/>
-              </a:rPr>
-              <a:t> </a:t>
-            </a:r>
-            <a:r>
-              <a:rPr lang="en-US" altLang="ko-KR" sz="1200" dirty="0" err="1" smtClean="0">
-                <a:solidFill>
-                  <a:schemeClr val="tx1">
-                    <a:lumMod val="75000"/>
-                    <a:lumOff val="25000"/>
-                  </a:schemeClr>
-                </a:solidFill>
-                <a:latin typeface="Candara" panose="020E0502030303020204" pitchFamily="34" charset="0"/>
-                <a:cs typeface="Arial" pitchFamily="34" charset="0"/>
-              </a:rPr>
-              <a:t>faut</a:t>
-            </a:r>
-            <a:r>
-              <a:rPr lang="en-US" altLang="ko-KR" sz="1200" dirty="0" smtClean="0">
-                <a:solidFill>
-                  <a:schemeClr val="tx1">
-                    <a:lumMod val="75000"/>
-                    <a:lumOff val="25000"/>
-                  </a:schemeClr>
-                </a:solidFill>
-                <a:latin typeface="Candara" panose="020E0502030303020204" pitchFamily="34" charset="0"/>
-                <a:cs typeface="Arial" pitchFamily="34" charset="0"/>
-              </a:rPr>
-              <a:t> </a:t>
-            </a:r>
-            <a:r>
-              <a:rPr lang="en-US" altLang="ko-KR" sz="1200" dirty="0" err="1" smtClean="0">
-                <a:solidFill>
-                  <a:schemeClr val="tx1">
-                    <a:lumMod val="75000"/>
-                    <a:lumOff val="25000"/>
-                  </a:schemeClr>
-                </a:solidFill>
-                <a:latin typeface="Candara" panose="020E0502030303020204" pitchFamily="34" charset="0"/>
-                <a:cs typeface="Arial" pitchFamily="34" charset="0"/>
-              </a:rPr>
-              <a:t>aller</a:t>
-            </a:r>
-            <a:r>
-              <a:rPr lang="en-US" altLang="ko-KR" sz="1200" dirty="0" smtClean="0">
-                <a:solidFill>
-                  <a:schemeClr val="tx1">
-                    <a:lumMod val="75000"/>
-                    <a:lumOff val="25000"/>
-                  </a:schemeClr>
-                </a:solidFill>
-                <a:latin typeface="Candara" panose="020E0502030303020204" pitchFamily="34" charset="0"/>
-                <a:cs typeface="Arial" pitchFamily="34" charset="0"/>
-              </a:rPr>
-              <a:t> </a:t>
-            </a:r>
-            <a:r>
-              <a:rPr lang="en-US" altLang="ko-KR" sz="1200" dirty="0" err="1" smtClean="0">
-                <a:solidFill>
-                  <a:schemeClr val="tx1">
-                    <a:lumMod val="75000"/>
-                    <a:lumOff val="25000"/>
-                  </a:schemeClr>
-                </a:solidFill>
-                <a:latin typeface="Candara" panose="020E0502030303020204" pitchFamily="34" charset="0"/>
-                <a:cs typeface="Arial" pitchFamily="34" charset="0"/>
-              </a:rPr>
-              <a:t>dans</a:t>
-            </a:r>
-            <a:r>
-              <a:rPr lang="en-US" altLang="ko-KR" sz="1200" dirty="0" smtClean="0">
-                <a:solidFill>
-                  <a:schemeClr val="tx1">
-                    <a:lumMod val="75000"/>
-                    <a:lumOff val="25000"/>
-                  </a:schemeClr>
-                </a:solidFill>
-                <a:latin typeface="Candara" panose="020E0502030303020204" pitchFamily="34" charset="0"/>
-                <a:cs typeface="Arial" pitchFamily="34" charset="0"/>
-              </a:rPr>
-              <a:t> le </a:t>
-            </a:r>
-            <a:r>
-              <a:rPr lang="en-US" altLang="ko-KR" sz="1200" dirty="0" err="1" smtClean="0">
-                <a:solidFill>
-                  <a:schemeClr val="tx1">
-                    <a:lumMod val="75000"/>
-                    <a:lumOff val="25000"/>
-                  </a:schemeClr>
-                </a:solidFill>
-                <a:latin typeface="Candara" panose="020E0502030303020204" pitchFamily="34" charset="0"/>
-                <a:cs typeface="Arial" pitchFamily="34" charset="0"/>
-              </a:rPr>
-              <a:t>terminale</a:t>
-            </a:r>
-            <a:r>
-              <a:rPr lang="en-US" altLang="ko-KR" sz="1200" dirty="0" smtClean="0">
-                <a:solidFill>
-                  <a:schemeClr val="tx1">
-                    <a:lumMod val="75000"/>
-                    <a:lumOff val="25000"/>
-                  </a:schemeClr>
-                </a:solidFill>
-                <a:latin typeface="Candara" panose="020E0502030303020204" pitchFamily="34" charset="0"/>
-                <a:cs typeface="Arial" pitchFamily="34" charset="0"/>
-              </a:rPr>
-              <a:t> et executer </a:t>
-            </a:r>
-            <a:r>
-              <a:rPr lang="en-US" altLang="ko-KR" sz="1200" dirty="0" err="1" smtClean="0">
-                <a:solidFill>
-                  <a:schemeClr val="tx1">
-                    <a:lumMod val="75000"/>
-                    <a:lumOff val="25000"/>
-                  </a:schemeClr>
-                </a:solidFill>
-                <a:latin typeface="Candara" panose="020E0502030303020204" pitchFamily="34" charset="0"/>
-                <a:cs typeface="Arial" pitchFamily="34" charset="0"/>
-              </a:rPr>
-              <a:t>controle</a:t>
-            </a:r>
-            <a:r>
-              <a:rPr lang="en-US" altLang="ko-KR" sz="1200" dirty="0" smtClean="0">
-                <a:solidFill>
-                  <a:schemeClr val="tx1">
-                    <a:lumMod val="75000"/>
-                    <a:lumOff val="25000"/>
-                  </a:schemeClr>
-                </a:solidFill>
-                <a:latin typeface="Candara" panose="020E0502030303020204" pitchFamily="34" charset="0"/>
-                <a:cs typeface="Arial" pitchFamily="34" charset="0"/>
-              </a:rPr>
-              <a:t> c</a:t>
-            </a:r>
-            <a:endParaRPr lang="en-US" altLang="ko-KR" sz="1200" dirty="0">
+              <a:t>) et </a:t>
+            </a:r>
+            <a:endParaRPr lang="ko-KR" altLang="en-US" sz="1400" b="1" dirty="0">
               <a:solidFill>
                 <a:schemeClr val="tx1">
                   <a:lumMod val="75000"/>
@@ -32946,23 +31985,71 @@
           </a:p>
         </p:txBody>
       </p:sp>
+      <p:sp>
+        <p:nvSpPr>
+          <p:cNvPr id="20" name="TextBox 32">
+            <a:extLst>
+              <a:ext uri="{FF2B5EF4-FFF2-40B4-BE49-F238E27FC236}">
+                <a16:creationId xmlns:a16="http://schemas.microsoft.com/office/drawing/2014/main" id="{3D68DC4F-6C57-4033-AD85-E705874ADB27}"/>
+              </a:ext>
+            </a:extLst>
+          </p:cNvPr>
+          <p:cNvSpPr txBox="1"/>
+          <p:nvPr/>
+        </p:nvSpPr>
+        <p:spPr>
+          <a:xfrm>
+            <a:off x="5619453" y="5341662"/>
+            <a:ext cx="3344800" cy="307777"/>
+          </a:xfrm>
+          <a:prstGeom prst="rect">
+            <a:avLst/>
+          </a:prstGeom>
+          <a:noFill/>
+        </p:spPr>
+        <p:txBody>
+          <a:bodyPr wrap="square" rtlCol="0">
+            <a:spAutoFit/>
+          </a:bodyPr>
+          <a:lstStyle/>
+          <a:p>
+            <a:pPr algn="ctr"/>
+            <a:r>
+              <a:rPr lang="en-US" altLang="ko-KR" sz="1400" b="1" dirty="0" smtClean="0">
+                <a:solidFill>
+                  <a:schemeClr val="tx1">
+                    <a:lumMod val="75000"/>
+                    <a:lumOff val="25000"/>
+                  </a:schemeClr>
+                </a:solidFill>
+                <a:latin typeface="Candara" panose="020E0502030303020204" pitchFamily="34" charset="0"/>
+                <a:cs typeface="Arial" pitchFamily="34" charset="0"/>
+              </a:rPr>
+              <a:t> </a:t>
+            </a:r>
+            <a:endParaRPr lang="ko-KR" altLang="en-US" sz="1400" b="1" dirty="0">
+              <a:solidFill>
+                <a:schemeClr val="tx1">
+                  <a:lumMod val="75000"/>
+                  <a:lumOff val="25000"/>
+                </a:schemeClr>
+              </a:solidFill>
+              <a:latin typeface="Candara" panose="020E0502030303020204" pitchFamily="34" charset="0"/>
+              <a:cs typeface="Arial" pitchFamily="34" charset="0"/>
+            </a:endParaRPr>
+          </a:p>
+        </p:txBody>
+      </p:sp>
     </p:spTree>
     <p:extLst>
       <p:ext uri="{BB962C8B-B14F-4D97-AF65-F5344CB8AC3E}">
-        <p14:creationId xmlns:p14="http://schemas.microsoft.com/office/powerpoint/2010/main" val="2737942562"/>
+        <p14:creationId xmlns:p14="http://schemas.microsoft.com/office/powerpoint/2010/main" val="676794445"/>
       </p:ext>
     </p:extLst>
   </p:cSld>
   <p:clrMapOvr>
     <a:masterClrMapping/>
   </p:clrMapOvr>
-  <p:timing>
-    <p:tnLst>
-      <p:par>
-        <p:cTn id="1" dur="indefinite" restart="never" nodeType="tmRoot"/>
-      </p:par>
-    </p:tnLst>
-  </p:timing>
 </p:sld>
 </file>
 
@@ -32985,7 +32072,13 @@
       </p:grpSpPr>
       <p:sp>
         <p:nvSpPr>
-          <p:cNvPr id="2" name="Espace réservé du texte 1"/>
+          <p:cNvPr id="2" name="Text Placeholder 1">
+            <a:extLst>
+              <a:ext uri="{FF2B5EF4-FFF2-40B4-BE49-F238E27FC236}">
+                <a16:creationId xmlns:a16="http://schemas.microsoft.com/office/drawing/2014/main" id="{D9B85F3A-0D98-4AE5-8CED-AA4A4CF82188}"/>
+              </a:ext>
+            </a:extLst>
+          </p:cNvPr>
           <p:cNvSpPr>
             <a:spLocks noGrp="1"/>
           </p:cNvSpPr>
@@ -32995,8 +32088,8 @@
         </p:nvSpPr>
         <p:spPr>
           <a:xfrm>
-            <a:off x="135639" y="414665"/>
-            <a:ext cx="11573197" cy="2015384"/>
+            <a:off x="994886" y="841130"/>
+            <a:ext cx="8519457" cy="765779"/>
           </a:xfrm>
         </p:spPr>
         <p:txBody>
@@ -33004,20 +32097,26 @@
           <a:lstStyle/>
           <a:p>
             <a:r>
-              <a:rPr lang="fr-FR" dirty="0" smtClean="0"/>
-              <a:t>STRUCTURE FONCTIONNELLE </a:t>
-            </a:r>
-            <a:r>
-              <a:rPr lang="fr-FR" dirty="0" smtClean="0"/>
-              <a:t>DE SPRING BOOT</a:t>
-            </a:r>
-            <a:endParaRPr lang="fr-FR" dirty="0"/>
-          </a:p>
-        </p:txBody>
-      </p:sp>
-      <p:sp>
-        <p:nvSpPr>
-          <p:cNvPr id="3" name="Espace réservé du numéro de diapositive 2"/>
+              <a:rPr lang="en-US" dirty="0" smtClean="0"/>
+              <a:t>Creation </a:t>
+            </a:r>
+            <a:r>
+              <a:rPr lang="en-US" dirty="0" err="1" smtClean="0"/>
+              <a:t>projet</a:t>
+            </a:r>
+            <a:r>
+              <a:rPr lang="en-US" dirty="0" smtClean="0"/>
+              <a:t> spring boot</a:t>
+            </a:r>
+            <a:endParaRPr lang="en-US" dirty="0">
+              <a:latin typeface="Candara" panose="020E0502030303020204" pitchFamily="34" charset="0"/>
+            </a:endParaRPr>
+          </a:p>
+        </p:txBody>
+      </p:sp>
+      <p:sp>
+        <p:nvSpPr>
+          <p:cNvPr id="38" name="Espace réservé du numéro de diapositive 37"/>
           <p:cNvSpPr>
             <a:spLocks noGrp="1"/>
           </p:cNvSpPr>
@@ -33039,46 +32138,185 @@
           </a:p>
         </p:txBody>
       </p:sp>
-      <p:pic>
-        <p:nvPicPr>
-          <p:cNvPr id="5" name="Image 4"/>
-          <p:cNvPicPr>
-            <a:picLocks noChangeAspect="1"/>
-          </p:cNvPicPr>
-          <p:nvPr/>
-        </p:nvPicPr>
-        <p:blipFill>
-          <a:blip r:embed="rId2">
+      <p:sp>
+        <p:nvSpPr>
+          <p:cNvPr id="47" name="TextBox 18">
             <a:extLst>
-              <a:ext uri="{28A0092B-C50C-407E-A947-70E740481C1C}">
-                <a14:useLocalDpi xmlns:a14="http://schemas.microsoft.com/office/drawing/2010/main" val="0"/>
+              <a:ext uri="{FF2B5EF4-FFF2-40B4-BE49-F238E27FC236}">
+                <a16:creationId xmlns:a16="http://schemas.microsoft.com/office/drawing/2014/main" id="{2106AE42-381B-4181-99FF-C01ED1B820A7}"/>
               </a:ext>
             </a:extLst>
-          </a:blip>
-          <a:stretch>
-            <a:fillRect/>
-          </a:stretch>
-        </p:blipFill>
-        <p:spPr>
-          <a:xfrm>
-            <a:off x="1931703" y="2138182"/>
-            <a:ext cx="7487869" cy="3761577"/>
-          </a:xfrm>
-          <a:prstGeom prst="rect">
-            <a:avLst/>
-          </a:prstGeom>
-        </p:spPr>
-      </p:pic>
+          </p:cNvPr>
+          <p:cNvSpPr txBox="1"/>
+          <p:nvPr/>
+        </p:nvSpPr>
+        <p:spPr>
+          <a:xfrm>
+            <a:off x="1652455" y="6594908"/>
+            <a:ext cx="2911761" cy="276999"/>
+          </a:xfrm>
+          <a:prstGeom prst="rect">
+            <a:avLst/>
+          </a:prstGeom>
+          <a:solidFill>
+            <a:schemeClr val="bg1"/>
+          </a:solidFill>
+        </p:spPr>
+        <p:txBody>
+          <a:bodyPr wrap="square" rtlCol="0">
+            <a:spAutoFit/>
+          </a:bodyPr>
+          <a:lstStyle/>
+          <a:p>
+            <a:endParaRPr lang="en-US" altLang="ko-KR" sz="1200" dirty="0">
+              <a:solidFill>
+                <a:schemeClr val="tx1">
+                  <a:lumMod val="75000"/>
+                  <a:lumOff val="25000"/>
+                </a:schemeClr>
+              </a:solidFill>
+              <a:latin typeface="Candara" panose="020E0502030303020204" pitchFamily="34" charset="0"/>
+              <a:cs typeface="Arial" pitchFamily="34" charset="0"/>
+            </a:endParaRPr>
+          </a:p>
+        </p:txBody>
+      </p:sp>
+      <p:sp>
+        <p:nvSpPr>
+          <p:cNvPr id="48" name="TextBox 18">
+            <a:extLst>
+              <a:ext uri="{FF2B5EF4-FFF2-40B4-BE49-F238E27FC236}">
+                <a16:creationId xmlns:a16="http://schemas.microsoft.com/office/drawing/2014/main" id="{2106AE42-381B-4181-99FF-C01ED1B820A7}"/>
+              </a:ext>
+            </a:extLst>
+          </p:cNvPr>
+          <p:cNvSpPr txBox="1"/>
+          <p:nvPr/>
+        </p:nvSpPr>
+        <p:spPr>
+          <a:xfrm>
+            <a:off x="1503404" y="2081025"/>
+            <a:ext cx="8478796" cy="400110"/>
+          </a:xfrm>
+          <a:prstGeom prst="rect">
+            <a:avLst/>
+          </a:prstGeom>
+          <a:noFill/>
+        </p:spPr>
+        <p:txBody>
+          <a:bodyPr wrap="square" rtlCol="0">
+            <a:spAutoFit/>
+          </a:bodyPr>
+          <a:lstStyle/>
+          <a:p>
+            <a:r>
+              <a:rPr lang="en-US" altLang="ko-KR" sz="2000" b="1" dirty="0" err="1">
+                <a:solidFill>
+                  <a:schemeClr val="tx1">
+                    <a:lumMod val="75000"/>
+                    <a:lumOff val="25000"/>
+                  </a:schemeClr>
+                </a:solidFill>
+                <a:latin typeface="Candara" panose="020E0502030303020204" pitchFamily="34" charset="0"/>
+                <a:cs typeface="Arial" pitchFamily="34" charset="0"/>
+              </a:rPr>
+              <a:t>Aller</a:t>
+            </a:r>
+            <a:r>
+              <a:rPr lang="en-US" altLang="ko-KR" sz="2000" b="1" dirty="0">
+                <a:solidFill>
+                  <a:schemeClr val="tx1">
+                    <a:lumMod val="75000"/>
+                    <a:lumOff val="25000"/>
+                  </a:schemeClr>
+                </a:solidFill>
+                <a:latin typeface="Candara" panose="020E0502030303020204" pitchFamily="34" charset="0"/>
+                <a:cs typeface="Arial" pitchFamily="34" charset="0"/>
+              </a:rPr>
+              <a:t> sur le lien (Spring </a:t>
+            </a:r>
+            <a:r>
+              <a:rPr lang="en-US" altLang="ko-KR" sz="2000" b="1" dirty="0" err="1">
+                <a:solidFill>
+                  <a:schemeClr val="tx1">
+                    <a:lumMod val="75000"/>
+                    <a:lumOff val="25000"/>
+                  </a:schemeClr>
+                </a:solidFill>
+                <a:latin typeface="Candara" panose="020E0502030303020204" pitchFamily="34" charset="0"/>
+                <a:cs typeface="Arial" pitchFamily="34" charset="0"/>
+              </a:rPr>
+              <a:t>Initialzr</a:t>
+            </a:r>
+            <a:r>
+              <a:rPr lang="en-US" altLang="ko-KR" sz="2000" b="1" dirty="0" smtClean="0">
+                <a:solidFill>
+                  <a:schemeClr val="tx1">
+                    <a:lumMod val="75000"/>
+                    <a:lumOff val="25000"/>
+                  </a:schemeClr>
+                </a:solidFill>
+                <a:latin typeface="Candara" panose="020E0502030303020204" pitchFamily="34" charset="0"/>
+                <a:cs typeface="Arial" pitchFamily="34" charset="0"/>
+              </a:rPr>
+              <a:t>) et configure le </a:t>
+            </a:r>
+            <a:r>
+              <a:rPr lang="en-US" altLang="ko-KR" sz="2000" b="1" dirty="0" err="1" smtClean="0">
+                <a:solidFill>
+                  <a:schemeClr val="tx1">
+                    <a:lumMod val="75000"/>
+                    <a:lumOff val="25000"/>
+                  </a:schemeClr>
+                </a:solidFill>
+                <a:latin typeface="Candara" panose="020E0502030303020204" pitchFamily="34" charset="0"/>
+                <a:cs typeface="Arial" pitchFamily="34" charset="0"/>
+              </a:rPr>
+              <a:t>projet</a:t>
+            </a:r>
+            <a:r>
+              <a:rPr lang="en-US" altLang="ko-KR" sz="2000" b="1" dirty="0" smtClean="0">
+                <a:solidFill>
+                  <a:schemeClr val="tx1">
+                    <a:lumMod val="75000"/>
+                    <a:lumOff val="25000"/>
+                  </a:schemeClr>
+                </a:solidFill>
+                <a:latin typeface="Candara" panose="020E0502030303020204" pitchFamily="34" charset="0"/>
+                <a:cs typeface="Arial" pitchFamily="34" charset="0"/>
+              </a:rPr>
+              <a:t> sprint boot</a:t>
+            </a:r>
+            <a:endParaRPr lang="en-US" altLang="ko-KR" sz="2000" dirty="0">
+              <a:solidFill>
+                <a:schemeClr val="tx1">
+                  <a:lumMod val="75000"/>
+                  <a:lumOff val="25000"/>
+                </a:schemeClr>
+              </a:solidFill>
+              <a:latin typeface="Candara" panose="020E0502030303020204" pitchFamily="34" charset="0"/>
+              <a:cs typeface="Arial" pitchFamily="34" charset="0"/>
+            </a:endParaRPr>
+          </a:p>
+        </p:txBody>
+      </p:sp>
     </p:spTree>
     <p:extLst>
       <p:ext uri="{BB962C8B-B14F-4D97-AF65-F5344CB8AC3E}">
-        <p14:creationId xmlns:p14="http://schemas.microsoft.com/office/powerpoint/2010/main" val="352002629"/>
+        <p14:creationId xmlns:p14="http://schemas.microsoft.com/office/powerpoint/2010/main" val="3979649407"/>
       </p:ext>
     </p:extLst>
   </p:cSld>
   <p:clrMapOvr>
     <a:masterClrMapping/>
   </p:clrMapOvr>
+  <p:timing>
+    <p:tnLst>
+      <p:par>
+        <p:cTn id="1" dur="indefinite" restart="never" nodeType="tmRoot"/>
+      </p:par>
+    </p:tnLst>
+  </p:timing>
 </p:sld>
 </file>
 

--- a/sprint boot.pptx
+++ b/sprint boot.pptx
@@ -7,10 +7,10 @@
     <p:sldMasterId id="2147483673" r:id="rId3"/>
   </p:sldMasterIdLst>
   <p:notesMasterIdLst>
-    <p:notesMasterId r:id="rId19"/>
+    <p:notesMasterId r:id="rId20"/>
   </p:notesMasterIdLst>
   <p:handoutMasterIdLst>
-    <p:handoutMasterId r:id="rId20"/>
+    <p:handoutMasterId r:id="rId21"/>
   </p:handoutMasterIdLst>
   <p:sldIdLst>
     <p:sldId id="344" r:id="rId4"/>
@@ -19,15 +19,16 @@
     <p:sldId id="348" r:id="rId7"/>
     <p:sldId id="353" r:id="rId8"/>
     <p:sldId id="307" r:id="rId9"/>
-    <p:sldId id="355" r:id="rId10"/>
-    <p:sldId id="351" r:id="rId11"/>
-    <p:sldId id="259" r:id="rId12"/>
+    <p:sldId id="351" r:id="rId10"/>
+    <p:sldId id="259" r:id="rId11"/>
+    <p:sldId id="359" r:id="rId12"/>
     <p:sldId id="356" r:id="rId13"/>
     <p:sldId id="298" r:id="rId14"/>
     <p:sldId id="352" r:id="rId15"/>
     <p:sldId id="358" r:id="rId16"/>
     <p:sldId id="357" r:id="rId17"/>
     <p:sldId id="349" r:id="rId18"/>
+    <p:sldId id="355" r:id="rId19"/>
   </p:sldIdLst>
   <p:sldSz cx="12192000" cy="6858000"/>
   <p:notesSz cx="6858000" cy="9144000"/>
@@ -1263,7 +1264,7 @@
           <a:p>
             <a:fld id="{652F1279-6CE4-4169-83D3-4483097B6907}" type="slidenum">
               <a:rPr lang="en-US" smtClean="0"/>
-              <a:t>9</a:t>
+              <a:t>8</a:t>
             </a:fld>
             <a:endParaRPr lang="en-US"/>
           </a:p>
@@ -1852,7 +1853,7 @@
           <p:cNvPr id="10" name="Group 9">
             <a:extLst>
               <a:ext uri="{FF2B5EF4-FFF2-40B4-BE49-F238E27FC236}">
-                <a16:creationId xmlns:a16="http://schemas.microsoft.com/office/drawing/2014/main" id="{ABD26266-8DF8-4F9E-8108-90547D7F6DB4}"/>
+                <a16:creationId xmlns:a16="http://schemas.microsoft.com/office/drawing/2014/main" xmlns="" id="{ABD26266-8DF8-4F9E-8108-90547D7F6DB4}"/>
               </a:ext>
             </a:extLst>
           </p:cNvPr>
@@ -1872,7 +1873,7 @@
             <p:cNvPr id="11" name="Freeform: Shape 10">
               <a:extLst>
                 <a:ext uri="{FF2B5EF4-FFF2-40B4-BE49-F238E27FC236}">
-                  <a16:creationId xmlns:a16="http://schemas.microsoft.com/office/drawing/2014/main" id="{27F633FE-376E-404F-91E4-885447763090}"/>
+                  <a16:creationId xmlns:a16="http://schemas.microsoft.com/office/drawing/2014/main" xmlns="" id="{27F633FE-376E-404F-91E4-885447763090}"/>
                 </a:ext>
               </a:extLst>
             </p:cNvPr>
@@ -2034,7 +2035,7 @@
             <p:cNvPr id="12" name="Freeform: Shape 11">
               <a:extLst>
                 <a:ext uri="{FF2B5EF4-FFF2-40B4-BE49-F238E27FC236}">
-                  <a16:creationId xmlns:a16="http://schemas.microsoft.com/office/drawing/2014/main" id="{400AA72A-9E73-4E92-9A24-FC8789F6DFA4}"/>
+                  <a16:creationId xmlns:a16="http://schemas.microsoft.com/office/drawing/2014/main" xmlns="" id="{400AA72A-9E73-4E92-9A24-FC8789F6DFA4}"/>
                 </a:ext>
               </a:extLst>
             </p:cNvPr>
@@ -2154,7 +2155,7 @@
             <p:cNvPr id="13" name="Freeform: Shape 12">
               <a:extLst>
                 <a:ext uri="{FF2B5EF4-FFF2-40B4-BE49-F238E27FC236}">
-                  <a16:creationId xmlns:a16="http://schemas.microsoft.com/office/drawing/2014/main" id="{46BD5C51-A833-433E-BB70-71DFE09A603C}"/>
+                  <a16:creationId xmlns:a16="http://schemas.microsoft.com/office/drawing/2014/main" xmlns="" id="{46BD5C51-A833-433E-BB70-71DFE09A603C}"/>
                 </a:ext>
               </a:extLst>
             </p:cNvPr>
@@ -2264,7 +2265,7 @@
             <p:cNvPr id="14" name="Freeform: Shape 13">
               <a:extLst>
                 <a:ext uri="{FF2B5EF4-FFF2-40B4-BE49-F238E27FC236}">
-                  <a16:creationId xmlns:a16="http://schemas.microsoft.com/office/drawing/2014/main" id="{F38E9B8E-66AA-4D07-8C4F-4CA5F0182522}"/>
+                  <a16:creationId xmlns:a16="http://schemas.microsoft.com/office/drawing/2014/main" xmlns="" id="{F38E9B8E-66AA-4D07-8C4F-4CA5F0182522}"/>
                 </a:ext>
               </a:extLst>
             </p:cNvPr>
@@ -2391,7 +2392,7 @@
             <p:cNvPr id="15" name="Freeform: Shape 14">
               <a:extLst>
                 <a:ext uri="{FF2B5EF4-FFF2-40B4-BE49-F238E27FC236}">
-                  <a16:creationId xmlns:a16="http://schemas.microsoft.com/office/drawing/2014/main" id="{3BC8E66A-1394-4D3C-B2E0-334A1F599DAF}"/>
+                  <a16:creationId xmlns:a16="http://schemas.microsoft.com/office/drawing/2014/main" xmlns="" id="{3BC8E66A-1394-4D3C-B2E0-334A1F599DAF}"/>
                 </a:ext>
               </a:extLst>
             </p:cNvPr>
@@ -2495,7 +2496,7 @@
             <p:cNvPr id="16" name="Freeform: Shape 15">
               <a:extLst>
                 <a:ext uri="{FF2B5EF4-FFF2-40B4-BE49-F238E27FC236}">
-                  <a16:creationId xmlns:a16="http://schemas.microsoft.com/office/drawing/2014/main" id="{BD4802E1-A5FC-45E8-8180-8E940D832B5F}"/>
+                  <a16:creationId xmlns:a16="http://schemas.microsoft.com/office/drawing/2014/main" xmlns="" id="{BD4802E1-A5FC-45E8-8180-8E940D832B5F}"/>
                 </a:ext>
               </a:extLst>
             </p:cNvPr>
@@ -2577,7 +2578,7 @@
             <p:cNvPr id="17" name="Freeform: Shape 16">
               <a:extLst>
                 <a:ext uri="{FF2B5EF4-FFF2-40B4-BE49-F238E27FC236}">
-                  <a16:creationId xmlns:a16="http://schemas.microsoft.com/office/drawing/2014/main" id="{92825B71-4111-4DEB-8EF4-3C86689A682C}"/>
+                  <a16:creationId xmlns:a16="http://schemas.microsoft.com/office/drawing/2014/main" xmlns="" id="{92825B71-4111-4DEB-8EF4-3C86689A682C}"/>
                 </a:ext>
               </a:extLst>
             </p:cNvPr>
@@ -2689,7 +2690,7 @@
           <p:cNvPr id="18" name="Rectangle 17">
             <a:extLst>
               <a:ext uri="{FF2B5EF4-FFF2-40B4-BE49-F238E27FC236}">
-                <a16:creationId xmlns:a16="http://schemas.microsoft.com/office/drawing/2014/main" id="{23A80384-9207-4A80-9B70-A1F7CDE8F6C3}"/>
+                <a16:creationId xmlns:a16="http://schemas.microsoft.com/office/drawing/2014/main" xmlns="" id="{23A80384-9207-4A80-9B70-A1F7CDE8F6C3}"/>
               </a:ext>
             </a:extLst>
           </p:cNvPr>
@@ -2749,7 +2750,7 @@
           <p:cNvPr id="19" name="Oval 18">
             <a:extLst>
               <a:ext uri="{FF2B5EF4-FFF2-40B4-BE49-F238E27FC236}">
-                <a16:creationId xmlns:a16="http://schemas.microsoft.com/office/drawing/2014/main" id="{4C416A75-B8CF-4929-BC37-2BBFEDC80AA1}"/>
+                <a16:creationId xmlns:a16="http://schemas.microsoft.com/office/drawing/2014/main" xmlns="" id="{4C416A75-B8CF-4929-BC37-2BBFEDC80AA1}"/>
               </a:ext>
             </a:extLst>
           </p:cNvPr>
@@ -2806,7 +2807,7 @@
           <p:cNvPr id="21" name="Oval 9">
             <a:extLst>
               <a:ext uri="{FF2B5EF4-FFF2-40B4-BE49-F238E27FC236}">
-                <a16:creationId xmlns:a16="http://schemas.microsoft.com/office/drawing/2014/main" id="{01AED590-6033-41B9-B612-A655FC2D2471}"/>
+                <a16:creationId xmlns:a16="http://schemas.microsoft.com/office/drawing/2014/main" xmlns="" id="{01AED590-6033-41B9-B612-A655FC2D2471}"/>
               </a:ext>
             </a:extLst>
           </p:cNvPr>
@@ -2860,7 +2861,7 @@
           <p:cNvPr id="22" name="Picture Placeholder 2">
             <a:extLst>
               <a:ext uri="{FF2B5EF4-FFF2-40B4-BE49-F238E27FC236}">
-                <a16:creationId xmlns:a16="http://schemas.microsoft.com/office/drawing/2014/main" id="{4BA74944-B383-469B-9810-16FAA4736103}"/>
+                <a16:creationId xmlns:a16="http://schemas.microsoft.com/office/drawing/2014/main" xmlns="" id="{4BA74944-B383-469B-9810-16FAA4736103}"/>
               </a:ext>
             </a:extLst>
           </p:cNvPr>
@@ -2945,7 +2946,7 @@
           <p:cNvPr id="23" name="Group 20">
             <a:extLst>
               <a:ext uri="{FF2B5EF4-FFF2-40B4-BE49-F238E27FC236}">
-                <a16:creationId xmlns:a16="http://schemas.microsoft.com/office/drawing/2014/main" id="{73844864-235F-4E14-9FBA-EB17CB8C013A}"/>
+                <a16:creationId xmlns:a16="http://schemas.microsoft.com/office/drawing/2014/main" xmlns="" id="{73844864-235F-4E14-9FBA-EB17CB8C013A}"/>
               </a:ext>
             </a:extLst>
           </p:cNvPr>
@@ -2965,7 +2966,7 @@
             <p:cNvPr id="24" name="Rounded Rectangle 21">
               <a:extLst>
                 <a:ext uri="{FF2B5EF4-FFF2-40B4-BE49-F238E27FC236}">
-                  <a16:creationId xmlns:a16="http://schemas.microsoft.com/office/drawing/2014/main" id="{A0C7D66C-8C6F-4B9E-8DC1-072BF2073C6A}"/>
+                  <a16:creationId xmlns:a16="http://schemas.microsoft.com/office/drawing/2014/main" xmlns="" id="{A0C7D66C-8C6F-4B9E-8DC1-072BF2073C6A}"/>
                 </a:ext>
               </a:extLst>
             </p:cNvPr>
@@ -3030,7 +3031,7 @@
             <p:cNvPr id="25" name="Rectangle 22">
               <a:extLst>
                 <a:ext uri="{FF2B5EF4-FFF2-40B4-BE49-F238E27FC236}">
-                  <a16:creationId xmlns:a16="http://schemas.microsoft.com/office/drawing/2014/main" id="{764ECC13-9256-4F74-B289-1001D8F2747F}"/>
+                  <a16:creationId xmlns:a16="http://schemas.microsoft.com/office/drawing/2014/main" xmlns="" id="{764ECC13-9256-4F74-B289-1001D8F2747F}"/>
                 </a:ext>
               </a:extLst>
             </p:cNvPr>
@@ -3084,7 +3085,7 @@
             <p:cNvPr id="26" name="Group 23">
               <a:extLst>
                 <a:ext uri="{FF2B5EF4-FFF2-40B4-BE49-F238E27FC236}">
-                  <a16:creationId xmlns:a16="http://schemas.microsoft.com/office/drawing/2014/main" id="{808E2BAA-465D-4C79-8B44-51C252EE8A0B}"/>
+                  <a16:creationId xmlns:a16="http://schemas.microsoft.com/office/drawing/2014/main" xmlns="" id="{808E2BAA-465D-4C79-8B44-51C252EE8A0B}"/>
                 </a:ext>
               </a:extLst>
             </p:cNvPr>
@@ -3104,7 +3105,7 @@
               <p:cNvPr id="27" name="Oval 24">
                 <a:extLst>
                   <a:ext uri="{FF2B5EF4-FFF2-40B4-BE49-F238E27FC236}">
-                    <a16:creationId xmlns:a16="http://schemas.microsoft.com/office/drawing/2014/main" id="{2402E4F7-C37D-4790-B616-737E2810F7FC}"/>
+                    <a16:creationId xmlns:a16="http://schemas.microsoft.com/office/drawing/2014/main" xmlns="" id="{2402E4F7-C37D-4790-B616-737E2810F7FC}"/>
                   </a:ext>
                 </a:extLst>
               </p:cNvPr>
@@ -3193,7 +3194,7 @@
               <p:cNvPr id="28" name="Rounded Rectangle 25">
                 <a:extLst>
                   <a:ext uri="{FF2B5EF4-FFF2-40B4-BE49-F238E27FC236}">
-                    <a16:creationId xmlns:a16="http://schemas.microsoft.com/office/drawing/2014/main" id="{76D07C3D-86F4-43C7-B719-BBBFD744E107}"/>
+                    <a16:creationId xmlns:a16="http://schemas.microsoft.com/office/drawing/2014/main" xmlns="" id="{76D07C3D-86F4-43C7-B719-BBBFD744E107}"/>
                   </a:ext>
                 </a:extLst>
               </p:cNvPr>
@@ -3251,7 +3252,7 @@
           <p:cNvPr id="29" name="Picture Placeholder 2">
             <a:extLst>
               <a:ext uri="{FF2B5EF4-FFF2-40B4-BE49-F238E27FC236}">
-                <a16:creationId xmlns:a16="http://schemas.microsoft.com/office/drawing/2014/main" id="{1B67B68D-FEC5-42A8-B837-0016014A5CE9}"/>
+                <a16:creationId xmlns:a16="http://schemas.microsoft.com/office/drawing/2014/main" xmlns="" id="{1B67B68D-FEC5-42A8-B837-0016014A5CE9}"/>
               </a:ext>
             </a:extLst>
           </p:cNvPr>
@@ -3336,7 +3337,7 @@
           <p:cNvPr id="30" name="Text Placeholder 9">
             <a:extLst>
               <a:ext uri="{FF2B5EF4-FFF2-40B4-BE49-F238E27FC236}">
-                <a16:creationId xmlns:a16="http://schemas.microsoft.com/office/drawing/2014/main" id="{16F402C5-963E-430D-8D32-CCEA9657B818}"/>
+                <a16:creationId xmlns:a16="http://schemas.microsoft.com/office/drawing/2014/main" xmlns="" id="{16F402C5-963E-430D-8D32-CCEA9657B818}"/>
               </a:ext>
             </a:extLst>
           </p:cNvPr>
@@ -3862,7 +3863,7 @@
           <p:cNvPr id="2" name="Picture Placeholder 22">
             <a:extLst>
               <a:ext uri="{FF2B5EF4-FFF2-40B4-BE49-F238E27FC236}">
-                <a16:creationId xmlns:a16="http://schemas.microsoft.com/office/drawing/2014/main" id="{E58C46AB-72B0-452F-8968-7F13D6C69330}"/>
+                <a16:creationId xmlns:a16="http://schemas.microsoft.com/office/drawing/2014/main" xmlns="" id="{E58C46AB-72B0-452F-8968-7F13D6C69330}"/>
               </a:ext>
             </a:extLst>
           </p:cNvPr>
@@ -4450,7 +4451,7 @@
           <p:cNvPr id="2" name="Rectangle 1">
             <a:extLst>
               <a:ext uri="{FF2B5EF4-FFF2-40B4-BE49-F238E27FC236}">
-                <a16:creationId xmlns:a16="http://schemas.microsoft.com/office/drawing/2014/main" id="{30AE252F-2F95-498B-9748-639B6E785753}"/>
+                <a16:creationId xmlns:a16="http://schemas.microsoft.com/office/drawing/2014/main" xmlns="" id="{30AE252F-2F95-498B-9748-639B6E785753}"/>
               </a:ext>
             </a:extLst>
           </p:cNvPr>
@@ -4499,7 +4500,7 @@
           <p:cNvPr id="3" name="Picture Placeholder 2">
             <a:extLst>
               <a:ext uri="{FF2B5EF4-FFF2-40B4-BE49-F238E27FC236}">
-                <a16:creationId xmlns:a16="http://schemas.microsoft.com/office/drawing/2014/main" id="{2000EF3A-BE58-433D-9D14-B9221C51EC72}"/>
+                <a16:creationId xmlns:a16="http://schemas.microsoft.com/office/drawing/2014/main" xmlns="" id="{2000EF3A-BE58-433D-9D14-B9221C51EC72}"/>
               </a:ext>
             </a:extLst>
           </p:cNvPr>
@@ -5984,7 +5985,7 @@
           <p:cNvPr id="58" name="TextBox 57">
             <a:extLst>
               <a:ext uri="{FF2B5EF4-FFF2-40B4-BE49-F238E27FC236}">
-                <a16:creationId xmlns:a16="http://schemas.microsoft.com/office/drawing/2014/main" id="{5644E8BB-F13A-4AE0-889E-633DE4143787}"/>
+                <a16:creationId xmlns:a16="http://schemas.microsoft.com/office/drawing/2014/main" xmlns="" id="{5644E8BB-F13A-4AE0-889E-633DE4143787}"/>
               </a:ext>
             </a:extLst>
           </p:cNvPr>
@@ -6032,7 +6033,7 @@
           <p:cNvPr id="59" name="TextBox 58">
             <a:extLst>
               <a:ext uri="{FF2B5EF4-FFF2-40B4-BE49-F238E27FC236}">
-                <a16:creationId xmlns:a16="http://schemas.microsoft.com/office/drawing/2014/main" id="{F2CE2B8B-ED32-491A-95B2-D28904BC432C}"/>
+                <a16:creationId xmlns:a16="http://schemas.microsoft.com/office/drawing/2014/main" xmlns="" id="{F2CE2B8B-ED32-491A-95B2-D28904BC432C}"/>
               </a:ext>
             </a:extLst>
           </p:cNvPr>
@@ -6092,7 +6093,7 @@
           <p:cNvPr id="60" name="TextBox 59">
             <a:extLst>
               <a:ext uri="{FF2B5EF4-FFF2-40B4-BE49-F238E27FC236}">
-                <a16:creationId xmlns:a16="http://schemas.microsoft.com/office/drawing/2014/main" id="{962A52DF-2523-4479-BFA3-B5ACE9887E1C}"/>
+                <a16:creationId xmlns:a16="http://schemas.microsoft.com/office/drawing/2014/main" xmlns="" id="{962A52DF-2523-4479-BFA3-B5ACE9887E1C}"/>
               </a:ext>
             </a:extLst>
           </p:cNvPr>
@@ -6141,7 +6142,7 @@
           <p:cNvPr id="61" name="TextBox 60">
             <a:extLst>
               <a:ext uri="{FF2B5EF4-FFF2-40B4-BE49-F238E27FC236}">
-                <a16:creationId xmlns:a16="http://schemas.microsoft.com/office/drawing/2014/main" id="{BAAC314F-E96A-4408-95DE-A70E9ED054AF}"/>
+                <a16:creationId xmlns:a16="http://schemas.microsoft.com/office/drawing/2014/main" xmlns="" id="{BAAC314F-E96A-4408-95DE-A70E9ED054AF}"/>
               </a:ext>
             </a:extLst>
           </p:cNvPr>
@@ -16062,7 +16063,7 @@
           <p:cNvPr id="2" name="Text Placeholder 9">
             <a:extLst>
               <a:ext uri="{FF2B5EF4-FFF2-40B4-BE49-F238E27FC236}">
-                <a16:creationId xmlns:a16="http://schemas.microsoft.com/office/drawing/2014/main" id="{23DE32A5-6181-4C51-AD5C-3F1A448478A1}"/>
+                <a16:creationId xmlns:a16="http://schemas.microsoft.com/office/drawing/2014/main" xmlns="" id="{23DE32A5-6181-4C51-AD5C-3F1A448478A1}"/>
               </a:ext>
             </a:extLst>
           </p:cNvPr>
@@ -21501,7 +21502,7 @@
           <p:cNvPr id="3" name="Text Placeholder 9">
             <a:extLst>
               <a:ext uri="{FF2B5EF4-FFF2-40B4-BE49-F238E27FC236}">
-                <a16:creationId xmlns:a16="http://schemas.microsoft.com/office/drawing/2014/main" id="{EF70765A-4598-4D75-8EBE-B820808F6559}"/>
+                <a16:creationId xmlns:a16="http://schemas.microsoft.com/office/drawing/2014/main" xmlns="" id="{EF70765A-4598-4D75-8EBE-B820808F6559}"/>
               </a:ext>
             </a:extLst>
           </p:cNvPr>
@@ -21552,7 +21553,7 @@
           <p:cNvPr id="4" name="Picture Placeholder 2">
             <a:extLst>
               <a:ext uri="{FF2B5EF4-FFF2-40B4-BE49-F238E27FC236}">
-                <a16:creationId xmlns:a16="http://schemas.microsoft.com/office/drawing/2014/main" id="{CA1A6E33-8A0F-4192-83F6-2FB90AE8DE70}"/>
+                <a16:creationId xmlns:a16="http://schemas.microsoft.com/office/drawing/2014/main" xmlns="" id="{CA1A6E33-8A0F-4192-83F6-2FB90AE8DE70}"/>
               </a:ext>
             </a:extLst>
           </p:cNvPr>
@@ -21637,7 +21638,7 @@
           <p:cNvPr id="5" name="Picture Placeholder 2">
             <a:extLst>
               <a:ext uri="{FF2B5EF4-FFF2-40B4-BE49-F238E27FC236}">
-                <a16:creationId xmlns:a16="http://schemas.microsoft.com/office/drawing/2014/main" id="{B7332FD6-4CCE-4EA6-A914-847EA767CDE7}"/>
+                <a16:creationId xmlns:a16="http://schemas.microsoft.com/office/drawing/2014/main" xmlns="" id="{B7332FD6-4CCE-4EA6-A914-847EA767CDE7}"/>
               </a:ext>
             </a:extLst>
           </p:cNvPr>
@@ -21722,7 +21723,7 @@
           <p:cNvPr id="6" name="Picture Placeholder 2">
             <a:extLst>
               <a:ext uri="{FF2B5EF4-FFF2-40B4-BE49-F238E27FC236}">
-                <a16:creationId xmlns:a16="http://schemas.microsoft.com/office/drawing/2014/main" id="{5A41DCAB-7A97-4D72-8703-2A5EBB6B4047}"/>
+                <a16:creationId xmlns:a16="http://schemas.microsoft.com/office/drawing/2014/main" xmlns="" id="{5A41DCAB-7A97-4D72-8703-2A5EBB6B4047}"/>
               </a:ext>
             </a:extLst>
           </p:cNvPr>
@@ -21807,7 +21808,7 @@
           <p:cNvPr id="7" name="Picture Placeholder 2">
             <a:extLst>
               <a:ext uri="{FF2B5EF4-FFF2-40B4-BE49-F238E27FC236}">
-                <a16:creationId xmlns:a16="http://schemas.microsoft.com/office/drawing/2014/main" id="{DE59F880-57D5-4D69-ADDA-A3030C94684E}"/>
+                <a16:creationId xmlns:a16="http://schemas.microsoft.com/office/drawing/2014/main" xmlns="" id="{DE59F880-57D5-4D69-ADDA-A3030C94684E}"/>
               </a:ext>
             </a:extLst>
           </p:cNvPr>
@@ -22133,7 +22134,7 @@
           <p:cNvPr id="4" name="Rectangle 3">
             <a:extLst>
               <a:ext uri="{FF2B5EF4-FFF2-40B4-BE49-F238E27FC236}">
-                <a16:creationId xmlns:a16="http://schemas.microsoft.com/office/drawing/2014/main" id="{5343D5AB-FDE8-4863-8B0B-FF0EDBC68861}"/>
+                <a16:creationId xmlns:a16="http://schemas.microsoft.com/office/drawing/2014/main" xmlns="" id="{5343D5AB-FDE8-4863-8B0B-FF0EDBC68861}"/>
               </a:ext>
             </a:extLst>
           </p:cNvPr>
@@ -22187,7 +22188,7 @@
           <p:cNvPr id="5" name="Rectangle 4">
             <a:extLst>
               <a:ext uri="{FF2B5EF4-FFF2-40B4-BE49-F238E27FC236}">
-                <a16:creationId xmlns:a16="http://schemas.microsoft.com/office/drawing/2014/main" id="{A0C96F43-3876-47CC-B363-9FBE2E05752F}"/>
+                <a16:creationId xmlns:a16="http://schemas.microsoft.com/office/drawing/2014/main" xmlns="" id="{A0C96F43-3876-47CC-B363-9FBE2E05752F}"/>
               </a:ext>
             </a:extLst>
           </p:cNvPr>
@@ -22241,7 +22242,7 @@
           <p:cNvPr id="6" name="Rectangle 5">
             <a:extLst>
               <a:ext uri="{FF2B5EF4-FFF2-40B4-BE49-F238E27FC236}">
-                <a16:creationId xmlns:a16="http://schemas.microsoft.com/office/drawing/2014/main" id="{E4127DCA-3196-491D-86F7-98470FD4534B}"/>
+                <a16:creationId xmlns:a16="http://schemas.microsoft.com/office/drawing/2014/main" xmlns="" id="{E4127DCA-3196-491D-86F7-98470FD4534B}"/>
               </a:ext>
             </a:extLst>
           </p:cNvPr>
@@ -22295,7 +22296,7 @@
           <p:cNvPr id="7" name="Rectangle 6">
             <a:extLst>
               <a:ext uri="{FF2B5EF4-FFF2-40B4-BE49-F238E27FC236}">
-                <a16:creationId xmlns:a16="http://schemas.microsoft.com/office/drawing/2014/main" id="{C0F3D9F4-8CA6-4676-B29C-CF1677EB90FF}"/>
+                <a16:creationId xmlns:a16="http://schemas.microsoft.com/office/drawing/2014/main" xmlns="" id="{C0F3D9F4-8CA6-4676-B29C-CF1677EB90FF}"/>
               </a:ext>
             </a:extLst>
           </p:cNvPr>
@@ -22346,7 +22347,7 @@
           <p:cNvPr id="2" name="그림 개체 틀 2">
             <a:extLst>
               <a:ext uri="{FF2B5EF4-FFF2-40B4-BE49-F238E27FC236}">
-                <a16:creationId xmlns:a16="http://schemas.microsoft.com/office/drawing/2014/main" id="{BCD635CC-1412-43AB-9F1C-D19087A8B8A1}"/>
+                <a16:creationId xmlns:a16="http://schemas.microsoft.com/office/drawing/2014/main" xmlns="" id="{BCD635CC-1412-43AB-9F1C-D19087A8B8A1}"/>
               </a:ext>
             </a:extLst>
           </p:cNvPr>
@@ -22401,7 +22402,7 @@
           <p:cNvPr id="3" name="Text Placeholder 9">
             <a:extLst>
               <a:ext uri="{FF2B5EF4-FFF2-40B4-BE49-F238E27FC236}">
-                <a16:creationId xmlns:a16="http://schemas.microsoft.com/office/drawing/2014/main" id="{A92F2F0B-AB18-4F91-BFCD-5E07920CEC1B}"/>
+                <a16:creationId xmlns:a16="http://schemas.microsoft.com/office/drawing/2014/main" xmlns="" id="{A92F2F0B-AB18-4F91-BFCD-5E07920CEC1B}"/>
               </a:ext>
             </a:extLst>
           </p:cNvPr>
@@ -22956,7 +22957,7 @@
           <p:cNvPr id="22" name="Picture Placeholder 21">
             <a:extLst>
               <a:ext uri="{FF2B5EF4-FFF2-40B4-BE49-F238E27FC236}">
-                <a16:creationId xmlns:a16="http://schemas.microsoft.com/office/drawing/2014/main" id="{FB08BDAF-A042-4560-BBD8-F1CA5D9DB155}"/>
+                <a16:creationId xmlns:a16="http://schemas.microsoft.com/office/drawing/2014/main" xmlns="" id="{FB08BDAF-A042-4560-BBD8-F1CA5D9DB155}"/>
               </a:ext>
             </a:extLst>
           </p:cNvPr>
@@ -23055,7 +23056,7 @@
           <p:cNvPr id="20" name="Picture Placeholder 19">
             <a:extLst>
               <a:ext uri="{FF2B5EF4-FFF2-40B4-BE49-F238E27FC236}">
-                <a16:creationId xmlns:a16="http://schemas.microsoft.com/office/drawing/2014/main" id="{E375B096-EBDB-4C71-BACA-9F780BF70233}"/>
+                <a16:creationId xmlns:a16="http://schemas.microsoft.com/office/drawing/2014/main" xmlns="" id="{E375B096-EBDB-4C71-BACA-9F780BF70233}"/>
               </a:ext>
             </a:extLst>
           </p:cNvPr>
@@ -23162,7 +23163,7 @@
           <p:cNvPr id="19" name="Picture Placeholder 18">
             <a:extLst>
               <a:ext uri="{FF2B5EF4-FFF2-40B4-BE49-F238E27FC236}">
-                <a16:creationId xmlns:a16="http://schemas.microsoft.com/office/drawing/2014/main" id="{31F3A08B-34AD-476C-9953-B19BAF7F628C}"/>
+                <a16:creationId xmlns:a16="http://schemas.microsoft.com/office/drawing/2014/main" xmlns="" id="{31F3A08B-34AD-476C-9953-B19BAF7F628C}"/>
               </a:ext>
             </a:extLst>
           </p:cNvPr>
@@ -23261,7 +23262,7 @@
           <p:cNvPr id="18" name="Picture Placeholder 17">
             <a:extLst>
               <a:ext uri="{FF2B5EF4-FFF2-40B4-BE49-F238E27FC236}">
-                <a16:creationId xmlns:a16="http://schemas.microsoft.com/office/drawing/2014/main" id="{164DE5B1-7A92-485E-BF4B-DC34DB0ECFFE}"/>
+                <a16:creationId xmlns:a16="http://schemas.microsoft.com/office/drawing/2014/main" xmlns="" id="{164DE5B1-7A92-485E-BF4B-DC34DB0ECFFE}"/>
               </a:ext>
             </a:extLst>
           </p:cNvPr>
@@ -23360,7 +23361,7 @@
           <p:cNvPr id="6" name="Freeform: Shape 5">
             <a:extLst>
               <a:ext uri="{FF2B5EF4-FFF2-40B4-BE49-F238E27FC236}">
-                <a16:creationId xmlns:a16="http://schemas.microsoft.com/office/drawing/2014/main" id="{D6D283E2-312F-41C5-9422-DB6C85B4455D}"/>
+                <a16:creationId xmlns:a16="http://schemas.microsoft.com/office/drawing/2014/main" xmlns="" id="{D6D283E2-312F-41C5-9422-DB6C85B4455D}"/>
               </a:ext>
             </a:extLst>
           </p:cNvPr>
@@ -23455,7 +23456,7 @@
           <p:cNvPr id="13" name="Freeform: Shape 12">
             <a:extLst>
               <a:ext uri="{FF2B5EF4-FFF2-40B4-BE49-F238E27FC236}">
-                <a16:creationId xmlns:a16="http://schemas.microsoft.com/office/drawing/2014/main" id="{B1AAC7CE-37C6-4882-8A2F-D617C7403A00}"/>
+                <a16:creationId xmlns:a16="http://schemas.microsoft.com/office/drawing/2014/main" xmlns="" id="{B1AAC7CE-37C6-4882-8A2F-D617C7403A00}"/>
               </a:ext>
             </a:extLst>
           </p:cNvPr>
@@ -24868,7 +24869,7 @@
           <p:cNvPr id="6" name="TextBox 7">
             <a:extLst>
               <a:ext uri="{FF2B5EF4-FFF2-40B4-BE49-F238E27FC236}">
-                <a16:creationId xmlns:a16="http://schemas.microsoft.com/office/drawing/2014/main" id="{03B4C724-0776-4328-8F0A-B72DA1579537}"/>
+                <a16:creationId xmlns:a16="http://schemas.microsoft.com/office/drawing/2014/main" xmlns="" id="{03B4C724-0776-4328-8F0A-B72DA1579537}"/>
               </a:ext>
             </a:extLst>
           </p:cNvPr>
@@ -24991,7 +24992,7 @@
           <p:cNvPr id="3" name="TextBox 3">
             <a:extLst>
               <a:ext uri="{FF2B5EF4-FFF2-40B4-BE49-F238E27FC236}">
-                <a16:creationId xmlns:a16="http://schemas.microsoft.com/office/drawing/2014/main" id="{15A4BDA0-C270-4764-9C18-A593BCE2C965}"/>
+                <a16:creationId xmlns:a16="http://schemas.microsoft.com/office/drawing/2014/main" xmlns="" id="{15A4BDA0-C270-4764-9C18-A593BCE2C965}"/>
               </a:ext>
             </a:extLst>
           </p:cNvPr>
@@ -25000,7 +25001,7 @@
         </p:nvSpPr>
         <p:spPr>
           <a:xfrm>
-            <a:off x="1079477" y="623463"/>
+            <a:off x="2256635" y="329174"/>
             <a:ext cx="6862740" cy="646331"/>
           </a:xfrm>
           <a:prstGeom prst="rect">
@@ -25040,6 +25041,60 @@
           </a:p>
         </p:txBody>
       </p:sp>
+      <p:pic>
+        <p:nvPicPr>
+          <p:cNvPr id="4" name="Image 3"/>
+          <p:cNvPicPr>
+            <a:picLocks noChangeAspect="1"/>
+          </p:cNvPicPr>
+          <p:nvPr/>
+        </p:nvPicPr>
+        <p:blipFill>
+          <a:blip r:embed="rId2">
+            <a:extLst>
+              <a:ext uri="{28A0092B-C50C-407E-A947-70E740481C1C}">
+                <a14:useLocalDpi xmlns:a14="http://schemas.microsoft.com/office/drawing/2010/main" val="0"/>
+              </a:ext>
+            </a:extLst>
+          </a:blip>
+          <a:stretch>
+            <a:fillRect/>
+          </a:stretch>
+        </p:blipFill>
+        <p:spPr>
+          <a:xfrm>
+            <a:off x="1108920" y="1283382"/>
+            <a:ext cx="4987080" cy="4739045"/>
+          </a:xfrm>
+          <a:prstGeom prst="rect">
+            <a:avLst/>
+          </a:prstGeom>
+        </p:spPr>
+      </p:pic>
+      <p:pic>
+        <p:nvPicPr>
+          <p:cNvPr id="5" name="Image 4"/>
+          <p:cNvPicPr>
+            <a:picLocks noChangeAspect="1"/>
+          </p:cNvPicPr>
+          <p:nvPr/>
+        </p:nvPicPr>
+        <p:blipFill>
+          <a:blip r:embed="rId3"/>
+          <a:stretch>
+            <a:fillRect/>
+          </a:stretch>
+        </p:blipFill>
+        <p:spPr>
+          <a:xfrm>
+            <a:off x="10063863" y="652339"/>
+            <a:ext cx="1733792" cy="847843"/>
+          </a:xfrm>
+          <a:prstGeom prst="rect">
+            <a:avLst/>
+          </a:prstGeom>
+        </p:spPr>
+      </p:pic>
     </p:spTree>
     <p:extLst>
       <p:ext uri="{BB962C8B-B14F-4D97-AF65-F5344CB8AC3E}">
@@ -25104,7 +25159,7 @@
           <p:cNvPr id="29" name="Text Placeholder 1">
             <a:extLst>
               <a:ext uri="{FF2B5EF4-FFF2-40B4-BE49-F238E27FC236}">
-                <a16:creationId xmlns:a16="http://schemas.microsoft.com/office/drawing/2014/main" id="{D735F7F3-C1B5-4B60-A00A-4EB618DDFB5A}"/>
+                <a16:creationId xmlns:a16="http://schemas.microsoft.com/office/drawing/2014/main" xmlns="" id="{D735F7F3-C1B5-4B60-A00A-4EB618DDFB5A}"/>
               </a:ext>
             </a:extLst>
           </p:cNvPr>
@@ -25740,242 +25795,66 @@
           </a:p>
         </p:txBody>
       </p:sp>
-      <p:sp>
-        <p:nvSpPr>
-          <p:cNvPr id="43" name="TextBox 18">
+      <p:pic>
+        <p:nvPicPr>
+          <p:cNvPr id="3" name="Image 2"/>
+          <p:cNvPicPr>
+            <a:picLocks noChangeAspect="1"/>
+          </p:cNvPicPr>
+          <p:nvPr/>
+        </p:nvPicPr>
+        <p:blipFill>
+          <a:blip r:embed="rId4">
             <a:extLst>
-              <a:ext uri="{FF2B5EF4-FFF2-40B4-BE49-F238E27FC236}">
-                <a16:creationId xmlns:a16="http://schemas.microsoft.com/office/drawing/2014/main" id="{2106AE42-381B-4181-99FF-C01ED1B820A7}"/>
+              <a:ext uri="{28A0092B-C50C-407E-A947-70E740481C1C}">
+                <a14:useLocalDpi xmlns:a14="http://schemas.microsoft.com/office/drawing/2010/main" val="0"/>
               </a:ext>
             </a:extLst>
-          </p:cNvPr>
-          <p:cNvSpPr txBox="1"/>
+          </a:blip>
+          <a:stretch>
+            <a:fillRect/>
+          </a:stretch>
+        </p:blipFill>
+        <p:spPr>
+          <a:xfrm>
+            <a:off x="6193336" y="3579896"/>
+            <a:ext cx="5087746" cy="2089609"/>
+          </a:xfrm>
+          <a:prstGeom prst="rect">
+            <a:avLst/>
+          </a:prstGeom>
+        </p:spPr>
+      </p:pic>
+      <p:pic>
+        <p:nvPicPr>
+          <p:cNvPr id="4" name="Image 3"/>
+          <p:cNvPicPr>
+            <a:picLocks noChangeAspect="1"/>
+          </p:cNvPicPr>
           <p:nvPr/>
-        </p:nvSpPr>
-        <p:spPr>
-          <a:xfrm>
-            <a:off x="2027617" y="4875538"/>
-            <a:ext cx="4101573" cy="461665"/>
-          </a:xfrm>
-          <a:prstGeom prst="rect">
-            <a:avLst/>
-          </a:prstGeom>
-          <a:noFill/>
-        </p:spPr>
-        <p:txBody>
-          <a:bodyPr wrap="square" rtlCol="0">
-            <a:spAutoFit/>
-          </a:bodyPr>
-          <a:lstStyle/>
-          <a:p>
-            <a:r>
-              <a:rPr lang="en-US" altLang="ko-KR" sz="1200" dirty="0" smtClean="0">
-                <a:solidFill>
-                  <a:schemeClr val="tx1">
-                    <a:lumMod val="75000"/>
-                    <a:lumOff val="25000"/>
-                  </a:schemeClr>
-                </a:solidFill>
-                <a:latin typeface="Candara" panose="020E0502030303020204" pitchFamily="34" charset="0"/>
-                <a:cs typeface="Arial" pitchFamily="34" charset="0"/>
-              </a:rPr>
-              <a:t>pour </a:t>
-            </a:r>
-            <a:r>
-              <a:rPr lang="en-US" altLang="ko-KR" sz="1200" dirty="0" err="1" smtClean="0">
-                <a:solidFill>
-                  <a:schemeClr val="tx1">
-                    <a:lumMod val="75000"/>
-                    <a:lumOff val="25000"/>
-                  </a:schemeClr>
-                </a:solidFill>
-                <a:latin typeface="Candara" panose="020E0502030303020204" pitchFamily="34" charset="0"/>
-                <a:cs typeface="Arial" pitchFamily="34" charset="0"/>
-              </a:rPr>
-              <a:t>arrete</a:t>
-            </a:r>
-            <a:r>
-              <a:rPr lang="en-US" altLang="ko-KR" sz="1200" dirty="0" smtClean="0">
-                <a:solidFill>
-                  <a:schemeClr val="tx1">
-                    <a:lumMod val="75000"/>
-                    <a:lumOff val="25000"/>
-                  </a:schemeClr>
-                </a:solidFill>
-                <a:latin typeface="Candara" panose="020E0502030303020204" pitchFamily="34" charset="0"/>
-                <a:cs typeface="Arial" pitchFamily="34" charset="0"/>
-              </a:rPr>
-              <a:t> le server </a:t>
-            </a:r>
-            <a:r>
-              <a:rPr lang="en-US" altLang="ko-KR" sz="1200" dirty="0" err="1" smtClean="0">
-                <a:solidFill>
-                  <a:schemeClr val="tx1">
-                    <a:lumMod val="75000"/>
-                    <a:lumOff val="25000"/>
-                  </a:schemeClr>
-                </a:solidFill>
-                <a:latin typeface="Candara" panose="020E0502030303020204" pitchFamily="34" charset="0"/>
-                <a:cs typeface="Arial" pitchFamily="34" charset="0"/>
-              </a:rPr>
-              <a:t>il</a:t>
-            </a:r>
-            <a:r>
-              <a:rPr lang="en-US" altLang="ko-KR" sz="1200" dirty="0" smtClean="0">
-                <a:solidFill>
-                  <a:schemeClr val="tx1">
-                    <a:lumMod val="75000"/>
-                    <a:lumOff val="25000"/>
-                  </a:schemeClr>
-                </a:solidFill>
-                <a:latin typeface="Candara" panose="020E0502030303020204" pitchFamily="34" charset="0"/>
-                <a:cs typeface="Arial" pitchFamily="34" charset="0"/>
-              </a:rPr>
-              <a:t> </a:t>
-            </a:r>
-            <a:r>
-              <a:rPr lang="en-US" altLang="ko-KR" sz="1200" dirty="0" err="1" smtClean="0">
-                <a:solidFill>
-                  <a:schemeClr val="tx1">
-                    <a:lumMod val="75000"/>
-                    <a:lumOff val="25000"/>
-                  </a:schemeClr>
-                </a:solidFill>
-                <a:latin typeface="Candara" panose="020E0502030303020204" pitchFamily="34" charset="0"/>
-                <a:cs typeface="Arial" pitchFamily="34" charset="0"/>
-              </a:rPr>
-              <a:t>faut</a:t>
-            </a:r>
-            <a:r>
-              <a:rPr lang="en-US" altLang="ko-KR" sz="1200" dirty="0" smtClean="0">
-                <a:solidFill>
-                  <a:schemeClr val="tx1">
-                    <a:lumMod val="75000"/>
-                    <a:lumOff val="25000"/>
-                  </a:schemeClr>
-                </a:solidFill>
-                <a:latin typeface="Candara" panose="020E0502030303020204" pitchFamily="34" charset="0"/>
-                <a:cs typeface="Arial" pitchFamily="34" charset="0"/>
-              </a:rPr>
-              <a:t> </a:t>
-            </a:r>
-            <a:r>
-              <a:rPr lang="en-US" altLang="ko-KR" sz="1200" dirty="0" err="1" smtClean="0">
-                <a:solidFill>
-                  <a:schemeClr val="tx1">
-                    <a:lumMod val="75000"/>
-                    <a:lumOff val="25000"/>
-                  </a:schemeClr>
-                </a:solidFill>
-                <a:latin typeface="Candara" panose="020E0502030303020204" pitchFamily="34" charset="0"/>
-                <a:cs typeface="Arial" pitchFamily="34" charset="0"/>
-              </a:rPr>
-              <a:t>aller</a:t>
-            </a:r>
-            <a:r>
-              <a:rPr lang="en-US" altLang="ko-KR" sz="1200" dirty="0" smtClean="0">
-                <a:solidFill>
-                  <a:schemeClr val="tx1">
-                    <a:lumMod val="75000"/>
-                    <a:lumOff val="25000"/>
-                  </a:schemeClr>
-                </a:solidFill>
-                <a:latin typeface="Candara" panose="020E0502030303020204" pitchFamily="34" charset="0"/>
-                <a:cs typeface="Arial" pitchFamily="34" charset="0"/>
-              </a:rPr>
-              <a:t> </a:t>
-            </a:r>
-            <a:r>
-              <a:rPr lang="en-US" altLang="ko-KR" sz="1200" dirty="0" err="1" smtClean="0">
-                <a:solidFill>
-                  <a:schemeClr val="tx1">
-                    <a:lumMod val="75000"/>
-                    <a:lumOff val="25000"/>
-                  </a:schemeClr>
-                </a:solidFill>
-                <a:latin typeface="Candara" panose="020E0502030303020204" pitchFamily="34" charset="0"/>
-                <a:cs typeface="Arial" pitchFamily="34" charset="0"/>
-              </a:rPr>
-              <a:t>dans</a:t>
-            </a:r>
-            <a:r>
-              <a:rPr lang="en-US" altLang="ko-KR" sz="1200" dirty="0" smtClean="0">
-                <a:solidFill>
-                  <a:schemeClr val="tx1">
-                    <a:lumMod val="75000"/>
-                    <a:lumOff val="25000"/>
-                  </a:schemeClr>
-                </a:solidFill>
-                <a:latin typeface="Candara" panose="020E0502030303020204" pitchFamily="34" charset="0"/>
-                <a:cs typeface="Arial" pitchFamily="34" charset="0"/>
-              </a:rPr>
-              <a:t> le </a:t>
-            </a:r>
-            <a:r>
-              <a:rPr lang="en-US" altLang="ko-KR" sz="1200" dirty="0" err="1" smtClean="0">
-                <a:solidFill>
-                  <a:schemeClr val="tx1">
-                    <a:lumMod val="75000"/>
-                    <a:lumOff val="25000"/>
-                  </a:schemeClr>
-                </a:solidFill>
-                <a:latin typeface="Candara" panose="020E0502030303020204" pitchFamily="34" charset="0"/>
-                <a:cs typeface="Arial" pitchFamily="34" charset="0"/>
-              </a:rPr>
-              <a:t>terminale</a:t>
-            </a:r>
-            <a:r>
-              <a:rPr lang="en-US" altLang="ko-KR" sz="1200" dirty="0" smtClean="0">
-                <a:solidFill>
-                  <a:schemeClr val="tx1">
-                    <a:lumMod val="75000"/>
-                    <a:lumOff val="25000"/>
-                  </a:schemeClr>
-                </a:solidFill>
-                <a:latin typeface="Candara" panose="020E0502030303020204" pitchFamily="34" charset="0"/>
-                <a:cs typeface="Arial" pitchFamily="34" charset="0"/>
-              </a:rPr>
-              <a:t> et executer </a:t>
-            </a:r>
-            <a:r>
-              <a:rPr lang="en-US" altLang="ko-KR" sz="1200" dirty="0" err="1" smtClean="0">
-                <a:solidFill>
-                  <a:schemeClr val="tx1">
-                    <a:lumMod val="75000"/>
-                    <a:lumOff val="25000"/>
-                  </a:schemeClr>
-                </a:solidFill>
-                <a:latin typeface="Candara" panose="020E0502030303020204" pitchFamily="34" charset="0"/>
-                <a:cs typeface="Arial" pitchFamily="34" charset="0"/>
-              </a:rPr>
-              <a:t>controle</a:t>
-            </a:r>
-            <a:r>
-              <a:rPr lang="en-US" altLang="ko-KR" sz="1200" dirty="0" smtClean="0">
-                <a:solidFill>
-                  <a:schemeClr val="tx1">
-                    <a:lumMod val="75000"/>
-                    <a:lumOff val="25000"/>
-                  </a:schemeClr>
-                </a:solidFill>
-                <a:latin typeface="Candara" panose="020E0502030303020204" pitchFamily="34" charset="0"/>
-                <a:cs typeface="Arial" pitchFamily="34" charset="0"/>
-              </a:rPr>
-              <a:t> c</a:t>
-            </a:r>
-            <a:endParaRPr lang="en-US" altLang="ko-KR" sz="1200" dirty="0">
-              <a:solidFill>
-                <a:schemeClr val="tx1">
-                  <a:lumMod val="75000"/>
-                  <a:lumOff val="25000"/>
-                </a:schemeClr>
-              </a:solidFill>
-              <a:latin typeface="Candara" panose="020E0502030303020204" pitchFamily="34" charset="0"/>
-              <a:cs typeface="Arial" pitchFamily="34" charset="0"/>
-            </a:endParaRPr>
-          </a:p>
-        </p:txBody>
-      </p:sp>
+        </p:nvPicPr>
+        <p:blipFill>
+          <a:blip r:embed="rId5">
+            <a:extLst>
+              <a:ext uri="{28A0092B-C50C-407E-A947-70E740481C1C}">
+                <a14:useLocalDpi xmlns:a14="http://schemas.microsoft.com/office/drawing/2010/main" val="0"/>
+              </a:ext>
+            </a:extLst>
+          </a:blip>
+          <a:stretch>
+            <a:fillRect/>
+          </a:stretch>
+        </p:blipFill>
+        <p:spPr>
+          <a:xfrm>
+            <a:off x="688317" y="4087001"/>
+            <a:ext cx="5201376" cy="676369"/>
+          </a:xfrm>
+          <a:prstGeom prst="rect">
+            <a:avLst/>
+          </a:prstGeom>
+        </p:spPr>
+      </p:pic>
     </p:spTree>
     <p:extLst>
       <p:ext uri="{BB962C8B-B14F-4D97-AF65-F5344CB8AC3E}">
@@ -26025,8 +25904,8 @@
         </p:nvSpPr>
         <p:spPr>
           <a:xfrm>
-            <a:off x="135639" y="414665"/>
-            <a:ext cx="11573197" cy="2015384"/>
+            <a:off x="1260247" y="477727"/>
+            <a:ext cx="9113463" cy="1813528"/>
           </a:xfrm>
         </p:spPr>
         <p:txBody>
@@ -26034,10 +25913,10 @@
           <a:lstStyle/>
           <a:p>
             <a:r>
-              <a:rPr lang="fr-FR" dirty="0" smtClean="0"/>
+              <a:rPr lang="fr-FR" sz="4400" dirty="0" smtClean="0"/>
               <a:t>STRUCTURE FONCTIONNELLE DE SPRING BOOT</a:t>
             </a:r>
-            <a:endParaRPr lang="fr-FR" dirty="0"/>
+            <a:endParaRPr lang="fr-FR" sz="4400" dirty="0"/>
           </a:p>
         </p:txBody>
       </p:sp>
@@ -26067,7 +25946,7 @@
       </p:sp>
       <p:pic>
         <p:nvPicPr>
-          <p:cNvPr id="5" name="Image 4"/>
+          <p:cNvPr id="4" name="Image 3"/>
           <p:cNvPicPr>
             <a:picLocks noChangeAspect="1"/>
           </p:cNvPicPr>
@@ -26087,8 +25966,38 @@
         </p:blipFill>
         <p:spPr>
           <a:xfrm>
-            <a:off x="1931703" y="2138182"/>
-            <a:ext cx="7487869" cy="3761577"/>
+            <a:off x="5257802" y="2410480"/>
+            <a:ext cx="6095998" cy="3518664"/>
+          </a:xfrm>
+          <a:prstGeom prst="rect">
+            <a:avLst/>
+          </a:prstGeom>
+        </p:spPr>
+      </p:pic>
+      <p:pic>
+        <p:nvPicPr>
+          <p:cNvPr id="6" name="Image 5"/>
+          <p:cNvPicPr>
+            <a:picLocks noChangeAspect="1"/>
+          </p:cNvPicPr>
+          <p:nvPr/>
+        </p:nvPicPr>
+        <p:blipFill>
+          <a:blip r:embed="rId3">
+            <a:extLst>
+              <a:ext uri="{28A0092B-C50C-407E-A947-70E740481C1C}">
+                <a14:useLocalDpi xmlns:a14="http://schemas.microsoft.com/office/drawing/2010/main" val="0"/>
+              </a:ext>
+            </a:extLst>
+          </a:blip>
+          <a:stretch>
+            <a:fillRect/>
+          </a:stretch>
+        </p:blipFill>
+        <p:spPr>
+          <a:xfrm>
+            <a:off x="1243984" y="3333494"/>
+            <a:ext cx="2213920" cy="2058313"/>
           </a:xfrm>
           <a:prstGeom prst="rect">
             <a:avLst/>
@@ -26154,7 +26063,7 @@
           <p:cNvPr id="3" name="TextBox 3">
             <a:extLst>
               <a:ext uri="{FF2B5EF4-FFF2-40B4-BE49-F238E27FC236}">
-                <a16:creationId xmlns:a16="http://schemas.microsoft.com/office/drawing/2014/main" id="{15A4BDA0-C270-4764-9C18-A593BCE2C965}"/>
+                <a16:creationId xmlns:a16="http://schemas.microsoft.com/office/drawing/2014/main" xmlns="" id="{15A4BDA0-C270-4764-9C18-A593BCE2C965}"/>
               </a:ext>
             </a:extLst>
           </p:cNvPr>
@@ -26163,8 +26072,8 @@
         </p:nvSpPr>
         <p:spPr>
           <a:xfrm>
-            <a:off x="1079477" y="346464"/>
-            <a:ext cx="4494605" cy="1200329"/>
+            <a:off x="2879836" y="1122055"/>
+            <a:ext cx="6316664" cy="646331"/>
           </a:xfrm>
           <a:prstGeom prst="rect">
             <a:avLst/>
@@ -26178,7 +26087,7 @@
           <a:lstStyle/>
           <a:p>
             <a:r>
-              <a:rPr lang="en-US" altLang="ko-KR" sz="3600" dirty="0" smtClean="0">
+              <a:rPr lang="en-US" altLang="ko-KR" sz="3600" dirty="0" err="1" smtClean="0">
                 <a:solidFill>
                   <a:schemeClr val="tx1">
                     <a:lumMod val="85000"/>
@@ -26188,10 +26097,10 @@
                 <a:latin typeface="Candara" panose="020E0502030303020204" pitchFamily="34" charset="0"/>
                 <a:cs typeface="Arial" pitchFamily="34" charset="0"/>
               </a:rPr>
-              <a:t>Les </a:t>
-            </a:r>
-            <a:r>
-              <a:rPr lang="en-US" altLang="ko-KR" sz="3600" dirty="0" err="1" smtClean="0">
+              <a:t>Avantage</a:t>
+            </a:r>
+            <a:r>
+              <a:rPr lang="en-US" altLang="ko-KR" sz="3600" dirty="0" smtClean="0">
                 <a:solidFill>
                   <a:schemeClr val="tx1">
                     <a:lumMod val="85000"/>
@@ -26201,10 +26110,10 @@
                 <a:latin typeface="Candara" panose="020E0502030303020204" pitchFamily="34" charset="0"/>
                 <a:cs typeface="Arial" pitchFamily="34" charset="0"/>
               </a:rPr>
-              <a:t>limites</a:t>
-            </a:r>
-            <a:r>
-              <a:rPr lang="en-US" altLang="ko-KR" sz="3600" dirty="0" smtClean="0">
+              <a:t> </a:t>
+            </a:r>
+            <a:r>
+              <a:rPr lang="en-US" altLang="ko-KR" sz="3600" dirty="0" err="1" smtClean="0">
                 <a:solidFill>
                   <a:schemeClr val="tx1">
                     <a:lumMod val="85000"/>
@@ -26214,7 +26123,20 @@
                 <a:latin typeface="Candara" panose="020E0502030303020204" pitchFamily="34" charset="0"/>
                 <a:cs typeface="Arial" pitchFamily="34" charset="0"/>
               </a:rPr>
-              <a:t> du framework </a:t>
+              <a:t>d’utilisé</a:t>
+            </a:r>
+            <a:r>
+              <a:rPr lang="en-US" altLang="ko-KR" sz="3600" dirty="0" smtClean="0">
+                <a:solidFill>
+                  <a:schemeClr val="tx1">
+                    <a:lumMod val="85000"/>
+                    <a:lumOff val="15000"/>
+                  </a:schemeClr>
+                </a:solidFill>
+                <a:latin typeface="Candara" panose="020E0502030303020204" pitchFamily="34" charset="0"/>
+                <a:cs typeface="Arial" pitchFamily="34" charset="0"/>
+              </a:rPr>
+              <a:t> spring boot</a:t>
             </a:r>
             <a:endParaRPr lang="ko-KR" altLang="en-US" sz="3600" dirty="0">
               <a:solidFill>
@@ -26225,6 +26147,1510 @@
               </a:solidFill>
               <a:latin typeface="Candara" panose="020E0502030303020204" pitchFamily="34" charset="0"/>
               <a:cs typeface="Arial" pitchFamily="34" charset="0"/>
+            </a:endParaRPr>
+          </a:p>
+        </p:txBody>
+      </p:sp>
+      <p:sp>
+        <p:nvSpPr>
+          <p:cNvPr id="39" name="TextBox 9">
+            <a:extLst>
+              <a:ext uri="{FF2B5EF4-FFF2-40B4-BE49-F238E27FC236}">
+                <a16:creationId xmlns="" xmlns:a16="http://schemas.microsoft.com/office/drawing/2014/main" xmlns:lc="http://schemas.openxmlformats.org/drawingml/2006/lockedCanvas" id="{9BA1A5E1-4F83-4597-B6E4-2686A4E8F143}"/>
+              </a:ext>
+            </a:extLst>
+          </p:cNvPr>
+          <p:cNvSpPr txBox="1"/>
+          <p:nvPr/>
+        </p:nvSpPr>
+        <p:spPr>
+          <a:xfrm>
+            <a:off x="2751654" y="2648912"/>
+            <a:ext cx="7586849" cy="584775"/>
+          </a:xfrm>
+          <a:prstGeom prst="rect">
+            <a:avLst/>
+          </a:prstGeom>
+          <a:noFill/>
+        </p:spPr>
+        <p:txBody>
+          <a:bodyPr wrap="square" rtlCol="0">
+            <a:spAutoFit/>
+          </a:bodyPr>
+          <a:lstStyle>
+            <a:defPPr>
+              <a:defRPr lang="en-US"/>
+            </a:defPPr>
+            <a:lvl1pPr marL="0" algn="l" defTabSz="914400" rtl="0" eaLnBrk="1" latinLnBrk="0" hangingPunct="1">
+              <a:defRPr sz="1800" kern="1200">
+                <a:solidFill>
+                  <a:schemeClr val="tx1"/>
+                </a:solidFill>
+                <a:latin typeface="+mn-lt"/>
+                <a:ea typeface="+mn-ea"/>
+                <a:cs typeface="+mn-cs"/>
+              </a:defRPr>
+            </a:lvl1pPr>
+            <a:lvl2pPr marL="457200" algn="l" defTabSz="914400" rtl="0" eaLnBrk="1" latinLnBrk="0" hangingPunct="1">
+              <a:defRPr sz="1800" kern="1200">
+                <a:solidFill>
+                  <a:schemeClr val="tx1"/>
+                </a:solidFill>
+                <a:latin typeface="+mn-lt"/>
+                <a:ea typeface="+mn-ea"/>
+                <a:cs typeface="+mn-cs"/>
+              </a:defRPr>
+            </a:lvl2pPr>
+            <a:lvl3pPr marL="914400" algn="l" defTabSz="914400" rtl="0" eaLnBrk="1" latinLnBrk="0" hangingPunct="1">
+              <a:defRPr sz="1800" kern="1200">
+                <a:solidFill>
+                  <a:schemeClr val="tx1"/>
+                </a:solidFill>
+                <a:latin typeface="+mn-lt"/>
+                <a:ea typeface="+mn-ea"/>
+                <a:cs typeface="+mn-cs"/>
+              </a:defRPr>
+            </a:lvl3pPr>
+            <a:lvl4pPr marL="1371600" algn="l" defTabSz="914400" rtl="0" eaLnBrk="1" latinLnBrk="0" hangingPunct="1">
+              <a:defRPr sz="1800" kern="1200">
+                <a:solidFill>
+                  <a:schemeClr val="tx1"/>
+                </a:solidFill>
+                <a:latin typeface="+mn-lt"/>
+                <a:ea typeface="+mn-ea"/>
+                <a:cs typeface="+mn-cs"/>
+              </a:defRPr>
+            </a:lvl4pPr>
+            <a:lvl5pPr marL="1828800" algn="l" defTabSz="914400" rtl="0" eaLnBrk="1" latinLnBrk="0" hangingPunct="1">
+              <a:defRPr sz="1800" kern="1200">
+                <a:solidFill>
+                  <a:schemeClr val="tx1"/>
+                </a:solidFill>
+                <a:latin typeface="+mn-lt"/>
+                <a:ea typeface="+mn-ea"/>
+                <a:cs typeface="+mn-cs"/>
+              </a:defRPr>
+            </a:lvl5pPr>
+            <a:lvl6pPr marL="2286000" algn="l" defTabSz="914400" rtl="0" eaLnBrk="1" latinLnBrk="0" hangingPunct="1">
+              <a:defRPr sz="1800" kern="1200">
+                <a:solidFill>
+                  <a:schemeClr val="tx1"/>
+                </a:solidFill>
+                <a:latin typeface="+mn-lt"/>
+                <a:ea typeface="+mn-ea"/>
+                <a:cs typeface="+mn-cs"/>
+              </a:defRPr>
+            </a:lvl6pPr>
+            <a:lvl7pPr marL="2743200" algn="l" defTabSz="914400" rtl="0" eaLnBrk="1" latinLnBrk="0" hangingPunct="1">
+              <a:defRPr sz="1800" kern="1200">
+                <a:solidFill>
+                  <a:schemeClr val="tx1"/>
+                </a:solidFill>
+                <a:latin typeface="+mn-lt"/>
+                <a:ea typeface="+mn-ea"/>
+                <a:cs typeface="+mn-cs"/>
+              </a:defRPr>
+            </a:lvl7pPr>
+            <a:lvl8pPr marL="3200400" algn="l" defTabSz="914400" rtl="0" eaLnBrk="1" latinLnBrk="0" hangingPunct="1">
+              <a:defRPr sz="1800" kern="1200">
+                <a:solidFill>
+                  <a:schemeClr val="tx1"/>
+                </a:solidFill>
+                <a:latin typeface="+mn-lt"/>
+                <a:ea typeface="+mn-ea"/>
+                <a:cs typeface="+mn-cs"/>
+              </a:defRPr>
+            </a:lvl8pPr>
+            <a:lvl9pPr marL="3657600" algn="l" defTabSz="914400" rtl="0" eaLnBrk="1" latinLnBrk="0" hangingPunct="1">
+              <a:defRPr sz="1800" kern="1200">
+                <a:solidFill>
+                  <a:schemeClr val="tx1"/>
+                </a:solidFill>
+                <a:latin typeface="+mn-lt"/>
+                <a:ea typeface="+mn-ea"/>
+                <a:cs typeface="+mn-cs"/>
+              </a:defRPr>
+            </a:lvl9pPr>
+          </a:lstStyle>
+          <a:p>
+            <a:pPr algn="ctr"/>
+            <a:r>
+              <a:rPr lang="en-US" altLang="ko-KR" sz="1600" b="1" dirty="0" smtClean="0">
+                <a:solidFill>
+                  <a:schemeClr val="accent1"/>
+                </a:solidFill>
+                <a:latin typeface="Candara" panose="020E0502030303020204" pitchFamily="34" charset="0"/>
+                <a:cs typeface="Arial" pitchFamily="34" charset="0"/>
+              </a:rPr>
+              <a:t>La </a:t>
+            </a:r>
+            <a:r>
+              <a:rPr lang="en-US" altLang="ko-KR" sz="1600" b="1" dirty="0" err="1" smtClean="0">
+                <a:solidFill>
+                  <a:schemeClr val="accent1"/>
+                </a:solidFill>
+                <a:latin typeface="Candara" panose="020E0502030303020204" pitchFamily="34" charset="0"/>
+                <a:cs typeface="Arial" pitchFamily="34" charset="0"/>
+              </a:rPr>
+              <a:t>possibilite</a:t>
+            </a:r>
+            <a:r>
+              <a:rPr lang="en-US" altLang="ko-KR" sz="1600" b="1" dirty="0" smtClean="0">
+                <a:solidFill>
+                  <a:schemeClr val="accent1"/>
+                </a:solidFill>
+                <a:latin typeface="Candara" panose="020E0502030303020204" pitchFamily="34" charset="0"/>
+                <a:cs typeface="Arial" pitchFamily="34" charset="0"/>
+              </a:rPr>
+              <a:t> de </a:t>
+            </a:r>
+            <a:r>
+              <a:rPr lang="en-US" altLang="ko-KR" sz="1600" b="1" dirty="0" err="1" smtClean="0">
+                <a:solidFill>
+                  <a:schemeClr val="accent1"/>
+                </a:solidFill>
+                <a:latin typeface="Candara" panose="020E0502030303020204" pitchFamily="34" charset="0"/>
+                <a:cs typeface="Arial" pitchFamily="34" charset="0"/>
+              </a:rPr>
+              <a:t>securisé</a:t>
+            </a:r>
+            <a:r>
+              <a:rPr lang="en-US" altLang="ko-KR" sz="1600" b="1" dirty="0" smtClean="0">
+                <a:solidFill>
+                  <a:schemeClr val="accent1"/>
+                </a:solidFill>
+                <a:latin typeface="Candara" panose="020E0502030303020204" pitchFamily="34" charset="0"/>
+                <a:cs typeface="Arial" pitchFamily="34" charset="0"/>
+              </a:rPr>
+              <a:t> </a:t>
+            </a:r>
+            <a:r>
+              <a:rPr lang="en-US" altLang="ko-KR" sz="1600" b="1" dirty="0" err="1" smtClean="0">
+                <a:solidFill>
+                  <a:schemeClr val="accent1"/>
+                </a:solidFill>
+                <a:latin typeface="Candara" panose="020E0502030303020204" pitchFamily="34" charset="0"/>
+                <a:cs typeface="Arial" pitchFamily="34" charset="0"/>
+              </a:rPr>
+              <a:t>en</a:t>
+            </a:r>
+            <a:r>
+              <a:rPr lang="en-US" altLang="ko-KR" sz="1600" b="1" dirty="0" smtClean="0">
+                <a:solidFill>
+                  <a:schemeClr val="accent1"/>
+                </a:solidFill>
+                <a:latin typeface="Candara" panose="020E0502030303020204" pitchFamily="34" charset="0"/>
+                <a:cs typeface="Arial" pitchFamily="34" charset="0"/>
+              </a:rPr>
+              <a:t> </a:t>
+            </a:r>
+            <a:r>
+              <a:rPr lang="en-US" altLang="ko-KR" sz="1600" b="1" dirty="0" err="1" smtClean="0">
+                <a:solidFill>
+                  <a:schemeClr val="accent1"/>
+                </a:solidFill>
+                <a:latin typeface="Candara" panose="020E0502030303020204" pitchFamily="34" charset="0"/>
+                <a:cs typeface="Arial" pitchFamily="34" charset="0"/>
+              </a:rPr>
+              <a:t>utilisent</a:t>
+            </a:r>
+            <a:r>
+              <a:rPr lang="en-US" altLang="ko-KR" sz="1600" b="1" dirty="0" smtClean="0">
+                <a:solidFill>
+                  <a:schemeClr val="accent1"/>
+                </a:solidFill>
+                <a:latin typeface="Candara" panose="020E0502030303020204" pitchFamily="34" charset="0"/>
+                <a:cs typeface="Arial" pitchFamily="34" charset="0"/>
+              </a:rPr>
+              <a:t> le SPRING SECURITE 6, qui </a:t>
+            </a:r>
+            <a:r>
+              <a:rPr lang="en-US" altLang="ko-KR" sz="1600" b="1" dirty="0" err="1" smtClean="0">
+                <a:solidFill>
+                  <a:schemeClr val="accent1"/>
+                </a:solidFill>
+                <a:latin typeface="Candara" panose="020E0502030303020204" pitchFamily="34" charset="0"/>
+                <a:cs typeface="Arial" pitchFamily="34" charset="0"/>
+              </a:rPr>
+              <a:t>gére</a:t>
+            </a:r>
+            <a:r>
+              <a:rPr lang="en-US" altLang="ko-KR" sz="1600" b="1" dirty="0" smtClean="0">
+                <a:solidFill>
+                  <a:schemeClr val="accent1"/>
+                </a:solidFill>
+                <a:latin typeface="Candara" panose="020E0502030303020204" pitchFamily="34" charset="0"/>
+                <a:cs typeface="Arial" pitchFamily="34" charset="0"/>
+              </a:rPr>
+              <a:t> </a:t>
+            </a:r>
+            <a:r>
+              <a:rPr lang="en-US" altLang="ko-KR" sz="1600" b="1" dirty="0" err="1" smtClean="0">
+                <a:solidFill>
+                  <a:schemeClr val="accent1"/>
+                </a:solidFill>
+                <a:latin typeface="Candara" panose="020E0502030303020204" pitchFamily="34" charset="0"/>
+                <a:cs typeface="Arial" pitchFamily="34" charset="0"/>
+              </a:rPr>
+              <a:t>authentification</a:t>
+            </a:r>
+            <a:r>
+              <a:rPr lang="en-US" altLang="ko-KR" sz="1600" b="1" dirty="0" smtClean="0">
+                <a:solidFill>
+                  <a:schemeClr val="accent1"/>
+                </a:solidFill>
+                <a:latin typeface="Candara" panose="020E0502030303020204" pitchFamily="34" charset="0"/>
+                <a:cs typeface="Arial" pitchFamily="34" charset="0"/>
+              </a:rPr>
+              <a:t> et </a:t>
+            </a:r>
+            <a:r>
+              <a:rPr lang="en-US" altLang="ko-KR" sz="1600" b="1" dirty="0" err="1" smtClean="0">
+                <a:solidFill>
+                  <a:schemeClr val="accent1"/>
+                </a:solidFill>
+                <a:latin typeface="Candara" panose="020E0502030303020204" pitchFamily="34" charset="0"/>
+                <a:cs typeface="Arial" pitchFamily="34" charset="0"/>
+              </a:rPr>
+              <a:t>autorisation</a:t>
+            </a:r>
+            <a:endParaRPr lang="ko-KR" altLang="en-US" sz="1600" b="1" dirty="0">
+              <a:solidFill>
+                <a:schemeClr val="accent1"/>
+              </a:solidFill>
+              <a:latin typeface="Candara" panose="020E0502030303020204" pitchFamily="34" charset="0"/>
+              <a:cs typeface="Arial" pitchFamily="34" charset="0"/>
+            </a:endParaRPr>
+          </a:p>
+        </p:txBody>
+      </p:sp>
+      <p:sp>
+        <p:nvSpPr>
+          <p:cNvPr id="35" name="TextBox 15">
+            <a:extLst>
+              <a:ext uri="{FF2B5EF4-FFF2-40B4-BE49-F238E27FC236}">
+                <a16:creationId xmlns="" xmlns:a16="http://schemas.microsoft.com/office/drawing/2014/main" xmlns:lc="http://schemas.openxmlformats.org/drawingml/2006/lockedCanvas" id="{FA563111-B830-4678-8F3E-6B87DF37F6AF}"/>
+              </a:ext>
+            </a:extLst>
+          </p:cNvPr>
+          <p:cNvSpPr txBox="1"/>
+          <p:nvPr/>
+        </p:nvSpPr>
+        <p:spPr>
+          <a:xfrm>
+            <a:off x="3011785" y="3801277"/>
+            <a:ext cx="6970415" cy="584775"/>
+          </a:xfrm>
+          <a:prstGeom prst="rect">
+            <a:avLst/>
+          </a:prstGeom>
+          <a:noFill/>
+        </p:spPr>
+        <p:txBody>
+          <a:bodyPr wrap="square" rtlCol="0">
+            <a:spAutoFit/>
+          </a:bodyPr>
+          <a:lstStyle>
+            <a:defPPr>
+              <a:defRPr lang="en-US"/>
+            </a:defPPr>
+            <a:lvl1pPr marL="0" algn="l" defTabSz="914400" rtl="0" eaLnBrk="1" latinLnBrk="0" hangingPunct="1">
+              <a:defRPr sz="1800" kern="1200">
+                <a:solidFill>
+                  <a:schemeClr val="tx1"/>
+                </a:solidFill>
+                <a:latin typeface="+mn-lt"/>
+                <a:ea typeface="+mn-ea"/>
+                <a:cs typeface="+mn-cs"/>
+              </a:defRPr>
+            </a:lvl1pPr>
+            <a:lvl2pPr marL="457200" algn="l" defTabSz="914400" rtl="0" eaLnBrk="1" latinLnBrk="0" hangingPunct="1">
+              <a:defRPr sz="1800" kern="1200">
+                <a:solidFill>
+                  <a:schemeClr val="tx1"/>
+                </a:solidFill>
+                <a:latin typeface="+mn-lt"/>
+                <a:ea typeface="+mn-ea"/>
+                <a:cs typeface="+mn-cs"/>
+              </a:defRPr>
+            </a:lvl2pPr>
+            <a:lvl3pPr marL="914400" algn="l" defTabSz="914400" rtl="0" eaLnBrk="1" latinLnBrk="0" hangingPunct="1">
+              <a:defRPr sz="1800" kern="1200">
+                <a:solidFill>
+                  <a:schemeClr val="tx1"/>
+                </a:solidFill>
+                <a:latin typeface="+mn-lt"/>
+                <a:ea typeface="+mn-ea"/>
+                <a:cs typeface="+mn-cs"/>
+              </a:defRPr>
+            </a:lvl3pPr>
+            <a:lvl4pPr marL="1371600" algn="l" defTabSz="914400" rtl="0" eaLnBrk="1" latinLnBrk="0" hangingPunct="1">
+              <a:defRPr sz="1800" kern="1200">
+                <a:solidFill>
+                  <a:schemeClr val="tx1"/>
+                </a:solidFill>
+                <a:latin typeface="+mn-lt"/>
+                <a:ea typeface="+mn-ea"/>
+                <a:cs typeface="+mn-cs"/>
+              </a:defRPr>
+            </a:lvl4pPr>
+            <a:lvl5pPr marL="1828800" algn="l" defTabSz="914400" rtl="0" eaLnBrk="1" latinLnBrk="0" hangingPunct="1">
+              <a:defRPr sz="1800" kern="1200">
+                <a:solidFill>
+                  <a:schemeClr val="tx1"/>
+                </a:solidFill>
+                <a:latin typeface="+mn-lt"/>
+                <a:ea typeface="+mn-ea"/>
+                <a:cs typeface="+mn-cs"/>
+              </a:defRPr>
+            </a:lvl5pPr>
+            <a:lvl6pPr marL="2286000" algn="l" defTabSz="914400" rtl="0" eaLnBrk="1" latinLnBrk="0" hangingPunct="1">
+              <a:defRPr sz="1800" kern="1200">
+                <a:solidFill>
+                  <a:schemeClr val="tx1"/>
+                </a:solidFill>
+                <a:latin typeface="+mn-lt"/>
+                <a:ea typeface="+mn-ea"/>
+                <a:cs typeface="+mn-cs"/>
+              </a:defRPr>
+            </a:lvl6pPr>
+            <a:lvl7pPr marL="2743200" algn="l" defTabSz="914400" rtl="0" eaLnBrk="1" latinLnBrk="0" hangingPunct="1">
+              <a:defRPr sz="1800" kern="1200">
+                <a:solidFill>
+                  <a:schemeClr val="tx1"/>
+                </a:solidFill>
+                <a:latin typeface="+mn-lt"/>
+                <a:ea typeface="+mn-ea"/>
+                <a:cs typeface="+mn-cs"/>
+              </a:defRPr>
+            </a:lvl7pPr>
+            <a:lvl8pPr marL="3200400" algn="l" defTabSz="914400" rtl="0" eaLnBrk="1" latinLnBrk="0" hangingPunct="1">
+              <a:defRPr sz="1800" kern="1200">
+                <a:solidFill>
+                  <a:schemeClr val="tx1"/>
+                </a:solidFill>
+                <a:latin typeface="+mn-lt"/>
+                <a:ea typeface="+mn-ea"/>
+                <a:cs typeface="+mn-cs"/>
+              </a:defRPr>
+            </a:lvl8pPr>
+            <a:lvl9pPr marL="3657600" algn="l" defTabSz="914400" rtl="0" eaLnBrk="1" latinLnBrk="0" hangingPunct="1">
+              <a:defRPr sz="1800" kern="1200">
+                <a:solidFill>
+                  <a:schemeClr val="tx1"/>
+                </a:solidFill>
+                <a:latin typeface="+mn-lt"/>
+                <a:ea typeface="+mn-ea"/>
+                <a:cs typeface="+mn-cs"/>
+              </a:defRPr>
+            </a:lvl9pPr>
+          </a:lstStyle>
+          <a:p>
+            <a:r>
+              <a:rPr lang="fr-FR" sz="1600" b="1" dirty="0" err="1">
+                <a:solidFill>
+                  <a:schemeClr val="accent3"/>
+                </a:solidFill>
+              </a:rPr>
+              <a:t>Spring</a:t>
+            </a:r>
+            <a:r>
+              <a:rPr lang="fr-FR" sz="1600" b="1" dirty="0">
+                <a:solidFill>
+                  <a:schemeClr val="accent3"/>
+                </a:solidFill>
+              </a:rPr>
+              <a:t> Boot s'intègre particulièrement bien dans une architecture orientée micro services.</a:t>
+            </a:r>
+          </a:p>
+        </p:txBody>
+      </p:sp>
+      <p:sp>
+        <p:nvSpPr>
+          <p:cNvPr id="29" name="Espace réservé du numéro de diapositive 37"/>
+          <p:cNvSpPr>
+            <a:spLocks noGrp="1"/>
+          </p:cNvSpPr>
+          <p:nvPr/>
+        </p:nvSpPr>
+        <p:spPr>
+          <a:xfrm>
+            <a:off x="8110930" y="6332871"/>
+            <a:ext cx="2743200" cy="262037"/>
+          </a:xfrm>
+          <a:prstGeom prst="rect">
+            <a:avLst/>
+          </a:prstGeom>
+        </p:spPr>
+        <p:txBody>
+          <a:bodyPr vert="horz" lIns="91440" tIns="45720" rIns="91440" bIns="45720" rtlCol="0" anchor="ctr"/>
+          <a:lstStyle>
+            <a:defPPr>
+              <a:defRPr lang="en-US"/>
+            </a:defPPr>
+            <a:lvl1pPr marL="0" algn="r" defTabSz="914400" rtl="0" eaLnBrk="1" latinLnBrk="0" hangingPunct="1">
+              <a:defRPr sz="1200" b="1" kern="1200">
+                <a:solidFill>
+                  <a:schemeClr val="bg1"/>
+                </a:solidFill>
+                <a:latin typeface="Candara" panose="020E0502030303020204" pitchFamily="34" charset="0"/>
+                <a:ea typeface="+mn-ea"/>
+                <a:cs typeface="+mn-cs"/>
+              </a:defRPr>
+            </a:lvl1pPr>
+            <a:lvl2pPr marL="457200" algn="l" defTabSz="914400" rtl="0" eaLnBrk="1" latinLnBrk="0" hangingPunct="1">
+              <a:defRPr sz="1800" kern="1200">
+                <a:solidFill>
+                  <a:schemeClr val="tx1"/>
+                </a:solidFill>
+                <a:latin typeface="+mn-lt"/>
+                <a:ea typeface="+mn-ea"/>
+                <a:cs typeface="+mn-cs"/>
+              </a:defRPr>
+            </a:lvl2pPr>
+            <a:lvl3pPr marL="914400" algn="l" defTabSz="914400" rtl="0" eaLnBrk="1" latinLnBrk="0" hangingPunct="1">
+              <a:defRPr sz="1800" kern="1200">
+                <a:solidFill>
+                  <a:schemeClr val="tx1"/>
+                </a:solidFill>
+                <a:latin typeface="+mn-lt"/>
+                <a:ea typeface="+mn-ea"/>
+                <a:cs typeface="+mn-cs"/>
+              </a:defRPr>
+            </a:lvl3pPr>
+            <a:lvl4pPr marL="1371600" algn="l" defTabSz="914400" rtl="0" eaLnBrk="1" latinLnBrk="0" hangingPunct="1">
+              <a:defRPr sz="1800" kern="1200">
+                <a:solidFill>
+                  <a:schemeClr val="tx1"/>
+                </a:solidFill>
+                <a:latin typeface="+mn-lt"/>
+                <a:ea typeface="+mn-ea"/>
+                <a:cs typeface="+mn-cs"/>
+              </a:defRPr>
+            </a:lvl4pPr>
+            <a:lvl5pPr marL="1828800" algn="l" defTabSz="914400" rtl="0" eaLnBrk="1" latinLnBrk="0" hangingPunct="1">
+              <a:defRPr sz="1800" kern="1200">
+                <a:solidFill>
+                  <a:schemeClr val="tx1"/>
+                </a:solidFill>
+                <a:latin typeface="+mn-lt"/>
+                <a:ea typeface="+mn-ea"/>
+                <a:cs typeface="+mn-cs"/>
+              </a:defRPr>
+            </a:lvl5pPr>
+            <a:lvl6pPr marL="2286000" algn="l" defTabSz="914400" rtl="0" eaLnBrk="1" latinLnBrk="0" hangingPunct="1">
+              <a:defRPr sz="1800" kern="1200">
+                <a:solidFill>
+                  <a:schemeClr val="tx1"/>
+                </a:solidFill>
+                <a:latin typeface="+mn-lt"/>
+                <a:ea typeface="+mn-ea"/>
+                <a:cs typeface="+mn-cs"/>
+              </a:defRPr>
+            </a:lvl6pPr>
+            <a:lvl7pPr marL="2743200" algn="l" defTabSz="914400" rtl="0" eaLnBrk="1" latinLnBrk="0" hangingPunct="1">
+              <a:defRPr sz="1800" kern="1200">
+                <a:solidFill>
+                  <a:schemeClr val="tx1"/>
+                </a:solidFill>
+                <a:latin typeface="+mn-lt"/>
+                <a:ea typeface="+mn-ea"/>
+                <a:cs typeface="+mn-cs"/>
+              </a:defRPr>
+            </a:lvl7pPr>
+            <a:lvl8pPr marL="3200400" algn="l" defTabSz="914400" rtl="0" eaLnBrk="1" latinLnBrk="0" hangingPunct="1">
+              <a:defRPr sz="1800" kern="1200">
+                <a:solidFill>
+                  <a:schemeClr val="tx1"/>
+                </a:solidFill>
+                <a:latin typeface="+mn-lt"/>
+                <a:ea typeface="+mn-ea"/>
+                <a:cs typeface="+mn-cs"/>
+              </a:defRPr>
+            </a:lvl8pPr>
+            <a:lvl9pPr marL="3657600" algn="l" defTabSz="914400" rtl="0" eaLnBrk="1" latinLnBrk="0" hangingPunct="1">
+              <a:defRPr sz="1800" kern="1200">
+                <a:solidFill>
+                  <a:schemeClr val="tx1"/>
+                </a:solidFill>
+                <a:latin typeface="+mn-lt"/>
+                <a:ea typeface="+mn-ea"/>
+                <a:cs typeface="+mn-cs"/>
+              </a:defRPr>
+            </a:lvl9pPr>
+          </a:lstStyle>
+          <a:p>
+            <a:fld id="{4B598DDB-A902-48C8-9CD3-58F7F0DA2EE5}" type="slidenum">
+              <a:rPr lang="fr-FR" smtClean="0"/>
+              <a:pPr/>
+              <a:t>13</a:t>
+            </a:fld>
+            <a:endParaRPr lang="fr-FR" dirty="0"/>
+          </a:p>
+        </p:txBody>
+      </p:sp>
+      <p:sp>
+        <p:nvSpPr>
+          <p:cNvPr id="40" name="TextBox 9">
+            <a:extLst>
+              <a:ext uri="{FF2B5EF4-FFF2-40B4-BE49-F238E27FC236}">
+                <a16:creationId xmlns="" xmlns:a16="http://schemas.microsoft.com/office/drawing/2014/main" xmlns:lc="http://schemas.openxmlformats.org/drawingml/2006/lockedCanvas" id="{9BA1A5E1-4F83-4597-B6E4-2686A4E8F143}"/>
+              </a:ext>
+            </a:extLst>
+          </p:cNvPr>
+          <p:cNvSpPr txBox="1"/>
+          <p:nvPr/>
+        </p:nvSpPr>
+        <p:spPr>
+          <a:xfrm>
+            <a:off x="2879836" y="3244747"/>
+            <a:ext cx="4267200" cy="338554"/>
+          </a:xfrm>
+          <a:prstGeom prst="rect">
+            <a:avLst/>
+          </a:prstGeom>
+          <a:noFill/>
+        </p:spPr>
+        <p:txBody>
+          <a:bodyPr wrap="square" rtlCol="0">
+            <a:spAutoFit/>
+          </a:bodyPr>
+          <a:lstStyle>
+            <a:defPPr>
+              <a:defRPr lang="en-US"/>
+            </a:defPPr>
+            <a:lvl1pPr marL="0" algn="l" defTabSz="914400" rtl="0" eaLnBrk="1" latinLnBrk="0" hangingPunct="1">
+              <a:defRPr sz="1800" kern="1200">
+                <a:solidFill>
+                  <a:schemeClr val="tx1"/>
+                </a:solidFill>
+                <a:latin typeface="+mn-lt"/>
+                <a:ea typeface="+mn-ea"/>
+                <a:cs typeface="+mn-cs"/>
+              </a:defRPr>
+            </a:lvl1pPr>
+            <a:lvl2pPr marL="457200" algn="l" defTabSz="914400" rtl="0" eaLnBrk="1" latinLnBrk="0" hangingPunct="1">
+              <a:defRPr sz="1800" kern="1200">
+                <a:solidFill>
+                  <a:schemeClr val="tx1"/>
+                </a:solidFill>
+                <a:latin typeface="+mn-lt"/>
+                <a:ea typeface="+mn-ea"/>
+                <a:cs typeface="+mn-cs"/>
+              </a:defRPr>
+            </a:lvl2pPr>
+            <a:lvl3pPr marL="914400" algn="l" defTabSz="914400" rtl="0" eaLnBrk="1" latinLnBrk="0" hangingPunct="1">
+              <a:defRPr sz="1800" kern="1200">
+                <a:solidFill>
+                  <a:schemeClr val="tx1"/>
+                </a:solidFill>
+                <a:latin typeface="+mn-lt"/>
+                <a:ea typeface="+mn-ea"/>
+                <a:cs typeface="+mn-cs"/>
+              </a:defRPr>
+            </a:lvl3pPr>
+            <a:lvl4pPr marL="1371600" algn="l" defTabSz="914400" rtl="0" eaLnBrk="1" latinLnBrk="0" hangingPunct="1">
+              <a:defRPr sz="1800" kern="1200">
+                <a:solidFill>
+                  <a:schemeClr val="tx1"/>
+                </a:solidFill>
+                <a:latin typeface="+mn-lt"/>
+                <a:ea typeface="+mn-ea"/>
+                <a:cs typeface="+mn-cs"/>
+              </a:defRPr>
+            </a:lvl4pPr>
+            <a:lvl5pPr marL="1828800" algn="l" defTabSz="914400" rtl="0" eaLnBrk="1" latinLnBrk="0" hangingPunct="1">
+              <a:defRPr sz="1800" kern="1200">
+                <a:solidFill>
+                  <a:schemeClr val="tx1"/>
+                </a:solidFill>
+                <a:latin typeface="+mn-lt"/>
+                <a:ea typeface="+mn-ea"/>
+                <a:cs typeface="+mn-cs"/>
+              </a:defRPr>
+            </a:lvl5pPr>
+            <a:lvl6pPr marL="2286000" algn="l" defTabSz="914400" rtl="0" eaLnBrk="1" latinLnBrk="0" hangingPunct="1">
+              <a:defRPr sz="1800" kern="1200">
+                <a:solidFill>
+                  <a:schemeClr val="tx1"/>
+                </a:solidFill>
+                <a:latin typeface="+mn-lt"/>
+                <a:ea typeface="+mn-ea"/>
+                <a:cs typeface="+mn-cs"/>
+              </a:defRPr>
+            </a:lvl6pPr>
+            <a:lvl7pPr marL="2743200" algn="l" defTabSz="914400" rtl="0" eaLnBrk="1" latinLnBrk="0" hangingPunct="1">
+              <a:defRPr sz="1800" kern="1200">
+                <a:solidFill>
+                  <a:schemeClr val="tx1"/>
+                </a:solidFill>
+                <a:latin typeface="+mn-lt"/>
+                <a:ea typeface="+mn-ea"/>
+                <a:cs typeface="+mn-cs"/>
+              </a:defRPr>
+            </a:lvl7pPr>
+            <a:lvl8pPr marL="3200400" algn="l" defTabSz="914400" rtl="0" eaLnBrk="1" latinLnBrk="0" hangingPunct="1">
+              <a:defRPr sz="1800" kern="1200">
+                <a:solidFill>
+                  <a:schemeClr val="tx1"/>
+                </a:solidFill>
+                <a:latin typeface="+mn-lt"/>
+                <a:ea typeface="+mn-ea"/>
+                <a:cs typeface="+mn-cs"/>
+              </a:defRPr>
+            </a:lvl8pPr>
+            <a:lvl9pPr marL="3657600" algn="l" defTabSz="914400" rtl="0" eaLnBrk="1" latinLnBrk="0" hangingPunct="1">
+              <a:defRPr sz="1800" kern="1200">
+                <a:solidFill>
+                  <a:schemeClr val="tx1"/>
+                </a:solidFill>
+                <a:latin typeface="+mn-lt"/>
+                <a:ea typeface="+mn-ea"/>
+                <a:cs typeface="+mn-cs"/>
+              </a:defRPr>
+            </a:lvl9pPr>
+          </a:lstStyle>
+          <a:p>
+            <a:pPr algn="ctr"/>
+            <a:r>
+              <a:rPr lang="en-US" altLang="ko-KR" sz="1600" b="1" dirty="0" smtClean="0">
+                <a:solidFill>
+                  <a:schemeClr val="accent2"/>
+                </a:solidFill>
+                <a:latin typeface="Candara" panose="020E0502030303020204" pitchFamily="34" charset="0"/>
+                <a:cs typeface="Arial" pitchFamily="34" charset="0"/>
+              </a:rPr>
+              <a:t>La </a:t>
+            </a:r>
+            <a:r>
+              <a:rPr lang="en-US" altLang="ko-KR" sz="1600" b="1" dirty="0" err="1" smtClean="0">
+                <a:solidFill>
+                  <a:schemeClr val="accent2"/>
+                </a:solidFill>
+                <a:latin typeface="Candara" panose="020E0502030303020204" pitchFamily="34" charset="0"/>
+                <a:cs typeface="Arial" pitchFamily="34" charset="0"/>
+              </a:rPr>
+              <a:t>simplicité</a:t>
+            </a:r>
+            <a:r>
+              <a:rPr lang="en-US" altLang="ko-KR" sz="1600" b="1" dirty="0" smtClean="0">
+                <a:solidFill>
+                  <a:schemeClr val="accent2"/>
+                </a:solidFill>
+                <a:latin typeface="Candara" panose="020E0502030303020204" pitchFamily="34" charset="0"/>
+                <a:cs typeface="Arial" pitchFamily="34" charset="0"/>
+              </a:rPr>
+              <a:t> de la configuration d’un </a:t>
+            </a:r>
+            <a:r>
+              <a:rPr lang="en-US" altLang="ko-KR" sz="1600" b="1" dirty="0" err="1" smtClean="0">
+                <a:solidFill>
+                  <a:schemeClr val="accent2"/>
+                </a:solidFill>
+                <a:latin typeface="Candara" panose="020E0502030303020204" pitchFamily="34" charset="0"/>
+                <a:cs typeface="Arial" pitchFamily="34" charset="0"/>
+              </a:rPr>
+              <a:t>projet</a:t>
+            </a:r>
+            <a:endParaRPr lang="ko-KR" altLang="en-US" sz="1600" b="1" dirty="0">
+              <a:solidFill>
+                <a:schemeClr val="accent2"/>
+              </a:solidFill>
+              <a:latin typeface="Candara" panose="020E0502030303020204" pitchFamily="34" charset="0"/>
+              <a:cs typeface="Arial" pitchFamily="34" charset="0"/>
+            </a:endParaRPr>
+          </a:p>
+        </p:txBody>
+      </p:sp>
+      <p:pic>
+        <p:nvPicPr>
+          <p:cNvPr id="41" name="Image 40"/>
+          <p:cNvPicPr>
+            <a:picLocks noChangeAspect="1"/>
+          </p:cNvPicPr>
+          <p:nvPr/>
+        </p:nvPicPr>
+        <p:blipFill>
+          <a:blip r:embed="rId2"/>
+          <a:stretch>
+            <a:fillRect/>
+          </a:stretch>
+        </p:blipFill>
+        <p:spPr>
+          <a:xfrm>
+            <a:off x="10105904" y="665125"/>
+            <a:ext cx="1733792" cy="847843"/>
+          </a:xfrm>
+          <a:prstGeom prst="rect">
+            <a:avLst/>
+          </a:prstGeom>
+        </p:spPr>
+      </p:pic>
+      <p:sp>
+        <p:nvSpPr>
+          <p:cNvPr id="42" name="Rectangle 41">
+            <a:extLst>
+              <a:ext uri="{FF2B5EF4-FFF2-40B4-BE49-F238E27FC236}">
+                <a16:creationId xmlns="" xmlns:a16="http://schemas.microsoft.com/office/drawing/2014/main" xmlns:lc="http://schemas.openxmlformats.org/drawingml/2006/lockedCanvas" id="{14D2D8FE-0FE0-4478-ACF8-0943BAA7EB88}"/>
+              </a:ext>
+            </a:extLst>
+          </p:cNvPr>
+          <p:cNvSpPr/>
+          <p:nvPr/>
+        </p:nvSpPr>
+        <p:spPr>
+          <a:xfrm>
+            <a:off x="1659119" y="2735535"/>
+            <a:ext cx="642646" cy="205764"/>
+          </a:xfrm>
+          <a:prstGeom prst="rect">
+            <a:avLst/>
+          </a:prstGeom>
+          <a:solidFill>
+            <a:schemeClr val="accent1"/>
+          </a:solidFill>
+          <a:ln>
+            <a:noFill/>
+          </a:ln>
+        </p:spPr>
+        <p:style>
+          <a:lnRef idx="2">
+            <a:schemeClr val="accent1">
+              <a:shade val="50000"/>
+            </a:schemeClr>
+          </a:lnRef>
+          <a:fillRef idx="1">
+            <a:schemeClr val="accent1"/>
+          </a:fillRef>
+          <a:effectRef idx="0">
+            <a:schemeClr val="accent1"/>
+          </a:effectRef>
+          <a:fontRef idx="minor">
+            <a:schemeClr val="lt1"/>
+          </a:fontRef>
+        </p:style>
+        <p:txBody>
+          <a:bodyPr rtlCol="0" anchor="ctr"/>
+          <a:lstStyle>
+            <a:defPPr>
+              <a:defRPr lang="en-US"/>
+            </a:defPPr>
+            <a:lvl1pPr marL="0" algn="l" defTabSz="914400" rtl="0" eaLnBrk="1" latinLnBrk="0" hangingPunct="1">
+              <a:defRPr sz="1800" kern="1200">
+                <a:solidFill>
+                  <a:schemeClr val="lt1"/>
+                </a:solidFill>
+                <a:latin typeface="+mn-lt"/>
+                <a:ea typeface="+mn-ea"/>
+                <a:cs typeface="+mn-cs"/>
+              </a:defRPr>
+            </a:lvl1pPr>
+            <a:lvl2pPr marL="457200" algn="l" defTabSz="914400" rtl="0" eaLnBrk="1" latinLnBrk="0" hangingPunct="1">
+              <a:defRPr sz="1800" kern="1200">
+                <a:solidFill>
+                  <a:schemeClr val="lt1"/>
+                </a:solidFill>
+                <a:latin typeface="+mn-lt"/>
+                <a:ea typeface="+mn-ea"/>
+                <a:cs typeface="+mn-cs"/>
+              </a:defRPr>
+            </a:lvl2pPr>
+            <a:lvl3pPr marL="914400" algn="l" defTabSz="914400" rtl="0" eaLnBrk="1" latinLnBrk="0" hangingPunct="1">
+              <a:defRPr sz="1800" kern="1200">
+                <a:solidFill>
+                  <a:schemeClr val="lt1"/>
+                </a:solidFill>
+                <a:latin typeface="+mn-lt"/>
+                <a:ea typeface="+mn-ea"/>
+                <a:cs typeface="+mn-cs"/>
+              </a:defRPr>
+            </a:lvl3pPr>
+            <a:lvl4pPr marL="1371600" algn="l" defTabSz="914400" rtl="0" eaLnBrk="1" latinLnBrk="0" hangingPunct="1">
+              <a:defRPr sz="1800" kern="1200">
+                <a:solidFill>
+                  <a:schemeClr val="lt1"/>
+                </a:solidFill>
+                <a:latin typeface="+mn-lt"/>
+                <a:ea typeface="+mn-ea"/>
+                <a:cs typeface="+mn-cs"/>
+              </a:defRPr>
+            </a:lvl4pPr>
+            <a:lvl5pPr marL="1828800" algn="l" defTabSz="914400" rtl="0" eaLnBrk="1" latinLnBrk="0" hangingPunct="1">
+              <a:defRPr sz="1800" kern="1200">
+                <a:solidFill>
+                  <a:schemeClr val="lt1"/>
+                </a:solidFill>
+                <a:latin typeface="+mn-lt"/>
+                <a:ea typeface="+mn-ea"/>
+                <a:cs typeface="+mn-cs"/>
+              </a:defRPr>
+            </a:lvl5pPr>
+            <a:lvl6pPr marL="2286000" algn="l" defTabSz="914400" rtl="0" eaLnBrk="1" latinLnBrk="0" hangingPunct="1">
+              <a:defRPr sz="1800" kern="1200">
+                <a:solidFill>
+                  <a:schemeClr val="lt1"/>
+                </a:solidFill>
+                <a:latin typeface="+mn-lt"/>
+                <a:ea typeface="+mn-ea"/>
+                <a:cs typeface="+mn-cs"/>
+              </a:defRPr>
+            </a:lvl6pPr>
+            <a:lvl7pPr marL="2743200" algn="l" defTabSz="914400" rtl="0" eaLnBrk="1" latinLnBrk="0" hangingPunct="1">
+              <a:defRPr sz="1800" kern="1200">
+                <a:solidFill>
+                  <a:schemeClr val="lt1"/>
+                </a:solidFill>
+                <a:latin typeface="+mn-lt"/>
+                <a:ea typeface="+mn-ea"/>
+                <a:cs typeface="+mn-cs"/>
+              </a:defRPr>
+            </a:lvl7pPr>
+            <a:lvl8pPr marL="3200400" algn="l" defTabSz="914400" rtl="0" eaLnBrk="1" latinLnBrk="0" hangingPunct="1">
+              <a:defRPr sz="1800" kern="1200">
+                <a:solidFill>
+                  <a:schemeClr val="lt1"/>
+                </a:solidFill>
+                <a:latin typeface="+mn-lt"/>
+                <a:ea typeface="+mn-ea"/>
+                <a:cs typeface="+mn-cs"/>
+              </a:defRPr>
+            </a:lvl8pPr>
+            <a:lvl9pPr marL="3657600" algn="l" defTabSz="914400" rtl="0" eaLnBrk="1" latinLnBrk="0" hangingPunct="1">
+              <a:defRPr sz="1800" kern="1200">
+                <a:solidFill>
+                  <a:schemeClr val="lt1"/>
+                </a:solidFill>
+                <a:latin typeface="+mn-lt"/>
+                <a:ea typeface="+mn-ea"/>
+                <a:cs typeface="+mn-cs"/>
+              </a:defRPr>
+            </a:lvl9pPr>
+          </a:lstStyle>
+          <a:p>
+            <a:pPr algn="ctr"/>
+            <a:endParaRPr lang="ko-KR" altLang="en-US" sz="2700" dirty="0">
+              <a:solidFill>
+                <a:schemeClr val="accent1"/>
+              </a:solidFill>
+              <a:latin typeface="Candara" panose="020E0502030303020204" pitchFamily="34" charset="0"/>
+            </a:endParaRPr>
+          </a:p>
+        </p:txBody>
+      </p:sp>
+      <p:sp>
+        <p:nvSpPr>
+          <p:cNvPr id="43" name="Rectangle 42">
+            <a:extLst>
+              <a:ext uri="{FF2B5EF4-FFF2-40B4-BE49-F238E27FC236}">
+                <a16:creationId xmlns="" xmlns:a16="http://schemas.microsoft.com/office/drawing/2014/main" xmlns:lc="http://schemas.openxmlformats.org/drawingml/2006/lockedCanvas" id="{14D2D8FE-0FE0-4478-ACF8-0943BAA7EB88}"/>
+              </a:ext>
+            </a:extLst>
+          </p:cNvPr>
+          <p:cNvSpPr/>
+          <p:nvPr/>
+        </p:nvSpPr>
+        <p:spPr>
+          <a:xfrm>
+            <a:off x="1659119" y="3262268"/>
+            <a:ext cx="642646" cy="205764"/>
+          </a:xfrm>
+          <a:prstGeom prst="rect">
+            <a:avLst/>
+          </a:prstGeom>
+          <a:solidFill>
+            <a:schemeClr val="accent2"/>
+          </a:solidFill>
+          <a:ln>
+            <a:noFill/>
+          </a:ln>
+        </p:spPr>
+        <p:style>
+          <a:lnRef idx="2">
+            <a:schemeClr val="accent1">
+              <a:shade val="50000"/>
+            </a:schemeClr>
+          </a:lnRef>
+          <a:fillRef idx="1">
+            <a:schemeClr val="accent1"/>
+          </a:fillRef>
+          <a:effectRef idx="0">
+            <a:schemeClr val="accent1"/>
+          </a:effectRef>
+          <a:fontRef idx="minor">
+            <a:schemeClr val="lt1"/>
+          </a:fontRef>
+        </p:style>
+        <p:txBody>
+          <a:bodyPr rtlCol="0" anchor="ctr"/>
+          <a:lstStyle>
+            <a:defPPr>
+              <a:defRPr lang="en-US"/>
+            </a:defPPr>
+            <a:lvl1pPr marL="0" algn="l" defTabSz="914400" rtl="0" eaLnBrk="1" latinLnBrk="0" hangingPunct="1">
+              <a:defRPr sz="1800" kern="1200">
+                <a:solidFill>
+                  <a:schemeClr val="lt1"/>
+                </a:solidFill>
+                <a:latin typeface="+mn-lt"/>
+                <a:ea typeface="+mn-ea"/>
+                <a:cs typeface="+mn-cs"/>
+              </a:defRPr>
+            </a:lvl1pPr>
+            <a:lvl2pPr marL="457200" algn="l" defTabSz="914400" rtl="0" eaLnBrk="1" latinLnBrk="0" hangingPunct="1">
+              <a:defRPr sz="1800" kern="1200">
+                <a:solidFill>
+                  <a:schemeClr val="lt1"/>
+                </a:solidFill>
+                <a:latin typeface="+mn-lt"/>
+                <a:ea typeface="+mn-ea"/>
+                <a:cs typeface="+mn-cs"/>
+              </a:defRPr>
+            </a:lvl2pPr>
+            <a:lvl3pPr marL="914400" algn="l" defTabSz="914400" rtl="0" eaLnBrk="1" latinLnBrk="0" hangingPunct="1">
+              <a:defRPr sz="1800" kern="1200">
+                <a:solidFill>
+                  <a:schemeClr val="lt1"/>
+                </a:solidFill>
+                <a:latin typeface="+mn-lt"/>
+                <a:ea typeface="+mn-ea"/>
+                <a:cs typeface="+mn-cs"/>
+              </a:defRPr>
+            </a:lvl3pPr>
+            <a:lvl4pPr marL="1371600" algn="l" defTabSz="914400" rtl="0" eaLnBrk="1" latinLnBrk="0" hangingPunct="1">
+              <a:defRPr sz="1800" kern="1200">
+                <a:solidFill>
+                  <a:schemeClr val="lt1"/>
+                </a:solidFill>
+                <a:latin typeface="+mn-lt"/>
+                <a:ea typeface="+mn-ea"/>
+                <a:cs typeface="+mn-cs"/>
+              </a:defRPr>
+            </a:lvl4pPr>
+            <a:lvl5pPr marL="1828800" algn="l" defTabSz="914400" rtl="0" eaLnBrk="1" latinLnBrk="0" hangingPunct="1">
+              <a:defRPr sz="1800" kern="1200">
+                <a:solidFill>
+                  <a:schemeClr val="lt1"/>
+                </a:solidFill>
+                <a:latin typeface="+mn-lt"/>
+                <a:ea typeface="+mn-ea"/>
+                <a:cs typeface="+mn-cs"/>
+              </a:defRPr>
+            </a:lvl5pPr>
+            <a:lvl6pPr marL="2286000" algn="l" defTabSz="914400" rtl="0" eaLnBrk="1" latinLnBrk="0" hangingPunct="1">
+              <a:defRPr sz="1800" kern="1200">
+                <a:solidFill>
+                  <a:schemeClr val="lt1"/>
+                </a:solidFill>
+                <a:latin typeface="+mn-lt"/>
+                <a:ea typeface="+mn-ea"/>
+                <a:cs typeface="+mn-cs"/>
+              </a:defRPr>
+            </a:lvl6pPr>
+            <a:lvl7pPr marL="2743200" algn="l" defTabSz="914400" rtl="0" eaLnBrk="1" latinLnBrk="0" hangingPunct="1">
+              <a:defRPr sz="1800" kern="1200">
+                <a:solidFill>
+                  <a:schemeClr val="lt1"/>
+                </a:solidFill>
+                <a:latin typeface="+mn-lt"/>
+                <a:ea typeface="+mn-ea"/>
+                <a:cs typeface="+mn-cs"/>
+              </a:defRPr>
+            </a:lvl7pPr>
+            <a:lvl8pPr marL="3200400" algn="l" defTabSz="914400" rtl="0" eaLnBrk="1" latinLnBrk="0" hangingPunct="1">
+              <a:defRPr sz="1800" kern="1200">
+                <a:solidFill>
+                  <a:schemeClr val="lt1"/>
+                </a:solidFill>
+                <a:latin typeface="+mn-lt"/>
+                <a:ea typeface="+mn-ea"/>
+                <a:cs typeface="+mn-cs"/>
+              </a:defRPr>
+            </a:lvl8pPr>
+            <a:lvl9pPr marL="3657600" algn="l" defTabSz="914400" rtl="0" eaLnBrk="1" latinLnBrk="0" hangingPunct="1">
+              <a:defRPr sz="1800" kern="1200">
+                <a:solidFill>
+                  <a:schemeClr val="lt1"/>
+                </a:solidFill>
+                <a:latin typeface="+mn-lt"/>
+                <a:ea typeface="+mn-ea"/>
+                <a:cs typeface="+mn-cs"/>
+              </a:defRPr>
+            </a:lvl9pPr>
+          </a:lstStyle>
+          <a:p>
+            <a:pPr algn="ctr"/>
+            <a:endParaRPr lang="ko-KR" altLang="en-US" sz="2700" dirty="0">
+              <a:solidFill>
+                <a:schemeClr val="tx1">
+                  <a:lumMod val="75000"/>
+                  <a:lumOff val="25000"/>
+                </a:schemeClr>
+              </a:solidFill>
+              <a:latin typeface="Candara" panose="020E0502030303020204" pitchFamily="34" charset="0"/>
+            </a:endParaRPr>
+          </a:p>
+        </p:txBody>
+      </p:sp>
+      <p:sp>
+        <p:nvSpPr>
+          <p:cNvPr id="44" name="Rectangle 43">
+            <a:extLst>
+              <a:ext uri="{FF2B5EF4-FFF2-40B4-BE49-F238E27FC236}">
+                <a16:creationId xmlns="" xmlns:a16="http://schemas.microsoft.com/office/drawing/2014/main" xmlns:lc="http://schemas.openxmlformats.org/drawingml/2006/lockedCanvas" id="{14D2D8FE-0FE0-4478-ACF8-0943BAA7EB88}"/>
+              </a:ext>
+            </a:extLst>
+          </p:cNvPr>
+          <p:cNvSpPr/>
+          <p:nvPr/>
+        </p:nvSpPr>
+        <p:spPr>
+          <a:xfrm>
+            <a:off x="1659119" y="3944057"/>
+            <a:ext cx="642646" cy="205764"/>
+          </a:xfrm>
+          <a:prstGeom prst="rect">
+            <a:avLst/>
+          </a:prstGeom>
+          <a:solidFill>
+            <a:schemeClr val="accent3"/>
+          </a:solidFill>
+          <a:ln>
+            <a:noFill/>
+          </a:ln>
+        </p:spPr>
+        <p:style>
+          <a:lnRef idx="2">
+            <a:schemeClr val="accent1">
+              <a:shade val="50000"/>
+            </a:schemeClr>
+          </a:lnRef>
+          <a:fillRef idx="1">
+            <a:schemeClr val="accent1"/>
+          </a:fillRef>
+          <a:effectRef idx="0">
+            <a:schemeClr val="accent1"/>
+          </a:effectRef>
+          <a:fontRef idx="minor">
+            <a:schemeClr val="lt1"/>
+          </a:fontRef>
+        </p:style>
+        <p:txBody>
+          <a:bodyPr rtlCol="0" anchor="ctr"/>
+          <a:lstStyle>
+            <a:defPPr>
+              <a:defRPr lang="en-US"/>
+            </a:defPPr>
+            <a:lvl1pPr marL="0" algn="l" defTabSz="914400" rtl="0" eaLnBrk="1" latinLnBrk="0" hangingPunct="1">
+              <a:defRPr sz="1800" kern="1200">
+                <a:solidFill>
+                  <a:schemeClr val="lt1"/>
+                </a:solidFill>
+                <a:latin typeface="+mn-lt"/>
+                <a:ea typeface="+mn-ea"/>
+                <a:cs typeface="+mn-cs"/>
+              </a:defRPr>
+            </a:lvl1pPr>
+            <a:lvl2pPr marL="457200" algn="l" defTabSz="914400" rtl="0" eaLnBrk="1" latinLnBrk="0" hangingPunct="1">
+              <a:defRPr sz="1800" kern="1200">
+                <a:solidFill>
+                  <a:schemeClr val="lt1"/>
+                </a:solidFill>
+                <a:latin typeface="+mn-lt"/>
+                <a:ea typeface="+mn-ea"/>
+                <a:cs typeface="+mn-cs"/>
+              </a:defRPr>
+            </a:lvl2pPr>
+            <a:lvl3pPr marL="914400" algn="l" defTabSz="914400" rtl="0" eaLnBrk="1" latinLnBrk="0" hangingPunct="1">
+              <a:defRPr sz="1800" kern="1200">
+                <a:solidFill>
+                  <a:schemeClr val="lt1"/>
+                </a:solidFill>
+                <a:latin typeface="+mn-lt"/>
+                <a:ea typeface="+mn-ea"/>
+                <a:cs typeface="+mn-cs"/>
+              </a:defRPr>
+            </a:lvl3pPr>
+            <a:lvl4pPr marL="1371600" algn="l" defTabSz="914400" rtl="0" eaLnBrk="1" latinLnBrk="0" hangingPunct="1">
+              <a:defRPr sz="1800" kern="1200">
+                <a:solidFill>
+                  <a:schemeClr val="lt1"/>
+                </a:solidFill>
+                <a:latin typeface="+mn-lt"/>
+                <a:ea typeface="+mn-ea"/>
+                <a:cs typeface="+mn-cs"/>
+              </a:defRPr>
+            </a:lvl4pPr>
+            <a:lvl5pPr marL="1828800" algn="l" defTabSz="914400" rtl="0" eaLnBrk="1" latinLnBrk="0" hangingPunct="1">
+              <a:defRPr sz="1800" kern="1200">
+                <a:solidFill>
+                  <a:schemeClr val="lt1"/>
+                </a:solidFill>
+                <a:latin typeface="+mn-lt"/>
+                <a:ea typeface="+mn-ea"/>
+                <a:cs typeface="+mn-cs"/>
+              </a:defRPr>
+            </a:lvl5pPr>
+            <a:lvl6pPr marL="2286000" algn="l" defTabSz="914400" rtl="0" eaLnBrk="1" latinLnBrk="0" hangingPunct="1">
+              <a:defRPr sz="1800" kern="1200">
+                <a:solidFill>
+                  <a:schemeClr val="lt1"/>
+                </a:solidFill>
+                <a:latin typeface="+mn-lt"/>
+                <a:ea typeface="+mn-ea"/>
+                <a:cs typeface="+mn-cs"/>
+              </a:defRPr>
+            </a:lvl6pPr>
+            <a:lvl7pPr marL="2743200" algn="l" defTabSz="914400" rtl="0" eaLnBrk="1" latinLnBrk="0" hangingPunct="1">
+              <a:defRPr sz="1800" kern="1200">
+                <a:solidFill>
+                  <a:schemeClr val="lt1"/>
+                </a:solidFill>
+                <a:latin typeface="+mn-lt"/>
+                <a:ea typeface="+mn-ea"/>
+                <a:cs typeface="+mn-cs"/>
+              </a:defRPr>
+            </a:lvl7pPr>
+            <a:lvl8pPr marL="3200400" algn="l" defTabSz="914400" rtl="0" eaLnBrk="1" latinLnBrk="0" hangingPunct="1">
+              <a:defRPr sz="1800" kern="1200">
+                <a:solidFill>
+                  <a:schemeClr val="lt1"/>
+                </a:solidFill>
+                <a:latin typeface="+mn-lt"/>
+                <a:ea typeface="+mn-ea"/>
+                <a:cs typeface="+mn-cs"/>
+              </a:defRPr>
+            </a:lvl8pPr>
+            <a:lvl9pPr marL="3657600" algn="l" defTabSz="914400" rtl="0" eaLnBrk="1" latinLnBrk="0" hangingPunct="1">
+              <a:defRPr sz="1800" kern="1200">
+                <a:solidFill>
+                  <a:schemeClr val="lt1"/>
+                </a:solidFill>
+                <a:latin typeface="+mn-lt"/>
+                <a:ea typeface="+mn-ea"/>
+                <a:cs typeface="+mn-cs"/>
+              </a:defRPr>
+            </a:lvl9pPr>
+          </a:lstStyle>
+          <a:p>
+            <a:pPr algn="ctr"/>
+            <a:endParaRPr lang="ko-KR" altLang="en-US" sz="2700" dirty="0">
+              <a:solidFill>
+                <a:schemeClr val="tx1">
+                  <a:lumMod val="75000"/>
+                  <a:lumOff val="25000"/>
+                </a:schemeClr>
+              </a:solidFill>
+              <a:latin typeface="Candara" panose="020E0502030303020204" pitchFamily="34" charset="0"/>
+            </a:endParaRPr>
+          </a:p>
+        </p:txBody>
+      </p:sp>
+      <p:sp>
+        <p:nvSpPr>
+          <p:cNvPr id="45" name="TextBox 15">
+            <a:extLst>
+              <a:ext uri="{FF2B5EF4-FFF2-40B4-BE49-F238E27FC236}">
+                <a16:creationId xmlns="" xmlns:a16="http://schemas.microsoft.com/office/drawing/2014/main" xmlns:lc="http://schemas.openxmlformats.org/drawingml/2006/lockedCanvas" id="{FA563111-B830-4678-8F3E-6B87DF37F6AF}"/>
+              </a:ext>
+            </a:extLst>
+          </p:cNvPr>
+          <p:cNvSpPr txBox="1"/>
+          <p:nvPr/>
+        </p:nvSpPr>
+        <p:spPr>
+          <a:xfrm>
+            <a:off x="3011784" y="4632521"/>
+            <a:ext cx="6970415" cy="338554"/>
+          </a:xfrm>
+          <a:prstGeom prst="rect">
+            <a:avLst/>
+          </a:prstGeom>
+          <a:noFill/>
+        </p:spPr>
+        <p:txBody>
+          <a:bodyPr wrap="square" rtlCol="0">
+            <a:spAutoFit/>
+          </a:bodyPr>
+          <a:lstStyle>
+            <a:defPPr>
+              <a:defRPr lang="en-US"/>
+            </a:defPPr>
+            <a:lvl1pPr marL="0" algn="l" defTabSz="914400" rtl="0" eaLnBrk="1" latinLnBrk="0" hangingPunct="1">
+              <a:defRPr sz="1800" kern="1200">
+                <a:solidFill>
+                  <a:schemeClr val="tx1"/>
+                </a:solidFill>
+                <a:latin typeface="+mn-lt"/>
+                <a:ea typeface="+mn-ea"/>
+                <a:cs typeface="+mn-cs"/>
+              </a:defRPr>
+            </a:lvl1pPr>
+            <a:lvl2pPr marL="457200" algn="l" defTabSz="914400" rtl="0" eaLnBrk="1" latinLnBrk="0" hangingPunct="1">
+              <a:defRPr sz="1800" kern="1200">
+                <a:solidFill>
+                  <a:schemeClr val="tx1"/>
+                </a:solidFill>
+                <a:latin typeface="+mn-lt"/>
+                <a:ea typeface="+mn-ea"/>
+                <a:cs typeface="+mn-cs"/>
+              </a:defRPr>
+            </a:lvl2pPr>
+            <a:lvl3pPr marL="914400" algn="l" defTabSz="914400" rtl="0" eaLnBrk="1" latinLnBrk="0" hangingPunct="1">
+              <a:defRPr sz="1800" kern="1200">
+                <a:solidFill>
+                  <a:schemeClr val="tx1"/>
+                </a:solidFill>
+                <a:latin typeface="+mn-lt"/>
+                <a:ea typeface="+mn-ea"/>
+                <a:cs typeface="+mn-cs"/>
+              </a:defRPr>
+            </a:lvl3pPr>
+            <a:lvl4pPr marL="1371600" algn="l" defTabSz="914400" rtl="0" eaLnBrk="1" latinLnBrk="0" hangingPunct="1">
+              <a:defRPr sz="1800" kern="1200">
+                <a:solidFill>
+                  <a:schemeClr val="tx1"/>
+                </a:solidFill>
+                <a:latin typeface="+mn-lt"/>
+                <a:ea typeface="+mn-ea"/>
+                <a:cs typeface="+mn-cs"/>
+              </a:defRPr>
+            </a:lvl4pPr>
+            <a:lvl5pPr marL="1828800" algn="l" defTabSz="914400" rtl="0" eaLnBrk="1" latinLnBrk="0" hangingPunct="1">
+              <a:defRPr sz="1800" kern="1200">
+                <a:solidFill>
+                  <a:schemeClr val="tx1"/>
+                </a:solidFill>
+                <a:latin typeface="+mn-lt"/>
+                <a:ea typeface="+mn-ea"/>
+                <a:cs typeface="+mn-cs"/>
+              </a:defRPr>
+            </a:lvl5pPr>
+            <a:lvl6pPr marL="2286000" algn="l" defTabSz="914400" rtl="0" eaLnBrk="1" latinLnBrk="0" hangingPunct="1">
+              <a:defRPr sz="1800" kern="1200">
+                <a:solidFill>
+                  <a:schemeClr val="tx1"/>
+                </a:solidFill>
+                <a:latin typeface="+mn-lt"/>
+                <a:ea typeface="+mn-ea"/>
+                <a:cs typeface="+mn-cs"/>
+              </a:defRPr>
+            </a:lvl6pPr>
+            <a:lvl7pPr marL="2743200" algn="l" defTabSz="914400" rtl="0" eaLnBrk="1" latinLnBrk="0" hangingPunct="1">
+              <a:defRPr sz="1800" kern="1200">
+                <a:solidFill>
+                  <a:schemeClr val="tx1"/>
+                </a:solidFill>
+                <a:latin typeface="+mn-lt"/>
+                <a:ea typeface="+mn-ea"/>
+                <a:cs typeface="+mn-cs"/>
+              </a:defRPr>
+            </a:lvl7pPr>
+            <a:lvl8pPr marL="3200400" algn="l" defTabSz="914400" rtl="0" eaLnBrk="1" latinLnBrk="0" hangingPunct="1">
+              <a:defRPr sz="1800" kern="1200">
+                <a:solidFill>
+                  <a:schemeClr val="tx1"/>
+                </a:solidFill>
+                <a:latin typeface="+mn-lt"/>
+                <a:ea typeface="+mn-ea"/>
+                <a:cs typeface="+mn-cs"/>
+              </a:defRPr>
+            </a:lvl8pPr>
+            <a:lvl9pPr marL="3657600" algn="l" defTabSz="914400" rtl="0" eaLnBrk="1" latinLnBrk="0" hangingPunct="1">
+              <a:defRPr sz="1800" kern="1200">
+                <a:solidFill>
+                  <a:schemeClr val="tx1"/>
+                </a:solidFill>
+                <a:latin typeface="+mn-lt"/>
+                <a:ea typeface="+mn-ea"/>
+                <a:cs typeface="+mn-cs"/>
+              </a:defRPr>
+            </a:lvl9pPr>
+          </a:lstStyle>
+          <a:p>
+            <a:r>
+              <a:rPr lang="fr-FR" sz="1600" dirty="0">
+                <a:solidFill>
+                  <a:schemeClr val="accent4"/>
+                </a:solidFill>
+                <a:latin typeface="inherit"/>
+              </a:rPr>
+              <a:t>Approche directive de la </a:t>
+            </a:r>
+            <a:r>
+              <a:rPr lang="fr-FR" sz="1600" dirty="0" smtClean="0">
+                <a:solidFill>
+                  <a:schemeClr val="accent4"/>
+                </a:solidFill>
+                <a:latin typeface="inherit"/>
+              </a:rPr>
+              <a:t>configuration</a:t>
+            </a:r>
+            <a:r>
+              <a:rPr lang="fr-FR" sz="1600" b="1" dirty="0" smtClean="0">
+                <a:solidFill>
+                  <a:schemeClr val="accent4"/>
+                </a:solidFill>
+              </a:rPr>
+              <a:t>.</a:t>
+            </a:r>
+            <a:endParaRPr lang="fr-FR" sz="1600" b="1" dirty="0">
+              <a:solidFill>
+                <a:schemeClr val="accent4"/>
+              </a:solidFill>
+            </a:endParaRPr>
+          </a:p>
+        </p:txBody>
+      </p:sp>
+      <p:sp>
+        <p:nvSpPr>
+          <p:cNvPr id="46" name="Rectangle 45">
+            <a:extLst>
+              <a:ext uri="{FF2B5EF4-FFF2-40B4-BE49-F238E27FC236}">
+                <a16:creationId xmlns="" xmlns:a16="http://schemas.microsoft.com/office/drawing/2014/main" xmlns:lc="http://schemas.openxmlformats.org/drawingml/2006/lockedCanvas" id="{14D2D8FE-0FE0-4478-ACF8-0943BAA7EB88}"/>
+              </a:ext>
+            </a:extLst>
+          </p:cNvPr>
+          <p:cNvSpPr/>
+          <p:nvPr/>
+        </p:nvSpPr>
+        <p:spPr>
+          <a:xfrm>
+            <a:off x="1659119" y="4655779"/>
+            <a:ext cx="642646" cy="205764"/>
+          </a:xfrm>
+          <a:prstGeom prst="rect">
+            <a:avLst/>
+          </a:prstGeom>
+          <a:solidFill>
+            <a:schemeClr val="accent4"/>
+          </a:solidFill>
+          <a:ln>
+            <a:noFill/>
+          </a:ln>
+        </p:spPr>
+        <p:style>
+          <a:lnRef idx="2">
+            <a:schemeClr val="accent1">
+              <a:shade val="50000"/>
+            </a:schemeClr>
+          </a:lnRef>
+          <a:fillRef idx="1">
+            <a:schemeClr val="accent1"/>
+          </a:fillRef>
+          <a:effectRef idx="0">
+            <a:schemeClr val="accent1"/>
+          </a:effectRef>
+          <a:fontRef idx="minor">
+            <a:schemeClr val="lt1"/>
+          </a:fontRef>
+        </p:style>
+        <p:txBody>
+          <a:bodyPr rtlCol="0" anchor="ctr"/>
+          <a:lstStyle>
+            <a:defPPr>
+              <a:defRPr lang="en-US"/>
+            </a:defPPr>
+            <a:lvl1pPr marL="0" algn="l" defTabSz="914400" rtl="0" eaLnBrk="1" latinLnBrk="0" hangingPunct="1">
+              <a:defRPr sz="1800" kern="1200">
+                <a:solidFill>
+                  <a:schemeClr val="lt1"/>
+                </a:solidFill>
+                <a:latin typeface="+mn-lt"/>
+                <a:ea typeface="+mn-ea"/>
+                <a:cs typeface="+mn-cs"/>
+              </a:defRPr>
+            </a:lvl1pPr>
+            <a:lvl2pPr marL="457200" algn="l" defTabSz="914400" rtl="0" eaLnBrk="1" latinLnBrk="0" hangingPunct="1">
+              <a:defRPr sz="1800" kern="1200">
+                <a:solidFill>
+                  <a:schemeClr val="lt1"/>
+                </a:solidFill>
+                <a:latin typeface="+mn-lt"/>
+                <a:ea typeface="+mn-ea"/>
+                <a:cs typeface="+mn-cs"/>
+              </a:defRPr>
+            </a:lvl2pPr>
+            <a:lvl3pPr marL="914400" algn="l" defTabSz="914400" rtl="0" eaLnBrk="1" latinLnBrk="0" hangingPunct="1">
+              <a:defRPr sz="1800" kern="1200">
+                <a:solidFill>
+                  <a:schemeClr val="lt1"/>
+                </a:solidFill>
+                <a:latin typeface="+mn-lt"/>
+                <a:ea typeface="+mn-ea"/>
+                <a:cs typeface="+mn-cs"/>
+              </a:defRPr>
+            </a:lvl3pPr>
+            <a:lvl4pPr marL="1371600" algn="l" defTabSz="914400" rtl="0" eaLnBrk="1" latinLnBrk="0" hangingPunct="1">
+              <a:defRPr sz="1800" kern="1200">
+                <a:solidFill>
+                  <a:schemeClr val="lt1"/>
+                </a:solidFill>
+                <a:latin typeface="+mn-lt"/>
+                <a:ea typeface="+mn-ea"/>
+                <a:cs typeface="+mn-cs"/>
+              </a:defRPr>
+            </a:lvl4pPr>
+            <a:lvl5pPr marL="1828800" algn="l" defTabSz="914400" rtl="0" eaLnBrk="1" latinLnBrk="0" hangingPunct="1">
+              <a:defRPr sz="1800" kern="1200">
+                <a:solidFill>
+                  <a:schemeClr val="lt1"/>
+                </a:solidFill>
+                <a:latin typeface="+mn-lt"/>
+                <a:ea typeface="+mn-ea"/>
+                <a:cs typeface="+mn-cs"/>
+              </a:defRPr>
+            </a:lvl5pPr>
+            <a:lvl6pPr marL="2286000" algn="l" defTabSz="914400" rtl="0" eaLnBrk="1" latinLnBrk="0" hangingPunct="1">
+              <a:defRPr sz="1800" kern="1200">
+                <a:solidFill>
+                  <a:schemeClr val="lt1"/>
+                </a:solidFill>
+                <a:latin typeface="+mn-lt"/>
+                <a:ea typeface="+mn-ea"/>
+                <a:cs typeface="+mn-cs"/>
+              </a:defRPr>
+            </a:lvl6pPr>
+            <a:lvl7pPr marL="2743200" algn="l" defTabSz="914400" rtl="0" eaLnBrk="1" latinLnBrk="0" hangingPunct="1">
+              <a:defRPr sz="1800" kern="1200">
+                <a:solidFill>
+                  <a:schemeClr val="lt1"/>
+                </a:solidFill>
+                <a:latin typeface="+mn-lt"/>
+                <a:ea typeface="+mn-ea"/>
+                <a:cs typeface="+mn-cs"/>
+              </a:defRPr>
+            </a:lvl7pPr>
+            <a:lvl8pPr marL="3200400" algn="l" defTabSz="914400" rtl="0" eaLnBrk="1" latinLnBrk="0" hangingPunct="1">
+              <a:defRPr sz="1800" kern="1200">
+                <a:solidFill>
+                  <a:schemeClr val="lt1"/>
+                </a:solidFill>
+                <a:latin typeface="+mn-lt"/>
+                <a:ea typeface="+mn-ea"/>
+                <a:cs typeface="+mn-cs"/>
+              </a:defRPr>
+            </a:lvl8pPr>
+            <a:lvl9pPr marL="3657600" algn="l" defTabSz="914400" rtl="0" eaLnBrk="1" latinLnBrk="0" hangingPunct="1">
+              <a:defRPr sz="1800" kern="1200">
+                <a:solidFill>
+                  <a:schemeClr val="lt1"/>
+                </a:solidFill>
+                <a:latin typeface="+mn-lt"/>
+                <a:ea typeface="+mn-ea"/>
+                <a:cs typeface="+mn-cs"/>
+              </a:defRPr>
+            </a:lvl9pPr>
+          </a:lstStyle>
+          <a:p>
+            <a:pPr algn="ctr"/>
+            <a:endParaRPr lang="ko-KR" altLang="en-US" sz="2700" dirty="0">
+              <a:solidFill>
+                <a:schemeClr val="tx1">
+                  <a:lumMod val="75000"/>
+                  <a:lumOff val="25000"/>
+                </a:schemeClr>
+              </a:solidFill>
+              <a:latin typeface="Candara" panose="020E0502030303020204" pitchFamily="34" charset="0"/>
             </a:endParaRPr>
           </a:p>
         </p:txBody>
@@ -26288,7 +27714,7 @@
           <p:cNvPr id="3" name="TextBox 3">
             <a:extLst>
               <a:ext uri="{FF2B5EF4-FFF2-40B4-BE49-F238E27FC236}">
-                <a16:creationId xmlns:a16="http://schemas.microsoft.com/office/drawing/2014/main" id="{15A4BDA0-C270-4764-9C18-A593BCE2C965}"/>
+                <a16:creationId xmlns:a16="http://schemas.microsoft.com/office/drawing/2014/main" xmlns="" id="{15A4BDA0-C270-4764-9C18-A593BCE2C965}"/>
               </a:ext>
             </a:extLst>
           </p:cNvPr>
@@ -26297,8 +27723,8 @@
         </p:nvSpPr>
         <p:spPr>
           <a:xfrm>
-            <a:off x="1079477" y="623463"/>
-            <a:ext cx="4494605" cy="646331"/>
+            <a:off x="4306153" y="1296126"/>
+            <a:ext cx="2357405" cy="646331"/>
           </a:xfrm>
           <a:prstGeom prst="rect">
             <a:avLst/>
@@ -26325,6 +27751,214 @@
               <a:t>conclusion</a:t>
             </a:r>
             <a:endParaRPr lang="ko-KR" altLang="en-US" sz="3600" dirty="0">
+              <a:solidFill>
+                <a:schemeClr val="tx1">
+                  <a:lumMod val="85000"/>
+                  <a:lumOff val="15000"/>
+                </a:schemeClr>
+              </a:solidFill>
+              <a:latin typeface="Candara" panose="020E0502030303020204" pitchFamily="34" charset="0"/>
+              <a:cs typeface="Arial" pitchFamily="34" charset="0"/>
+            </a:endParaRPr>
+          </a:p>
+        </p:txBody>
+      </p:sp>
+      <p:pic>
+        <p:nvPicPr>
+          <p:cNvPr id="4" name="Image 3"/>
+          <p:cNvPicPr>
+            <a:picLocks noChangeAspect="1"/>
+          </p:cNvPicPr>
+          <p:nvPr/>
+        </p:nvPicPr>
+        <p:blipFill>
+          <a:blip r:embed="rId2"/>
+          <a:stretch>
+            <a:fillRect/>
+          </a:stretch>
+        </p:blipFill>
+        <p:spPr>
+          <a:xfrm>
+            <a:off x="10147945" y="577188"/>
+            <a:ext cx="1733792" cy="847843"/>
+          </a:xfrm>
+          <a:prstGeom prst="rect">
+            <a:avLst/>
+          </a:prstGeom>
+        </p:spPr>
+      </p:pic>
+      <p:sp>
+        <p:nvSpPr>
+          <p:cNvPr id="5" name="TextBox 3">
+            <a:extLst>
+              <a:ext uri="{FF2B5EF4-FFF2-40B4-BE49-F238E27FC236}">
+                <a16:creationId xmlns:a16="http://schemas.microsoft.com/office/drawing/2014/main" xmlns="" id="{15A4BDA0-C270-4764-9C18-A593BCE2C965}"/>
+              </a:ext>
+            </a:extLst>
+          </p:cNvPr>
+          <p:cNvSpPr txBox="1"/>
+          <p:nvPr/>
+        </p:nvSpPr>
+        <p:spPr>
+          <a:xfrm>
+            <a:off x="3063304" y="2655783"/>
+            <a:ext cx="6051792" cy="2246769"/>
+          </a:xfrm>
+          <a:prstGeom prst="rect">
+            <a:avLst/>
+          </a:prstGeom>
+          <a:noFill/>
+        </p:spPr>
+        <p:txBody>
+          <a:bodyPr wrap="square" rtlCol="0" anchor="ctr">
+            <a:spAutoFit/>
+          </a:bodyPr>
+          <a:lstStyle/>
+          <a:p>
+            <a:r>
+              <a:rPr lang="en-US" altLang="ko-KR" sz="2800" dirty="0" smtClean="0">
+                <a:solidFill>
+                  <a:schemeClr val="tx1">
+                    <a:lumMod val="85000"/>
+                    <a:lumOff val="15000"/>
+                  </a:schemeClr>
+                </a:solidFill>
+                <a:latin typeface="Candara" panose="020E0502030303020204" pitchFamily="34" charset="0"/>
+                <a:cs typeface="Arial" pitchFamily="34" charset="0"/>
+              </a:rPr>
+              <a:t>On </a:t>
+            </a:r>
+            <a:r>
+              <a:rPr lang="en-US" altLang="ko-KR" sz="2800" dirty="0" err="1" smtClean="0">
+                <a:solidFill>
+                  <a:schemeClr val="tx1">
+                    <a:lumMod val="85000"/>
+                    <a:lumOff val="15000"/>
+                  </a:schemeClr>
+                </a:solidFill>
+                <a:latin typeface="Candara" panose="020E0502030303020204" pitchFamily="34" charset="0"/>
+                <a:cs typeface="Arial" pitchFamily="34" charset="0"/>
+              </a:rPr>
+              <a:t>retient</a:t>
+            </a:r>
+            <a:r>
+              <a:rPr lang="en-US" altLang="ko-KR" sz="2800" dirty="0" smtClean="0">
+                <a:solidFill>
+                  <a:schemeClr val="tx1">
+                    <a:lumMod val="85000"/>
+                    <a:lumOff val="15000"/>
+                  </a:schemeClr>
+                </a:solidFill>
+                <a:latin typeface="Candara" panose="020E0502030303020204" pitchFamily="34" charset="0"/>
+                <a:cs typeface="Arial" pitchFamily="34" charset="0"/>
+              </a:rPr>
+              <a:t> que Spring boot </a:t>
+            </a:r>
+            <a:r>
+              <a:rPr lang="en-US" altLang="ko-KR" sz="2800" dirty="0" err="1" smtClean="0">
+                <a:solidFill>
+                  <a:schemeClr val="tx1">
+                    <a:lumMod val="85000"/>
+                    <a:lumOff val="15000"/>
+                  </a:schemeClr>
+                </a:solidFill>
+                <a:latin typeface="Candara" panose="020E0502030303020204" pitchFamily="34" charset="0"/>
+                <a:cs typeface="Arial" pitchFamily="34" charset="0"/>
+              </a:rPr>
+              <a:t>est</a:t>
+            </a:r>
+            <a:r>
+              <a:rPr lang="en-US" altLang="ko-KR" sz="2800" dirty="0" smtClean="0">
+                <a:solidFill>
+                  <a:schemeClr val="tx1">
+                    <a:lumMod val="85000"/>
+                    <a:lumOff val="15000"/>
+                  </a:schemeClr>
+                </a:solidFill>
+                <a:latin typeface="Candara" panose="020E0502030303020204" pitchFamily="34" charset="0"/>
+                <a:cs typeface="Arial" pitchFamily="34" charset="0"/>
+              </a:rPr>
+              <a:t> un framework base sur le spring framework de java et qui </a:t>
+            </a:r>
+            <a:r>
+              <a:rPr lang="en-US" altLang="ko-KR" sz="2800" dirty="0" err="1" smtClean="0">
+                <a:solidFill>
+                  <a:schemeClr val="tx1">
+                    <a:lumMod val="85000"/>
+                    <a:lumOff val="15000"/>
+                  </a:schemeClr>
+                </a:solidFill>
+                <a:latin typeface="Candara" panose="020E0502030303020204" pitchFamily="34" charset="0"/>
+                <a:cs typeface="Arial" pitchFamily="34" charset="0"/>
+              </a:rPr>
+              <a:t>permet</a:t>
+            </a:r>
+            <a:r>
+              <a:rPr lang="en-US" altLang="ko-KR" sz="2800" dirty="0" smtClean="0">
+                <a:solidFill>
+                  <a:schemeClr val="tx1">
+                    <a:lumMod val="85000"/>
+                    <a:lumOff val="15000"/>
+                  </a:schemeClr>
+                </a:solidFill>
+                <a:latin typeface="Candara" panose="020E0502030303020204" pitchFamily="34" charset="0"/>
+                <a:cs typeface="Arial" pitchFamily="34" charset="0"/>
+              </a:rPr>
+              <a:t> de developer des applications web </a:t>
+            </a:r>
+            <a:r>
+              <a:rPr lang="en-US" altLang="ko-KR" sz="2800" dirty="0" err="1" smtClean="0">
+                <a:solidFill>
+                  <a:schemeClr val="tx1">
+                    <a:lumMod val="85000"/>
+                    <a:lumOff val="15000"/>
+                  </a:schemeClr>
+                </a:solidFill>
+                <a:latin typeface="Candara" panose="020E0502030303020204" pitchFamily="34" charset="0"/>
+                <a:cs typeface="Arial" pitchFamily="34" charset="0"/>
+              </a:rPr>
+              <a:t>autonome</a:t>
+            </a:r>
+            <a:r>
+              <a:rPr lang="en-US" altLang="ko-KR" sz="2800" dirty="0" smtClean="0">
+                <a:solidFill>
+                  <a:schemeClr val="tx1">
+                    <a:lumMod val="85000"/>
+                    <a:lumOff val="15000"/>
+                  </a:schemeClr>
+                </a:solidFill>
+                <a:latin typeface="Candara" panose="020E0502030303020204" pitchFamily="34" charset="0"/>
+                <a:cs typeface="Arial" pitchFamily="34" charset="0"/>
+              </a:rPr>
+              <a:t> et des </a:t>
+            </a:r>
+            <a:r>
+              <a:rPr lang="en-US" altLang="ko-KR" sz="2800" dirty="0" err="1" smtClean="0">
+                <a:solidFill>
+                  <a:schemeClr val="tx1">
+                    <a:lumMod val="85000"/>
+                    <a:lumOff val="15000"/>
+                  </a:schemeClr>
+                </a:solidFill>
+                <a:latin typeface="Candara" panose="020E0502030303020204" pitchFamily="34" charset="0"/>
+                <a:cs typeface="Arial" pitchFamily="34" charset="0"/>
+              </a:rPr>
+              <a:t>microservice</a:t>
+            </a:r>
+            <a:r>
+              <a:rPr lang="en-US" altLang="ko-KR" sz="2800" dirty="0" smtClean="0">
+                <a:solidFill>
+                  <a:schemeClr val="tx1">
+                    <a:lumMod val="85000"/>
+                    <a:lumOff val="15000"/>
+                  </a:schemeClr>
+                </a:solidFill>
+                <a:latin typeface="Candara" panose="020E0502030303020204" pitchFamily="34" charset="0"/>
+                <a:cs typeface="Arial" pitchFamily="34" charset="0"/>
+              </a:rPr>
+              <a:t>  </a:t>
+            </a:r>
+            <a:endParaRPr lang="ko-KR" altLang="en-US" sz="2800" dirty="0">
               <a:solidFill>
                 <a:schemeClr val="tx1">
                   <a:lumMod val="85000"/>
@@ -26520,7 +28154,7 @@
           <p:cNvPr id="50" name="TextBox 3">
             <a:extLst>
               <a:ext uri="{FF2B5EF4-FFF2-40B4-BE49-F238E27FC236}">
-                <a16:creationId xmlns:a16="http://schemas.microsoft.com/office/drawing/2014/main" id="{1DF8EF26-7AD5-4E7F-95B3-9A57CF80C483}"/>
+                <a16:creationId xmlns:a16="http://schemas.microsoft.com/office/drawing/2014/main" xmlns="" id="{1DF8EF26-7AD5-4E7F-95B3-9A57CF80C483}"/>
               </a:ext>
             </a:extLst>
           </p:cNvPr>
@@ -26529,8 +28163,8 @@
         </p:nvSpPr>
         <p:spPr>
           <a:xfrm>
-            <a:off x="-398584" y="4797197"/>
-            <a:ext cx="12191999" cy="1015663"/>
+            <a:off x="2925595" y="4720371"/>
+            <a:ext cx="6071260" cy="1015663"/>
           </a:xfrm>
           <a:prstGeom prst="rect">
             <a:avLst/>
@@ -26563,7 +28197,7 @@
           <p:cNvPr id="51" name="TextBox 4">
             <a:extLst>
               <a:ext uri="{FF2B5EF4-FFF2-40B4-BE49-F238E27FC236}">
-                <a16:creationId xmlns:a16="http://schemas.microsoft.com/office/drawing/2014/main" id="{BADEB2CA-D11F-4CA5-BC5A-6C38FF4BF392}"/>
+                <a16:creationId xmlns:a16="http://schemas.microsoft.com/office/drawing/2014/main" xmlns="" id="{BADEB2CA-D11F-4CA5-BC5A-6C38FF4BF392}"/>
               </a:ext>
             </a:extLst>
           </p:cNvPr>
@@ -26773,6 +28407,30 @@
           <a:xfrm>
             <a:off x="1190445" y="844666"/>
             <a:ext cx="10602970" cy="3985630"/>
+          </a:xfrm>
+          <a:prstGeom prst="rect">
+            <a:avLst/>
+          </a:prstGeom>
+        </p:spPr>
+      </p:pic>
+      <p:pic>
+        <p:nvPicPr>
+          <p:cNvPr id="3" name="Image 2"/>
+          <p:cNvPicPr>
+            <a:picLocks noChangeAspect="1"/>
+          </p:cNvPicPr>
+          <p:nvPr/>
+        </p:nvPicPr>
+        <p:blipFill>
+          <a:blip r:embed="rId4"/>
+          <a:stretch>
+            <a:fillRect/>
+          </a:stretch>
+        </p:blipFill>
+        <p:spPr>
+          <a:xfrm>
+            <a:off x="10247193" y="270235"/>
+            <a:ext cx="1733792" cy="847843"/>
           </a:xfrm>
           <a:prstGeom prst="rect">
             <a:avLst/>
@@ -26799,6 +28457,112 @@
 </p:sld>
 </file>
 
+<file path=ppt/slides/slide16.xml><?xml version="1.0" encoding="utf-8"?>
+<p:sld xmlns:a="http://schemas.openxmlformats.org/drawingml/2006/main" xmlns:r="http://schemas.openxmlformats.org/officeDocument/2006/relationships" xmlns:p="http://schemas.openxmlformats.org/presentationml/2006/main">
+  <p:cSld>
+    <p:spTree>
+      <p:nvGrpSpPr>
+        <p:cNvPr id="1" name=""/>
+        <p:cNvGrpSpPr/>
+        <p:nvPr/>
+      </p:nvGrpSpPr>
+      <p:grpSpPr>
+        <a:xfrm>
+          <a:off x="0" y="0"/>
+          <a:ext cx="0" cy="0"/>
+          <a:chOff x="0" y="0"/>
+          <a:chExt cx="0" cy="0"/>
+        </a:xfrm>
+      </p:grpSpPr>
+      <p:sp>
+        <p:nvSpPr>
+          <p:cNvPr id="2" name="Espace réservé du numéro de diapositive 1"/>
+          <p:cNvSpPr>
+            <a:spLocks noGrp="1"/>
+          </p:cNvSpPr>
+          <p:nvPr>
+            <p:ph type="sldNum" sz="quarter" idx="10"/>
+          </p:nvPr>
+        </p:nvSpPr>
+        <p:spPr/>
+        <p:txBody>
+          <a:bodyPr/>
+          <a:lstStyle/>
+          <a:p>
+            <a:fld id="{4B598DDB-A902-48C8-9CD3-58F7F0DA2EE5}" type="slidenum">
+              <a:rPr lang="fr-FR" smtClean="0"/>
+              <a:pPr/>
+              <a:t>16</a:t>
+            </a:fld>
+            <a:endParaRPr lang="fr-FR" dirty="0"/>
+          </a:p>
+        </p:txBody>
+      </p:sp>
+      <p:sp>
+        <p:nvSpPr>
+          <p:cNvPr id="4" name="Rectangle 3"/>
+          <p:cNvSpPr/>
+          <p:nvPr/>
+        </p:nvSpPr>
+        <p:spPr>
+          <a:xfrm>
+            <a:off x="968942" y="1600199"/>
+            <a:ext cx="8824823" cy="4154984"/>
+          </a:xfrm>
+          <a:prstGeom prst="rect">
+            <a:avLst/>
+          </a:prstGeom>
+        </p:spPr>
+        <p:txBody>
+          <a:bodyPr wrap="square">
+            <a:spAutoFit/>
+          </a:bodyPr>
+          <a:lstStyle/>
+          <a:p>
+            <a:r>
+              <a:rPr lang="en-US" sz="6600" dirty="0"/>
+              <a:t>https://objis.com/votre-premiere-application-spring-avec-spring-boot/</a:t>
+            </a:r>
+          </a:p>
+        </p:txBody>
+      </p:sp>
+      <p:pic>
+        <p:nvPicPr>
+          <p:cNvPr id="3" name="Image 2"/>
+          <p:cNvPicPr>
+            <a:picLocks noChangeAspect="1"/>
+          </p:cNvPicPr>
+          <p:nvPr/>
+        </p:nvPicPr>
+        <p:blipFill>
+          <a:blip r:embed="rId2"/>
+          <a:stretch>
+            <a:fillRect/>
+          </a:stretch>
+        </p:blipFill>
+        <p:spPr>
+          <a:xfrm>
+            <a:off x="10139856" y="604330"/>
+            <a:ext cx="1733792" cy="847843"/>
+          </a:xfrm>
+          <a:prstGeom prst="rect">
+            <a:avLst/>
+          </a:prstGeom>
+        </p:spPr>
+      </p:pic>
+    </p:spTree>
+    <p:extLst>
+      <p:ext uri="{BB962C8B-B14F-4D97-AF65-F5344CB8AC3E}">
+        <p14:creationId xmlns:p14="http://schemas.microsoft.com/office/powerpoint/2010/main" val="3943386361"/>
+      </p:ext>
+    </p:extLst>
+  </p:cSld>
+  <p:clrMapOvr>
+    <a:masterClrMapping/>
+  </p:clrMapOvr>
+</p:sld>
+</file>
+
 <file path=ppt/slides/slide2.xml><?xml version="1.0" encoding="utf-8"?>
 <p:sld xmlns:a="http://schemas.openxmlformats.org/drawingml/2006/main" xmlns:r="http://schemas.openxmlformats.org/officeDocument/2006/relationships" xmlns:p="http://schemas.openxmlformats.org/presentationml/2006/main">
   <p:cSld>
@@ -26821,7 +28585,7 @@
           <p:cNvPr id="4" name="TextBox 3">
             <a:extLst>
               <a:ext uri="{FF2B5EF4-FFF2-40B4-BE49-F238E27FC236}">
-                <a16:creationId xmlns:a16="http://schemas.microsoft.com/office/drawing/2014/main" id="{15A4BDA0-C270-4764-9C18-A593BCE2C965}"/>
+                <a16:creationId xmlns:a16="http://schemas.microsoft.com/office/drawing/2014/main" xmlns="" id="{15A4BDA0-C270-4764-9C18-A593BCE2C965}"/>
               </a:ext>
             </a:extLst>
           </p:cNvPr>
@@ -26875,7 +28639,7 @@
           <p:cNvPr id="6" name="TextBox 5">
             <a:extLst>
               <a:ext uri="{FF2B5EF4-FFF2-40B4-BE49-F238E27FC236}">
-                <a16:creationId xmlns:a16="http://schemas.microsoft.com/office/drawing/2014/main" id="{3244FF3C-3C21-45F4-A24E-520682D6B409}"/>
+                <a16:creationId xmlns:a16="http://schemas.microsoft.com/office/drawing/2014/main" xmlns="" id="{3244FF3C-3C21-45F4-A24E-520682D6B409}"/>
               </a:ext>
             </a:extLst>
           </p:cNvPr>
@@ -26923,7 +28687,7 @@
           <p:cNvPr id="7" name="TextBox 6">
             <a:extLst>
               <a:ext uri="{FF2B5EF4-FFF2-40B4-BE49-F238E27FC236}">
-                <a16:creationId xmlns:a16="http://schemas.microsoft.com/office/drawing/2014/main" id="{CD4C4ACE-3F27-4618-8225-64966A7DFEEF}"/>
+                <a16:creationId xmlns:a16="http://schemas.microsoft.com/office/drawing/2014/main" xmlns="" id="{CD4C4ACE-3F27-4618-8225-64966A7DFEEF}"/>
               </a:ext>
             </a:extLst>
           </p:cNvPr>
@@ -26972,7 +28736,7 @@
           <p:cNvPr id="9" name="TextBox 8">
             <a:extLst>
               <a:ext uri="{FF2B5EF4-FFF2-40B4-BE49-F238E27FC236}">
-                <a16:creationId xmlns:a16="http://schemas.microsoft.com/office/drawing/2014/main" id="{AC53B904-CB74-4663-9900-63BB6CC8384D}"/>
+                <a16:creationId xmlns:a16="http://schemas.microsoft.com/office/drawing/2014/main" xmlns="" id="{AC53B904-CB74-4663-9900-63BB6CC8384D}"/>
               </a:ext>
             </a:extLst>
           </p:cNvPr>
@@ -27020,7 +28784,7 @@
           <p:cNvPr id="10" name="TextBox 9">
             <a:extLst>
               <a:ext uri="{FF2B5EF4-FFF2-40B4-BE49-F238E27FC236}">
-                <a16:creationId xmlns:a16="http://schemas.microsoft.com/office/drawing/2014/main" id="{40189558-D3E9-45E5-8373-2A6E17C0C54B}"/>
+                <a16:creationId xmlns:a16="http://schemas.microsoft.com/office/drawing/2014/main" xmlns="" id="{40189558-D3E9-45E5-8373-2A6E17C0C54B}"/>
               </a:ext>
             </a:extLst>
           </p:cNvPr>
@@ -27069,7 +28833,7 @@
           <p:cNvPr id="12" name="TextBox 11">
             <a:extLst>
               <a:ext uri="{FF2B5EF4-FFF2-40B4-BE49-F238E27FC236}">
-                <a16:creationId xmlns:a16="http://schemas.microsoft.com/office/drawing/2014/main" id="{818E633C-C5FB-4D08-A4DB-8F3E9577A72E}"/>
+                <a16:creationId xmlns:a16="http://schemas.microsoft.com/office/drawing/2014/main" xmlns="" id="{818E633C-C5FB-4D08-A4DB-8F3E9577A72E}"/>
               </a:ext>
             </a:extLst>
           </p:cNvPr>
@@ -27078,8 +28842,8 @@
         </p:nvSpPr>
         <p:spPr>
           <a:xfrm>
-            <a:off x="1570030" y="3099603"/>
-            <a:ext cx="3565688" cy="1015663"/>
+            <a:off x="1570029" y="3099603"/>
+            <a:ext cx="4189639" cy="707886"/>
           </a:xfrm>
           <a:prstGeom prst="rect">
             <a:avLst/>
@@ -27095,7 +28859,7 @@
             <a:r>
               <a:rPr lang="en-US" altLang="ko-KR" sz="2000" b="1" dirty="0" smtClean="0">
                 <a:solidFill>
-                  <a:schemeClr val="accent3"/>
+                  <a:schemeClr val="accent4"/>
                 </a:solidFill>
                 <a:latin typeface="Candara" panose="020E0502030303020204" pitchFamily="34" charset="0"/>
                 <a:cs typeface="Arial" pitchFamily="34" charset="0"/>
@@ -27105,7 +28869,7 @@
             <a:r>
               <a:rPr lang="en-US" altLang="ko-KR" b="1" dirty="0" smtClean="0">
                 <a:solidFill>
-                  <a:schemeClr val="accent3"/>
+                  <a:schemeClr val="accent4"/>
                 </a:solidFill>
                 <a:latin typeface="Candara" panose="020E0502030303020204" pitchFamily="34" charset="0"/>
                 <a:cs typeface="Arial" pitchFamily="34" charset="0"/>
@@ -27115,7 +28879,7 @@
             <a:r>
               <a:rPr lang="en-US" altLang="ko-KR" sz="2000" b="1" dirty="0" smtClean="0">
                 <a:solidFill>
-                  <a:schemeClr val="accent3"/>
+                  <a:schemeClr val="accent4"/>
                 </a:solidFill>
                 <a:latin typeface="Candara" panose="020E0502030303020204" pitchFamily="34" charset="0"/>
                 <a:cs typeface="Arial" pitchFamily="34" charset="0"/>
@@ -27123,6 +28887,381 @@
               <a:t> d’un project sprint boot</a:t>
             </a:r>
             <a:endParaRPr lang="ko-KR" altLang="en-US" sz="2000" b="1" dirty="0">
+              <a:solidFill>
+                <a:schemeClr val="accent4"/>
+              </a:solidFill>
+              <a:latin typeface="Candara" panose="020E0502030303020204" pitchFamily="34" charset="0"/>
+              <a:cs typeface="Arial" pitchFamily="34" charset="0"/>
+            </a:endParaRPr>
+          </a:p>
+        </p:txBody>
+      </p:sp>
+      <p:sp>
+        <p:nvSpPr>
+          <p:cNvPr id="13" name="TextBox 12">
+            <a:extLst>
+              <a:ext uri="{FF2B5EF4-FFF2-40B4-BE49-F238E27FC236}">
+                <a16:creationId xmlns:a16="http://schemas.microsoft.com/office/drawing/2014/main" xmlns="" id="{6115B1EE-FC1C-460C-8ED3-983AEC8275F2}"/>
+              </a:ext>
+            </a:extLst>
+          </p:cNvPr>
+          <p:cNvSpPr txBox="1"/>
+          <p:nvPr/>
+        </p:nvSpPr>
+        <p:spPr>
+          <a:xfrm>
+            <a:off x="573942" y="3227500"/>
+            <a:ext cx="981106" cy="461665"/>
+          </a:xfrm>
+          <a:prstGeom prst="rect">
+            <a:avLst/>
+          </a:prstGeom>
+          <a:noFill/>
+        </p:spPr>
+        <p:txBody>
+          <a:bodyPr wrap="square" lIns="108000" rIns="108000" rtlCol="0">
+            <a:spAutoFit/>
+          </a:bodyPr>
+          <a:lstStyle/>
+          <a:p>
+            <a:pPr algn="ctr"/>
+            <a:r>
+              <a:rPr lang="en-US" altLang="ko-KR" sz="2400" b="1" dirty="0" smtClean="0">
+                <a:solidFill>
+                  <a:schemeClr val="accent4"/>
+                </a:solidFill>
+                <a:latin typeface="Candara" panose="020E0502030303020204" pitchFamily="34" charset="0"/>
+                <a:cs typeface="Arial" pitchFamily="34" charset="0"/>
+              </a:rPr>
+              <a:t>04</a:t>
+            </a:r>
+            <a:endParaRPr lang="ko-KR" altLang="en-US" sz="2400" b="1" dirty="0">
+              <a:solidFill>
+                <a:schemeClr val="accent4"/>
+              </a:solidFill>
+              <a:latin typeface="Candara" panose="020E0502030303020204" pitchFamily="34" charset="0"/>
+              <a:cs typeface="Arial" pitchFamily="34" charset="0"/>
+            </a:endParaRPr>
+          </a:p>
+        </p:txBody>
+      </p:sp>
+      <p:sp>
+        <p:nvSpPr>
+          <p:cNvPr id="15" name="TextBox 14">
+            <a:extLst>
+              <a:ext uri="{FF2B5EF4-FFF2-40B4-BE49-F238E27FC236}">
+                <a16:creationId xmlns:a16="http://schemas.microsoft.com/office/drawing/2014/main" xmlns="" id="{828E1A24-BAD6-4EDF-ABEB-029F5E5FD934}"/>
+              </a:ext>
+            </a:extLst>
+          </p:cNvPr>
+          <p:cNvSpPr txBox="1"/>
+          <p:nvPr/>
+        </p:nvSpPr>
+        <p:spPr>
+          <a:xfrm>
+            <a:off x="1541593" y="4268283"/>
+            <a:ext cx="3973244" cy="369332"/>
+          </a:xfrm>
+          <a:prstGeom prst="rect">
+            <a:avLst/>
+          </a:prstGeom>
+          <a:noFill/>
+        </p:spPr>
+        <p:txBody>
+          <a:bodyPr wrap="square" lIns="108000" rIns="108000" rtlCol="0">
+            <a:spAutoFit/>
+          </a:bodyPr>
+          <a:lstStyle/>
+          <a:p>
+            <a:r>
+              <a:rPr lang="en-US" altLang="ko-KR" b="1" dirty="0" smtClean="0">
+                <a:solidFill>
+                  <a:schemeClr val="accent1"/>
+                </a:solidFill>
+                <a:latin typeface="Candara" panose="020E0502030303020204" pitchFamily="34" charset="0"/>
+                <a:cs typeface="Arial" pitchFamily="34" charset="0"/>
+              </a:rPr>
+              <a:t>Structure </a:t>
+            </a:r>
+            <a:r>
+              <a:rPr lang="en-US" altLang="ko-KR" b="1" dirty="0" err="1" smtClean="0">
+                <a:solidFill>
+                  <a:schemeClr val="accent1"/>
+                </a:solidFill>
+                <a:latin typeface="Candara" panose="020E0502030303020204" pitchFamily="34" charset="0"/>
+                <a:cs typeface="Arial" pitchFamily="34" charset="0"/>
+              </a:rPr>
+              <a:t>fonctionnelle</a:t>
+            </a:r>
+            <a:r>
+              <a:rPr lang="en-US" altLang="ko-KR" b="1" dirty="0" smtClean="0">
+                <a:solidFill>
+                  <a:schemeClr val="accent1"/>
+                </a:solidFill>
+                <a:latin typeface="Candara" panose="020E0502030303020204" pitchFamily="34" charset="0"/>
+                <a:cs typeface="Arial" pitchFamily="34" charset="0"/>
+              </a:rPr>
+              <a:t> de spring boot</a:t>
+            </a:r>
+            <a:endParaRPr lang="ko-KR" altLang="en-US" b="1" dirty="0">
+              <a:solidFill>
+                <a:schemeClr val="accent1"/>
+              </a:solidFill>
+              <a:latin typeface="Candara" panose="020E0502030303020204" pitchFamily="34" charset="0"/>
+              <a:cs typeface="Arial" pitchFamily="34" charset="0"/>
+            </a:endParaRPr>
+          </a:p>
+        </p:txBody>
+      </p:sp>
+      <p:sp>
+        <p:nvSpPr>
+          <p:cNvPr id="16" name="TextBox 15">
+            <a:extLst>
+              <a:ext uri="{FF2B5EF4-FFF2-40B4-BE49-F238E27FC236}">
+                <a16:creationId xmlns:a16="http://schemas.microsoft.com/office/drawing/2014/main" xmlns="" id="{F7DC8A90-E6E2-412C-A109-930F530FDFAE}"/>
+              </a:ext>
+            </a:extLst>
+          </p:cNvPr>
+          <p:cNvSpPr txBox="1"/>
+          <p:nvPr/>
+        </p:nvSpPr>
+        <p:spPr>
+          <a:xfrm>
+            <a:off x="560487" y="4141012"/>
+            <a:ext cx="981106" cy="461665"/>
+          </a:xfrm>
+          <a:prstGeom prst="rect">
+            <a:avLst/>
+          </a:prstGeom>
+          <a:noFill/>
+        </p:spPr>
+        <p:txBody>
+          <a:bodyPr wrap="square" lIns="108000" rIns="108000" rtlCol="0">
+            <a:spAutoFit/>
+          </a:bodyPr>
+          <a:lstStyle/>
+          <a:p>
+            <a:pPr algn="ctr"/>
+            <a:r>
+              <a:rPr lang="en-US" altLang="ko-KR" sz="2400" b="1" dirty="0" smtClean="0">
+                <a:solidFill>
+                  <a:schemeClr val="accent1"/>
+                </a:solidFill>
+                <a:latin typeface="Candara" panose="020E0502030303020204" pitchFamily="34" charset="0"/>
+                <a:cs typeface="Arial" pitchFamily="34" charset="0"/>
+              </a:rPr>
+              <a:t>05</a:t>
+            </a:r>
+            <a:endParaRPr lang="ko-KR" altLang="en-US" sz="2400" b="1" dirty="0">
+              <a:solidFill>
+                <a:schemeClr val="accent1"/>
+              </a:solidFill>
+              <a:latin typeface="Candara" panose="020E0502030303020204" pitchFamily="34" charset="0"/>
+              <a:cs typeface="Arial" pitchFamily="34" charset="0"/>
+            </a:endParaRPr>
+          </a:p>
+        </p:txBody>
+      </p:sp>
+      <p:sp>
+        <p:nvSpPr>
+          <p:cNvPr id="2" name="Espace réservé du numéro de diapositive 1"/>
+          <p:cNvSpPr>
+            <a:spLocks noGrp="1"/>
+          </p:cNvSpPr>
+          <p:nvPr>
+            <p:ph type="sldNum" sz="quarter" idx="10"/>
+          </p:nvPr>
+        </p:nvSpPr>
+        <p:spPr/>
+        <p:txBody>
+          <a:bodyPr/>
+          <a:lstStyle/>
+          <a:p>
+            <a:fld id="{4B598DDB-A902-48C8-9CD3-58F7F0DA2EE5}" type="slidenum">
+              <a:rPr lang="fr-FR" smtClean="0"/>
+              <a:pPr/>
+              <a:t>2</a:t>
+            </a:fld>
+            <a:endParaRPr lang="fr-FR"/>
+          </a:p>
+        </p:txBody>
+      </p:sp>
+      <p:sp>
+        <p:nvSpPr>
+          <p:cNvPr id="19" name="TextBox 5">
+            <a:extLst>
+              <a:ext uri="{FF2B5EF4-FFF2-40B4-BE49-F238E27FC236}">
+                <a16:creationId xmlns:a16="http://schemas.microsoft.com/office/drawing/2014/main" xmlns="" id="{3244FF3C-3C21-45F4-A24E-520682D6B409}"/>
+              </a:ext>
+            </a:extLst>
+          </p:cNvPr>
+          <p:cNvSpPr txBox="1"/>
+          <p:nvPr/>
+        </p:nvSpPr>
+        <p:spPr>
+          <a:xfrm>
+            <a:off x="1626904" y="4891348"/>
+            <a:ext cx="3848669" cy="369332"/>
+          </a:xfrm>
+          <a:prstGeom prst="rect">
+            <a:avLst/>
+          </a:prstGeom>
+          <a:noFill/>
+        </p:spPr>
+        <p:txBody>
+          <a:bodyPr wrap="square" lIns="108000" rIns="108000" rtlCol="0">
+            <a:spAutoFit/>
+          </a:bodyPr>
+          <a:lstStyle/>
+          <a:p>
+            <a:r>
+              <a:rPr lang="en-US" altLang="ko-KR" b="1" dirty="0" err="1" smtClean="0">
+                <a:solidFill>
+                  <a:schemeClr val="accent2"/>
+                </a:solidFill>
+                <a:latin typeface="Candara" panose="020E0502030303020204" pitchFamily="34" charset="0"/>
+                <a:cs typeface="Arial" pitchFamily="34" charset="0"/>
+              </a:rPr>
+              <a:t>Avantage</a:t>
+            </a:r>
+            <a:r>
+              <a:rPr lang="en-US" altLang="ko-KR" b="1" dirty="0" smtClean="0">
+                <a:solidFill>
+                  <a:schemeClr val="accent2"/>
+                </a:solidFill>
+                <a:latin typeface="Candara" panose="020E0502030303020204" pitchFamily="34" charset="0"/>
+                <a:cs typeface="Arial" pitchFamily="34" charset="0"/>
+              </a:rPr>
+              <a:t> </a:t>
+            </a:r>
+            <a:r>
+              <a:rPr lang="en-US" altLang="ko-KR" b="1" dirty="0" err="1" smtClean="0">
+                <a:solidFill>
+                  <a:schemeClr val="accent2"/>
+                </a:solidFill>
+                <a:latin typeface="Candara" panose="020E0502030303020204" pitchFamily="34" charset="0"/>
+                <a:cs typeface="Arial" pitchFamily="34" charset="0"/>
+              </a:rPr>
+              <a:t>d’utiliser</a:t>
+            </a:r>
+            <a:r>
+              <a:rPr lang="en-US" altLang="ko-KR" b="1" dirty="0" smtClean="0">
+                <a:solidFill>
+                  <a:schemeClr val="accent2"/>
+                </a:solidFill>
+                <a:latin typeface="Candara" panose="020E0502030303020204" pitchFamily="34" charset="0"/>
+                <a:cs typeface="Arial" pitchFamily="34" charset="0"/>
+              </a:rPr>
+              <a:t> </a:t>
+            </a:r>
+            <a:r>
+              <a:rPr lang="en-US" altLang="ko-KR" b="1" dirty="0" smtClean="0">
+                <a:solidFill>
+                  <a:schemeClr val="accent2"/>
+                </a:solidFill>
+                <a:latin typeface="Candara" panose="020E0502030303020204" pitchFamily="34" charset="0"/>
+                <a:cs typeface="Arial" pitchFamily="34" charset="0"/>
+              </a:rPr>
+              <a:t>spring boot</a:t>
+            </a:r>
+            <a:endParaRPr lang="ko-KR" altLang="en-US" b="1" dirty="0">
+              <a:solidFill>
+                <a:schemeClr val="accent2"/>
+              </a:solidFill>
+              <a:latin typeface="Candara" panose="020E0502030303020204" pitchFamily="34" charset="0"/>
+              <a:cs typeface="Arial" pitchFamily="34" charset="0"/>
+            </a:endParaRPr>
+          </a:p>
+        </p:txBody>
+      </p:sp>
+      <p:sp>
+        <p:nvSpPr>
+          <p:cNvPr id="20" name="TextBox 6">
+            <a:extLst>
+              <a:ext uri="{FF2B5EF4-FFF2-40B4-BE49-F238E27FC236}">
+                <a16:creationId xmlns:a16="http://schemas.microsoft.com/office/drawing/2014/main" xmlns="" id="{CD4C4ACE-3F27-4618-8225-64966A7DFEEF}"/>
+              </a:ext>
+            </a:extLst>
+          </p:cNvPr>
+          <p:cNvSpPr txBox="1"/>
+          <p:nvPr/>
+        </p:nvSpPr>
+        <p:spPr>
+          <a:xfrm>
+            <a:off x="572807" y="4807809"/>
+            <a:ext cx="981106" cy="461665"/>
+          </a:xfrm>
+          <a:prstGeom prst="rect">
+            <a:avLst/>
+          </a:prstGeom>
+          <a:noFill/>
+        </p:spPr>
+        <p:txBody>
+          <a:bodyPr wrap="square" lIns="108000" rIns="108000" rtlCol="0">
+            <a:spAutoFit/>
+          </a:bodyPr>
+          <a:lstStyle/>
+          <a:p>
+            <a:pPr algn="ctr"/>
+            <a:r>
+              <a:rPr lang="fr-FR" altLang="ko-KR" sz="2400" b="1" dirty="0" smtClean="0">
+                <a:solidFill>
+                  <a:schemeClr val="accent2"/>
+                </a:solidFill>
+                <a:latin typeface="Candara" panose="020E0502030303020204" pitchFamily="34" charset="0"/>
+                <a:cs typeface="Arial" pitchFamily="34" charset="0"/>
+              </a:rPr>
+              <a:t>06</a:t>
+            </a:r>
+            <a:endParaRPr lang="ko-KR" altLang="en-US" sz="2400" b="1" dirty="0">
+              <a:solidFill>
+                <a:schemeClr val="accent2"/>
+              </a:solidFill>
+              <a:latin typeface="Candara" panose="020E0502030303020204" pitchFamily="34" charset="0"/>
+              <a:cs typeface="Arial" pitchFamily="34" charset="0"/>
+            </a:endParaRPr>
+          </a:p>
+        </p:txBody>
+      </p:sp>
+      <p:sp>
+        <p:nvSpPr>
+          <p:cNvPr id="21" name="TextBox 8">
+            <a:extLst>
+              <a:ext uri="{FF2B5EF4-FFF2-40B4-BE49-F238E27FC236}">
+                <a16:creationId xmlns:a16="http://schemas.microsoft.com/office/drawing/2014/main" xmlns="" id="{AC53B904-CB74-4663-9900-63BB6CC8384D}"/>
+              </a:ext>
+            </a:extLst>
+          </p:cNvPr>
+          <p:cNvSpPr txBox="1"/>
+          <p:nvPr/>
+        </p:nvSpPr>
+        <p:spPr>
+          <a:xfrm>
+            <a:off x="1543935" y="5615540"/>
+            <a:ext cx="3565688" cy="369332"/>
+          </a:xfrm>
+          <a:prstGeom prst="rect">
+            <a:avLst/>
+          </a:prstGeom>
+          <a:noFill/>
+        </p:spPr>
+        <p:txBody>
+          <a:bodyPr wrap="square" lIns="108000" rIns="108000" rtlCol="0">
+            <a:spAutoFit/>
+          </a:bodyPr>
+          <a:lstStyle/>
+          <a:p>
+            <a:r>
+              <a:rPr lang="fr-FR" altLang="ko-KR" b="1" dirty="0" smtClean="0">
+                <a:solidFill>
+                  <a:schemeClr val="accent3"/>
+                </a:solidFill>
+                <a:latin typeface="Candara" panose="020E0502030303020204" pitchFamily="34" charset="0"/>
+                <a:cs typeface="Arial" pitchFamily="34" charset="0"/>
+              </a:rPr>
+              <a:t>conclusion</a:t>
+            </a:r>
+            <a:endParaRPr lang="ko-KR" altLang="en-US" b="1" dirty="0">
               <a:solidFill>
                 <a:schemeClr val="accent3"/>
               </a:solidFill>
@@ -27134,10 +29273,10 @@
       </p:sp>
       <p:sp>
         <p:nvSpPr>
-          <p:cNvPr id="13" name="TextBox 12">
+          <p:cNvPr id="22" name="TextBox 9">
             <a:extLst>
               <a:ext uri="{FF2B5EF4-FFF2-40B4-BE49-F238E27FC236}">
-                <a16:creationId xmlns:a16="http://schemas.microsoft.com/office/drawing/2014/main" id="{6115B1EE-FC1C-460C-8ED3-983AEC8275F2}"/>
+                <a16:creationId xmlns:a16="http://schemas.microsoft.com/office/drawing/2014/main" xmlns="" id="{40189558-D3E9-45E5-8373-2A6E17C0C54B}"/>
               </a:ext>
             </a:extLst>
           </p:cNvPr>
@@ -27146,7 +29285,7 @@
         </p:nvSpPr>
         <p:spPr>
           <a:xfrm>
-            <a:off x="573942" y="3227500"/>
+            <a:off x="645798" y="5548225"/>
             <a:ext cx="981106" cy="461665"/>
           </a:xfrm>
           <a:prstGeom prst="rect">
@@ -27169,7 +29308,7 @@
                 <a:latin typeface="Candara" panose="020E0502030303020204" pitchFamily="34" charset="0"/>
                 <a:cs typeface="Arial" pitchFamily="34" charset="0"/>
               </a:rPr>
-              <a:t>04</a:t>
+              <a:t>07</a:t>
             </a:r>
             <a:endParaRPr lang="ko-KR" altLang="en-US" sz="2400" b="1" dirty="0">
               <a:solidFill>
@@ -27183,10 +29322,10 @@
       </p:sp>
       <p:sp>
         <p:nvSpPr>
-          <p:cNvPr id="15" name="TextBox 14">
+          <p:cNvPr id="17" name="TextBox 5">
             <a:extLst>
               <a:ext uri="{FF2B5EF4-FFF2-40B4-BE49-F238E27FC236}">
-                <a16:creationId xmlns:a16="http://schemas.microsoft.com/office/drawing/2014/main" id="{828E1A24-BAD6-4EDF-ABEB-029F5E5FD934}"/>
+                <a16:creationId xmlns:a16="http://schemas.microsoft.com/office/drawing/2014/main" xmlns="" id="{3244FF3C-3C21-45F4-A24E-520682D6B409}"/>
               </a:ext>
             </a:extLst>
           </p:cNvPr>
@@ -27195,8 +29334,8 @@
         </p:nvSpPr>
         <p:spPr>
           <a:xfrm>
-            <a:off x="1626904" y="4099923"/>
-            <a:ext cx="3973244" cy="369332"/>
+            <a:off x="1579481" y="1878286"/>
+            <a:ext cx="2100633" cy="369332"/>
           </a:xfrm>
           <a:prstGeom prst="rect">
             <a:avLst/>
@@ -27212,260 +29351,12 @@
             <a:r>
               <a:rPr lang="en-US" altLang="ko-KR" b="1" dirty="0" smtClean="0">
                 <a:solidFill>
-                  <a:schemeClr val="accent4"/>
+                  <a:schemeClr val="accent2"/>
                 </a:solidFill>
                 <a:latin typeface="Candara" panose="020E0502030303020204" pitchFamily="34" charset="0"/>
                 <a:cs typeface="Arial" pitchFamily="34" charset="0"/>
               </a:rPr>
-              <a:t>Structure </a:t>
-            </a:r>
-            <a:r>
-              <a:rPr lang="en-US" altLang="ko-KR" b="1" dirty="0" err="1" smtClean="0">
-                <a:solidFill>
-                  <a:schemeClr val="accent4"/>
-                </a:solidFill>
-                <a:latin typeface="Candara" panose="020E0502030303020204" pitchFamily="34" charset="0"/>
-                <a:cs typeface="Arial" pitchFamily="34" charset="0"/>
-              </a:rPr>
-              <a:t>fonctionnelle</a:t>
-            </a:r>
-            <a:r>
-              <a:rPr lang="en-US" altLang="ko-KR" b="1" dirty="0" smtClean="0">
-                <a:solidFill>
-                  <a:schemeClr val="accent4"/>
-                </a:solidFill>
-                <a:latin typeface="Candara" panose="020E0502030303020204" pitchFamily="34" charset="0"/>
-                <a:cs typeface="Arial" pitchFamily="34" charset="0"/>
-              </a:rPr>
-              <a:t> de spring boot</a:t>
-            </a:r>
-            <a:endParaRPr lang="ko-KR" altLang="en-US" b="1" dirty="0">
-              <a:solidFill>
-                <a:schemeClr val="accent4"/>
-              </a:solidFill>
-              <a:latin typeface="Candara" panose="020E0502030303020204" pitchFamily="34" charset="0"/>
-              <a:cs typeface="Arial" pitchFamily="34" charset="0"/>
-            </a:endParaRPr>
-          </a:p>
-        </p:txBody>
-      </p:sp>
-      <p:sp>
-        <p:nvSpPr>
-          <p:cNvPr id="16" name="TextBox 15">
-            <a:extLst>
-              <a:ext uri="{FF2B5EF4-FFF2-40B4-BE49-F238E27FC236}">
-                <a16:creationId xmlns:a16="http://schemas.microsoft.com/office/drawing/2014/main" id="{F7DC8A90-E6E2-412C-A109-930F530FDFAE}"/>
-              </a:ext>
-            </a:extLst>
-          </p:cNvPr>
-          <p:cNvSpPr txBox="1"/>
-          <p:nvPr/>
-        </p:nvSpPr>
-        <p:spPr>
-          <a:xfrm>
-            <a:off x="560487" y="4141012"/>
-            <a:ext cx="981106" cy="461665"/>
-          </a:xfrm>
-          <a:prstGeom prst="rect">
-            <a:avLst/>
-          </a:prstGeom>
-          <a:noFill/>
-        </p:spPr>
-        <p:txBody>
-          <a:bodyPr wrap="square" lIns="108000" rIns="108000" rtlCol="0">
-            <a:spAutoFit/>
-          </a:bodyPr>
-          <a:lstStyle/>
-          <a:p>
-            <a:pPr algn="ctr"/>
-            <a:r>
-              <a:rPr lang="en-US" altLang="ko-KR" sz="2400" b="1" dirty="0" smtClean="0">
-                <a:solidFill>
-                  <a:schemeClr val="accent4"/>
-                </a:solidFill>
-                <a:latin typeface="Candara" panose="020E0502030303020204" pitchFamily="34" charset="0"/>
-                <a:cs typeface="Arial" pitchFamily="34" charset="0"/>
-              </a:rPr>
-              <a:t>05</a:t>
-            </a:r>
-            <a:endParaRPr lang="ko-KR" altLang="en-US" sz="2400" b="1" dirty="0">
-              <a:solidFill>
-                <a:schemeClr val="accent4"/>
-              </a:solidFill>
-              <a:latin typeface="Candara" panose="020E0502030303020204" pitchFamily="34" charset="0"/>
-              <a:cs typeface="Arial" pitchFamily="34" charset="0"/>
-            </a:endParaRPr>
-          </a:p>
-        </p:txBody>
-      </p:sp>
-      <p:sp>
-        <p:nvSpPr>
-          <p:cNvPr id="2" name="Espace réservé du numéro de diapositive 1"/>
-          <p:cNvSpPr>
-            <a:spLocks noGrp="1"/>
-          </p:cNvSpPr>
-          <p:nvPr>
-            <p:ph type="sldNum" sz="quarter" idx="10"/>
-          </p:nvPr>
-        </p:nvSpPr>
-        <p:spPr/>
-        <p:txBody>
-          <a:bodyPr/>
-          <a:lstStyle/>
-          <a:p>
-            <a:fld id="{4B598DDB-A902-48C8-9CD3-58F7F0DA2EE5}" type="slidenum">
-              <a:rPr lang="fr-FR" smtClean="0"/>
-              <a:pPr/>
-              <a:t>2</a:t>
-            </a:fld>
-            <a:endParaRPr lang="fr-FR"/>
-          </a:p>
-        </p:txBody>
-      </p:sp>
-      <p:sp>
-        <p:nvSpPr>
-          <p:cNvPr id="19" name="TextBox 5">
-            <a:extLst>
-              <a:ext uri="{FF2B5EF4-FFF2-40B4-BE49-F238E27FC236}">
-                <a16:creationId xmlns:a16="http://schemas.microsoft.com/office/drawing/2014/main" id="{3244FF3C-3C21-45F4-A24E-520682D6B409}"/>
-              </a:ext>
-            </a:extLst>
-          </p:cNvPr>
-          <p:cNvSpPr txBox="1"/>
-          <p:nvPr/>
-        </p:nvSpPr>
-        <p:spPr>
-          <a:xfrm>
-            <a:off x="1755779" y="4751227"/>
-            <a:ext cx="3848669" cy="369332"/>
-          </a:xfrm>
-          <a:prstGeom prst="rect">
-            <a:avLst/>
-          </a:prstGeom>
-          <a:noFill/>
-        </p:spPr>
-        <p:txBody>
-          <a:bodyPr wrap="square" lIns="108000" rIns="108000" rtlCol="0">
-            <a:spAutoFit/>
-          </a:bodyPr>
-          <a:lstStyle/>
-          <a:p>
-            <a:r>
-              <a:rPr lang="en-US" altLang="ko-KR" b="1" dirty="0" err="1" smtClean="0">
-                <a:solidFill>
-                  <a:schemeClr val="accent1"/>
-                </a:solidFill>
-                <a:latin typeface="Candara" panose="020E0502030303020204" pitchFamily="34" charset="0"/>
-                <a:cs typeface="Arial" pitchFamily="34" charset="0"/>
-              </a:rPr>
-              <a:t>limite</a:t>
-            </a:r>
-            <a:r>
-              <a:rPr lang="en-US" altLang="ko-KR" b="1" dirty="0" smtClean="0">
-                <a:solidFill>
-                  <a:schemeClr val="accent1"/>
-                </a:solidFill>
-                <a:latin typeface="Candara" panose="020E0502030303020204" pitchFamily="34" charset="0"/>
-                <a:cs typeface="Arial" pitchFamily="34" charset="0"/>
-              </a:rPr>
-              <a:t> spring boot</a:t>
-            </a:r>
-            <a:endParaRPr lang="ko-KR" altLang="en-US" b="1" dirty="0">
-              <a:solidFill>
-                <a:schemeClr val="accent1"/>
-              </a:solidFill>
-              <a:latin typeface="Candara" panose="020E0502030303020204" pitchFamily="34" charset="0"/>
-              <a:cs typeface="Arial" pitchFamily="34" charset="0"/>
-            </a:endParaRPr>
-          </a:p>
-        </p:txBody>
-      </p:sp>
-      <p:sp>
-        <p:nvSpPr>
-          <p:cNvPr id="20" name="TextBox 6">
-            <a:extLst>
-              <a:ext uri="{FF2B5EF4-FFF2-40B4-BE49-F238E27FC236}">
-                <a16:creationId xmlns:a16="http://schemas.microsoft.com/office/drawing/2014/main" id="{CD4C4ACE-3F27-4618-8225-64966A7DFEEF}"/>
-              </a:ext>
-            </a:extLst>
-          </p:cNvPr>
-          <p:cNvSpPr txBox="1"/>
-          <p:nvPr/>
-        </p:nvSpPr>
-        <p:spPr>
-          <a:xfrm>
-            <a:off x="572807" y="4807809"/>
-            <a:ext cx="981106" cy="461665"/>
-          </a:xfrm>
-          <a:prstGeom prst="rect">
-            <a:avLst/>
-          </a:prstGeom>
-          <a:noFill/>
-        </p:spPr>
-        <p:txBody>
-          <a:bodyPr wrap="square" lIns="108000" rIns="108000" rtlCol="0">
-            <a:spAutoFit/>
-          </a:bodyPr>
-          <a:lstStyle/>
-          <a:p>
-            <a:pPr algn="ctr"/>
-            <a:r>
-              <a:rPr lang="fr-FR" altLang="ko-KR" sz="2400" b="1" dirty="0" smtClean="0">
-                <a:solidFill>
-                  <a:schemeClr val="accent1"/>
-                </a:solidFill>
-                <a:latin typeface="Candara" panose="020E0502030303020204" pitchFamily="34" charset="0"/>
-                <a:cs typeface="Arial" pitchFamily="34" charset="0"/>
-              </a:rPr>
-              <a:t>06</a:t>
-            </a:r>
-            <a:endParaRPr lang="ko-KR" altLang="en-US" sz="2400" b="1" dirty="0">
-              <a:solidFill>
-                <a:schemeClr val="accent1"/>
-              </a:solidFill>
-              <a:latin typeface="Candara" panose="020E0502030303020204" pitchFamily="34" charset="0"/>
-              <a:cs typeface="Arial" pitchFamily="34" charset="0"/>
-            </a:endParaRPr>
-          </a:p>
-        </p:txBody>
-      </p:sp>
-      <p:sp>
-        <p:nvSpPr>
-          <p:cNvPr id="21" name="TextBox 8">
-            <a:extLst>
-              <a:ext uri="{FF2B5EF4-FFF2-40B4-BE49-F238E27FC236}">
-                <a16:creationId xmlns:a16="http://schemas.microsoft.com/office/drawing/2014/main" id="{AC53B904-CB74-4663-9900-63BB6CC8384D}"/>
-              </a:ext>
-            </a:extLst>
-          </p:cNvPr>
-          <p:cNvSpPr txBox="1"/>
-          <p:nvPr/>
-        </p:nvSpPr>
-        <p:spPr>
-          <a:xfrm>
-            <a:off x="1543935" y="5615540"/>
-            <a:ext cx="3565688" cy="369332"/>
-          </a:xfrm>
-          <a:prstGeom prst="rect">
-            <a:avLst/>
-          </a:prstGeom>
-          <a:noFill/>
-        </p:spPr>
-        <p:txBody>
-          <a:bodyPr wrap="square" lIns="108000" rIns="108000" rtlCol="0">
-            <a:spAutoFit/>
-          </a:bodyPr>
-          <a:lstStyle/>
-          <a:p>
-            <a:r>
-              <a:rPr lang="fr-FR" altLang="ko-KR" b="1" dirty="0" smtClean="0">
-                <a:solidFill>
-                  <a:schemeClr val="accent2"/>
-                </a:solidFill>
-                <a:latin typeface="Candara" panose="020E0502030303020204" pitchFamily="34" charset="0"/>
-                <a:cs typeface="Arial" pitchFamily="34" charset="0"/>
-              </a:rPr>
-              <a:t>conclusion</a:t>
+              <a:t>Presentation</a:t>
             </a:r>
             <a:endParaRPr lang="ko-KR" altLang="en-US" b="1" dirty="0">
               <a:solidFill>
@@ -27479,107 +29370,10 @@
       </p:sp>
       <p:sp>
         <p:nvSpPr>
-          <p:cNvPr id="22" name="TextBox 9">
-            <a:extLst>
-              <a:ext uri="{FF2B5EF4-FFF2-40B4-BE49-F238E27FC236}">
-                <a16:creationId xmlns:a16="http://schemas.microsoft.com/office/drawing/2014/main" id="{40189558-D3E9-45E5-8373-2A6E17C0C54B}"/>
-              </a:ext>
-            </a:extLst>
-          </p:cNvPr>
-          <p:cNvSpPr txBox="1"/>
-          <p:nvPr/>
-        </p:nvSpPr>
-        <p:spPr>
-          <a:xfrm>
-            <a:off x="645798" y="5548225"/>
-            <a:ext cx="981106" cy="461665"/>
-          </a:xfrm>
-          <a:prstGeom prst="rect">
-            <a:avLst/>
-          </a:prstGeom>
-          <a:noFill/>
-        </p:spPr>
-        <p:txBody>
-          <a:bodyPr wrap="square" lIns="108000" rIns="108000" rtlCol="0">
-            <a:spAutoFit/>
-          </a:bodyPr>
-          <a:lstStyle/>
-          <a:p>
-            <a:pPr algn="ctr"/>
-            <a:r>
-              <a:rPr lang="en-US" altLang="ko-KR" sz="2400" b="1" dirty="0" smtClean="0">
-                <a:solidFill>
-                  <a:schemeClr val="accent2"/>
-                </a:solidFill>
-                <a:latin typeface="Candara" panose="020E0502030303020204" pitchFamily="34" charset="0"/>
-                <a:cs typeface="Arial" pitchFamily="34" charset="0"/>
-              </a:rPr>
-              <a:t>07</a:t>
-            </a:r>
-            <a:endParaRPr lang="ko-KR" altLang="en-US" sz="2400" b="1" dirty="0">
-              <a:solidFill>
-                <a:schemeClr val="accent2"/>
-              </a:solidFill>
-              <a:latin typeface="Candara" panose="020E0502030303020204" pitchFamily="34" charset="0"/>
-              <a:cs typeface="Arial" pitchFamily="34" charset="0"/>
-            </a:endParaRPr>
-          </a:p>
-        </p:txBody>
-      </p:sp>
-      <p:sp>
-        <p:nvSpPr>
-          <p:cNvPr id="17" name="TextBox 5">
-            <a:extLst>
-              <a:ext uri="{FF2B5EF4-FFF2-40B4-BE49-F238E27FC236}">
-                <a16:creationId xmlns:a16="http://schemas.microsoft.com/office/drawing/2014/main" id="{3244FF3C-3C21-45F4-A24E-520682D6B409}"/>
-              </a:ext>
-            </a:extLst>
-          </p:cNvPr>
-          <p:cNvSpPr txBox="1"/>
-          <p:nvPr/>
-        </p:nvSpPr>
-        <p:spPr>
-          <a:xfrm>
-            <a:off x="1579481" y="1878286"/>
-            <a:ext cx="2100633" cy="369332"/>
-          </a:xfrm>
-          <a:prstGeom prst="rect">
-            <a:avLst/>
-          </a:prstGeom>
-          <a:noFill/>
-        </p:spPr>
-        <p:txBody>
-          <a:bodyPr wrap="square" lIns="108000" rIns="108000" rtlCol="0">
-            <a:spAutoFit/>
-          </a:bodyPr>
-          <a:lstStyle/>
-          <a:p>
-            <a:r>
-              <a:rPr lang="en-US" altLang="ko-KR" b="1" dirty="0" smtClean="0">
-                <a:solidFill>
-                  <a:schemeClr val="accent2"/>
-                </a:solidFill>
-                <a:latin typeface="Candara" panose="020E0502030303020204" pitchFamily="34" charset="0"/>
-                <a:cs typeface="Arial" pitchFamily="34" charset="0"/>
-              </a:rPr>
-              <a:t>Presentation</a:t>
-            </a:r>
-            <a:endParaRPr lang="ko-KR" altLang="en-US" b="1" dirty="0">
-              <a:solidFill>
-                <a:schemeClr val="accent2"/>
-              </a:solidFill>
-              <a:latin typeface="Candara" panose="020E0502030303020204" pitchFamily="34" charset="0"/>
-              <a:cs typeface="Arial" pitchFamily="34" charset="0"/>
-            </a:endParaRPr>
-          </a:p>
-        </p:txBody>
-      </p:sp>
-      <p:sp>
-        <p:nvSpPr>
           <p:cNvPr id="18" name="TextBox 6">
             <a:extLst>
               <a:ext uri="{FF2B5EF4-FFF2-40B4-BE49-F238E27FC236}">
-                <a16:creationId xmlns:a16="http://schemas.microsoft.com/office/drawing/2014/main" id="{CD4C4ACE-3F27-4618-8225-64966A7DFEEF}"/>
+                <a16:creationId xmlns:a16="http://schemas.microsoft.com/office/drawing/2014/main" xmlns="" id="{CD4C4ACE-3F27-4618-8225-64966A7DFEEF}"/>
               </a:ext>
             </a:extLst>
           </p:cNvPr>
@@ -27689,7 +29483,7 @@
           <p:cNvPr id="3" name="TextBox 3">
             <a:extLst>
               <a:ext uri="{FF2B5EF4-FFF2-40B4-BE49-F238E27FC236}">
-                <a16:creationId xmlns:a16="http://schemas.microsoft.com/office/drawing/2014/main" id="{15A4BDA0-C270-4764-9C18-A593BCE2C965}"/>
+                <a16:creationId xmlns:a16="http://schemas.microsoft.com/office/drawing/2014/main" xmlns="" id="{15A4BDA0-C270-4764-9C18-A593BCE2C965}"/>
               </a:ext>
             </a:extLst>
           </p:cNvPr>
@@ -27698,8 +29492,8 @@
         </p:nvSpPr>
         <p:spPr>
           <a:xfrm>
-            <a:off x="1079477" y="623463"/>
-            <a:ext cx="4494605" cy="646331"/>
+            <a:off x="2924319" y="690246"/>
+            <a:ext cx="4494605" cy="769441"/>
           </a:xfrm>
           <a:prstGeom prst="rect">
             <a:avLst/>
@@ -27713,7 +29507,7 @@
           <a:lstStyle/>
           <a:p>
             <a:r>
-              <a:rPr lang="fr-FR" altLang="ko-KR" sz="3600" dirty="0" smtClean="0">
+              <a:rPr lang="fr-FR" altLang="ko-KR" sz="4400" dirty="0" smtClean="0">
                 <a:solidFill>
                   <a:schemeClr val="tx1">
                     <a:lumMod val="85000"/>
@@ -27725,7 +29519,7 @@
               </a:rPr>
               <a:t>introduction</a:t>
             </a:r>
-            <a:endParaRPr lang="ko-KR" altLang="en-US" sz="3600" dirty="0">
+            <a:endParaRPr lang="ko-KR" altLang="en-US" sz="4400" dirty="0">
               <a:solidFill>
                 <a:schemeClr val="tx1">
                   <a:lumMod val="85000"/>
@@ -27738,6 +29532,201 @@
           </a:p>
         </p:txBody>
       </p:sp>
+      <p:sp>
+        <p:nvSpPr>
+          <p:cNvPr id="4" name="TextBox 3">
+            <a:extLst>
+              <a:ext uri="{FF2B5EF4-FFF2-40B4-BE49-F238E27FC236}">
+                <a16:creationId xmlns:a16="http://schemas.microsoft.com/office/drawing/2014/main" xmlns="" id="{15A4BDA0-C270-4764-9C18-A593BCE2C965}"/>
+              </a:ext>
+            </a:extLst>
+          </p:cNvPr>
+          <p:cNvSpPr txBox="1"/>
+          <p:nvPr/>
+        </p:nvSpPr>
+        <p:spPr>
+          <a:xfrm>
+            <a:off x="1079477" y="2426167"/>
+            <a:ext cx="9460187" cy="2062103"/>
+          </a:xfrm>
+          <a:prstGeom prst="rect">
+            <a:avLst/>
+          </a:prstGeom>
+          <a:noFill/>
+        </p:spPr>
+        <p:txBody>
+          <a:bodyPr wrap="square" rtlCol="0" anchor="ctr">
+            <a:spAutoFit/>
+          </a:bodyPr>
+          <a:lstStyle/>
+          <a:p>
+            <a:r>
+              <a:rPr lang="fr-FR" altLang="ko-KR" sz="3200" dirty="0" err="1" smtClean="0">
+                <a:solidFill>
+                  <a:schemeClr val="tx1">
+                    <a:lumMod val="85000"/>
+                    <a:lumOff val="15000"/>
+                  </a:schemeClr>
+                </a:solidFill>
+                <a:latin typeface="Candara" panose="020E0502030303020204" pitchFamily="34" charset="0"/>
+                <a:cs typeface="Arial" pitchFamily="34" charset="0"/>
+              </a:rPr>
+              <a:t>Spring</a:t>
+            </a:r>
+            <a:r>
+              <a:rPr lang="fr-FR" altLang="ko-KR" sz="3200" dirty="0" smtClean="0">
+                <a:solidFill>
+                  <a:schemeClr val="tx1">
+                    <a:lumMod val="85000"/>
+                    <a:lumOff val="15000"/>
+                  </a:schemeClr>
+                </a:solidFill>
+                <a:latin typeface="Candara" panose="020E0502030303020204" pitchFamily="34" charset="0"/>
+                <a:cs typeface="Arial" pitchFamily="34" charset="0"/>
+              </a:rPr>
+              <a:t> boot est une </a:t>
+            </a:r>
+            <a:r>
+              <a:rPr lang="fr-FR" altLang="ko-KR" sz="3200" dirty="0" err="1" smtClean="0">
+                <a:solidFill>
+                  <a:schemeClr val="tx1">
+                    <a:lumMod val="85000"/>
+                    <a:lumOff val="15000"/>
+                  </a:schemeClr>
+                </a:solidFill>
+                <a:latin typeface="Candara" panose="020E0502030303020204" pitchFamily="34" charset="0"/>
+                <a:cs typeface="Arial" pitchFamily="34" charset="0"/>
+              </a:rPr>
+              <a:t>extention</a:t>
+            </a:r>
+            <a:r>
+              <a:rPr lang="fr-FR" altLang="ko-KR" sz="3200" dirty="0" smtClean="0">
+                <a:solidFill>
+                  <a:schemeClr val="tx1">
+                    <a:lumMod val="85000"/>
+                    <a:lumOff val="15000"/>
+                  </a:schemeClr>
+                </a:solidFill>
+                <a:latin typeface="Candara" panose="020E0502030303020204" pitchFamily="34" charset="0"/>
+                <a:cs typeface="Arial" pitchFamily="34" charset="0"/>
+              </a:rPr>
+              <a:t> du </a:t>
+            </a:r>
+            <a:r>
+              <a:rPr lang="fr-FR" altLang="ko-KR" sz="3200" dirty="0" err="1" smtClean="0">
+                <a:solidFill>
+                  <a:schemeClr val="tx1">
+                    <a:lumMod val="85000"/>
+                    <a:lumOff val="15000"/>
+                  </a:schemeClr>
+                </a:solidFill>
+                <a:latin typeface="Candara" panose="020E0502030303020204" pitchFamily="34" charset="0"/>
+                <a:cs typeface="Arial" pitchFamily="34" charset="0"/>
+              </a:rPr>
+              <a:t>spring</a:t>
+            </a:r>
+            <a:r>
+              <a:rPr lang="fr-FR" altLang="ko-KR" sz="3200" dirty="0" smtClean="0">
+                <a:solidFill>
+                  <a:schemeClr val="tx1">
+                    <a:lumMod val="85000"/>
+                    <a:lumOff val="15000"/>
+                  </a:schemeClr>
+                </a:solidFill>
+                <a:latin typeface="Candara" panose="020E0502030303020204" pitchFamily="34" charset="0"/>
+                <a:cs typeface="Arial" pitchFamily="34" charset="0"/>
+              </a:rPr>
+              <a:t> </a:t>
+            </a:r>
+            <a:r>
+              <a:rPr lang="fr-FR" altLang="ko-KR" sz="3200" dirty="0" err="1" smtClean="0">
+                <a:solidFill>
+                  <a:schemeClr val="tx1">
+                    <a:lumMod val="85000"/>
+                    <a:lumOff val="15000"/>
+                  </a:schemeClr>
+                </a:solidFill>
+                <a:latin typeface="Candara" panose="020E0502030303020204" pitchFamily="34" charset="0"/>
+                <a:cs typeface="Arial" pitchFamily="34" charset="0"/>
+              </a:rPr>
+              <a:t>framework</a:t>
+            </a:r>
+            <a:r>
+              <a:rPr lang="fr-FR" altLang="ko-KR" sz="3200" dirty="0" smtClean="0">
+                <a:solidFill>
+                  <a:schemeClr val="tx1">
+                    <a:lumMod val="85000"/>
+                    <a:lumOff val="15000"/>
+                  </a:schemeClr>
+                </a:solidFill>
+                <a:latin typeface="Candara" panose="020E0502030303020204" pitchFamily="34" charset="0"/>
+                <a:cs typeface="Arial" pitchFamily="34" charset="0"/>
+              </a:rPr>
+              <a:t> qui permet de mettre en place </a:t>
+            </a:r>
+            <a:r>
+              <a:rPr lang="fr-FR" altLang="ko-KR" sz="3200" dirty="0" err="1" smtClean="0">
+                <a:solidFill>
+                  <a:schemeClr val="tx1">
+                    <a:lumMod val="85000"/>
+                    <a:lumOff val="15000"/>
+                  </a:schemeClr>
+                </a:solidFill>
+                <a:latin typeface="Candara" panose="020E0502030303020204" pitchFamily="34" charset="0"/>
+                <a:cs typeface="Arial" pitchFamily="34" charset="0"/>
+              </a:rPr>
+              <a:t>repidement</a:t>
+            </a:r>
+            <a:r>
+              <a:rPr lang="fr-FR" altLang="ko-KR" sz="3200" dirty="0" smtClean="0">
+                <a:solidFill>
+                  <a:schemeClr val="tx1">
+                    <a:lumMod val="85000"/>
+                    <a:lumOff val="15000"/>
+                  </a:schemeClr>
+                </a:solidFill>
+                <a:latin typeface="Candara" panose="020E0502030303020204" pitchFamily="34" charset="0"/>
+                <a:cs typeface="Arial" pitchFamily="34" charset="0"/>
+              </a:rPr>
+              <a:t> des applications web en utilisent langage de programmation java </a:t>
+            </a:r>
+            <a:endParaRPr lang="ko-KR" altLang="en-US" sz="3200" dirty="0">
+              <a:solidFill>
+                <a:schemeClr val="tx1">
+                  <a:lumMod val="85000"/>
+                  <a:lumOff val="15000"/>
+                </a:schemeClr>
+              </a:solidFill>
+              <a:latin typeface="Candara" panose="020E0502030303020204" pitchFamily="34" charset="0"/>
+              <a:cs typeface="Arial" pitchFamily="34" charset="0"/>
+            </a:endParaRPr>
+          </a:p>
+        </p:txBody>
+      </p:sp>
+      <p:pic>
+        <p:nvPicPr>
+          <p:cNvPr id="5" name="Image 4"/>
+          <p:cNvPicPr>
+            <a:picLocks noChangeAspect="1"/>
+          </p:cNvPicPr>
+          <p:nvPr/>
+        </p:nvPicPr>
+        <p:blipFill>
+          <a:blip r:embed="rId2"/>
+          <a:stretch>
+            <a:fillRect/>
+          </a:stretch>
+        </p:blipFill>
+        <p:spPr>
+          <a:xfrm>
+            <a:off x="10126925" y="611844"/>
+            <a:ext cx="1733792" cy="847843"/>
+          </a:xfrm>
+          <a:prstGeom prst="rect">
+            <a:avLst/>
+          </a:prstGeom>
+        </p:spPr>
+      </p:pic>
     </p:spTree>
     <p:extLst>
       <p:ext uri="{BB962C8B-B14F-4D97-AF65-F5344CB8AC3E}">
@@ -27748,6 +29737,13 @@
   <p:clrMapOvr>
     <a:masterClrMapping/>
   </p:clrMapOvr>
+  <p:timing>
+    <p:tnLst>
+      <p:par>
+        <p:cTn id="1" dur="indefinite" restart="never" nodeType="tmRoot"/>
+      </p:par>
+    </p:tnLst>
+  </p:timing>
 </p:sld>
 </file>
 
@@ -27773,7 +29769,7 @@
           <p:cNvPr id="10" name="TextBox 8">
             <a:extLst>
               <a:ext uri="{FF2B5EF4-FFF2-40B4-BE49-F238E27FC236}">
-                <a16:creationId xmlns:a16="http://schemas.microsoft.com/office/drawing/2014/main" id="{C062103B-F514-4BE9-B5B2-C13878D2FE7C}"/>
+                <a16:creationId xmlns:a16="http://schemas.microsoft.com/office/drawing/2014/main" xmlns="" id="{C062103B-F514-4BE9-B5B2-C13878D2FE7C}"/>
               </a:ext>
             </a:extLst>
           </p:cNvPr>
@@ -27782,8 +29778,8 @@
         </p:nvSpPr>
         <p:spPr>
           <a:xfrm>
-            <a:off x="6388275" y="3277255"/>
-            <a:ext cx="4965525" cy="3149645"/>
+            <a:off x="6388275" y="3292494"/>
+            <a:ext cx="5120553" cy="1015663"/>
           </a:xfrm>
           <a:prstGeom prst="rect">
             <a:avLst/>
@@ -27797,11 +29793,19 @@
           <a:lstStyle/>
           <a:p>
             <a:r>
+              <a:rPr lang="fr-FR" altLang="ko-KR" sz="2000" b="1" dirty="0" smtClean="0"/>
+              <a:t>SPRING</a:t>
+            </a:r>
+            <a:r>
               <a:rPr lang="fr-FR" altLang="ko-KR" sz="2000" dirty="0" smtClean="0"/>
-              <a:t>Java sprint est un </a:t>
-            </a:r>
-            <a:r>
-              <a:rPr lang="fr-FR" altLang="ko-KR" sz="2000" dirty="0" err="1" smtClean="0"/>
+              <a:t> est </a:t>
+            </a:r>
+            <a:r>
+              <a:rPr lang="fr-FR" altLang="ko-KR" sz="2000" dirty="0" smtClean="0"/>
+              <a:t>un </a:t>
+            </a:r>
+            <a:r>
+              <a:rPr lang="fr-FR" altLang="ko-KR" sz="2000" b="1" dirty="0" err="1" smtClean="0"/>
               <a:t>framework</a:t>
             </a:r>
             <a:r>
@@ -27809,92 +29813,58 @@
               <a:t> java </a:t>
             </a:r>
             <a:r>
-              <a:rPr lang="fr-FR" altLang="ko-KR" sz="2000" dirty="0" err="1" smtClean="0"/>
-              <a:t>developpe</a:t>
-            </a:r>
-            <a:r>
               <a:rPr lang="fr-FR" altLang="ko-KR" sz="2000" dirty="0" smtClean="0"/>
-              <a:t> par </a:t>
+              <a:t>développe </a:t>
+            </a:r>
+            <a:r>
+              <a:rPr lang="fr-FR" altLang="ko-KR" sz="2000" dirty="0" smtClean="0"/>
+              <a:t>par </a:t>
+            </a:r>
+            <a:r>
+              <a:rPr lang="fr-FR" sz="2000" b="1" dirty="0" smtClean="0"/>
+              <a:t>Rod Johnson </a:t>
             </a:r>
             <a:r>
               <a:rPr lang="fr-FR" sz="2000" dirty="0" smtClean="0"/>
-              <a:t>Rod Johnson en 2000 et qui permet de </a:t>
-            </a:r>
-            <a:r>
-              <a:rPr lang="fr-FR" sz="2000" dirty="0" err="1" smtClean="0"/>
-              <a:t>cree</a:t>
+              <a:t>en </a:t>
+            </a:r>
+            <a:r>
+              <a:rPr lang="fr-FR" sz="2000" b="1" dirty="0" smtClean="0"/>
+              <a:t>2000</a:t>
             </a:r>
             <a:r>
               <a:rPr lang="fr-FR" sz="2000" dirty="0" smtClean="0"/>
-              <a:t> des projet sprint tel que :</a:t>
-            </a:r>
-          </a:p>
-          <a:p>
-            <a:r>
-              <a:rPr lang="fr-FR" sz="2000" dirty="0" err="1"/>
-              <a:t>Spring</a:t>
-            </a:r>
-            <a:r>
-              <a:rPr lang="fr-FR" sz="2000" dirty="0"/>
-              <a:t> Boot</a:t>
-            </a:r>
-          </a:p>
-          <a:p>
-            <a:r>
-              <a:rPr lang="fr-FR" sz="2000" dirty="0" err="1"/>
-              <a:t>Spring</a:t>
-            </a:r>
-            <a:r>
-              <a:rPr lang="fr-FR" sz="2000" dirty="0"/>
-              <a:t> Cloud</a:t>
-            </a:r>
-          </a:p>
-          <a:p>
-            <a:r>
-              <a:rPr lang="fr-FR" sz="2000" dirty="0" err="1"/>
-              <a:t>Spring</a:t>
-            </a:r>
-            <a:r>
-              <a:rPr lang="fr-FR" sz="2000" dirty="0"/>
-              <a:t> Data</a:t>
-            </a:r>
-          </a:p>
-          <a:p>
-            <a:r>
-              <a:rPr lang="fr-FR" sz="2000" dirty="0" err="1"/>
-              <a:t>Spring</a:t>
-            </a:r>
-            <a:r>
-              <a:rPr lang="fr-FR" sz="2000" dirty="0"/>
-              <a:t> Security</a:t>
-            </a:r>
-          </a:p>
-          <a:p>
-            <a:r>
-              <a:rPr lang="fr-FR" sz="2000" dirty="0" err="1"/>
-              <a:t>Spring</a:t>
-            </a:r>
-            <a:r>
-              <a:rPr lang="fr-FR" sz="2000" dirty="0"/>
+              <a:t> et qui permet de </a:t>
+            </a:r>
+            <a:r>
+              <a:rPr lang="fr-FR" sz="2000" dirty="0" smtClean="0"/>
+              <a:t>crée </a:t>
+            </a:r>
+            <a:r>
+              <a:rPr lang="fr-FR" sz="2000" dirty="0" smtClean="0"/>
+              <a:t>des </a:t>
+            </a:r>
+            <a:r>
+              <a:rPr lang="fr-FR" sz="2000" b="1" dirty="0" smtClean="0"/>
+              <a:t>projets </a:t>
+            </a:r>
+            <a:r>
+              <a:rPr lang="fr-FR" sz="2000" b="1" dirty="0" err="1" smtClean="0"/>
+              <a:t>spring</a:t>
+            </a:r>
+            <a:r>
+              <a:rPr lang="fr-FR" sz="2000" b="1" dirty="0" smtClean="0"/>
               <a:t> </a:t>
             </a:r>
             <a:r>
               <a:rPr lang="fr-FR" sz="2000" dirty="0" smtClean="0"/>
-              <a:t>MVC</a:t>
-            </a:r>
-            <a:endParaRPr lang="fr-FR" sz="2000" b="1" dirty="0"/>
-          </a:p>
-          <a:p>
-            <a:endParaRPr lang="fr-FR" altLang="ko-KR" sz="1867" dirty="0">
-              <a:solidFill>
-                <a:schemeClr val="tx1">
-                  <a:lumMod val="85000"/>
-                  <a:lumOff val="15000"/>
-                </a:schemeClr>
-              </a:solidFill>
-              <a:latin typeface="Candara" panose="020E0502030303020204" pitchFamily="34" charset="0"/>
-              <a:cs typeface="Arial" pitchFamily="34" charset="0"/>
-            </a:endParaRPr>
+              <a:t>tel que </a:t>
+            </a:r>
+            <a:r>
+              <a:rPr lang="fr-FR" sz="2000" dirty="0" smtClean="0"/>
+              <a:t>:</a:t>
+            </a:r>
+            <a:endParaRPr lang="fr-FR" sz="2000" dirty="0" smtClean="0"/>
           </a:p>
         </p:txBody>
       </p:sp>
@@ -27927,7 +29897,7 @@
           <p:cNvPr id="8" name="TextBox 7">
             <a:extLst>
               <a:ext uri="{FF2B5EF4-FFF2-40B4-BE49-F238E27FC236}">
-                <a16:creationId xmlns:a16="http://schemas.microsoft.com/office/drawing/2014/main" id="{5CF5BDA4-10C7-46A6-AC30-523A3FC438AC}"/>
+                <a16:creationId xmlns:a16="http://schemas.microsoft.com/office/drawing/2014/main" xmlns="" id="{5CF5BDA4-10C7-46A6-AC30-523A3FC438AC}"/>
               </a:ext>
             </a:extLst>
           </p:cNvPr>
@@ -27936,8 +29906,8 @@
         </p:nvSpPr>
         <p:spPr>
           <a:xfrm>
-            <a:off x="6388275" y="455400"/>
-            <a:ext cx="5515932" cy="1569660"/>
+            <a:off x="6383379" y="303342"/>
+            <a:ext cx="4794732" cy="1569660"/>
           </a:xfrm>
           <a:prstGeom prst="rect">
             <a:avLst/>
@@ -27951,7 +29921,7 @@
           <a:lstStyle/>
           <a:p>
             <a:r>
-              <a:rPr lang="en-US" altLang="ko-KR" sz="4800" b="1" dirty="0" smtClean="0">
+              <a:rPr lang="en-US" altLang="ko-KR" sz="4400" b="1" dirty="0" smtClean="0">
                 <a:solidFill>
                   <a:schemeClr val="tx1">
                     <a:lumMod val="85000"/>
@@ -27961,7 +29931,72 @@
                 <a:latin typeface="Candara" panose="020E0502030303020204" pitchFamily="34" charset="0"/>
                 <a:cs typeface="Arial" pitchFamily="34" charset="0"/>
               </a:rPr>
-              <a:t>Presentation de sprint framework</a:t>
+              <a:t>Presentation</a:t>
+            </a:r>
+            <a:r>
+              <a:rPr lang="en-US" altLang="ko-KR" sz="4800" b="1" dirty="0" smtClean="0">
+                <a:solidFill>
+                  <a:schemeClr val="tx1">
+                    <a:lumMod val="85000"/>
+                    <a:lumOff val="15000"/>
+                  </a:schemeClr>
+                </a:solidFill>
+                <a:latin typeface="Candara" panose="020E0502030303020204" pitchFamily="34" charset="0"/>
+                <a:cs typeface="Arial" pitchFamily="34" charset="0"/>
+              </a:rPr>
+              <a:t> </a:t>
+            </a:r>
+            <a:r>
+              <a:rPr lang="en-US" altLang="ko-KR" sz="4400" b="1" dirty="0" smtClean="0">
+                <a:solidFill>
+                  <a:schemeClr val="tx1">
+                    <a:lumMod val="85000"/>
+                    <a:lumOff val="15000"/>
+                  </a:schemeClr>
+                </a:solidFill>
+                <a:latin typeface="Candara" panose="020E0502030303020204" pitchFamily="34" charset="0"/>
+                <a:cs typeface="Arial" pitchFamily="34" charset="0"/>
+              </a:rPr>
+              <a:t>de</a:t>
+            </a:r>
+            <a:r>
+              <a:rPr lang="en-US" altLang="ko-KR" sz="4800" b="1" dirty="0" smtClean="0">
+                <a:solidFill>
+                  <a:schemeClr val="tx1">
+                    <a:lumMod val="85000"/>
+                    <a:lumOff val="15000"/>
+                  </a:schemeClr>
+                </a:solidFill>
+                <a:latin typeface="Candara" panose="020E0502030303020204" pitchFamily="34" charset="0"/>
+                <a:cs typeface="Arial" pitchFamily="34" charset="0"/>
+              </a:rPr>
+              <a:t> </a:t>
+            </a:r>
+            <a:r>
+              <a:rPr lang="en-US" altLang="ko-KR" sz="4400" b="1" dirty="0" smtClean="0">
+                <a:solidFill>
+                  <a:schemeClr val="tx1">
+                    <a:lumMod val="85000"/>
+                    <a:lumOff val="15000"/>
+                  </a:schemeClr>
+                </a:solidFill>
+                <a:latin typeface="Candara" panose="020E0502030303020204" pitchFamily="34" charset="0"/>
+                <a:cs typeface="Arial" pitchFamily="34" charset="0"/>
+              </a:rPr>
+              <a:t>sprint</a:t>
+            </a:r>
+            <a:r>
+              <a:rPr lang="en-US" altLang="ko-KR" sz="4800" b="1" dirty="0" smtClean="0">
+                <a:solidFill>
+                  <a:schemeClr val="tx1">
+                    <a:lumMod val="85000"/>
+                    <a:lumOff val="15000"/>
+                  </a:schemeClr>
+                </a:solidFill>
+                <a:latin typeface="Candara" panose="020E0502030303020204" pitchFamily="34" charset="0"/>
+                <a:cs typeface="Arial" pitchFamily="34" charset="0"/>
+              </a:rPr>
+              <a:t> framework</a:t>
             </a:r>
             <a:endParaRPr lang="ko-KR" altLang="en-US" sz="4800" b="1" dirty="0">
               <a:solidFill>
@@ -28006,6 +30041,187 @@
           </a:prstGeom>
         </p:spPr>
       </p:pic>
+      <p:sp>
+        <p:nvSpPr>
+          <p:cNvPr id="3" name="Rectangle 2"/>
+          <p:cNvSpPr/>
+          <p:nvPr/>
+        </p:nvSpPr>
+        <p:spPr>
+          <a:xfrm>
+            <a:off x="6479241" y="4712868"/>
+            <a:ext cx="2131359" cy="369332"/>
+          </a:xfrm>
+          <a:prstGeom prst="rect">
+            <a:avLst/>
+          </a:prstGeom>
+        </p:spPr>
+        <p:txBody>
+          <a:bodyPr wrap="square">
+            <a:spAutoFit/>
+          </a:bodyPr>
+          <a:lstStyle/>
+          <a:p>
+            <a:r>
+              <a:rPr lang="fr-FR" b="1" dirty="0" err="1"/>
+              <a:t>Spring</a:t>
+            </a:r>
+            <a:r>
+              <a:rPr lang="fr-FR" b="1" dirty="0"/>
+              <a:t> </a:t>
+            </a:r>
+            <a:r>
+              <a:rPr lang="fr-FR" b="1" dirty="0" smtClean="0"/>
+              <a:t>Boot</a:t>
+            </a:r>
+            <a:endParaRPr lang="fr-FR" b="1" dirty="0"/>
+          </a:p>
+        </p:txBody>
+      </p:sp>
+      <p:sp>
+        <p:nvSpPr>
+          <p:cNvPr id="4" name="Rectangle 3"/>
+          <p:cNvSpPr/>
+          <p:nvPr/>
+        </p:nvSpPr>
+        <p:spPr>
+          <a:xfrm>
+            <a:off x="8445998" y="5288688"/>
+            <a:ext cx="2238703" cy="369332"/>
+          </a:xfrm>
+          <a:prstGeom prst="rect">
+            <a:avLst/>
+          </a:prstGeom>
+        </p:spPr>
+        <p:txBody>
+          <a:bodyPr wrap="square">
+            <a:spAutoFit/>
+          </a:bodyPr>
+          <a:lstStyle/>
+          <a:p>
+            <a:r>
+              <a:rPr lang="fr-FR" b="1" dirty="0" err="1"/>
+              <a:t>Spring</a:t>
+            </a:r>
+            <a:r>
+              <a:rPr lang="fr-FR" b="1" dirty="0"/>
+              <a:t> </a:t>
+            </a:r>
+            <a:r>
+              <a:rPr lang="fr-FR" b="1" dirty="0" smtClean="0"/>
+              <a:t>Cloud</a:t>
+            </a:r>
+            <a:endParaRPr lang="fr-FR" b="1" dirty="0"/>
+          </a:p>
+        </p:txBody>
+      </p:sp>
+      <p:sp>
+        <p:nvSpPr>
+          <p:cNvPr id="5" name="Rectangle 4"/>
+          <p:cNvSpPr/>
+          <p:nvPr/>
+        </p:nvSpPr>
+        <p:spPr>
+          <a:xfrm>
+            <a:off x="6563062" y="5693969"/>
+            <a:ext cx="2217683" cy="369332"/>
+          </a:xfrm>
+          <a:prstGeom prst="rect">
+            <a:avLst/>
+          </a:prstGeom>
+        </p:spPr>
+        <p:txBody>
+          <a:bodyPr wrap="square">
+            <a:spAutoFit/>
+          </a:bodyPr>
+          <a:lstStyle/>
+          <a:p>
+            <a:r>
+              <a:rPr lang="fr-FR" b="1" dirty="0" err="1"/>
+              <a:t>Spring</a:t>
+            </a:r>
+            <a:r>
+              <a:rPr lang="fr-FR" b="1" dirty="0"/>
+              <a:t> </a:t>
+            </a:r>
+            <a:r>
+              <a:rPr lang="fr-FR" b="1" dirty="0" smtClean="0"/>
+              <a:t>Data</a:t>
+            </a:r>
+            <a:endParaRPr lang="fr-FR" b="1" dirty="0"/>
+          </a:p>
+        </p:txBody>
+      </p:sp>
+      <p:sp>
+        <p:nvSpPr>
+          <p:cNvPr id="7" name="Rectangle 6"/>
+          <p:cNvSpPr/>
+          <p:nvPr/>
+        </p:nvSpPr>
+        <p:spPr>
+          <a:xfrm>
+            <a:off x="8418786" y="4699311"/>
+            <a:ext cx="2091559" cy="369332"/>
+          </a:xfrm>
+          <a:prstGeom prst="rect">
+            <a:avLst/>
+          </a:prstGeom>
+        </p:spPr>
+        <p:txBody>
+          <a:bodyPr wrap="square">
+            <a:spAutoFit/>
+          </a:bodyPr>
+          <a:lstStyle/>
+          <a:p>
+            <a:r>
+              <a:rPr lang="fr-FR" b="1" dirty="0" err="1"/>
+              <a:t>Spring</a:t>
+            </a:r>
+            <a:r>
+              <a:rPr lang="fr-FR" b="1" dirty="0"/>
+              <a:t> </a:t>
+            </a:r>
+            <a:r>
+              <a:rPr lang="fr-FR" b="1" dirty="0" smtClean="0"/>
+              <a:t>Security</a:t>
+            </a:r>
+            <a:endParaRPr lang="fr-FR" b="1" dirty="0"/>
+          </a:p>
+        </p:txBody>
+      </p:sp>
+      <p:sp>
+        <p:nvSpPr>
+          <p:cNvPr id="9" name="Rectangle 8"/>
+          <p:cNvSpPr/>
+          <p:nvPr/>
+        </p:nvSpPr>
+        <p:spPr>
+          <a:xfrm>
+            <a:off x="6521283" y="5154303"/>
+            <a:ext cx="1492716" cy="369332"/>
+          </a:xfrm>
+          <a:prstGeom prst="rect">
+            <a:avLst/>
+          </a:prstGeom>
+        </p:spPr>
+        <p:txBody>
+          <a:bodyPr wrap="none">
+            <a:spAutoFit/>
+          </a:bodyPr>
+          <a:lstStyle/>
+          <a:p>
+            <a:r>
+              <a:rPr lang="fr-FR" b="1" dirty="0" err="1"/>
+              <a:t>Spring</a:t>
+            </a:r>
+            <a:r>
+              <a:rPr lang="fr-FR" b="1" dirty="0"/>
+              <a:t> MVC</a:t>
+            </a:r>
+            <a:endParaRPr lang="fr-FR" b="1" dirty="0"/>
+          </a:p>
+        </p:txBody>
+      </p:sp>
     </p:spTree>
     <p:extLst>
       <p:ext uri="{BB962C8B-B14F-4D97-AF65-F5344CB8AC3E}">
@@ -28089,7 +30305,7 @@
         </p:blipFill>
         <p:spPr>
           <a:xfrm>
-            <a:off x="6575203" y="1946719"/>
+            <a:off x="6561034" y="1523925"/>
             <a:ext cx="4377764" cy="1806803"/>
           </a:xfrm>
           <a:prstGeom prst="rect">
@@ -28102,7 +30318,7 @@
           <p:cNvPr id="5" name="TextBox 7">
             <a:extLst>
               <a:ext uri="{FF2B5EF4-FFF2-40B4-BE49-F238E27FC236}">
-                <a16:creationId xmlns:a16="http://schemas.microsoft.com/office/drawing/2014/main" id="{5CF5BDA4-10C7-46A6-AC30-523A3FC438AC}"/>
+                <a16:creationId xmlns:a16="http://schemas.microsoft.com/office/drawing/2014/main" xmlns="" id="{5CF5BDA4-10C7-46A6-AC30-523A3FC438AC}"/>
               </a:ext>
             </a:extLst>
           </p:cNvPr>
@@ -28111,8 +30327,8 @@
         </p:nvSpPr>
         <p:spPr>
           <a:xfrm>
-            <a:off x="6231588" y="218507"/>
-            <a:ext cx="5515932" cy="1569660"/>
+            <a:off x="4845269" y="398652"/>
+            <a:ext cx="6933782" cy="830997"/>
           </a:xfrm>
           <a:prstGeom prst="rect">
             <a:avLst/>
@@ -28126,7 +30342,7 @@
           <a:lstStyle/>
           <a:p>
             <a:r>
-              <a:rPr lang="en-US" altLang="ko-KR" sz="4800" b="1" dirty="0" smtClean="0">
+              <a:rPr lang="en-US" altLang="ko-KR" sz="4400" b="1" dirty="0" smtClean="0">
                 <a:solidFill>
                   <a:schemeClr val="tx1">
                     <a:lumMod val="85000"/>
@@ -28136,7 +30352,85 @@
                 <a:latin typeface="Candara" panose="020E0502030303020204" pitchFamily="34" charset="0"/>
                 <a:cs typeface="Arial" pitchFamily="34" charset="0"/>
               </a:rPr>
-              <a:t>Presentation de sprint boot</a:t>
+              <a:t>Presentation</a:t>
+            </a:r>
+            <a:r>
+              <a:rPr lang="en-US" altLang="ko-KR" sz="4800" b="1" dirty="0" smtClean="0">
+                <a:solidFill>
+                  <a:schemeClr val="tx1">
+                    <a:lumMod val="85000"/>
+                    <a:lumOff val="15000"/>
+                  </a:schemeClr>
+                </a:solidFill>
+                <a:latin typeface="Candara" panose="020E0502030303020204" pitchFamily="34" charset="0"/>
+                <a:cs typeface="Arial" pitchFamily="34" charset="0"/>
+              </a:rPr>
+              <a:t> </a:t>
+            </a:r>
+            <a:r>
+              <a:rPr lang="en-US" altLang="ko-KR" sz="4400" b="1" dirty="0" smtClean="0">
+                <a:solidFill>
+                  <a:schemeClr val="tx1">
+                    <a:lumMod val="85000"/>
+                    <a:lumOff val="15000"/>
+                  </a:schemeClr>
+                </a:solidFill>
+                <a:latin typeface="Candara" panose="020E0502030303020204" pitchFamily="34" charset="0"/>
+                <a:cs typeface="Arial" pitchFamily="34" charset="0"/>
+              </a:rPr>
+              <a:t>de</a:t>
+            </a:r>
+            <a:r>
+              <a:rPr lang="en-US" altLang="ko-KR" sz="4800" b="1" dirty="0" smtClean="0">
+                <a:solidFill>
+                  <a:schemeClr val="tx1">
+                    <a:lumMod val="85000"/>
+                    <a:lumOff val="15000"/>
+                  </a:schemeClr>
+                </a:solidFill>
+                <a:latin typeface="Candara" panose="020E0502030303020204" pitchFamily="34" charset="0"/>
+                <a:cs typeface="Arial" pitchFamily="34" charset="0"/>
+              </a:rPr>
+              <a:t> spr</a:t>
+            </a:r>
+            <a:r>
+              <a:rPr lang="en-US" altLang="ko-KR" sz="4400" b="1" dirty="0" smtClean="0">
+                <a:solidFill>
+                  <a:schemeClr val="tx1">
+                    <a:lumMod val="85000"/>
+                    <a:lumOff val="15000"/>
+                  </a:schemeClr>
+                </a:solidFill>
+                <a:latin typeface="Candara" panose="020E0502030303020204" pitchFamily="34" charset="0"/>
+                <a:cs typeface="Arial" pitchFamily="34" charset="0"/>
+              </a:rPr>
+              <a:t>i</a:t>
+            </a:r>
+            <a:r>
+              <a:rPr lang="en-US" altLang="ko-KR" sz="4800" b="1" dirty="0" smtClean="0">
+                <a:solidFill>
+                  <a:schemeClr val="tx1">
+                    <a:lumMod val="85000"/>
+                    <a:lumOff val="15000"/>
+                  </a:schemeClr>
+                </a:solidFill>
+                <a:latin typeface="Candara" panose="020E0502030303020204" pitchFamily="34" charset="0"/>
+                <a:cs typeface="Arial" pitchFamily="34" charset="0"/>
+              </a:rPr>
+              <a:t>nt </a:t>
+            </a:r>
+            <a:r>
+              <a:rPr lang="en-US" altLang="ko-KR" sz="4400" b="1" dirty="0" smtClean="0">
+                <a:solidFill>
+                  <a:schemeClr val="tx1">
+                    <a:lumMod val="85000"/>
+                    <a:lumOff val="15000"/>
+                  </a:schemeClr>
+                </a:solidFill>
+                <a:latin typeface="Candara" panose="020E0502030303020204" pitchFamily="34" charset="0"/>
+                <a:cs typeface="Arial" pitchFamily="34" charset="0"/>
+              </a:rPr>
+              <a:t>boot</a:t>
             </a:r>
             <a:endParaRPr lang="ko-KR" altLang="en-US" sz="4800" b="1" dirty="0">
               <a:solidFill>
@@ -28156,7 +30450,7 @@
           <p:cNvPr id="6" name="Rectangle 5">
             <a:extLst>
               <a:ext uri="{FF2B5EF4-FFF2-40B4-BE49-F238E27FC236}">
-                <a16:creationId xmlns:a16="http://schemas.microsoft.com/office/drawing/2014/main" id="{6D0FDF8F-D25E-4CB0-8E60-C13C20A472F5}"/>
+                <a16:creationId xmlns:a16="http://schemas.microsoft.com/office/drawing/2014/main" xmlns="" id="{6D0FDF8F-D25E-4CB0-8E60-C13C20A472F5}"/>
               </a:ext>
             </a:extLst>
           </p:cNvPr>
@@ -28218,7 +30512,7 @@
           <p:cNvPr id="7" name="Pentagon 14">
             <a:extLst>
               <a:ext uri="{FF2B5EF4-FFF2-40B4-BE49-F238E27FC236}">
-                <a16:creationId xmlns:a16="http://schemas.microsoft.com/office/drawing/2014/main" id="{8D0EAD2F-CF67-4591-BB34-B59CCA0D3581}"/>
+                <a16:creationId xmlns:a16="http://schemas.microsoft.com/office/drawing/2014/main" xmlns="" id="{8D0EAD2F-CF67-4591-BB34-B59CCA0D3581}"/>
               </a:ext>
             </a:extLst>
           </p:cNvPr>
@@ -28227,7 +30521,7 @@
         </p:nvSpPr>
         <p:spPr>
           <a:xfrm>
-            <a:off x="6552259" y="3876134"/>
+            <a:off x="6552259" y="3777246"/>
             <a:ext cx="4984212" cy="559008"/>
           </a:xfrm>
           <a:prstGeom prst="homePlate">
@@ -28274,7 +30568,7 @@
           <p:cNvPr id="8" name="Pentagon 14">
             <a:extLst>
               <a:ext uri="{FF2B5EF4-FFF2-40B4-BE49-F238E27FC236}">
-                <a16:creationId xmlns:a16="http://schemas.microsoft.com/office/drawing/2014/main" id="{8D0EAD2F-CF67-4591-BB34-B59CCA0D3581}"/>
+                <a16:creationId xmlns:a16="http://schemas.microsoft.com/office/drawing/2014/main" xmlns="" id="{8D0EAD2F-CF67-4591-BB34-B59CCA0D3581}"/>
               </a:ext>
             </a:extLst>
           </p:cNvPr>
@@ -28330,7 +30624,7 @@
           <p:cNvPr id="9" name="TextBox 32">
             <a:extLst>
               <a:ext uri="{FF2B5EF4-FFF2-40B4-BE49-F238E27FC236}">
-                <a16:creationId xmlns:a16="http://schemas.microsoft.com/office/drawing/2014/main" id="{3D68DC4F-6C57-4033-AD85-E705874ADB27}"/>
+                <a16:creationId xmlns:a16="http://schemas.microsoft.com/office/drawing/2014/main" xmlns="" id="{3D68DC4F-6C57-4033-AD85-E705874ADB27}"/>
               </a:ext>
             </a:extLst>
           </p:cNvPr>
@@ -28398,7 +30692,7 @@
           <p:cNvPr id="10" name="TextBox 32">
             <a:extLst>
               <a:ext uri="{FF2B5EF4-FFF2-40B4-BE49-F238E27FC236}">
-                <a16:creationId xmlns:a16="http://schemas.microsoft.com/office/drawing/2014/main" id="{3D68DC4F-6C57-4033-AD85-E705874ADB27}"/>
+                <a16:creationId xmlns:a16="http://schemas.microsoft.com/office/drawing/2014/main" xmlns="" id="{3D68DC4F-6C57-4033-AD85-E705874ADB27}"/>
               </a:ext>
             </a:extLst>
           </p:cNvPr>
@@ -28439,7 +30733,7 @@
           <p:cNvPr id="11" name="TextBox 6">
             <a:extLst>
               <a:ext uri="{FF2B5EF4-FFF2-40B4-BE49-F238E27FC236}">
-                <a16:creationId xmlns:a16="http://schemas.microsoft.com/office/drawing/2014/main" id="{CD4C4ACE-3F27-4618-8225-64966A7DFEEF}"/>
+                <a16:creationId xmlns:a16="http://schemas.microsoft.com/office/drawing/2014/main" xmlns="" id="{CD4C4ACE-3F27-4618-8225-64966A7DFEEF}"/>
               </a:ext>
             </a:extLst>
           </p:cNvPr>
@@ -28488,7 +30782,7 @@
           <p:cNvPr id="12" name="TextBox 6">
             <a:extLst>
               <a:ext uri="{FF2B5EF4-FFF2-40B4-BE49-F238E27FC236}">
-                <a16:creationId xmlns:a16="http://schemas.microsoft.com/office/drawing/2014/main" id="{CD4C4ACE-3F27-4618-8225-64966A7DFEEF}"/>
+                <a16:creationId xmlns:a16="http://schemas.microsoft.com/office/drawing/2014/main" xmlns="" id="{CD4C4ACE-3F27-4618-8225-64966A7DFEEF}"/>
               </a:ext>
             </a:extLst>
           </p:cNvPr>
@@ -28537,7 +30831,7 @@
           <p:cNvPr id="13" name="Pentagon 14">
             <a:extLst>
               <a:ext uri="{FF2B5EF4-FFF2-40B4-BE49-F238E27FC236}">
-                <a16:creationId xmlns:a16="http://schemas.microsoft.com/office/drawing/2014/main" id="{8D0EAD2F-CF67-4591-BB34-B59CCA0D3581}"/>
+                <a16:creationId xmlns:a16="http://schemas.microsoft.com/office/drawing/2014/main" xmlns="" id="{8D0EAD2F-CF67-4591-BB34-B59CCA0D3581}"/>
               </a:ext>
             </a:extLst>
           </p:cNvPr>
@@ -28546,7 +30840,7 @@
         </p:nvSpPr>
         <p:spPr>
           <a:xfrm>
-            <a:off x="6552259" y="5618925"/>
+            <a:off x="6561034" y="5641434"/>
             <a:ext cx="4984212" cy="553189"/>
           </a:xfrm>
           <a:prstGeom prst="homePlate">
@@ -28608,7 +30902,7 @@
           <p:cNvPr id="15" name="TextBox 6">
             <a:extLst>
               <a:ext uri="{FF2B5EF4-FFF2-40B4-BE49-F238E27FC236}">
-                <a16:creationId xmlns:a16="http://schemas.microsoft.com/office/drawing/2014/main" id="{CD4C4ACE-3F27-4618-8225-64966A7DFEEF}"/>
+                <a16:creationId xmlns:a16="http://schemas.microsoft.com/office/drawing/2014/main" xmlns="" id="{CD4C4ACE-3F27-4618-8225-64966A7DFEEF}"/>
               </a:ext>
             </a:extLst>
           </p:cNvPr>
@@ -28662,6 +30956,13 @@
   <p:clrMapOvr>
     <a:masterClrMapping/>
   </p:clrMapOvr>
+  <p:timing>
+    <p:tnLst>
+      <p:par>
+        <p:cTn id="1" dur="indefinite" restart="never" nodeType="tmRoot"/>
+      </p:par>
+    </p:tnLst>
+  </p:timing>
 </p:sld>
 </file>
 
@@ -28687,7 +30988,7 @@
           <p:cNvPr id="2" name="Text Placeholder 1">
             <a:extLst>
               <a:ext uri="{FF2B5EF4-FFF2-40B4-BE49-F238E27FC236}">
-                <a16:creationId xmlns:a16="http://schemas.microsoft.com/office/drawing/2014/main" id="{D735F7F3-C1B5-4B60-A00A-4EB618DDFB5A}"/>
+                <a16:creationId xmlns:a16="http://schemas.microsoft.com/office/drawing/2014/main" xmlns="" id="{D735F7F3-C1B5-4B60-A00A-4EB618DDFB5A}"/>
               </a:ext>
             </a:extLst>
           </p:cNvPr>
@@ -28718,7 +31019,7 @@
           <p:cNvPr id="8" name="TextBox 7">
             <a:extLst>
               <a:ext uri="{FF2B5EF4-FFF2-40B4-BE49-F238E27FC236}">
-                <a16:creationId xmlns:a16="http://schemas.microsoft.com/office/drawing/2014/main" id="{A43997AA-366C-4002-B0FD-967BCBDAA30B}"/>
+                <a16:creationId xmlns:a16="http://schemas.microsoft.com/office/drawing/2014/main" xmlns="" id="{A43997AA-366C-4002-B0FD-967BCBDAA30B}"/>
               </a:ext>
             </a:extLst>
           </p:cNvPr>
@@ -28728,7 +31029,7 @@
         <p:spPr>
           <a:xfrm>
             <a:off x="7592927" y="1675239"/>
-            <a:ext cx="4254020" cy="954107"/>
+            <a:ext cx="4254020" cy="523220"/>
           </a:xfrm>
           <a:prstGeom prst="rect">
             <a:avLst/>
@@ -28750,7 +31051,18 @@
                   </a:schemeClr>
                 </a:solidFill>
               </a:rPr>
-              <a:t>Visual studio code</a:t>
+              <a:t>Visual studio </a:t>
+            </a:r>
+            <a:r>
+              <a:rPr lang="fr-FR" sz="2800" b="1" cap="all" dirty="0" smtClean="0">
+                <a:solidFill>
+                  <a:schemeClr val="accent4">
+                    <a:lumMod val="60000"/>
+                    <a:lumOff val="40000"/>
+                  </a:schemeClr>
+                </a:solidFill>
+              </a:rPr>
+              <a:t>code</a:t>
             </a:r>
             <a:endParaRPr lang="fr-FR" sz="2800" b="1" cap="all" dirty="0">
               <a:solidFill>
@@ -28761,18 +31073,6 @@
               </a:solidFill>
             </a:endParaRPr>
           </a:p>
-          <a:p>
-            <a:endParaRPr lang="ko-KR" altLang="en-US" sz="2800" b="1" dirty="0">
-              <a:solidFill>
-                <a:schemeClr val="accent4">
-                  <a:lumMod val="60000"/>
-                  <a:lumOff val="40000"/>
-                </a:schemeClr>
-              </a:solidFill>
-              <a:latin typeface="Candara" panose="020E0502030303020204" pitchFamily="34" charset="0"/>
-              <a:cs typeface="Arial" pitchFamily="34" charset="0"/>
-            </a:endParaRPr>
-          </a:p>
         </p:txBody>
       </p:sp>
       <p:grpSp>
@@ -28780,7 +31080,7 @@
           <p:cNvPr id="18" name="Group 17">
             <a:extLst>
               <a:ext uri="{FF2B5EF4-FFF2-40B4-BE49-F238E27FC236}">
-                <a16:creationId xmlns:a16="http://schemas.microsoft.com/office/drawing/2014/main" id="{AF125DDF-54C0-44F1-9312-CC567147E6D6}"/>
+                <a16:creationId xmlns:a16="http://schemas.microsoft.com/office/drawing/2014/main" xmlns="" id="{AF125DDF-54C0-44F1-9312-CC567147E6D6}"/>
               </a:ext>
             </a:extLst>
           </p:cNvPr>
@@ -28806,7 +31106,7 @@
             <p:cNvPr id="19" name="Oval 18">
               <a:extLst>
                 <a:ext uri="{FF2B5EF4-FFF2-40B4-BE49-F238E27FC236}">
-                  <a16:creationId xmlns:a16="http://schemas.microsoft.com/office/drawing/2014/main" id="{D4F344A5-D92C-4603-A473-E966BA62A68D}"/>
+                  <a16:creationId xmlns:a16="http://schemas.microsoft.com/office/drawing/2014/main" xmlns="" id="{D4F344A5-D92C-4603-A473-E966BA62A68D}"/>
                 </a:ext>
               </a:extLst>
             </p:cNvPr>
@@ -28876,7 +31176,7 @@
             <p:cNvPr id="20" name="Oval 19">
               <a:extLst>
                 <a:ext uri="{FF2B5EF4-FFF2-40B4-BE49-F238E27FC236}">
-                  <a16:creationId xmlns:a16="http://schemas.microsoft.com/office/drawing/2014/main" id="{C3D9F7C8-DFDE-4FE7-9999-7B888487F58A}"/>
+                  <a16:creationId xmlns:a16="http://schemas.microsoft.com/office/drawing/2014/main" xmlns="" id="{C3D9F7C8-DFDE-4FE7-9999-7B888487F58A}"/>
                 </a:ext>
               </a:extLst>
             </p:cNvPr>
@@ -28946,7 +31246,7 @@
             <p:cNvPr id="21" name="Oval 20">
               <a:extLst>
                 <a:ext uri="{FF2B5EF4-FFF2-40B4-BE49-F238E27FC236}">
-                  <a16:creationId xmlns:a16="http://schemas.microsoft.com/office/drawing/2014/main" id="{4D964D23-0A44-4C3A-8202-130EAAE36554}"/>
+                  <a16:creationId xmlns:a16="http://schemas.microsoft.com/office/drawing/2014/main" xmlns="" id="{4D964D23-0A44-4C3A-8202-130EAAE36554}"/>
                 </a:ext>
               </a:extLst>
             </p:cNvPr>
@@ -29017,7 +31317,7 @@
           <p:cNvPr id="22" name="Rectangle 21">
             <a:extLst>
               <a:ext uri="{FF2B5EF4-FFF2-40B4-BE49-F238E27FC236}">
-                <a16:creationId xmlns:a16="http://schemas.microsoft.com/office/drawing/2014/main" id="{9F42F8BA-36EB-4CDA-9C34-2FBFA3D0D547}"/>
+                <a16:creationId xmlns:a16="http://schemas.microsoft.com/office/drawing/2014/main" xmlns="" id="{9F42F8BA-36EB-4CDA-9C34-2FBFA3D0D547}"/>
               </a:ext>
             </a:extLst>
           </p:cNvPr>
@@ -29071,7 +31371,7 @@
           <p:cNvPr id="23" name="Rectangle 22">
             <a:extLst>
               <a:ext uri="{FF2B5EF4-FFF2-40B4-BE49-F238E27FC236}">
-                <a16:creationId xmlns:a16="http://schemas.microsoft.com/office/drawing/2014/main" id="{F0270141-EAEF-4DB8-BE02-068A9E67E9FC}"/>
+                <a16:creationId xmlns:a16="http://schemas.microsoft.com/office/drawing/2014/main" xmlns="" id="{F0270141-EAEF-4DB8-BE02-068A9E67E9FC}"/>
               </a:ext>
             </a:extLst>
           </p:cNvPr>
@@ -29125,7 +31425,7 @@
           <p:cNvPr id="24" name="Rectangle 23">
             <a:extLst>
               <a:ext uri="{FF2B5EF4-FFF2-40B4-BE49-F238E27FC236}">
-                <a16:creationId xmlns:a16="http://schemas.microsoft.com/office/drawing/2014/main" id="{B8E337CC-A763-4D05-9509-C4A9D2828580}"/>
+                <a16:creationId xmlns:a16="http://schemas.microsoft.com/office/drawing/2014/main" xmlns="" id="{B8E337CC-A763-4D05-9509-C4A9D2828580}"/>
               </a:ext>
             </a:extLst>
           </p:cNvPr>
@@ -29179,7 +31479,7 @@
           <p:cNvPr id="25" name="Parallelogram 24">
             <a:extLst>
               <a:ext uri="{FF2B5EF4-FFF2-40B4-BE49-F238E27FC236}">
-                <a16:creationId xmlns:a16="http://schemas.microsoft.com/office/drawing/2014/main" id="{3BE05377-4603-403A-A13B-77D1DF41A42C}"/>
+                <a16:creationId xmlns:a16="http://schemas.microsoft.com/office/drawing/2014/main" xmlns="" id="{3BE05377-4603-403A-A13B-77D1DF41A42C}"/>
               </a:ext>
             </a:extLst>
           </p:cNvPr>
@@ -29235,7 +31535,7 @@
           <p:cNvPr id="26" name="Rectangle 25">
             <a:extLst>
               <a:ext uri="{FF2B5EF4-FFF2-40B4-BE49-F238E27FC236}">
-                <a16:creationId xmlns:a16="http://schemas.microsoft.com/office/drawing/2014/main" id="{1B20DF86-2CE8-449A-9346-3AA4C54078C2}"/>
+                <a16:creationId xmlns:a16="http://schemas.microsoft.com/office/drawing/2014/main" xmlns="" id="{1B20DF86-2CE8-449A-9346-3AA4C54078C2}"/>
               </a:ext>
             </a:extLst>
           </p:cNvPr>
@@ -29289,7 +31589,7 @@
           <p:cNvPr id="27" name="Rectangle 26">
             <a:extLst>
               <a:ext uri="{FF2B5EF4-FFF2-40B4-BE49-F238E27FC236}">
-                <a16:creationId xmlns:a16="http://schemas.microsoft.com/office/drawing/2014/main" id="{9AD4AE32-2565-486C-BF53-0B038014A932}"/>
+                <a16:creationId xmlns:a16="http://schemas.microsoft.com/office/drawing/2014/main" xmlns="" id="{9AD4AE32-2565-486C-BF53-0B038014A932}"/>
               </a:ext>
             </a:extLst>
           </p:cNvPr>
@@ -29346,7 +31646,7 @@
           <p:cNvPr id="33" name="Rectangle 32">
             <a:extLst>
               <a:ext uri="{FF2B5EF4-FFF2-40B4-BE49-F238E27FC236}">
-                <a16:creationId xmlns:a16="http://schemas.microsoft.com/office/drawing/2014/main" id="{E84459F8-5881-4DEB-8A81-B89DA92F1CB7}"/>
+                <a16:creationId xmlns:a16="http://schemas.microsoft.com/office/drawing/2014/main" xmlns="" id="{E84459F8-5881-4DEB-8A81-B89DA92F1CB7}"/>
               </a:ext>
             </a:extLst>
           </p:cNvPr>
@@ -29400,7 +31700,7 @@
           <p:cNvPr id="34" name="Rectangle 33">
             <a:extLst>
               <a:ext uri="{FF2B5EF4-FFF2-40B4-BE49-F238E27FC236}">
-                <a16:creationId xmlns:a16="http://schemas.microsoft.com/office/drawing/2014/main" id="{249C4E87-AE40-4F8D-B76D-0F3FE3C5E753}"/>
+                <a16:creationId xmlns:a16="http://schemas.microsoft.com/office/drawing/2014/main" xmlns="" id="{249C4E87-AE40-4F8D-B76D-0F3FE3C5E753}"/>
               </a:ext>
             </a:extLst>
           </p:cNvPr>
@@ -29454,7 +31754,7 @@
           <p:cNvPr id="35" name="Rectangle 34">
             <a:extLst>
               <a:ext uri="{FF2B5EF4-FFF2-40B4-BE49-F238E27FC236}">
-                <a16:creationId xmlns:a16="http://schemas.microsoft.com/office/drawing/2014/main" id="{DCEBC72B-82D4-4B5A-9E29-9A6C7DF9679D}"/>
+                <a16:creationId xmlns:a16="http://schemas.microsoft.com/office/drawing/2014/main" xmlns="" id="{DCEBC72B-82D4-4B5A-9E29-9A6C7DF9679D}"/>
               </a:ext>
             </a:extLst>
           </p:cNvPr>
@@ -29510,7 +31810,7 @@
           <p:cNvPr id="36" name="Rectangle 35">
             <a:extLst>
               <a:ext uri="{FF2B5EF4-FFF2-40B4-BE49-F238E27FC236}">
-                <a16:creationId xmlns:a16="http://schemas.microsoft.com/office/drawing/2014/main" id="{8F5405A9-7AFD-4CD6-895B-4CC9E600198B}"/>
+                <a16:creationId xmlns:a16="http://schemas.microsoft.com/office/drawing/2014/main" xmlns="" id="{8F5405A9-7AFD-4CD6-895B-4CC9E600198B}"/>
               </a:ext>
             </a:extLst>
           </p:cNvPr>
@@ -29564,7 +31864,7 @@
           <p:cNvPr id="37" name="Rectangle 36">
             <a:extLst>
               <a:ext uri="{FF2B5EF4-FFF2-40B4-BE49-F238E27FC236}">
-                <a16:creationId xmlns:a16="http://schemas.microsoft.com/office/drawing/2014/main" id="{E68A8935-BBBB-4065-80B9-2A9DD8DE3D40}"/>
+                <a16:creationId xmlns:a16="http://schemas.microsoft.com/office/drawing/2014/main" xmlns="" id="{E68A8935-BBBB-4065-80B9-2A9DD8DE3D40}"/>
               </a:ext>
             </a:extLst>
           </p:cNvPr>
@@ -29618,7 +31918,7 @@
           <p:cNvPr id="38" name="Group 37">
             <a:extLst>
               <a:ext uri="{FF2B5EF4-FFF2-40B4-BE49-F238E27FC236}">
-                <a16:creationId xmlns:a16="http://schemas.microsoft.com/office/drawing/2014/main" id="{233B169F-B6F7-48B5-B5C3-3FAAAF1B142C}"/>
+                <a16:creationId xmlns:a16="http://schemas.microsoft.com/office/drawing/2014/main" xmlns="" id="{233B169F-B6F7-48B5-B5C3-3FAAAF1B142C}"/>
               </a:ext>
             </a:extLst>
           </p:cNvPr>
@@ -29638,7 +31938,7 @@
             <p:cNvPr id="39" name="Rectangle 34">
               <a:extLst>
                 <a:ext uri="{FF2B5EF4-FFF2-40B4-BE49-F238E27FC236}">
-                  <a16:creationId xmlns:a16="http://schemas.microsoft.com/office/drawing/2014/main" id="{61085DFF-D2A6-4757-BC9C-B6911BE3148F}"/>
+                  <a16:creationId xmlns:a16="http://schemas.microsoft.com/office/drawing/2014/main" xmlns="" id="{61085DFF-D2A6-4757-BC9C-B6911BE3148F}"/>
                 </a:ext>
               </a:extLst>
             </p:cNvPr>
@@ -29715,7 +32015,7 @@
             <p:cNvPr id="40" name="Group 39">
               <a:extLst>
                 <a:ext uri="{FF2B5EF4-FFF2-40B4-BE49-F238E27FC236}">
-                  <a16:creationId xmlns:a16="http://schemas.microsoft.com/office/drawing/2014/main" id="{3C5EDA7E-EAC2-42DC-BA31-82F98D89F64F}"/>
+                  <a16:creationId xmlns:a16="http://schemas.microsoft.com/office/drawing/2014/main" xmlns="" id="{3C5EDA7E-EAC2-42DC-BA31-82F98D89F64F}"/>
                 </a:ext>
               </a:extLst>
             </p:cNvPr>
@@ -29735,7 +32035,7 @@
               <p:cNvPr id="41" name="Parallelogram 40">
                 <a:extLst>
                   <a:ext uri="{FF2B5EF4-FFF2-40B4-BE49-F238E27FC236}">
-                    <a16:creationId xmlns:a16="http://schemas.microsoft.com/office/drawing/2014/main" id="{3DD0C1A1-1C2E-4ABE-8BA7-25BE1B74C75A}"/>
+                    <a16:creationId xmlns:a16="http://schemas.microsoft.com/office/drawing/2014/main" xmlns="" id="{3DD0C1A1-1C2E-4ABE-8BA7-25BE1B74C75A}"/>
                   </a:ext>
                 </a:extLst>
               </p:cNvPr>
@@ -29791,7 +32091,7 @@
               <p:cNvPr id="42" name="Parallelogram 41">
                 <a:extLst>
                   <a:ext uri="{FF2B5EF4-FFF2-40B4-BE49-F238E27FC236}">
-                    <a16:creationId xmlns:a16="http://schemas.microsoft.com/office/drawing/2014/main" id="{FAA098A8-6698-44B6-8D31-46D25DF7D96F}"/>
+                    <a16:creationId xmlns:a16="http://schemas.microsoft.com/office/drawing/2014/main" xmlns="" id="{FAA098A8-6698-44B6-8D31-46D25DF7D96F}"/>
                   </a:ext>
                 </a:extLst>
               </p:cNvPr>
@@ -29847,7 +32147,7 @@
               <p:cNvPr id="43" name="Group 42">
                 <a:extLst>
                   <a:ext uri="{FF2B5EF4-FFF2-40B4-BE49-F238E27FC236}">
-                    <a16:creationId xmlns:a16="http://schemas.microsoft.com/office/drawing/2014/main" id="{AFF4B2DD-ACCF-4187-A0B1-2C8698891D41}"/>
+                    <a16:creationId xmlns:a16="http://schemas.microsoft.com/office/drawing/2014/main" xmlns="" id="{AFF4B2DD-ACCF-4187-A0B1-2C8698891D41}"/>
                   </a:ext>
                 </a:extLst>
               </p:cNvPr>
@@ -29867,7 +32167,7 @@
                 <p:cNvPr id="45" name="Trapezoid 33">
                   <a:extLst>
                     <a:ext uri="{FF2B5EF4-FFF2-40B4-BE49-F238E27FC236}">
-                      <a16:creationId xmlns:a16="http://schemas.microsoft.com/office/drawing/2014/main" id="{8F03E05A-CFBC-4422-8C99-19A95C4DDBD0}"/>
+                      <a16:creationId xmlns:a16="http://schemas.microsoft.com/office/drawing/2014/main" xmlns="" id="{8F03E05A-CFBC-4422-8C99-19A95C4DDBD0}"/>
                     </a:ext>
                   </a:extLst>
                 </p:cNvPr>
@@ -29944,7 +32244,7 @@
                 <p:cNvPr id="46" name="Chord 45">
                   <a:extLst>
                     <a:ext uri="{FF2B5EF4-FFF2-40B4-BE49-F238E27FC236}">
-                      <a16:creationId xmlns:a16="http://schemas.microsoft.com/office/drawing/2014/main" id="{4211E5DD-CA5C-4F4B-9DE5-AD3F17D00AC0}"/>
+                      <a16:creationId xmlns:a16="http://schemas.microsoft.com/office/drawing/2014/main" xmlns="" id="{4211E5DD-CA5C-4F4B-9DE5-AD3F17D00AC0}"/>
                     </a:ext>
                   </a:extLst>
                 </p:cNvPr>
@@ -30001,7 +32301,7 @@
                 <p:cNvPr id="47" name="Trapezoid 37">
                   <a:extLst>
                     <a:ext uri="{FF2B5EF4-FFF2-40B4-BE49-F238E27FC236}">
-                      <a16:creationId xmlns:a16="http://schemas.microsoft.com/office/drawing/2014/main" id="{78B7AA01-3133-49A1-9E4E-2400AFB045CD}"/>
+                      <a16:creationId xmlns:a16="http://schemas.microsoft.com/office/drawing/2014/main" xmlns="" id="{78B7AA01-3133-49A1-9E4E-2400AFB045CD}"/>
                     </a:ext>
                   </a:extLst>
                 </p:cNvPr>
@@ -30079,7 +32379,7 @@
               <p:cNvPr id="44" name="Parallelogram 43">
                 <a:extLst>
                   <a:ext uri="{FF2B5EF4-FFF2-40B4-BE49-F238E27FC236}">
-                    <a16:creationId xmlns:a16="http://schemas.microsoft.com/office/drawing/2014/main" id="{939CEFD3-3525-43BA-AE9D-63D482D72FEB}"/>
+                    <a16:creationId xmlns:a16="http://schemas.microsoft.com/office/drawing/2014/main" xmlns="" id="{939CEFD3-3525-43BA-AE9D-63D482D72FEB}"/>
                   </a:ext>
                 </a:extLst>
               </p:cNvPr>
@@ -30137,7 +32437,7 @@
           <p:cNvPr id="48" name="Freeform 47">
             <a:extLst>
               <a:ext uri="{FF2B5EF4-FFF2-40B4-BE49-F238E27FC236}">
-                <a16:creationId xmlns:a16="http://schemas.microsoft.com/office/drawing/2014/main" id="{643D6B73-DCC6-4A78-BDBC-0C65DE1E5B09}"/>
+                <a16:creationId xmlns:a16="http://schemas.microsoft.com/office/drawing/2014/main" xmlns="" id="{643D6B73-DCC6-4A78-BDBC-0C65DE1E5B09}"/>
               </a:ext>
             </a:extLst>
           </p:cNvPr>
@@ -30377,7 +32677,7 @@
           <p:cNvPr id="49" name="Freeform 48">
             <a:extLst>
               <a:ext uri="{FF2B5EF4-FFF2-40B4-BE49-F238E27FC236}">
-                <a16:creationId xmlns:a16="http://schemas.microsoft.com/office/drawing/2014/main" id="{57802457-5DD1-4216-8401-316524397E6E}"/>
+                <a16:creationId xmlns:a16="http://schemas.microsoft.com/office/drawing/2014/main" xmlns="" id="{57802457-5DD1-4216-8401-316524397E6E}"/>
               </a:ext>
             </a:extLst>
           </p:cNvPr>
@@ -30586,7 +32886,7 @@
           <p:cNvPr id="50" name="Freeform 49">
             <a:extLst>
               <a:ext uri="{FF2B5EF4-FFF2-40B4-BE49-F238E27FC236}">
-                <a16:creationId xmlns:a16="http://schemas.microsoft.com/office/drawing/2014/main" id="{FC68CD52-4B81-4454-BCA7-8BFFCA054C31}"/>
+                <a16:creationId xmlns:a16="http://schemas.microsoft.com/office/drawing/2014/main" xmlns="" id="{FC68CD52-4B81-4454-BCA7-8BFFCA054C31}"/>
               </a:ext>
             </a:extLst>
           </p:cNvPr>
@@ -30849,7 +33149,7 @@
           <p:cNvPr id="51" name="Freeform 50">
             <a:extLst>
               <a:ext uri="{FF2B5EF4-FFF2-40B4-BE49-F238E27FC236}">
-                <a16:creationId xmlns:a16="http://schemas.microsoft.com/office/drawing/2014/main" id="{AD71E514-6F35-43AD-8232-E968ACC620EA}"/>
+                <a16:creationId xmlns:a16="http://schemas.microsoft.com/office/drawing/2014/main" xmlns="" id="{AD71E514-6F35-43AD-8232-E968ACC620EA}"/>
               </a:ext>
             </a:extLst>
           </p:cNvPr>
@@ -31156,7 +33456,7 @@
           <p:cNvPr id="52" name="Freeform 51">
             <a:extLst>
               <a:ext uri="{FF2B5EF4-FFF2-40B4-BE49-F238E27FC236}">
-                <a16:creationId xmlns:a16="http://schemas.microsoft.com/office/drawing/2014/main" id="{2CAE076D-7406-4897-B4DC-790DECC79ACC}"/>
+                <a16:creationId xmlns:a16="http://schemas.microsoft.com/office/drawing/2014/main" xmlns="" id="{2CAE076D-7406-4897-B4DC-790DECC79ACC}"/>
               </a:ext>
             </a:extLst>
           </p:cNvPr>
@@ -31393,7 +33693,7 @@
         <p:spPr>
           <a:xfrm>
             <a:off x="7592927" y="3563710"/>
-            <a:ext cx="3154403" cy="523220"/>
+            <a:ext cx="3632121" cy="523220"/>
           </a:xfrm>
           <a:prstGeom prst="rect">
             <a:avLst/>
@@ -31412,7 +33712,16 @@
                 </a:solidFill>
                 <a:latin typeface="Roboto"/>
               </a:rPr>
-              <a:t>wampserver</a:t>
+              <a:t>Spring</a:t>
+            </a:r>
+            <a:r>
+              <a:rPr lang="fr-FR" sz="2800" b="1" cap="all" dirty="0" smtClean="0">
+                <a:solidFill>
+                  <a:srgbClr val="F6D106"/>
+                </a:solidFill>
+                <a:latin typeface="Roboto"/>
+              </a:rPr>
+              <a:t> boot cli</a:t>
             </a:r>
             <a:endParaRPr lang="fr-FR" sz="2800" b="1" i="0" cap="all" dirty="0">
               <a:solidFill>
@@ -31432,7 +33741,7 @@
         </p:nvSpPr>
         <p:spPr>
           <a:xfrm>
-            <a:off x="7606658" y="4443797"/>
+            <a:off x="10120843" y="5423894"/>
             <a:ext cx="2251326" cy="523220"/>
           </a:xfrm>
           <a:prstGeom prst="rect">
@@ -31576,7 +33885,7 @@
       </p:pic>
       <p:pic>
         <p:nvPicPr>
-          <p:cNvPr id="11" name="Image 10"/>
+          <p:cNvPr id="3" name="Image 2"/>
           <p:cNvPicPr>
             <a:picLocks noChangeAspect="1"/>
           </p:cNvPicPr>
@@ -31596,8 +33905,8 @@
         </p:blipFill>
         <p:spPr>
           <a:xfrm>
-            <a:off x="6583910" y="3599132"/>
-            <a:ext cx="443997" cy="452375"/>
+            <a:off x="6561010" y="2663394"/>
+            <a:ext cx="534528" cy="436384"/>
           </a:xfrm>
           <a:prstGeom prst="rect">
             <a:avLst/>
@@ -31606,7 +33915,7 @@
       </p:pic>
       <p:pic>
         <p:nvPicPr>
-          <p:cNvPr id="3" name="Image 2"/>
+          <p:cNvPr id="4" name="Image 3"/>
           <p:cNvPicPr>
             <a:picLocks noChangeAspect="1"/>
           </p:cNvPicPr>
@@ -31626,8 +33935,8 @@
         </p:blipFill>
         <p:spPr>
           <a:xfrm>
-            <a:off x="6535181" y="2663394"/>
-            <a:ext cx="560357" cy="436384"/>
+            <a:off x="6476552" y="5412943"/>
+            <a:ext cx="552038" cy="500333"/>
           </a:xfrm>
           <a:prstGeom prst="rect">
             <a:avLst/>
@@ -31636,14 +33945,14 @@
       </p:pic>
       <p:pic>
         <p:nvPicPr>
-          <p:cNvPr id="4" name="Image 3"/>
+          <p:cNvPr id="5" name="Image 4"/>
           <p:cNvPicPr>
             <a:picLocks noChangeAspect="1"/>
           </p:cNvPicPr>
           <p:nvPr/>
         </p:nvPicPr>
         <p:blipFill>
-          <a:blip r:embed="rId6">
+          <a:blip r:embed="rId6" cstate="print">
             <a:extLst>
               <a:ext uri="{28A0092B-C50C-407E-A947-70E740481C1C}">
                 <a14:useLocalDpi xmlns:a14="http://schemas.microsoft.com/office/drawing/2010/main" val="0"/>
@@ -31656,24 +33965,64 @@
         </p:blipFill>
         <p:spPr>
           <a:xfrm>
-            <a:off x="6476552" y="5412943"/>
-            <a:ext cx="552038" cy="500333"/>
+            <a:off x="9719937" y="5525348"/>
+            <a:ext cx="473633" cy="387928"/>
           </a:xfrm>
           <a:prstGeom prst="rect">
             <a:avLst/>
           </a:prstGeom>
         </p:spPr>
       </p:pic>
+      <p:sp>
+        <p:nvSpPr>
+          <p:cNvPr id="55" name="Rectangle 54"/>
+          <p:cNvSpPr/>
+          <p:nvPr/>
+        </p:nvSpPr>
+        <p:spPr>
+          <a:xfrm>
+            <a:off x="7592927" y="4444827"/>
+            <a:ext cx="2251326" cy="523220"/>
+          </a:xfrm>
+          <a:prstGeom prst="rect">
+            <a:avLst/>
+          </a:prstGeom>
+        </p:spPr>
+        <p:txBody>
+          <a:bodyPr wrap="square">
+            <a:spAutoFit/>
+          </a:bodyPr>
+          <a:lstStyle/>
+          <a:p>
+            <a:r>
+              <a:rPr lang="fr-FR" sz="2800" b="1" cap="all" dirty="0" smtClean="0">
+                <a:solidFill>
+                  <a:srgbClr val="224A90"/>
+                </a:solidFill>
+                <a:latin typeface="Roboto"/>
+              </a:rPr>
+              <a:t>SDKMAN</a:t>
+            </a:r>
+            <a:endParaRPr lang="fr-FR" sz="2800" b="1" i="0" cap="all" dirty="0">
+              <a:solidFill>
+                <a:srgbClr val="224A90"/>
+              </a:solidFill>
+              <a:effectLst/>
+              <a:latin typeface="var( --e-global-typography-primary-font-family )"/>
+            </a:endParaRPr>
+          </a:p>
+        </p:txBody>
+      </p:sp>
       <p:pic>
         <p:nvPicPr>
-          <p:cNvPr id="5" name="Image 4"/>
+          <p:cNvPr id="6" name="Image 5"/>
           <p:cNvPicPr>
             <a:picLocks noChangeAspect="1"/>
           </p:cNvPicPr>
           <p:nvPr/>
         </p:nvPicPr>
         <p:blipFill>
-          <a:blip r:embed="rId7" cstate="print">
+          <a:blip r:embed="rId7">
             <a:extLst>
               <a:ext uri="{28A0092B-C50C-407E-A947-70E740481C1C}">
                 <a14:useLocalDpi xmlns:a14="http://schemas.microsoft.com/office/drawing/2010/main" val="0"/>
@@ -31686,8 +34035,38 @@
         </p:blipFill>
         <p:spPr>
           <a:xfrm>
-            <a:off x="6634237" y="4538269"/>
-            <a:ext cx="473633" cy="387928"/>
+            <a:off x="6561010" y="4484996"/>
+            <a:ext cx="495369" cy="514422"/>
+          </a:xfrm>
+          <a:prstGeom prst="rect">
+            <a:avLst/>
+          </a:prstGeom>
+        </p:spPr>
+      </p:pic>
+      <p:pic>
+        <p:nvPicPr>
+          <p:cNvPr id="7" name="Image 6"/>
+          <p:cNvPicPr>
+            <a:picLocks noChangeAspect="1"/>
+          </p:cNvPicPr>
+          <p:nvPr/>
+        </p:nvPicPr>
+        <p:blipFill>
+          <a:blip r:embed="rId8">
+            <a:extLst>
+              <a:ext uri="{28A0092B-C50C-407E-A947-70E740481C1C}">
+                <a14:useLocalDpi xmlns:a14="http://schemas.microsoft.com/office/drawing/2010/main" val="0"/>
+              </a:ext>
+            </a:extLst>
+          </a:blip>
+          <a:stretch>
+            <a:fillRect/>
+          </a:stretch>
+        </p:blipFill>
+        <p:spPr>
+          <a:xfrm>
+            <a:off x="6561010" y="3578638"/>
+            <a:ext cx="527495" cy="461669"/>
           </a:xfrm>
           <a:prstGeom prst="rect">
             <a:avLst/>
@@ -31757,14 +34136,370 @@
       </p:sp>
       <p:sp>
         <p:nvSpPr>
-          <p:cNvPr id="4" name="Rectangle 3"/>
+          <p:cNvPr id="3" name="TextBox 7">
+            <a:extLst>
+              <a:ext uri="{FF2B5EF4-FFF2-40B4-BE49-F238E27FC236}">
+                <a16:creationId xmlns:a16="http://schemas.microsoft.com/office/drawing/2014/main" xmlns="" id="{5CF5BDA4-10C7-46A6-AC30-523A3FC438AC}"/>
+              </a:ext>
+            </a:extLst>
+          </p:cNvPr>
+          <p:cNvSpPr txBox="1"/>
+          <p:nvPr/>
+        </p:nvSpPr>
+        <p:spPr>
+          <a:xfrm>
+            <a:off x="1935446" y="805958"/>
+            <a:ext cx="7726865" cy="830997"/>
+          </a:xfrm>
+          <a:prstGeom prst="rect">
+            <a:avLst/>
+          </a:prstGeom>
+          <a:noFill/>
+        </p:spPr>
+        <p:txBody>
+          <a:bodyPr wrap="square" rtlCol="0" anchor="ctr">
+            <a:spAutoFit/>
+          </a:bodyPr>
+          <a:lstStyle/>
+          <a:p>
+            <a:r>
+              <a:rPr lang="en-US" altLang="ko-KR" sz="4400" b="1" dirty="0" smtClean="0">
+                <a:solidFill>
+                  <a:schemeClr val="tx1">
+                    <a:lumMod val="85000"/>
+                    <a:lumOff val="15000"/>
+                  </a:schemeClr>
+                </a:solidFill>
+                <a:latin typeface="Candara" panose="020E0502030303020204" pitchFamily="34" charset="0"/>
+                <a:cs typeface="Arial" pitchFamily="34" charset="0"/>
+              </a:rPr>
+              <a:t>COMMENT</a:t>
+            </a:r>
+            <a:r>
+              <a:rPr lang="en-US" altLang="ko-KR" sz="4800" b="1" dirty="0" smtClean="0">
+                <a:solidFill>
+                  <a:schemeClr val="tx1">
+                    <a:lumMod val="85000"/>
+                    <a:lumOff val="15000"/>
+                  </a:schemeClr>
+                </a:solidFill>
+                <a:latin typeface="Candara" panose="020E0502030303020204" pitchFamily="34" charset="0"/>
+                <a:cs typeface="Arial" pitchFamily="34" charset="0"/>
+              </a:rPr>
+              <a:t> </a:t>
+            </a:r>
+            <a:r>
+              <a:rPr lang="en-US" altLang="ko-KR" sz="4400" b="1" dirty="0" smtClean="0">
+                <a:solidFill>
+                  <a:schemeClr val="tx1">
+                    <a:lumMod val="85000"/>
+                    <a:lumOff val="15000"/>
+                  </a:schemeClr>
+                </a:solidFill>
+                <a:latin typeface="Candara" panose="020E0502030303020204" pitchFamily="34" charset="0"/>
+                <a:cs typeface="Arial" pitchFamily="34" charset="0"/>
+              </a:rPr>
+              <a:t>INSTALLER</a:t>
+            </a:r>
+            <a:r>
+              <a:rPr lang="en-US" altLang="ko-KR" sz="4800" b="1" dirty="0" smtClean="0">
+                <a:solidFill>
+                  <a:schemeClr val="tx1">
+                    <a:lumMod val="85000"/>
+                    <a:lumOff val="15000"/>
+                  </a:schemeClr>
+                </a:solidFill>
+                <a:latin typeface="Candara" panose="020E0502030303020204" pitchFamily="34" charset="0"/>
+                <a:cs typeface="Arial" pitchFamily="34" charset="0"/>
+              </a:rPr>
+              <a:t> </a:t>
+            </a:r>
+            <a:r>
+              <a:rPr lang="en-US" altLang="ko-KR" sz="4400" b="1" dirty="0" smtClean="0">
+                <a:solidFill>
+                  <a:schemeClr val="tx1">
+                    <a:lumMod val="85000"/>
+                    <a:lumOff val="15000"/>
+                  </a:schemeClr>
+                </a:solidFill>
+                <a:latin typeface="Candara" panose="020E0502030303020204" pitchFamily="34" charset="0"/>
+                <a:cs typeface="Arial" pitchFamily="34" charset="0"/>
+              </a:rPr>
+              <a:t>SPRING</a:t>
+            </a:r>
+            <a:endParaRPr lang="ko-KR" altLang="en-US" sz="4800" b="1" dirty="0">
+              <a:solidFill>
+                <a:schemeClr val="tx1">
+                  <a:lumMod val="85000"/>
+                  <a:lumOff val="15000"/>
+                </a:schemeClr>
+              </a:solidFill>
+              <a:latin typeface="Candara" panose="020E0502030303020204" pitchFamily="34" charset="0"/>
+              <a:cs typeface="Arial" pitchFamily="34" charset="0"/>
+            </a:endParaRPr>
+          </a:p>
+        </p:txBody>
+      </p:sp>
+      <p:sp>
+        <p:nvSpPr>
+          <p:cNvPr id="20" name="TextBox 32">
+            <a:extLst>
+              <a:ext uri="{FF2B5EF4-FFF2-40B4-BE49-F238E27FC236}">
+                <a16:creationId xmlns:a16="http://schemas.microsoft.com/office/drawing/2014/main" xmlns="" id="{3D68DC4F-6C57-4033-AD85-E705874ADB27}"/>
+              </a:ext>
+            </a:extLst>
+          </p:cNvPr>
+          <p:cNvSpPr txBox="1"/>
+          <p:nvPr/>
+        </p:nvSpPr>
+        <p:spPr>
+          <a:xfrm>
+            <a:off x="1560639" y="2460966"/>
+            <a:ext cx="413485" cy="461665"/>
+          </a:xfrm>
+          <a:prstGeom prst="rect">
+            <a:avLst/>
+          </a:prstGeom>
+          <a:noFill/>
+        </p:spPr>
+        <p:txBody>
+          <a:bodyPr wrap="square" rtlCol="0">
+            <a:spAutoFit/>
+          </a:bodyPr>
+          <a:lstStyle/>
+          <a:p>
+            <a:pPr algn="ctr"/>
+            <a:r>
+              <a:rPr lang="en-US" altLang="ko-KR" sz="2400" b="1" dirty="0" smtClean="0">
+                <a:solidFill>
+                  <a:schemeClr val="tx1">
+                    <a:lumMod val="75000"/>
+                    <a:lumOff val="25000"/>
+                  </a:schemeClr>
+                </a:solidFill>
+                <a:latin typeface="Candara" panose="020E0502030303020204" pitchFamily="34" charset="0"/>
+                <a:cs typeface="Arial" pitchFamily="34" charset="0"/>
+              </a:rPr>
+              <a:t> </a:t>
+            </a:r>
+            <a:r>
+              <a:rPr lang="en-US" altLang="ko-KR" sz="2400" b="1" dirty="0" smtClean="0">
+                <a:solidFill>
+                  <a:schemeClr val="tx1">
+                    <a:lumMod val="75000"/>
+                    <a:lumOff val="25000"/>
+                  </a:schemeClr>
+                </a:solidFill>
+                <a:latin typeface="Candara" panose="020E0502030303020204" pitchFamily="34" charset="0"/>
+                <a:cs typeface="Arial" pitchFamily="34" charset="0"/>
+              </a:rPr>
+              <a:t>1</a:t>
+            </a:r>
+            <a:endParaRPr lang="ko-KR" altLang="en-US" sz="2400" b="1" dirty="0">
+              <a:solidFill>
+                <a:schemeClr val="tx1">
+                  <a:lumMod val="75000"/>
+                  <a:lumOff val="25000"/>
+                </a:schemeClr>
+              </a:solidFill>
+              <a:latin typeface="Candara" panose="020E0502030303020204" pitchFamily="34" charset="0"/>
+              <a:cs typeface="Arial" pitchFamily="34" charset="0"/>
+            </a:endParaRPr>
+          </a:p>
+        </p:txBody>
+      </p:sp>
+      <p:sp>
+        <p:nvSpPr>
+          <p:cNvPr id="7" name="TextBox 32">
+            <a:extLst>
+              <a:ext uri="{FF2B5EF4-FFF2-40B4-BE49-F238E27FC236}">
+                <a16:creationId xmlns:a16="http://schemas.microsoft.com/office/drawing/2014/main" xmlns="" id="{3D68DC4F-6C57-4033-AD85-E705874ADB27}"/>
+              </a:ext>
+            </a:extLst>
+          </p:cNvPr>
+          <p:cNvSpPr txBox="1"/>
+          <p:nvPr/>
+        </p:nvSpPr>
+        <p:spPr>
+          <a:xfrm>
+            <a:off x="2172058" y="2480117"/>
+            <a:ext cx="8178809" cy="400110"/>
+          </a:xfrm>
+          <a:prstGeom prst="rect">
+            <a:avLst/>
+          </a:prstGeom>
+          <a:noFill/>
+        </p:spPr>
+        <p:txBody>
+          <a:bodyPr wrap="square" rtlCol="0">
+            <a:spAutoFit/>
+          </a:bodyPr>
+          <a:lstStyle/>
+          <a:p>
+            <a:r>
+              <a:rPr lang="en-US" altLang="ko-KR" sz="2000" dirty="0" err="1" smtClean="0">
+                <a:solidFill>
+                  <a:schemeClr val="tx1">
+                    <a:lumMod val="75000"/>
+                    <a:lumOff val="25000"/>
+                  </a:schemeClr>
+                </a:solidFill>
+                <a:latin typeface="Candara" panose="020E0502030303020204" pitchFamily="34" charset="0"/>
+                <a:cs typeface="Arial" pitchFamily="34" charset="0"/>
+              </a:rPr>
+              <a:t>D’allé</a:t>
+            </a:r>
+            <a:r>
+              <a:rPr lang="en-US" altLang="ko-KR" sz="2000" dirty="0" smtClean="0">
+                <a:solidFill>
+                  <a:schemeClr val="tx1">
+                    <a:lumMod val="75000"/>
+                    <a:lumOff val="25000"/>
+                  </a:schemeClr>
+                </a:solidFill>
+                <a:latin typeface="Candara" panose="020E0502030303020204" pitchFamily="34" charset="0"/>
+                <a:cs typeface="Arial" pitchFamily="34" charset="0"/>
+              </a:rPr>
+              <a:t> </a:t>
+            </a:r>
+            <a:r>
+              <a:rPr lang="en-US" altLang="ko-KR" sz="2000" dirty="0" err="1" smtClean="0">
+                <a:solidFill>
+                  <a:schemeClr val="tx1">
+                    <a:lumMod val="75000"/>
+                    <a:lumOff val="25000"/>
+                  </a:schemeClr>
+                </a:solidFill>
+                <a:latin typeface="Candara" panose="020E0502030303020204" pitchFamily="34" charset="0"/>
+                <a:cs typeface="Arial" pitchFamily="34" charset="0"/>
+              </a:rPr>
+              <a:t>dans</a:t>
+            </a:r>
+            <a:r>
+              <a:rPr lang="en-US" altLang="ko-KR" sz="2000" dirty="0" smtClean="0">
+                <a:solidFill>
+                  <a:schemeClr val="tx1">
+                    <a:lumMod val="75000"/>
+                    <a:lumOff val="25000"/>
+                  </a:schemeClr>
+                </a:solidFill>
+                <a:latin typeface="Candara" panose="020E0502030303020204" pitchFamily="34" charset="0"/>
+                <a:cs typeface="Arial" pitchFamily="34" charset="0"/>
+              </a:rPr>
+              <a:t> un </a:t>
+            </a:r>
+            <a:r>
+              <a:rPr lang="en-US" altLang="ko-KR" sz="2000" dirty="0" err="1" smtClean="0">
+                <a:solidFill>
+                  <a:schemeClr val="tx1">
+                    <a:lumMod val="75000"/>
+                    <a:lumOff val="25000"/>
+                  </a:schemeClr>
+                </a:solidFill>
+                <a:latin typeface="Candara" panose="020E0502030303020204" pitchFamily="34" charset="0"/>
+                <a:cs typeface="Arial" pitchFamily="34" charset="0"/>
+              </a:rPr>
+              <a:t>navigateur</a:t>
+            </a:r>
+            <a:r>
+              <a:rPr lang="en-US" altLang="ko-KR" sz="2000" dirty="0" smtClean="0">
+                <a:solidFill>
+                  <a:schemeClr val="tx1">
+                    <a:lumMod val="75000"/>
+                    <a:lumOff val="25000"/>
+                  </a:schemeClr>
+                </a:solidFill>
+                <a:latin typeface="Candara" panose="020E0502030303020204" pitchFamily="34" charset="0"/>
+                <a:cs typeface="Arial" pitchFamily="34" charset="0"/>
+              </a:rPr>
+              <a:t> et </a:t>
+            </a:r>
+            <a:r>
+              <a:rPr lang="en-US" altLang="ko-KR" sz="2000" dirty="0" err="1" smtClean="0">
+                <a:solidFill>
+                  <a:schemeClr val="tx1">
+                    <a:lumMod val="75000"/>
+                    <a:lumOff val="25000"/>
+                  </a:schemeClr>
+                </a:solidFill>
+                <a:latin typeface="Candara" panose="020E0502030303020204" pitchFamily="34" charset="0"/>
+                <a:cs typeface="Arial" pitchFamily="34" charset="0"/>
+              </a:rPr>
+              <a:t>entré</a:t>
+            </a:r>
+            <a:r>
+              <a:rPr lang="en-US" altLang="ko-KR" sz="2000" dirty="0" smtClean="0">
+                <a:solidFill>
+                  <a:schemeClr val="tx1">
+                    <a:lumMod val="75000"/>
+                    <a:lumOff val="25000"/>
+                  </a:schemeClr>
+                </a:solidFill>
+                <a:latin typeface="Candara" panose="020E0502030303020204" pitchFamily="34" charset="0"/>
+                <a:cs typeface="Arial" pitchFamily="34" charset="0"/>
+              </a:rPr>
+              <a:t> le lien : </a:t>
+            </a:r>
+            <a:r>
+              <a:rPr lang="en-US" altLang="ko-KR" sz="2000" b="1" dirty="0" smtClean="0">
+                <a:solidFill>
+                  <a:schemeClr val="tx1">
+                    <a:lumMod val="75000"/>
+                    <a:lumOff val="25000"/>
+                  </a:schemeClr>
+                </a:solidFill>
+                <a:latin typeface="Candara" panose="020E0502030303020204" pitchFamily="34" charset="0"/>
+                <a:cs typeface="Arial" pitchFamily="34" charset="0"/>
+              </a:rPr>
+              <a:t>download spring boot CLI  </a:t>
+            </a:r>
+            <a:endParaRPr lang="ko-KR" altLang="en-US" sz="2000" b="1" dirty="0">
+              <a:solidFill>
+                <a:schemeClr val="tx1">
+                  <a:lumMod val="75000"/>
+                  <a:lumOff val="25000"/>
+                </a:schemeClr>
+              </a:solidFill>
+              <a:latin typeface="Candara" panose="020E0502030303020204" pitchFamily="34" charset="0"/>
+              <a:cs typeface="Arial" pitchFamily="34" charset="0"/>
+            </a:endParaRPr>
+          </a:p>
+        </p:txBody>
+      </p:sp>
+      <p:pic>
+        <p:nvPicPr>
+          <p:cNvPr id="4" name="Image 3"/>
+          <p:cNvPicPr>
+            <a:picLocks noChangeAspect="1"/>
+          </p:cNvPicPr>
+          <p:nvPr/>
+        </p:nvPicPr>
+        <p:blipFill>
+          <a:blip r:embed="rId2"/>
+          <a:stretch>
+            <a:fillRect/>
+          </a:stretch>
+        </p:blipFill>
+        <p:spPr>
+          <a:xfrm>
+            <a:off x="10095978" y="665564"/>
+            <a:ext cx="1733792" cy="847843"/>
+          </a:xfrm>
+          <a:prstGeom prst="rect">
+            <a:avLst/>
+          </a:prstGeom>
+        </p:spPr>
+      </p:pic>
+      <p:sp>
+        <p:nvSpPr>
+          <p:cNvPr id="5" name="Rectangle 4"/>
           <p:cNvSpPr/>
           <p:nvPr/>
         </p:nvSpPr>
         <p:spPr>
           <a:xfrm>
-            <a:off x="2398348" y="618385"/>
-            <a:ext cx="8824823" cy="4154984"/>
+            <a:off x="2172058" y="3186574"/>
+            <a:ext cx="2589128" cy="369332"/>
           </a:xfrm>
           <a:prstGeom prst="rect">
             <a:avLst/>
@@ -31777,16 +34512,811 @@
           <a:lstStyle/>
           <a:p>
             <a:r>
-              <a:rPr lang="en-US" sz="6600" dirty="0"/>
-              <a:t>https://objis.com/votre-premiere-application-spring-avec-spring-boot/</a:t>
-            </a:r>
+              <a:rPr lang="en-US" altLang="ko-KR" b="1" dirty="0" err="1" smtClean="0">
+                <a:solidFill>
+                  <a:schemeClr val="tx1">
+                    <a:lumMod val="75000"/>
+                    <a:lumOff val="25000"/>
+                  </a:schemeClr>
+                </a:solidFill>
+                <a:latin typeface="Candara" panose="020E0502030303020204" pitchFamily="34" charset="0"/>
+                <a:cs typeface="Arial" pitchFamily="34" charset="0"/>
+              </a:rPr>
+              <a:t>télèchager</a:t>
+            </a:r>
+            <a:r>
+              <a:rPr lang="en-US" altLang="ko-KR" b="1" dirty="0" smtClean="0">
+                <a:solidFill>
+                  <a:schemeClr val="tx1">
+                    <a:lumMod val="75000"/>
+                    <a:lumOff val="25000"/>
+                  </a:schemeClr>
+                </a:solidFill>
+                <a:latin typeface="Candara" panose="020E0502030303020204" pitchFamily="34" charset="0"/>
+                <a:cs typeface="Arial" pitchFamily="34" charset="0"/>
+              </a:rPr>
+              <a:t> </a:t>
+            </a:r>
+            <a:r>
+              <a:rPr lang="en-US" altLang="ko-KR" b="1" dirty="0">
+                <a:solidFill>
+                  <a:schemeClr val="tx1">
+                    <a:lumMod val="75000"/>
+                    <a:lumOff val="25000"/>
+                  </a:schemeClr>
+                </a:solidFill>
+                <a:latin typeface="Candara" panose="020E0502030303020204" pitchFamily="34" charset="0"/>
+                <a:cs typeface="Arial" pitchFamily="34" charset="0"/>
+              </a:rPr>
+              <a:t>le </a:t>
+            </a:r>
+            <a:r>
+              <a:rPr lang="en-US" altLang="ko-KR" b="1" dirty="0" err="1">
+                <a:solidFill>
+                  <a:schemeClr val="tx1">
+                    <a:lumMod val="75000"/>
+                    <a:lumOff val="25000"/>
+                  </a:schemeClr>
+                </a:solidFill>
+                <a:latin typeface="Candara" panose="020E0502030303020204" pitchFamily="34" charset="0"/>
+                <a:cs typeface="Arial" pitchFamily="34" charset="0"/>
+              </a:rPr>
+              <a:t>fichier</a:t>
+            </a:r>
+            <a:r>
+              <a:rPr lang="en-US" altLang="ko-KR" b="1" dirty="0">
+                <a:solidFill>
+                  <a:schemeClr val="tx1">
+                    <a:lumMod val="75000"/>
+                    <a:lumOff val="25000"/>
+                  </a:schemeClr>
+                </a:solidFill>
+                <a:latin typeface="Candara" panose="020E0502030303020204" pitchFamily="34" charset="0"/>
+                <a:cs typeface="Arial" pitchFamily="34" charset="0"/>
+              </a:rPr>
+              <a:t> </a:t>
+            </a:r>
+            <a:r>
+              <a:rPr lang="en-US" altLang="ko-KR" b="1" dirty="0" smtClean="0">
+                <a:solidFill>
+                  <a:schemeClr val="tx1">
+                    <a:lumMod val="75000"/>
+                    <a:lumOff val="25000"/>
+                  </a:schemeClr>
+                </a:solidFill>
+                <a:latin typeface="Candara" panose="020E0502030303020204" pitchFamily="34" charset="0"/>
+                <a:cs typeface="Arial" pitchFamily="34" charset="0"/>
+              </a:rPr>
+              <a:t>zip</a:t>
+            </a:r>
+            <a:endParaRPr lang="en-US" altLang="ko-KR" b="1" dirty="0">
+              <a:solidFill>
+                <a:schemeClr val="tx1">
+                  <a:lumMod val="75000"/>
+                  <a:lumOff val="25000"/>
+                </a:schemeClr>
+              </a:solidFill>
+              <a:latin typeface="Candara" panose="020E0502030303020204" pitchFamily="34" charset="0"/>
+              <a:cs typeface="Arial" pitchFamily="34" charset="0"/>
+            </a:endParaRPr>
+          </a:p>
+        </p:txBody>
+      </p:sp>
+      <p:sp>
+        <p:nvSpPr>
+          <p:cNvPr id="10" name="Rectangle 9"/>
+          <p:cNvSpPr/>
+          <p:nvPr/>
+        </p:nvSpPr>
+        <p:spPr>
+          <a:xfrm>
+            <a:off x="2172058" y="3821298"/>
+            <a:ext cx="1702710" cy="369332"/>
+          </a:xfrm>
+          <a:prstGeom prst="rect">
+            <a:avLst/>
+          </a:prstGeom>
+        </p:spPr>
+        <p:txBody>
+          <a:bodyPr wrap="square">
+            <a:spAutoFit/>
+          </a:bodyPr>
+          <a:lstStyle/>
+          <a:p>
+            <a:r>
+              <a:rPr lang="en-US" altLang="ko-KR" b="1" dirty="0" err="1">
+                <a:solidFill>
+                  <a:schemeClr val="tx1">
+                    <a:lumMod val="75000"/>
+                    <a:lumOff val="25000"/>
+                  </a:schemeClr>
+                </a:solidFill>
+                <a:latin typeface="Candara" panose="020E0502030303020204" pitchFamily="34" charset="0"/>
+                <a:cs typeface="Arial" pitchFamily="34" charset="0"/>
+              </a:rPr>
+              <a:t>extait</a:t>
+            </a:r>
+            <a:r>
+              <a:rPr lang="en-US" altLang="ko-KR" b="1" dirty="0">
+                <a:solidFill>
+                  <a:schemeClr val="tx1">
+                    <a:lumMod val="75000"/>
+                    <a:lumOff val="25000"/>
+                  </a:schemeClr>
+                </a:solidFill>
+                <a:latin typeface="Candara" panose="020E0502030303020204" pitchFamily="34" charset="0"/>
+                <a:cs typeface="Arial" pitchFamily="34" charset="0"/>
+              </a:rPr>
+              <a:t> le </a:t>
+            </a:r>
+            <a:r>
+              <a:rPr lang="en-US" altLang="ko-KR" b="1" dirty="0" err="1" smtClean="0">
+                <a:solidFill>
+                  <a:schemeClr val="tx1">
+                    <a:lumMod val="75000"/>
+                    <a:lumOff val="25000"/>
+                  </a:schemeClr>
+                </a:solidFill>
+                <a:latin typeface="Candara" panose="020E0502030303020204" pitchFamily="34" charset="0"/>
+                <a:cs typeface="Arial" pitchFamily="34" charset="0"/>
+              </a:rPr>
+              <a:t>dosier</a:t>
+            </a:r>
+            <a:endParaRPr lang="en-US" altLang="ko-KR" b="1" dirty="0">
+              <a:solidFill>
+                <a:schemeClr val="tx1">
+                  <a:lumMod val="75000"/>
+                  <a:lumOff val="25000"/>
+                </a:schemeClr>
+              </a:solidFill>
+              <a:latin typeface="Candara" panose="020E0502030303020204" pitchFamily="34" charset="0"/>
+              <a:cs typeface="Arial" pitchFamily="34" charset="0"/>
+            </a:endParaRPr>
+          </a:p>
+        </p:txBody>
+      </p:sp>
+      <p:sp>
+        <p:nvSpPr>
+          <p:cNvPr id="11" name="Rectangle 10"/>
+          <p:cNvSpPr/>
+          <p:nvPr/>
+        </p:nvSpPr>
+        <p:spPr>
+          <a:xfrm>
+            <a:off x="2172058" y="4310784"/>
+            <a:ext cx="6096000" cy="369332"/>
+          </a:xfrm>
+          <a:prstGeom prst="rect">
+            <a:avLst/>
+          </a:prstGeom>
+        </p:spPr>
+        <p:txBody>
+          <a:bodyPr>
+            <a:spAutoFit/>
+          </a:bodyPr>
+          <a:lstStyle/>
+          <a:p>
+            <a:r>
+              <a:rPr lang="en-US" altLang="ko-KR" dirty="0" err="1">
+                <a:solidFill>
+                  <a:schemeClr val="tx1">
+                    <a:lumMod val="75000"/>
+                    <a:lumOff val="25000"/>
+                  </a:schemeClr>
+                </a:solidFill>
+                <a:latin typeface="Candara" panose="020E0502030303020204" pitchFamily="34" charset="0"/>
+                <a:cs typeface="Arial" pitchFamily="34" charset="0"/>
+              </a:rPr>
+              <a:t>mettre</a:t>
+            </a:r>
+            <a:r>
+              <a:rPr lang="en-US" altLang="ko-KR" dirty="0">
+                <a:solidFill>
+                  <a:schemeClr val="tx1">
+                    <a:lumMod val="75000"/>
+                    <a:lumOff val="25000"/>
+                  </a:schemeClr>
+                </a:solidFill>
+                <a:latin typeface="Candara" panose="020E0502030303020204" pitchFamily="34" charset="0"/>
+                <a:cs typeface="Arial" pitchFamily="34" charset="0"/>
+              </a:rPr>
+              <a:t> le </a:t>
+            </a:r>
+            <a:r>
+              <a:rPr lang="en-US" altLang="ko-KR" dirty="0" err="1">
+                <a:solidFill>
+                  <a:schemeClr val="tx1">
+                    <a:lumMod val="75000"/>
+                    <a:lumOff val="25000"/>
+                  </a:schemeClr>
+                </a:solidFill>
+                <a:latin typeface="Candara" panose="020E0502030303020204" pitchFamily="34" charset="0"/>
+                <a:cs typeface="Arial" pitchFamily="34" charset="0"/>
+              </a:rPr>
+              <a:t>chemin</a:t>
+            </a:r>
+            <a:r>
+              <a:rPr lang="en-US" altLang="ko-KR" dirty="0">
+                <a:solidFill>
+                  <a:schemeClr val="tx1">
+                    <a:lumMod val="75000"/>
+                    <a:lumOff val="25000"/>
+                  </a:schemeClr>
+                </a:solidFill>
+                <a:latin typeface="Candara" panose="020E0502030303020204" pitchFamily="34" charset="0"/>
+                <a:cs typeface="Arial" pitchFamily="34" charset="0"/>
+              </a:rPr>
+              <a:t> </a:t>
+            </a:r>
+            <a:r>
+              <a:rPr lang="en-US" altLang="ko-KR" dirty="0" err="1">
+                <a:solidFill>
+                  <a:schemeClr val="tx1">
+                    <a:lumMod val="75000"/>
+                    <a:lumOff val="25000"/>
+                  </a:schemeClr>
+                </a:solidFill>
+                <a:latin typeface="Candara" panose="020E0502030303020204" pitchFamily="34" charset="0"/>
+                <a:cs typeface="Arial" pitchFamily="34" charset="0"/>
+              </a:rPr>
+              <a:t>d’acer</a:t>
+            </a:r>
+            <a:r>
+              <a:rPr lang="en-US" altLang="ko-KR" dirty="0">
+                <a:solidFill>
+                  <a:schemeClr val="tx1">
+                    <a:lumMod val="75000"/>
+                    <a:lumOff val="25000"/>
+                  </a:schemeClr>
+                </a:solidFill>
+                <a:latin typeface="Candara" panose="020E0502030303020204" pitchFamily="34" charset="0"/>
+                <a:cs typeface="Arial" pitchFamily="34" charset="0"/>
+              </a:rPr>
+              <a:t> </a:t>
+            </a:r>
+            <a:r>
+              <a:rPr lang="en-US" altLang="ko-KR" dirty="0" err="1">
+                <a:solidFill>
+                  <a:schemeClr val="tx1">
+                    <a:lumMod val="75000"/>
+                    <a:lumOff val="25000"/>
+                  </a:schemeClr>
+                </a:solidFill>
+                <a:latin typeface="Candara" panose="020E0502030303020204" pitchFamily="34" charset="0"/>
+                <a:cs typeface="Arial" pitchFamily="34" charset="0"/>
+              </a:rPr>
+              <a:t>dans</a:t>
+            </a:r>
+            <a:r>
+              <a:rPr lang="en-US" altLang="ko-KR" dirty="0">
+                <a:solidFill>
+                  <a:schemeClr val="tx1">
+                    <a:lumMod val="75000"/>
+                    <a:lumOff val="25000"/>
+                  </a:schemeClr>
+                </a:solidFill>
+                <a:latin typeface="Candara" panose="020E0502030303020204" pitchFamily="34" charset="0"/>
+                <a:cs typeface="Arial" pitchFamily="34" charset="0"/>
+              </a:rPr>
+              <a:t> </a:t>
+            </a:r>
+            <a:r>
+              <a:rPr lang="en-US" altLang="ko-KR" b="1" dirty="0">
+                <a:solidFill>
+                  <a:schemeClr val="tx1">
+                    <a:lumMod val="75000"/>
+                    <a:lumOff val="25000"/>
+                  </a:schemeClr>
+                </a:solidFill>
+                <a:latin typeface="Candara" panose="020E0502030303020204" pitchFamily="34" charset="0"/>
+                <a:cs typeface="Arial" pitchFamily="34" charset="0"/>
+              </a:rPr>
+              <a:t>les variable </a:t>
+            </a:r>
+            <a:r>
+              <a:rPr lang="en-US" altLang="ko-KR" b="1" dirty="0" err="1" smtClean="0">
+                <a:solidFill>
+                  <a:schemeClr val="tx1">
+                    <a:lumMod val="75000"/>
+                    <a:lumOff val="25000"/>
+                  </a:schemeClr>
+                </a:solidFill>
+                <a:latin typeface="Candara" panose="020E0502030303020204" pitchFamily="34" charset="0"/>
+                <a:cs typeface="Arial" pitchFamily="34" charset="0"/>
+              </a:rPr>
+              <a:t>d’envirronnement</a:t>
+            </a:r>
+            <a:r>
+              <a:rPr lang="en-US" altLang="ko-KR" dirty="0" smtClean="0">
+                <a:solidFill>
+                  <a:schemeClr val="tx1">
+                    <a:lumMod val="75000"/>
+                    <a:lumOff val="25000"/>
+                  </a:schemeClr>
+                </a:solidFill>
+                <a:latin typeface="Candara" panose="020E0502030303020204" pitchFamily="34" charset="0"/>
+                <a:cs typeface="Arial" pitchFamily="34" charset="0"/>
+              </a:rPr>
+              <a:t> </a:t>
+            </a:r>
+            <a:endParaRPr lang="en-US" altLang="ko-KR" dirty="0">
+              <a:solidFill>
+                <a:schemeClr val="tx1">
+                  <a:lumMod val="75000"/>
+                  <a:lumOff val="25000"/>
+                </a:schemeClr>
+              </a:solidFill>
+              <a:latin typeface="Candara" panose="020E0502030303020204" pitchFamily="34" charset="0"/>
+              <a:cs typeface="Arial" pitchFamily="34" charset="0"/>
+            </a:endParaRPr>
+          </a:p>
+        </p:txBody>
+      </p:sp>
+      <p:sp>
+        <p:nvSpPr>
+          <p:cNvPr id="12" name="Rectangle 11"/>
+          <p:cNvSpPr/>
+          <p:nvPr/>
+        </p:nvSpPr>
+        <p:spPr>
+          <a:xfrm>
+            <a:off x="2172058" y="4877469"/>
+            <a:ext cx="7592052" cy="646331"/>
+          </a:xfrm>
+          <a:prstGeom prst="rect">
+            <a:avLst/>
+          </a:prstGeom>
+        </p:spPr>
+        <p:txBody>
+          <a:bodyPr wrap="square">
+            <a:spAutoFit/>
+          </a:bodyPr>
+          <a:lstStyle/>
+          <a:p>
+            <a:r>
+              <a:rPr lang="en-US" altLang="ko-KR" dirty="0" err="1" smtClean="0">
+                <a:solidFill>
+                  <a:schemeClr val="tx1">
+                    <a:lumMod val="75000"/>
+                    <a:lumOff val="25000"/>
+                  </a:schemeClr>
+                </a:solidFill>
+                <a:latin typeface="Candara" panose="020E0502030303020204" pitchFamily="34" charset="0"/>
+                <a:cs typeface="Arial" pitchFamily="34" charset="0"/>
+              </a:rPr>
+              <a:t>Ouvrir</a:t>
+            </a:r>
+            <a:r>
+              <a:rPr lang="en-US" altLang="ko-KR" dirty="0" smtClean="0">
+                <a:solidFill>
+                  <a:schemeClr val="tx1">
+                    <a:lumMod val="75000"/>
+                    <a:lumOff val="25000"/>
+                  </a:schemeClr>
+                </a:solidFill>
+                <a:latin typeface="Candara" panose="020E0502030303020204" pitchFamily="34" charset="0"/>
+                <a:cs typeface="Arial" pitchFamily="34" charset="0"/>
+              </a:rPr>
+              <a:t> </a:t>
+            </a:r>
+            <a:r>
+              <a:rPr lang="en-US" altLang="ko-KR" dirty="0">
+                <a:solidFill>
+                  <a:schemeClr val="tx1">
+                    <a:lumMod val="75000"/>
+                    <a:lumOff val="25000"/>
+                  </a:schemeClr>
+                </a:solidFill>
+                <a:latin typeface="Candara" panose="020E0502030303020204" pitchFamily="34" charset="0"/>
+                <a:cs typeface="Arial" pitchFamily="34" charset="0"/>
+              </a:rPr>
+              <a:t>invite de </a:t>
+            </a:r>
+            <a:r>
+              <a:rPr lang="en-US" altLang="ko-KR" dirty="0" err="1">
+                <a:solidFill>
+                  <a:schemeClr val="tx1">
+                    <a:lumMod val="75000"/>
+                    <a:lumOff val="25000"/>
+                  </a:schemeClr>
+                </a:solidFill>
+                <a:latin typeface="Candara" panose="020E0502030303020204" pitchFamily="34" charset="0"/>
+                <a:cs typeface="Arial" pitchFamily="34" charset="0"/>
+              </a:rPr>
+              <a:t>commande</a:t>
+            </a:r>
+            <a:r>
+              <a:rPr lang="en-US" altLang="ko-KR" dirty="0">
+                <a:solidFill>
+                  <a:schemeClr val="tx1">
+                    <a:lumMod val="75000"/>
+                    <a:lumOff val="25000"/>
+                  </a:schemeClr>
+                </a:solidFill>
+                <a:latin typeface="Candara" panose="020E0502030303020204" pitchFamily="34" charset="0"/>
+                <a:cs typeface="Arial" pitchFamily="34" charset="0"/>
+              </a:rPr>
+              <a:t> et </a:t>
+            </a:r>
+            <a:r>
+              <a:rPr lang="en-US" altLang="ko-KR" dirty="0" err="1">
+                <a:solidFill>
+                  <a:schemeClr val="tx1">
+                    <a:lumMod val="75000"/>
+                    <a:lumOff val="25000"/>
+                  </a:schemeClr>
+                </a:solidFill>
+                <a:latin typeface="Candara" panose="020E0502030303020204" pitchFamily="34" charset="0"/>
+                <a:cs typeface="Arial" pitchFamily="34" charset="0"/>
+              </a:rPr>
+              <a:t>entré</a:t>
+            </a:r>
+            <a:r>
+              <a:rPr lang="en-US" altLang="ko-KR" dirty="0">
+                <a:solidFill>
+                  <a:schemeClr val="tx1">
+                    <a:lumMod val="75000"/>
+                    <a:lumOff val="25000"/>
+                  </a:schemeClr>
+                </a:solidFill>
+                <a:latin typeface="Candara" panose="020E0502030303020204" pitchFamily="34" charset="0"/>
+                <a:cs typeface="Arial" pitchFamily="34" charset="0"/>
+              </a:rPr>
+              <a:t> la </a:t>
+            </a:r>
+            <a:r>
+              <a:rPr lang="en-US" altLang="ko-KR" dirty="0" err="1">
+                <a:solidFill>
+                  <a:schemeClr val="tx1">
+                    <a:lumMod val="75000"/>
+                    <a:lumOff val="25000"/>
+                  </a:schemeClr>
+                </a:solidFill>
+                <a:latin typeface="Candara" panose="020E0502030303020204" pitchFamily="34" charset="0"/>
+                <a:cs typeface="Arial" pitchFamily="34" charset="0"/>
+              </a:rPr>
+              <a:t>commande</a:t>
+            </a:r>
+            <a:r>
+              <a:rPr lang="en-US" altLang="ko-KR" dirty="0">
+                <a:solidFill>
+                  <a:schemeClr val="tx1">
+                    <a:lumMod val="75000"/>
+                    <a:lumOff val="25000"/>
+                  </a:schemeClr>
+                </a:solidFill>
+                <a:latin typeface="Candara" panose="020E0502030303020204" pitchFamily="34" charset="0"/>
+                <a:cs typeface="Arial" pitchFamily="34" charset="0"/>
+              </a:rPr>
+              <a:t> </a:t>
+            </a:r>
+            <a:r>
+              <a:rPr lang="en-US" altLang="ko-KR" dirty="0" err="1">
+                <a:solidFill>
+                  <a:schemeClr val="tx1">
+                    <a:lumMod val="75000"/>
+                    <a:lumOff val="25000"/>
+                  </a:schemeClr>
+                </a:solidFill>
+                <a:latin typeface="Candara" panose="020E0502030303020204" pitchFamily="34" charset="0"/>
+                <a:cs typeface="Arial" pitchFamily="34" charset="0"/>
+              </a:rPr>
+              <a:t>suivant</a:t>
+            </a:r>
+            <a:r>
+              <a:rPr lang="en-US" altLang="ko-KR" dirty="0">
+                <a:solidFill>
+                  <a:schemeClr val="tx1">
+                    <a:lumMod val="75000"/>
+                    <a:lumOff val="25000"/>
+                  </a:schemeClr>
+                </a:solidFill>
+                <a:latin typeface="Candara" panose="020E0502030303020204" pitchFamily="34" charset="0"/>
+                <a:cs typeface="Arial" pitchFamily="34" charset="0"/>
+              </a:rPr>
+              <a:t> : </a:t>
+            </a:r>
+            <a:r>
+              <a:rPr lang="en-US" altLang="ko-KR" b="1" dirty="0">
+                <a:solidFill>
+                  <a:schemeClr val="tx1">
+                    <a:lumMod val="75000"/>
+                    <a:lumOff val="25000"/>
+                  </a:schemeClr>
+                </a:solidFill>
+                <a:latin typeface="Candara" panose="020E0502030303020204" pitchFamily="34" charset="0"/>
+                <a:cs typeface="Arial" pitchFamily="34" charset="0"/>
+              </a:rPr>
+              <a:t>spring --version</a:t>
+            </a:r>
+            <a:endParaRPr lang="ko-KR" altLang="en-US" b="1" dirty="0">
+              <a:solidFill>
+                <a:schemeClr val="tx1">
+                  <a:lumMod val="75000"/>
+                  <a:lumOff val="25000"/>
+                </a:schemeClr>
+              </a:solidFill>
+              <a:latin typeface="Candara" panose="020E0502030303020204" pitchFamily="34" charset="0"/>
+              <a:cs typeface="Arial" pitchFamily="34" charset="0"/>
+            </a:endParaRPr>
+          </a:p>
+          <a:p>
+            <a:endParaRPr lang="en-US" altLang="ko-KR" dirty="0">
+              <a:solidFill>
+                <a:schemeClr val="tx1">
+                  <a:lumMod val="75000"/>
+                  <a:lumOff val="25000"/>
+                </a:schemeClr>
+              </a:solidFill>
+              <a:latin typeface="Candara" panose="020E0502030303020204" pitchFamily="34" charset="0"/>
+              <a:cs typeface="Arial" pitchFamily="34" charset="0"/>
+            </a:endParaRPr>
+          </a:p>
+        </p:txBody>
+      </p:sp>
+      <p:sp>
+        <p:nvSpPr>
+          <p:cNvPr id="15" name="TextBox 32">
+            <a:extLst>
+              <a:ext uri="{FF2B5EF4-FFF2-40B4-BE49-F238E27FC236}">
+                <a16:creationId xmlns:a16="http://schemas.microsoft.com/office/drawing/2014/main" xmlns="" id="{3D68DC4F-6C57-4033-AD85-E705874ADB27}"/>
+              </a:ext>
+            </a:extLst>
+          </p:cNvPr>
+          <p:cNvSpPr txBox="1"/>
+          <p:nvPr/>
+        </p:nvSpPr>
+        <p:spPr>
+          <a:xfrm>
+            <a:off x="1560638" y="3152023"/>
+            <a:ext cx="413485" cy="461665"/>
+          </a:xfrm>
+          <a:prstGeom prst="rect">
+            <a:avLst/>
+          </a:prstGeom>
+          <a:noFill/>
+        </p:spPr>
+        <p:txBody>
+          <a:bodyPr wrap="square" rtlCol="0">
+            <a:spAutoFit/>
+          </a:bodyPr>
+          <a:lstStyle/>
+          <a:p>
+            <a:pPr algn="ctr"/>
+            <a:r>
+              <a:rPr lang="en-US" altLang="ko-KR" sz="2400" b="1" dirty="0" smtClean="0">
+                <a:solidFill>
+                  <a:schemeClr val="tx1">
+                    <a:lumMod val="75000"/>
+                    <a:lumOff val="25000"/>
+                  </a:schemeClr>
+                </a:solidFill>
+                <a:latin typeface="Candara" panose="020E0502030303020204" pitchFamily="34" charset="0"/>
+                <a:cs typeface="Arial" pitchFamily="34" charset="0"/>
+              </a:rPr>
+              <a:t> </a:t>
+            </a:r>
+            <a:r>
+              <a:rPr lang="en-US" altLang="ko-KR" sz="2400" b="1" dirty="0" smtClean="0">
+                <a:solidFill>
+                  <a:schemeClr val="tx1">
+                    <a:lumMod val="75000"/>
+                    <a:lumOff val="25000"/>
+                  </a:schemeClr>
+                </a:solidFill>
+                <a:latin typeface="Candara" panose="020E0502030303020204" pitchFamily="34" charset="0"/>
+                <a:cs typeface="Arial" pitchFamily="34" charset="0"/>
+              </a:rPr>
+              <a:t>2</a:t>
+            </a:r>
+            <a:endParaRPr lang="ko-KR" altLang="en-US" sz="2400" b="1" dirty="0">
+              <a:solidFill>
+                <a:schemeClr val="tx1">
+                  <a:lumMod val="75000"/>
+                  <a:lumOff val="25000"/>
+                </a:schemeClr>
+              </a:solidFill>
+              <a:latin typeface="Candara" panose="020E0502030303020204" pitchFamily="34" charset="0"/>
+              <a:cs typeface="Arial" pitchFamily="34" charset="0"/>
+            </a:endParaRPr>
+          </a:p>
+        </p:txBody>
+      </p:sp>
+      <p:sp>
+        <p:nvSpPr>
+          <p:cNvPr id="16" name="TextBox 32">
+            <a:extLst>
+              <a:ext uri="{FF2B5EF4-FFF2-40B4-BE49-F238E27FC236}">
+                <a16:creationId xmlns:a16="http://schemas.microsoft.com/office/drawing/2014/main" xmlns="" id="{3D68DC4F-6C57-4033-AD85-E705874ADB27}"/>
+              </a:ext>
+            </a:extLst>
+          </p:cNvPr>
+          <p:cNvSpPr txBox="1"/>
+          <p:nvPr/>
+        </p:nvSpPr>
+        <p:spPr>
+          <a:xfrm>
+            <a:off x="1560638" y="3720700"/>
+            <a:ext cx="413485" cy="461665"/>
+          </a:xfrm>
+          <a:prstGeom prst="rect">
+            <a:avLst/>
+          </a:prstGeom>
+          <a:noFill/>
+        </p:spPr>
+        <p:txBody>
+          <a:bodyPr wrap="square" rtlCol="0">
+            <a:spAutoFit/>
+          </a:bodyPr>
+          <a:lstStyle/>
+          <a:p>
+            <a:pPr algn="ctr"/>
+            <a:r>
+              <a:rPr lang="en-US" altLang="ko-KR" sz="2400" b="1" dirty="0" smtClean="0">
+                <a:solidFill>
+                  <a:schemeClr val="tx1">
+                    <a:lumMod val="75000"/>
+                    <a:lumOff val="25000"/>
+                  </a:schemeClr>
+                </a:solidFill>
+                <a:latin typeface="Candara" panose="020E0502030303020204" pitchFamily="34" charset="0"/>
+                <a:cs typeface="Arial" pitchFamily="34" charset="0"/>
+              </a:rPr>
+              <a:t> 3</a:t>
+            </a:r>
+            <a:endParaRPr lang="ko-KR" altLang="en-US" sz="2400" b="1" dirty="0">
+              <a:solidFill>
+                <a:schemeClr val="tx1">
+                  <a:lumMod val="75000"/>
+                  <a:lumOff val="25000"/>
+                </a:schemeClr>
+              </a:solidFill>
+              <a:latin typeface="Candara" panose="020E0502030303020204" pitchFamily="34" charset="0"/>
+              <a:cs typeface="Arial" pitchFamily="34" charset="0"/>
+            </a:endParaRPr>
+          </a:p>
+        </p:txBody>
+      </p:sp>
+      <p:sp>
+        <p:nvSpPr>
+          <p:cNvPr id="17" name="TextBox 32">
+            <a:extLst>
+              <a:ext uri="{FF2B5EF4-FFF2-40B4-BE49-F238E27FC236}">
+                <a16:creationId xmlns:a16="http://schemas.microsoft.com/office/drawing/2014/main" xmlns="" id="{3D68DC4F-6C57-4033-AD85-E705874ADB27}"/>
+              </a:ext>
+            </a:extLst>
+          </p:cNvPr>
+          <p:cNvSpPr txBox="1"/>
+          <p:nvPr/>
+        </p:nvSpPr>
+        <p:spPr>
+          <a:xfrm>
+            <a:off x="1560638" y="4252194"/>
+            <a:ext cx="413485" cy="461665"/>
+          </a:xfrm>
+          <a:prstGeom prst="rect">
+            <a:avLst/>
+          </a:prstGeom>
+          <a:noFill/>
+        </p:spPr>
+        <p:txBody>
+          <a:bodyPr wrap="square" rtlCol="0">
+            <a:spAutoFit/>
+          </a:bodyPr>
+          <a:lstStyle/>
+          <a:p>
+            <a:pPr algn="ctr"/>
+            <a:r>
+              <a:rPr lang="en-US" altLang="ko-KR" sz="2400" b="1" dirty="0" smtClean="0">
+                <a:solidFill>
+                  <a:schemeClr val="tx1">
+                    <a:lumMod val="75000"/>
+                    <a:lumOff val="25000"/>
+                  </a:schemeClr>
+                </a:solidFill>
+                <a:latin typeface="Candara" panose="020E0502030303020204" pitchFamily="34" charset="0"/>
+                <a:cs typeface="Arial" pitchFamily="34" charset="0"/>
+              </a:rPr>
+              <a:t> </a:t>
+            </a:r>
+            <a:r>
+              <a:rPr lang="en-US" altLang="ko-KR" sz="2400" b="1" dirty="0">
+                <a:solidFill>
+                  <a:schemeClr val="tx1">
+                    <a:lumMod val="75000"/>
+                    <a:lumOff val="25000"/>
+                  </a:schemeClr>
+                </a:solidFill>
+                <a:latin typeface="Candara" panose="020E0502030303020204" pitchFamily="34" charset="0"/>
+                <a:cs typeface="Arial" pitchFamily="34" charset="0"/>
+              </a:rPr>
+              <a:t>4</a:t>
+            </a:r>
+            <a:endParaRPr lang="ko-KR" altLang="en-US" sz="2400" b="1" dirty="0">
+              <a:solidFill>
+                <a:schemeClr val="tx1">
+                  <a:lumMod val="75000"/>
+                  <a:lumOff val="25000"/>
+                </a:schemeClr>
+              </a:solidFill>
+              <a:latin typeface="Candara" panose="020E0502030303020204" pitchFamily="34" charset="0"/>
+              <a:cs typeface="Arial" pitchFamily="34" charset="0"/>
+            </a:endParaRPr>
+          </a:p>
+        </p:txBody>
+      </p:sp>
+      <p:sp>
+        <p:nvSpPr>
+          <p:cNvPr id="18" name="TextBox 32">
+            <a:extLst>
+              <a:ext uri="{FF2B5EF4-FFF2-40B4-BE49-F238E27FC236}">
+                <a16:creationId xmlns:a16="http://schemas.microsoft.com/office/drawing/2014/main" xmlns="" id="{3D68DC4F-6C57-4033-AD85-E705874ADB27}"/>
+              </a:ext>
+            </a:extLst>
+          </p:cNvPr>
+          <p:cNvSpPr txBox="1"/>
+          <p:nvPr/>
+        </p:nvSpPr>
+        <p:spPr>
+          <a:xfrm>
+            <a:off x="1560637" y="4916361"/>
+            <a:ext cx="413485" cy="461665"/>
+          </a:xfrm>
+          <a:prstGeom prst="rect">
+            <a:avLst/>
+          </a:prstGeom>
+          <a:noFill/>
+        </p:spPr>
+        <p:txBody>
+          <a:bodyPr wrap="square" rtlCol="0">
+            <a:spAutoFit/>
+          </a:bodyPr>
+          <a:lstStyle/>
+          <a:p>
+            <a:pPr algn="ctr"/>
+            <a:r>
+              <a:rPr lang="en-US" altLang="ko-KR" sz="2400" b="1" dirty="0" smtClean="0">
+                <a:solidFill>
+                  <a:schemeClr val="tx1">
+                    <a:lumMod val="75000"/>
+                    <a:lumOff val="25000"/>
+                  </a:schemeClr>
+                </a:solidFill>
+                <a:latin typeface="Candara" panose="020E0502030303020204" pitchFamily="34" charset="0"/>
+                <a:cs typeface="Arial" pitchFamily="34" charset="0"/>
+              </a:rPr>
+              <a:t> </a:t>
+            </a:r>
+            <a:r>
+              <a:rPr lang="en-US" altLang="ko-KR" sz="2400" b="1" dirty="0">
+                <a:solidFill>
+                  <a:schemeClr val="tx1">
+                    <a:lumMod val="75000"/>
+                    <a:lumOff val="25000"/>
+                  </a:schemeClr>
+                </a:solidFill>
+                <a:latin typeface="Candara" panose="020E0502030303020204" pitchFamily="34" charset="0"/>
+                <a:cs typeface="Arial" pitchFamily="34" charset="0"/>
+              </a:rPr>
+              <a:t>5</a:t>
+            </a:r>
+            <a:endParaRPr lang="ko-KR" altLang="en-US" sz="2400" b="1" dirty="0">
+              <a:solidFill>
+                <a:schemeClr val="tx1">
+                  <a:lumMod val="75000"/>
+                  <a:lumOff val="25000"/>
+                </a:schemeClr>
+              </a:solidFill>
+              <a:latin typeface="Candara" panose="020E0502030303020204" pitchFamily="34" charset="0"/>
+              <a:cs typeface="Arial" pitchFamily="34" charset="0"/>
+            </a:endParaRPr>
           </a:p>
         </p:txBody>
       </p:sp>
     </p:spTree>
     <p:extLst>
       <p:ext uri="{BB962C8B-B14F-4D97-AF65-F5344CB8AC3E}">
-        <p14:creationId xmlns:p14="http://schemas.microsoft.com/office/powerpoint/2010/main" val="3943386361"/>
+        <p14:creationId xmlns:p14="http://schemas.microsoft.com/office/powerpoint/2010/main" val="676794445"/>
       </p:ext>
     </p:extLst>
   </p:cSld>
@@ -31815,12 +35345,54 @@
       </p:grpSpPr>
       <p:sp>
         <p:nvSpPr>
-          <p:cNvPr id="2" name="Espace réservé du numéro de diapositive 1"/>
+          <p:cNvPr id="2" name="Text Placeholder 1">
+            <a:extLst>
+              <a:ext uri="{FF2B5EF4-FFF2-40B4-BE49-F238E27FC236}">
+                <a16:creationId xmlns:a16="http://schemas.microsoft.com/office/drawing/2014/main" xmlns="" id="{D9B85F3A-0D98-4AE5-8CED-AA4A4CF82188}"/>
+              </a:ext>
+            </a:extLst>
+          </p:cNvPr>
           <p:cNvSpPr>
             <a:spLocks noGrp="1"/>
           </p:cNvSpPr>
           <p:nvPr>
-            <p:ph type="sldNum" sz="quarter" idx="10"/>
+            <p:ph type="body" sz="quarter" idx="10"/>
+          </p:nvPr>
+        </p:nvSpPr>
+        <p:spPr>
+          <a:xfrm>
+            <a:off x="1462743" y="712823"/>
+            <a:ext cx="8519457" cy="765779"/>
+          </a:xfrm>
+        </p:spPr>
+        <p:txBody>
+          <a:bodyPr/>
+          <a:lstStyle/>
+          <a:p>
+            <a:r>
+              <a:rPr lang="en-US" sz="4400" dirty="0" smtClean="0"/>
+              <a:t>Creation </a:t>
+            </a:r>
+            <a:r>
+              <a:rPr lang="en-US" sz="4400" dirty="0" err="1" smtClean="0"/>
+              <a:t>projet</a:t>
+            </a:r>
+            <a:r>
+              <a:rPr lang="en-US" sz="4400" dirty="0" smtClean="0"/>
+              <a:t> spring boot</a:t>
+            </a:r>
+            <a:endParaRPr lang="en-US" sz="4400" dirty="0"/>
+          </a:p>
+        </p:txBody>
+      </p:sp>
+      <p:sp>
+        <p:nvSpPr>
+          <p:cNvPr id="38" name="Espace réservé du numéro de diapositive 37"/>
+          <p:cNvSpPr>
+            <a:spLocks noGrp="1"/>
+          </p:cNvSpPr>
+          <p:nvPr>
+            <p:ph type="sldNum" sz="quarter" idx="11"/>
           </p:nvPr>
         </p:nvSpPr>
         <p:spPr/>
@@ -31839,10 +35411,10 @@
       </p:sp>
       <p:sp>
         <p:nvSpPr>
-          <p:cNvPr id="3" name="TextBox 7">
+          <p:cNvPr id="47" name="TextBox 18">
             <a:extLst>
               <a:ext uri="{FF2B5EF4-FFF2-40B4-BE49-F238E27FC236}">
-                <a16:creationId xmlns:a16="http://schemas.microsoft.com/office/drawing/2014/main" id="{5CF5BDA4-10C7-46A6-AC30-523A3FC438AC}"/>
+                <a16:creationId xmlns:a16="http://schemas.microsoft.com/office/drawing/2014/main" xmlns="" id="{2106AE42-381B-4181-99FF-C01ED1B820A7}"/>
               </a:ext>
             </a:extLst>
           </p:cNvPr>
@@ -31851,67 +35423,15 @@
         </p:nvSpPr>
         <p:spPr>
           <a:xfrm>
-            <a:off x="1127342" y="611788"/>
-            <a:ext cx="8968636" cy="830997"/>
-          </a:xfrm>
-          <a:prstGeom prst="rect">
-            <a:avLst/>
-          </a:prstGeom>
-          <a:noFill/>
-        </p:spPr>
-        <p:txBody>
-          <a:bodyPr wrap="square" rtlCol="0" anchor="ctr">
-            <a:spAutoFit/>
-          </a:bodyPr>
-          <a:lstStyle/>
-          <a:p>
-            <a:r>
-              <a:rPr lang="en-US" altLang="ko-KR" sz="4800" b="1" dirty="0" smtClean="0">
-                <a:solidFill>
-                  <a:schemeClr val="tx1">
-                    <a:lumMod val="85000"/>
-                    <a:lumOff val="15000"/>
-                  </a:schemeClr>
-                </a:solidFill>
-                <a:latin typeface="Candara" panose="020E0502030303020204" pitchFamily="34" charset="0"/>
-                <a:cs typeface="Arial" pitchFamily="34" charset="0"/>
-              </a:rPr>
-              <a:t>COMMENT INSTALLER SPRING</a:t>
-            </a:r>
-            <a:endParaRPr lang="ko-KR" altLang="en-US" sz="4800" b="1" dirty="0">
-              <a:solidFill>
-                <a:schemeClr val="tx1">
-                  <a:lumMod val="85000"/>
-                  <a:lumOff val="15000"/>
-                </a:schemeClr>
-              </a:solidFill>
-              <a:latin typeface="Candara" panose="020E0502030303020204" pitchFamily="34" charset="0"/>
-              <a:cs typeface="Arial" pitchFamily="34" charset="0"/>
-            </a:endParaRPr>
-          </a:p>
-        </p:txBody>
-      </p:sp>
-      <p:sp>
-        <p:nvSpPr>
-          <p:cNvPr id="8" name="TextBox 32">
-            <a:extLst>
-              <a:ext uri="{FF2B5EF4-FFF2-40B4-BE49-F238E27FC236}">
-                <a16:creationId xmlns:a16="http://schemas.microsoft.com/office/drawing/2014/main" id="{3D68DC4F-6C57-4033-AD85-E705874ADB27}"/>
-              </a:ext>
-            </a:extLst>
-          </p:cNvPr>
-          <p:cNvSpPr txBox="1"/>
-          <p:nvPr/>
-        </p:nvSpPr>
-        <p:spPr>
-          <a:xfrm>
-            <a:off x="2094136" y="1864159"/>
-            <a:ext cx="8001842" cy="307777"/>
-          </a:xfrm>
-          <a:prstGeom prst="rect">
-            <a:avLst/>
-          </a:prstGeom>
-          <a:noFill/>
+            <a:off x="1652455" y="6594908"/>
+            <a:ext cx="2911761" cy="276999"/>
+          </a:xfrm>
+          <a:prstGeom prst="rect">
+            <a:avLst/>
+          </a:prstGeom>
+          <a:solidFill>
+            <a:schemeClr val="bg1"/>
+          </a:solidFill>
         </p:spPr>
         <p:txBody>
           <a:bodyPr wrap="square" rtlCol="0">
@@ -31919,60 +35439,7 @@
           </a:bodyPr>
           <a:lstStyle/>
           <a:p>
-            <a:pPr algn="ctr"/>
-            <a:r>
-              <a:rPr lang="en-US" altLang="ko-KR" sz="1400" b="1" dirty="0" err="1" smtClean="0">
-                <a:solidFill>
-                  <a:schemeClr val="tx1">
-                    <a:lumMod val="75000"/>
-                    <a:lumOff val="25000"/>
-                  </a:schemeClr>
-                </a:solidFill>
-                <a:latin typeface="Candara" panose="020E0502030303020204" pitchFamily="34" charset="0"/>
-                <a:cs typeface="Arial" pitchFamily="34" charset="0"/>
-              </a:rPr>
-              <a:t>Aller</a:t>
-            </a:r>
-            <a:r>
-              <a:rPr lang="en-US" altLang="ko-KR" sz="1400" b="1" dirty="0" smtClean="0">
-                <a:solidFill>
-                  <a:schemeClr val="tx1">
-                    <a:lumMod val="75000"/>
-                    <a:lumOff val="25000"/>
-                  </a:schemeClr>
-                </a:solidFill>
-                <a:latin typeface="Candara" panose="020E0502030303020204" pitchFamily="34" charset="0"/>
-                <a:cs typeface="Arial" pitchFamily="34" charset="0"/>
-              </a:rPr>
-              <a:t> sur le lien (Spring </a:t>
-            </a:r>
-            <a:r>
-              <a:rPr lang="en-US" altLang="ko-KR" sz="1400" b="1" dirty="0" err="1" smtClean="0">
-                <a:solidFill>
-                  <a:schemeClr val="tx1">
-                    <a:lumMod val="75000"/>
-                    <a:lumOff val="25000"/>
-                  </a:schemeClr>
-                </a:solidFill>
-                <a:latin typeface="Candara" panose="020E0502030303020204" pitchFamily="34" charset="0"/>
-                <a:cs typeface="Arial" pitchFamily="34" charset="0"/>
-              </a:rPr>
-              <a:t>Initialzr</a:t>
-            </a:r>
-            <a:r>
-              <a:rPr lang="en-US" altLang="ko-KR" sz="1400" b="1" dirty="0" smtClean="0">
-                <a:solidFill>
-                  <a:schemeClr val="tx1">
-                    <a:lumMod val="75000"/>
-                    <a:lumOff val="25000"/>
-                  </a:schemeClr>
-                </a:solidFill>
-                <a:latin typeface="Candara" panose="020E0502030303020204" pitchFamily="34" charset="0"/>
-                <a:cs typeface="Arial" pitchFamily="34" charset="0"/>
-              </a:rPr>
-              <a:t>) et </a:t>
-            </a:r>
-            <a:endParaRPr lang="ko-KR" altLang="en-US" sz="1400" b="1" dirty="0">
+            <a:endParaRPr lang="en-US" altLang="ko-KR" sz="1200" dirty="0">
               <a:solidFill>
                 <a:schemeClr val="tx1">
                   <a:lumMod val="75000"/>
@@ -31987,10 +35454,10 @@
       </p:sp>
       <p:sp>
         <p:nvSpPr>
-          <p:cNvPr id="20" name="TextBox 32">
+          <p:cNvPr id="48" name="TextBox 18">
             <a:extLst>
               <a:ext uri="{FF2B5EF4-FFF2-40B4-BE49-F238E27FC236}">
-                <a16:creationId xmlns:a16="http://schemas.microsoft.com/office/drawing/2014/main" id="{3D68DC4F-6C57-4033-AD85-E705874ADB27}"/>
+                <a16:creationId xmlns:a16="http://schemas.microsoft.com/office/drawing/2014/main" xmlns="" id="{2106AE42-381B-4181-99FF-C01ED1B820A7}"/>
               </a:ext>
             </a:extLst>
           </p:cNvPr>
@@ -31999,8 +35466,8 @@
         </p:nvSpPr>
         <p:spPr>
           <a:xfrm>
-            <a:off x="5619453" y="5341662"/>
-            <a:ext cx="3344800" cy="307777"/>
+            <a:off x="1849409" y="2487846"/>
+            <a:ext cx="7746124" cy="400110"/>
           </a:xfrm>
           <a:prstGeom prst="rect">
             <a:avLst/>
@@ -32013,9 +35480,8 @@
           </a:bodyPr>
           <a:lstStyle/>
           <a:p>
-            <a:pPr algn="ctr"/>
-            <a:r>
-              <a:rPr lang="en-US" altLang="ko-KR" sz="1400" b="1" dirty="0" smtClean="0">
+            <a:r>
+              <a:rPr lang="en-US" altLang="ko-KR" sz="2000" dirty="0" err="1" smtClean="0">
                 <a:solidFill>
                   <a:schemeClr val="tx1">
                     <a:lumMod val="75000"/>
@@ -32025,9 +35491,235 @@
                 <a:latin typeface="Candara" panose="020E0502030303020204" pitchFamily="34" charset="0"/>
                 <a:cs typeface="Arial" pitchFamily="34" charset="0"/>
               </a:rPr>
+              <a:t>Ouvrir</a:t>
+            </a:r>
+            <a:r>
+              <a:rPr lang="en-US" altLang="ko-KR" sz="2000" dirty="0" smtClean="0">
+                <a:solidFill>
+                  <a:schemeClr val="tx1">
+                    <a:lumMod val="75000"/>
+                    <a:lumOff val="25000"/>
+                  </a:schemeClr>
+                </a:solidFill>
+                <a:latin typeface="Candara" panose="020E0502030303020204" pitchFamily="34" charset="0"/>
+                <a:cs typeface="Arial" pitchFamily="34" charset="0"/>
+              </a:rPr>
+              <a:t> invite de </a:t>
+            </a:r>
+            <a:r>
+              <a:rPr lang="en-US" altLang="ko-KR" sz="2000" dirty="0" err="1" smtClean="0">
+                <a:solidFill>
+                  <a:schemeClr val="tx1">
+                    <a:lumMod val="75000"/>
+                    <a:lumOff val="25000"/>
+                  </a:schemeClr>
+                </a:solidFill>
+                <a:latin typeface="Candara" panose="020E0502030303020204" pitchFamily="34" charset="0"/>
+                <a:cs typeface="Arial" pitchFamily="34" charset="0"/>
+              </a:rPr>
+              <a:t>commande</a:t>
+            </a:r>
+            <a:r>
+              <a:rPr lang="en-US" altLang="ko-KR" sz="2000" dirty="0" smtClean="0">
+                <a:solidFill>
+                  <a:schemeClr val="tx1">
+                    <a:lumMod val="75000"/>
+                    <a:lumOff val="25000"/>
+                  </a:schemeClr>
+                </a:solidFill>
+                <a:latin typeface="Candara" panose="020E0502030303020204" pitchFamily="34" charset="0"/>
+                <a:cs typeface="Arial" pitchFamily="34" charset="0"/>
+              </a:rPr>
+              <a:t> et </a:t>
+            </a:r>
+            <a:r>
+              <a:rPr lang="en-US" altLang="ko-KR" sz="2000" dirty="0" err="1" smtClean="0">
+                <a:solidFill>
+                  <a:schemeClr val="tx1">
+                    <a:lumMod val="75000"/>
+                    <a:lumOff val="25000"/>
+                  </a:schemeClr>
+                </a:solidFill>
+                <a:latin typeface="Candara" panose="020E0502030303020204" pitchFamily="34" charset="0"/>
+                <a:cs typeface="Arial" pitchFamily="34" charset="0"/>
+              </a:rPr>
+              <a:t>entrer</a:t>
+            </a:r>
+            <a:r>
+              <a:rPr lang="en-US" altLang="ko-KR" sz="2000" dirty="0" smtClean="0">
+                <a:solidFill>
+                  <a:schemeClr val="tx1">
+                    <a:lumMod val="75000"/>
+                    <a:lumOff val="25000"/>
+                  </a:schemeClr>
+                </a:solidFill>
+                <a:latin typeface="Candara" panose="020E0502030303020204" pitchFamily="34" charset="0"/>
+                <a:cs typeface="Arial" pitchFamily="34" charset="0"/>
+              </a:rPr>
               <a:t> </a:t>
             </a:r>
-            <a:endParaRPr lang="ko-KR" altLang="en-US" sz="1400" b="1" dirty="0">
+            <a:r>
+              <a:rPr lang="en-US" altLang="ko-KR" sz="2000" dirty="0" err="1" smtClean="0">
+                <a:solidFill>
+                  <a:schemeClr val="tx1">
+                    <a:lumMod val="75000"/>
+                    <a:lumOff val="25000"/>
+                  </a:schemeClr>
+                </a:solidFill>
+                <a:latin typeface="Candara" panose="020E0502030303020204" pitchFamily="34" charset="0"/>
+                <a:cs typeface="Arial" pitchFamily="34" charset="0"/>
+              </a:rPr>
+              <a:t>dans</a:t>
+            </a:r>
+            <a:r>
+              <a:rPr lang="en-US" altLang="ko-KR" sz="2000" dirty="0" smtClean="0">
+                <a:solidFill>
+                  <a:schemeClr val="tx1">
+                    <a:lumMod val="75000"/>
+                    <a:lumOff val="25000"/>
+                  </a:schemeClr>
+                </a:solidFill>
+                <a:latin typeface="Candara" panose="020E0502030303020204" pitchFamily="34" charset="0"/>
+                <a:cs typeface="Arial" pitchFamily="34" charset="0"/>
+              </a:rPr>
+              <a:t> </a:t>
+            </a:r>
+            <a:r>
+              <a:rPr lang="en-US" altLang="ko-KR" sz="2000" dirty="0" err="1" smtClean="0">
+                <a:solidFill>
+                  <a:schemeClr val="tx1">
+                    <a:lumMod val="75000"/>
+                    <a:lumOff val="25000"/>
+                  </a:schemeClr>
+                </a:solidFill>
+                <a:latin typeface="Candara" panose="020E0502030303020204" pitchFamily="34" charset="0"/>
+                <a:cs typeface="Arial" pitchFamily="34" charset="0"/>
+              </a:rPr>
+              <a:t>l’ordre</a:t>
+            </a:r>
+            <a:r>
+              <a:rPr lang="en-US" altLang="ko-KR" sz="2000" dirty="0" smtClean="0">
+                <a:solidFill>
+                  <a:schemeClr val="tx1">
+                    <a:lumMod val="75000"/>
+                    <a:lumOff val="25000"/>
+                  </a:schemeClr>
+                </a:solidFill>
+                <a:latin typeface="Candara" panose="020E0502030303020204" pitchFamily="34" charset="0"/>
+                <a:cs typeface="Arial" pitchFamily="34" charset="0"/>
+              </a:rPr>
+              <a:t> les </a:t>
+            </a:r>
+            <a:r>
+              <a:rPr lang="en-US" altLang="ko-KR" sz="2000" dirty="0" err="1" smtClean="0">
+                <a:solidFill>
+                  <a:schemeClr val="tx1">
+                    <a:lumMod val="75000"/>
+                    <a:lumOff val="25000"/>
+                  </a:schemeClr>
+                </a:solidFill>
+                <a:latin typeface="Candara" panose="020E0502030303020204" pitchFamily="34" charset="0"/>
+                <a:cs typeface="Arial" pitchFamily="34" charset="0"/>
+              </a:rPr>
+              <a:t>commandes</a:t>
+            </a:r>
+            <a:r>
+              <a:rPr lang="en-US" altLang="ko-KR" sz="2000" dirty="0" smtClean="0">
+                <a:solidFill>
+                  <a:schemeClr val="tx1">
+                    <a:lumMod val="75000"/>
+                    <a:lumOff val="25000"/>
+                  </a:schemeClr>
+                </a:solidFill>
+                <a:latin typeface="Candara" panose="020E0502030303020204" pitchFamily="34" charset="0"/>
+                <a:cs typeface="Arial" pitchFamily="34" charset="0"/>
+              </a:rPr>
+              <a:t> </a:t>
+            </a:r>
+          </a:p>
+        </p:txBody>
+      </p:sp>
+      <p:sp>
+        <p:nvSpPr>
+          <p:cNvPr id="6" name="TextBox 18">
+            <a:extLst>
+              <a:ext uri="{FF2B5EF4-FFF2-40B4-BE49-F238E27FC236}">
+                <a16:creationId xmlns:a16="http://schemas.microsoft.com/office/drawing/2014/main" xmlns="" id="{2106AE42-381B-4181-99FF-C01ED1B820A7}"/>
+              </a:ext>
+            </a:extLst>
+          </p:cNvPr>
+          <p:cNvSpPr txBox="1"/>
+          <p:nvPr/>
+        </p:nvSpPr>
+        <p:spPr>
+          <a:xfrm>
+            <a:off x="2694447" y="1676038"/>
+            <a:ext cx="6056048" cy="523220"/>
+          </a:xfrm>
+          <a:prstGeom prst="rect">
+            <a:avLst/>
+          </a:prstGeom>
+          <a:noFill/>
+        </p:spPr>
+        <p:txBody>
+          <a:bodyPr wrap="square" rtlCol="0">
+            <a:spAutoFit/>
+          </a:bodyPr>
+          <a:lstStyle/>
+          <a:p>
+            <a:r>
+              <a:rPr lang="en-US" altLang="ko-KR" sz="2800" b="1" dirty="0" err="1" smtClean="0">
+                <a:solidFill>
+                  <a:schemeClr val="tx1">
+                    <a:lumMod val="75000"/>
+                    <a:lumOff val="25000"/>
+                  </a:schemeClr>
+                </a:solidFill>
+                <a:latin typeface="Candara" panose="020E0502030303020204" pitchFamily="34" charset="0"/>
+                <a:cs typeface="Arial" pitchFamily="34" charset="0"/>
+              </a:rPr>
+              <a:t>Configuré</a:t>
+            </a:r>
+            <a:r>
+              <a:rPr lang="en-US" altLang="ko-KR" sz="2800" b="1" dirty="0" smtClean="0">
+                <a:solidFill>
+                  <a:schemeClr val="tx1">
+                    <a:lumMod val="75000"/>
+                    <a:lumOff val="25000"/>
+                  </a:schemeClr>
+                </a:solidFill>
+                <a:latin typeface="Candara" panose="020E0502030303020204" pitchFamily="34" charset="0"/>
+                <a:cs typeface="Arial" pitchFamily="34" charset="0"/>
+              </a:rPr>
+              <a:t> a </a:t>
+            </a:r>
+            <a:r>
+              <a:rPr lang="en-US" altLang="ko-KR" sz="2800" b="1" dirty="0" err="1" smtClean="0">
+                <a:solidFill>
+                  <a:schemeClr val="tx1">
+                    <a:lumMod val="75000"/>
+                    <a:lumOff val="25000"/>
+                  </a:schemeClr>
+                </a:solidFill>
+                <a:latin typeface="Candara" panose="020E0502030303020204" pitchFamily="34" charset="0"/>
+                <a:cs typeface="Arial" pitchFamily="34" charset="0"/>
+              </a:rPr>
+              <a:t>partie</a:t>
+            </a:r>
+            <a:r>
+              <a:rPr lang="en-US" altLang="ko-KR" sz="2800" b="1" dirty="0" smtClean="0">
+                <a:solidFill>
+                  <a:schemeClr val="tx1">
+                    <a:lumMod val="75000"/>
+                    <a:lumOff val="25000"/>
+                  </a:schemeClr>
+                </a:solidFill>
+                <a:latin typeface="Candara" panose="020E0502030303020204" pitchFamily="34" charset="0"/>
+                <a:cs typeface="Arial" pitchFamily="34" charset="0"/>
+              </a:rPr>
+              <a:t> de spring boot CLI</a:t>
+            </a:r>
+            <a:endParaRPr lang="en-US" altLang="ko-KR" sz="2800" dirty="0">
               <a:solidFill>
                 <a:schemeClr val="tx1">
                   <a:lumMod val="75000"/>
@@ -32040,16 +35732,711 @@
           </a:p>
         </p:txBody>
       </p:sp>
+      <p:sp>
+        <p:nvSpPr>
+          <p:cNvPr id="3" name="Rectangle 2"/>
+          <p:cNvSpPr/>
+          <p:nvPr/>
+        </p:nvSpPr>
+        <p:spPr>
+          <a:xfrm>
+            <a:off x="2438400" y="3257341"/>
+            <a:ext cx="6096000" cy="369332"/>
+          </a:xfrm>
+          <a:prstGeom prst="rect">
+            <a:avLst/>
+          </a:prstGeom>
+        </p:spPr>
+        <p:txBody>
+          <a:bodyPr>
+            <a:spAutoFit/>
+          </a:bodyPr>
+          <a:lstStyle/>
+          <a:p>
+            <a:r>
+              <a:rPr lang="fr-FR" b="1" dirty="0" err="1"/>
+              <a:t>spring</a:t>
+            </a:r>
+            <a:r>
+              <a:rPr lang="fr-FR" b="1" dirty="0"/>
+              <a:t> </a:t>
+            </a:r>
+            <a:r>
+              <a:rPr lang="fr-FR" b="1" dirty="0" err="1"/>
+              <a:t>init</a:t>
+            </a:r>
+            <a:r>
+              <a:rPr lang="fr-FR" b="1" dirty="0" smtClean="0"/>
+              <a:t>;</a:t>
+            </a:r>
+            <a:endParaRPr lang="fr-FR" b="1" dirty="0"/>
+          </a:p>
+        </p:txBody>
+      </p:sp>
+      <p:sp>
+        <p:nvSpPr>
+          <p:cNvPr id="4" name="Rectangle 3"/>
+          <p:cNvSpPr/>
+          <p:nvPr/>
+        </p:nvSpPr>
+        <p:spPr>
+          <a:xfrm>
+            <a:off x="2438400" y="3782624"/>
+            <a:ext cx="6096000" cy="369332"/>
+          </a:xfrm>
+          <a:prstGeom prst="rect">
+            <a:avLst/>
+          </a:prstGeom>
+        </p:spPr>
+        <p:txBody>
+          <a:bodyPr>
+            <a:spAutoFit/>
+          </a:bodyPr>
+          <a:lstStyle/>
+          <a:p>
+            <a:r>
+              <a:rPr lang="fr-FR" b="1" dirty="0" err="1"/>
+              <a:t>spring</a:t>
+            </a:r>
+            <a:r>
+              <a:rPr lang="fr-FR" b="1" dirty="0"/>
+              <a:t> </a:t>
+            </a:r>
+            <a:r>
+              <a:rPr lang="fr-FR" b="1" dirty="0" err="1"/>
+              <a:t>init</a:t>
+            </a:r>
+            <a:r>
+              <a:rPr lang="fr-FR" b="1" dirty="0"/>
+              <a:t> -</a:t>
+            </a:r>
+            <a:r>
+              <a:rPr lang="fr-FR" b="1" dirty="0" err="1" smtClean="0"/>
+              <a:t>dweb,jpa,security</a:t>
+            </a:r>
+            <a:r>
+              <a:rPr lang="fr-FR" b="1" dirty="0" smtClean="0"/>
+              <a:t>;</a:t>
+            </a:r>
+          </a:p>
+        </p:txBody>
+      </p:sp>
+      <p:sp>
+        <p:nvSpPr>
+          <p:cNvPr id="5" name="Rectangle 4"/>
+          <p:cNvSpPr/>
+          <p:nvPr/>
+        </p:nvSpPr>
+        <p:spPr>
+          <a:xfrm>
+            <a:off x="2438400" y="4241448"/>
+            <a:ext cx="6096000" cy="369332"/>
+          </a:xfrm>
+          <a:prstGeom prst="rect">
+            <a:avLst/>
+          </a:prstGeom>
+        </p:spPr>
+        <p:txBody>
+          <a:bodyPr>
+            <a:spAutoFit/>
+          </a:bodyPr>
+          <a:lstStyle/>
+          <a:p>
+            <a:r>
+              <a:rPr lang="en-US" b="1" dirty="0"/>
+              <a:t>spring </a:t>
+            </a:r>
+            <a:r>
+              <a:rPr lang="en-US" b="1" dirty="0" err="1"/>
+              <a:t>init</a:t>
+            </a:r>
+            <a:r>
+              <a:rPr lang="en-US" b="1" dirty="0"/>
+              <a:t> -</a:t>
+            </a:r>
+            <a:r>
+              <a:rPr lang="en-US" b="1" dirty="0" err="1"/>
+              <a:t>dweb,jpa,security</a:t>
+            </a:r>
+            <a:r>
+              <a:rPr lang="en-US" b="1" dirty="0"/>
+              <a:t> –build maven</a:t>
+            </a:r>
+            <a:r>
+              <a:rPr lang="en-US" b="1" dirty="0" smtClean="0"/>
+              <a:t>;</a:t>
+            </a:r>
+            <a:endParaRPr lang="en-US" b="1" dirty="0"/>
+          </a:p>
+        </p:txBody>
+      </p:sp>
+      <p:sp>
+        <p:nvSpPr>
+          <p:cNvPr id="7" name="Rectangle 6"/>
+          <p:cNvSpPr/>
+          <p:nvPr/>
+        </p:nvSpPr>
+        <p:spPr>
+          <a:xfrm>
+            <a:off x="2438400" y="4742817"/>
+            <a:ext cx="6096000" cy="369332"/>
+          </a:xfrm>
+          <a:prstGeom prst="rect">
+            <a:avLst/>
+          </a:prstGeom>
+        </p:spPr>
+        <p:txBody>
+          <a:bodyPr>
+            <a:spAutoFit/>
+          </a:bodyPr>
+          <a:lstStyle/>
+          <a:p>
+            <a:r>
+              <a:rPr lang="en-US" b="1" dirty="0"/>
+              <a:t>spring </a:t>
+            </a:r>
+            <a:r>
+              <a:rPr lang="en-US" b="1" dirty="0" err="1"/>
+              <a:t>init</a:t>
+            </a:r>
+            <a:r>
+              <a:rPr lang="en-US" b="1" dirty="0"/>
+              <a:t> -</a:t>
+            </a:r>
+            <a:r>
+              <a:rPr lang="en-US" b="1" dirty="0" err="1"/>
+              <a:t>dweb,jpa,security</a:t>
+            </a:r>
+            <a:r>
+              <a:rPr lang="en-US" b="1" dirty="0"/>
+              <a:t> –build </a:t>
+            </a:r>
+            <a:r>
+              <a:rPr lang="en-US" b="1" dirty="0" err="1"/>
+              <a:t>gradle</a:t>
+            </a:r>
+            <a:r>
+              <a:rPr lang="en-US" b="1" dirty="0" smtClean="0"/>
+              <a:t>;</a:t>
+            </a:r>
+            <a:endParaRPr lang="en-US" b="1" dirty="0"/>
+          </a:p>
+        </p:txBody>
+      </p:sp>
+      <p:sp>
+        <p:nvSpPr>
+          <p:cNvPr id="8" name="Rectangle 7"/>
+          <p:cNvSpPr/>
+          <p:nvPr/>
+        </p:nvSpPr>
+        <p:spPr>
+          <a:xfrm>
+            <a:off x="2438400" y="5206698"/>
+            <a:ext cx="6096000" cy="369332"/>
+          </a:xfrm>
+          <a:prstGeom prst="rect">
+            <a:avLst/>
+          </a:prstGeom>
+        </p:spPr>
+        <p:txBody>
+          <a:bodyPr>
+            <a:spAutoFit/>
+          </a:bodyPr>
+          <a:lstStyle/>
+          <a:p>
+            <a:r>
+              <a:rPr lang="en-US" b="1" dirty="0"/>
+              <a:t>spring </a:t>
+            </a:r>
+            <a:r>
+              <a:rPr lang="en-US" b="1" dirty="0" err="1"/>
+              <a:t>init</a:t>
+            </a:r>
+            <a:r>
+              <a:rPr lang="en-US" b="1" dirty="0"/>
+              <a:t> -</a:t>
+            </a:r>
+            <a:r>
+              <a:rPr lang="en-US" b="1" dirty="0" err="1"/>
+              <a:t>dweb,jpa,security</a:t>
+            </a:r>
+            <a:r>
+              <a:rPr lang="en-US" b="1" dirty="0"/>
+              <a:t> –build maven -p war</a:t>
+            </a:r>
+            <a:r>
+              <a:rPr lang="en-US" b="1" dirty="0" smtClean="0"/>
+              <a:t>;</a:t>
+            </a:r>
+            <a:endParaRPr lang="en-US" b="1" dirty="0"/>
+          </a:p>
+        </p:txBody>
+      </p:sp>
+      <p:sp>
+        <p:nvSpPr>
+          <p:cNvPr id="9" name="Rectangle 8"/>
+          <p:cNvSpPr/>
+          <p:nvPr/>
+        </p:nvSpPr>
+        <p:spPr>
+          <a:xfrm>
+            <a:off x="2438400" y="5668863"/>
+            <a:ext cx="6999889" cy="369332"/>
+          </a:xfrm>
+          <a:prstGeom prst="rect">
+            <a:avLst/>
+          </a:prstGeom>
+        </p:spPr>
+        <p:txBody>
+          <a:bodyPr wrap="square">
+            <a:spAutoFit/>
+          </a:bodyPr>
+          <a:lstStyle/>
+          <a:p>
+            <a:r>
+              <a:rPr lang="en-US" b="1" dirty="0"/>
+              <a:t>spring </a:t>
+            </a:r>
+            <a:r>
+              <a:rPr lang="en-US" b="1" dirty="0" err="1"/>
+              <a:t>init</a:t>
+            </a:r>
+            <a:r>
+              <a:rPr lang="en-US" b="1" dirty="0"/>
+              <a:t> -</a:t>
+            </a:r>
+            <a:r>
+              <a:rPr lang="en-US" b="1" dirty="0" err="1"/>
+              <a:t>dweb,jpa,security</a:t>
+            </a:r>
+            <a:r>
+              <a:rPr lang="en-US" b="1" dirty="0"/>
+              <a:t> –build maven -p war </a:t>
+            </a:r>
+            <a:r>
+              <a:rPr lang="en-US" b="1" dirty="0" err="1"/>
+              <a:t>monappli</a:t>
+            </a:r>
+            <a:r>
+              <a:rPr lang="en-US" b="1" dirty="0"/>
+              <a:t>.</a:t>
+            </a:r>
+            <a:endParaRPr lang="fr-FR" b="1" dirty="0"/>
+          </a:p>
+        </p:txBody>
+      </p:sp>
+      <p:sp>
+        <p:nvSpPr>
+          <p:cNvPr id="13" name="TextBox 32">
+            <a:extLst>
+              <a:ext uri="{FF2B5EF4-FFF2-40B4-BE49-F238E27FC236}">
+                <a16:creationId xmlns:a16="http://schemas.microsoft.com/office/drawing/2014/main" xmlns="" id="{3D68DC4F-6C57-4033-AD85-E705874ADB27}"/>
+              </a:ext>
+            </a:extLst>
+          </p:cNvPr>
+          <p:cNvSpPr txBox="1"/>
+          <p:nvPr/>
+        </p:nvSpPr>
+        <p:spPr>
+          <a:xfrm>
+            <a:off x="1844418" y="3213468"/>
+            <a:ext cx="413485" cy="461665"/>
+          </a:xfrm>
+          <a:prstGeom prst="rect">
+            <a:avLst/>
+          </a:prstGeom>
+          <a:noFill/>
+        </p:spPr>
+        <p:txBody>
+          <a:bodyPr wrap="square" rtlCol="0">
+            <a:spAutoFit/>
+          </a:bodyPr>
+          <a:lstStyle/>
+          <a:p>
+            <a:pPr algn="ctr"/>
+            <a:r>
+              <a:rPr lang="en-US" altLang="ko-KR" sz="2400" b="1" dirty="0" smtClean="0">
+                <a:solidFill>
+                  <a:schemeClr val="tx1">
+                    <a:lumMod val="75000"/>
+                    <a:lumOff val="25000"/>
+                  </a:schemeClr>
+                </a:solidFill>
+                <a:latin typeface="Candara" panose="020E0502030303020204" pitchFamily="34" charset="0"/>
+                <a:cs typeface="Arial" pitchFamily="34" charset="0"/>
+              </a:rPr>
+              <a:t> </a:t>
+            </a:r>
+            <a:r>
+              <a:rPr lang="en-US" altLang="ko-KR" sz="2400" b="1" dirty="0" smtClean="0">
+                <a:solidFill>
+                  <a:schemeClr val="tx1">
+                    <a:lumMod val="75000"/>
+                    <a:lumOff val="25000"/>
+                  </a:schemeClr>
+                </a:solidFill>
+                <a:latin typeface="Candara" panose="020E0502030303020204" pitchFamily="34" charset="0"/>
+                <a:cs typeface="Arial" pitchFamily="34" charset="0"/>
+              </a:rPr>
+              <a:t>1</a:t>
+            </a:r>
+            <a:endParaRPr lang="ko-KR" altLang="en-US" sz="2400" b="1" dirty="0">
+              <a:solidFill>
+                <a:schemeClr val="tx1">
+                  <a:lumMod val="75000"/>
+                  <a:lumOff val="25000"/>
+                </a:schemeClr>
+              </a:solidFill>
+              <a:latin typeface="Candara" panose="020E0502030303020204" pitchFamily="34" charset="0"/>
+              <a:cs typeface="Arial" pitchFamily="34" charset="0"/>
+            </a:endParaRPr>
+          </a:p>
+        </p:txBody>
+      </p:sp>
+      <p:sp>
+        <p:nvSpPr>
+          <p:cNvPr id="14" name="TextBox 32">
+            <a:extLst>
+              <a:ext uri="{FF2B5EF4-FFF2-40B4-BE49-F238E27FC236}">
+                <a16:creationId xmlns:a16="http://schemas.microsoft.com/office/drawing/2014/main" xmlns="" id="{3D68DC4F-6C57-4033-AD85-E705874ADB27}"/>
+              </a:ext>
+            </a:extLst>
+          </p:cNvPr>
+          <p:cNvSpPr txBox="1"/>
+          <p:nvPr/>
+        </p:nvSpPr>
+        <p:spPr>
+          <a:xfrm>
+            <a:off x="1844417" y="3736457"/>
+            <a:ext cx="413485" cy="461665"/>
+          </a:xfrm>
+          <a:prstGeom prst="rect">
+            <a:avLst/>
+          </a:prstGeom>
+          <a:noFill/>
+        </p:spPr>
+        <p:txBody>
+          <a:bodyPr wrap="square" rtlCol="0">
+            <a:spAutoFit/>
+          </a:bodyPr>
+          <a:lstStyle/>
+          <a:p>
+            <a:pPr algn="ctr"/>
+            <a:r>
+              <a:rPr lang="en-US" altLang="ko-KR" sz="2400" b="1" dirty="0" smtClean="0">
+                <a:solidFill>
+                  <a:schemeClr val="tx1">
+                    <a:lumMod val="75000"/>
+                    <a:lumOff val="25000"/>
+                  </a:schemeClr>
+                </a:solidFill>
+                <a:latin typeface="Candara" panose="020E0502030303020204" pitchFamily="34" charset="0"/>
+                <a:cs typeface="Arial" pitchFamily="34" charset="0"/>
+              </a:rPr>
+              <a:t> </a:t>
+            </a:r>
+            <a:r>
+              <a:rPr lang="en-US" altLang="ko-KR" sz="2400" b="1" dirty="0" smtClean="0">
+                <a:solidFill>
+                  <a:schemeClr val="tx1">
+                    <a:lumMod val="75000"/>
+                    <a:lumOff val="25000"/>
+                  </a:schemeClr>
+                </a:solidFill>
+                <a:latin typeface="Candara" panose="020E0502030303020204" pitchFamily="34" charset="0"/>
+                <a:cs typeface="Arial" pitchFamily="34" charset="0"/>
+              </a:rPr>
+              <a:t>2</a:t>
+            </a:r>
+            <a:endParaRPr lang="ko-KR" altLang="en-US" sz="2400" b="1" dirty="0">
+              <a:solidFill>
+                <a:schemeClr val="tx1">
+                  <a:lumMod val="75000"/>
+                  <a:lumOff val="25000"/>
+                </a:schemeClr>
+              </a:solidFill>
+              <a:latin typeface="Candara" panose="020E0502030303020204" pitchFamily="34" charset="0"/>
+              <a:cs typeface="Arial" pitchFamily="34" charset="0"/>
+            </a:endParaRPr>
+          </a:p>
+        </p:txBody>
+      </p:sp>
+      <p:sp>
+        <p:nvSpPr>
+          <p:cNvPr id="15" name="TextBox 32">
+            <a:extLst>
+              <a:ext uri="{FF2B5EF4-FFF2-40B4-BE49-F238E27FC236}">
+                <a16:creationId xmlns:a16="http://schemas.microsoft.com/office/drawing/2014/main" xmlns="" id="{3D68DC4F-6C57-4033-AD85-E705874ADB27}"/>
+              </a:ext>
+            </a:extLst>
+          </p:cNvPr>
+          <p:cNvSpPr txBox="1"/>
+          <p:nvPr/>
+        </p:nvSpPr>
+        <p:spPr>
+          <a:xfrm>
+            <a:off x="1844417" y="4145524"/>
+            <a:ext cx="413485" cy="461665"/>
+          </a:xfrm>
+          <a:prstGeom prst="rect">
+            <a:avLst/>
+          </a:prstGeom>
+          <a:noFill/>
+        </p:spPr>
+        <p:txBody>
+          <a:bodyPr wrap="square" rtlCol="0">
+            <a:spAutoFit/>
+          </a:bodyPr>
+          <a:lstStyle/>
+          <a:p>
+            <a:pPr algn="ctr"/>
+            <a:r>
+              <a:rPr lang="en-US" altLang="ko-KR" sz="2400" b="1" dirty="0" smtClean="0">
+                <a:solidFill>
+                  <a:schemeClr val="tx1">
+                    <a:lumMod val="75000"/>
+                    <a:lumOff val="25000"/>
+                  </a:schemeClr>
+                </a:solidFill>
+                <a:latin typeface="Candara" panose="020E0502030303020204" pitchFamily="34" charset="0"/>
+                <a:cs typeface="Arial" pitchFamily="34" charset="0"/>
+              </a:rPr>
+              <a:t> 3</a:t>
+            </a:r>
+            <a:endParaRPr lang="ko-KR" altLang="en-US" sz="2400" b="1" dirty="0">
+              <a:solidFill>
+                <a:schemeClr val="tx1">
+                  <a:lumMod val="75000"/>
+                  <a:lumOff val="25000"/>
+                </a:schemeClr>
+              </a:solidFill>
+              <a:latin typeface="Candara" panose="020E0502030303020204" pitchFamily="34" charset="0"/>
+              <a:cs typeface="Arial" pitchFamily="34" charset="0"/>
+            </a:endParaRPr>
+          </a:p>
+        </p:txBody>
+      </p:sp>
+      <p:sp>
+        <p:nvSpPr>
+          <p:cNvPr id="16" name="TextBox 32">
+            <a:extLst>
+              <a:ext uri="{FF2B5EF4-FFF2-40B4-BE49-F238E27FC236}">
+                <a16:creationId xmlns:a16="http://schemas.microsoft.com/office/drawing/2014/main" xmlns="" id="{3D68DC4F-6C57-4033-AD85-E705874ADB27}"/>
+              </a:ext>
+            </a:extLst>
+          </p:cNvPr>
+          <p:cNvSpPr txBox="1"/>
+          <p:nvPr/>
+        </p:nvSpPr>
+        <p:spPr>
+          <a:xfrm>
+            <a:off x="1844416" y="4656184"/>
+            <a:ext cx="413485" cy="461665"/>
+          </a:xfrm>
+          <a:prstGeom prst="rect">
+            <a:avLst/>
+          </a:prstGeom>
+          <a:noFill/>
+        </p:spPr>
+        <p:txBody>
+          <a:bodyPr wrap="square" rtlCol="0">
+            <a:spAutoFit/>
+          </a:bodyPr>
+          <a:lstStyle/>
+          <a:p>
+            <a:pPr algn="ctr"/>
+            <a:r>
+              <a:rPr lang="en-US" altLang="ko-KR" sz="2400" b="1" dirty="0" smtClean="0">
+                <a:solidFill>
+                  <a:schemeClr val="tx1">
+                    <a:lumMod val="75000"/>
+                    <a:lumOff val="25000"/>
+                  </a:schemeClr>
+                </a:solidFill>
+                <a:latin typeface="Candara" panose="020E0502030303020204" pitchFamily="34" charset="0"/>
+                <a:cs typeface="Arial" pitchFamily="34" charset="0"/>
+              </a:rPr>
+              <a:t> </a:t>
+            </a:r>
+            <a:r>
+              <a:rPr lang="en-US" altLang="ko-KR" sz="2400" b="1" dirty="0">
+                <a:solidFill>
+                  <a:schemeClr val="tx1">
+                    <a:lumMod val="75000"/>
+                    <a:lumOff val="25000"/>
+                  </a:schemeClr>
+                </a:solidFill>
+                <a:latin typeface="Candara" panose="020E0502030303020204" pitchFamily="34" charset="0"/>
+                <a:cs typeface="Arial" pitchFamily="34" charset="0"/>
+              </a:rPr>
+              <a:t>4</a:t>
+            </a:r>
+            <a:endParaRPr lang="ko-KR" altLang="en-US" sz="2400" b="1" dirty="0">
+              <a:solidFill>
+                <a:schemeClr val="tx1">
+                  <a:lumMod val="75000"/>
+                  <a:lumOff val="25000"/>
+                </a:schemeClr>
+              </a:solidFill>
+              <a:latin typeface="Candara" panose="020E0502030303020204" pitchFamily="34" charset="0"/>
+              <a:cs typeface="Arial" pitchFamily="34" charset="0"/>
+            </a:endParaRPr>
+          </a:p>
+        </p:txBody>
+      </p:sp>
+      <p:sp>
+        <p:nvSpPr>
+          <p:cNvPr id="17" name="TextBox 32">
+            <a:extLst>
+              <a:ext uri="{FF2B5EF4-FFF2-40B4-BE49-F238E27FC236}">
+                <a16:creationId xmlns:a16="http://schemas.microsoft.com/office/drawing/2014/main" xmlns="" id="{3D68DC4F-6C57-4033-AD85-E705874ADB27}"/>
+              </a:ext>
+            </a:extLst>
+          </p:cNvPr>
+          <p:cNvSpPr txBox="1"/>
+          <p:nvPr/>
+        </p:nvSpPr>
+        <p:spPr>
+          <a:xfrm>
+            <a:off x="1844415" y="5084487"/>
+            <a:ext cx="413485" cy="461665"/>
+          </a:xfrm>
+          <a:prstGeom prst="rect">
+            <a:avLst/>
+          </a:prstGeom>
+          <a:noFill/>
+        </p:spPr>
+        <p:txBody>
+          <a:bodyPr wrap="square" rtlCol="0">
+            <a:spAutoFit/>
+          </a:bodyPr>
+          <a:lstStyle/>
+          <a:p>
+            <a:pPr algn="ctr"/>
+            <a:r>
+              <a:rPr lang="en-US" altLang="ko-KR" sz="2400" b="1" dirty="0" smtClean="0">
+                <a:solidFill>
+                  <a:schemeClr val="tx1">
+                    <a:lumMod val="75000"/>
+                    <a:lumOff val="25000"/>
+                  </a:schemeClr>
+                </a:solidFill>
+                <a:latin typeface="Candara" panose="020E0502030303020204" pitchFamily="34" charset="0"/>
+                <a:cs typeface="Arial" pitchFamily="34" charset="0"/>
+              </a:rPr>
+              <a:t> </a:t>
+            </a:r>
+            <a:r>
+              <a:rPr lang="en-US" altLang="ko-KR" sz="2400" b="1" dirty="0">
+                <a:solidFill>
+                  <a:schemeClr val="tx1">
+                    <a:lumMod val="75000"/>
+                    <a:lumOff val="25000"/>
+                  </a:schemeClr>
+                </a:solidFill>
+                <a:latin typeface="Candara" panose="020E0502030303020204" pitchFamily="34" charset="0"/>
+                <a:cs typeface="Arial" pitchFamily="34" charset="0"/>
+              </a:rPr>
+              <a:t>5</a:t>
+            </a:r>
+            <a:endParaRPr lang="ko-KR" altLang="en-US" sz="2400" b="1" dirty="0">
+              <a:solidFill>
+                <a:schemeClr val="tx1">
+                  <a:lumMod val="75000"/>
+                  <a:lumOff val="25000"/>
+                </a:schemeClr>
+              </a:solidFill>
+              <a:latin typeface="Candara" panose="020E0502030303020204" pitchFamily="34" charset="0"/>
+              <a:cs typeface="Arial" pitchFamily="34" charset="0"/>
+            </a:endParaRPr>
+          </a:p>
+        </p:txBody>
+      </p:sp>
+      <p:sp>
+        <p:nvSpPr>
+          <p:cNvPr id="18" name="TextBox 32">
+            <a:extLst>
+              <a:ext uri="{FF2B5EF4-FFF2-40B4-BE49-F238E27FC236}">
+                <a16:creationId xmlns:a16="http://schemas.microsoft.com/office/drawing/2014/main" xmlns="" id="{3D68DC4F-6C57-4033-AD85-E705874ADB27}"/>
+              </a:ext>
+            </a:extLst>
+          </p:cNvPr>
+          <p:cNvSpPr txBox="1"/>
+          <p:nvPr/>
+        </p:nvSpPr>
+        <p:spPr>
+          <a:xfrm>
+            <a:off x="1844416" y="5668420"/>
+            <a:ext cx="413485" cy="461665"/>
+          </a:xfrm>
+          <a:prstGeom prst="rect">
+            <a:avLst/>
+          </a:prstGeom>
+          <a:noFill/>
+        </p:spPr>
+        <p:txBody>
+          <a:bodyPr wrap="square" rtlCol="0">
+            <a:spAutoFit/>
+          </a:bodyPr>
+          <a:lstStyle/>
+          <a:p>
+            <a:pPr algn="ctr"/>
+            <a:r>
+              <a:rPr lang="en-US" altLang="ko-KR" sz="2400" b="1" dirty="0" smtClean="0">
+                <a:solidFill>
+                  <a:schemeClr val="tx1">
+                    <a:lumMod val="75000"/>
+                    <a:lumOff val="25000"/>
+                  </a:schemeClr>
+                </a:solidFill>
+                <a:latin typeface="Candara" panose="020E0502030303020204" pitchFamily="34" charset="0"/>
+                <a:cs typeface="Arial" pitchFamily="34" charset="0"/>
+              </a:rPr>
+              <a:t> </a:t>
+            </a:r>
+            <a:r>
+              <a:rPr lang="en-US" altLang="ko-KR" sz="2400" b="1" dirty="0" smtClean="0">
+                <a:solidFill>
+                  <a:schemeClr val="tx1">
+                    <a:lumMod val="75000"/>
+                    <a:lumOff val="25000"/>
+                  </a:schemeClr>
+                </a:solidFill>
+                <a:latin typeface="Candara" panose="020E0502030303020204" pitchFamily="34" charset="0"/>
+                <a:cs typeface="Arial" pitchFamily="34" charset="0"/>
+              </a:rPr>
+              <a:t>6</a:t>
+            </a:r>
+            <a:endParaRPr lang="ko-KR" altLang="en-US" sz="2400" b="1" dirty="0">
+              <a:solidFill>
+                <a:schemeClr val="tx1">
+                  <a:lumMod val="75000"/>
+                  <a:lumOff val="25000"/>
+                </a:schemeClr>
+              </a:solidFill>
+              <a:latin typeface="Candara" panose="020E0502030303020204" pitchFamily="34" charset="0"/>
+              <a:cs typeface="Arial" pitchFamily="34" charset="0"/>
+            </a:endParaRPr>
+          </a:p>
+        </p:txBody>
+      </p:sp>
     </p:spTree>
     <p:extLst>
       <p:ext uri="{BB962C8B-B14F-4D97-AF65-F5344CB8AC3E}">
-        <p14:creationId xmlns:p14="http://schemas.microsoft.com/office/powerpoint/2010/main" val="676794445"/>
+        <p14:creationId xmlns:p14="http://schemas.microsoft.com/office/powerpoint/2010/main" val="3979649407"/>
       </p:ext>
     </p:extLst>
   </p:cSld>
   <p:clrMapOvr>
     <a:masterClrMapping/>
   </p:clrMapOvr>
+  <p:timing>
+    <p:tnLst>
+      <p:par>
+        <p:cTn id="1" dur="indefinite" restart="never" nodeType="tmRoot"/>
+      </p:par>
+    </p:tnLst>
+  </p:timing>
 </p:sld>
 </file>
 
@@ -32072,56 +36459,12 @@
       </p:grpSpPr>
       <p:sp>
         <p:nvSpPr>
-          <p:cNvPr id="2" name="Text Placeholder 1">
-            <a:extLst>
-              <a:ext uri="{FF2B5EF4-FFF2-40B4-BE49-F238E27FC236}">
-                <a16:creationId xmlns:a16="http://schemas.microsoft.com/office/drawing/2014/main" id="{D9B85F3A-0D98-4AE5-8CED-AA4A4CF82188}"/>
-              </a:ext>
-            </a:extLst>
-          </p:cNvPr>
+          <p:cNvPr id="2" name="Espace réservé du numéro de diapositive 1"/>
           <p:cNvSpPr>
             <a:spLocks noGrp="1"/>
           </p:cNvSpPr>
           <p:nvPr>
-            <p:ph type="body" sz="quarter" idx="10"/>
-          </p:nvPr>
-        </p:nvSpPr>
-        <p:spPr>
-          <a:xfrm>
-            <a:off x="994886" y="841130"/>
-            <a:ext cx="8519457" cy="765779"/>
-          </a:xfrm>
-        </p:spPr>
-        <p:txBody>
-          <a:bodyPr/>
-          <a:lstStyle/>
-          <a:p>
-            <a:r>
-              <a:rPr lang="en-US" dirty="0" smtClean="0"/>
-              <a:t>Creation </a:t>
-            </a:r>
-            <a:r>
-              <a:rPr lang="en-US" dirty="0" err="1" smtClean="0"/>
-              <a:t>projet</a:t>
-            </a:r>
-            <a:r>
-              <a:rPr lang="en-US" dirty="0" smtClean="0"/>
-              <a:t> spring boot</a:t>
-            </a:r>
-            <a:endParaRPr lang="en-US" dirty="0">
-              <a:latin typeface="Candara" panose="020E0502030303020204" pitchFamily="34" charset="0"/>
-            </a:endParaRPr>
-          </a:p>
-        </p:txBody>
-      </p:sp>
-      <p:sp>
-        <p:nvSpPr>
-          <p:cNvPr id="38" name="Espace réservé du numéro de diapositive 37"/>
-          <p:cNvSpPr>
-            <a:spLocks noGrp="1"/>
-          </p:cNvSpPr>
-          <p:nvPr>
-            <p:ph type="sldNum" sz="quarter" idx="11"/>
+            <p:ph type="sldNum" sz="quarter" idx="10"/>
           </p:nvPr>
         </p:nvSpPr>
         <p:spPr/>
@@ -32140,10 +36483,10 @@
       </p:sp>
       <p:sp>
         <p:nvSpPr>
-          <p:cNvPr id="47" name="TextBox 18">
+          <p:cNvPr id="3" name="TextBox 18">
             <a:extLst>
               <a:ext uri="{FF2B5EF4-FFF2-40B4-BE49-F238E27FC236}">
-                <a16:creationId xmlns:a16="http://schemas.microsoft.com/office/drawing/2014/main" id="{2106AE42-381B-4181-99FF-C01ED1B820A7}"/>
+                <a16:creationId xmlns:a16="http://schemas.microsoft.com/office/drawing/2014/main" xmlns="" id="{2106AE42-381B-4181-99FF-C01ED1B820A7}"/>
               </a:ext>
             </a:extLst>
           </p:cNvPr>
@@ -32152,15 +36495,13 @@
         </p:nvSpPr>
         <p:spPr>
           <a:xfrm>
-            <a:off x="1652455" y="6594908"/>
-            <a:ext cx="2911761" cy="276999"/>
-          </a:xfrm>
-          <a:prstGeom prst="rect">
-            <a:avLst/>
-          </a:prstGeom>
-          <a:solidFill>
-            <a:schemeClr val="bg1"/>
-          </a:solidFill>
+            <a:off x="2961190" y="1185506"/>
+            <a:ext cx="5175807" cy="400110"/>
+          </a:xfrm>
+          <a:prstGeom prst="rect">
+            <a:avLst/>
+          </a:prstGeom>
+          <a:noFill/>
         </p:spPr>
         <p:txBody>
           <a:bodyPr wrap="square" rtlCol="0">
@@ -32168,49 +36509,8 @@
           </a:bodyPr>
           <a:lstStyle/>
           <a:p>
-            <a:endParaRPr lang="en-US" altLang="ko-KR" sz="1200" dirty="0">
-              <a:solidFill>
-                <a:schemeClr val="tx1">
-                  <a:lumMod val="75000"/>
-                  <a:lumOff val="25000"/>
-                </a:schemeClr>
-              </a:solidFill>
-              <a:latin typeface="Candara" panose="020E0502030303020204" pitchFamily="34" charset="0"/>
-              <a:cs typeface="Arial" pitchFamily="34" charset="0"/>
-            </a:endParaRPr>
-          </a:p>
-        </p:txBody>
-      </p:sp>
-      <p:sp>
-        <p:nvSpPr>
-          <p:cNvPr id="48" name="TextBox 18">
-            <a:extLst>
-              <a:ext uri="{FF2B5EF4-FFF2-40B4-BE49-F238E27FC236}">
-                <a16:creationId xmlns:a16="http://schemas.microsoft.com/office/drawing/2014/main" id="{2106AE42-381B-4181-99FF-C01ED1B820A7}"/>
-              </a:ext>
-            </a:extLst>
-          </p:cNvPr>
-          <p:cNvSpPr txBox="1"/>
-          <p:nvPr/>
-        </p:nvSpPr>
-        <p:spPr>
-          <a:xfrm>
-            <a:off x="1503404" y="2081025"/>
-            <a:ext cx="8478796" cy="400110"/>
-          </a:xfrm>
-          <a:prstGeom prst="rect">
-            <a:avLst/>
-          </a:prstGeom>
-          <a:noFill/>
-        </p:spPr>
-        <p:txBody>
-          <a:bodyPr wrap="square" rtlCol="0">
-            <a:spAutoFit/>
-          </a:bodyPr>
-          <a:lstStyle/>
-          <a:p>
-            <a:r>
-              <a:rPr lang="en-US" altLang="ko-KR" sz="2000" b="1" dirty="0" err="1">
+            <a:r>
+              <a:rPr lang="en-US" altLang="ko-KR" sz="2000" b="1" dirty="0" err="1" smtClean="0">
                 <a:solidFill>
                   <a:schemeClr val="tx1">
                     <a:lumMod val="75000"/>
@@ -32220,10 +36520,10 @@
                 <a:latin typeface="Candara" panose="020E0502030303020204" pitchFamily="34" charset="0"/>
                 <a:cs typeface="Arial" pitchFamily="34" charset="0"/>
               </a:rPr>
-              <a:t>Aller</a:t>
-            </a:r>
-            <a:r>
-              <a:rPr lang="en-US" altLang="ko-KR" sz="2000" b="1" dirty="0">
+              <a:t>Ouvrir</a:t>
+            </a:r>
+            <a:r>
+              <a:rPr lang="en-US" altLang="ko-KR" sz="2000" b="1" dirty="0" smtClean="0">
                 <a:solidFill>
                   <a:schemeClr val="tx1">
                     <a:lumMod val="75000"/>
@@ -32233,10 +36533,10 @@
                 <a:latin typeface="Candara" panose="020E0502030303020204" pitchFamily="34" charset="0"/>
                 <a:cs typeface="Arial" pitchFamily="34" charset="0"/>
               </a:rPr>
-              <a:t> sur le lien (Spring </a:t>
-            </a:r>
-            <a:r>
-              <a:rPr lang="en-US" altLang="ko-KR" sz="2000" b="1" dirty="0" err="1">
+              <a:t> un </a:t>
+            </a:r>
+            <a:r>
+              <a:rPr lang="en-US" altLang="ko-KR" sz="2000" b="1" dirty="0" err="1" smtClean="0">
                 <a:solidFill>
                   <a:schemeClr val="tx1">
                     <a:lumMod val="75000"/>
@@ -32246,7 +36546,7 @@
                 <a:latin typeface="Candara" panose="020E0502030303020204" pitchFamily="34" charset="0"/>
                 <a:cs typeface="Arial" pitchFamily="34" charset="0"/>
               </a:rPr>
-              <a:t>Initialzr</a:t>
+              <a:t>navigateur</a:t>
             </a:r>
             <a:r>
               <a:rPr lang="en-US" altLang="ko-KR" sz="2000" b="1" dirty="0" smtClean="0">
@@ -32259,7 +36559,7 @@
                 <a:latin typeface="Candara" panose="020E0502030303020204" pitchFamily="34" charset="0"/>
                 <a:cs typeface="Arial" pitchFamily="34" charset="0"/>
               </a:rPr>
-              <a:t>) et configure le </a:t>
+              <a:t> et </a:t>
             </a:r>
             <a:r>
               <a:rPr lang="en-US" altLang="ko-KR" sz="2000" b="1" dirty="0" err="1" smtClean="0">
@@ -32272,7 +36572,7 @@
                 <a:latin typeface="Candara" panose="020E0502030303020204" pitchFamily="34" charset="0"/>
                 <a:cs typeface="Arial" pitchFamily="34" charset="0"/>
               </a:rPr>
-              <a:t>projet</a:t>
+              <a:t>entré</a:t>
             </a:r>
             <a:r>
               <a:rPr lang="en-US" altLang="ko-KR" sz="2000" b="1" dirty="0" smtClean="0">
@@ -32285,7 +36585,33 @@
                 <a:latin typeface="Candara" panose="020E0502030303020204" pitchFamily="34" charset="0"/>
                 <a:cs typeface="Arial" pitchFamily="34" charset="0"/>
               </a:rPr>
-              <a:t> sprint boot</a:t>
+              <a:t> (Spring </a:t>
+            </a:r>
+            <a:r>
+              <a:rPr lang="en-US" altLang="ko-KR" sz="2000" b="1" dirty="0" err="1">
+                <a:solidFill>
+                  <a:schemeClr val="tx1">
+                    <a:lumMod val="75000"/>
+                    <a:lumOff val="25000"/>
+                  </a:schemeClr>
+                </a:solidFill>
+                <a:latin typeface="Candara" panose="020E0502030303020204" pitchFamily="34" charset="0"/>
+                <a:cs typeface="Arial" pitchFamily="34" charset="0"/>
+              </a:rPr>
+              <a:t>Initialzr</a:t>
+            </a:r>
+            <a:r>
+              <a:rPr lang="en-US" altLang="ko-KR" sz="2000" b="1" dirty="0" smtClean="0">
+                <a:solidFill>
+                  <a:schemeClr val="tx1">
+                    <a:lumMod val="75000"/>
+                    <a:lumOff val="25000"/>
+                  </a:schemeClr>
+                </a:solidFill>
+                <a:latin typeface="Candara" panose="020E0502030303020204" pitchFamily="34" charset="0"/>
+                <a:cs typeface="Arial" pitchFamily="34" charset="0"/>
+              </a:rPr>
+              <a:t>)</a:t>
             </a:r>
             <a:endParaRPr lang="en-US" altLang="ko-KR" sz="2000" dirty="0">
               <a:solidFill>
@@ -32300,23 +36626,202 @@
           </a:p>
         </p:txBody>
       </p:sp>
+      <p:sp>
+        <p:nvSpPr>
+          <p:cNvPr id="4" name="TextBox 18">
+            <a:extLst>
+              <a:ext uri="{FF2B5EF4-FFF2-40B4-BE49-F238E27FC236}">
+                <a16:creationId xmlns:a16="http://schemas.microsoft.com/office/drawing/2014/main" xmlns="" id="{2106AE42-381B-4181-99FF-C01ED1B820A7}"/>
+              </a:ext>
+            </a:extLst>
+          </p:cNvPr>
+          <p:cNvSpPr txBox="1"/>
+          <p:nvPr/>
+        </p:nvSpPr>
+        <p:spPr>
+          <a:xfrm>
+            <a:off x="2731276" y="359097"/>
+            <a:ext cx="6056048" cy="523220"/>
+          </a:xfrm>
+          <a:prstGeom prst="rect">
+            <a:avLst/>
+          </a:prstGeom>
+          <a:noFill/>
+        </p:spPr>
+        <p:txBody>
+          <a:bodyPr wrap="square" rtlCol="0">
+            <a:spAutoFit/>
+          </a:bodyPr>
+          <a:lstStyle/>
+          <a:p>
+            <a:r>
+              <a:rPr lang="en-US" altLang="ko-KR" sz="2800" b="1" dirty="0" err="1" smtClean="0">
+                <a:solidFill>
+                  <a:schemeClr val="tx1">
+                    <a:lumMod val="75000"/>
+                    <a:lumOff val="25000"/>
+                  </a:schemeClr>
+                </a:solidFill>
+                <a:latin typeface="Candara" panose="020E0502030303020204" pitchFamily="34" charset="0"/>
+                <a:cs typeface="Arial" pitchFamily="34" charset="0"/>
+              </a:rPr>
+              <a:t>Configuré</a:t>
+            </a:r>
+            <a:r>
+              <a:rPr lang="en-US" altLang="ko-KR" sz="2800" b="1" dirty="0" smtClean="0">
+                <a:solidFill>
+                  <a:schemeClr val="tx1">
+                    <a:lumMod val="75000"/>
+                    <a:lumOff val="25000"/>
+                  </a:schemeClr>
+                </a:solidFill>
+                <a:latin typeface="Candara" panose="020E0502030303020204" pitchFamily="34" charset="0"/>
+                <a:cs typeface="Arial" pitchFamily="34" charset="0"/>
+              </a:rPr>
+              <a:t> et le </a:t>
+            </a:r>
+            <a:r>
+              <a:rPr lang="en-US" altLang="ko-KR" sz="2800" b="1" dirty="0" err="1" smtClean="0">
+                <a:solidFill>
+                  <a:schemeClr val="tx1">
+                    <a:lumMod val="75000"/>
+                    <a:lumOff val="25000"/>
+                  </a:schemeClr>
+                </a:solidFill>
+                <a:latin typeface="Candara" panose="020E0502030303020204" pitchFamily="34" charset="0"/>
+                <a:cs typeface="Arial" pitchFamily="34" charset="0"/>
+              </a:rPr>
+              <a:t>téléchagé</a:t>
+            </a:r>
+            <a:r>
+              <a:rPr lang="en-US" altLang="ko-KR" sz="2800" b="1" dirty="0" smtClean="0">
+                <a:solidFill>
+                  <a:schemeClr val="tx1">
+                    <a:lumMod val="75000"/>
+                    <a:lumOff val="25000"/>
+                  </a:schemeClr>
+                </a:solidFill>
+                <a:latin typeface="Candara" panose="020E0502030303020204" pitchFamily="34" charset="0"/>
+                <a:cs typeface="Arial" pitchFamily="34" charset="0"/>
+              </a:rPr>
+              <a:t> </a:t>
+            </a:r>
+            <a:r>
+              <a:rPr lang="en-US" altLang="ko-KR" sz="2800" b="1" dirty="0">
+                <a:solidFill>
+                  <a:schemeClr val="tx1">
+                    <a:lumMod val="75000"/>
+                    <a:lumOff val="25000"/>
+                  </a:schemeClr>
+                </a:solidFill>
+                <a:latin typeface="Candara" panose="020E0502030303020204" pitchFamily="34" charset="0"/>
+                <a:cs typeface="Arial" pitchFamily="34" charset="0"/>
+              </a:rPr>
+              <a:t>un </a:t>
+            </a:r>
+            <a:r>
+              <a:rPr lang="en-US" altLang="ko-KR" sz="2800" b="1" dirty="0" err="1">
+                <a:solidFill>
+                  <a:schemeClr val="tx1">
+                    <a:lumMod val="75000"/>
+                    <a:lumOff val="25000"/>
+                  </a:schemeClr>
+                </a:solidFill>
+                <a:latin typeface="Candara" panose="020E0502030303020204" pitchFamily="34" charset="0"/>
+                <a:cs typeface="Arial" pitchFamily="34" charset="0"/>
+              </a:rPr>
+              <a:t>projet</a:t>
+            </a:r>
+            <a:r>
+              <a:rPr lang="en-US" altLang="ko-KR" sz="2800" b="1" dirty="0">
+                <a:solidFill>
+                  <a:schemeClr val="tx1">
+                    <a:lumMod val="75000"/>
+                    <a:lumOff val="25000"/>
+                  </a:schemeClr>
+                </a:solidFill>
+                <a:latin typeface="Candara" panose="020E0502030303020204" pitchFamily="34" charset="0"/>
+                <a:cs typeface="Arial" pitchFamily="34" charset="0"/>
+              </a:rPr>
+              <a:t> </a:t>
+            </a:r>
+            <a:endParaRPr lang="en-US" altLang="ko-KR" sz="2800" dirty="0">
+              <a:solidFill>
+                <a:schemeClr val="tx1">
+                  <a:lumMod val="75000"/>
+                  <a:lumOff val="25000"/>
+                </a:schemeClr>
+              </a:solidFill>
+              <a:latin typeface="Candara" panose="020E0502030303020204" pitchFamily="34" charset="0"/>
+              <a:cs typeface="Arial" pitchFamily="34" charset="0"/>
+            </a:endParaRPr>
+          </a:p>
+        </p:txBody>
+      </p:sp>
+      <p:pic>
+        <p:nvPicPr>
+          <p:cNvPr id="5" name="Image 4"/>
+          <p:cNvPicPr>
+            <a:picLocks noChangeAspect="1"/>
+          </p:cNvPicPr>
+          <p:nvPr/>
+        </p:nvPicPr>
+        <p:blipFill>
+          <a:blip r:embed="rId2">
+            <a:extLst>
+              <a:ext uri="{28A0092B-C50C-407E-A947-70E740481C1C}">
+                <a14:useLocalDpi xmlns:a14="http://schemas.microsoft.com/office/drawing/2010/main" val="0"/>
+              </a:ext>
+            </a:extLst>
+          </a:blip>
+          <a:stretch>
+            <a:fillRect/>
+          </a:stretch>
+        </p:blipFill>
+        <p:spPr>
+          <a:xfrm>
+            <a:off x="1219200" y="1797269"/>
+            <a:ext cx="9806152" cy="4385931"/>
+          </a:xfrm>
+          <a:prstGeom prst="rect">
+            <a:avLst/>
+          </a:prstGeom>
+        </p:spPr>
+      </p:pic>
+      <p:pic>
+        <p:nvPicPr>
+          <p:cNvPr id="6" name="Image 5"/>
+          <p:cNvPicPr>
+            <a:picLocks noChangeAspect="1"/>
+          </p:cNvPicPr>
+          <p:nvPr/>
+        </p:nvPicPr>
+        <p:blipFill>
+          <a:blip r:embed="rId3"/>
+          <a:stretch>
+            <a:fillRect/>
+          </a:stretch>
+        </p:blipFill>
+        <p:spPr>
+          <a:xfrm>
+            <a:off x="10158456" y="629413"/>
+            <a:ext cx="1733792" cy="847843"/>
+          </a:xfrm>
+          <a:prstGeom prst="rect">
+            <a:avLst/>
+          </a:prstGeom>
+        </p:spPr>
+      </p:pic>
     </p:spTree>
     <p:extLst>
       <p:ext uri="{BB962C8B-B14F-4D97-AF65-F5344CB8AC3E}">
-        <p14:creationId xmlns:p14="http://schemas.microsoft.com/office/powerpoint/2010/main" val="3979649407"/>
+        <p14:creationId xmlns:p14="http://schemas.microsoft.com/office/powerpoint/2010/main" val="2167030428"/>
       </p:ext>
     </p:extLst>
   </p:cSld>
   <p:clrMapOvr>
     <a:masterClrMapping/>
   </p:clrMapOvr>
-  <p:timing>
-    <p:tnLst>
-      <p:par>
-        <p:cTn id="1" dur="indefinite" restart="never" nodeType="tmRoot"/>
-      </p:par>
-    </p:tnLst>
-  </p:timing>
 </p:sld>
 </file>
 

--- a/sprint boot.pptx
+++ b/sprint boot.pptx
@@ -198,7 +198,7 @@
             </a:lvl1pPr>
           </a:lstStyle>
           <a:p>
-            <a:endParaRPr lang="fr-FR"/>
+            <a:endParaRPr lang="fr-FR" dirty="0"/>
           </a:p>
         </p:txBody>
       </p:sp>
@@ -231,9 +231,9 @@
           <a:p>
             <a:fld id="{C00717B2-72F6-489A-9A68-CB4CDD37CF53}" type="datetimeFigureOut">
               <a:rPr lang="fr-FR" smtClean="0"/>
-              <a:t>29/07/2024</a:t>
+              <a:t>30/07/2024</a:t>
             </a:fld>
-            <a:endParaRPr lang="fr-FR"/>
+            <a:endParaRPr lang="fr-FR" dirty="0"/>
           </a:p>
         </p:txBody>
       </p:sp>
@@ -264,7 +264,7 @@
             </a:lvl1pPr>
           </a:lstStyle>
           <a:p>
-            <a:endParaRPr lang="fr-FR"/>
+            <a:endParaRPr lang="fr-FR" dirty="0"/>
           </a:p>
         </p:txBody>
       </p:sp>
@@ -299,7 +299,7 @@
               <a:rPr lang="fr-FR" smtClean="0"/>
               <a:t>‹N°›</a:t>
             </a:fld>
-            <a:endParaRPr lang="fr-FR"/>
+            <a:endParaRPr lang="fr-FR" dirty="0"/>
           </a:p>
         </p:txBody>
       </p:sp>
@@ -363,7 +363,7 @@
             </a:lvl1pPr>
           </a:lstStyle>
           <a:p>
-            <a:endParaRPr lang="en-US"/>
+            <a:endParaRPr lang="en-US" dirty="0"/>
           </a:p>
         </p:txBody>
       </p:sp>
@@ -396,9 +396,9 @@
           <a:p>
             <a:fld id="{4AAAF045-FEF6-43EA-9CDC-C84FC3F85E9C}" type="datetimeFigureOut">
               <a:rPr lang="en-US" smtClean="0"/>
-              <a:t>7/29/2024</a:t>
+              <a:t>7/30/2024</a:t>
             </a:fld>
-            <a:endParaRPr lang="en-US"/>
+            <a:endParaRPr lang="en-US" dirty="0"/>
           </a:p>
         </p:txBody>
       </p:sp>
@@ -431,7 +431,7 @@
           <a:bodyPr vert="horz" lIns="91440" tIns="45720" rIns="91440" bIns="45720" rtlCol="0" anchor="ctr"/>
           <a:lstStyle/>
           <a:p>
-            <a:endParaRPr lang="en-US"/>
+            <a:endParaRPr lang="en-US" dirty="0"/>
           </a:p>
         </p:txBody>
       </p:sp>
@@ -521,7 +521,7 @@
             </a:lvl1pPr>
           </a:lstStyle>
           <a:p>
-            <a:endParaRPr lang="en-US"/>
+            <a:endParaRPr lang="en-US" dirty="0"/>
           </a:p>
         </p:txBody>
       </p:sp>
@@ -556,7 +556,7 @@
               <a:rPr lang="en-US" smtClean="0"/>
               <a:t>‹N°›</a:t>
             </a:fld>
-            <a:endParaRPr lang="en-US"/>
+            <a:endParaRPr lang="en-US" dirty="0"/>
           </a:p>
         </p:txBody>
       </p:sp>
@@ -707,22 +707,6 @@
           <a:bodyPr/>
           <a:lstStyle/>
           <a:p>
-            <a:r>
-              <a:rPr lang="fr-FR" dirty="0" smtClean="0"/>
-              <a:t>Bonsoir </a:t>
-            </a:r>
-            <a:r>
-              <a:rPr lang="fr-FR" dirty="0" err="1" smtClean="0"/>
-              <a:t>mr</a:t>
-            </a:r>
-            <a:r>
-              <a:rPr lang="fr-FR" dirty="0" smtClean="0"/>
-              <a:t> et madame.</a:t>
-            </a:r>
-            <a:r>
-              <a:rPr lang="fr-FR" baseline="0" dirty="0" smtClean="0"/>
-              <a:t> Il était question pour moi de faire une présentation de la structure Afreetech Cameroun</a:t>
-            </a:r>
             <a:endParaRPr lang="fr-FR" dirty="0"/>
           </a:p>
         </p:txBody>
@@ -1159,7 +1143,7 @@
           <a:bodyPr/>
           <a:lstStyle/>
           <a:p>
-            <a:endParaRPr lang="fr-FR"/>
+            <a:endParaRPr lang="fr-FR" dirty="0"/>
           </a:p>
         </p:txBody>
       </p:sp>
@@ -1182,7 +1166,7 @@
               <a:rPr lang="en-US" smtClean="0"/>
               <a:t>6</a:t>
             </a:fld>
-            <a:endParaRPr lang="en-US"/>
+            <a:endParaRPr lang="en-US" dirty="0"/>
           </a:p>
         </p:txBody>
       </p:sp>
@@ -1243,7 +1227,7 @@
           <a:bodyPr/>
           <a:lstStyle/>
           <a:p>
-            <a:endParaRPr lang="fr-FR"/>
+            <a:endParaRPr lang="fr-FR" dirty="0"/>
           </a:p>
         </p:txBody>
       </p:sp>
@@ -1266,7 +1250,7 @@
               <a:rPr lang="en-US" smtClean="0"/>
               <a:t>8</a:t>
             </a:fld>
-            <a:endParaRPr lang="en-US"/>
+            <a:endParaRPr lang="en-US" dirty="0"/>
           </a:p>
         </p:txBody>
       </p:sp>
@@ -1327,7 +1311,7 @@
           <a:bodyPr/>
           <a:lstStyle/>
           <a:p>
-            <a:endParaRPr lang="fr-FR"/>
+            <a:endParaRPr lang="fr-FR" dirty="0"/>
           </a:p>
         </p:txBody>
       </p:sp>
@@ -1350,7 +1334,7 @@
               <a:rPr lang="en-US" smtClean="0"/>
               <a:t>11</a:t>
             </a:fld>
-            <a:endParaRPr lang="en-US"/>
+            <a:endParaRPr lang="en-US" dirty="0"/>
           </a:p>
         </p:txBody>
       </p:sp>
@@ -1434,7 +1418,7 @@
               <a:rPr lang="en-US" smtClean="0"/>
               <a:t>15</a:t>
             </a:fld>
-            <a:endParaRPr lang="en-US"/>
+            <a:endParaRPr lang="en-US" dirty="0"/>
           </a:p>
         </p:txBody>
       </p:sp>
@@ -1675,7 +1659,7 @@
           <a:lstStyle/>
           <a:p>
             <a:pPr algn="ctr"/>
-            <a:endParaRPr lang="fr-FR"/>
+            <a:endParaRPr lang="fr-FR" dirty="0"/>
           </a:p>
         </p:txBody>
       </p:sp>
@@ -1793,7 +1777,7 @@
               <a:pPr/>
               <a:t>‹N°›</a:t>
             </a:fld>
-            <a:endParaRPr lang="fr-FR"/>
+            <a:endParaRPr lang="fr-FR" dirty="0"/>
           </a:p>
         </p:txBody>
       </p:sp>
@@ -1853,7 +1837,7 @@
           <p:cNvPr id="10" name="Group 9">
             <a:extLst>
               <a:ext uri="{FF2B5EF4-FFF2-40B4-BE49-F238E27FC236}">
-                <a16:creationId xmlns:a16="http://schemas.microsoft.com/office/drawing/2014/main" xmlns="" id="{ABD26266-8DF8-4F9E-8108-90547D7F6DB4}"/>
+                <a16:creationId xmlns:a16="http://schemas.microsoft.com/office/drawing/2014/main" id="{ABD26266-8DF8-4F9E-8108-90547D7F6DB4}"/>
               </a:ext>
             </a:extLst>
           </p:cNvPr>
@@ -1873,7 +1857,7 @@
             <p:cNvPr id="11" name="Freeform: Shape 10">
               <a:extLst>
                 <a:ext uri="{FF2B5EF4-FFF2-40B4-BE49-F238E27FC236}">
-                  <a16:creationId xmlns:a16="http://schemas.microsoft.com/office/drawing/2014/main" xmlns="" id="{27F633FE-376E-404F-91E4-885447763090}"/>
+                  <a16:creationId xmlns:a16="http://schemas.microsoft.com/office/drawing/2014/main" id="{27F633FE-376E-404F-91E4-885447763090}"/>
                 </a:ext>
               </a:extLst>
             </p:cNvPr>
@@ -2024,7 +2008,7 @@
             </a:bodyPr>
             <a:lstStyle/>
             <a:p>
-              <a:endParaRPr lang="en-US">
+              <a:endParaRPr lang="en-US" dirty="0">
                 <a:latin typeface="Candara" panose="020E0502030303020204" pitchFamily="34" charset="0"/>
               </a:endParaRPr>
             </a:p>
@@ -2035,7 +2019,7 @@
             <p:cNvPr id="12" name="Freeform: Shape 11">
               <a:extLst>
                 <a:ext uri="{FF2B5EF4-FFF2-40B4-BE49-F238E27FC236}">
-                  <a16:creationId xmlns:a16="http://schemas.microsoft.com/office/drawing/2014/main" xmlns="" id="{400AA72A-9E73-4E92-9A24-FC8789F6DFA4}"/>
+                  <a16:creationId xmlns:a16="http://schemas.microsoft.com/office/drawing/2014/main" id="{400AA72A-9E73-4E92-9A24-FC8789F6DFA4}"/>
                 </a:ext>
               </a:extLst>
             </p:cNvPr>
@@ -2155,7 +2139,7 @@
             <p:cNvPr id="13" name="Freeform: Shape 12">
               <a:extLst>
                 <a:ext uri="{FF2B5EF4-FFF2-40B4-BE49-F238E27FC236}">
-                  <a16:creationId xmlns:a16="http://schemas.microsoft.com/office/drawing/2014/main" xmlns="" id="{46BD5C51-A833-433E-BB70-71DFE09A603C}"/>
+                  <a16:creationId xmlns:a16="http://schemas.microsoft.com/office/drawing/2014/main" id="{46BD5C51-A833-433E-BB70-71DFE09A603C}"/>
                 </a:ext>
               </a:extLst>
             </p:cNvPr>
@@ -2265,7 +2249,7 @@
             <p:cNvPr id="14" name="Freeform: Shape 13">
               <a:extLst>
                 <a:ext uri="{FF2B5EF4-FFF2-40B4-BE49-F238E27FC236}">
-                  <a16:creationId xmlns:a16="http://schemas.microsoft.com/office/drawing/2014/main" xmlns="" id="{F38E9B8E-66AA-4D07-8C4F-4CA5F0182522}"/>
+                  <a16:creationId xmlns:a16="http://schemas.microsoft.com/office/drawing/2014/main" id="{F38E9B8E-66AA-4D07-8C4F-4CA5F0182522}"/>
                 </a:ext>
               </a:extLst>
             </p:cNvPr>
@@ -2392,7 +2376,7 @@
             <p:cNvPr id="15" name="Freeform: Shape 14">
               <a:extLst>
                 <a:ext uri="{FF2B5EF4-FFF2-40B4-BE49-F238E27FC236}">
-                  <a16:creationId xmlns:a16="http://schemas.microsoft.com/office/drawing/2014/main" xmlns="" id="{3BC8E66A-1394-4D3C-B2E0-334A1F599DAF}"/>
+                  <a16:creationId xmlns:a16="http://schemas.microsoft.com/office/drawing/2014/main" id="{3BC8E66A-1394-4D3C-B2E0-334A1F599DAF}"/>
                 </a:ext>
               </a:extLst>
             </p:cNvPr>
@@ -2485,7 +2469,7 @@
             </a:bodyPr>
             <a:lstStyle/>
             <a:p>
-              <a:endParaRPr lang="en-US">
+              <a:endParaRPr lang="en-US" dirty="0">
                 <a:latin typeface="Candara" panose="020E0502030303020204" pitchFamily="34" charset="0"/>
               </a:endParaRPr>
             </a:p>
@@ -2496,7 +2480,7 @@
             <p:cNvPr id="16" name="Freeform: Shape 15">
               <a:extLst>
                 <a:ext uri="{FF2B5EF4-FFF2-40B4-BE49-F238E27FC236}">
-                  <a16:creationId xmlns:a16="http://schemas.microsoft.com/office/drawing/2014/main" xmlns="" id="{BD4802E1-A5FC-45E8-8180-8E940D832B5F}"/>
+                  <a16:creationId xmlns:a16="http://schemas.microsoft.com/office/drawing/2014/main" id="{BD4802E1-A5FC-45E8-8180-8E940D832B5F}"/>
                 </a:ext>
               </a:extLst>
             </p:cNvPr>
@@ -2567,7 +2551,7 @@
             <a:bodyPr rtlCol="0" anchor="ctr"/>
             <a:lstStyle/>
             <a:p>
-              <a:endParaRPr lang="en-US">
+              <a:endParaRPr lang="en-US" dirty="0">
                 <a:latin typeface="Candara" panose="020E0502030303020204" pitchFamily="34" charset="0"/>
               </a:endParaRPr>
             </a:p>
@@ -2578,7 +2562,7 @@
             <p:cNvPr id="17" name="Freeform: Shape 16">
               <a:extLst>
                 <a:ext uri="{FF2B5EF4-FFF2-40B4-BE49-F238E27FC236}">
-                  <a16:creationId xmlns:a16="http://schemas.microsoft.com/office/drawing/2014/main" xmlns="" id="{92825B71-4111-4DEB-8EF4-3C86689A682C}"/>
+                  <a16:creationId xmlns:a16="http://schemas.microsoft.com/office/drawing/2014/main" id="{92825B71-4111-4DEB-8EF4-3C86689A682C}"/>
                 </a:ext>
               </a:extLst>
             </p:cNvPr>
@@ -2690,7 +2674,7 @@
           <p:cNvPr id="18" name="Rectangle 17">
             <a:extLst>
               <a:ext uri="{FF2B5EF4-FFF2-40B4-BE49-F238E27FC236}">
-                <a16:creationId xmlns:a16="http://schemas.microsoft.com/office/drawing/2014/main" xmlns="" id="{23A80384-9207-4A80-9B70-A1F7CDE8F6C3}"/>
+                <a16:creationId xmlns:a16="http://schemas.microsoft.com/office/drawing/2014/main" id="{23A80384-9207-4A80-9B70-A1F7CDE8F6C3}"/>
               </a:ext>
             </a:extLst>
           </p:cNvPr>
@@ -2750,7 +2734,7 @@
           <p:cNvPr id="19" name="Oval 18">
             <a:extLst>
               <a:ext uri="{FF2B5EF4-FFF2-40B4-BE49-F238E27FC236}">
-                <a16:creationId xmlns:a16="http://schemas.microsoft.com/office/drawing/2014/main" xmlns="" id="{4C416A75-B8CF-4929-BC37-2BBFEDC80AA1}"/>
+                <a16:creationId xmlns:a16="http://schemas.microsoft.com/office/drawing/2014/main" id="{4C416A75-B8CF-4929-BC37-2BBFEDC80AA1}"/>
               </a:ext>
             </a:extLst>
           </p:cNvPr>
@@ -2807,7 +2791,7 @@
           <p:cNvPr id="21" name="Oval 9">
             <a:extLst>
               <a:ext uri="{FF2B5EF4-FFF2-40B4-BE49-F238E27FC236}">
-                <a16:creationId xmlns:a16="http://schemas.microsoft.com/office/drawing/2014/main" xmlns="" id="{01AED590-6033-41B9-B612-A655FC2D2471}"/>
+                <a16:creationId xmlns:a16="http://schemas.microsoft.com/office/drawing/2014/main" id="{01AED590-6033-41B9-B612-A655FC2D2471}"/>
               </a:ext>
             </a:extLst>
           </p:cNvPr>
@@ -2861,7 +2845,7 @@
           <p:cNvPr id="22" name="Picture Placeholder 2">
             <a:extLst>
               <a:ext uri="{FF2B5EF4-FFF2-40B4-BE49-F238E27FC236}">
-                <a16:creationId xmlns:a16="http://schemas.microsoft.com/office/drawing/2014/main" xmlns="" id="{4BA74944-B383-469B-9810-16FAA4736103}"/>
+                <a16:creationId xmlns:a16="http://schemas.microsoft.com/office/drawing/2014/main" id="{4BA74944-B383-469B-9810-16FAA4736103}"/>
               </a:ext>
             </a:extLst>
           </p:cNvPr>
@@ -2946,7 +2930,7 @@
           <p:cNvPr id="23" name="Group 20">
             <a:extLst>
               <a:ext uri="{FF2B5EF4-FFF2-40B4-BE49-F238E27FC236}">
-                <a16:creationId xmlns:a16="http://schemas.microsoft.com/office/drawing/2014/main" xmlns="" id="{73844864-235F-4E14-9FBA-EB17CB8C013A}"/>
+                <a16:creationId xmlns:a16="http://schemas.microsoft.com/office/drawing/2014/main" id="{73844864-235F-4E14-9FBA-EB17CB8C013A}"/>
               </a:ext>
             </a:extLst>
           </p:cNvPr>
@@ -2966,7 +2950,7 @@
             <p:cNvPr id="24" name="Rounded Rectangle 21">
               <a:extLst>
                 <a:ext uri="{FF2B5EF4-FFF2-40B4-BE49-F238E27FC236}">
-                  <a16:creationId xmlns:a16="http://schemas.microsoft.com/office/drawing/2014/main" xmlns="" id="{A0C7D66C-8C6F-4B9E-8DC1-072BF2073C6A}"/>
+                  <a16:creationId xmlns:a16="http://schemas.microsoft.com/office/drawing/2014/main" id="{A0C7D66C-8C6F-4B9E-8DC1-072BF2073C6A}"/>
                 </a:ext>
               </a:extLst>
             </p:cNvPr>
@@ -3031,7 +3015,7 @@
             <p:cNvPr id="25" name="Rectangle 22">
               <a:extLst>
                 <a:ext uri="{FF2B5EF4-FFF2-40B4-BE49-F238E27FC236}">
-                  <a16:creationId xmlns:a16="http://schemas.microsoft.com/office/drawing/2014/main" xmlns="" id="{764ECC13-9256-4F74-B289-1001D8F2747F}"/>
+                  <a16:creationId xmlns:a16="http://schemas.microsoft.com/office/drawing/2014/main" id="{764ECC13-9256-4F74-B289-1001D8F2747F}"/>
                 </a:ext>
               </a:extLst>
             </p:cNvPr>
@@ -3085,7 +3069,7 @@
             <p:cNvPr id="26" name="Group 23">
               <a:extLst>
                 <a:ext uri="{FF2B5EF4-FFF2-40B4-BE49-F238E27FC236}">
-                  <a16:creationId xmlns:a16="http://schemas.microsoft.com/office/drawing/2014/main" xmlns="" id="{808E2BAA-465D-4C79-8B44-51C252EE8A0B}"/>
+                  <a16:creationId xmlns:a16="http://schemas.microsoft.com/office/drawing/2014/main" id="{808E2BAA-465D-4C79-8B44-51C252EE8A0B}"/>
                 </a:ext>
               </a:extLst>
             </p:cNvPr>
@@ -3105,7 +3089,7 @@
               <p:cNvPr id="27" name="Oval 24">
                 <a:extLst>
                   <a:ext uri="{FF2B5EF4-FFF2-40B4-BE49-F238E27FC236}">
-                    <a16:creationId xmlns:a16="http://schemas.microsoft.com/office/drawing/2014/main" xmlns="" id="{2402E4F7-C37D-4790-B616-737E2810F7FC}"/>
+                    <a16:creationId xmlns:a16="http://schemas.microsoft.com/office/drawing/2014/main" id="{2402E4F7-C37D-4790-B616-737E2810F7FC}"/>
                   </a:ext>
                 </a:extLst>
               </p:cNvPr>
@@ -3194,7 +3178,7 @@
               <p:cNvPr id="28" name="Rounded Rectangle 25">
                 <a:extLst>
                   <a:ext uri="{FF2B5EF4-FFF2-40B4-BE49-F238E27FC236}">
-                    <a16:creationId xmlns:a16="http://schemas.microsoft.com/office/drawing/2014/main" xmlns="" id="{76D07C3D-86F4-43C7-B719-BBBFD744E107}"/>
+                    <a16:creationId xmlns:a16="http://schemas.microsoft.com/office/drawing/2014/main" id="{76D07C3D-86F4-43C7-B719-BBBFD744E107}"/>
                   </a:ext>
                 </a:extLst>
               </p:cNvPr>
@@ -3252,7 +3236,7 @@
           <p:cNvPr id="29" name="Picture Placeholder 2">
             <a:extLst>
               <a:ext uri="{FF2B5EF4-FFF2-40B4-BE49-F238E27FC236}">
-                <a16:creationId xmlns:a16="http://schemas.microsoft.com/office/drawing/2014/main" xmlns="" id="{1B67B68D-FEC5-42A8-B837-0016014A5CE9}"/>
+                <a16:creationId xmlns:a16="http://schemas.microsoft.com/office/drawing/2014/main" id="{1B67B68D-FEC5-42A8-B837-0016014A5CE9}"/>
               </a:ext>
             </a:extLst>
           </p:cNvPr>
@@ -3337,7 +3321,7 @@
           <p:cNvPr id="30" name="Text Placeholder 9">
             <a:extLst>
               <a:ext uri="{FF2B5EF4-FFF2-40B4-BE49-F238E27FC236}">
-                <a16:creationId xmlns:a16="http://schemas.microsoft.com/office/drawing/2014/main" xmlns="" id="{16F402C5-963E-430D-8D32-CCEA9657B818}"/>
+                <a16:creationId xmlns:a16="http://schemas.microsoft.com/office/drawing/2014/main" id="{16F402C5-963E-430D-8D32-CCEA9657B818}"/>
               </a:ext>
             </a:extLst>
           </p:cNvPr>
@@ -3419,7 +3403,7 @@
           <a:lstStyle/>
           <a:p>
             <a:pPr algn="ctr"/>
-            <a:endParaRPr lang="fr-FR"/>
+            <a:endParaRPr lang="fr-FR" dirty="0"/>
           </a:p>
         </p:txBody>
       </p:sp>
@@ -3537,7 +3521,7 @@
               <a:pPr/>
               <a:t>‹N°›</a:t>
             </a:fld>
-            <a:endParaRPr lang="fr-FR"/>
+            <a:endParaRPr lang="fr-FR" dirty="0"/>
           </a:p>
         </p:txBody>
       </p:sp>
@@ -3661,7 +3645,7 @@
           <a:lstStyle/>
           <a:p>
             <a:pPr algn="ctr"/>
-            <a:endParaRPr lang="fr-FR"/>
+            <a:endParaRPr lang="fr-FR" dirty="0"/>
           </a:p>
         </p:txBody>
       </p:sp>
@@ -3779,7 +3763,7 @@
               <a:pPr/>
               <a:t>‹N°›</a:t>
             </a:fld>
-            <a:endParaRPr lang="fr-FR"/>
+            <a:endParaRPr lang="fr-FR" dirty="0"/>
           </a:p>
         </p:txBody>
       </p:sp>
@@ -3863,7 +3847,7 @@
           <p:cNvPr id="2" name="Picture Placeholder 22">
             <a:extLst>
               <a:ext uri="{FF2B5EF4-FFF2-40B4-BE49-F238E27FC236}">
-                <a16:creationId xmlns:a16="http://schemas.microsoft.com/office/drawing/2014/main" xmlns="" id="{E58C46AB-72B0-452F-8968-7F13D6C69330}"/>
+                <a16:creationId xmlns:a16="http://schemas.microsoft.com/office/drawing/2014/main" id="{E58C46AB-72B0-452F-8968-7F13D6C69330}"/>
               </a:ext>
             </a:extLst>
           </p:cNvPr>
@@ -4031,7 +4015,7 @@
           <a:lstStyle/>
           <a:p>
             <a:pPr algn="ctr"/>
-            <a:endParaRPr lang="fr-FR"/>
+            <a:endParaRPr lang="fr-FR" dirty="0"/>
           </a:p>
         </p:txBody>
       </p:sp>
@@ -4149,7 +4133,7 @@
               <a:pPr/>
               <a:t>‹N°›</a:t>
             </a:fld>
-            <a:endParaRPr lang="fr-FR"/>
+            <a:endParaRPr lang="fr-FR" dirty="0"/>
           </a:p>
         </p:txBody>
       </p:sp>
@@ -4243,7 +4227,7 @@
           <a:lstStyle/>
           <a:p>
             <a:pPr algn="ctr"/>
-            <a:endParaRPr lang="fr-FR"/>
+            <a:endParaRPr lang="fr-FR" dirty="0"/>
           </a:p>
         </p:txBody>
       </p:sp>
@@ -4451,7 +4435,7 @@
           <p:cNvPr id="2" name="Rectangle 1">
             <a:extLst>
               <a:ext uri="{FF2B5EF4-FFF2-40B4-BE49-F238E27FC236}">
-                <a16:creationId xmlns:a16="http://schemas.microsoft.com/office/drawing/2014/main" xmlns="" id="{30AE252F-2F95-498B-9748-639B6E785753}"/>
+                <a16:creationId xmlns:a16="http://schemas.microsoft.com/office/drawing/2014/main" id="{30AE252F-2F95-498B-9748-639B6E785753}"/>
               </a:ext>
             </a:extLst>
           </p:cNvPr>
@@ -4491,7 +4475,7 @@
           <a:lstStyle/>
           <a:p>
             <a:pPr algn="ctr"/>
-            <a:endParaRPr lang="en-US" sz="1200"/>
+            <a:endParaRPr lang="en-US" sz="1200" dirty="0"/>
           </a:p>
         </p:txBody>
       </p:sp>
@@ -4500,7 +4484,7 @@
           <p:cNvPr id="3" name="Picture Placeholder 2">
             <a:extLst>
               <a:ext uri="{FF2B5EF4-FFF2-40B4-BE49-F238E27FC236}">
-                <a16:creationId xmlns:a16="http://schemas.microsoft.com/office/drawing/2014/main" xmlns="" id="{2000EF3A-BE58-433D-9D14-B9221C51EC72}"/>
+                <a16:creationId xmlns:a16="http://schemas.microsoft.com/office/drawing/2014/main" id="{2000EF3A-BE58-433D-9D14-B9221C51EC72}"/>
               </a:ext>
             </a:extLst>
           </p:cNvPr>
@@ -4616,7 +4600,7 @@
           <a:lstStyle/>
           <a:p>
             <a:pPr algn="ctr"/>
-            <a:endParaRPr lang="fr-FR"/>
+            <a:endParaRPr lang="fr-FR" dirty="0"/>
           </a:p>
         </p:txBody>
       </p:sp>
@@ -4734,7 +4718,7 @@
               <a:pPr/>
               <a:t>‹N°›</a:t>
             </a:fld>
-            <a:endParaRPr lang="fr-FR"/>
+            <a:endParaRPr lang="fr-FR" dirty="0"/>
           </a:p>
         </p:txBody>
       </p:sp>
@@ -4877,7 +4861,7 @@
           <a:lstStyle/>
           <a:p>
             <a:pPr algn="ctr"/>
-            <a:endParaRPr lang="fr-FR"/>
+            <a:endParaRPr lang="fr-FR" dirty="0"/>
           </a:p>
         </p:txBody>
       </p:sp>
@@ -5139,7 +5123,7 @@
           <a:lstStyle/>
           <a:p>
             <a:pPr algn="ctr"/>
-            <a:endParaRPr lang="fr-FR"/>
+            <a:endParaRPr lang="fr-FR" dirty="0"/>
           </a:p>
         </p:txBody>
       </p:sp>
@@ -5257,7 +5241,7 @@
               <a:pPr/>
               <a:t>‹N°›</a:t>
             </a:fld>
-            <a:endParaRPr lang="fr-FR"/>
+            <a:endParaRPr lang="fr-FR" dirty="0"/>
           </a:p>
         </p:txBody>
       </p:sp>
@@ -5401,7 +5385,7 @@
           <a:lstStyle/>
           <a:p>
             <a:pPr algn="ctr"/>
-            <a:endParaRPr lang="fr-FR"/>
+            <a:endParaRPr lang="fr-FR" dirty="0"/>
           </a:p>
         </p:txBody>
       </p:sp>
@@ -5519,7 +5503,7 @@
               <a:pPr/>
               <a:t>‹N°›</a:t>
             </a:fld>
-            <a:endParaRPr lang="fr-FR"/>
+            <a:endParaRPr lang="fr-FR" dirty="0"/>
           </a:p>
         </p:txBody>
       </p:sp>
@@ -5985,7 +5969,7 @@
           <p:cNvPr id="58" name="TextBox 57">
             <a:extLst>
               <a:ext uri="{FF2B5EF4-FFF2-40B4-BE49-F238E27FC236}">
-                <a16:creationId xmlns:a16="http://schemas.microsoft.com/office/drawing/2014/main" xmlns="" id="{5644E8BB-F13A-4AE0-889E-633DE4143787}"/>
+                <a16:creationId xmlns:a16="http://schemas.microsoft.com/office/drawing/2014/main" id="{5644E8BB-F13A-4AE0-889E-633DE4143787}"/>
               </a:ext>
             </a:extLst>
           </p:cNvPr>
@@ -6033,7 +6017,7 @@
           <p:cNvPr id="59" name="TextBox 58">
             <a:extLst>
               <a:ext uri="{FF2B5EF4-FFF2-40B4-BE49-F238E27FC236}">
-                <a16:creationId xmlns:a16="http://schemas.microsoft.com/office/drawing/2014/main" xmlns="" id="{F2CE2B8B-ED32-491A-95B2-D28904BC432C}"/>
+                <a16:creationId xmlns:a16="http://schemas.microsoft.com/office/drawing/2014/main" id="{F2CE2B8B-ED32-491A-95B2-D28904BC432C}"/>
               </a:ext>
             </a:extLst>
           </p:cNvPr>
@@ -6093,7 +6077,7 @@
           <p:cNvPr id="60" name="TextBox 59">
             <a:extLst>
               <a:ext uri="{FF2B5EF4-FFF2-40B4-BE49-F238E27FC236}">
-                <a16:creationId xmlns:a16="http://schemas.microsoft.com/office/drawing/2014/main" xmlns="" id="{962A52DF-2523-4479-BFA3-B5ACE9887E1C}"/>
+                <a16:creationId xmlns:a16="http://schemas.microsoft.com/office/drawing/2014/main" id="{962A52DF-2523-4479-BFA3-B5ACE9887E1C}"/>
               </a:ext>
             </a:extLst>
           </p:cNvPr>
@@ -6142,7 +6126,7 @@
           <p:cNvPr id="61" name="TextBox 60">
             <a:extLst>
               <a:ext uri="{FF2B5EF4-FFF2-40B4-BE49-F238E27FC236}">
-                <a16:creationId xmlns:a16="http://schemas.microsoft.com/office/drawing/2014/main" xmlns="" id="{BAAC314F-E96A-4408-95DE-A70E9ED054AF}"/>
+                <a16:creationId xmlns:a16="http://schemas.microsoft.com/office/drawing/2014/main" id="{BAAC314F-E96A-4408-95DE-A70E9ED054AF}"/>
               </a:ext>
             </a:extLst>
           </p:cNvPr>
@@ -7094,7 +7078,7 @@
           <a:lstStyle/>
           <a:p>
             <a:pPr algn="ctr"/>
-            <a:endParaRPr lang="fr-FR"/>
+            <a:endParaRPr lang="fr-FR" dirty="0"/>
           </a:p>
         </p:txBody>
       </p:sp>
@@ -8294,7 +8278,7 @@
           <a:lstStyle/>
           <a:p>
             <a:pPr algn="ctr"/>
-            <a:endParaRPr lang="fr-FR"/>
+            <a:endParaRPr lang="fr-FR" dirty="0"/>
           </a:p>
         </p:txBody>
       </p:sp>
@@ -9796,7 +9780,7 @@
           <a:lstStyle/>
           <a:p>
             <a:pPr algn="ctr"/>
-            <a:endParaRPr lang="fr-FR"/>
+            <a:endParaRPr lang="fr-FR" dirty="0"/>
           </a:p>
         </p:txBody>
       </p:sp>
@@ -9914,7 +9898,7 @@
               <a:pPr/>
               <a:t>‹N°›</a:t>
             </a:fld>
-            <a:endParaRPr lang="fr-FR"/>
+            <a:endParaRPr lang="fr-FR" dirty="0"/>
           </a:p>
         </p:txBody>
       </p:sp>
@@ -10644,7 +10628,7 @@
           <a:lstStyle/>
           <a:p>
             <a:pPr algn="ctr"/>
-            <a:endParaRPr lang="fr-FR"/>
+            <a:endParaRPr lang="fr-FR" dirty="0"/>
           </a:p>
         </p:txBody>
       </p:sp>
@@ -10762,7 +10746,7 @@
               <a:pPr/>
               <a:t>‹N°›</a:t>
             </a:fld>
-            <a:endParaRPr lang="fr-FR"/>
+            <a:endParaRPr lang="fr-FR" dirty="0"/>
           </a:p>
         </p:txBody>
       </p:sp>
@@ -11358,7 +11342,7 @@
           <a:lstStyle/>
           <a:p>
             <a:pPr algn="ctr"/>
-            <a:endParaRPr lang="fr-FR"/>
+            <a:endParaRPr lang="fr-FR" dirty="0"/>
           </a:p>
         </p:txBody>
       </p:sp>
@@ -11476,7 +11460,7 @@
               <a:pPr/>
               <a:t>‹N°›</a:t>
             </a:fld>
-            <a:endParaRPr lang="fr-FR"/>
+            <a:endParaRPr lang="fr-FR" dirty="0"/>
           </a:p>
         </p:txBody>
       </p:sp>
@@ -12271,7 +12255,7 @@
           <a:lstStyle/>
           <a:p>
             <a:pPr algn="ctr"/>
-            <a:endParaRPr lang="fr-FR"/>
+            <a:endParaRPr lang="fr-FR" dirty="0"/>
           </a:p>
         </p:txBody>
       </p:sp>
@@ -12389,7 +12373,7 @@
               <a:pPr/>
               <a:t>‹N°›</a:t>
             </a:fld>
-            <a:endParaRPr lang="fr-FR"/>
+            <a:endParaRPr lang="fr-FR" dirty="0"/>
           </a:p>
         </p:txBody>
       </p:sp>
@@ -13416,7 +13400,7 @@
           <a:lstStyle/>
           <a:p>
             <a:pPr algn="ctr"/>
-            <a:endParaRPr lang="fr-FR"/>
+            <a:endParaRPr lang="fr-FR" dirty="0"/>
           </a:p>
         </p:txBody>
       </p:sp>
@@ -13534,7 +13518,7 @@
               <a:pPr/>
               <a:t>‹N°›</a:t>
             </a:fld>
-            <a:endParaRPr lang="fr-FR"/>
+            <a:endParaRPr lang="fr-FR" dirty="0"/>
           </a:p>
         </p:txBody>
       </p:sp>
@@ -14922,7 +14906,7 @@
           <a:lstStyle/>
           <a:p>
             <a:pPr algn="ctr"/>
-            <a:endParaRPr lang="fr-FR"/>
+            <a:endParaRPr lang="fr-FR" dirty="0"/>
           </a:p>
         </p:txBody>
       </p:sp>
@@ -15040,7 +15024,7 @@
               <a:pPr/>
               <a:t>‹N°›</a:t>
             </a:fld>
-            <a:endParaRPr lang="fr-FR"/>
+            <a:endParaRPr lang="fr-FR" dirty="0"/>
           </a:p>
         </p:txBody>
       </p:sp>
@@ -15855,7 +15839,7 @@
           <a:lstStyle/>
           <a:p>
             <a:pPr algn="ctr"/>
-            <a:endParaRPr lang="fr-FR"/>
+            <a:endParaRPr lang="fr-FR" dirty="0"/>
           </a:p>
         </p:txBody>
       </p:sp>
@@ -15973,7 +15957,7 @@
               <a:pPr/>
               <a:t>‹N°›</a:t>
             </a:fld>
-            <a:endParaRPr lang="fr-FR"/>
+            <a:endParaRPr lang="fr-FR" dirty="0"/>
           </a:p>
         </p:txBody>
       </p:sp>
@@ -16063,7 +16047,7 @@
           <p:cNvPr id="2" name="Text Placeholder 9">
             <a:extLst>
               <a:ext uri="{FF2B5EF4-FFF2-40B4-BE49-F238E27FC236}">
-                <a16:creationId xmlns:a16="http://schemas.microsoft.com/office/drawing/2014/main" xmlns="" id="{23DE32A5-6181-4C51-AD5C-3F1A448478A1}"/>
+                <a16:creationId xmlns:a16="http://schemas.microsoft.com/office/drawing/2014/main" id="{23DE32A5-6181-4C51-AD5C-3F1A448478A1}"/>
               </a:ext>
             </a:extLst>
           </p:cNvPr>
@@ -16148,7 +16132,7 @@
           <a:lstStyle/>
           <a:p>
             <a:pPr algn="ctr"/>
-            <a:endParaRPr lang="fr-FR"/>
+            <a:endParaRPr lang="fr-FR" dirty="0"/>
           </a:p>
         </p:txBody>
       </p:sp>
@@ -16392,7 +16376,7 @@
           <a:lstStyle/>
           <a:p>
             <a:pPr algn="ctr"/>
-            <a:endParaRPr lang="fr-FR">
+            <a:endParaRPr lang="fr-FR" dirty="0">
               <a:latin typeface="Candara" panose="020E0502030303020204" pitchFamily="34" charset="0"/>
               <a:cs typeface="Arial" pitchFamily="34" charset="0"/>
             </a:endParaRPr>
@@ -17098,7 +17082,7 @@
           <a:lstStyle/>
           <a:p>
             <a:pPr algn="ctr"/>
-            <a:endParaRPr lang="fr-FR"/>
+            <a:endParaRPr lang="fr-FR" dirty="0"/>
           </a:p>
         </p:txBody>
       </p:sp>
@@ -17216,7 +17200,7 @@
               <a:pPr/>
               <a:t>‹N°›</a:t>
             </a:fld>
-            <a:endParaRPr lang="fr-FR"/>
+            <a:endParaRPr lang="fr-FR" dirty="0"/>
           </a:p>
         </p:txBody>
       </p:sp>
@@ -17639,7 +17623,7 @@
           <a:lstStyle/>
           <a:p>
             <a:pPr algn="ctr"/>
-            <a:endParaRPr lang="fr-FR"/>
+            <a:endParaRPr lang="fr-FR" dirty="0"/>
           </a:p>
         </p:txBody>
       </p:sp>
@@ -17757,7 +17741,7 @@
               <a:pPr/>
               <a:t>‹N°›</a:t>
             </a:fld>
-            <a:endParaRPr lang="fr-FR"/>
+            <a:endParaRPr lang="fr-FR" dirty="0"/>
           </a:p>
         </p:txBody>
       </p:sp>
@@ -18150,7 +18134,7 @@
           <a:lstStyle/>
           <a:p>
             <a:pPr algn="ctr"/>
-            <a:endParaRPr lang="fr-FR"/>
+            <a:endParaRPr lang="fr-FR" dirty="0"/>
           </a:p>
         </p:txBody>
       </p:sp>
@@ -18268,7 +18252,7 @@
               <a:pPr/>
               <a:t>‹N°›</a:t>
             </a:fld>
-            <a:endParaRPr lang="fr-FR"/>
+            <a:endParaRPr lang="fr-FR" dirty="0"/>
           </a:p>
         </p:txBody>
       </p:sp>
@@ -18635,7 +18619,7 @@
           <a:lstStyle/>
           <a:p>
             <a:pPr algn="ctr"/>
-            <a:endParaRPr lang="fr-FR"/>
+            <a:endParaRPr lang="fr-FR" dirty="0"/>
           </a:p>
         </p:txBody>
       </p:sp>
@@ -18753,7 +18737,7 @@
               <a:pPr/>
               <a:t>‹N°›</a:t>
             </a:fld>
-            <a:endParaRPr lang="fr-FR"/>
+            <a:endParaRPr lang="fr-FR" dirty="0"/>
           </a:p>
         </p:txBody>
       </p:sp>
@@ -19150,7 +19134,7 @@
           <a:lstStyle/>
           <a:p>
             <a:pPr algn="ctr"/>
-            <a:endParaRPr lang="fr-FR"/>
+            <a:endParaRPr lang="fr-FR" dirty="0"/>
           </a:p>
         </p:txBody>
       </p:sp>
@@ -19268,7 +19252,7 @@
               <a:pPr/>
               <a:t>‹N°›</a:t>
             </a:fld>
-            <a:endParaRPr lang="fr-FR"/>
+            <a:endParaRPr lang="fr-FR" dirty="0"/>
           </a:p>
         </p:txBody>
       </p:sp>
@@ -19689,7 +19673,7 @@
           <a:lstStyle/>
           <a:p>
             <a:pPr algn="ctr"/>
-            <a:endParaRPr lang="fr-FR"/>
+            <a:endParaRPr lang="fr-FR" dirty="0"/>
           </a:p>
         </p:txBody>
       </p:sp>
@@ -19807,7 +19791,7 @@
               <a:pPr/>
               <a:t>‹N°›</a:t>
             </a:fld>
-            <a:endParaRPr lang="fr-FR"/>
+            <a:endParaRPr lang="fr-FR" dirty="0"/>
           </a:p>
         </p:txBody>
       </p:sp>
@@ -20264,7 +20248,7 @@
           <a:lstStyle/>
           <a:p>
             <a:pPr algn="ctr"/>
-            <a:endParaRPr lang="fr-FR"/>
+            <a:endParaRPr lang="fr-FR" dirty="0"/>
           </a:p>
         </p:txBody>
       </p:sp>
@@ -20646,7 +20630,7 @@
           <a:lstStyle/>
           <a:p>
             <a:pPr algn="ctr"/>
-            <a:endParaRPr lang="fr-FR"/>
+            <a:endParaRPr lang="fr-FR" dirty="0"/>
           </a:p>
         </p:txBody>
       </p:sp>
@@ -20764,7 +20748,7 @@
               <a:pPr/>
               <a:t>‹N°›</a:t>
             </a:fld>
-            <a:endParaRPr lang="fr-FR"/>
+            <a:endParaRPr lang="fr-FR" dirty="0"/>
           </a:p>
         </p:txBody>
       </p:sp>
@@ -20879,7 +20863,7 @@
           <a:lstStyle/>
           <a:p>
             <a:pPr algn="ctr"/>
-            <a:endParaRPr lang="fr-FR"/>
+            <a:endParaRPr lang="fr-FR" dirty="0"/>
           </a:p>
         </p:txBody>
       </p:sp>
@@ -21091,7 +21075,7 @@
           <a:lstStyle/>
           <a:p>
             <a:pPr algn="ctr"/>
-            <a:endParaRPr lang="fr-FR"/>
+            <a:endParaRPr lang="fr-FR" dirty="0"/>
           </a:p>
         </p:txBody>
       </p:sp>
@@ -21324,7 +21308,7 @@
           <a:lstStyle/>
           <a:p>
             <a:pPr algn="ctr"/>
-            <a:endParaRPr lang="fr-FR"/>
+            <a:endParaRPr lang="fr-FR" dirty="0"/>
           </a:p>
         </p:txBody>
       </p:sp>
@@ -21442,7 +21426,7 @@
               <a:pPr/>
               <a:t>‹N°›</a:t>
             </a:fld>
-            <a:endParaRPr lang="fr-FR"/>
+            <a:endParaRPr lang="fr-FR" dirty="0"/>
           </a:p>
         </p:txBody>
       </p:sp>
@@ -21502,7 +21486,7 @@
           <p:cNvPr id="3" name="Text Placeholder 9">
             <a:extLst>
               <a:ext uri="{FF2B5EF4-FFF2-40B4-BE49-F238E27FC236}">
-                <a16:creationId xmlns:a16="http://schemas.microsoft.com/office/drawing/2014/main" xmlns="" id="{EF70765A-4598-4D75-8EBE-B820808F6559}"/>
+                <a16:creationId xmlns:a16="http://schemas.microsoft.com/office/drawing/2014/main" id="{EF70765A-4598-4D75-8EBE-B820808F6559}"/>
               </a:ext>
             </a:extLst>
           </p:cNvPr>
@@ -21553,7 +21537,7 @@
           <p:cNvPr id="4" name="Picture Placeholder 2">
             <a:extLst>
               <a:ext uri="{FF2B5EF4-FFF2-40B4-BE49-F238E27FC236}">
-                <a16:creationId xmlns:a16="http://schemas.microsoft.com/office/drawing/2014/main" xmlns="" id="{CA1A6E33-8A0F-4192-83F6-2FB90AE8DE70}"/>
+                <a16:creationId xmlns:a16="http://schemas.microsoft.com/office/drawing/2014/main" id="{CA1A6E33-8A0F-4192-83F6-2FB90AE8DE70}"/>
               </a:ext>
             </a:extLst>
           </p:cNvPr>
@@ -21638,7 +21622,7 @@
           <p:cNvPr id="5" name="Picture Placeholder 2">
             <a:extLst>
               <a:ext uri="{FF2B5EF4-FFF2-40B4-BE49-F238E27FC236}">
-                <a16:creationId xmlns:a16="http://schemas.microsoft.com/office/drawing/2014/main" xmlns="" id="{B7332FD6-4CCE-4EA6-A914-847EA767CDE7}"/>
+                <a16:creationId xmlns:a16="http://schemas.microsoft.com/office/drawing/2014/main" id="{B7332FD6-4CCE-4EA6-A914-847EA767CDE7}"/>
               </a:ext>
             </a:extLst>
           </p:cNvPr>
@@ -21723,7 +21707,7 @@
           <p:cNvPr id="6" name="Picture Placeholder 2">
             <a:extLst>
               <a:ext uri="{FF2B5EF4-FFF2-40B4-BE49-F238E27FC236}">
-                <a16:creationId xmlns:a16="http://schemas.microsoft.com/office/drawing/2014/main" xmlns="" id="{5A41DCAB-7A97-4D72-8703-2A5EBB6B4047}"/>
+                <a16:creationId xmlns:a16="http://schemas.microsoft.com/office/drawing/2014/main" id="{5A41DCAB-7A97-4D72-8703-2A5EBB6B4047}"/>
               </a:ext>
             </a:extLst>
           </p:cNvPr>
@@ -21808,7 +21792,7 @@
           <p:cNvPr id="7" name="Picture Placeholder 2">
             <a:extLst>
               <a:ext uri="{FF2B5EF4-FFF2-40B4-BE49-F238E27FC236}">
-                <a16:creationId xmlns:a16="http://schemas.microsoft.com/office/drawing/2014/main" xmlns="" id="{DE59F880-57D5-4D69-ADDA-A3030C94684E}"/>
+                <a16:creationId xmlns:a16="http://schemas.microsoft.com/office/drawing/2014/main" id="{DE59F880-57D5-4D69-ADDA-A3030C94684E}"/>
               </a:ext>
             </a:extLst>
           </p:cNvPr>
@@ -21927,7 +21911,7 @@
           <a:lstStyle/>
           <a:p>
             <a:pPr algn="ctr"/>
-            <a:endParaRPr lang="fr-FR"/>
+            <a:endParaRPr lang="fr-FR" dirty="0"/>
           </a:p>
         </p:txBody>
       </p:sp>
@@ -22045,7 +22029,7 @@
               <a:pPr/>
               <a:t>‹N°›</a:t>
             </a:fld>
-            <a:endParaRPr lang="fr-FR"/>
+            <a:endParaRPr lang="fr-FR" dirty="0"/>
           </a:p>
         </p:txBody>
       </p:sp>
@@ -22134,7 +22118,7 @@
           <p:cNvPr id="4" name="Rectangle 3">
             <a:extLst>
               <a:ext uri="{FF2B5EF4-FFF2-40B4-BE49-F238E27FC236}">
-                <a16:creationId xmlns:a16="http://schemas.microsoft.com/office/drawing/2014/main" xmlns="" id="{5343D5AB-FDE8-4863-8B0B-FF0EDBC68861}"/>
+                <a16:creationId xmlns:a16="http://schemas.microsoft.com/office/drawing/2014/main" id="{5343D5AB-FDE8-4863-8B0B-FF0EDBC68861}"/>
               </a:ext>
             </a:extLst>
           </p:cNvPr>
@@ -22177,7 +22161,7 @@
           <a:lstStyle/>
           <a:p>
             <a:pPr algn="ctr"/>
-            <a:endParaRPr lang="en-US">
+            <a:endParaRPr lang="en-US" dirty="0">
               <a:latin typeface="Candara" panose="020E0502030303020204" pitchFamily="34" charset="0"/>
             </a:endParaRPr>
           </a:p>
@@ -22188,7 +22172,7 @@
           <p:cNvPr id="5" name="Rectangle 4">
             <a:extLst>
               <a:ext uri="{FF2B5EF4-FFF2-40B4-BE49-F238E27FC236}">
-                <a16:creationId xmlns:a16="http://schemas.microsoft.com/office/drawing/2014/main" xmlns="" id="{A0C96F43-3876-47CC-B363-9FBE2E05752F}"/>
+                <a16:creationId xmlns:a16="http://schemas.microsoft.com/office/drawing/2014/main" id="{A0C96F43-3876-47CC-B363-9FBE2E05752F}"/>
               </a:ext>
             </a:extLst>
           </p:cNvPr>
@@ -22231,7 +22215,7 @@
           <a:lstStyle/>
           <a:p>
             <a:pPr algn="ctr"/>
-            <a:endParaRPr lang="en-US">
+            <a:endParaRPr lang="en-US" dirty="0">
               <a:latin typeface="Candara" panose="020E0502030303020204" pitchFamily="34" charset="0"/>
             </a:endParaRPr>
           </a:p>
@@ -22242,7 +22226,7 @@
           <p:cNvPr id="6" name="Rectangle 5">
             <a:extLst>
               <a:ext uri="{FF2B5EF4-FFF2-40B4-BE49-F238E27FC236}">
-                <a16:creationId xmlns:a16="http://schemas.microsoft.com/office/drawing/2014/main" xmlns="" id="{E4127DCA-3196-491D-86F7-98470FD4534B}"/>
+                <a16:creationId xmlns:a16="http://schemas.microsoft.com/office/drawing/2014/main" id="{E4127DCA-3196-491D-86F7-98470FD4534B}"/>
               </a:ext>
             </a:extLst>
           </p:cNvPr>
@@ -22285,7 +22269,7 @@
           <a:lstStyle/>
           <a:p>
             <a:pPr algn="ctr"/>
-            <a:endParaRPr lang="en-US">
+            <a:endParaRPr lang="en-US" dirty="0">
               <a:latin typeface="Candara" panose="020E0502030303020204" pitchFamily="34" charset="0"/>
             </a:endParaRPr>
           </a:p>
@@ -22296,7 +22280,7 @@
           <p:cNvPr id="7" name="Rectangle 6">
             <a:extLst>
               <a:ext uri="{FF2B5EF4-FFF2-40B4-BE49-F238E27FC236}">
-                <a16:creationId xmlns:a16="http://schemas.microsoft.com/office/drawing/2014/main" xmlns="" id="{C0F3D9F4-8CA6-4676-B29C-CF1677EB90FF}"/>
+                <a16:creationId xmlns:a16="http://schemas.microsoft.com/office/drawing/2014/main" id="{C0F3D9F4-8CA6-4676-B29C-CF1677EB90FF}"/>
               </a:ext>
             </a:extLst>
           </p:cNvPr>
@@ -22336,7 +22320,7 @@
           <a:lstStyle/>
           <a:p>
             <a:pPr algn="ctr"/>
-            <a:endParaRPr lang="en-US">
+            <a:endParaRPr lang="en-US" dirty="0">
               <a:latin typeface="Candara" panose="020E0502030303020204" pitchFamily="34" charset="0"/>
             </a:endParaRPr>
           </a:p>
@@ -22347,7 +22331,7 @@
           <p:cNvPr id="2" name="그림 개체 틀 2">
             <a:extLst>
               <a:ext uri="{FF2B5EF4-FFF2-40B4-BE49-F238E27FC236}">
-                <a16:creationId xmlns:a16="http://schemas.microsoft.com/office/drawing/2014/main" xmlns="" id="{BCD635CC-1412-43AB-9F1C-D19087A8B8A1}"/>
+                <a16:creationId xmlns:a16="http://schemas.microsoft.com/office/drawing/2014/main" id="{BCD635CC-1412-43AB-9F1C-D19087A8B8A1}"/>
               </a:ext>
             </a:extLst>
           </p:cNvPr>
@@ -22402,7 +22386,7 @@
           <p:cNvPr id="3" name="Text Placeholder 9">
             <a:extLst>
               <a:ext uri="{FF2B5EF4-FFF2-40B4-BE49-F238E27FC236}">
-                <a16:creationId xmlns:a16="http://schemas.microsoft.com/office/drawing/2014/main" xmlns="" id="{A92F2F0B-AB18-4F91-BFCD-5E07920CEC1B}"/>
+                <a16:creationId xmlns:a16="http://schemas.microsoft.com/office/drawing/2014/main" id="{A92F2F0B-AB18-4F91-BFCD-5E07920CEC1B}"/>
               </a:ext>
             </a:extLst>
           </p:cNvPr>
@@ -22487,7 +22471,7 @@
           <a:lstStyle/>
           <a:p>
             <a:pPr algn="ctr"/>
-            <a:endParaRPr lang="fr-FR"/>
+            <a:endParaRPr lang="fr-FR" dirty="0"/>
           </a:p>
         </p:txBody>
       </p:sp>
@@ -22605,7 +22589,7 @@
               <a:pPr/>
               <a:t>‹N°›</a:t>
             </a:fld>
-            <a:endParaRPr lang="fr-FR"/>
+            <a:endParaRPr lang="fr-FR" dirty="0"/>
           </a:p>
         </p:txBody>
       </p:sp>
@@ -22749,7 +22733,7 @@
           <a:lstStyle/>
           <a:p>
             <a:pPr algn="ctr"/>
-            <a:endParaRPr lang="fr-FR"/>
+            <a:endParaRPr lang="fr-FR" dirty="0"/>
           </a:p>
         </p:txBody>
       </p:sp>
@@ -22957,7 +22941,7 @@
           <p:cNvPr id="22" name="Picture Placeholder 21">
             <a:extLst>
               <a:ext uri="{FF2B5EF4-FFF2-40B4-BE49-F238E27FC236}">
-                <a16:creationId xmlns:a16="http://schemas.microsoft.com/office/drawing/2014/main" xmlns="" id="{FB08BDAF-A042-4560-BBD8-F1CA5D9DB155}"/>
+                <a16:creationId xmlns:a16="http://schemas.microsoft.com/office/drawing/2014/main" id="{FB08BDAF-A042-4560-BBD8-F1CA5D9DB155}"/>
               </a:ext>
             </a:extLst>
           </p:cNvPr>
@@ -23056,7 +23040,7 @@
           <p:cNvPr id="20" name="Picture Placeholder 19">
             <a:extLst>
               <a:ext uri="{FF2B5EF4-FFF2-40B4-BE49-F238E27FC236}">
-                <a16:creationId xmlns:a16="http://schemas.microsoft.com/office/drawing/2014/main" xmlns="" id="{E375B096-EBDB-4C71-BACA-9F780BF70233}"/>
+                <a16:creationId xmlns:a16="http://schemas.microsoft.com/office/drawing/2014/main" id="{E375B096-EBDB-4C71-BACA-9F780BF70233}"/>
               </a:ext>
             </a:extLst>
           </p:cNvPr>
@@ -23163,7 +23147,7 @@
           <p:cNvPr id="19" name="Picture Placeholder 18">
             <a:extLst>
               <a:ext uri="{FF2B5EF4-FFF2-40B4-BE49-F238E27FC236}">
-                <a16:creationId xmlns:a16="http://schemas.microsoft.com/office/drawing/2014/main" xmlns="" id="{31F3A08B-34AD-476C-9953-B19BAF7F628C}"/>
+                <a16:creationId xmlns:a16="http://schemas.microsoft.com/office/drawing/2014/main" id="{31F3A08B-34AD-476C-9953-B19BAF7F628C}"/>
               </a:ext>
             </a:extLst>
           </p:cNvPr>
@@ -23262,7 +23246,7 @@
           <p:cNvPr id="18" name="Picture Placeholder 17">
             <a:extLst>
               <a:ext uri="{FF2B5EF4-FFF2-40B4-BE49-F238E27FC236}">
-                <a16:creationId xmlns:a16="http://schemas.microsoft.com/office/drawing/2014/main" xmlns="" id="{164DE5B1-7A92-485E-BF4B-DC34DB0ECFFE}"/>
+                <a16:creationId xmlns:a16="http://schemas.microsoft.com/office/drawing/2014/main" id="{164DE5B1-7A92-485E-BF4B-DC34DB0ECFFE}"/>
               </a:ext>
             </a:extLst>
           </p:cNvPr>
@@ -23361,7 +23345,7 @@
           <p:cNvPr id="6" name="Freeform: Shape 5">
             <a:extLst>
               <a:ext uri="{FF2B5EF4-FFF2-40B4-BE49-F238E27FC236}">
-                <a16:creationId xmlns:a16="http://schemas.microsoft.com/office/drawing/2014/main" xmlns="" id="{D6D283E2-312F-41C5-9422-DB6C85B4455D}"/>
+                <a16:creationId xmlns:a16="http://schemas.microsoft.com/office/drawing/2014/main" id="{D6D283E2-312F-41C5-9422-DB6C85B4455D}"/>
               </a:ext>
             </a:extLst>
           </p:cNvPr>
@@ -23447,7 +23431,7 @@
           <a:lstStyle/>
           <a:p>
             <a:pPr algn="ctr"/>
-            <a:endParaRPr lang="en-US"/>
+            <a:endParaRPr lang="en-US" dirty="0"/>
           </a:p>
         </p:txBody>
       </p:sp>
@@ -23456,7 +23440,7 @@
           <p:cNvPr id="13" name="Freeform: Shape 12">
             <a:extLst>
               <a:ext uri="{FF2B5EF4-FFF2-40B4-BE49-F238E27FC236}">
-                <a16:creationId xmlns:a16="http://schemas.microsoft.com/office/drawing/2014/main" xmlns="" id="{B1AAC7CE-37C6-4882-8A2F-D617C7403A00}"/>
+                <a16:creationId xmlns:a16="http://schemas.microsoft.com/office/drawing/2014/main" id="{B1AAC7CE-37C6-4882-8A2F-D617C7403A00}"/>
               </a:ext>
             </a:extLst>
           </p:cNvPr>
@@ -23544,7 +23528,7 @@
           <a:lstStyle/>
           <a:p>
             <a:pPr algn="ctr"/>
-            <a:endParaRPr lang="en-US"/>
+            <a:endParaRPr lang="en-US" dirty="0"/>
           </a:p>
         </p:txBody>
       </p:sp>
@@ -23587,7 +23571,7 @@
           <a:lstStyle/>
           <a:p>
             <a:pPr algn="ctr"/>
-            <a:endParaRPr lang="fr-FR"/>
+            <a:endParaRPr lang="fr-FR" dirty="0"/>
           </a:p>
         </p:txBody>
       </p:sp>
@@ -23705,7 +23689,7 @@
               <a:pPr/>
               <a:t>‹N°›</a:t>
             </a:fld>
-            <a:endParaRPr lang="fr-FR"/>
+            <a:endParaRPr lang="fr-FR" dirty="0"/>
           </a:p>
         </p:txBody>
       </p:sp>
@@ -24142,7 +24126,7 @@
               <a:rPr lang="fr-FR" smtClean="0"/>
               <a:t>‹N°›</a:t>
             </a:fld>
-            <a:endParaRPr lang="fr-FR"/>
+            <a:endParaRPr lang="fr-FR" dirty="0"/>
           </a:p>
         </p:txBody>
       </p:sp>
@@ -24541,7 +24525,7 @@
               <a:rPr lang="fr-FR" smtClean="0"/>
               <a:t>‹N°›</a:t>
             </a:fld>
-            <a:endParaRPr lang="fr-FR"/>
+            <a:endParaRPr lang="fr-FR" dirty="0"/>
           </a:p>
         </p:txBody>
       </p:sp>
@@ -24869,7 +24853,7 @@
           <p:cNvPr id="6" name="TextBox 7">
             <a:extLst>
               <a:ext uri="{FF2B5EF4-FFF2-40B4-BE49-F238E27FC236}">
-                <a16:creationId xmlns:a16="http://schemas.microsoft.com/office/drawing/2014/main" xmlns="" id="{03B4C724-0776-4328-8F0A-B72DA1579537}"/>
+                <a16:creationId xmlns:a16="http://schemas.microsoft.com/office/drawing/2014/main" id="{03B4C724-0776-4328-8F0A-B72DA1579537}"/>
               </a:ext>
             </a:extLst>
           </p:cNvPr>
@@ -24992,7 +24976,7 @@
           <p:cNvPr id="3" name="TextBox 3">
             <a:extLst>
               <a:ext uri="{FF2B5EF4-FFF2-40B4-BE49-F238E27FC236}">
-                <a16:creationId xmlns:a16="http://schemas.microsoft.com/office/drawing/2014/main" xmlns="" id="{15A4BDA0-C270-4764-9C18-A593BCE2C965}"/>
+                <a16:creationId xmlns:a16="http://schemas.microsoft.com/office/drawing/2014/main" id="{15A4BDA0-C270-4764-9C18-A593BCE2C965}"/>
               </a:ext>
             </a:extLst>
           </p:cNvPr>
@@ -25105,6 +25089,13 @@
   <p:clrMapOvr>
     <a:masterClrMapping/>
   </p:clrMapOvr>
+  <p:timing>
+    <p:tnLst>
+      <p:par>
+        <p:cTn id="1" dur="indefinite" restart="never" nodeType="tmRoot"/>
+      </p:par>
+    </p:tnLst>
+  </p:timing>
 </p:sld>
 </file>
 
@@ -25159,7 +25150,7 @@
           <p:cNvPr id="29" name="Text Placeholder 1">
             <a:extLst>
               <a:ext uri="{FF2B5EF4-FFF2-40B4-BE49-F238E27FC236}">
-                <a16:creationId xmlns:a16="http://schemas.microsoft.com/office/drawing/2014/main" xmlns="" id="{D735F7F3-C1B5-4B60-A00A-4EB618DDFB5A}"/>
+                <a16:creationId xmlns:a16="http://schemas.microsoft.com/office/drawing/2014/main" id="{D735F7F3-C1B5-4B60-A00A-4EB618DDFB5A}"/>
               </a:ext>
             </a:extLst>
           </p:cNvPr>
@@ -25677,7 +25668,7 @@
               <a:tabLst/>
             </a:pPr>
             <a:r>
-              <a:rPr kumimoji="0" lang="fr-FR" sz="900" b="0" i="0" u="none" strike="noStrike" cap="none" normalizeH="0" baseline="0" smtClean="0">
+              <a:rPr kumimoji="0" lang="fr-FR" sz="900" b="0" i="0" u="none" strike="noStrike" cap="none" normalizeH="0" baseline="0" dirty="0" smtClean="0">
                 <a:ln>
                   <a:noFill/>
                 </a:ln>
@@ -25691,7 +25682,7 @@
               <a:t>  </a:t>
             </a:r>
             <a:r>
-              <a:rPr kumimoji="0" lang="fr-FR" sz="700" b="0" i="0" u="none" strike="noStrike" cap="none" normalizeH="0" baseline="0" smtClean="0">
+              <a:rPr kumimoji="0" lang="fr-FR" sz="700" b="0" i="0" u="none" strike="noStrike" cap="none" normalizeH="0" baseline="0" dirty="0" smtClean="0">
                 <a:ln>
                   <a:noFill/>
                 </a:ln>
@@ -25704,7 +25695,7 @@
               <a:t> </a:t>
             </a:r>
             <a:r>
-              <a:rPr kumimoji="0" lang="fr-FR" sz="900" b="0" i="0" u="none" strike="noStrike" cap="none" normalizeH="0" baseline="0" smtClean="0">
+              <a:rPr kumimoji="0" lang="fr-FR" sz="900" b="0" i="0" u="none" strike="noStrike" cap="none" normalizeH="0" baseline="0" dirty="0" smtClean="0">
                 <a:ln>
                   <a:noFill/>
                 </a:ln>
@@ -25717,7 +25708,7 @@
               <a:t>    Fr</a:t>
             </a:r>
             <a:r>
-              <a:rPr kumimoji="0" lang="fr-FR" sz="900" b="0" i="0" u="none" strike="noStrike" cap="none" normalizeH="0" baseline="0" smtClean="0">
+              <a:rPr kumimoji="0" lang="fr-FR" sz="900" b="0" i="0" u="none" strike="noStrike" cap="none" normalizeH="0" baseline="0" dirty="0" smtClean="0">
                 <a:ln>
                   <a:noFill/>
                 </a:ln>
@@ -25730,7 +25721,7 @@
               </a:rPr>
               <a:t>ançais</a:t>
             </a:r>
-            <a:endParaRPr kumimoji="0" lang="fr-FR" sz="1100" b="0" i="0" u="none" strike="noStrike" cap="none" normalizeH="0" baseline="0" smtClean="0">
+            <a:endParaRPr kumimoji="0" lang="fr-FR" sz="1100" b="0" i="0" u="none" strike="noStrike" cap="none" normalizeH="0" baseline="0" dirty="0" smtClean="0">
               <a:ln>
                 <a:noFill/>
               </a:ln>
@@ -25758,7 +25749,7 @@
               <a:tabLst/>
             </a:pPr>
             <a:r>
-              <a:rPr kumimoji="0" lang="fr-FR" sz="900" b="0" i="0" u="none" strike="noStrike" cap="none" normalizeH="0" baseline="0" smtClean="0">
+              <a:rPr kumimoji="0" lang="fr-FR" sz="900" b="0" i="0" u="none" strike="noStrike" cap="none" normalizeH="0" baseline="0" dirty="0" smtClean="0">
                 <a:ln>
                   <a:noFill/>
                 </a:ln>
@@ -25771,7 +25762,7 @@
               <a:t/>
             </a:r>
             <a:br>
-              <a:rPr kumimoji="0" lang="fr-FR" sz="900" b="0" i="0" u="none" strike="noStrike" cap="none" normalizeH="0" baseline="0" smtClean="0">
+              <a:rPr kumimoji="0" lang="fr-FR" sz="900" b="0" i="0" u="none" strike="noStrike" cap="none" normalizeH="0" baseline="0" dirty="0" smtClean="0">
                 <a:ln>
                   <a:noFill/>
                 </a:ln>
@@ -25782,7 +25773,7 @@
                 <a:latin typeface="Roboto"/>
               </a:rPr>
             </a:br>
-            <a:endParaRPr kumimoji="0" lang="fr-FR" sz="900" b="0" i="0" u="none" strike="noStrike" cap="none" normalizeH="0" baseline="0" smtClean="0">
+            <a:endParaRPr kumimoji="0" lang="fr-FR" sz="900" b="0" i="0" u="none" strike="noStrike" cap="none" normalizeH="0" baseline="0" dirty="0" smtClean="0">
               <a:ln>
                 <a:noFill/>
               </a:ln>
@@ -25847,8 +25838,8 @@
         </p:blipFill>
         <p:spPr>
           <a:xfrm>
-            <a:off x="688317" y="4087001"/>
-            <a:ext cx="5201376" cy="676369"/>
+            <a:off x="617548" y="3579896"/>
+            <a:ext cx="5201376" cy="1306093"/>
           </a:xfrm>
           <a:prstGeom prst="rect">
             <a:avLst/>
@@ -26014,6 +26005,13 @@
   <p:clrMapOvr>
     <a:masterClrMapping/>
   </p:clrMapOvr>
+  <p:timing>
+    <p:tnLst>
+      <p:par>
+        <p:cTn id="1" dur="indefinite" restart="never" nodeType="tmRoot"/>
+      </p:par>
+    </p:tnLst>
+  </p:timing>
 </p:sld>
 </file>
 
@@ -26063,7 +26061,7 @@
           <p:cNvPr id="3" name="TextBox 3">
             <a:extLst>
               <a:ext uri="{FF2B5EF4-FFF2-40B4-BE49-F238E27FC236}">
-                <a16:creationId xmlns:a16="http://schemas.microsoft.com/office/drawing/2014/main" xmlns="" id="{15A4BDA0-C270-4764-9C18-A593BCE2C965}"/>
+                <a16:creationId xmlns:a16="http://schemas.microsoft.com/office/drawing/2014/main" id="{15A4BDA0-C270-4764-9C18-A593BCE2C965}"/>
               </a:ext>
             </a:extLst>
           </p:cNvPr>
@@ -26087,7 +26085,7 @@
           <a:lstStyle/>
           <a:p>
             <a:r>
-              <a:rPr lang="en-US" altLang="ko-KR" sz="3600" dirty="0" err="1" smtClean="0">
+              <a:rPr lang="en-US" altLang="ko-KR" sz="3600" dirty="0" smtClean="0">
                 <a:solidFill>
                   <a:schemeClr val="tx1">
                     <a:lumMod val="85000"/>
@@ -26113,7 +26111,7 @@
               <a:t> </a:t>
             </a:r>
             <a:r>
-              <a:rPr lang="en-US" altLang="ko-KR" sz="3600" dirty="0" err="1" smtClean="0">
+              <a:rPr lang="en-US" altLang="ko-KR" sz="3600" dirty="0" smtClean="0">
                 <a:solidFill>
                   <a:schemeClr val="tx1">
                     <a:lumMod val="85000"/>
@@ -26156,7 +26154,7 @@
           <p:cNvPr id="39" name="TextBox 9">
             <a:extLst>
               <a:ext uri="{FF2B5EF4-FFF2-40B4-BE49-F238E27FC236}">
-                <a16:creationId xmlns="" xmlns:a16="http://schemas.microsoft.com/office/drawing/2014/main" xmlns:lc="http://schemas.openxmlformats.org/drawingml/2006/lockedCanvas" id="{9BA1A5E1-4F83-4597-B6E4-2686A4E8F143}"/>
+                <a16:creationId xmlns:a16="http://schemas.microsoft.com/office/drawing/2014/main" id="{9BA1A5E1-4F83-4597-B6E4-2686A4E8F143}"/>
               </a:ext>
             </a:extLst>
           </p:cNvPr>
@@ -26165,8 +26163,8 @@
         </p:nvSpPr>
         <p:spPr>
           <a:xfrm>
-            <a:off x="2751654" y="2648912"/>
-            <a:ext cx="7586849" cy="584775"/>
+            <a:off x="3011784" y="2547206"/>
+            <a:ext cx="7586849" cy="707886"/>
           </a:xfrm>
           <a:prstGeom prst="rect">
             <a:avLst/>
@@ -26275,7 +26273,7 @@
           <a:p>
             <a:pPr algn="ctr"/>
             <a:r>
-              <a:rPr lang="en-US" altLang="ko-KR" sz="1600" b="1" dirty="0" smtClean="0">
+              <a:rPr lang="en-US" altLang="ko-KR" sz="2000" b="1" dirty="0" smtClean="0">
                 <a:solidFill>
                   <a:schemeClr val="accent1"/>
                 </a:solidFill>
@@ -26285,37 +26283,37 @@
               <a:t>La </a:t>
             </a:r>
             <a:r>
-              <a:rPr lang="en-US" altLang="ko-KR" sz="1600" b="1" dirty="0" err="1" smtClean="0">
+              <a:rPr lang="en-US" altLang="ko-KR" sz="2000" b="1" dirty="0" smtClean="0">
                 <a:solidFill>
                   <a:schemeClr val="accent1"/>
                 </a:solidFill>
                 <a:latin typeface="Candara" panose="020E0502030303020204" pitchFamily="34" charset="0"/>
                 <a:cs typeface="Arial" pitchFamily="34" charset="0"/>
               </a:rPr>
-              <a:t>possibilite</a:t>
-            </a:r>
-            <a:r>
-              <a:rPr lang="en-US" altLang="ko-KR" sz="1600" b="1" dirty="0" smtClean="0">
+              <a:t>gestion</a:t>
+            </a:r>
+            <a:r>
+              <a:rPr lang="en-US" altLang="ko-KR" sz="2000" b="1" dirty="0" smtClean="0">
                 <a:solidFill>
                   <a:schemeClr val="accent1"/>
                 </a:solidFill>
                 <a:latin typeface="Candara" panose="020E0502030303020204" pitchFamily="34" charset="0"/>
                 <a:cs typeface="Arial" pitchFamily="34" charset="0"/>
               </a:rPr>
-              <a:t> de </a:t>
-            </a:r>
-            <a:r>
-              <a:rPr lang="en-US" altLang="ko-KR" sz="1600" b="1" dirty="0" err="1" smtClean="0">
+              <a:t> de la </a:t>
+            </a:r>
+            <a:r>
+              <a:rPr lang="en-US" altLang="ko-KR" sz="2000" b="1" dirty="0" smtClean="0">
                 <a:solidFill>
                   <a:schemeClr val="accent1"/>
                 </a:solidFill>
                 <a:latin typeface="Candara" panose="020E0502030303020204" pitchFamily="34" charset="0"/>
                 <a:cs typeface="Arial" pitchFamily="34" charset="0"/>
               </a:rPr>
-              <a:t>securisé</a:t>
-            </a:r>
-            <a:r>
-              <a:rPr lang="en-US" altLang="ko-KR" sz="1600" b="1" dirty="0" smtClean="0">
+              <a:t>sécurité</a:t>
+            </a:r>
+            <a:r>
+              <a:rPr lang="en-US" altLang="ko-KR" sz="2000" b="1" dirty="0" smtClean="0">
                 <a:solidFill>
                   <a:schemeClr val="accent1"/>
                 </a:solidFill>
@@ -26325,7 +26323,7 @@
               <a:t> </a:t>
             </a:r>
             <a:r>
-              <a:rPr lang="en-US" altLang="ko-KR" sz="1600" b="1" dirty="0" err="1" smtClean="0">
+              <a:rPr lang="en-US" altLang="ko-KR" sz="2000" b="1" dirty="0" smtClean="0">
                 <a:solidFill>
                   <a:schemeClr val="accent1"/>
                 </a:solidFill>
@@ -26335,7 +26333,7 @@
               <a:t>en</a:t>
             </a:r>
             <a:r>
-              <a:rPr lang="en-US" altLang="ko-KR" sz="1600" b="1" dirty="0" smtClean="0">
+              <a:rPr lang="en-US" altLang="ko-KR" sz="2000" b="1" dirty="0" smtClean="0">
                 <a:solidFill>
                   <a:schemeClr val="accent1"/>
                 </a:solidFill>
@@ -26345,7 +26343,7 @@
               <a:t> </a:t>
             </a:r>
             <a:r>
-              <a:rPr lang="en-US" altLang="ko-KR" sz="1600" b="1" dirty="0" err="1" smtClean="0">
+              <a:rPr lang="en-US" altLang="ko-KR" sz="2000" b="1" dirty="0" smtClean="0">
                 <a:solidFill>
                   <a:schemeClr val="accent1"/>
                 </a:solidFill>
@@ -26355,7 +26353,7 @@
               <a:t>utilisent</a:t>
             </a:r>
             <a:r>
-              <a:rPr lang="en-US" altLang="ko-KR" sz="1600" b="1" dirty="0" smtClean="0">
+              <a:rPr lang="en-US" altLang="ko-KR" sz="2000" b="1" dirty="0" smtClean="0">
                 <a:solidFill>
                   <a:schemeClr val="accent1"/>
                 </a:solidFill>
@@ -26365,7 +26363,7 @@
               <a:t> le SPRING SECURITE 6, qui </a:t>
             </a:r>
             <a:r>
-              <a:rPr lang="en-US" altLang="ko-KR" sz="1600" b="1" dirty="0" err="1" smtClean="0">
+              <a:rPr lang="en-US" altLang="ko-KR" sz="2000" b="1" dirty="0" smtClean="0">
                 <a:solidFill>
                   <a:schemeClr val="accent1"/>
                 </a:solidFill>
@@ -26375,7 +26373,7 @@
               <a:t>gére</a:t>
             </a:r>
             <a:r>
-              <a:rPr lang="en-US" altLang="ko-KR" sz="1600" b="1" dirty="0" smtClean="0">
+              <a:rPr lang="en-US" altLang="ko-KR" sz="2000" b="1" dirty="0" smtClean="0">
                 <a:solidFill>
                   <a:schemeClr val="accent1"/>
                 </a:solidFill>
@@ -26385,7 +26383,7 @@
               <a:t> </a:t>
             </a:r>
             <a:r>
-              <a:rPr lang="en-US" altLang="ko-KR" sz="1600" b="1" dirty="0" err="1" smtClean="0">
+              <a:rPr lang="en-US" altLang="ko-KR" sz="2000" b="1" dirty="0" smtClean="0">
                 <a:solidFill>
                   <a:schemeClr val="accent1"/>
                 </a:solidFill>
@@ -26395,7 +26393,7 @@
               <a:t>authentification</a:t>
             </a:r>
             <a:r>
-              <a:rPr lang="en-US" altLang="ko-KR" sz="1600" b="1" dirty="0" smtClean="0">
+              <a:rPr lang="en-US" altLang="ko-KR" sz="2000" b="1" dirty="0" smtClean="0">
                 <a:solidFill>
                   <a:schemeClr val="accent1"/>
                 </a:solidFill>
@@ -26405,7 +26403,7 @@
               <a:t> et </a:t>
             </a:r>
             <a:r>
-              <a:rPr lang="en-US" altLang="ko-KR" sz="1600" b="1" dirty="0" err="1" smtClean="0">
+              <a:rPr lang="en-US" altLang="ko-KR" sz="2000" b="1" dirty="0" smtClean="0">
                 <a:solidFill>
                   <a:schemeClr val="accent1"/>
                 </a:solidFill>
@@ -26414,7 +26412,7 @@
               </a:rPr>
               <a:t>autorisation</a:t>
             </a:r>
-            <a:endParaRPr lang="ko-KR" altLang="en-US" sz="1600" b="1" dirty="0">
+            <a:endParaRPr lang="ko-KR" altLang="en-US" sz="2000" b="1" dirty="0">
               <a:solidFill>
                 <a:schemeClr val="accent1"/>
               </a:solidFill>
@@ -26429,7 +26427,7 @@
           <p:cNvPr id="35" name="TextBox 15">
             <a:extLst>
               <a:ext uri="{FF2B5EF4-FFF2-40B4-BE49-F238E27FC236}">
-                <a16:creationId xmlns="" xmlns:a16="http://schemas.microsoft.com/office/drawing/2014/main" xmlns:lc="http://schemas.openxmlformats.org/drawingml/2006/lockedCanvas" id="{FA563111-B830-4678-8F3E-6B87DF37F6AF}"/>
+                <a16:creationId xmlns:a16="http://schemas.microsoft.com/office/drawing/2014/main" id="{FA563111-B830-4678-8F3E-6B87DF37F6AF}"/>
               </a:ext>
             </a:extLst>
           </p:cNvPr>
@@ -26438,8 +26436,8 @@
         </p:nvSpPr>
         <p:spPr>
           <a:xfrm>
-            <a:off x="3011785" y="3801277"/>
-            <a:ext cx="6970415" cy="584775"/>
+            <a:off x="3011785" y="4197814"/>
+            <a:ext cx="6970415" cy="707886"/>
           </a:xfrm>
           <a:prstGeom prst="rect">
             <a:avLst/>
@@ -26547,7 +26545,7 @@
           </a:lstStyle>
           <a:p>
             <a:r>
-              <a:rPr lang="fr-FR" sz="1600" b="1" dirty="0" err="1">
+              <a:rPr lang="fr-FR" sz="2000" b="1" dirty="0">
                 <a:solidFill>
                   <a:schemeClr val="accent3"/>
                 </a:solidFill>
@@ -26555,7 +26553,7 @@
               <a:t>Spring</a:t>
             </a:r>
             <a:r>
-              <a:rPr lang="fr-FR" sz="1600" b="1" dirty="0">
+              <a:rPr lang="fr-FR" sz="2000" b="1" dirty="0">
                 <a:solidFill>
                   <a:schemeClr val="accent3"/>
                 </a:solidFill>
@@ -26694,7 +26692,7 @@
           <p:cNvPr id="40" name="TextBox 9">
             <a:extLst>
               <a:ext uri="{FF2B5EF4-FFF2-40B4-BE49-F238E27FC236}">
-                <a16:creationId xmlns="" xmlns:a16="http://schemas.microsoft.com/office/drawing/2014/main" xmlns:lc="http://schemas.openxmlformats.org/drawingml/2006/lockedCanvas" id="{9BA1A5E1-4F83-4597-B6E4-2686A4E8F143}"/>
+                <a16:creationId xmlns:a16="http://schemas.microsoft.com/office/drawing/2014/main" id="{9BA1A5E1-4F83-4597-B6E4-2686A4E8F143}"/>
               </a:ext>
             </a:extLst>
           </p:cNvPr>
@@ -26703,8 +26701,8 @@
         </p:nvSpPr>
         <p:spPr>
           <a:xfrm>
-            <a:off x="2879836" y="3244747"/>
-            <a:ext cx="4267200" cy="338554"/>
+            <a:off x="3011784" y="3485852"/>
+            <a:ext cx="5099146" cy="400110"/>
           </a:xfrm>
           <a:prstGeom prst="rect">
             <a:avLst/>
@@ -26813,7 +26811,7 @@
           <a:p>
             <a:pPr algn="ctr"/>
             <a:r>
-              <a:rPr lang="en-US" altLang="ko-KR" sz="1600" b="1" dirty="0" smtClean="0">
+              <a:rPr lang="en-US" altLang="ko-KR" sz="2000" b="1" dirty="0" smtClean="0">
                 <a:solidFill>
                   <a:schemeClr val="accent2"/>
                 </a:solidFill>
@@ -26823,7 +26821,7 @@
               <a:t>La </a:t>
             </a:r>
             <a:r>
-              <a:rPr lang="en-US" altLang="ko-KR" sz="1600" b="1" dirty="0" err="1" smtClean="0">
+              <a:rPr lang="en-US" altLang="ko-KR" sz="2000" b="1" dirty="0" smtClean="0">
                 <a:solidFill>
                   <a:schemeClr val="accent2"/>
                 </a:solidFill>
@@ -26833,7 +26831,7 @@
               <a:t>simplicité</a:t>
             </a:r>
             <a:r>
-              <a:rPr lang="en-US" altLang="ko-KR" sz="1600" b="1" dirty="0" smtClean="0">
+              <a:rPr lang="en-US" altLang="ko-KR" sz="2000" b="1" dirty="0" smtClean="0">
                 <a:solidFill>
                   <a:schemeClr val="accent2"/>
                 </a:solidFill>
@@ -26843,7 +26841,7 @@
               <a:t> de la configuration d’un </a:t>
             </a:r>
             <a:r>
-              <a:rPr lang="en-US" altLang="ko-KR" sz="1600" b="1" dirty="0" err="1" smtClean="0">
+              <a:rPr lang="en-US" altLang="ko-KR" sz="2000" b="1" dirty="0" smtClean="0">
                 <a:solidFill>
                   <a:schemeClr val="accent2"/>
                 </a:solidFill>
@@ -26852,7 +26850,7 @@
               </a:rPr>
               <a:t>projet</a:t>
             </a:r>
-            <a:endParaRPr lang="ko-KR" altLang="en-US" sz="1600" b="1" dirty="0">
+            <a:endParaRPr lang="ko-KR" altLang="en-US" sz="2000" b="1" dirty="0">
               <a:solidFill>
                 <a:schemeClr val="accent2"/>
               </a:solidFill>
@@ -26891,7 +26889,7 @@
           <p:cNvPr id="42" name="Rectangle 41">
             <a:extLst>
               <a:ext uri="{FF2B5EF4-FFF2-40B4-BE49-F238E27FC236}">
-                <a16:creationId xmlns="" xmlns:a16="http://schemas.microsoft.com/office/drawing/2014/main" xmlns:lc="http://schemas.openxmlformats.org/drawingml/2006/lockedCanvas" id="{14D2D8FE-0FE0-4478-ACF8-0943BAA7EB88}"/>
+                <a16:creationId xmlns:a16="http://schemas.microsoft.com/office/drawing/2014/main" id="{14D2D8FE-0FE0-4478-ACF8-0943BAA7EB88}"/>
               </a:ext>
             </a:extLst>
           </p:cNvPr>
@@ -27042,7 +27040,7 @@
           <p:cNvPr id="43" name="Rectangle 42">
             <a:extLst>
               <a:ext uri="{FF2B5EF4-FFF2-40B4-BE49-F238E27FC236}">
-                <a16:creationId xmlns="" xmlns:a16="http://schemas.microsoft.com/office/drawing/2014/main" xmlns:lc="http://schemas.openxmlformats.org/drawingml/2006/lockedCanvas" id="{14D2D8FE-0FE0-4478-ACF8-0943BAA7EB88}"/>
+                <a16:creationId xmlns:a16="http://schemas.microsoft.com/office/drawing/2014/main" id="{14D2D8FE-0FE0-4478-ACF8-0943BAA7EB88}"/>
               </a:ext>
             </a:extLst>
           </p:cNvPr>
@@ -27051,7 +27049,7 @@
         </p:nvSpPr>
         <p:spPr>
           <a:xfrm>
-            <a:off x="1659119" y="3262268"/>
+            <a:off x="1659119" y="3592205"/>
             <a:ext cx="642646" cy="205764"/>
           </a:xfrm>
           <a:prstGeom prst="rect">
@@ -27196,7 +27194,7 @@
           <p:cNvPr id="44" name="Rectangle 43">
             <a:extLst>
               <a:ext uri="{FF2B5EF4-FFF2-40B4-BE49-F238E27FC236}">
-                <a16:creationId xmlns="" xmlns:a16="http://schemas.microsoft.com/office/drawing/2014/main" xmlns:lc="http://schemas.openxmlformats.org/drawingml/2006/lockedCanvas" id="{14D2D8FE-0FE0-4478-ACF8-0943BAA7EB88}"/>
+                <a16:creationId xmlns:a16="http://schemas.microsoft.com/office/drawing/2014/main" id="{14D2D8FE-0FE0-4478-ACF8-0943BAA7EB88}"/>
               </a:ext>
             </a:extLst>
           </p:cNvPr>
@@ -27205,7 +27203,7 @@
         </p:nvSpPr>
         <p:spPr>
           <a:xfrm>
-            <a:off x="1659119" y="3944057"/>
+            <a:off x="1659119" y="4448875"/>
             <a:ext cx="642646" cy="205764"/>
           </a:xfrm>
           <a:prstGeom prst="rect">
@@ -27350,7 +27348,7 @@
           <p:cNvPr id="45" name="TextBox 15">
             <a:extLst>
               <a:ext uri="{FF2B5EF4-FFF2-40B4-BE49-F238E27FC236}">
-                <a16:creationId xmlns="" xmlns:a16="http://schemas.microsoft.com/office/drawing/2014/main" xmlns:lc="http://schemas.openxmlformats.org/drawingml/2006/lockedCanvas" id="{FA563111-B830-4678-8F3E-6B87DF37F6AF}"/>
+                <a16:creationId xmlns:a16="http://schemas.microsoft.com/office/drawing/2014/main" id="{FA563111-B830-4678-8F3E-6B87DF37F6AF}"/>
               </a:ext>
             </a:extLst>
           </p:cNvPr>
@@ -27359,8 +27357,8 @@
         </p:nvSpPr>
         <p:spPr>
           <a:xfrm>
-            <a:off x="3011784" y="4632521"/>
-            <a:ext cx="6970415" cy="338554"/>
+            <a:off x="3135489" y="5224796"/>
+            <a:ext cx="6970415" cy="400110"/>
           </a:xfrm>
           <a:prstGeom prst="rect">
             <a:avLst/>
@@ -27468,7 +27466,7 @@
           </a:lstStyle>
           <a:p>
             <a:r>
-              <a:rPr lang="fr-FR" sz="1600" dirty="0">
+              <a:rPr lang="fr-FR" sz="2000" dirty="0">
                 <a:solidFill>
                   <a:schemeClr val="accent4"/>
                 </a:solidFill>
@@ -27477,7 +27475,7 @@
               <a:t>Approche directive de la </a:t>
             </a:r>
             <a:r>
-              <a:rPr lang="fr-FR" sz="1600" dirty="0" smtClean="0">
+              <a:rPr lang="fr-FR" sz="2000" dirty="0" smtClean="0">
                 <a:solidFill>
                   <a:schemeClr val="accent4"/>
                 </a:solidFill>
@@ -27486,14 +27484,14 @@
               <a:t>configuration</a:t>
             </a:r>
             <a:r>
-              <a:rPr lang="fr-FR" sz="1600" b="1" dirty="0" smtClean="0">
+              <a:rPr lang="fr-FR" sz="2000" b="1" dirty="0" smtClean="0">
                 <a:solidFill>
                   <a:schemeClr val="accent4"/>
                 </a:solidFill>
               </a:rPr>
               <a:t>.</a:t>
             </a:r>
-            <a:endParaRPr lang="fr-FR" sz="1600" b="1" dirty="0">
+            <a:endParaRPr lang="fr-FR" sz="2000" b="1" dirty="0">
               <a:solidFill>
                 <a:schemeClr val="accent4"/>
               </a:solidFill>
@@ -27506,7 +27504,7 @@
           <p:cNvPr id="46" name="Rectangle 45">
             <a:extLst>
               <a:ext uri="{FF2B5EF4-FFF2-40B4-BE49-F238E27FC236}">
-                <a16:creationId xmlns="" xmlns:a16="http://schemas.microsoft.com/office/drawing/2014/main" xmlns:lc="http://schemas.openxmlformats.org/drawingml/2006/lockedCanvas" id="{14D2D8FE-0FE0-4478-ACF8-0943BAA7EB88}"/>
+                <a16:creationId xmlns:a16="http://schemas.microsoft.com/office/drawing/2014/main" id="{14D2D8FE-0FE0-4478-ACF8-0943BAA7EB88}"/>
               </a:ext>
             </a:extLst>
           </p:cNvPr>
@@ -27515,7 +27513,7 @@
         </p:nvSpPr>
         <p:spPr>
           <a:xfrm>
-            <a:off x="1659119" y="4655779"/>
+            <a:off x="1659119" y="5321969"/>
             <a:ext cx="642646" cy="205764"/>
           </a:xfrm>
           <a:prstGeom prst="rect">
@@ -27665,6 +27663,13 @@
   <p:clrMapOvr>
     <a:masterClrMapping/>
   </p:clrMapOvr>
+  <p:timing>
+    <p:tnLst>
+      <p:par>
+        <p:cTn id="1" dur="indefinite" restart="never" nodeType="tmRoot"/>
+      </p:par>
+    </p:tnLst>
+  </p:timing>
 </p:sld>
 </file>
 
@@ -27714,7 +27719,7 @@
           <p:cNvPr id="3" name="TextBox 3">
             <a:extLst>
               <a:ext uri="{FF2B5EF4-FFF2-40B4-BE49-F238E27FC236}">
-                <a16:creationId xmlns:a16="http://schemas.microsoft.com/office/drawing/2014/main" xmlns="" id="{15A4BDA0-C270-4764-9C18-A593BCE2C965}"/>
+                <a16:creationId xmlns:a16="http://schemas.microsoft.com/office/drawing/2014/main" id="{15A4BDA0-C270-4764-9C18-A593BCE2C965}"/>
               </a:ext>
             </a:extLst>
           </p:cNvPr>
@@ -27792,7 +27797,7 @@
           <p:cNvPr id="5" name="TextBox 3">
             <a:extLst>
               <a:ext uri="{FF2B5EF4-FFF2-40B4-BE49-F238E27FC236}">
-                <a16:creationId xmlns:a16="http://schemas.microsoft.com/office/drawing/2014/main" xmlns="" id="{15A4BDA0-C270-4764-9C18-A593BCE2C965}"/>
+                <a16:creationId xmlns:a16="http://schemas.microsoft.com/office/drawing/2014/main" id="{15A4BDA0-C270-4764-9C18-A593BCE2C965}"/>
               </a:ext>
             </a:extLst>
           </p:cNvPr>
@@ -27829,7 +27834,7 @@
               <a:t>On </a:t>
             </a:r>
             <a:r>
-              <a:rPr lang="en-US" altLang="ko-KR" sz="2800" dirty="0" err="1" smtClean="0">
+              <a:rPr lang="en-US" altLang="ko-KR" sz="2800" dirty="0" smtClean="0">
                 <a:solidFill>
                   <a:schemeClr val="tx1">
                     <a:lumMod val="85000"/>
@@ -27855,7 +27860,7 @@
               <a:t> que Spring boot </a:t>
             </a:r>
             <a:r>
-              <a:rPr lang="en-US" altLang="ko-KR" sz="2800" dirty="0" err="1" smtClean="0">
+              <a:rPr lang="en-US" altLang="ko-KR" sz="2800" dirty="0" smtClean="0">
                 <a:solidFill>
                   <a:schemeClr val="tx1">
                     <a:lumMod val="85000"/>
@@ -27881,7 +27886,7 @@
               <a:t> un framework base sur le spring framework de java et qui </a:t>
             </a:r>
             <a:r>
-              <a:rPr lang="en-US" altLang="ko-KR" sz="2800" dirty="0" err="1" smtClean="0">
+              <a:rPr lang="en-US" altLang="ko-KR" sz="2800" dirty="0" smtClean="0">
                 <a:solidFill>
                   <a:schemeClr val="tx1">
                     <a:lumMod val="85000"/>
@@ -27907,7 +27912,7 @@
               <a:t> de developer des applications web </a:t>
             </a:r>
             <a:r>
-              <a:rPr lang="en-US" altLang="ko-KR" sz="2800" dirty="0" err="1" smtClean="0">
+              <a:rPr lang="en-US" altLang="ko-KR" sz="2800" dirty="0" smtClean="0">
                 <a:solidFill>
                   <a:schemeClr val="tx1">
                     <a:lumMod val="85000"/>
@@ -27933,7 +27938,7 @@
               <a:t> et des </a:t>
             </a:r>
             <a:r>
-              <a:rPr lang="en-US" altLang="ko-KR" sz="2800" dirty="0" err="1" smtClean="0">
+              <a:rPr lang="en-US" altLang="ko-KR" sz="2800" dirty="0" smtClean="0">
                 <a:solidFill>
                   <a:schemeClr val="tx1">
                     <a:lumMod val="85000"/>
@@ -27981,6 +27986,13 @@
   <p:clrMapOvr>
     <a:masterClrMapping/>
   </p:clrMapOvr>
+  <p:timing>
+    <p:tnLst>
+      <p:par>
+        <p:cTn id="1" dur="indefinite" restart="never" nodeType="tmRoot"/>
+      </p:par>
+    </p:tnLst>
+  </p:timing>
 </p:sld>
 </file>
 
@@ -28154,7 +28166,7 @@
           <p:cNvPr id="50" name="TextBox 3">
             <a:extLst>
               <a:ext uri="{FF2B5EF4-FFF2-40B4-BE49-F238E27FC236}">
-                <a16:creationId xmlns:a16="http://schemas.microsoft.com/office/drawing/2014/main" xmlns="" id="{1DF8EF26-7AD5-4E7F-95B3-9A57CF80C483}"/>
+                <a16:creationId xmlns:a16="http://schemas.microsoft.com/office/drawing/2014/main" id="{1DF8EF26-7AD5-4E7F-95B3-9A57CF80C483}"/>
               </a:ext>
             </a:extLst>
           </p:cNvPr>
@@ -28197,7 +28209,7 @@
           <p:cNvPr id="51" name="TextBox 4">
             <a:extLst>
               <a:ext uri="{FF2B5EF4-FFF2-40B4-BE49-F238E27FC236}">
-                <a16:creationId xmlns:a16="http://schemas.microsoft.com/office/drawing/2014/main" xmlns="" id="{BADEB2CA-D11F-4CA5-BC5A-6C38FF4BF392}"/>
+                <a16:creationId xmlns:a16="http://schemas.microsoft.com/office/drawing/2014/main" id="{BADEB2CA-D11F-4CA5-BC5A-6C38FF4BF392}"/>
               </a:ext>
             </a:extLst>
           </p:cNvPr>
@@ -28229,7 +28241,7 @@
               <a:t>Merci pour </a:t>
             </a:r>
             <a:r>
-              <a:rPr lang="en-US" altLang="ko-KR" sz="1867" dirty="0" err="1" smtClean="0">
+              <a:rPr lang="en-US" altLang="ko-KR" sz="1867" dirty="0" smtClean="0">
                 <a:latin typeface="Candara" panose="020E0502030303020204" pitchFamily="34" charset="0"/>
                 <a:cs typeface="Arial" pitchFamily="34" charset="0"/>
               </a:rPr>
@@ -28243,18 +28255,32 @@
               <a:t> </a:t>
             </a:r>
             <a:r>
-              <a:rPr lang="en-US" altLang="ko-KR" sz="1867" dirty="0" err="1" smtClean="0">
+              <a:rPr lang="en-US" altLang="ko-KR" sz="1867" dirty="0" smtClean="0">
                 <a:latin typeface="Candara" panose="020E0502030303020204" pitchFamily="34" charset="0"/>
                 <a:cs typeface="Arial" pitchFamily="34" charset="0"/>
               </a:rPr>
-              <a:t>amable</a:t>
+              <a:t>ém</a:t>
             </a:r>
             <a:r>
               <a:rPr lang="en-US" altLang="ko-KR" sz="1867" dirty="0" smtClean="0">
                 <a:latin typeface="Candara" panose="020E0502030303020204" pitchFamily="34" charset="0"/>
                 <a:cs typeface="Arial" pitchFamily="34" charset="0"/>
               </a:rPr>
-              <a:t> attention</a:t>
+              <a:t>mable</a:t>
+            </a:r>
+            <a:r>
+              <a:rPr lang="en-US" altLang="ko-KR" sz="1867" dirty="0" smtClean="0">
+                <a:latin typeface="Candara" panose="020E0502030303020204" pitchFamily="34" charset="0"/>
+                <a:cs typeface="Arial" pitchFamily="34" charset="0"/>
+              </a:rPr>
+              <a:t> </a:t>
+            </a:r>
+            <a:r>
+              <a:rPr lang="en-US" altLang="ko-KR" sz="1867" dirty="0" smtClean="0">
+                <a:latin typeface="Candara" panose="020E0502030303020204" pitchFamily="34" charset="0"/>
+                <a:cs typeface="Arial" pitchFamily="34" charset="0"/>
+              </a:rPr>
+              <a:t>attention</a:t>
             </a:r>
             <a:endParaRPr lang="ko-KR" altLang="en-US" sz="1867" dirty="0">
               <a:latin typeface="Candara" panose="020E0502030303020204" pitchFamily="34" charset="0"/>
@@ -28550,6 +28576,49 @@
           </a:prstGeom>
         </p:spPr>
       </p:pic>
+      <p:sp>
+        <p:nvSpPr>
+          <p:cNvPr id="5" name="Rectangle 4"/>
+          <p:cNvSpPr/>
+          <p:nvPr/>
+        </p:nvSpPr>
+        <p:spPr>
+          <a:xfrm>
+            <a:off x="2870387" y="5390215"/>
+            <a:ext cx="8483413" cy="954107"/>
+          </a:xfrm>
+          <a:prstGeom prst="rect">
+            <a:avLst/>
+          </a:prstGeom>
+        </p:spPr>
+        <p:txBody>
+          <a:bodyPr wrap="none">
+            <a:spAutoFit/>
+          </a:bodyPr>
+          <a:lstStyle/>
+          <a:p>
+            <a:r>
+              <a:rPr lang="en-US" sz="2800" dirty="0">
+                <a:hlinkClick r:id="rId3"/>
+              </a:rPr>
+              <a:t>https://</a:t>
+            </a:r>
+            <a:r>
+              <a:rPr lang="en-US" sz="2800" dirty="0" smtClean="0">
+                <a:hlinkClick r:id="rId3"/>
+              </a:rPr>
+              <a:t>github.com/spring-projects/spring-cli/releases</a:t>
+            </a:r>
+            <a:endParaRPr lang="en-US" sz="2800" dirty="0" smtClean="0"/>
+          </a:p>
+          <a:p>
+            <a:r>
+              <a:rPr lang="en-US" sz="2800" dirty="0"/>
+              <a:t>spring-boot-cli-3.3.2.RELEASE-bin</a:t>
+            </a:r>
+          </a:p>
+        </p:txBody>
+      </p:sp>
     </p:spTree>
     <p:extLst>
       <p:ext uri="{BB962C8B-B14F-4D97-AF65-F5344CB8AC3E}">
@@ -28560,6 +28629,13 @@
   <p:clrMapOvr>
     <a:masterClrMapping/>
   </p:clrMapOvr>
+  <p:timing>
+    <p:tnLst>
+      <p:par>
+        <p:cTn id="1" dur="indefinite" restart="never" nodeType="tmRoot"/>
+      </p:par>
+    </p:tnLst>
+  </p:timing>
 </p:sld>
 </file>
 
@@ -28585,7 +28661,7 @@
           <p:cNvPr id="4" name="TextBox 3">
             <a:extLst>
               <a:ext uri="{FF2B5EF4-FFF2-40B4-BE49-F238E27FC236}">
-                <a16:creationId xmlns:a16="http://schemas.microsoft.com/office/drawing/2014/main" xmlns="" id="{15A4BDA0-C270-4764-9C18-A593BCE2C965}"/>
+                <a16:creationId xmlns:a16="http://schemas.microsoft.com/office/drawing/2014/main" id="{15A4BDA0-C270-4764-9C18-A593BCE2C965}"/>
               </a:ext>
             </a:extLst>
           </p:cNvPr>
@@ -28639,7 +28715,7 @@
           <p:cNvPr id="6" name="TextBox 5">
             <a:extLst>
               <a:ext uri="{FF2B5EF4-FFF2-40B4-BE49-F238E27FC236}">
-                <a16:creationId xmlns:a16="http://schemas.microsoft.com/office/drawing/2014/main" xmlns="" id="{3244FF3C-3C21-45F4-A24E-520682D6B409}"/>
+                <a16:creationId xmlns:a16="http://schemas.microsoft.com/office/drawing/2014/main" id="{3244FF3C-3C21-45F4-A24E-520682D6B409}"/>
               </a:ext>
             </a:extLst>
           </p:cNvPr>
@@ -28687,7 +28763,7 @@
           <p:cNvPr id="7" name="TextBox 6">
             <a:extLst>
               <a:ext uri="{FF2B5EF4-FFF2-40B4-BE49-F238E27FC236}">
-                <a16:creationId xmlns:a16="http://schemas.microsoft.com/office/drawing/2014/main" xmlns="" id="{CD4C4ACE-3F27-4618-8225-64966A7DFEEF}"/>
+                <a16:creationId xmlns:a16="http://schemas.microsoft.com/office/drawing/2014/main" id="{CD4C4ACE-3F27-4618-8225-64966A7DFEEF}"/>
               </a:ext>
             </a:extLst>
           </p:cNvPr>
@@ -28736,7 +28812,7 @@
           <p:cNvPr id="9" name="TextBox 8">
             <a:extLst>
               <a:ext uri="{FF2B5EF4-FFF2-40B4-BE49-F238E27FC236}">
-                <a16:creationId xmlns:a16="http://schemas.microsoft.com/office/drawing/2014/main" xmlns="" id="{AC53B904-CB74-4663-9900-63BB6CC8384D}"/>
+                <a16:creationId xmlns:a16="http://schemas.microsoft.com/office/drawing/2014/main" id="{AC53B904-CB74-4663-9900-63BB6CC8384D}"/>
               </a:ext>
             </a:extLst>
           </p:cNvPr>
@@ -28784,7 +28860,7 @@
           <p:cNvPr id="10" name="TextBox 9">
             <a:extLst>
               <a:ext uri="{FF2B5EF4-FFF2-40B4-BE49-F238E27FC236}">
-                <a16:creationId xmlns:a16="http://schemas.microsoft.com/office/drawing/2014/main" xmlns="" id="{40189558-D3E9-45E5-8373-2A6E17C0C54B}"/>
+                <a16:creationId xmlns:a16="http://schemas.microsoft.com/office/drawing/2014/main" id="{40189558-D3E9-45E5-8373-2A6E17C0C54B}"/>
               </a:ext>
             </a:extLst>
           </p:cNvPr>
@@ -28833,7 +28909,7 @@
           <p:cNvPr id="12" name="TextBox 11">
             <a:extLst>
               <a:ext uri="{FF2B5EF4-FFF2-40B4-BE49-F238E27FC236}">
-                <a16:creationId xmlns:a16="http://schemas.microsoft.com/office/drawing/2014/main" xmlns="" id="{818E633C-C5FB-4D08-A4DB-8F3E9577A72E}"/>
+                <a16:creationId xmlns:a16="http://schemas.microsoft.com/office/drawing/2014/main" id="{818E633C-C5FB-4D08-A4DB-8F3E9577A72E}"/>
               </a:ext>
             </a:extLst>
           </p:cNvPr>
@@ -28901,7 +28977,7 @@
           <p:cNvPr id="13" name="TextBox 12">
             <a:extLst>
               <a:ext uri="{FF2B5EF4-FFF2-40B4-BE49-F238E27FC236}">
-                <a16:creationId xmlns:a16="http://schemas.microsoft.com/office/drawing/2014/main" xmlns="" id="{6115B1EE-FC1C-460C-8ED3-983AEC8275F2}"/>
+                <a16:creationId xmlns:a16="http://schemas.microsoft.com/office/drawing/2014/main" id="{6115B1EE-FC1C-460C-8ED3-983AEC8275F2}"/>
               </a:ext>
             </a:extLst>
           </p:cNvPr>
@@ -28950,7 +29026,7 @@
           <p:cNvPr id="15" name="TextBox 14">
             <a:extLst>
               <a:ext uri="{FF2B5EF4-FFF2-40B4-BE49-F238E27FC236}">
-                <a16:creationId xmlns:a16="http://schemas.microsoft.com/office/drawing/2014/main" xmlns="" id="{828E1A24-BAD6-4EDF-ABEB-029F5E5FD934}"/>
+                <a16:creationId xmlns:a16="http://schemas.microsoft.com/office/drawing/2014/main" id="{828E1A24-BAD6-4EDF-ABEB-029F5E5FD934}"/>
               </a:ext>
             </a:extLst>
           </p:cNvPr>
@@ -28984,7 +29060,7 @@
               <a:t>Structure </a:t>
             </a:r>
             <a:r>
-              <a:rPr lang="en-US" altLang="ko-KR" b="1" dirty="0" err="1" smtClean="0">
+              <a:rPr lang="en-US" altLang="ko-KR" b="1" dirty="0" smtClean="0">
                 <a:solidFill>
                   <a:schemeClr val="accent1"/>
                 </a:solidFill>
@@ -29018,7 +29094,7 @@
           <p:cNvPr id="16" name="TextBox 15">
             <a:extLst>
               <a:ext uri="{FF2B5EF4-FFF2-40B4-BE49-F238E27FC236}">
-                <a16:creationId xmlns:a16="http://schemas.microsoft.com/office/drawing/2014/main" xmlns="" id="{F7DC8A90-E6E2-412C-A109-930F530FDFAE}"/>
+                <a16:creationId xmlns:a16="http://schemas.microsoft.com/office/drawing/2014/main" id="{F7DC8A90-E6E2-412C-A109-930F530FDFAE}"/>
               </a:ext>
             </a:extLst>
           </p:cNvPr>
@@ -29082,7 +29158,7 @@
               <a:pPr/>
               <a:t>2</a:t>
             </a:fld>
-            <a:endParaRPr lang="fr-FR"/>
+            <a:endParaRPr lang="fr-FR" dirty="0"/>
           </a:p>
         </p:txBody>
       </p:sp>
@@ -29091,7 +29167,7 @@
           <p:cNvPr id="19" name="TextBox 5">
             <a:extLst>
               <a:ext uri="{FF2B5EF4-FFF2-40B4-BE49-F238E27FC236}">
-                <a16:creationId xmlns:a16="http://schemas.microsoft.com/office/drawing/2014/main" xmlns="" id="{3244FF3C-3C21-45F4-A24E-520682D6B409}"/>
+                <a16:creationId xmlns:a16="http://schemas.microsoft.com/office/drawing/2014/main" id="{3244FF3C-3C21-45F4-A24E-520682D6B409}"/>
               </a:ext>
             </a:extLst>
           </p:cNvPr>
@@ -29142,7 +29218,7 @@
                 <a:latin typeface="Candara" panose="020E0502030303020204" pitchFamily="34" charset="0"/>
                 <a:cs typeface="Arial" pitchFamily="34" charset="0"/>
               </a:rPr>
-              <a:t>d’utiliser</a:t>
+              <a:t>d’utiliseer</a:t>
             </a:r>
             <a:r>
               <a:rPr lang="en-US" altLang="ko-KR" b="1" dirty="0" smtClean="0">
@@ -29179,7 +29255,7 @@
           <p:cNvPr id="20" name="TextBox 6">
             <a:extLst>
               <a:ext uri="{FF2B5EF4-FFF2-40B4-BE49-F238E27FC236}">
-                <a16:creationId xmlns:a16="http://schemas.microsoft.com/office/drawing/2014/main" xmlns="" id="{CD4C4ACE-3F27-4618-8225-64966A7DFEEF}"/>
+                <a16:creationId xmlns:a16="http://schemas.microsoft.com/office/drawing/2014/main" id="{CD4C4ACE-3F27-4618-8225-64966A7DFEEF}"/>
               </a:ext>
             </a:extLst>
           </p:cNvPr>
@@ -29228,7 +29304,7 @@
           <p:cNvPr id="21" name="TextBox 8">
             <a:extLst>
               <a:ext uri="{FF2B5EF4-FFF2-40B4-BE49-F238E27FC236}">
-                <a16:creationId xmlns:a16="http://schemas.microsoft.com/office/drawing/2014/main" xmlns="" id="{AC53B904-CB74-4663-9900-63BB6CC8384D}"/>
+                <a16:creationId xmlns:a16="http://schemas.microsoft.com/office/drawing/2014/main" id="{AC53B904-CB74-4663-9900-63BB6CC8384D}"/>
               </a:ext>
             </a:extLst>
           </p:cNvPr>
@@ -29276,7 +29352,7 @@
           <p:cNvPr id="22" name="TextBox 9">
             <a:extLst>
               <a:ext uri="{FF2B5EF4-FFF2-40B4-BE49-F238E27FC236}">
-                <a16:creationId xmlns:a16="http://schemas.microsoft.com/office/drawing/2014/main" xmlns="" id="{40189558-D3E9-45E5-8373-2A6E17C0C54B}"/>
+                <a16:creationId xmlns:a16="http://schemas.microsoft.com/office/drawing/2014/main" id="{40189558-D3E9-45E5-8373-2A6E17C0C54B}"/>
               </a:ext>
             </a:extLst>
           </p:cNvPr>
@@ -29325,7 +29401,7 @@
           <p:cNvPr id="17" name="TextBox 5">
             <a:extLst>
               <a:ext uri="{FF2B5EF4-FFF2-40B4-BE49-F238E27FC236}">
-                <a16:creationId xmlns:a16="http://schemas.microsoft.com/office/drawing/2014/main" xmlns="" id="{3244FF3C-3C21-45F4-A24E-520682D6B409}"/>
+                <a16:creationId xmlns:a16="http://schemas.microsoft.com/office/drawing/2014/main" id="{3244FF3C-3C21-45F4-A24E-520682D6B409}"/>
               </a:ext>
             </a:extLst>
           </p:cNvPr>
@@ -29373,7 +29449,7 @@
           <p:cNvPr id="18" name="TextBox 6">
             <a:extLst>
               <a:ext uri="{FF2B5EF4-FFF2-40B4-BE49-F238E27FC236}">
-                <a16:creationId xmlns:a16="http://schemas.microsoft.com/office/drawing/2014/main" xmlns="" id="{CD4C4ACE-3F27-4618-8225-64966A7DFEEF}"/>
+                <a16:creationId xmlns:a16="http://schemas.microsoft.com/office/drawing/2014/main" id="{CD4C4ACE-3F27-4618-8225-64966A7DFEEF}"/>
               </a:ext>
             </a:extLst>
           </p:cNvPr>
@@ -29483,7 +29559,7 @@
           <p:cNvPr id="3" name="TextBox 3">
             <a:extLst>
               <a:ext uri="{FF2B5EF4-FFF2-40B4-BE49-F238E27FC236}">
-                <a16:creationId xmlns:a16="http://schemas.microsoft.com/office/drawing/2014/main" xmlns="" id="{15A4BDA0-C270-4764-9C18-A593BCE2C965}"/>
+                <a16:creationId xmlns:a16="http://schemas.microsoft.com/office/drawing/2014/main" id="{15A4BDA0-C270-4764-9C18-A593BCE2C965}"/>
               </a:ext>
             </a:extLst>
           </p:cNvPr>
@@ -29537,7 +29613,7 @@
           <p:cNvPr id="4" name="TextBox 3">
             <a:extLst>
               <a:ext uri="{FF2B5EF4-FFF2-40B4-BE49-F238E27FC236}">
-                <a16:creationId xmlns:a16="http://schemas.microsoft.com/office/drawing/2014/main" xmlns="" id="{15A4BDA0-C270-4764-9C18-A593BCE2C965}"/>
+                <a16:creationId xmlns:a16="http://schemas.microsoft.com/office/drawing/2014/main" id="{15A4BDA0-C270-4764-9C18-A593BCE2C965}"/>
               </a:ext>
             </a:extLst>
           </p:cNvPr>
@@ -29587,7 +29663,7 @@
               <a:t> boot est une </a:t>
             </a:r>
             <a:r>
-              <a:rPr lang="fr-FR" altLang="ko-KR" sz="3200" dirty="0" err="1" smtClean="0">
+              <a:rPr lang="fr-FR" altLang="ko-KR" sz="3200" dirty="0" smtClean="0">
                 <a:solidFill>
                   <a:schemeClr val="tx1">
                     <a:lumMod val="85000"/>
@@ -29597,7 +29673,7 @@
                 <a:latin typeface="Candara" panose="020E0502030303020204" pitchFamily="34" charset="0"/>
                 <a:cs typeface="Arial" pitchFamily="34" charset="0"/>
               </a:rPr>
-              <a:t>extention</a:t>
+              <a:t>extension </a:t>
             </a:r>
             <a:r>
               <a:rPr lang="fr-FR" altLang="ko-KR" sz="3200" dirty="0" smtClean="0">
@@ -29610,7 +29686,7 @@
                 <a:latin typeface="Candara" panose="020E0502030303020204" pitchFamily="34" charset="0"/>
                 <a:cs typeface="Arial" pitchFamily="34" charset="0"/>
               </a:rPr>
-              <a:t> du </a:t>
+              <a:t>du </a:t>
             </a:r>
             <a:r>
               <a:rPr lang="fr-FR" altLang="ko-KR" sz="3200" dirty="0" err="1" smtClean="0">
@@ -29639,7 +29715,7 @@
               <a:t> </a:t>
             </a:r>
             <a:r>
-              <a:rPr lang="fr-FR" altLang="ko-KR" sz="3200" dirty="0" err="1" smtClean="0">
+              <a:rPr lang="fr-FR" altLang="ko-KR" sz="3200" dirty="0" smtClean="0">
                 <a:solidFill>
                   <a:schemeClr val="tx1">
                     <a:lumMod val="85000"/>
@@ -29649,7 +29725,7 @@
                 <a:latin typeface="Candara" panose="020E0502030303020204" pitchFamily="34" charset="0"/>
                 <a:cs typeface="Arial" pitchFamily="34" charset="0"/>
               </a:rPr>
-              <a:t>framework</a:t>
+              <a:t>Framework </a:t>
             </a:r>
             <a:r>
               <a:rPr lang="fr-FR" altLang="ko-KR" sz="3200" dirty="0" smtClean="0">
@@ -29662,10 +29738,10 @@
                 <a:latin typeface="Candara" panose="020E0502030303020204" pitchFamily="34" charset="0"/>
                 <a:cs typeface="Arial" pitchFamily="34" charset="0"/>
               </a:rPr>
-              <a:t> qui permet de mettre en place </a:t>
-            </a:r>
-            <a:r>
-              <a:rPr lang="fr-FR" altLang="ko-KR" sz="3200" dirty="0" err="1" smtClean="0">
+              <a:t>qui permet de mettre en place </a:t>
+            </a:r>
+            <a:r>
+              <a:rPr lang="fr-FR" altLang="ko-KR" sz="3200" dirty="0" smtClean="0">
                 <a:solidFill>
                   <a:schemeClr val="tx1">
                     <a:lumMod val="85000"/>
@@ -29675,7 +29751,7 @@
                 <a:latin typeface="Candara" panose="020E0502030303020204" pitchFamily="34" charset="0"/>
                 <a:cs typeface="Arial" pitchFamily="34" charset="0"/>
               </a:rPr>
-              <a:t>repidement</a:t>
+              <a:t>rapidement </a:t>
             </a:r>
             <a:r>
               <a:rPr lang="fr-FR" altLang="ko-KR" sz="3200" dirty="0" smtClean="0">
@@ -29688,7 +29764,7 @@
                 <a:latin typeface="Candara" panose="020E0502030303020204" pitchFamily="34" charset="0"/>
                 <a:cs typeface="Arial" pitchFamily="34" charset="0"/>
               </a:rPr>
-              <a:t> des applications web en utilisent langage de programmation java </a:t>
+              <a:t>des applications web en utilisent langage de programmation java </a:t>
             </a:r>
             <a:endParaRPr lang="ko-KR" altLang="en-US" sz="3200" dirty="0">
               <a:solidFill>
@@ -29769,7 +29845,7 @@
           <p:cNvPr id="10" name="TextBox 8">
             <a:extLst>
               <a:ext uri="{FF2B5EF4-FFF2-40B4-BE49-F238E27FC236}">
-                <a16:creationId xmlns:a16="http://schemas.microsoft.com/office/drawing/2014/main" xmlns="" id="{C062103B-F514-4BE9-B5B2-C13878D2FE7C}"/>
+                <a16:creationId xmlns:a16="http://schemas.microsoft.com/office/drawing/2014/main" id="{C062103B-F514-4BE9-B5B2-C13878D2FE7C}"/>
               </a:ext>
             </a:extLst>
           </p:cNvPr>
@@ -29778,8 +29854,8 @@
         </p:nvSpPr>
         <p:spPr>
           <a:xfrm>
-            <a:off x="6388275" y="3292494"/>
-            <a:ext cx="5120553" cy="1015663"/>
+            <a:off x="6388275" y="3138606"/>
+            <a:ext cx="5120553" cy="1323439"/>
           </a:xfrm>
           <a:prstGeom prst="rect">
             <a:avLst/>
@@ -29798,27 +29874,19 @@
             </a:r>
             <a:r>
               <a:rPr lang="fr-FR" altLang="ko-KR" sz="2000" dirty="0" smtClean="0"/>
-              <a:t> est </a:t>
+              <a:t> est un </a:t>
+            </a:r>
+            <a:r>
+              <a:rPr lang="fr-FR" altLang="ko-KR" sz="2000" b="1" dirty="0" smtClean="0"/>
+              <a:t>Framework</a:t>
             </a:r>
             <a:r>
               <a:rPr lang="fr-FR" altLang="ko-KR" sz="2000" dirty="0" smtClean="0"/>
-              <a:t>un </a:t>
-            </a:r>
-            <a:r>
-              <a:rPr lang="fr-FR" altLang="ko-KR" sz="2000" b="1" dirty="0" err="1" smtClean="0"/>
-              <a:t>framework</a:t>
+              <a:t> </a:t>
             </a:r>
             <a:r>
               <a:rPr lang="fr-FR" altLang="ko-KR" sz="2000" dirty="0" smtClean="0"/>
-              <a:t> java </a:t>
-            </a:r>
-            <a:r>
-              <a:rPr lang="fr-FR" altLang="ko-KR" sz="2000" dirty="0" smtClean="0"/>
-              <a:t>développe </a:t>
-            </a:r>
-            <a:r>
-              <a:rPr lang="fr-FR" altLang="ko-KR" sz="2000" dirty="0" smtClean="0"/>
-              <a:t>par </a:t>
+              <a:t>java développe par </a:t>
             </a:r>
             <a:r>
               <a:rPr lang="fr-FR" sz="2000" b="1" dirty="0" smtClean="0"/>
@@ -29834,37 +29902,20 @@
             </a:r>
             <a:r>
               <a:rPr lang="fr-FR" sz="2000" dirty="0" smtClean="0"/>
-              <a:t> et qui permet de </a:t>
-            </a:r>
-            <a:r>
-              <a:rPr lang="fr-FR" sz="2000" dirty="0" smtClean="0"/>
-              <a:t>crée </a:t>
-            </a:r>
-            <a:r>
-              <a:rPr lang="fr-FR" sz="2000" dirty="0" smtClean="0"/>
-              <a:t>des </a:t>
+              <a:t> et qui permet de crée des </a:t>
             </a:r>
             <a:r>
               <a:rPr lang="fr-FR" sz="2000" b="1" dirty="0" smtClean="0"/>
               <a:t>projets </a:t>
             </a:r>
             <a:r>
-              <a:rPr lang="fr-FR" sz="2000" b="1" dirty="0" err="1" smtClean="0"/>
-              <a:t>spring</a:t>
-            </a:r>
-            <a:r>
               <a:rPr lang="fr-FR" sz="2000" b="1" dirty="0" smtClean="0"/>
-              <a:t> </a:t>
+              <a:t>Springs </a:t>
             </a:r>
             <a:r>
               <a:rPr lang="fr-FR" sz="2000" dirty="0" smtClean="0"/>
-              <a:t>tel que </a:t>
-            </a:r>
-            <a:r>
-              <a:rPr lang="fr-FR" sz="2000" dirty="0" smtClean="0"/>
-              <a:t>:</a:t>
-            </a:r>
-            <a:endParaRPr lang="fr-FR" sz="2000" dirty="0" smtClean="0"/>
+              <a:t>tel que :</a:t>
+            </a:r>
           </a:p>
         </p:txBody>
       </p:sp>
@@ -29897,7 +29948,7 @@
           <p:cNvPr id="8" name="TextBox 7">
             <a:extLst>
               <a:ext uri="{FF2B5EF4-FFF2-40B4-BE49-F238E27FC236}">
-                <a16:creationId xmlns:a16="http://schemas.microsoft.com/office/drawing/2014/main" xmlns="" id="{5CF5BDA4-10C7-46A6-AC30-523A3FC438AC}"/>
+                <a16:creationId xmlns:a16="http://schemas.microsoft.com/office/drawing/2014/main" id="{5CF5BDA4-10C7-46A6-AC30-523A3FC438AC}"/>
               </a:ext>
             </a:extLst>
           </p:cNvPr>
@@ -30063,11 +30114,11 @@
           <a:lstStyle/>
           <a:p>
             <a:r>
-              <a:rPr lang="fr-FR" b="1" dirty="0" err="1"/>
+              <a:rPr lang="fr-FR" b="1" dirty="0" err="1" smtClean="0"/>
               <a:t>Spring</a:t>
             </a:r>
             <a:r>
-              <a:rPr lang="fr-FR" b="1" dirty="0"/>
+              <a:rPr lang="fr-FR" b="1" dirty="0" smtClean="0"/>
               <a:t> </a:t>
             </a:r>
             <a:r>
@@ -30218,7 +30269,6 @@
               <a:rPr lang="fr-FR" b="1" dirty="0"/>
               <a:t> MVC</a:t>
             </a:r>
-            <a:endParaRPr lang="fr-FR" b="1" dirty="0"/>
           </a:p>
         </p:txBody>
       </p:sp>
@@ -30318,7 +30368,7 @@
           <p:cNvPr id="5" name="TextBox 7">
             <a:extLst>
               <a:ext uri="{FF2B5EF4-FFF2-40B4-BE49-F238E27FC236}">
-                <a16:creationId xmlns:a16="http://schemas.microsoft.com/office/drawing/2014/main" xmlns="" id="{5CF5BDA4-10C7-46A6-AC30-523A3FC438AC}"/>
+                <a16:creationId xmlns:a16="http://schemas.microsoft.com/office/drawing/2014/main" id="{5CF5BDA4-10C7-46A6-AC30-523A3FC438AC}"/>
               </a:ext>
             </a:extLst>
           </p:cNvPr>
@@ -30450,7 +30500,7 @@
           <p:cNvPr id="6" name="Rectangle 5">
             <a:extLst>
               <a:ext uri="{FF2B5EF4-FFF2-40B4-BE49-F238E27FC236}">
-                <a16:creationId xmlns:a16="http://schemas.microsoft.com/office/drawing/2014/main" xmlns="" id="{6D0FDF8F-D25E-4CB0-8E60-C13C20A472F5}"/>
+                <a16:creationId xmlns:a16="http://schemas.microsoft.com/office/drawing/2014/main" id="{6D0FDF8F-D25E-4CB0-8E60-C13C20A472F5}"/>
               </a:ext>
             </a:extLst>
           </p:cNvPr>
@@ -30459,7 +30509,7 @@
         </p:nvSpPr>
         <p:spPr>
           <a:xfrm>
-            <a:off x="6453034" y="3753522"/>
+            <a:off x="5893198" y="3777246"/>
             <a:ext cx="108000" cy="2466002"/>
           </a:xfrm>
           <a:prstGeom prst="rect">
@@ -30512,7 +30562,7 @@
           <p:cNvPr id="7" name="Pentagon 14">
             <a:extLst>
               <a:ext uri="{FF2B5EF4-FFF2-40B4-BE49-F238E27FC236}">
-                <a16:creationId xmlns:a16="http://schemas.microsoft.com/office/drawing/2014/main" xmlns="" id="{8D0EAD2F-CF67-4591-BB34-B59CCA0D3581}"/>
+                <a16:creationId xmlns:a16="http://schemas.microsoft.com/office/drawing/2014/main" id="{8D0EAD2F-CF67-4591-BB34-B59CCA0D3581}"/>
               </a:ext>
             </a:extLst>
           </p:cNvPr>
@@ -30521,8 +30571,8 @@
         </p:nvSpPr>
         <p:spPr>
           <a:xfrm>
-            <a:off x="6552259" y="3777246"/>
-            <a:ext cx="4984212" cy="559008"/>
+            <a:off x="6001198" y="3777246"/>
+            <a:ext cx="5535273" cy="559008"/>
           </a:xfrm>
           <a:prstGeom prst="homePlate">
             <a:avLst/>
@@ -30568,7 +30618,7 @@
           <p:cNvPr id="8" name="Pentagon 14">
             <a:extLst>
               <a:ext uri="{FF2B5EF4-FFF2-40B4-BE49-F238E27FC236}">
-                <a16:creationId xmlns:a16="http://schemas.microsoft.com/office/drawing/2014/main" xmlns="" id="{8D0EAD2F-CF67-4591-BB34-B59CCA0D3581}"/>
+                <a16:creationId xmlns:a16="http://schemas.microsoft.com/office/drawing/2014/main" id="{8D0EAD2F-CF67-4591-BB34-B59CCA0D3581}"/>
               </a:ext>
             </a:extLst>
           </p:cNvPr>
@@ -30577,8 +30627,8 @@
         </p:nvSpPr>
         <p:spPr>
           <a:xfrm>
-            <a:off x="6552259" y="4700995"/>
-            <a:ext cx="4984212" cy="553189"/>
+            <a:off x="6001198" y="4700995"/>
+            <a:ext cx="5535273" cy="553189"/>
           </a:xfrm>
           <a:prstGeom prst="homePlate">
             <a:avLst/>
@@ -30624,7 +30674,7 @@
           <p:cNvPr id="9" name="TextBox 32">
             <a:extLst>
               <a:ext uri="{FF2B5EF4-FFF2-40B4-BE49-F238E27FC236}">
-                <a16:creationId xmlns:a16="http://schemas.microsoft.com/office/drawing/2014/main" xmlns="" id="{3D68DC4F-6C57-4033-AD85-E705874ADB27}"/>
+                <a16:creationId xmlns:a16="http://schemas.microsoft.com/office/drawing/2014/main" id="{3D68DC4F-6C57-4033-AD85-E705874ADB27}"/>
               </a:ext>
             </a:extLst>
           </p:cNvPr>
@@ -30633,8 +30683,8 @@
         </p:nvSpPr>
         <p:spPr>
           <a:xfrm>
-            <a:off x="6910071" y="3970424"/>
-            <a:ext cx="2993720" cy="307777"/>
+            <a:off x="6751181" y="3878266"/>
+            <a:ext cx="2916317" cy="369332"/>
           </a:xfrm>
           <a:prstGeom prst="rect">
             <a:avLst/>
@@ -30649,7 +30699,7 @@
           <a:p>
             <a:pPr algn="ctr"/>
             <a:r>
-              <a:rPr lang="en-US" altLang="ko-KR" sz="1400" b="1" dirty="0" smtClean="0">
+              <a:rPr lang="en-US" altLang="ko-KR" b="1" dirty="0" smtClean="0">
                 <a:solidFill>
                   <a:schemeClr val="tx1">
                     <a:lumMod val="75000"/>
@@ -30662,7 +30712,7 @@
               <a:t>Configuration </a:t>
             </a:r>
             <a:r>
-              <a:rPr lang="en-US" altLang="ko-KR" sz="1400" b="1" dirty="0" err="1" smtClean="0">
+              <a:rPr lang="en-US" altLang="ko-KR" b="1" dirty="0" smtClean="0">
                 <a:solidFill>
                   <a:schemeClr val="tx1">
                     <a:lumMod val="75000"/>
@@ -30674,7 +30724,7 @@
               </a:rPr>
               <a:t>automatique</a:t>
             </a:r>
-            <a:endParaRPr lang="ko-KR" altLang="en-US" sz="1400" b="1" dirty="0">
+            <a:endParaRPr lang="ko-KR" altLang="en-US" b="1" dirty="0">
               <a:solidFill>
                 <a:schemeClr val="tx1">
                   <a:lumMod val="75000"/>
@@ -30692,7 +30742,7 @@
           <p:cNvPr id="10" name="TextBox 32">
             <a:extLst>
               <a:ext uri="{FF2B5EF4-FFF2-40B4-BE49-F238E27FC236}">
-                <a16:creationId xmlns:a16="http://schemas.microsoft.com/office/drawing/2014/main" xmlns="" id="{3D68DC4F-6C57-4033-AD85-E705874ADB27}"/>
+                <a16:creationId xmlns:a16="http://schemas.microsoft.com/office/drawing/2014/main" id="{3D68DC4F-6C57-4033-AD85-E705874ADB27}"/>
               </a:ext>
             </a:extLst>
           </p:cNvPr>
@@ -30701,8 +30751,8 @@
         </p:nvSpPr>
         <p:spPr>
           <a:xfrm>
-            <a:off x="7228037" y="4799883"/>
-            <a:ext cx="4078264" cy="307777"/>
+            <a:off x="6729702" y="4736539"/>
+            <a:ext cx="4078264" cy="369332"/>
           </a:xfrm>
           <a:prstGeom prst="rect">
             <a:avLst/>
@@ -30717,7 +30767,7 @@
           <a:p>
             <a:pPr fontAlgn="base"/>
             <a:r>
-              <a:rPr lang="fr-FR" sz="1400" dirty="0">
+              <a:rPr lang="fr-FR" dirty="0">
                 <a:solidFill>
                   <a:srgbClr val="161616"/>
                 </a:solidFill>
@@ -30733,7 +30783,7 @@
           <p:cNvPr id="11" name="TextBox 6">
             <a:extLst>
               <a:ext uri="{FF2B5EF4-FFF2-40B4-BE49-F238E27FC236}">
-                <a16:creationId xmlns:a16="http://schemas.microsoft.com/office/drawing/2014/main" xmlns="" id="{CD4C4ACE-3F27-4618-8225-64966A7DFEEF}"/>
+                <a16:creationId xmlns:a16="http://schemas.microsoft.com/office/drawing/2014/main" id="{CD4C4ACE-3F27-4618-8225-64966A7DFEEF}"/>
               </a:ext>
             </a:extLst>
           </p:cNvPr>
@@ -30742,8 +30792,8 @@
         </p:nvSpPr>
         <p:spPr>
           <a:xfrm>
-            <a:off x="6622745" y="3941736"/>
-            <a:ext cx="574653" cy="400110"/>
+            <a:off x="6135211" y="3907205"/>
+            <a:ext cx="636364" cy="400110"/>
           </a:xfrm>
           <a:prstGeom prst="rect">
             <a:avLst/>
@@ -30782,7 +30832,7 @@
           <p:cNvPr id="12" name="TextBox 6">
             <a:extLst>
               <a:ext uri="{FF2B5EF4-FFF2-40B4-BE49-F238E27FC236}">
-                <a16:creationId xmlns:a16="http://schemas.microsoft.com/office/drawing/2014/main" xmlns="" id="{CD4C4ACE-3F27-4618-8225-64966A7DFEEF}"/>
+                <a16:creationId xmlns:a16="http://schemas.microsoft.com/office/drawing/2014/main" id="{CD4C4ACE-3F27-4618-8225-64966A7DFEEF}"/>
               </a:ext>
             </a:extLst>
           </p:cNvPr>
@@ -30791,7 +30841,7 @@
         </p:nvSpPr>
         <p:spPr>
           <a:xfrm>
-            <a:off x="6603832" y="4719304"/>
+            <a:off x="6126976" y="4810192"/>
             <a:ext cx="624205" cy="400110"/>
           </a:xfrm>
           <a:prstGeom prst="rect">
@@ -30831,7 +30881,7 @@
           <p:cNvPr id="13" name="Pentagon 14">
             <a:extLst>
               <a:ext uri="{FF2B5EF4-FFF2-40B4-BE49-F238E27FC236}">
-                <a16:creationId xmlns:a16="http://schemas.microsoft.com/office/drawing/2014/main" xmlns="" id="{8D0EAD2F-CF67-4591-BB34-B59CCA0D3581}"/>
+                <a16:creationId xmlns:a16="http://schemas.microsoft.com/office/drawing/2014/main" id="{8D0EAD2F-CF67-4591-BB34-B59CCA0D3581}"/>
               </a:ext>
             </a:extLst>
           </p:cNvPr>
@@ -30840,8 +30890,8 @@
         </p:nvSpPr>
         <p:spPr>
           <a:xfrm>
-            <a:off x="6561034" y="5641434"/>
-            <a:ext cx="4984212" cy="553189"/>
+            <a:off x="6001197" y="5641434"/>
+            <a:ext cx="5997969" cy="553189"/>
           </a:xfrm>
           <a:prstGeom prst="homePlate">
             <a:avLst/>
@@ -30883,10 +30933,19 @@
                 </a:solidFill>
                 <a:latin typeface="inherit"/>
               </a:rPr>
-              <a:t>             Possibilité </a:t>
-            </a:r>
-            <a:r>
-              <a:rPr lang="fr-FR" sz="1400" dirty="0">
+              <a:t>             </a:t>
+            </a:r>
+            <a:r>
+              <a:rPr lang="fr-FR" dirty="0" smtClean="0">
+                <a:solidFill>
+                  <a:srgbClr val="161616"/>
+                </a:solidFill>
+                <a:latin typeface="inherit"/>
+              </a:rPr>
+              <a:t>Possibilité </a:t>
+            </a:r>
+            <a:r>
+              <a:rPr lang="fr-FR" dirty="0">
                 <a:solidFill>
                   <a:srgbClr val="161616"/>
                 </a:solidFill>
@@ -30902,7 +30961,7 @@
           <p:cNvPr id="15" name="TextBox 6">
             <a:extLst>
               <a:ext uri="{FF2B5EF4-FFF2-40B4-BE49-F238E27FC236}">
-                <a16:creationId xmlns:a16="http://schemas.microsoft.com/office/drawing/2014/main" xmlns="" id="{CD4C4ACE-3F27-4618-8225-64966A7DFEEF}"/>
+                <a16:creationId xmlns:a16="http://schemas.microsoft.com/office/drawing/2014/main" id="{CD4C4ACE-3F27-4618-8225-64966A7DFEEF}"/>
               </a:ext>
             </a:extLst>
           </p:cNvPr>
@@ -30911,8 +30970,8 @@
         </p:nvSpPr>
         <p:spPr>
           <a:xfrm>
-            <a:off x="6575203" y="5641434"/>
-            <a:ext cx="624205" cy="400110"/>
+            <a:off x="6126976" y="5678270"/>
+            <a:ext cx="652834" cy="400110"/>
           </a:xfrm>
           <a:prstGeom prst="rect">
             <a:avLst/>
@@ -30988,7 +31047,7 @@
           <p:cNvPr id="2" name="Text Placeholder 1">
             <a:extLst>
               <a:ext uri="{FF2B5EF4-FFF2-40B4-BE49-F238E27FC236}">
-                <a16:creationId xmlns:a16="http://schemas.microsoft.com/office/drawing/2014/main" xmlns="" id="{D735F7F3-C1B5-4B60-A00A-4EB618DDFB5A}"/>
+                <a16:creationId xmlns:a16="http://schemas.microsoft.com/office/drawing/2014/main" id="{D735F7F3-C1B5-4B60-A00A-4EB618DDFB5A}"/>
               </a:ext>
             </a:extLst>
           </p:cNvPr>
@@ -31019,7 +31078,7 @@
           <p:cNvPr id="8" name="TextBox 7">
             <a:extLst>
               <a:ext uri="{FF2B5EF4-FFF2-40B4-BE49-F238E27FC236}">
-                <a16:creationId xmlns:a16="http://schemas.microsoft.com/office/drawing/2014/main" xmlns="" id="{A43997AA-366C-4002-B0FD-967BCBDAA30B}"/>
+                <a16:creationId xmlns:a16="http://schemas.microsoft.com/office/drawing/2014/main" id="{A43997AA-366C-4002-B0FD-967BCBDAA30B}"/>
               </a:ext>
             </a:extLst>
           </p:cNvPr>
@@ -31051,18 +31110,7 @@
                   </a:schemeClr>
                 </a:solidFill>
               </a:rPr>
-              <a:t>Visual studio </a:t>
-            </a:r>
-            <a:r>
-              <a:rPr lang="fr-FR" sz="2800" b="1" cap="all" dirty="0" smtClean="0">
-                <a:solidFill>
-                  <a:schemeClr val="accent4">
-                    <a:lumMod val="60000"/>
-                    <a:lumOff val="40000"/>
-                  </a:schemeClr>
-                </a:solidFill>
-              </a:rPr>
-              <a:t>code</a:t>
+              <a:t>Visual studio code</a:t>
             </a:r>
             <a:endParaRPr lang="fr-FR" sz="2800" b="1" cap="all" dirty="0">
               <a:solidFill>
@@ -31080,7 +31128,7 @@
           <p:cNvPr id="18" name="Group 17">
             <a:extLst>
               <a:ext uri="{FF2B5EF4-FFF2-40B4-BE49-F238E27FC236}">
-                <a16:creationId xmlns:a16="http://schemas.microsoft.com/office/drawing/2014/main" xmlns="" id="{AF125DDF-54C0-44F1-9312-CC567147E6D6}"/>
+                <a16:creationId xmlns:a16="http://schemas.microsoft.com/office/drawing/2014/main" id="{AF125DDF-54C0-44F1-9312-CC567147E6D6}"/>
               </a:ext>
             </a:extLst>
           </p:cNvPr>
@@ -31106,7 +31154,7 @@
             <p:cNvPr id="19" name="Oval 18">
               <a:extLst>
                 <a:ext uri="{FF2B5EF4-FFF2-40B4-BE49-F238E27FC236}">
-                  <a16:creationId xmlns:a16="http://schemas.microsoft.com/office/drawing/2014/main" xmlns="" id="{D4F344A5-D92C-4603-A473-E966BA62A68D}"/>
+                  <a16:creationId xmlns:a16="http://schemas.microsoft.com/office/drawing/2014/main" id="{D4F344A5-D92C-4603-A473-E966BA62A68D}"/>
                 </a:ext>
               </a:extLst>
             </p:cNvPr>
@@ -31176,7 +31224,7 @@
             <p:cNvPr id="20" name="Oval 19">
               <a:extLst>
                 <a:ext uri="{FF2B5EF4-FFF2-40B4-BE49-F238E27FC236}">
-                  <a16:creationId xmlns:a16="http://schemas.microsoft.com/office/drawing/2014/main" xmlns="" id="{C3D9F7C8-DFDE-4FE7-9999-7B888487F58A}"/>
+                  <a16:creationId xmlns:a16="http://schemas.microsoft.com/office/drawing/2014/main" id="{C3D9F7C8-DFDE-4FE7-9999-7B888487F58A}"/>
                 </a:ext>
               </a:extLst>
             </p:cNvPr>
@@ -31246,7 +31294,7 @@
             <p:cNvPr id="21" name="Oval 20">
               <a:extLst>
                 <a:ext uri="{FF2B5EF4-FFF2-40B4-BE49-F238E27FC236}">
-                  <a16:creationId xmlns:a16="http://schemas.microsoft.com/office/drawing/2014/main" xmlns="" id="{4D964D23-0A44-4C3A-8202-130EAAE36554}"/>
+                  <a16:creationId xmlns:a16="http://schemas.microsoft.com/office/drawing/2014/main" id="{4D964D23-0A44-4C3A-8202-130EAAE36554}"/>
                 </a:ext>
               </a:extLst>
             </p:cNvPr>
@@ -31317,7 +31365,7 @@
           <p:cNvPr id="22" name="Rectangle 21">
             <a:extLst>
               <a:ext uri="{FF2B5EF4-FFF2-40B4-BE49-F238E27FC236}">
-                <a16:creationId xmlns:a16="http://schemas.microsoft.com/office/drawing/2014/main" xmlns="" id="{9F42F8BA-36EB-4CDA-9C34-2FBFA3D0D547}"/>
+                <a16:creationId xmlns:a16="http://schemas.microsoft.com/office/drawing/2014/main" id="{9F42F8BA-36EB-4CDA-9C34-2FBFA3D0D547}"/>
               </a:ext>
             </a:extLst>
           </p:cNvPr>
@@ -31371,7 +31419,7 @@
           <p:cNvPr id="23" name="Rectangle 22">
             <a:extLst>
               <a:ext uri="{FF2B5EF4-FFF2-40B4-BE49-F238E27FC236}">
-                <a16:creationId xmlns:a16="http://schemas.microsoft.com/office/drawing/2014/main" xmlns="" id="{F0270141-EAEF-4DB8-BE02-068A9E67E9FC}"/>
+                <a16:creationId xmlns:a16="http://schemas.microsoft.com/office/drawing/2014/main" id="{F0270141-EAEF-4DB8-BE02-068A9E67E9FC}"/>
               </a:ext>
             </a:extLst>
           </p:cNvPr>
@@ -31425,7 +31473,7 @@
           <p:cNvPr id="24" name="Rectangle 23">
             <a:extLst>
               <a:ext uri="{FF2B5EF4-FFF2-40B4-BE49-F238E27FC236}">
-                <a16:creationId xmlns:a16="http://schemas.microsoft.com/office/drawing/2014/main" xmlns="" id="{B8E337CC-A763-4D05-9509-C4A9D2828580}"/>
+                <a16:creationId xmlns:a16="http://schemas.microsoft.com/office/drawing/2014/main" id="{B8E337CC-A763-4D05-9509-C4A9D2828580}"/>
               </a:ext>
             </a:extLst>
           </p:cNvPr>
@@ -31479,7 +31527,7 @@
           <p:cNvPr id="25" name="Parallelogram 24">
             <a:extLst>
               <a:ext uri="{FF2B5EF4-FFF2-40B4-BE49-F238E27FC236}">
-                <a16:creationId xmlns:a16="http://schemas.microsoft.com/office/drawing/2014/main" xmlns="" id="{3BE05377-4603-403A-A13B-77D1DF41A42C}"/>
+                <a16:creationId xmlns:a16="http://schemas.microsoft.com/office/drawing/2014/main" id="{3BE05377-4603-403A-A13B-77D1DF41A42C}"/>
               </a:ext>
             </a:extLst>
           </p:cNvPr>
@@ -31535,7 +31583,7 @@
           <p:cNvPr id="26" name="Rectangle 25">
             <a:extLst>
               <a:ext uri="{FF2B5EF4-FFF2-40B4-BE49-F238E27FC236}">
-                <a16:creationId xmlns:a16="http://schemas.microsoft.com/office/drawing/2014/main" xmlns="" id="{1B20DF86-2CE8-449A-9346-3AA4C54078C2}"/>
+                <a16:creationId xmlns:a16="http://schemas.microsoft.com/office/drawing/2014/main" id="{1B20DF86-2CE8-449A-9346-3AA4C54078C2}"/>
               </a:ext>
             </a:extLst>
           </p:cNvPr>
@@ -31589,7 +31637,7 @@
           <p:cNvPr id="27" name="Rectangle 26">
             <a:extLst>
               <a:ext uri="{FF2B5EF4-FFF2-40B4-BE49-F238E27FC236}">
-                <a16:creationId xmlns:a16="http://schemas.microsoft.com/office/drawing/2014/main" xmlns="" id="{9AD4AE32-2565-486C-BF53-0B038014A932}"/>
+                <a16:creationId xmlns:a16="http://schemas.microsoft.com/office/drawing/2014/main" id="{9AD4AE32-2565-486C-BF53-0B038014A932}"/>
               </a:ext>
             </a:extLst>
           </p:cNvPr>
@@ -31646,7 +31694,7 @@
           <p:cNvPr id="33" name="Rectangle 32">
             <a:extLst>
               <a:ext uri="{FF2B5EF4-FFF2-40B4-BE49-F238E27FC236}">
-                <a16:creationId xmlns:a16="http://schemas.microsoft.com/office/drawing/2014/main" xmlns="" id="{E84459F8-5881-4DEB-8A81-B89DA92F1CB7}"/>
+                <a16:creationId xmlns:a16="http://schemas.microsoft.com/office/drawing/2014/main" id="{E84459F8-5881-4DEB-8A81-B89DA92F1CB7}"/>
               </a:ext>
             </a:extLst>
           </p:cNvPr>
@@ -31700,7 +31748,7 @@
           <p:cNvPr id="34" name="Rectangle 33">
             <a:extLst>
               <a:ext uri="{FF2B5EF4-FFF2-40B4-BE49-F238E27FC236}">
-                <a16:creationId xmlns:a16="http://schemas.microsoft.com/office/drawing/2014/main" xmlns="" id="{249C4E87-AE40-4F8D-B76D-0F3FE3C5E753}"/>
+                <a16:creationId xmlns:a16="http://schemas.microsoft.com/office/drawing/2014/main" id="{249C4E87-AE40-4F8D-B76D-0F3FE3C5E753}"/>
               </a:ext>
             </a:extLst>
           </p:cNvPr>
@@ -31754,7 +31802,7 @@
           <p:cNvPr id="35" name="Rectangle 34">
             <a:extLst>
               <a:ext uri="{FF2B5EF4-FFF2-40B4-BE49-F238E27FC236}">
-                <a16:creationId xmlns:a16="http://schemas.microsoft.com/office/drawing/2014/main" xmlns="" id="{DCEBC72B-82D4-4B5A-9E29-9A6C7DF9679D}"/>
+                <a16:creationId xmlns:a16="http://schemas.microsoft.com/office/drawing/2014/main" id="{DCEBC72B-82D4-4B5A-9E29-9A6C7DF9679D}"/>
               </a:ext>
             </a:extLst>
           </p:cNvPr>
@@ -31810,7 +31858,7 @@
           <p:cNvPr id="36" name="Rectangle 35">
             <a:extLst>
               <a:ext uri="{FF2B5EF4-FFF2-40B4-BE49-F238E27FC236}">
-                <a16:creationId xmlns:a16="http://schemas.microsoft.com/office/drawing/2014/main" xmlns="" id="{8F5405A9-7AFD-4CD6-895B-4CC9E600198B}"/>
+                <a16:creationId xmlns:a16="http://schemas.microsoft.com/office/drawing/2014/main" id="{8F5405A9-7AFD-4CD6-895B-4CC9E600198B}"/>
               </a:ext>
             </a:extLst>
           </p:cNvPr>
@@ -31864,7 +31912,7 @@
           <p:cNvPr id="37" name="Rectangle 36">
             <a:extLst>
               <a:ext uri="{FF2B5EF4-FFF2-40B4-BE49-F238E27FC236}">
-                <a16:creationId xmlns:a16="http://schemas.microsoft.com/office/drawing/2014/main" xmlns="" id="{E68A8935-BBBB-4065-80B9-2A9DD8DE3D40}"/>
+                <a16:creationId xmlns:a16="http://schemas.microsoft.com/office/drawing/2014/main" id="{E68A8935-BBBB-4065-80B9-2A9DD8DE3D40}"/>
               </a:ext>
             </a:extLst>
           </p:cNvPr>
@@ -31918,7 +31966,7 @@
           <p:cNvPr id="38" name="Group 37">
             <a:extLst>
               <a:ext uri="{FF2B5EF4-FFF2-40B4-BE49-F238E27FC236}">
-                <a16:creationId xmlns:a16="http://schemas.microsoft.com/office/drawing/2014/main" xmlns="" id="{233B169F-B6F7-48B5-B5C3-3FAAAF1B142C}"/>
+                <a16:creationId xmlns:a16="http://schemas.microsoft.com/office/drawing/2014/main" id="{233B169F-B6F7-48B5-B5C3-3FAAAF1B142C}"/>
               </a:ext>
             </a:extLst>
           </p:cNvPr>
@@ -31938,7 +31986,7 @@
             <p:cNvPr id="39" name="Rectangle 34">
               <a:extLst>
                 <a:ext uri="{FF2B5EF4-FFF2-40B4-BE49-F238E27FC236}">
-                  <a16:creationId xmlns:a16="http://schemas.microsoft.com/office/drawing/2014/main" xmlns="" id="{61085DFF-D2A6-4757-BC9C-B6911BE3148F}"/>
+                  <a16:creationId xmlns:a16="http://schemas.microsoft.com/office/drawing/2014/main" id="{61085DFF-D2A6-4757-BC9C-B6911BE3148F}"/>
                 </a:ext>
               </a:extLst>
             </p:cNvPr>
@@ -32015,7 +32063,7 @@
             <p:cNvPr id="40" name="Group 39">
               <a:extLst>
                 <a:ext uri="{FF2B5EF4-FFF2-40B4-BE49-F238E27FC236}">
-                  <a16:creationId xmlns:a16="http://schemas.microsoft.com/office/drawing/2014/main" xmlns="" id="{3C5EDA7E-EAC2-42DC-BA31-82F98D89F64F}"/>
+                  <a16:creationId xmlns:a16="http://schemas.microsoft.com/office/drawing/2014/main" id="{3C5EDA7E-EAC2-42DC-BA31-82F98D89F64F}"/>
                 </a:ext>
               </a:extLst>
             </p:cNvPr>
@@ -32035,7 +32083,7 @@
               <p:cNvPr id="41" name="Parallelogram 40">
                 <a:extLst>
                   <a:ext uri="{FF2B5EF4-FFF2-40B4-BE49-F238E27FC236}">
-                    <a16:creationId xmlns:a16="http://schemas.microsoft.com/office/drawing/2014/main" xmlns="" id="{3DD0C1A1-1C2E-4ABE-8BA7-25BE1B74C75A}"/>
+                    <a16:creationId xmlns:a16="http://schemas.microsoft.com/office/drawing/2014/main" id="{3DD0C1A1-1C2E-4ABE-8BA7-25BE1B74C75A}"/>
                   </a:ext>
                 </a:extLst>
               </p:cNvPr>
@@ -32091,7 +32139,7 @@
               <p:cNvPr id="42" name="Parallelogram 41">
                 <a:extLst>
                   <a:ext uri="{FF2B5EF4-FFF2-40B4-BE49-F238E27FC236}">
-                    <a16:creationId xmlns:a16="http://schemas.microsoft.com/office/drawing/2014/main" xmlns="" id="{FAA098A8-6698-44B6-8D31-46D25DF7D96F}"/>
+                    <a16:creationId xmlns:a16="http://schemas.microsoft.com/office/drawing/2014/main" id="{FAA098A8-6698-44B6-8D31-46D25DF7D96F}"/>
                   </a:ext>
                 </a:extLst>
               </p:cNvPr>
@@ -32147,7 +32195,7 @@
               <p:cNvPr id="43" name="Group 42">
                 <a:extLst>
                   <a:ext uri="{FF2B5EF4-FFF2-40B4-BE49-F238E27FC236}">
-                    <a16:creationId xmlns:a16="http://schemas.microsoft.com/office/drawing/2014/main" xmlns="" id="{AFF4B2DD-ACCF-4187-A0B1-2C8698891D41}"/>
+                    <a16:creationId xmlns:a16="http://schemas.microsoft.com/office/drawing/2014/main" id="{AFF4B2DD-ACCF-4187-A0B1-2C8698891D41}"/>
                   </a:ext>
                 </a:extLst>
               </p:cNvPr>
@@ -32167,7 +32215,7 @@
                 <p:cNvPr id="45" name="Trapezoid 33">
                   <a:extLst>
                     <a:ext uri="{FF2B5EF4-FFF2-40B4-BE49-F238E27FC236}">
-                      <a16:creationId xmlns:a16="http://schemas.microsoft.com/office/drawing/2014/main" xmlns="" id="{8F03E05A-CFBC-4422-8C99-19A95C4DDBD0}"/>
+                      <a16:creationId xmlns:a16="http://schemas.microsoft.com/office/drawing/2014/main" id="{8F03E05A-CFBC-4422-8C99-19A95C4DDBD0}"/>
                     </a:ext>
                   </a:extLst>
                 </p:cNvPr>
@@ -32244,7 +32292,7 @@
                 <p:cNvPr id="46" name="Chord 45">
                   <a:extLst>
                     <a:ext uri="{FF2B5EF4-FFF2-40B4-BE49-F238E27FC236}">
-                      <a16:creationId xmlns:a16="http://schemas.microsoft.com/office/drawing/2014/main" xmlns="" id="{4211E5DD-CA5C-4F4B-9DE5-AD3F17D00AC0}"/>
+                      <a16:creationId xmlns:a16="http://schemas.microsoft.com/office/drawing/2014/main" id="{4211E5DD-CA5C-4F4B-9DE5-AD3F17D00AC0}"/>
                     </a:ext>
                   </a:extLst>
                 </p:cNvPr>
@@ -32301,7 +32349,7 @@
                 <p:cNvPr id="47" name="Trapezoid 37">
                   <a:extLst>
                     <a:ext uri="{FF2B5EF4-FFF2-40B4-BE49-F238E27FC236}">
-                      <a16:creationId xmlns:a16="http://schemas.microsoft.com/office/drawing/2014/main" xmlns="" id="{78B7AA01-3133-49A1-9E4E-2400AFB045CD}"/>
+                      <a16:creationId xmlns:a16="http://schemas.microsoft.com/office/drawing/2014/main" id="{78B7AA01-3133-49A1-9E4E-2400AFB045CD}"/>
                     </a:ext>
                   </a:extLst>
                 </p:cNvPr>
@@ -32379,7 +32427,7 @@
               <p:cNvPr id="44" name="Parallelogram 43">
                 <a:extLst>
                   <a:ext uri="{FF2B5EF4-FFF2-40B4-BE49-F238E27FC236}">
-                    <a16:creationId xmlns:a16="http://schemas.microsoft.com/office/drawing/2014/main" xmlns="" id="{939CEFD3-3525-43BA-AE9D-63D482D72FEB}"/>
+                    <a16:creationId xmlns:a16="http://schemas.microsoft.com/office/drawing/2014/main" id="{939CEFD3-3525-43BA-AE9D-63D482D72FEB}"/>
                   </a:ext>
                 </a:extLst>
               </p:cNvPr>
@@ -32437,7 +32485,7 @@
           <p:cNvPr id="48" name="Freeform 47">
             <a:extLst>
               <a:ext uri="{FF2B5EF4-FFF2-40B4-BE49-F238E27FC236}">
-                <a16:creationId xmlns:a16="http://schemas.microsoft.com/office/drawing/2014/main" xmlns="" id="{643D6B73-DCC6-4A78-BDBC-0C65DE1E5B09}"/>
+                <a16:creationId xmlns:a16="http://schemas.microsoft.com/office/drawing/2014/main" id="{643D6B73-DCC6-4A78-BDBC-0C65DE1E5B09}"/>
               </a:ext>
             </a:extLst>
           </p:cNvPr>
@@ -32677,7 +32725,7 @@
           <p:cNvPr id="49" name="Freeform 48">
             <a:extLst>
               <a:ext uri="{FF2B5EF4-FFF2-40B4-BE49-F238E27FC236}">
-                <a16:creationId xmlns:a16="http://schemas.microsoft.com/office/drawing/2014/main" xmlns="" id="{57802457-5DD1-4216-8401-316524397E6E}"/>
+                <a16:creationId xmlns:a16="http://schemas.microsoft.com/office/drawing/2014/main" id="{57802457-5DD1-4216-8401-316524397E6E}"/>
               </a:ext>
             </a:extLst>
           </p:cNvPr>
@@ -32886,7 +32934,7 @@
           <p:cNvPr id="50" name="Freeform 49">
             <a:extLst>
               <a:ext uri="{FF2B5EF4-FFF2-40B4-BE49-F238E27FC236}">
-                <a16:creationId xmlns:a16="http://schemas.microsoft.com/office/drawing/2014/main" xmlns="" id="{FC68CD52-4B81-4454-BCA7-8BFFCA054C31}"/>
+                <a16:creationId xmlns:a16="http://schemas.microsoft.com/office/drawing/2014/main" id="{FC68CD52-4B81-4454-BCA7-8BFFCA054C31}"/>
               </a:ext>
             </a:extLst>
           </p:cNvPr>
@@ -33149,7 +33197,7 @@
           <p:cNvPr id="51" name="Freeform 50">
             <a:extLst>
               <a:ext uri="{FF2B5EF4-FFF2-40B4-BE49-F238E27FC236}">
-                <a16:creationId xmlns:a16="http://schemas.microsoft.com/office/drawing/2014/main" xmlns="" id="{AD71E514-6F35-43AD-8232-E968ACC620EA}"/>
+                <a16:creationId xmlns:a16="http://schemas.microsoft.com/office/drawing/2014/main" id="{AD71E514-6F35-43AD-8232-E968ACC620EA}"/>
               </a:ext>
             </a:extLst>
           </p:cNvPr>
@@ -33456,7 +33504,7 @@
           <p:cNvPr id="52" name="Freeform 51">
             <a:extLst>
               <a:ext uri="{FF2B5EF4-FFF2-40B4-BE49-F238E27FC236}">
-                <a16:creationId xmlns:a16="http://schemas.microsoft.com/office/drawing/2014/main" xmlns="" id="{2CAE076D-7406-4897-B4DC-790DECC79ACC}"/>
+                <a16:creationId xmlns:a16="http://schemas.microsoft.com/office/drawing/2014/main" id="{2CAE076D-7406-4897-B4DC-790DECC79ACC}"/>
               </a:ext>
             </a:extLst>
           </p:cNvPr>
@@ -33706,7 +33754,7 @@
           <a:lstStyle/>
           <a:p>
             <a:r>
-              <a:rPr lang="fr-FR" sz="2800" b="1" cap="all" dirty="0" err="1" smtClean="0">
+              <a:rPr lang="fr-FR" sz="2800" b="1" cap="all" dirty="0" smtClean="0">
                 <a:solidFill>
                   <a:srgbClr val="F6D106"/>
                 </a:solidFill>
@@ -33755,7 +33803,7 @@
           <a:lstStyle/>
           <a:p>
             <a:r>
-              <a:rPr lang="fr-FR" sz="2800" b="1" cap="all" dirty="0" err="1" smtClean="0">
+              <a:rPr lang="fr-FR" sz="2800" b="1" cap="all" dirty="0" smtClean="0">
                 <a:solidFill>
                   <a:srgbClr val="224A90"/>
                 </a:solidFill>
@@ -33795,7 +33843,7 @@
           <a:lstStyle/>
           <a:p>
             <a:r>
-              <a:rPr lang="fr-FR" sz="2800" b="1" cap="all" dirty="0" err="1" smtClean="0">
+              <a:rPr lang="fr-FR" sz="2800" b="1" cap="all" dirty="0" smtClean="0">
                 <a:solidFill>
                   <a:srgbClr val="5DAA25"/>
                 </a:solidFill>
@@ -33835,7 +33883,7 @@
           <a:lstStyle/>
           <a:p>
             <a:r>
-              <a:rPr lang="fr-FR" sz="2800" b="1" cap="all" dirty="0" err="1" smtClean="0">
+              <a:rPr lang="fr-FR" sz="2800" b="1" cap="all" dirty="0" smtClean="0">
                 <a:solidFill>
                   <a:srgbClr val="00ACD8"/>
                 </a:solidFill>
@@ -34139,7 +34187,7 @@
           <p:cNvPr id="3" name="TextBox 7">
             <a:extLst>
               <a:ext uri="{FF2B5EF4-FFF2-40B4-BE49-F238E27FC236}">
-                <a16:creationId xmlns:a16="http://schemas.microsoft.com/office/drawing/2014/main" xmlns="" id="{5CF5BDA4-10C7-46A6-AC30-523A3FC438AC}"/>
+                <a16:creationId xmlns:a16="http://schemas.microsoft.com/office/drawing/2014/main" id="{5CF5BDA4-10C7-46A6-AC30-523A3FC438AC}"/>
               </a:ext>
             </a:extLst>
           </p:cNvPr>
@@ -34245,7 +34293,7 @@
           <p:cNvPr id="20" name="TextBox 32">
             <a:extLst>
               <a:ext uri="{FF2B5EF4-FFF2-40B4-BE49-F238E27FC236}">
-                <a16:creationId xmlns:a16="http://schemas.microsoft.com/office/drawing/2014/main" xmlns="" id="{3D68DC4F-6C57-4033-AD85-E705874ADB27}"/>
+                <a16:creationId xmlns:a16="http://schemas.microsoft.com/office/drawing/2014/main" id="{3D68DC4F-6C57-4033-AD85-E705874ADB27}"/>
               </a:ext>
             </a:extLst>
           </p:cNvPr>
@@ -34280,20 +34328,7 @@
                 <a:latin typeface="Candara" panose="020E0502030303020204" pitchFamily="34" charset="0"/>
                 <a:cs typeface="Arial" pitchFamily="34" charset="0"/>
               </a:rPr>
-              <a:t> </a:t>
-            </a:r>
-            <a:r>
-              <a:rPr lang="en-US" altLang="ko-KR" sz="2400" b="1" dirty="0" smtClean="0">
-                <a:solidFill>
-                  <a:schemeClr val="tx1">
-                    <a:lumMod val="75000"/>
-                    <a:lumOff val="25000"/>
-                  </a:schemeClr>
-                </a:solidFill>
-                <a:latin typeface="Candara" panose="020E0502030303020204" pitchFamily="34" charset="0"/>
-                <a:cs typeface="Arial" pitchFamily="34" charset="0"/>
-              </a:rPr>
-              <a:t>1</a:t>
+              <a:t> 1</a:t>
             </a:r>
             <a:endParaRPr lang="ko-KR" altLang="en-US" sz="2400" b="1" dirty="0">
               <a:solidFill>
@@ -34313,7 +34348,7 @@
           <p:cNvPr id="7" name="TextBox 32">
             <a:extLst>
               <a:ext uri="{FF2B5EF4-FFF2-40B4-BE49-F238E27FC236}">
-                <a16:creationId xmlns:a16="http://schemas.microsoft.com/office/drawing/2014/main" xmlns="" id="{3D68DC4F-6C57-4033-AD85-E705874ADB27}"/>
+                <a16:creationId xmlns:a16="http://schemas.microsoft.com/office/drawing/2014/main" id="{3D68DC4F-6C57-4033-AD85-E705874ADB27}"/>
               </a:ext>
             </a:extLst>
           </p:cNvPr>
@@ -34337,7 +34372,7 @@
           <a:lstStyle/>
           <a:p>
             <a:r>
-              <a:rPr lang="en-US" altLang="ko-KR" sz="2000" dirty="0" err="1" smtClean="0">
+              <a:rPr lang="en-US" altLang="ko-KR" sz="2000" dirty="0" smtClean="0">
                 <a:solidFill>
                   <a:schemeClr val="tx1">
                     <a:lumMod val="75000"/>
@@ -34363,7 +34398,7 @@
               <a:t> </a:t>
             </a:r>
             <a:r>
-              <a:rPr lang="en-US" altLang="ko-KR" sz="2000" dirty="0" err="1" smtClean="0">
+              <a:rPr lang="en-US" altLang="ko-KR" sz="2000" dirty="0" smtClean="0">
                 <a:solidFill>
                   <a:schemeClr val="tx1">
                     <a:lumMod val="75000"/>
@@ -34389,7 +34424,7 @@
               <a:t> un </a:t>
             </a:r>
             <a:r>
-              <a:rPr lang="en-US" altLang="ko-KR" sz="2000" dirty="0" err="1" smtClean="0">
+              <a:rPr lang="en-US" altLang="ko-KR" sz="2000" dirty="0" smtClean="0">
                 <a:solidFill>
                   <a:schemeClr val="tx1">
                     <a:lumMod val="75000"/>
@@ -34415,7 +34450,7 @@
               <a:t> et </a:t>
             </a:r>
             <a:r>
-              <a:rPr lang="en-US" altLang="ko-KR" sz="2000" dirty="0" err="1" smtClean="0">
+              <a:rPr lang="en-US" altLang="ko-KR" sz="2000" dirty="0" smtClean="0">
                 <a:solidFill>
                   <a:schemeClr val="tx1">
                     <a:lumMod val="75000"/>
@@ -34425,7 +34460,7 @@
                 <a:latin typeface="Candara" panose="020E0502030303020204" pitchFamily="34" charset="0"/>
                 <a:cs typeface="Arial" pitchFamily="34" charset="0"/>
               </a:rPr>
-              <a:t>entré</a:t>
+              <a:t>entrée </a:t>
             </a:r>
             <a:r>
               <a:rPr lang="en-US" altLang="ko-KR" sz="2000" dirty="0" smtClean="0">
@@ -34438,7 +34473,7 @@
                 <a:latin typeface="Candara" panose="020E0502030303020204" pitchFamily="34" charset="0"/>
                 <a:cs typeface="Arial" pitchFamily="34" charset="0"/>
               </a:rPr>
-              <a:t> le lien : </a:t>
+              <a:t>le lien : </a:t>
             </a:r>
             <a:r>
               <a:rPr lang="en-US" altLang="ko-KR" sz="2000" b="1" dirty="0" smtClean="0">
@@ -34512,7 +34547,7 @@
           <a:lstStyle/>
           <a:p>
             <a:r>
-              <a:rPr lang="en-US" altLang="ko-KR" b="1" dirty="0" err="1" smtClean="0">
+              <a:rPr lang="en-US" altLang="ko-KR" b="1" dirty="0" smtClean="0">
                 <a:solidFill>
                   <a:schemeClr val="tx1">
                     <a:lumMod val="75000"/>
@@ -34522,7 +34557,7 @@
                 <a:latin typeface="Candara" panose="020E0502030303020204" pitchFamily="34" charset="0"/>
                 <a:cs typeface="Arial" pitchFamily="34" charset="0"/>
               </a:rPr>
-              <a:t>télèchager</a:t>
+              <a:t>Télèchagé</a:t>
             </a:r>
             <a:r>
               <a:rPr lang="en-US" altLang="ko-KR" b="1" dirty="0" smtClean="0">
@@ -34535,23 +34570,10 @@
                 <a:latin typeface="Candara" panose="020E0502030303020204" pitchFamily="34" charset="0"/>
                 <a:cs typeface="Arial" pitchFamily="34" charset="0"/>
               </a:rPr>
-              <a:t> </a:t>
+              <a:t> le </a:t>
             </a:r>
             <a:r>
               <a:rPr lang="en-US" altLang="ko-KR" b="1" dirty="0">
-                <a:solidFill>
-                  <a:schemeClr val="tx1">
-                    <a:lumMod val="75000"/>
-                    <a:lumOff val="25000"/>
-                  </a:schemeClr>
-                </a:solidFill>
-                <a:latin typeface="Candara" panose="020E0502030303020204" pitchFamily="34" charset="0"/>
-                <a:cs typeface="Arial" pitchFamily="34" charset="0"/>
-              </a:rPr>
-              <a:t>le </a:t>
-            </a:r>
-            <a:r>
-              <a:rPr lang="en-US" altLang="ko-KR" b="1" dirty="0" err="1">
                 <a:solidFill>
                   <a:schemeClr val="tx1">
                     <a:lumMod val="75000"/>
@@ -34611,7 +34633,7 @@
         <p:spPr>
           <a:xfrm>
             <a:off x="2172058" y="3821298"/>
-            <a:ext cx="1702710" cy="369332"/>
+            <a:ext cx="1935918" cy="369332"/>
           </a:xfrm>
           <a:prstGeom prst="rect">
             <a:avLst/>
@@ -34624,7 +34646,7 @@
           <a:lstStyle/>
           <a:p>
             <a:r>
-              <a:rPr lang="en-US" altLang="ko-KR" b="1" dirty="0" err="1">
+              <a:rPr lang="en-US" altLang="ko-KR" b="1" dirty="0">
                 <a:solidFill>
                   <a:schemeClr val="tx1">
                     <a:lumMod val="75000"/>
@@ -34634,10 +34656,10 @@
                 <a:latin typeface="Candara" panose="020E0502030303020204" pitchFamily="34" charset="0"/>
                 <a:cs typeface="Arial" pitchFamily="34" charset="0"/>
               </a:rPr>
-              <a:t>extait</a:t>
-            </a:r>
-            <a:r>
-              <a:rPr lang="en-US" altLang="ko-KR" b="1" dirty="0">
+              <a:t>E</a:t>
+            </a:r>
+            <a:r>
+              <a:rPr lang="en-US" altLang="ko-KR" b="1" dirty="0" smtClean="0">
                 <a:solidFill>
                   <a:schemeClr val="tx1">
                     <a:lumMod val="75000"/>
@@ -34647,10 +34669,10 @@
                 <a:latin typeface="Candara" panose="020E0502030303020204" pitchFamily="34" charset="0"/>
                 <a:cs typeface="Arial" pitchFamily="34" charset="0"/>
               </a:rPr>
-              <a:t> le </a:t>
-            </a:r>
-            <a:r>
-              <a:rPr lang="en-US" altLang="ko-KR" b="1" dirty="0" err="1" smtClean="0">
+              <a:t>xtait</a:t>
+            </a:r>
+            <a:r>
+              <a:rPr lang="en-US" altLang="ko-KR" b="1" dirty="0" smtClean="0">
                 <a:solidFill>
                   <a:schemeClr val="tx1">
                     <a:lumMod val="75000"/>
@@ -34660,7 +34682,33 @@
                 <a:latin typeface="Candara" panose="020E0502030303020204" pitchFamily="34" charset="0"/>
                 <a:cs typeface="Arial" pitchFamily="34" charset="0"/>
               </a:rPr>
-              <a:t>dosier</a:t>
+              <a:t> </a:t>
+            </a:r>
+            <a:r>
+              <a:rPr lang="en-US" altLang="ko-KR" b="1" dirty="0">
+                <a:solidFill>
+                  <a:schemeClr val="tx1">
+                    <a:lumMod val="75000"/>
+                    <a:lumOff val="25000"/>
+                  </a:schemeClr>
+                </a:solidFill>
+                <a:latin typeface="Candara" panose="020E0502030303020204" pitchFamily="34" charset="0"/>
+                <a:cs typeface="Arial" pitchFamily="34" charset="0"/>
+              </a:rPr>
+              <a:t>le </a:t>
+            </a:r>
+            <a:r>
+              <a:rPr lang="en-US" altLang="ko-KR" b="1" dirty="0" smtClean="0">
+                <a:solidFill>
+                  <a:schemeClr val="tx1">
+                    <a:lumMod val="75000"/>
+                    <a:lumOff val="25000"/>
+                  </a:schemeClr>
+                </a:solidFill>
+                <a:latin typeface="Candara" panose="020E0502030303020204" pitchFamily="34" charset="0"/>
+                <a:cs typeface="Arial" pitchFamily="34" charset="0"/>
+              </a:rPr>
+              <a:t>dossier</a:t>
             </a:r>
             <a:endParaRPr lang="en-US" altLang="ko-KR" b="1" dirty="0">
               <a:solidFill>
@@ -34697,7 +34745,7 @@
           <a:lstStyle/>
           <a:p>
             <a:r>
-              <a:rPr lang="en-US" altLang="ko-KR" dirty="0" err="1">
+              <a:rPr lang="en-US" altLang="ko-KR" dirty="0" smtClean="0">
                 <a:solidFill>
                   <a:schemeClr val="tx1">
                     <a:lumMod val="75000"/>
@@ -34707,10 +34755,10 @@
                 <a:latin typeface="Candara" panose="020E0502030303020204" pitchFamily="34" charset="0"/>
                 <a:cs typeface="Arial" pitchFamily="34" charset="0"/>
               </a:rPr>
-              <a:t>mettre</a:t>
-            </a:r>
-            <a:r>
-              <a:rPr lang="en-US" altLang="ko-KR" dirty="0">
+              <a:t>metre</a:t>
+            </a:r>
+            <a:r>
+              <a:rPr lang="en-US" altLang="ko-KR" dirty="0" smtClean="0">
                 <a:solidFill>
                   <a:schemeClr val="tx1">
                     <a:lumMod val="75000"/>
@@ -34720,10 +34768,10 @@
                 <a:latin typeface="Candara" panose="020E0502030303020204" pitchFamily="34" charset="0"/>
                 <a:cs typeface="Arial" pitchFamily="34" charset="0"/>
               </a:rPr>
-              <a:t> le </a:t>
-            </a:r>
-            <a:r>
-              <a:rPr lang="en-US" altLang="ko-KR" dirty="0" err="1">
+              <a:t> </a:t>
+            </a:r>
+            <a:r>
+              <a:rPr lang="en-US" altLang="ko-KR" dirty="0">
                 <a:solidFill>
                   <a:schemeClr val="tx1">
                     <a:lumMod val="75000"/>
@@ -34733,10 +34781,10 @@
                 <a:latin typeface="Candara" panose="020E0502030303020204" pitchFamily="34" charset="0"/>
                 <a:cs typeface="Arial" pitchFamily="34" charset="0"/>
               </a:rPr>
-              <a:t>chemin</a:t>
-            </a:r>
-            <a:r>
-              <a:rPr lang="en-US" altLang="ko-KR" dirty="0">
+              <a:t>le </a:t>
+            </a:r>
+            <a:r>
+              <a:rPr lang="en-US" altLang="ko-KR" dirty="0" smtClean="0">
                 <a:solidFill>
                   <a:schemeClr val="tx1">
                     <a:lumMod val="75000"/>
@@ -34746,10 +34794,10 @@
                 <a:latin typeface="Candara" panose="020E0502030303020204" pitchFamily="34" charset="0"/>
                 <a:cs typeface="Arial" pitchFamily="34" charset="0"/>
               </a:rPr>
-              <a:t> </a:t>
-            </a:r>
-            <a:r>
-              <a:rPr lang="en-US" altLang="ko-KR" dirty="0" err="1">
+              <a:t>Chemin</a:t>
+            </a:r>
+            <a:r>
+              <a:rPr lang="en-US" altLang="ko-KR" dirty="0" smtClean="0">
                 <a:solidFill>
                   <a:schemeClr val="tx1">
                     <a:lumMod val="75000"/>
@@ -34759,10 +34807,10 @@
                 <a:latin typeface="Candara" panose="020E0502030303020204" pitchFamily="34" charset="0"/>
                 <a:cs typeface="Arial" pitchFamily="34" charset="0"/>
               </a:rPr>
-              <a:t>d’acer</a:t>
-            </a:r>
-            <a:r>
-              <a:rPr lang="en-US" altLang="ko-KR" dirty="0">
+              <a:t> </a:t>
+            </a:r>
+            <a:r>
+              <a:rPr lang="en-US" altLang="ko-KR" dirty="0" smtClean="0">
                 <a:solidFill>
                   <a:schemeClr val="tx1">
                     <a:lumMod val="75000"/>
@@ -34772,10 +34820,23 @@
                 <a:latin typeface="Candara" panose="020E0502030303020204" pitchFamily="34" charset="0"/>
                 <a:cs typeface="Arial" pitchFamily="34" charset="0"/>
               </a:rPr>
+              <a:t>d’accé</a:t>
+            </a:r>
+            <a:r>
+              <a:rPr lang="en-US" altLang="ko-KR" dirty="0" smtClean="0">
+                <a:solidFill>
+                  <a:schemeClr val="tx1">
+                    <a:lumMod val="75000"/>
+                    <a:lumOff val="25000"/>
+                  </a:schemeClr>
+                </a:solidFill>
+                <a:latin typeface="Candara" panose="020E0502030303020204" pitchFamily="34" charset="0"/>
+                <a:cs typeface="Arial" pitchFamily="34" charset="0"/>
+              </a:rPr>
               <a:t> </a:t>
             </a:r>
             <a:r>
-              <a:rPr lang="en-US" altLang="ko-KR" dirty="0" err="1">
+              <a:rPr lang="en-US" altLang="ko-KR" dirty="0">
                 <a:solidFill>
                   <a:schemeClr val="tx1">
                     <a:lumMod val="75000"/>
@@ -34874,7 +34935,7 @@
           <a:lstStyle/>
           <a:p>
             <a:r>
-              <a:rPr lang="en-US" altLang="ko-KR" dirty="0" err="1" smtClean="0">
+              <a:rPr lang="en-US" altLang="ko-KR" dirty="0" smtClean="0">
                 <a:solidFill>
                   <a:schemeClr val="tx1">
                     <a:lumMod val="75000"/>
@@ -34913,7 +34974,7 @@
               <a:t>invite de </a:t>
             </a:r>
             <a:r>
-              <a:rPr lang="en-US" altLang="ko-KR" dirty="0" err="1">
+              <a:rPr lang="en-US" altLang="ko-KR" dirty="0">
                 <a:solidFill>
                   <a:schemeClr val="tx1">
                     <a:lumMod val="75000"/>
@@ -34939,7 +35000,7 @@
               <a:t> et </a:t>
             </a:r>
             <a:r>
-              <a:rPr lang="en-US" altLang="ko-KR" dirty="0" err="1">
+              <a:rPr lang="en-US" altLang="ko-KR" dirty="0">
                 <a:solidFill>
                   <a:schemeClr val="tx1">
                     <a:lumMod val="75000"/>
@@ -34965,7 +35026,7 @@
               <a:t> la </a:t>
             </a:r>
             <a:r>
-              <a:rPr lang="en-US" altLang="ko-KR" dirty="0" err="1">
+              <a:rPr lang="en-US" altLang="ko-KR" dirty="0">
                 <a:solidFill>
                   <a:schemeClr val="tx1">
                     <a:lumMod val="75000"/>
@@ -34991,7 +35052,7 @@
               <a:t> </a:t>
             </a:r>
             <a:r>
-              <a:rPr lang="en-US" altLang="ko-KR" dirty="0" err="1">
+              <a:rPr lang="en-US" altLang="ko-KR" dirty="0">
                 <a:solidFill>
                   <a:schemeClr val="tx1">
                     <a:lumMod val="75000"/>
@@ -35059,7 +35120,7 @@
           <p:cNvPr id="15" name="TextBox 32">
             <a:extLst>
               <a:ext uri="{FF2B5EF4-FFF2-40B4-BE49-F238E27FC236}">
-                <a16:creationId xmlns:a16="http://schemas.microsoft.com/office/drawing/2014/main" xmlns="" id="{3D68DC4F-6C57-4033-AD85-E705874ADB27}"/>
+                <a16:creationId xmlns:a16="http://schemas.microsoft.com/office/drawing/2014/main" id="{3D68DC4F-6C57-4033-AD85-E705874ADB27}"/>
               </a:ext>
             </a:extLst>
           </p:cNvPr>
@@ -35094,20 +35155,7 @@
                 <a:latin typeface="Candara" panose="020E0502030303020204" pitchFamily="34" charset="0"/>
                 <a:cs typeface="Arial" pitchFamily="34" charset="0"/>
               </a:rPr>
-              <a:t> </a:t>
-            </a:r>
-            <a:r>
-              <a:rPr lang="en-US" altLang="ko-KR" sz="2400" b="1" dirty="0" smtClean="0">
-                <a:solidFill>
-                  <a:schemeClr val="tx1">
-                    <a:lumMod val="75000"/>
-                    <a:lumOff val="25000"/>
-                  </a:schemeClr>
-                </a:solidFill>
-                <a:latin typeface="Candara" panose="020E0502030303020204" pitchFamily="34" charset="0"/>
-                <a:cs typeface="Arial" pitchFamily="34" charset="0"/>
-              </a:rPr>
-              <a:t>2</a:t>
+              <a:t> 2</a:t>
             </a:r>
             <a:endParaRPr lang="ko-KR" altLang="en-US" sz="2400" b="1" dirty="0">
               <a:solidFill>
@@ -35127,7 +35175,7 @@
           <p:cNvPr id="16" name="TextBox 32">
             <a:extLst>
               <a:ext uri="{FF2B5EF4-FFF2-40B4-BE49-F238E27FC236}">
-                <a16:creationId xmlns:a16="http://schemas.microsoft.com/office/drawing/2014/main" xmlns="" id="{3D68DC4F-6C57-4033-AD85-E705874ADB27}"/>
+                <a16:creationId xmlns:a16="http://schemas.microsoft.com/office/drawing/2014/main" id="{3D68DC4F-6C57-4033-AD85-E705874ADB27}"/>
               </a:ext>
             </a:extLst>
           </p:cNvPr>
@@ -35182,7 +35230,7 @@
           <p:cNvPr id="17" name="TextBox 32">
             <a:extLst>
               <a:ext uri="{FF2B5EF4-FFF2-40B4-BE49-F238E27FC236}">
-                <a16:creationId xmlns:a16="http://schemas.microsoft.com/office/drawing/2014/main" xmlns="" id="{3D68DC4F-6C57-4033-AD85-E705874ADB27}"/>
+                <a16:creationId xmlns:a16="http://schemas.microsoft.com/office/drawing/2014/main" id="{3D68DC4F-6C57-4033-AD85-E705874ADB27}"/>
               </a:ext>
             </a:extLst>
           </p:cNvPr>
@@ -35250,7 +35298,7 @@
           <p:cNvPr id="18" name="TextBox 32">
             <a:extLst>
               <a:ext uri="{FF2B5EF4-FFF2-40B4-BE49-F238E27FC236}">
-                <a16:creationId xmlns:a16="http://schemas.microsoft.com/office/drawing/2014/main" xmlns="" id="{3D68DC4F-6C57-4033-AD85-E705874ADB27}"/>
+                <a16:creationId xmlns:a16="http://schemas.microsoft.com/office/drawing/2014/main" id="{3D68DC4F-6C57-4033-AD85-E705874ADB27}"/>
               </a:ext>
             </a:extLst>
           </p:cNvPr>
@@ -35323,6 +35371,13 @@
   <p:clrMapOvr>
     <a:masterClrMapping/>
   </p:clrMapOvr>
+  <p:timing>
+    <p:tnLst>
+      <p:par>
+        <p:cTn id="1" dur="indefinite" restart="never" nodeType="tmRoot"/>
+      </p:par>
+    </p:tnLst>
+  </p:timing>
 </p:sld>
 </file>
 
@@ -35348,7 +35403,7 @@
           <p:cNvPr id="2" name="Text Placeholder 1">
             <a:extLst>
               <a:ext uri="{FF2B5EF4-FFF2-40B4-BE49-F238E27FC236}">
-                <a16:creationId xmlns:a16="http://schemas.microsoft.com/office/drawing/2014/main" xmlns="" id="{D9B85F3A-0D98-4AE5-8CED-AA4A4CF82188}"/>
+                <a16:creationId xmlns:a16="http://schemas.microsoft.com/office/drawing/2014/main" id="{D9B85F3A-0D98-4AE5-8CED-AA4A4CF82188}"/>
               </a:ext>
             </a:extLst>
           </p:cNvPr>
@@ -35374,7 +35429,7 @@
               <a:t>Creation </a:t>
             </a:r>
             <a:r>
-              <a:rPr lang="en-US" sz="4400" dirty="0" err="1" smtClean="0"/>
+              <a:rPr lang="en-US" sz="4400" dirty="0" smtClean="0"/>
               <a:t>projet</a:t>
             </a:r>
             <a:r>
@@ -35414,7 +35469,7 @@
           <p:cNvPr id="47" name="TextBox 18">
             <a:extLst>
               <a:ext uri="{FF2B5EF4-FFF2-40B4-BE49-F238E27FC236}">
-                <a16:creationId xmlns:a16="http://schemas.microsoft.com/office/drawing/2014/main" xmlns="" id="{2106AE42-381B-4181-99FF-C01ED1B820A7}"/>
+                <a16:creationId xmlns:a16="http://schemas.microsoft.com/office/drawing/2014/main" id="{2106AE42-381B-4181-99FF-C01ED1B820A7}"/>
               </a:ext>
             </a:extLst>
           </p:cNvPr>
@@ -35457,7 +35512,7 @@
           <p:cNvPr id="48" name="TextBox 18">
             <a:extLst>
               <a:ext uri="{FF2B5EF4-FFF2-40B4-BE49-F238E27FC236}">
-                <a16:creationId xmlns:a16="http://schemas.microsoft.com/office/drawing/2014/main" xmlns="" id="{2106AE42-381B-4181-99FF-C01ED1B820A7}"/>
+                <a16:creationId xmlns:a16="http://schemas.microsoft.com/office/drawing/2014/main" id="{2106AE42-381B-4181-99FF-C01ED1B820A7}"/>
               </a:ext>
             </a:extLst>
           </p:cNvPr>
@@ -35481,7 +35536,7 @@
           <a:lstStyle/>
           <a:p>
             <a:r>
-              <a:rPr lang="en-US" altLang="ko-KR" sz="2000" dirty="0" err="1" smtClean="0">
+              <a:rPr lang="en-US" altLang="ko-KR" sz="2000" dirty="0" smtClean="0">
                 <a:solidFill>
                   <a:schemeClr val="tx1">
                     <a:lumMod val="75000"/>
@@ -35507,7 +35562,7 @@
               <a:t> invite de </a:t>
             </a:r>
             <a:r>
-              <a:rPr lang="en-US" altLang="ko-KR" sz="2000" dirty="0" err="1" smtClean="0">
+              <a:rPr lang="en-US" altLang="ko-KR" sz="2000" dirty="0" smtClean="0">
                 <a:solidFill>
                   <a:schemeClr val="tx1">
                     <a:lumMod val="75000"/>
@@ -35533,7 +35588,7 @@
               <a:t> et </a:t>
             </a:r>
             <a:r>
-              <a:rPr lang="en-US" altLang="ko-KR" sz="2000" dirty="0" err="1" smtClean="0">
+              <a:rPr lang="en-US" altLang="ko-KR" sz="2000" dirty="0" smtClean="0">
                 <a:solidFill>
                   <a:schemeClr val="tx1">
                     <a:lumMod val="75000"/>
@@ -35543,7 +35598,7 @@
                 <a:latin typeface="Candara" panose="020E0502030303020204" pitchFamily="34" charset="0"/>
                 <a:cs typeface="Arial" pitchFamily="34" charset="0"/>
               </a:rPr>
-              <a:t>entrer</a:t>
+              <a:t>entré</a:t>
             </a:r>
             <a:r>
               <a:rPr lang="en-US" altLang="ko-KR" sz="2000" dirty="0" smtClean="0">
@@ -35559,7 +35614,7 @@
               <a:t> </a:t>
             </a:r>
             <a:r>
-              <a:rPr lang="en-US" altLang="ko-KR" sz="2000" dirty="0" err="1" smtClean="0">
+              <a:rPr lang="en-US" altLang="ko-KR" sz="2000" dirty="0" smtClean="0">
                 <a:solidFill>
                   <a:schemeClr val="tx1">
                     <a:lumMod val="75000"/>
@@ -35585,7 +35640,7 @@
               <a:t> </a:t>
             </a:r>
             <a:r>
-              <a:rPr lang="en-US" altLang="ko-KR" sz="2000" dirty="0" err="1" smtClean="0">
+              <a:rPr lang="en-US" altLang="ko-KR" sz="2000" dirty="0" smtClean="0">
                 <a:solidFill>
                   <a:schemeClr val="tx1">
                     <a:lumMod val="75000"/>
@@ -35611,7 +35666,7 @@
               <a:t> les </a:t>
             </a:r>
             <a:r>
-              <a:rPr lang="en-US" altLang="ko-KR" sz="2000" dirty="0" err="1" smtClean="0">
+              <a:rPr lang="en-US" altLang="ko-KR" sz="2000" dirty="0" smtClean="0">
                 <a:solidFill>
                   <a:schemeClr val="tx1">
                     <a:lumMod val="75000"/>
@@ -35644,7 +35699,7 @@
           <p:cNvPr id="6" name="TextBox 18">
             <a:extLst>
               <a:ext uri="{FF2B5EF4-FFF2-40B4-BE49-F238E27FC236}">
-                <a16:creationId xmlns:a16="http://schemas.microsoft.com/office/drawing/2014/main" xmlns="" id="{2106AE42-381B-4181-99FF-C01ED1B820A7}"/>
+                <a16:creationId xmlns:a16="http://schemas.microsoft.com/office/drawing/2014/main" id="{2106AE42-381B-4181-99FF-C01ED1B820A7}"/>
               </a:ext>
             </a:extLst>
           </p:cNvPr>
@@ -35668,7 +35723,7 @@
           <a:lstStyle/>
           <a:p>
             <a:r>
-              <a:rPr lang="en-US" altLang="ko-KR" sz="2800" b="1" dirty="0" err="1" smtClean="0">
+              <a:rPr lang="en-US" altLang="ko-KR" sz="2800" b="1" dirty="0" smtClean="0">
                 <a:solidFill>
                   <a:schemeClr val="tx1">
                     <a:lumMod val="75000"/>
@@ -35694,7 +35749,7 @@
               <a:t> a </a:t>
             </a:r>
             <a:r>
-              <a:rPr lang="en-US" altLang="ko-KR" sz="2800" b="1" dirty="0" err="1" smtClean="0">
+              <a:rPr lang="en-US" altLang="ko-KR" sz="2800" b="1" dirty="0" smtClean="0">
                 <a:solidFill>
                   <a:schemeClr val="tx1">
                     <a:lumMod val="75000"/>
@@ -35754,7 +35809,7 @@
           <a:lstStyle/>
           <a:p>
             <a:r>
-              <a:rPr lang="fr-FR" b="1" dirty="0" err="1"/>
+              <a:rPr lang="fr-FR" b="1" dirty="0"/>
               <a:t>spring</a:t>
             </a:r>
             <a:r>
@@ -35762,7 +35817,7 @@
               <a:t> </a:t>
             </a:r>
             <a:r>
-              <a:rPr lang="fr-FR" b="1" dirty="0" err="1"/>
+              <a:rPr lang="fr-FR" b="1" dirty="0"/>
               <a:t>init</a:t>
             </a:r>
             <a:r>
@@ -35795,7 +35850,7 @@
           <a:lstStyle/>
           <a:p>
             <a:r>
-              <a:rPr lang="fr-FR" b="1" dirty="0" err="1"/>
+              <a:rPr lang="fr-FR" b="1" dirty="0"/>
               <a:t>spring</a:t>
             </a:r>
             <a:r>
@@ -35803,7 +35858,7 @@
               <a:t> </a:t>
             </a:r>
             <a:r>
-              <a:rPr lang="fr-FR" b="1" dirty="0" err="1"/>
+              <a:rPr lang="fr-FR" b="1" dirty="0"/>
               <a:t>init</a:t>
             </a:r>
             <a:r>
@@ -35811,7 +35866,7 @@
               <a:t> -</a:t>
             </a:r>
             <a:r>
-              <a:rPr lang="fr-FR" b="1" dirty="0" err="1" smtClean="0"/>
+              <a:rPr lang="fr-FR" b="1" dirty="0" smtClean="0"/>
               <a:t>dweb,jpa,security</a:t>
             </a:r>
             <a:r>
@@ -35847,7 +35902,7 @@
               <a:t>spring </a:t>
             </a:r>
             <a:r>
-              <a:rPr lang="en-US" b="1" dirty="0" err="1"/>
+              <a:rPr lang="en-US" b="1" dirty="0"/>
               <a:t>init</a:t>
             </a:r>
             <a:r>
@@ -35855,7 +35910,7 @@
               <a:t> -</a:t>
             </a:r>
             <a:r>
-              <a:rPr lang="en-US" b="1" dirty="0" err="1"/>
+              <a:rPr lang="en-US" b="1" dirty="0"/>
               <a:t>dweb,jpa,security</a:t>
             </a:r>
             <a:r>
@@ -35896,7 +35951,7 @@
               <a:t>spring </a:t>
             </a:r>
             <a:r>
-              <a:rPr lang="en-US" b="1" dirty="0" err="1"/>
+              <a:rPr lang="en-US" b="1" dirty="0"/>
               <a:t>init</a:t>
             </a:r>
             <a:r>
@@ -35904,7 +35959,7 @@
               <a:t> -</a:t>
             </a:r>
             <a:r>
-              <a:rPr lang="en-US" b="1" dirty="0" err="1"/>
+              <a:rPr lang="en-US" b="1" dirty="0"/>
               <a:t>dweb,jpa,security</a:t>
             </a:r>
             <a:r>
@@ -35912,7 +35967,7 @@
               <a:t> –build </a:t>
             </a:r>
             <a:r>
-              <a:rPr lang="en-US" b="1" dirty="0" err="1"/>
+              <a:rPr lang="en-US" b="1" dirty="0"/>
               <a:t>gradle</a:t>
             </a:r>
             <a:r>
@@ -35949,7 +36004,7 @@
               <a:t>spring </a:t>
             </a:r>
             <a:r>
-              <a:rPr lang="en-US" b="1" dirty="0" err="1"/>
+              <a:rPr lang="en-US" b="1" dirty="0"/>
               <a:t>init</a:t>
             </a:r>
             <a:r>
@@ -35957,7 +36012,7 @@
               <a:t> -</a:t>
             </a:r>
             <a:r>
-              <a:rPr lang="en-US" b="1" dirty="0" err="1"/>
+              <a:rPr lang="en-US" b="1" dirty="0"/>
               <a:t>dweb,jpa,security</a:t>
             </a:r>
             <a:r>
@@ -35998,7 +36053,7 @@
               <a:t>spring </a:t>
             </a:r>
             <a:r>
-              <a:rPr lang="en-US" b="1" dirty="0" err="1"/>
+              <a:rPr lang="en-US" b="1" dirty="0"/>
               <a:t>init</a:t>
             </a:r>
             <a:r>
@@ -36006,7 +36061,7 @@
               <a:t> -</a:t>
             </a:r>
             <a:r>
-              <a:rPr lang="en-US" b="1" dirty="0" err="1"/>
+              <a:rPr lang="en-US" b="1" dirty="0"/>
               <a:t>dweb,jpa,security</a:t>
             </a:r>
             <a:r>
@@ -36014,7 +36069,7 @@
               <a:t> –build maven -p war </a:t>
             </a:r>
             <a:r>
-              <a:rPr lang="en-US" b="1" dirty="0" err="1"/>
+              <a:rPr lang="en-US" b="1" dirty="0"/>
               <a:t>monappli</a:t>
             </a:r>
             <a:r>
@@ -36030,7 +36085,7 @@
           <p:cNvPr id="13" name="TextBox 32">
             <a:extLst>
               <a:ext uri="{FF2B5EF4-FFF2-40B4-BE49-F238E27FC236}">
-                <a16:creationId xmlns:a16="http://schemas.microsoft.com/office/drawing/2014/main" xmlns="" id="{3D68DC4F-6C57-4033-AD85-E705874ADB27}"/>
+                <a16:creationId xmlns:a16="http://schemas.microsoft.com/office/drawing/2014/main" id="{3D68DC4F-6C57-4033-AD85-E705874ADB27}"/>
               </a:ext>
             </a:extLst>
           </p:cNvPr>
@@ -36065,20 +36120,7 @@
                 <a:latin typeface="Candara" panose="020E0502030303020204" pitchFamily="34" charset="0"/>
                 <a:cs typeface="Arial" pitchFamily="34" charset="0"/>
               </a:rPr>
-              <a:t> </a:t>
-            </a:r>
-            <a:r>
-              <a:rPr lang="en-US" altLang="ko-KR" sz="2400" b="1" dirty="0" smtClean="0">
-                <a:solidFill>
-                  <a:schemeClr val="tx1">
-                    <a:lumMod val="75000"/>
-                    <a:lumOff val="25000"/>
-                  </a:schemeClr>
-                </a:solidFill>
-                <a:latin typeface="Candara" panose="020E0502030303020204" pitchFamily="34" charset="0"/>
-                <a:cs typeface="Arial" pitchFamily="34" charset="0"/>
-              </a:rPr>
-              <a:t>1</a:t>
+              <a:t> 1</a:t>
             </a:r>
             <a:endParaRPr lang="ko-KR" altLang="en-US" sz="2400" b="1" dirty="0">
               <a:solidFill>
@@ -36098,7 +36140,7 @@
           <p:cNvPr id="14" name="TextBox 32">
             <a:extLst>
               <a:ext uri="{FF2B5EF4-FFF2-40B4-BE49-F238E27FC236}">
-                <a16:creationId xmlns:a16="http://schemas.microsoft.com/office/drawing/2014/main" xmlns="" id="{3D68DC4F-6C57-4033-AD85-E705874ADB27}"/>
+                <a16:creationId xmlns:a16="http://schemas.microsoft.com/office/drawing/2014/main" id="{3D68DC4F-6C57-4033-AD85-E705874ADB27}"/>
               </a:ext>
             </a:extLst>
           </p:cNvPr>
@@ -36133,20 +36175,7 @@
                 <a:latin typeface="Candara" panose="020E0502030303020204" pitchFamily="34" charset="0"/>
                 <a:cs typeface="Arial" pitchFamily="34" charset="0"/>
               </a:rPr>
-              <a:t> </a:t>
-            </a:r>
-            <a:r>
-              <a:rPr lang="en-US" altLang="ko-KR" sz="2400" b="1" dirty="0" smtClean="0">
-                <a:solidFill>
-                  <a:schemeClr val="tx1">
-                    <a:lumMod val="75000"/>
-                    <a:lumOff val="25000"/>
-                  </a:schemeClr>
-                </a:solidFill>
-                <a:latin typeface="Candara" panose="020E0502030303020204" pitchFamily="34" charset="0"/>
-                <a:cs typeface="Arial" pitchFamily="34" charset="0"/>
-              </a:rPr>
-              <a:t>2</a:t>
+              <a:t> 2</a:t>
             </a:r>
             <a:endParaRPr lang="ko-KR" altLang="en-US" sz="2400" b="1" dirty="0">
               <a:solidFill>
@@ -36166,7 +36195,7 @@
           <p:cNvPr id="15" name="TextBox 32">
             <a:extLst>
               <a:ext uri="{FF2B5EF4-FFF2-40B4-BE49-F238E27FC236}">
-                <a16:creationId xmlns:a16="http://schemas.microsoft.com/office/drawing/2014/main" xmlns="" id="{3D68DC4F-6C57-4033-AD85-E705874ADB27}"/>
+                <a16:creationId xmlns:a16="http://schemas.microsoft.com/office/drawing/2014/main" id="{3D68DC4F-6C57-4033-AD85-E705874ADB27}"/>
               </a:ext>
             </a:extLst>
           </p:cNvPr>
@@ -36221,7 +36250,7 @@
           <p:cNvPr id="16" name="TextBox 32">
             <a:extLst>
               <a:ext uri="{FF2B5EF4-FFF2-40B4-BE49-F238E27FC236}">
-                <a16:creationId xmlns:a16="http://schemas.microsoft.com/office/drawing/2014/main" xmlns="" id="{3D68DC4F-6C57-4033-AD85-E705874ADB27}"/>
+                <a16:creationId xmlns:a16="http://schemas.microsoft.com/office/drawing/2014/main" id="{3D68DC4F-6C57-4033-AD85-E705874ADB27}"/>
               </a:ext>
             </a:extLst>
           </p:cNvPr>
@@ -36289,7 +36318,7 @@
           <p:cNvPr id="17" name="TextBox 32">
             <a:extLst>
               <a:ext uri="{FF2B5EF4-FFF2-40B4-BE49-F238E27FC236}">
-                <a16:creationId xmlns:a16="http://schemas.microsoft.com/office/drawing/2014/main" xmlns="" id="{3D68DC4F-6C57-4033-AD85-E705874ADB27}"/>
+                <a16:creationId xmlns:a16="http://schemas.microsoft.com/office/drawing/2014/main" id="{3D68DC4F-6C57-4033-AD85-E705874ADB27}"/>
               </a:ext>
             </a:extLst>
           </p:cNvPr>
@@ -36357,7 +36386,7 @@
           <p:cNvPr id="18" name="TextBox 32">
             <a:extLst>
               <a:ext uri="{FF2B5EF4-FFF2-40B4-BE49-F238E27FC236}">
-                <a16:creationId xmlns:a16="http://schemas.microsoft.com/office/drawing/2014/main" xmlns="" id="{3D68DC4F-6C57-4033-AD85-E705874ADB27}"/>
+                <a16:creationId xmlns:a16="http://schemas.microsoft.com/office/drawing/2014/main" id="{3D68DC4F-6C57-4033-AD85-E705874ADB27}"/>
               </a:ext>
             </a:extLst>
           </p:cNvPr>
@@ -36392,20 +36421,7 @@
                 <a:latin typeface="Candara" panose="020E0502030303020204" pitchFamily="34" charset="0"/>
                 <a:cs typeface="Arial" pitchFamily="34" charset="0"/>
               </a:rPr>
-              <a:t> </a:t>
-            </a:r>
-            <a:r>
-              <a:rPr lang="en-US" altLang="ko-KR" sz="2400" b="1" dirty="0" smtClean="0">
-                <a:solidFill>
-                  <a:schemeClr val="tx1">
-                    <a:lumMod val="75000"/>
-                    <a:lumOff val="25000"/>
-                  </a:schemeClr>
-                </a:solidFill>
-                <a:latin typeface="Candara" panose="020E0502030303020204" pitchFamily="34" charset="0"/>
-                <a:cs typeface="Arial" pitchFamily="34" charset="0"/>
-              </a:rPr>
-              <a:t>6</a:t>
+              <a:t> 6</a:t>
             </a:r>
             <a:endParaRPr lang="ko-KR" altLang="en-US" sz="2400" b="1" dirty="0">
               <a:solidFill>
@@ -36486,7 +36502,7 @@
           <p:cNvPr id="3" name="TextBox 18">
             <a:extLst>
               <a:ext uri="{FF2B5EF4-FFF2-40B4-BE49-F238E27FC236}">
-                <a16:creationId xmlns:a16="http://schemas.microsoft.com/office/drawing/2014/main" xmlns="" id="{2106AE42-381B-4181-99FF-C01ED1B820A7}"/>
+                <a16:creationId xmlns:a16="http://schemas.microsoft.com/office/drawing/2014/main" id="{2106AE42-381B-4181-99FF-C01ED1B820A7}"/>
               </a:ext>
             </a:extLst>
           </p:cNvPr>
@@ -36496,7 +36512,7 @@
         <p:spPr>
           <a:xfrm>
             <a:off x="2961190" y="1185506"/>
-            <a:ext cx="5175807" cy="400110"/>
+            <a:ext cx="5455022" cy="400110"/>
           </a:xfrm>
           <a:prstGeom prst="rect">
             <a:avLst/>
@@ -36510,7 +36526,7 @@
           <a:lstStyle/>
           <a:p>
             <a:r>
-              <a:rPr lang="en-US" altLang="ko-KR" sz="2000" b="1" dirty="0" err="1" smtClean="0">
+              <a:rPr lang="en-US" altLang="ko-KR" sz="2000" b="1" dirty="0" smtClean="0">
                 <a:solidFill>
                   <a:schemeClr val="tx1">
                     <a:lumMod val="75000"/>
@@ -36536,7 +36552,7 @@
               <a:t> un </a:t>
             </a:r>
             <a:r>
-              <a:rPr lang="en-US" altLang="ko-KR" sz="2000" b="1" dirty="0" err="1" smtClean="0">
+              <a:rPr lang="en-US" altLang="ko-KR" sz="2000" b="1" dirty="0" smtClean="0">
                 <a:solidFill>
                   <a:schemeClr val="tx1">
                     <a:lumMod val="75000"/>
@@ -36562,7 +36578,7 @@
               <a:t> et </a:t>
             </a:r>
             <a:r>
-              <a:rPr lang="en-US" altLang="ko-KR" sz="2000" b="1" dirty="0" err="1" smtClean="0">
+              <a:rPr lang="en-US" altLang="ko-KR" sz="2000" b="1" dirty="0" smtClean="0">
                 <a:solidFill>
                   <a:schemeClr val="tx1">
                     <a:lumMod val="75000"/>
@@ -36572,7 +36588,7 @@
                 <a:latin typeface="Candara" panose="020E0502030303020204" pitchFamily="34" charset="0"/>
                 <a:cs typeface="Arial" pitchFamily="34" charset="0"/>
               </a:rPr>
-              <a:t>entré</a:t>
+              <a:t>entrée </a:t>
             </a:r>
             <a:r>
               <a:rPr lang="en-US" altLang="ko-KR" sz="2000" b="1" dirty="0" smtClean="0">
@@ -36585,10 +36601,10 @@
                 <a:latin typeface="Candara" panose="020E0502030303020204" pitchFamily="34" charset="0"/>
                 <a:cs typeface="Arial" pitchFamily="34" charset="0"/>
               </a:rPr>
-              <a:t> (Spring </a:t>
-            </a:r>
-            <a:r>
-              <a:rPr lang="en-US" altLang="ko-KR" sz="2000" b="1" dirty="0" err="1">
+              <a:t>(Spring </a:t>
+            </a:r>
+            <a:r>
+              <a:rPr lang="en-US" altLang="ko-KR" sz="2000" b="1" dirty="0">
                 <a:solidFill>
                   <a:schemeClr val="tx1">
                     <a:lumMod val="75000"/>
@@ -36631,7 +36647,7 @@
           <p:cNvPr id="4" name="TextBox 18">
             <a:extLst>
               <a:ext uri="{FF2B5EF4-FFF2-40B4-BE49-F238E27FC236}">
-                <a16:creationId xmlns:a16="http://schemas.microsoft.com/office/drawing/2014/main" xmlns="" id="{2106AE42-381B-4181-99FF-C01ED1B820A7}"/>
+                <a16:creationId xmlns:a16="http://schemas.microsoft.com/office/drawing/2014/main" id="{2106AE42-381B-4181-99FF-C01ED1B820A7}"/>
               </a:ext>
             </a:extLst>
           </p:cNvPr>
@@ -36655,7 +36671,7 @@
           <a:lstStyle/>
           <a:p>
             <a:r>
-              <a:rPr lang="en-US" altLang="ko-KR" sz="2800" b="1" dirty="0" err="1" smtClean="0">
+              <a:rPr lang="en-US" altLang="ko-KR" sz="2800" b="1" dirty="0" smtClean="0">
                 <a:solidFill>
                   <a:schemeClr val="tx1">
                     <a:lumMod val="75000"/>
@@ -36681,7 +36697,7 @@
               <a:t> et le </a:t>
             </a:r>
             <a:r>
-              <a:rPr lang="en-US" altLang="ko-KR" sz="2800" b="1" dirty="0" err="1" smtClean="0">
+              <a:rPr lang="en-US" altLang="ko-KR" sz="2800" b="1" dirty="0" smtClean="0">
                 <a:solidFill>
                   <a:schemeClr val="tx1">
                     <a:lumMod val="75000"/>
@@ -36691,7 +36707,7 @@
                 <a:latin typeface="Candara" panose="020E0502030303020204" pitchFamily="34" charset="0"/>
                 <a:cs typeface="Arial" pitchFamily="34" charset="0"/>
               </a:rPr>
-              <a:t>téléchagé</a:t>
+              <a:t>téléchager</a:t>
             </a:r>
             <a:r>
               <a:rPr lang="en-US" altLang="ko-KR" sz="2800" b="1" dirty="0" smtClean="0">
@@ -36720,7 +36736,7 @@
               <a:t>un </a:t>
             </a:r>
             <a:r>
-              <a:rPr lang="en-US" altLang="ko-KR" sz="2800" b="1" dirty="0" err="1">
+              <a:rPr lang="en-US" altLang="ko-KR" sz="2800" b="1" dirty="0">
                 <a:solidFill>
                   <a:schemeClr val="tx1">
                     <a:lumMod val="75000"/>
@@ -36822,6 +36838,13 @@
   <p:clrMapOvr>
     <a:masterClrMapping/>
   </p:clrMapOvr>
+  <p:timing>
+    <p:tnLst>
+      <p:par>
+        <p:cTn id="1" dur="indefinite" restart="never" nodeType="tmRoot"/>
+      </p:par>
+    </p:tnLst>
+  </p:timing>
 </p:sld>
 </file>
 
